--- a/ThesisLaTeX/fig.pptx
+++ b/ThesisLaTeX/fig.pptx
@@ -10,6 +10,7 @@
     <p:sldId id="258" r:id="rId4"/>
     <p:sldId id="259" r:id="rId5"/>
     <p:sldId id="260" r:id="rId6"/>
+    <p:sldId id="261" r:id="rId7"/>
   </p:sldIdLst>
   <p:sldSz cx="12192000" cy="6858000"/>
   <p:notesSz cx="6858000" cy="9144000"/>
@@ -18937,6 +18938,813 @@
 </p:sld>
 </file>
 
+<file path=ppt/slides/slide6.xml><?xml version="1.0" encoding="utf-8"?>
+<p:sld xmlns:a="http://schemas.openxmlformats.org/drawingml/2006/main" xmlns:r="http://schemas.openxmlformats.org/officeDocument/2006/relationships" xmlns:p="http://schemas.openxmlformats.org/presentationml/2006/main">
+  <p:cSld>
+    <p:spTree>
+      <p:nvGrpSpPr>
+        <p:cNvPr id="1" name=""/>
+        <p:cNvGrpSpPr/>
+        <p:nvPr/>
+      </p:nvGrpSpPr>
+      <p:grpSpPr>
+        <a:xfrm>
+          <a:off x="0" y="0"/>
+          <a:ext cx="0" cy="0"/>
+          <a:chOff x="0" y="0"/>
+          <a:chExt cx="0" cy="0"/>
+        </a:xfrm>
+      </p:grpSpPr>
+      <p:sp>
+        <p:nvSpPr>
+          <p:cNvPr id="2" name="Rectangle 1">
+            <a:extLst>
+              <a:ext uri="{FF2B5EF4-FFF2-40B4-BE49-F238E27FC236}">
+                <a16:creationId xmlns:a16="http://schemas.microsoft.com/office/drawing/2014/main" id="{0271EABE-579D-934C-87C1-DD15BD0BFBA6}"/>
+              </a:ext>
+            </a:extLst>
+          </p:cNvPr>
+          <p:cNvSpPr>
+            <a:spLocks noChangeAspect="1"/>
+          </p:cNvSpPr>
+          <p:nvPr/>
+        </p:nvSpPr>
+        <p:spPr>
+          <a:xfrm>
+            <a:off x="5173248" y="2004164"/>
+            <a:ext cx="1440000" cy="1440000"/>
+          </a:xfrm>
+          <a:prstGeom prst="rect">
+            <a:avLst/>
+          </a:prstGeom>
+          <a:noFill/>
+          <a:ln>
+            <a:solidFill>
+              <a:schemeClr val="tx1"/>
+            </a:solidFill>
+          </a:ln>
+        </p:spPr>
+        <p:style>
+          <a:lnRef idx="2">
+            <a:schemeClr val="dk1"/>
+          </a:lnRef>
+          <a:fillRef idx="1">
+            <a:schemeClr val="lt1"/>
+          </a:fillRef>
+          <a:effectRef idx="0">
+            <a:schemeClr val="dk1"/>
+          </a:effectRef>
+          <a:fontRef idx="minor">
+            <a:schemeClr val="dk1"/>
+          </a:fontRef>
+        </p:style>
+        <p:txBody>
+          <a:bodyPr rtlCol="0" anchor="ctr"/>
+          <a:lstStyle/>
+          <a:p>
+            <a:pPr algn="ctr"/>
+            <a:r>
+              <a:rPr lang="en-US" dirty="0">
+                <a:latin typeface="Arial" panose="020B0604020202020204" pitchFamily="34" charset="0"/>
+                <a:cs typeface="Arial" panose="020B0604020202020204" pitchFamily="34" charset="0"/>
+              </a:rPr>
+              <a:t>ConvLSTM</a:t>
+            </a:r>
+          </a:p>
+        </p:txBody>
+      </p:sp>
+      <p:pic>
+        <p:nvPicPr>
+          <p:cNvPr id="32" name="Picture 31">
+            <a:extLst>
+              <a:ext uri="{FF2B5EF4-FFF2-40B4-BE49-F238E27FC236}">
+                <a16:creationId xmlns:a16="http://schemas.microsoft.com/office/drawing/2014/main" id="{4AD870B9-1E89-1642-8250-63147149EF4F}"/>
+              </a:ext>
+            </a:extLst>
+          </p:cNvPr>
+          <p:cNvPicPr>
+            <a:picLocks noChangeAspect="1"/>
+          </p:cNvPicPr>
+          <p:nvPr/>
+        </p:nvPicPr>
+        <p:blipFill>
+          <a:blip r:embed="rId2">
+            <a:alphaModFix/>
+            <a:extLst>
+              <a:ext uri="{28A0092B-C50C-407E-A947-70E740481C1C}">
+                <a14:useLocalDpi xmlns:a14="http://schemas.microsoft.com/office/drawing/2010/main" val="0"/>
+              </a:ext>
+            </a:extLst>
+          </a:blip>
+          <a:stretch>
+            <a:fillRect/>
+          </a:stretch>
+        </p:blipFill>
+        <p:spPr>
+          <a:xfrm>
+            <a:off x="3240000" y="0"/>
+            <a:ext cx="2160000" cy="2160000"/>
+          </a:xfrm>
+          <a:prstGeom prst="rect">
+            <a:avLst/>
+          </a:prstGeom>
+        </p:spPr>
+      </p:pic>
+      <p:sp>
+        <p:nvSpPr>
+          <p:cNvPr id="33" name="TextBox 32">
+            <a:extLst>
+              <a:ext uri="{FF2B5EF4-FFF2-40B4-BE49-F238E27FC236}">
+                <a16:creationId xmlns:a16="http://schemas.microsoft.com/office/drawing/2014/main" id="{3908972F-C39F-C546-B189-1FBC1CDBFFCB}"/>
+              </a:ext>
+            </a:extLst>
+          </p:cNvPr>
+          <p:cNvSpPr txBox="1"/>
+          <p:nvPr/>
+        </p:nvSpPr>
+        <p:spPr>
+          <a:xfrm>
+            <a:off x="3644174" y="2158395"/>
+            <a:ext cx="1351652" cy="646331"/>
+          </a:xfrm>
+          <a:prstGeom prst="rect">
+            <a:avLst/>
+          </a:prstGeom>
+          <a:noFill/>
+          <a:ln>
+            <a:noFill/>
+          </a:ln>
+        </p:spPr>
+        <p:txBody>
+          <a:bodyPr wrap="none" rtlCol="0">
+            <a:spAutoFit/>
+          </a:bodyPr>
+          <a:lstStyle/>
+          <a:p>
+            <a:pPr algn="ctr"/>
+            <a:r>
+              <a:rPr lang="en-US" dirty="0">
+                <a:latin typeface="Arial" panose="020B0604020202020204" pitchFamily="34" charset="0"/>
+                <a:cs typeface="Arial" panose="020B0604020202020204" pitchFamily="34" charset="0"/>
+              </a:rPr>
+              <a:t>Features</a:t>
+            </a:r>
+          </a:p>
+          <a:p>
+            <a:pPr algn="ctr"/>
+            <a:r>
+              <a:rPr lang="en-US" dirty="0">
+                <a:latin typeface="Arial" panose="020B0604020202020204" pitchFamily="34" charset="0"/>
+                <a:cs typeface="Arial" panose="020B0604020202020204" pitchFamily="34" charset="0"/>
+              </a:rPr>
+              <a:t>28×28×128</a:t>
+            </a:r>
+          </a:p>
+        </p:txBody>
+      </p:sp>
+      <p:grpSp>
+        <p:nvGrpSpPr>
+          <p:cNvPr id="34" name="Group 33">
+            <a:extLst>
+              <a:ext uri="{FF2B5EF4-FFF2-40B4-BE49-F238E27FC236}">
+                <a16:creationId xmlns:a16="http://schemas.microsoft.com/office/drawing/2014/main" id="{7F6DFE84-FB9B-A147-AF0A-0E45DEB1688C}"/>
+              </a:ext>
+            </a:extLst>
+          </p:cNvPr>
+          <p:cNvGrpSpPr>
+            <a:grpSpLocks noChangeAspect="1"/>
+          </p:cNvGrpSpPr>
+          <p:nvPr/>
+        </p:nvGrpSpPr>
+        <p:grpSpPr>
+          <a:xfrm>
+            <a:off x="1213248" y="3084164"/>
+            <a:ext cx="2160000" cy="2160000"/>
+            <a:chOff x="4682750" y="1047900"/>
+            <a:chExt cx="2422800" cy="2422800"/>
+          </a:xfrm>
+        </p:grpSpPr>
+        <p:pic>
+          <p:nvPicPr>
+            <p:cNvPr id="35" name="Picture 34">
+              <a:extLst>
+                <a:ext uri="{FF2B5EF4-FFF2-40B4-BE49-F238E27FC236}">
+                  <a16:creationId xmlns:a16="http://schemas.microsoft.com/office/drawing/2014/main" id="{7E123DDF-CE86-4945-B1C9-E7D823E82E60}"/>
+                </a:ext>
+              </a:extLst>
+            </p:cNvPr>
+            <p:cNvPicPr>
+              <a:picLocks noChangeAspect="1"/>
+            </p:cNvPicPr>
+            <p:nvPr/>
+          </p:nvPicPr>
+          <p:blipFill>
+            <a:blip r:embed="rId3">
+              <a:extLst>
+                <a:ext uri="{28A0092B-C50C-407E-A947-70E740481C1C}">
+                  <a14:useLocalDpi xmlns:a14="http://schemas.microsoft.com/office/drawing/2010/main" val="0"/>
+                </a:ext>
+              </a:extLst>
+            </a:blip>
+            <a:stretch>
+              <a:fillRect/>
+            </a:stretch>
+          </p:blipFill>
+          <p:spPr>
+            <a:xfrm>
+              <a:off x="4684550" y="1049700"/>
+              <a:ext cx="2419200" cy="2419200"/>
+            </a:xfrm>
+            <a:prstGeom prst="rect">
+              <a:avLst/>
+            </a:prstGeom>
+          </p:spPr>
+        </p:pic>
+        <p:pic>
+          <p:nvPicPr>
+            <p:cNvPr id="36" name="Picture 35">
+              <a:extLst>
+                <a:ext uri="{FF2B5EF4-FFF2-40B4-BE49-F238E27FC236}">
+                  <a16:creationId xmlns:a16="http://schemas.microsoft.com/office/drawing/2014/main" id="{91E649D3-E392-DC4A-9B86-68540C3B3594}"/>
+                </a:ext>
+              </a:extLst>
+            </p:cNvPr>
+            <p:cNvPicPr>
+              <a:picLocks noChangeAspect="1"/>
+            </p:cNvPicPr>
+            <p:nvPr/>
+          </p:nvPicPr>
+          <p:blipFill>
+            <a:blip r:embed="rId4">
+              <a:alphaModFix amt="80000"/>
+              <a:extLst>
+                <a:ext uri="{28A0092B-C50C-407E-A947-70E740481C1C}">
+                  <a14:useLocalDpi xmlns:a14="http://schemas.microsoft.com/office/drawing/2010/main" val="0"/>
+                </a:ext>
+              </a:extLst>
+            </a:blip>
+            <a:stretch>
+              <a:fillRect/>
+            </a:stretch>
+          </p:blipFill>
+          <p:spPr>
+            <a:xfrm>
+              <a:off x="4682750" y="1047900"/>
+              <a:ext cx="2422800" cy="2422800"/>
+            </a:xfrm>
+            <a:prstGeom prst="rect">
+              <a:avLst/>
+            </a:prstGeom>
+          </p:spPr>
+        </p:pic>
+      </p:grpSp>
+      <p:grpSp>
+        <p:nvGrpSpPr>
+          <p:cNvPr id="37" name="Group 36">
+            <a:extLst>
+              <a:ext uri="{FF2B5EF4-FFF2-40B4-BE49-F238E27FC236}">
+                <a16:creationId xmlns:a16="http://schemas.microsoft.com/office/drawing/2014/main" id="{3885C367-6AF6-BA48-A9DA-70D4BB9AD9D4}"/>
+              </a:ext>
+            </a:extLst>
+          </p:cNvPr>
+          <p:cNvGrpSpPr>
+            <a:grpSpLocks noChangeAspect="1"/>
+          </p:cNvGrpSpPr>
+          <p:nvPr/>
+        </p:nvGrpSpPr>
+        <p:grpSpPr>
+          <a:xfrm>
+            <a:off x="4453248" y="3084164"/>
+            <a:ext cx="2160000" cy="2160000"/>
+            <a:chOff x="8693575" y="2990075"/>
+            <a:chExt cx="2422800" cy="2422800"/>
+          </a:xfrm>
+        </p:grpSpPr>
+        <p:pic>
+          <p:nvPicPr>
+            <p:cNvPr id="38" name="Picture 37">
+              <a:extLst>
+                <a:ext uri="{FF2B5EF4-FFF2-40B4-BE49-F238E27FC236}">
+                  <a16:creationId xmlns:a16="http://schemas.microsoft.com/office/drawing/2014/main" id="{84BD8E46-9554-AE4C-9BDF-27F1632C872D}"/>
+                </a:ext>
+              </a:extLst>
+            </p:cNvPr>
+            <p:cNvPicPr>
+              <a:picLocks noChangeAspect="1"/>
+            </p:cNvPicPr>
+            <p:nvPr/>
+          </p:nvPicPr>
+          <p:blipFill>
+            <a:blip r:embed="rId3">
+              <a:extLst>
+                <a:ext uri="{28A0092B-C50C-407E-A947-70E740481C1C}">
+                  <a14:useLocalDpi xmlns:a14="http://schemas.microsoft.com/office/drawing/2010/main" val="0"/>
+                </a:ext>
+              </a:extLst>
+            </a:blip>
+            <a:stretch>
+              <a:fillRect/>
+            </a:stretch>
+          </p:blipFill>
+          <p:spPr>
+            <a:xfrm>
+              <a:off x="8695375" y="2991875"/>
+              <a:ext cx="2419200" cy="2419200"/>
+            </a:xfrm>
+            <a:prstGeom prst="rect">
+              <a:avLst/>
+            </a:prstGeom>
+          </p:spPr>
+        </p:pic>
+        <p:pic>
+          <p:nvPicPr>
+            <p:cNvPr id="39" name="Picture 38">
+              <a:extLst>
+                <a:ext uri="{FF2B5EF4-FFF2-40B4-BE49-F238E27FC236}">
+                  <a16:creationId xmlns:a16="http://schemas.microsoft.com/office/drawing/2014/main" id="{7844AF91-4C06-1945-BAC4-F27DCF248705}"/>
+                </a:ext>
+              </a:extLst>
+            </p:cNvPr>
+            <p:cNvPicPr>
+              <a:picLocks noChangeAspect="1"/>
+            </p:cNvPicPr>
+            <p:nvPr/>
+          </p:nvPicPr>
+          <p:blipFill>
+            <a:blip r:embed="rId5">
+              <a:alphaModFix amt="80000"/>
+              <a:extLst>
+                <a:ext uri="{28A0092B-C50C-407E-A947-70E740481C1C}">
+                  <a14:useLocalDpi xmlns:a14="http://schemas.microsoft.com/office/drawing/2010/main" val="0"/>
+                </a:ext>
+              </a:extLst>
+            </a:blip>
+            <a:stretch>
+              <a:fillRect/>
+            </a:stretch>
+          </p:blipFill>
+          <p:spPr>
+            <a:xfrm>
+              <a:off x="8693575" y="2990075"/>
+              <a:ext cx="2422800" cy="2422800"/>
+            </a:xfrm>
+            <a:prstGeom prst="rect">
+              <a:avLst/>
+            </a:prstGeom>
+            <a:effectLst/>
+          </p:spPr>
+        </p:pic>
+      </p:grpSp>
+      <p:sp>
+        <p:nvSpPr>
+          <p:cNvPr id="40" name="TextBox 39">
+            <a:extLst>
+              <a:ext uri="{FF2B5EF4-FFF2-40B4-BE49-F238E27FC236}">
+                <a16:creationId xmlns:a16="http://schemas.microsoft.com/office/drawing/2014/main" id="{9AE6A5CC-2372-E945-86A8-D73F9FD357AD}"/>
+              </a:ext>
+            </a:extLst>
+          </p:cNvPr>
+          <p:cNvSpPr txBox="1"/>
+          <p:nvPr/>
+        </p:nvSpPr>
+        <p:spPr>
+          <a:xfrm>
+            <a:off x="1271175" y="5242559"/>
+            <a:ext cx="2044149" cy="646331"/>
+          </a:xfrm>
+          <a:prstGeom prst="rect">
+            <a:avLst/>
+          </a:prstGeom>
+          <a:noFill/>
+          <a:ln>
+            <a:noFill/>
+          </a:ln>
+        </p:spPr>
+        <p:txBody>
+          <a:bodyPr wrap="none" rtlCol="0">
+            <a:spAutoFit/>
+          </a:bodyPr>
+          <a:lstStyle/>
+          <a:p>
+            <a:pPr algn="ctr"/>
+            <a:r>
+              <a:rPr lang="en-US" dirty="0">
+                <a:latin typeface="Arial" panose="020B0604020202020204" pitchFamily="34" charset="0"/>
+                <a:cs typeface="Arial" panose="020B0604020202020204" pitchFamily="34" charset="0"/>
+              </a:rPr>
+              <a:t>Mask of Boundary</a:t>
+            </a:r>
+          </a:p>
+          <a:p>
+            <a:pPr algn="ctr"/>
+            <a:r>
+              <a:rPr lang="en-US" dirty="0">
+                <a:latin typeface="Arial" panose="020B0604020202020204" pitchFamily="34" charset="0"/>
+                <a:cs typeface="Arial" panose="020B0604020202020204" pitchFamily="34" charset="0"/>
+              </a:rPr>
+              <a:t>28×28×1</a:t>
+            </a:r>
+          </a:p>
+        </p:txBody>
+      </p:sp>
+      <p:sp>
+        <p:nvSpPr>
+          <p:cNvPr id="41" name="TextBox 40">
+            <a:extLst>
+              <a:ext uri="{FF2B5EF4-FFF2-40B4-BE49-F238E27FC236}">
+                <a16:creationId xmlns:a16="http://schemas.microsoft.com/office/drawing/2014/main" id="{7C2F7994-9EEA-F740-BAD4-A110A285F115}"/>
+              </a:ext>
+            </a:extLst>
+          </p:cNvPr>
+          <p:cNvSpPr txBox="1"/>
+          <p:nvPr/>
+        </p:nvSpPr>
+        <p:spPr>
+          <a:xfrm>
+            <a:off x="4594498" y="5242559"/>
+            <a:ext cx="1877502" cy="646331"/>
+          </a:xfrm>
+          <a:prstGeom prst="rect">
+            <a:avLst/>
+          </a:prstGeom>
+          <a:noFill/>
+          <a:ln>
+            <a:noFill/>
+          </a:ln>
+        </p:spPr>
+        <p:txBody>
+          <a:bodyPr wrap="none" rtlCol="0">
+            <a:spAutoFit/>
+          </a:bodyPr>
+          <a:lstStyle/>
+          <a:p>
+            <a:pPr algn="ctr"/>
+            <a:r>
+              <a:rPr lang="en-US" dirty="0">
+                <a:latin typeface="Arial" panose="020B0604020202020204" pitchFamily="34" charset="0"/>
+                <a:cs typeface="Arial" panose="020B0604020202020204" pitchFamily="34" charset="0"/>
+              </a:rPr>
+              <a:t>Mask of Vertices</a:t>
+            </a:r>
+          </a:p>
+          <a:p>
+            <a:pPr algn="ctr"/>
+            <a:r>
+              <a:rPr lang="en-US" dirty="0">
+                <a:latin typeface="Arial" panose="020B0604020202020204" pitchFamily="34" charset="0"/>
+                <a:cs typeface="Arial" panose="020B0604020202020204" pitchFamily="34" charset="0"/>
+              </a:rPr>
+              <a:t>28×28×1</a:t>
+            </a:r>
+          </a:p>
+        </p:txBody>
+      </p:sp>
+      <p:pic>
+        <p:nvPicPr>
+          <p:cNvPr id="43" name="Picture 42">
+            <a:extLst>
+              <a:ext uri="{FF2B5EF4-FFF2-40B4-BE49-F238E27FC236}">
+                <a16:creationId xmlns:a16="http://schemas.microsoft.com/office/drawing/2014/main" id="{A5387324-45E0-4644-8C55-30D7CF00A478}"/>
+              </a:ext>
+            </a:extLst>
+          </p:cNvPr>
+          <p:cNvPicPr>
+            <a:picLocks noChangeAspect="1"/>
+          </p:cNvPicPr>
+          <p:nvPr/>
+        </p:nvPicPr>
+        <p:blipFill>
+          <a:blip r:embed="rId3">
+            <a:extLst>
+              <a:ext uri="{28A0092B-C50C-407E-A947-70E740481C1C}">
+                <a14:useLocalDpi xmlns:a14="http://schemas.microsoft.com/office/drawing/2010/main" val="0"/>
+              </a:ext>
+            </a:extLst>
+          </a:blip>
+          <a:stretch>
+            <a:fillRect/>
+          </a:stretch>
+        </p:blipFill>
+        <p:spPr>
+          <a:xfrm>
+            <a:off x="8177158" y="2493284"/>
+            <a:ext cx="2160000" cy="2160000"/>
+          </a:xfrm>
+          <a:prstGeom prst="rect">
+            <a:avLst/>
+          </a:prstGeom>
+        </p:spPr>
+      </p:pic>
+      <p:grpSp>
+        <p:nvGrpSpPr>
+          <p:cNvPr id="9" name="Group 8">
+            <a:extLst>
+              <a:ext uri="{FF2B5EF4-FFF2-40B4-BE49-F238E27FC236}">
+                <a16:creationId xmlns:a16="http://schemas.microsoft.com/office/drawing/2014/main" id="{FB758036-9EF4-DA40-8BBD-DD246E34AB98}"/>
+              </a:ext>
+            </a:extLst>
+          </p:cNvPr>
+          <p:cNvGrpSpPr>
+            <a:grpSpLocks noChangeAspect="1"/>
+          </p:cNvGrpSpPr>
+          <p:nvPr/>
+        </p:nvGrpSpPr>
+        <p:grpSpPr>
+          <a:xfrm>
+            <a:off x="6362879" y="856379"/>
+            <a:ext cx="2160000" cy="2160000"/>
+            <a:chOff x="1571643" y="848890"/>
+            <a:chExt cx="10080000" cy="10080000"/>
+          </a:xfrm>
+        </p:grpSpPr>
+        <p:sp>
+          <p:nvSpPr>
+            <p:cNvPr id="5" name="Rectangle 4">
+              <a:extLst>
+                <a:ext uri="{FF2B5EF4-FFF2-40B4-BE49-F238E27FC236}">
+                  <a16:creationId xmlns:a16="http://schemas.microsoft.com/office/drawing/2014/main" id="{F10DB4FD-FA02-0744-9470-156D75D5B123}"/>
+                </a:ext>
+              </a:extLst>
+            </p:cNvPr>
+            <p:cNvSpPr>
+              <a:spLocks noChangeAspect="1"/>
+            </p:cNvSpPr>
+            <p:nvPr/>
+          </p:nvSpPr>
+          <p:spPr>
+            <a:xfrm>
+              <a:off x="1571643" y="848890"/>
+              <a:ext cx="10080000" cy="10080000"/>
+            </a:xfrm>
+            <a:prstGeom prst="rect">
+              <a:avLst/>
+            </a:prstGeom>
+            <a:solidFill>
+              <a:schemeClr val="bg1">
+                <a:alpha val="80000"/>
+              </a:schemeClr>
+            </a:solidFill>
+            <a:ln>
+              <a:solidFill>
+                <a:schemeClr val="tx1"/>
+              </a:solidFill>
+            </a:ln>
+          </p:spPr>
+          <p:style>
+            <a:lnRef idx="2">
+              <a:schemeClr val="accent1">
+                <a:shade val="50000"/>
+              </a:schemeClr>
+            </a:lnRef>
+            <a:fillRef idx="1">
+              <a:schemeClr val="accent1"/>
+            </a:fillRef>
+            <a:effectRef idx="0">
+              <a:schemeClr val="accent1"/>
+            </a:effectRef>
+            <a:fontRef idx="minor">
+              <a:schemeClr val="lt1"/>
+            </a:fontRef>
+          </p:style>
+          <p:txBody>
+            <a:bodyPr rtlCol="0" anchor="ctr"/>
+            <a:lstStyle/>
+            <a:p>
+              <a:pPr algn="ctr"/>
+              <a:endParaRPr lang="en-US"/>
+            </a:p>
+          </p:txBody>
+        </p:sp>
+        <p:sp>
+          <p:nvSpPr>
+            <p:cNvPr id="8" name="Rectangle 7">
+              <a:extLst>
+                <a:ext uri="{FF2B5EF4-FFF2-40B4-BE49-F238E27FC236}">
+                  <a16:creationId xmlns:a16="http://schemas.microsoft.com/office/drawing/2014/main" id="{D759CD60-A19A-EE46-AB39-F9316BF890E3}"/>
+                </a:ext>
+              </a:extLst>
+            </p:cNvPr>
+            <p:cNvSpPr>
+              <a:spLocks noChangeAspect="1"/>
+            </p:cNvSpPr>
+            <p:nvPr/>
+          </p:nvSpPr>
+          <p:spPr>
+            <a:xfrm>
+              <a:off x="6971643" y="2993809"/>
+              <a:ext cx="360000" cy="360000"/>
+            </a:xfrm>
+            <a:prstGeom prst="rect">
+              <a:avLst/>
+            </a:prstGeom>
+            <a:solidFill>
+              <a:schemeClr val="tx1"/>
+            </a:solidFill>
+            <a:ln>
+              <a:noFill/>
+            </a:ln>
+          </p:spPr>
+          <p:style>
+            <a:lnRef idx="2">
+              <a:schemeClr val="accent1">
+                <a:shade val="50000"/>
+              </a:schemeClr>
+            </a:lnRef>
+            <a:fillRef idx="1">
+              <a:schemeClr val="accent1"/>
+            </a:fillRef>
+            <a:effectRef idx="0">
+              <a:schemeClr val="accent1"/>
+            </a:effectRef>
+            <a:fontRef idx="minor">
+              <a:schemeClr val="lt1"/>
+            </a:fontRef>
+          </p:style>
+          <p:txBody>
+            <a:bodyPr rtlCol="0" anchor="ctr"/>
+            <a:lstStyle/>
+            <a:p>
+              <a:pPr algn="ctr"/>
+              <a:endParaRPr lang="en-US"/>
+            </a:p>
+          </p:txBody>
+        </p:sp>
+        <p:sp>
+          <p:nvSpPr>
+            <p:cNvPr id="48" name="Rectangle 47">
+              <a:extLst>
+                <a:ext uri="{FF2B5EF4-FFF2-40B4-BE49-F238E27FC236}">
+                  <a16:creationId xmlns:a16="http://schemas.microsoft.com/office/drawing/2014/main" id="{0F744950-DF54-AC4F-9F04-D96FE3AB04FC}"/>
+                </a:ext>
+              </a:extLst>
+            </p:cNvPr>
+            <p:cNvSpPr>
+              <a:spLocks noChangeAspect="1"/>
+            </p:cNvSpPr>
+            <p:nvPr/>
+          </p:nvSpPr>
+          <p:spPr>
+            <a:xfrm>
+              <a:off x="9150066" y="2265702"/>
+              <a:ext cx="360000" cy="360000"/>
+            </a:xfrm>
+            <a:prstGeom prst="rect">
+              <a:avLst/>
+            </a:prstGeom>
+            <a:solidFill>
+              <a:schemeClr val="tx1"/>
+            </a:solidFill>
+            <a:ln>
+              <a:noFill/>
+            </a:ln>
+          </p:spPr>
+          <p:style>
+            <a:lnRef idx="2">
+              <a:schemeClr val="accent1">
+                <a:shade val="50000"/>
+              </a:schemeClr>
+            </a:lnRef>
+            <a:fillRef idx="1">
+              <a:schemeClr val="accent1"/>
+            </a:fillRef>
+            <a:effectRef idx="0">
+              <a:schemeClr val="accent1"/>
+            </a:effectRef>
+            <a:fontRef idx="minor">
+              <a:schemeClr val="lt1"/>
+            </a:fontRef>
+          </p:style>
+          <p:txBody>
+            <a:bodyPr rtlCol="0" anchor="ctr"/>
+            <a:lstStyle/>
+            <a:p>
+              <a:pPr algn="ctr"/>
+              <a:endParaRPr lang="en-US"/>
+            </a:p>
+          </p:txBody>
+        </p:sp>
+        <p:sp>
+          <p:nvSpPr>
+            <p:cNvPr id="49" name="Rectangle 48">
+              <a:extLst>
+                <a:ext uri="{FF2B5EF4-FFF2-40B4-BE49-F238E27FC236}">
+                  <a16:creationId xmlns:a16="http://schemas.microsoft.com/office/drawing/2014/main" id="{A5C151D1-4631-E643-AE9D-BA414A06271F}"/>
+                </a:ext>
+              </a:extLst>
+            </p:cNvPr>
+            <p:cNvSpPr>
+              <a:spLocks noChangeAspect="1"/>
+            </p:cNvSpPr>
+            <p:nvPr/>
+          </p:nvSpPr>
+          <p:spPr>
+            <a:xfrm>
+              <a:off x="3010841" y="3729064"/>
+              <a:ext cx="360000" cy="360000"/>
+            </a:xfrm>
+            <a:prstGeom prst="rect">
+              <a:avLst/>
+            </a:prstGeom>
+            <a:solidFill>
+              <a:schemeClr val="tx1"/>
+            </a:solidFill>
+            <a:ln>
+              <a:noFill/>
+            </a:ln>
+          </p:spPr>
+          <p:style>
+            <a:lnRef idx="2">
+              <a:schemeClr val="accent1">
+                <a:shade val="50000"/>
+              </a:schemeClr>
+            </a:lnRef>
+            <a:fillRef idx="1">
+              <a:schemeClr val="accent1"/>
+            </a:fillRef>
+            <a:effectRef idx="0">
+              <a:schemeClr val="accent1"/>
+            </a:effectRef>
+            <a:fontRef idx="minor">
+              <a:schemeClr val="lt1"/>
+            </a:fontRef>
+          </p:style>
+          <p:txBody>
+            <a:bodyPr rtlCol="0" anchor="ctr"/>
+            <a:lstStyle/>
+            <a:p>
+              <a:pPr algn="ctr"/>
+              <a:endParaRPr lang="en-US"/>
+            </a:p>
+          </p:txBody>
+        </p:sp>
+        <p:sp>
+          <p:nvSpPr>
+            <p:cNvPr id="50" name="Rectangle 49">
+              <a:extLst>
+                <a:ext uri="{FF2B5EF4-FFF2-40B4-BE49-F238E27FC236}">
+                  <a16:creationId xmlns:a16="http://schemas.microsoft.com/office/drawing/2014/main" id="{0DBDC105-90EF-004C-9407-C848C4A95EB3}"/>
+                </a:ext>
+              </a:extLst>
+            </p:cNvPr>
+            <p:cNvSpPr>
+              <a:spLocks noChangeAspect="1"/>
+            </p:cNvSpPr>
+            <p:nvPr/>
+          </p:nvSpPr>
+          <p:spPr>
+            <a:xfrm>
+              <a:off x="9858279" y="6254995"/>
+              <a:ext cx="360000" cy="360000"/>
+            </a:xfrm>
+            <a:prstGeom prst="rect">
+              <a:avLst/>
+            </a:prstGeom>
+            <a:solidFill>
+              <a:schemeClr val="tx1"/>
+            </a:solidFill>
+            <a:ln>
+              <a:noFill/>
+            </a:ln>
+          </p:spPr>
+          <p:style>
+            <a:lnRef idx="2">
+              <a:schemeClr val="accent1">
+                <a:shade val="50000"/>
+              </a:schemeClr>
+            </a:lnRef>
+            <a:fillRef idx="1">
+              <a:schemeClr val="accent1"/>
+            </a:fillRef>
+            <a:effectRef idx="0">
+              <a:schemeClr val="accent1"/>
+            </a:effectRef>
+            <a:fontRef idx="minor">
+              <a:schemeClr val="lt1"/>
+            </a:fontRef>
+          </p:style>
+          <p:txBody>
+            <a:bodyPr rtlCol="0" anchor="ctr"/>
+            <a:lstStyle/>
+            <a:p>
+              <a:pPr algn="ctr"/>
+              <a:endParaRPr lang="en-US"/>
+            </a:p>
+          </p:txBody>
+        </p:sp>
+      </p:grpSp>
+    </p:spTree>
+    <p:extLst>
+      <p:ext uri="{BB962C8B-B14F-4D97-AF65-F5344CB8AC3E}">
+        <p14:creationId xmlns:p14="http://schemas.microsoft.com/office/powerpoint/2010/main" val="1322898606"/>
+      </p:ext>
+    </p:extLst>
+  </p:cSld>
+  <p:clrMapOvr>
+    <a:masterClrMapping/>
+  </p:clrMapOvr>
+</p:sld>
+</file>
+
 <file path=ppt/theme/theme1.xml><?xml version="1.0" encoding="utf-8"?>
 <a:theme xmlns:a="http://schemas.openxmlformats.org/drawingml/2006/main" name="Office Theme">
   <a:themeElements>

--- a/ThesisLaTeX/fig.pptx
+++ b/ThesisLaTeX/fig.pptx
@@ -4,6 +4,9 @@
   <p:sldMasterIdLst>
     <p:sldMasterId id="2147483648" r:id="rId1"/>
   </p:sldMasterIdLst>
+  <p:notesMasterIdLst>
+    <p:notesMasterId r:id="rId8"/>
+  </p:notesMasterIdLst>
   <p:sldIdLst>
     <p:sldId id="256" r:id="rId2"/>
     <p:sldId id="257" r:id="rId3"/>
@@ -117,6 +120,439 @@
 </p:presentation>
 </file>
 
+<file path=ppt/notesMasters/notesMaster1.xml><?xml version="1.0" encoding="utf-8"?>
+<p:notesMaster xmlns:a="http://schemas.openxmlformats.org/drawingml/2006/main" xmlns:r="http://schemas.openxmlformats.org/officeDocument/2006/relationships" xmlns:p="http://schemas.openxmlformats.org/presentationml/2006/main">
+  <p:cSld>
+    <p:bg>
+      <p:bgRef idx="1001">
+        <a:schemeClr val="bg1"/>
+      </p:bgRef>
+    </p:bg>
+    <p:spTree>
+      <p:nvGrpSpPr>
+        <p:cNvPr id="1" name=""/>
+        <p:cNvGrpSpPr/>
+        <p:nvPr/>
+      </p:nvGrpSpPr>
+      <p:grpSpPr>
+        <a:xfrm>
+          <a:off x="0" y="0"/>
+          <a:ext cx="0" cy="0"/>
+          <a:chOff x="0" y="0"/>
+          <a:chExt cx="0" cy="0"/>
+        </a:xfrm>
+      </p:grpSpPr>
+      <p:sp>
+        <p:nvSpPr>
+          <p:cNvPr id="2" name="Header Placeholder 1"/>
+          <p:cNvSpPr>
+            <a:spLocks noGrp="1"/>
+          </p:cNvSpPr>
+          <p:nvPr>
+            <p:ph type="hdr" sz="quarter"/>
+          </p:nvPr>
+        </p:nvSpPr>
+        <p:spPr>
+          <a:xfrm>
+            <a:off x="0" y="0"/>
+            <a:ext cx="2971800" cy="458788"/>
+          </a:xfrm>
+          <a:prstGeom prst="rect">
+            <a:avLst/>
+          </a:prstGeom>
+        </p:spPr>
+        <p:txBody>
+          <a:bodyPr vert="horz" lIns="91440" tIns="45720" rIns="91440" bIns="45720" rtlCol="0"/>
+          <a:lstStyle>
+            <a:lvl1pPr algn="l">
+              <a:defRPr sz="1200"/>
+            </a:lvl1pPr>
+          </a:lstStyle>
+          <a:p>
+            <a:endParaRPr lang="en-US"/>
+          </a:p>
+        </p:txBody>
+      </p:sp>
+      <p:sp>
+        <p:nvSpPr>
+          <p:cNvPr id="3" name="Date Placeholder 2"/>
+          <p:cNvSpPr>
+            <a:spLocks noGrp="1"/>
+          </p:cNvSpPr>
+          <p:nvPr>
+            <p:ph type="dt" idx="1"/>
+          </p:nvPr>
+        </p:nvSpPr>
+        <p:spPr>
+          <a:xfrm>
+            <a:off x="3884613" y="0"/>
+            <a:ext cx="2971800" cy="458788"/>
+          </a:xfrm>
+          <a:prstGeom prst="rect">
+            <a:avLst/>
+          </a:prstGeom>
+        </p:spPr>
+        <p:txBody>
+          <a:bodyPr vert="horz" lIns="91440" tIns="45720" rIns="91440" bIns="45720" rtlCol="0"/>
+          <a:lstStyle>
+            <a:lvl1pPr algn="r">
+              <a:defRPr sz="1200"/>
+            </a:lvl1pPr>
+          </a:lstStyle>
+          <a:p>
+            <a:fld id="{A0438485-CF21-3F47-A468-9A5AD0CFA17C}" type="datetimeFigureOut">
+              <a:rPr lang="en-US" smtClean="0"/>
+              <a:t>3/22/18</a:t>
+            </a:fld>
+            <a:endParaRPr lang="en-US"/>
+          </a:p>
+        </p:txBody>
+      </p:sp>
+      <p:sp>
+        <p:nvSpPr>
+          <p:cNvPr id="4" name="Slide Image Placeholder 3"/>
+          <p:cNvSpPr>
+            <a:spLocks noGrp="1" noRot="1" noChangeAspect="1"/>
+          </p:cNvSpPr>
+          <p:nvPr>
+            <p:ph type="sldImg" idx="2"/>
+          </p:nvPr>
+        </p:nvSpPr>
+        <p:spPr>
+          <a:xfrm>
+            <a:off x="685800" y="1143000"/>
+            <a:ext cx="5486400" cy="3086100"/>
+          </a:xfrm>
+          <a:prstGeom prst="rect">
+            <a:avLst/>
+          </a:prstGeom>
+          <a:noFill/>
+          <a:ln w="12700">
+            <a:solidFill>
+              <a:prstClr val="black"/>
+            </a:solidFill>
+          </a:ln>
+        </p:spPr>
+        <p:txBody>
+          <a:bodyPr vert="horz" lIns="91440" tIns="45720" rIns="91440" bIns="45720" rtlCol="0" anchor="ctr"/>
+          <a:lstStyle/>
+          <a:p>
+            <a:endParaRPr lang="en-US"/>
+          </a:p>
+        </p:txBody>
+      </p:sp>
+      <p:sp>
+        <p:nvSpPr>
+          <p:cNvPr id="5" name="Notes Placeholder 4"/>
+          <p:cNvSpPr>
+            <a:spLocks noGrp="1"/>
+          </p:cNvSpPr>
+          <p:nvPr>
+            <p:ph type="body" sz="quarter" idx="3"/>
+          </p:nvPr>
+        </p:nvSpPr>
+        <p:spPr>
+          <a:xfrm>
+            <a:off x="685800" y="4400550"/>
+            <a:ext cx="5486400" cy="3600450"/>
+          </a:xfrm>
+          <a:prstGeom prst="rect">
+            <a:avLst/>
+          </a:prstGeom>
+        </p:spPr>
+        <p:txBody>
+          <a:bodyPr vert="horz" lIns="91440" tIns="45720" rIns="91440" bIns="45720" rtlCol="0"/>
+          <a:lstStyle/>
+          <a:p>
+            <a:pPr lvl="0"/>
+            <a:r>
+              <a:rPr lang="en-US"/>
+              <a:t>Edit Master text styles</a:t>
+            </a:r>
+          </a:p>
+          <a:p>
+            <a:pPr lvl="1"/>
+            <a:r>
+              <a:rPr lang="en-US"/>
+              <a:t>Second level</a:t>
+            </a:r>
+          </a:p>
+          <a:p>
+            <a:pPr lvl="2"/>
+            <a:r>
+              <a:rPr lang="en-US"/>
+              <a:t>Third level</a:t>
+            </a:r>
+          </a:p>
+          <a:p>
+            <a:pPr lvl="3"/>
+            <a:r>
+              <a:rPr lang="en-US"/>
+              <a:t>Fourth level</a:t>
+            </a:r>
+          </a:p>
+          <a:p>
+            <a:pPr lvl="4"/>
+            <a:r>
+              <a:rPr lang="en-US"/>
+              <a:t>Fifth level</a:t>
+            </a:r>
+          </a:p>
+        </p:txBody>
+      </p:sp>
+      <p:sp>
+        <p:nvSpPr>
+          <p:cNvPr id="6" name="Footer Placeholder 5"/>
+          <p:cNvSpPr>
+            <a:spLocks noGrp="1"/>
+          </p:cNvSpPr>
+          <p:nvPr>
+            <p:ph type="ftr" sz="quarter" idx="4"/>
+          </p:nvPr>
+        </p:nvSpPr>
+        <p:spPr>
+          <a:xfrm>
+            <a:off x="0" y="8685213"/>
+            <a:ext cx="2971800" cy="458787"/>
+          </a:xfrm>
+          <a:prstGeom prst="rect">
+            <a:avLst/>
+          </a:prstGeom>
+        </p:spPr>
+        <p:txBody>
+          <a:bodyPr vert="horz" lIns="91440" tIns="45720" rIns="91440" bIns="45720" rtlCol="0" anchor="b"/>
+          <a:lstStyle>
+            <a:lvl1pPr algn="l">
+              <a:defRPr sz="1200"/>
+            </a:lvl1pPr>
+          </a:lstStyle>
+          <a:p>
+            <a:endParaRPr lang="en-US"/>
+          </a:p>
+        </p:txBody>
+      </p:sp>
+      <p:sp>
+        <p:nvSpPr>
+          <p:cNvPr id="7" name="Slide Number Placeholder 6"/>
+          <p:cNvSpPr>
+            <a:spLocks noGrp="1"/>
+          </p:cNvSpPr>
+          <p:nvPr>
+            <p:ph type="sldNum" sz="quarter" idx="5"/>
+          </p:nvPr>
+        </p:nvSpPr>
+        <p:spPr>
+          <a:xfrm>
+            <a:off x="3884613" y="8685213"/>
+            <a:ext cx="2971800" cy="458787"/>
+          </a:xfrm>
+          <a:prstGeom prst="rect">
+            <a:avLst/>
+          </a:prstGeom>
+        </p:spPr>
+        <p:txBody>
+          <a:bodyPr vert="horz" lIns="91440" tIns="45720" rIns="91440" bIns="45720" rtlCol="0" anchor="b"/>
+          <a:lstStyle>
+            <a:lvl1pPr algn="r">
+              <a:defRPr sz="1200"/>
+            </a:lvl1pPr>
+          </a:lstStyle>
+          <a:p>
+            <a:fld id="{304667DC-85F9-B64F-BB5B-B64BAD5CC076}" type="slidenum">
+              <a:rPr lang="en-US" smtClean="0"/>
+              <a:t>‹#›</a:t>
+            </a:fld>
+            <a:endParaRPr lang="en-US"/>
+          </a:p>
+        </p:txBody>
+      </p:sp>
+    </p:spTree>
+    <p:extLst>
+      <p:ext uri="{BB962C8B-B14F-4D97-AF65-F5344CB8AC3E}">
+        <p14:creationId xmlns:p14="http://schemas.microsoft.com/office/powerpoint/2010/main" val="1433825135"/>
+      </p:ext>
+    </p:extLst>
+  </p:cSld>
+  <p:clrMap bg1="lt1" tx1="dk1" bg2="lt2" tx2="dk2" accent1="accent1" accent2="accent2" accent3="accent3" accent4="accent4" accent5="accent5" accent6="accent6" hlink="hlink" folHlink="folHlink"/>
+  <p:notesStyle>
+    <a:lvl1pPr marL="0" algn="l" defTabSz="914400" rtl="0" eaLnBrk="1" latinLnBrk="0" hangingPunct="1">
+      <a:defRPr sz="1200" kern="1200">
+        <a:solidFill>
+          <a:schemeClr val="tx1"/>
+        </a:solidFill>
+        <a:latin typeface="+mn-lt"/>
+        <a:ea typeface="+mn-ea"/>
+        <a:cs typeface="+mn-cs"/>
+      </a:defRPr>
+    </a:lvl1pPr>
+    <a:lvl2pPr marL="457200" algn="l" defTabSz="914400" rtl="0" eaLnBrk="1" latinLnBrk="0" hangingPunct="1">
+      <a:defRPr sz="1200" kern="1200">
+        <a:solidFill>
+          <a:schemeClr val="tx1"/>
+        </a:solidFill>
+        <a:latin typeface="+mn-lt"/>
+        <a:ea typeface="+mn-ea"/>
+        <a:cs typeface="+mn-cs"/>
+      </a:defRPr>
+    </a:lvl2pPr>
+    <a:lvl3pPr marL="914400" algn="l" defTabSz="914400" rtl="0" eaLnBrk="1" latinLnBrk="0" hangingPunct="1">
+      <a:defRPr sz="1200" kern="1200">
+        <a:solidFill>
+          <a:schemeClr val="tx1"/>
+        </a:solidFill>
+        <a:latin typeface="+mn-lt"/>
+        <a:ea typeface="+mn-ea"/>
+        <a:cs typeface="+mn-cs"/>
+      </a:defRPr>
+    </a:lvl3pPr>
+    <a:lvl4pPr marL="1371600" algn="l" defTabSz="914400" rtl="0" eaLnBrk="1" latinLnBrk="0" hangingPunct="1">
+      <a:defRPr sz="1200" kern="1200">
+        <a:solidFill>
+          <a:schemeClr val="tx1"/>
+        </a:solidFill>
+        <a:latin typeface="+mn-lt"/>
+        <a:ea typeface="+mn-ea"/>
+        <a:cs typeface="+mn-cs"/>
+      </a:defRPr>
+    </a:lvl4pPr>
+    <a:lvl5pPr marL="1828800" algn="l" defTabSz="914400" rtl="0" eaLnBrk="1" latinLnBrk="0" hangingPunct="1">
+      <a:defRPr sz="1200" kern="1200">
+        <a:solidFill>
+          <a:schemeClr val="tx1"/>
+        </a:solidFill>
+        <a:latin typeface="+mn-lt"/>
+        <a:ea typeface="+mn-ea"/>
+        <a:cs typeface="+mn-cs"/>
+      </a:defRPr>
+    </a:lvl5pPr>
+    <a:lvl6pPr marL="2286000" algn="l" defTabSz="914400" rtl="0" eaLnBrk="1" latinLnBrk="0" hangingPunct="1">
+      <a:defRPr sz="1200" kern="1200">
+        <a:solidFill>
+          <a:schemeClr val="tx1"/>
+        </a:solidFill>
+        <a:latin typeface="+mn-lt"/>
+        <a:ea typeface="+mn-ea"/>
+        <a:cs typeface="+mn-cs"/>
+      </a:defRPr>
+    </a:lvl6pPr>
+    <a:lvl7pPr marL="2743200" algn="l" defTabSz="914400" rtl="0" eaLnBrk="1" latinLnBrk="0" hangingPunct="1">
+      <a:defRPr sz="1200" kern="1200">
+        <a:solidFill>
+          <a:schemeClr val="tx1"/>
+        </a:solidFill>
+        <a:latin typeface="+mn-lt"/>
+        <a:ea typeface="+mn-ea"/>
+        <a:cs typeface="+mn-cs"/>
+      </a:defRPr>
+    </a:lvl7pPr>
+    <a:lvl8pPr marL="3200400" algn="l" defTabSz="914400" rtl="0" eaLnBrk="1" latinLnBrk="0" hangingPunct="1">
+      <a:defRPr sz="1200" kern="1200">
+        <a:solidFill>
+          <a:schemeClr val="tx1"/>
+        </a:solidFill>
+        <a:latin typeface="+mn-lt"/>
+        <a:ea typeface="+mn-ea"/>
+        <a:cs typeface="+mn-cs"/>
+      </a:defRPr>
+    </a:lvl8pPr>
+    <a:lvl9pPr marL="3657600" algn="l" defTabSz="914400" rtl="0" eaLnBrk="1" latinLnBrk="0" hangingPunct="1">
+      <a:defRPr sz="1200" kern="1200">
+        <a:solidFill>
+          <a:schemeClr val="tx1"/>
+        </a:solidFill>
+        <a:latin typeface="+mn-lt"/>
+        <a:ea typeface="+mn-ea"/>
+        <a:cs typeface="+mn-cs"/>
+      </a:defRPr>
+    </a:lvl9pPr>
+  </p:notesStyle>
+</p:notesMaster>
+</file>
+
+<file path=ppt/notesSlides/notesSlide1.xml><?xml version="1.0" encoding="utf-8"?>
+<p:notes xmlns:a="http://schemas.openxmlformats.org/drawingml/2006/main" xmlns:r="http://schemas.openxmlformats.org/officeDocument/2006/relationships" xmlns:p="http://schemas.openxmlformats.org/presentationml/2006/main">
+  <p:cSld>
+    <p:spTree>
+      <p:nvGrpSpPr>
+        <p:cNvPr id="1" name=""/>
+        <p:cNvGrpSpPr/>
+        <p:nvPr/>
+      </p:nvGrpSpPr>
+      <p:grpSpPr>
+        <a:xfrm>
+          <a:off x="0" y="0"/>
+          <a:ext cx="0" cy="0"/>
+          <a:chOff x="0" y="0"/>
+          <a:chExt cx="0" cy="0"/>
+        </a:xfrm>
+      </p:grpSpPr>
+      <p:sp>
+        <p:nvSpPr>
+          <p:cNvPr id="2" name="Slide Image Placeholder 1"/>
+          <p:cNvSpPr>
+            <a:spLocks noGrp="1" noRot="1" noChangeAspect="1"/>
+          </p:cNvSpPr>
+          <p:nvPr>
+            <p:ph type="sldImg"/>
+          </p:nvPr>
+        </p:nvSpPr>
+        <p:spPr/>
+      </p:sp>
+      <p:sp>
+        <p:nvSpPr>
+          <p:cNvPr id="3" name="Notes Placeholder 2"/>
+          <p:cNvSpPr>
+            <a:spLocks noGrp="1"/>
+          </p:cNvSpPr>
+          <p:nvPr>
+            <p:ph type="body" idx="1"/>
+          </p:nvPr>
+        </p:nvSpPr>
+        <p:spPr/>
+        <p:txBody>
+          <a:bodyPr/>
+          <a:lstStyle/>
+          <a:p>
+            <a:endParaRPr lang="en-US" dirty="0"/>
+          </a:p>
+        </p:txBody>
+      </p:sp>
+      <p:sp>
+        <p:nvSpPr>
+          <p:cNvPr id="4" name="Slide Number Placeholder 3"/>
+          <p:cNvSpPr>
+            <a:spLocks noGrp="1"/>
+          </p:cNvSpPr>
+          <p:nvPr>
+            <p:ph type="sldNum" sz="quarter" idx="10"/>
+          </p:nvPr>
+        </p:nvSpPr>
+        <p:spPr/>
+        <p:txBody>
+          <a:bodyPr/>
+          <a:lstStyle/>
+          <a:p>
+            <a:fld id="{304667DC-85F9-B64F-BB5B-B64BAD5CC076}" type="slidenum">
+              <a:rPr lang="en-US" smtClean="0"/>
+              <a:t>6</a:t>
+            </a:fld>
+            <a:endParaRPr lang="en-US"/>
+          </a:p>
+        </p:txBody>
+      </p:sp>
+    </p:spTree>
+    <p:extLst>
+      <p:ext uri="{BB962C8B-B14F-4D97-AF65-F5344CB8AC3E}">
+        <p14:creationId xmlns:p14="http://schemas.microsoft.com/office/powerpoint/2010/main" val="4046328668"/>
+      </p:ext>
+    </p:extLst>
+  </p:cSld>
+  <p:clrMapOvr>
+    <a:masterClrMapping/>
+  </p:clrMapOvr>
+</p:notes>
+</file>
+
 <file path=ppt/slideLayouts/slideLayout1.xml><?xml version="1.0" encoding="utf-8"?>
 <p:sldLayout xmlns:a="http://schemas.openxmlformats.org/drawingml/2006/main" xmlns:r="http://schemas.openxmlformats.org/officeDocument/2006/relationships" xmlns:p="http://schemas.openxmlformats.org/presentationml/2006/main" type="title" preserve="1">
   <p:cSld name="Title Slide">
@@ -264,7 +700,7 @@
           <a:p>
             <a:fld id="{FBFF591B-33EC-0C40-B0D5-15169D3664A5}" type="datetimeFigureOut">
               <a:rPr lang="en-US" smtClean="0"/>
-              <a:t>3/21/18</a:t>
+              <a:t>3/22/18</a:t>
             </a:fld>
             <a:endParaRPr lang="en-US"/>
           </a:p>
@@ -462,7 +898,7 @@
           <a:p>
             <a:fld id="{FBFF591B-33EC-0C40-B0D5-15169D3664A5}" type="datetimeFigureOut">
               <a:rPr lang="en-US" smtClean="0"/>
-              <a:t>3/21/18</a:t>
+              <a:t>3/22/18</a:t>
             </a:fld>
             <a:endParaRPr lang="en-US"/>
           </a:p>
@@ -670,7 +1106,7 @@
           <a:p>
             <a:fld id="{FBFF591B-33EC-0C40-B0D5-15169D3664A5}" type="datetimeFigureOut">
               <a:rPr lang="en-US" smtClean="0"/>
-              <a:t>3/21/18</a:t>
+              <a:t>3/22/18</a:t>
             </a:fld>
             <a:endParaRPr lang="en-US"/>
           </a:p>
@@ -868,7 +1304,7 @@
           <a:p>
             <a:fld id="{FBFF591B-33EC-0C40-B0D5-15169D3664A5}" type="datetimeFigureOut">
               <a:rPr lang="en-US" smtClean="0"/>
-              <a:t>3/21/18</a:t>
+              <a:t>3/22/18</a:t>
             </a:fld>
             <a:endParaRPr lang="en-US"/>
           </a:p>
@@ -1143,7 +1579,7 @@
           <a:p>
             <a:fld id="{FBFF591B-33EC-0C40-B0D5-15169D3664A5}" type="datetimeFigureOut">
               <a:rPr lang="en-US" smtClean="0"/>
-              <a:t>3/21/18</a:t>
+              <a:t>3/22/18</a:t>
             </a:fld>
             <a:endParaRPr lang="en-US"/>
           </a:p>
@@ -1408,7 +1844,7 @@
           <a:p>
             <a:fld id="{FBFF591B-33EC-0C40-B0D5-15169D3664A5}" type="datetimeFigureOut">
               <a:rPr lang="en-US" smtClean="0"/>
-              <a:t>3/21/18</a:t>
+              <a:t>3/22/18</a:t>
             </a:fld>
             <a:endParaRPr lang="en-US"/>
           </a:p>
@@ -1820,7 +2256,7 @@
           <a:p>
             <a:fld id="{FBFF591B-33EC-0C40-B0D5-15169D3664A5}" type="datetimeFigureOut">
               <a:rPr lang="en-US" smtClean="0"/>
-              <a:t>3/21/18</a:t>
+              <a:t>3/22/18</a:t>
             </a:fld>
             <a:endParaRPr lang="en-US"/>
           </a:p>
@@ -1961,7 +2397,7 @@
           <a:p>
             <a:fld id="{FBFF591B-33EC-0C40-B0D5-15169D3664A5}" type="datetimeFigureOut">
               <a:rPr lang="en-US" smtClean="0"/>
-              <a:t>3/21/18</a:t>
+              <a:t>3/22/18</a:t>
             </a:fld>
             <a:endParaRPr lang="en-US"/>
           </a:p>
@@ -2074,7 +2510,7 @@
           <a:p>
             <a:fld id="{FBFF591B-33EC-0C40-B0D5-15169D3664A5}" type="datetimeFigureOut">
               <a:rPr lang="en-US" smtClean="0"/>
-              <a:t>3/21/18</a:t>
+              <a:t>3/22/18</a:t>
             </a:fld>
             <a:endParaRPr lang="en-US"/>
           </a:p>
@@ -2385,7 +2821,7 @@
           <a:p>
             <a:fld id="{FBFF591B-33EC-0C40-B0D5-15169D3664A5}" type="datetimeFigureOut">
               <a:rPr lang="en-US" smtClean="0"/>
-              <a:t>3/21/18</a:t>
+              <a:t>3/22/18</a:t>
             </a:fld>
             <a:endParaRPr lang="en-US"/>
           </a:p>
@@ -2673,7 +3109,7 @@
           <a:p>
             <a:fld id="{FBFF591B-33EC-0C40-B0D5-15169D3664A5}" type="datetimeFigureOut">
               <a:rPr lang="en-US" smtClean="0"/>
-              <a:t>3/21/18</a:t>
+              <a:t>3/22/18</a:t>
             </a:fld>
             <a:endParaRPr lang="en-US"/>
           </a:p>
@@ -2914,7 +3350,7 @@
           <a:p>
             <a:fld id="{FBFF591B-33EC-0C40-B0D5-15169D3664A5}" type="datetimeFigureOut">
               <a:rPr lang="en-US" smtClean="0"/>
-              <a:t>3/21/18</a:t>
+              <a:t>3/22/18</a:t>
             </a:fld>
             <a:endParaRPr lang="en-US"/>
           </a:p>
@@ -3425,10 +3861,15 @@
           <a:prstGeom prst="rect">
             <a:avLst/>
           </a:prstGeom>
-          <a:noFill/>
+          <a:solidFill>
+            <a:schemeClr val="accent2">
+              <a:lumMod val="60000"/>
+              <a:lumOff val="40000"/>
+            </a:schemeClr>
+          </a:solidFill>
           <a:ln>
             <a:solidFill>
-              <a:schemeClr val="tx1"/>
+              <a:schemeClr val="accent2"/>
             </a:solidFill>
           </a:ln>
         </p:spPr>
@@ -3488,10 +3929,15 @@
           <a:prstGeom prst="rect">
             <a:avLst/>
           </a:prstGeom>
-          <a:noFill/>
+          <a:solidFill>
+            <a:schemeClr val="accent5">
+              <a:lumMod val="60000"/>
+              <a:lumOff val="40000"/>
+            </a:schemeClr>
+          </a:solidFill>
           <a:ln>
             <a:solidFill>
-              <a:schemeClr val="tx1"/>
+              <a:schemeClr val="accent5"/>
             </a:solidFill>
           </a:ln>
         </p:spPr>
@@ -16217,10 +16663,10 @@
       </p:sp>
       <p:sp>
         <p:nvSpPr>
-          <p:cNvPr id="231" name="TextBox 230">
-            <a:extLst>
-              <a:ext uri="{FF2B5EF4-FFF2-40B4-BE49-F238E27FC236}">
-                <a16:creationId xmlns:a16="http://schemas.microsoft.com/office/drawing/2014/main" id="{9387C3AA-91B4-DA44-9043-2B5A475756FA}"/>
+          <p:cNvPr id="233" name="TextBox 232">
+            <a:extLst>
+              <a:ext uri="{FF2B5EF4-FFF2-40B4-BE49-F238E27FC236}">
+                <a16:creationId xmlns:a16="http://schemas.microsoft.com/office/drawing/2014/main" id="{63F90B95-AF83-8341-A2AF-56BB71F2202A}"/>
               </a:ext>
             </a:extLst>
           </p:cNvPr>
@@ -16229,71 +16675,26 @@
         </p:nvSpPr>
         <p:spPr>
           <a:xfrm>
-            <a:off x="3573642" y="3603363"/>
-            <a:ext cx="1492716" cy="646331"/>
+            <a:off x="5400000" y="3240000"/>
+            <a:ext cx="1080000" cy="1080000"/>
           </a:xfrm>
           <a:prstGeom prst="rect">
             <a:avLst/>
           </a:prstGeom>
-          <a:noFill/>
+          <a:solidFill>
+            <a:schemeClr val="accent5">
+              <a:lumMod val="60000"/>
+              <a:lumOff val="40000"/>
+            </a:schemeClr>
+          </a:solidFill>
           <a:ln>
-            <a:noFill/>
+            <a:solidFill>
+              <a:schemeClr val="accent5"/>
+            </a:solidFill>
           </a:ln>
         </p:spPr>
         <p:txBody>
-          <a:bodyPr wrap="none" rtlCol="0">
-            <a:spAutoFit/>
-          </a:bodyPr>
-          <a:lstStyle/>
-          <a:p>
-            <a:pPr algn="ctr"/>
-            <a:r>
-              <a:rPr lang="en-US" dirty="0">
-                <a:latin typeface="Arial" panose="020B0604020202020204" pitchFamily="34" charset="0"/>
-                <a:cs typeface="Arial" panose="020B0604020202020204" pitchFamily="34" charset="0"/>
-              </a:rPr>
-              <a:t>Concatenate</a:t>
-            </a:r>
-          </a:p>
-          <a:p>
-            <a:pPr algn="ctr"/>
-            <a:r>
-              <a:rPr lang="en-US" dirty="0">
-                <a:latin typeface="Arial" panose="020B0604020202020204" pitchFamily="34" charset="0"/>
-                <a:cs typeface="Arial" panose="020B0604020202020204" pitchFamily="34" charset="0"/>
-              </a:rPr>
-              <a:t>28×28×130</a:t>
-            </a:r>
-          </a:p>
-        </p:txBody>
-      </p:sp>
-      <p:sp>
-        <p:nvSpPr>
-          <p:cNvPr id="233" name="TextBox 232">
-            <a:extLst>
-              <a:ext uri="{FF2B5EF4-FFF2-40B4-BE49-F238E27FC236}">
-                <a16:creationId xmlns:a16="http://schemas.microsoft.com/office/drawing/2014/main" id="{63F90B95-AF83-8341-A2AF-56BB71F2202A}"/>
-              </a:ext>
-            </a:extLst>
-          </p:cNvPr>
-          <p:cNvSpPr txBox="1"/>
-          <p:nvPr/>
-        </p:nvSpPr>
-        <p:spPr>
-          <a:xfrm>
-            <a:off x="7217597" y="3603363"/>
-            <a:ext cx="684803" cy="369332"/>
-          </a:xfrm>
-          <a:prstGeom prst="rect">
-            <a:avLst/>
-          </a:prstGeom>
-          <a:noFill/>
-          <a:ln>
-            <a:noFill/>
-          </a:ln>
-        </p:spPr>
-        <p:txBody>
-          <a:bodyPr wrap="none" rtlCol="0">
+          <a:bodyPr wrap="none" rtlCol="0" anchor="ctr">
             <a:spAutoFit/>
           </a:bodyPr>
           <a:lstStyle/>
@@ -16309,71 +16710,31 @@
           </a:p>
         </p:txBody>
       </p:sp>
-      <p:sp>
-        <p:nvSpPr>
-          <p:cNvPr id="234" name="TextBox 233">
-            <a:extLst>
-              <a:ext uri="{FF2B5EF4-FFF2-40B4-BE49-F238E27FC236}">
-                <a16:creationId xmlns:a16="http://schemas.microsoft.com/office/drawing/2014/main" id="{99404B62-3B0F-2948-8DF5-E2ECDF7D8860}"/>
-              </a:ext>
-            </a:extLst>
-          </p:cNvPr>
-          <p:cNvSpPr txBox="1"/>
-          <p:nvPr/>
-        </p:nvSpPr>
-        <p:spPr>
-          <a:xfrm>
-            <a:off x="10181883" y="3603363"/>
-            <a:ext cx="1236236" cy="369332"/>
-          </a:xfrm>
-          <a:prstGeom prst="rect">
-            <a:avLst/>
-          </a:prstGeom>
-          <a:noFill/>
-          <a:ln>
-            <a:noFill/>
-          </a:ln>
-        </p:spPr>
-        <p:txBody>
-          <a:bodyPr wrap="none" rtlCol="0">
-            <a:spAutoFit/>
-          </a:bodyPr>
-          <a:lstStyle/>
-          <a:p>
-            <a:pPr algn="ctr"/>
-            <a:r>
-              <a:rPr lang="en-US" dirty="0">
-                <a:latin typeface="Arial" panose="020B0604020202020204" pitchFamily="34" charset="0"/>
-                <a:cs typeface="Arial" panose="020B0604020202020204" pitchFamily="34" charset="0"/>
-              </a:rPr>
-              <a:t>Loss CNN</a:t>
-            </a:r>
-          </a:p>
-        </p:txBody>
-      </p:sp>
       <p:cxnSp>
         <p:nvCxnSpPr>
-          <p:cNvPr id="238" name="Straight Arrow Connector 237">
-            <a:extLst>
-              <a:ext uri="{FF2B5EF4-FFF2-40B4-BE49-F238E27FC236}">
-                <a16:creationId xmlns:a16="http://schemas.microsoft.com/office/drawing/2014/main" id="{A7F878BE-2DB8-AE47-8D23-409BCFF7B9EA}"/>
+          <p:cNvPr id="18" name="Elbow Connector 17">
+            <a:extLst>
+              <a:ext uri="{FF2B5EF4-FFF2-40B4-BE49-F238E27FC236}">
+                <a16:creationId xmlns:a16="http://schemas.microsoft.com/office/drawing/2014/main" id="{C8A614A6-EB85-3144-81B9-F6DD1AF9377C}"/>
               </a:ext>
             </a:extLst>
           </p:cNvPr>
           <p:cNvCxnSpPr>
             <a:cxnSpLocks/>
             <a:stCxn id="201" idx="2"/>
-            <a:endCxn id="231" idx="0"/>
+            <a:endCxn id="233" idx="0"/>
           </p:cNvCxnSpPr>
           <p:nvPr/>
         </p:nvCxnSpPr>
         <p:spPr>
-          <a:xfrm>
-            <a:off x="4320000" y="2804726"/>
-            <a:ext cx="0" cy="798637"/>
-          </a:xfrm>
-          <a:prstGeom prst="straightConnector1">
-            <a:avLst/>
+          <a:xfrm rot="16200000" flipH="1">
+            <a:off x="4912363" y="2212363"/>
+            <a:ext cx="435274" cy="1620000"/>
+          </a:xfrm>
+          <a:prstGeom prst="bentConnector3">
+            <a:avLst>
+              <a:gd name="adj1" fmla="val 50000"/>
+            </a:avLst>
           </a:prstGeom>
           <a:ln>
             <a:solidFill>
@@ -16399,33 +16760,138 @@
       </p:cxnSp>
       <p:cxnSp>
         <p:nvCxnSpPr>
-          <p:cNvPr id="244" name="Straight Arrow Connector 243">
-            <a:extLst>
-              <a:ext uri="{FF2B5EF4-FFF2-40B4-BE49-F238E27FC236}">
-                <a16:creationId xmlns:a16="http://schemas.microsoft.com/office/drawing/2014/main" id="{0F3271B6-B5F1-6741-8469-36AEBF212686}"/>
+          <p:cNvPr id="46" name="Elbow Connector 45">
+            <a:extLst>
+              <a:ext uri="{FF2B5EF4-FFF2-40B4-BE49-F238E27FC236}">
+                <a16:creationId xmlns:a16="http://schemas.microsoft.com/office/drawing/2014/main" id="{DBE7B8E6-8718-3C4E-973C-E205CFD22B70}"/>
               </a:ext>
             </a:extLst>
           </p:cNvPr>
           <p:cNvCxnSpPr>
             <a:cxnSpLocks/>
-            <a:stCxn id="203" idx="2"/>
-            <a:endCxn id="234" idx="0"/>
+            <a:stCxn id="204" idx="2"/>
+            <a:endCxn id="233" idx="0"/>
           </p:cNvCxnSpPr>
           <p:nvPr/>
         </p:nvCxnSpPr>
         <p:spPr>
-          <a:xfrm>
-            <a:off x="7560002" y="2804726"/>
-            <a:ext cx="3239999" cy="798637"/>
-          </a:xfrm>
-          <a:prstGeom prst="straightConnector1">
-            <a:avLst/>
+          <a:xfrm rot="5400000">
+            <a:off x="8152364" y="592363"/>
+            <a:ext cx="435274" cy="4860001"/>
+          </a:xfrm>
+          <a:prstGeom prst="bentConnector3">
+            <a:avLst>
+              <a:gd name="adj1" fmla="val 50000"/>
+            </a:avLst>
           </a:prstGeom>
           <a:ln>
             <a:solidFill>
               <a:schemeClr val="tx1"/>
             </a:solidFill>
             <a:tailEnd type="triangle"/>
+          </a:ln>
+        </p:spPr>
+        <p:style>
+          <a:lnRef idx="1">
+            <a:schemeClr val="accent1"/>
+          </a:lnRef>
+          <a:fillRef idx="0">
+            <a:schemeClr val="accent1"/>
+          </a:fillRef>
+          <a:effectRef idx="0">
+            <a:schemeClr val="accent1"/>
+          </a:effectRef>
+          <a:fontRef idx="minor">
+            <a:schemeClr val="tx1"/>
+          </a:fontRef>
+        </p:style>
+      </p:cxnSp>
+      <p:sp>
+        <p:nvSpPr>
+          <p:cNvPr id="234" name="TextBox 233">
+            <a:extLst>
+              <a:ext uri="{FF2B5EF4-FFF2-40B4-BE49-F238E27FC236}">
+                <a16:creationId xmlns:a16="http://schemas.microsoft.com/office/drawing/2014/main" id="{99404B62-3B0F-2948-8DF5-E2ECDF7D8860}"/>
+              </a:ext>
+            </a:extLst>
+          </p:cNvPr>
+          <p:cNvSpPr txBox="1"/>
+          <p:nvPr/>
+        </p:nvSpPr>
+        <p:spPr>
+          <a:xfrm>
+            <a:off x="8638395" y="3240000"/>
+            <a:ext cx="1080000" cy="1080000"/>
+          </a:xfrm>
+          <a:prstGeom prst="rect">
+            <a:avLst/>
+          </a:prstGeom>
+          <a:solidFill>
+            <a:schemeClr val="accent2">
+              <a:lumMod val="60000"/>
+              <a:lumOff val="40000"/>
+            </a:schemeClr>
+          </a:solidFill>
+          <a:ln>
+            <a:solidFill>
+              <a:schemeClr val="accent2"/>
+            </a:solidFill>
+          </a:ln>
+        </p:spPr>
+        <p:txBody>
+          <a:bodyPr wrap="none" rtlCol="0" anchor="ctr">
+            <a:spAutoFit/>
+          </a:bodyPr>
+          <a:lstStyle/>
+          <a:p>
+            <a:pPr algn="ctr"/>
+            <a:r>
+              <a:rPr lang="en-US" dirty="0">
+                <a:latin typeface="Arial" panose="020B0604020202020204" pitchFamily="34" charset="0"/>
+                <a:cs typeface="Arial" panose="020B0604020202020204" pitchFamily="34" charset="0"/>
+              </a:rPr>
+              <a:t>Loss</a:t>
+            </a:r>
+          </a:p>
+          <a:p>
+            <a:pPr algn="ctr"/>
+            <a:r>
+              <a:rPr lang="en-US" dirty="0">
+                <a:latin typeface="Arial" panose="020B0604020202020204" pitchFamily="34" charset="0"/>
+                <a:cs typeface="Arial" panose="020B0604020202020204" pitchFamily="34" charset="0"/>
+              </a:rPr>
+              <a:t>CNN</a:t>
+            </a:r>
+          </a:p>
+        </p:txBody>
+      </p:sp>
+      <p:cxnSp>
+        <p:nvCxnSpPr>
+          <p:cNvPr id="35" name="Straight Connector 34">
+            <a:extLst>
+              <a:ext uri="{FF2B5EF4-FFF2-40B4-BE49-F238E27FC236}">
+                <a16:creationId xmlns:a16="http://schemas.microsoft.com/office/drawing/2014/main" id="{A25D07E6-71F3-D743-8D63-76ED8EE95105}"/>
+              </a:ext>
+            </a:extLst>
+          </p:cNvPr>
+          <p:cNvCxnSpPr>
+            <a:cxnSpLocks/>
+            <a:stCxn id="203" idx="2"/>
+          </p:cNvCxnSpPr>
+          <p:nvPr/>
+        </p:nvCxnSpPr>
+        <p:spPr>
+          <a:xfrm flipH="1">
+            <a:off x="7560000" y="2804726"/>
+            <a:ext cx="2" cy="224748"/>
+          </a:xfrm>
+          <a:prstGeom prst="line">
+            <a:avLst/>
+          </a:prstGeom>
+          <a:ln>
+            <a:solidFill>
+              <a:schemeClr val="tx1"/>
+            </a:solidFill>
           </a:ln>
         </p:spPr>
         <p:style>
@@ -16445,25 +16911,25 @@
       </p:cxnSp>
       <p:cxnSp>
         <p:nvCxnSpPr>
-          <p:cNvPr id="248" name="Straight Arrow Connector 247">
-            <a:extLst>
-              <a:ext uri="{FF2B5EF4-FFF2-40B4-BE49-F238E27FC236}">
-                <a16:creationId xmlns:a16="http://schemas.microsoft.com/office/drawing/2014/main" id="{06C26CB3-9F88-3B41-BD03-285B6E4A9382}"/>
+          <p:cNvPr id="41" name="Elbow Connector 40">
+            <a:extLst>
+              <a:ext uri="{FF2B5EF4-FFF2-40B4-BE49-F238E27FC236}">
+                <a16:creationId xmlns:a16="http://schemas.microsoft.com/office/drawing/2014/main" id="{1BB92FEF-11E7-C844-9596-0DB30476ECB8}"/>
               </a:ext>
             </a:extLst>
           </p:cNvPr>
           <p:cNvCxnSpPr>
-            <a:stCxn id="204" idx="2"/>
+            <a:stCxn id="203" idx="3"/>
             <a:endCxn id="234" idx="0"/>
           </p:cNvCxnSpPr>
           <p:nvPr/>
         </p:nvCxnSpPr>
         <p:spPr>
           <a:xfrm>
-            <a:off x="10800001" y="2804726"/>
-            <a:ext cx="0" cy="798637"/>
-          </a:xfrm>
-          <a:prstGeom prst="straightConnector1">
+            <a:off x="8582076" y="2481561"/>
+            <a:ext cx="596319" cy="758439"/>
+          </a:xfrm>
+          <a:prstGeom prst="bentConnector2">
             <a:avLst/>
           </a:prstGeom>
           <a:ln>
@@ -16490,122 +16956,30 @@
       </p:cxnSp>
       <p:cxnSp>
         <p:nvCxnSpPr>
-          <p:cNvPr id="3" name="Straight Arrow Connector 2">
-            <a:extLst>
-              <a:ext uri="{FF2B5EF4-FFF2-40B4-BE49-F238E27FC236}">
-                <a16:creationId xmlns:a16="http://schemas.microsoft.com/office/drawing/2014/main" id="{5F4AD500-E947-AF44-A2FF-5D8A4BB6069D}"/>
+          <p:cNvPr id="44" name="Straight Connector 43">
+            <a:extLst>
+              <a:ext uri="{FF2B5EF4-FFF2-40B4-BE49-F238E27FC236}">
+                <a16:creationId xmlns:a16="http://schemas.microsoft.com/office/drawing/2014/main" id="{01D372FC-3277-4C45-9E8E-6393D7CAC1F3}"/>
               </a:ext>
             </a:extLst>
           </p:cNvPr>
           <p:cNvCxnSpPr>
-            <a:stCxn id="203" idx="2"/>
-            <a:endCxn id="231" idx="0"/>
+            <a:stCxn id="204" idx="1"/>
           </p:cNvCxnSpPr>
           <p:nvPr/>
         </p:nvCxnSpPr>
         <p:spPr>
-          <a:xfrm flipH="1">
-            <a:off x="4320000" y="2804726"/>
-            <a:ext cx="3240002" cy="798637"/>
-          </a:xfrm>
-          <a:prstGeom prst="straightConnector1">
+          <a:xfrm flipH="1" flipV="1">
+            <a:off x="9122076" y="2481559"/>
+            <a:ext cx="739174" cy="2"/>
+          </a:xfrm>
+          <a:prstGeom prst="line">
             <a:avLst/>
           </a:prstGeom>
           <a:ln>
             <a:solidFill>
               <a:schemeClr val="tx1"/>
             </a:solidFill>
-            <a:tailEnd type="triangle"/>
-          </a:ln>
-        </p:spPr>
-        <p:style>
-          <a:lnRef idx="1">
-            <a:schemeClr val="accent1"/>
-          </a:lnRef>
-          <a:fillRef idx="0">
-            <a:schemeClr val="accent1"/>
-          </a:fillRef>
-          <a:effectRef idx="0">
-            <a:schemeClr val="accent1"/>
-          </a:effectRef>
-          <a:fontRef idx="minor">
-            <a:schemeClr val="tx1"/>
-          </a:fontRef>
-        </p:style>
-      </p:cxnSp>
-      <p:cxnSp>
-        <p:nvCxnSpPr>
-          <p:cNvPr id="6" name="Straight Arrow Connector 5">
-            <a:extLst>
-              <a:ext uri="{FF2B5EF4-FFF2-40B4-BE49-F238E27FC236}">
-                <a16:creationId xmlns:a16="http://schemas.microsoft.com/office/drawing/2014/main" id="{A9327118-6EAE-6544-B702-067134CA1F66}"/>
-              </a:ext>
-            </a:extLst>
-          </p:cNvPr>
-          <p:cNvCxnSpPr>
-            <a:stCxn id="204" idx="2"/>
-            <a:endCxn id="231" idx="0"/>
-          </p:cNvCxnSpPr>
-          <p:nvPr/>
-        </p:nvCxnSpPr>
-        <p:spPr>
-          <a:xfrm flipH="1">
-            <a:off x="4320000" y="2804726"/>
-            <a:ext cx="6480001" cy="798637"/>
-          </a:xfrm>
-          <a:prstGeom prst="straightConnector1">
-            <a:avLst/>
-          </a:prstGeom>
-          <a:ln>
-            <a:solidFill>
-              <a:schemeClr val="tx1"/>
-            </a:solidFill>
-            <a:tailEnd type="triangle"/>
-          </a:ln>
-        </p:spPr>
-        <p:style>
-          <a:lnRef idx="1">
-            <a:schemeClr val="accent1"/>
-          </a:lnRef>
-          <a:fillRef idx="0">
-            <a:schemeClr val="accent1"/>
-          </a:fillRef>
-          <a:effectRef idx="0">
-            <a:schemeClr val="accent1"/>
-          </a:effectRef>
-          <a:fontRef idx="minor">
-            <a:schemeClr val="tx1"/>
-          </a:fontRef>
-        </p:style>
-      </p:cxnSp>
-      <p:cxnSp>
-        <p:nvCxnSpPr>
-          <p:cNvPr id="11" name="Straight Arrow Connector 10">
-            <a:extLst>
-              <a:ext uri="{FF2B5EF4-FFF2-40B4-BE49-F238E27FC236}">
-                <a16:creationId xmlns:a16="http://schemas.microsoft.com/office/drawing/2014/main" id="{826F208A-12C3-A044-9296-58D015EE5A6A}"/>
-              </a:ext>
-            </a:extLst>
-          </p:cNvPr>
-          <p:cNvCxnSpPr>
-            <a:cxnSpLocks/>
-            <a:endCxn id="233" idx="1"/>
-          </p:cNvCxnSpPr>
-          <p:nvPr/>
-        </p:nvCxnSpPr>
-        <p:spPr>
-          <a:xfrm>
-            <a:off x="5066358" y="3788029"/>
-            <a:ext cx="2151239" cy="0"/>
-          </a:xfrm>
-          <a:prstGeom prst="straightConnector1">
-            <a:avLst/>
-          </a:prstGeom>
-          <a:ln>
-            <a:solidFill>
-              <a:schemeClr val="tx1"/>
-            </a:solidFill>
-            <a:tailEnd type="triangle"/>
           </a:ln>
         </p:spPr>
         <p:style>
@@ -16673,28 +17047,30 @@
           <a:prstGeom prst="rect">
             <a:avLst/>
           </a:prstGeom>
-          <a:noFill/>
+          <a:solidFill>
+            <a:schemeClr val="bg2"/>
+          </a:solidFill>
           <a:ln>
             <a:solidFill>
-              <a:schemeClr val="tx1"/>
+              <a:schemeClr val="bg1">
+                <a:lumMod val="50000"/>
+              </a:schemeClr>
             </a:solidFill>
             <a:prstDash val="dash"/>
           </a:ln>
         </p:spPr>
         <p:style>
           <a:lnRef idx="2">
-            <a:schemeClr val="accent5">
-              <a:shade val="50000"/>
-            </a:schemeClr>
+            <a:schemeClr val="dk1"/>
           </a:lnRef>
           <a:fillRef idx="1">
-            <a:schemeClr val="accent5"/>
+            <a:schemeClr val="lt1"/>
           </a:fillRef>
           <a:effectRef idx="0">
-            <a:schemeClr val="accent5"/>
+            <a:schemeClr val="dk1"/>
           </a:effectRef>
           <a:fontRef idx="minor">
-            <a:schemeClr val="lt1"/>
+            <a:schemeClr val="dk1"/>
           </a:fontRef>
         </p:style>
         <p:txBody>
@@ -16708,102 +17084,33 @@
       </p:sp>
       <p:sp>
         <p:nvSpPr>
-          <p:cNvPr id="5" name="Oval 4">
-            <a:extLst>
-              <a:ext uri="{FF2B5EF4-FFF2-40B4-BE49-F238E27FC236}">
-                <a16:creationId xmlns:a16="http://schemas.microsoft.com/office/drawing/2014/main" id="{43CFE02A-E7EF-2F4B-BF25-480069BEEC03}"/>
-              </a:ext>
-            </a:extLst>
-          </p:cNvPr>
-          <p:cNvSpPr>
-            <a:spLocks noChangeAspect="1"/>
-          </p:cNvSpPr>
+          <p:cNvPr id="9" name="TextBox 8">
+            <a:extLst>
+              <a:ext uri="{FF2B5EF4-FFF2-40B4-BE49-F238E27FC236}">
+                <a16:creationId xmlns:a16="http://schemas.microsoft.com/office/drawing/2014/main" id="{AA2A9F33-5535-AC4E-B1FF-B404B90A1D94}"/>
+              </a:ext>
+            </a:extLst>
+          </p:cNvPr>
+          <p:cNvSpPr txBox="1"/>
           <p:nvPr/>
         </p:nvSpPr>
         <p:spPr>
           <a:xfrm>
-            <a:off x="4312701" y="2486423"/>
-            <a:ext cx="252000" cy="252000"/>
-          </a:xfrm>
-          <a:prstGeom prst="ellipse">
+            <a:off x="5123274" y="3222722"/>
+            <a:ext cx="979755" cy="369332"/>
+          </a:xfrm>
+          <a:prstGeom prst="rect">
             <a:avLst/>
           </a:prstGeom>
           <a:solidFill>
-            <a:schemeClr val="bg1"/>
+            <a:schemeClr val="accent2">
+              <a:lumMod val="60000"/>
+              <a:lumOff val="40000"/>
+            </a:schemeClr>
           </a:solidFill>
           <a:ln>
             <a:solidFill>
-              <a:schemeClr val="tx1"/>
-            </a:solidFill>
-          </a:ln>
-        </p:spPr>
-        <p:style>
-          <a:lnRef idx="2">
-            <a:schemeClr val="accent1">
-              <a:shade val="50000"/>
-            </a:schemeClr>
-          </a:lnRef>
-          <a:fillRef idx="1">
-            <a:schemeClr val="accent1"/>
-          </a:fillRef>
-          <a:effectRef idx="0">
-            <a:schemeClr val="accent1"/>
-          </a:effectRef>
-          <a:fontRef idx="minor">
-            <a:schemeClr val="lt1"/>
-          </a:fontRef>
-        </p:style>
-        <p:txBody>
-          <a:bodyPr rtlCol="0" anchor="ctr"/>
-          <a:lstStyle/>
-          <a:p>
-            <a:pPr algn="ctr"/>
-            <a:r>
-              <a:rPr lang="as-IN" dirty="0">
-                <a:solidFill>
-                  <a:sysClr val="windowText" lastClr="000000"/>
-                </a:solidFill>
-                <a:latin typeface="Arial" panose="020B0604020202020204" pitchFamily="34" charset="0"/>
-                <a:cs typeface="Arial" panose="020B0604020202020204" pitchFamily="34" charset="0"/>
-              </a:rPr>
-              <a:t>৹</a:t>
-            </a:r>
-            <a:endParaRPr lang="en-US" dirty="0">
-              <a:solidFill>
-                <a:sysClr val="windowText" lastClr="000000"/>
-              </a:solidFill>
-              <a:latin typeface="Arial" panose="020B0604020202020204" pitchFamily="34" charset="0"/>
-              <a:cs typeface="Arial" panose="020B0604020202020204" pitchFamily="34" charset="0"/>
-            </a:endParaRPr>
-          </a:p>
-        </p:txBody>
-      </p:sp>
-      <p:sp>
-        <p:nvSpPr>
-          <p:cNvPr id="9" name="TextBox 8">
-            <a:extLst>
-              <a:ext uri="{FF2B5EF4-FFF2-40B4-BE49-F238E27FC236}">
-                <a16:creationId xmlns:a16="http://schemas.microsoft.com/office/drawing/2014/main" id="{AA2A9F33-5535-AC4E-B1FF-B404B90A1D94}"/>
-              </a:ext>
-            </a:extLst>
-          </p:cNvPr>
-          <p:cNvSpPr txBox="1"/>
-          <p:nvPr/>
-        </p:nvSpPr>
-        <p:spPr>
-          <a:xfrm>
-            <a:off x="5123274" y="3222722"/>
-            <a:ext cx="979755" cy="369332"/>
-          </a:xfrm>
-          <a:prstGeom prst="rect">
-            <a:avLst/>
-          </a:prstGeom>
-          <a:solidFill>
-            <a:schemeClr val="bg1"/>
-          </a:solidFill>
-          <a:ln>
-            <a:solidFill>
-              <a:schemeClr val="tx1"/>
+              <a:schemeClr val="accent2"/>
             </a:solidFill>
           </a:ln>
         </p:spPr>
@@ -16844,11 +17151,14 @@
             <a:avLst/>
           </a:prstGeom>
           <a:solidFill>
-            <a:schemeClr val="bg1"/>
+            <a:schemeClr val="accent2">
+              <a:lumMod val="60000"/>
+              <a:lumOff val="40000"/>
+            </a:schemeClr>
           </a:solidFill>
           <a:ln>
             <a:solidFill>
-              <a:schemeClr val="tx1"/>
+              <a:schemeClr val="accent2"/>
             </a:solidFill>
           </a:ln>
         </p:spPr>
@@ -16889,11 +17199,14 @@
             <a:avLst/>
           </a:prstGeom>
           <a:solidFill>
-            <a:schemeClr val="bg1"/>
+            <a:schemeClr val="accent2">
+              <a:lumMod val="60000"/>
+              <a:lumOff val="40000"/>
+            </a:schemeClr>
           </a:solidFill>
           <a:ln>
             <a:solidFill>
-              <a:schemeClr val="tx1"/>
+              <a:schemeClr val="accent2"/>
             </a:solidFill>
           </a:ln>
         </p:spPr>
@@ -16934,11 +17247,14 @@
             <a:avLst/>
           </a:prstGeom>
           <a:solidFill>
-            <a:schemeClr val="bg1"/>
+            <a:schemeClr val="accent2">
+              <a:lumMod val="60000"/>
+              <a:lumOff val="40000"/>
+            </a:schemeClr>
           </a:solidFill>
           <a:ln>
             <a:solidFill>
-              <a:schemeClr val="tx1"/>
+              <a:schemeClr val="accent2"/>
             </a:solidFill>
           </a:ln>
         </p:spPr>
@@ -16979,11 +17295,14 @@
             <a:avLst/>
           </a:prstGeom>
           <a:solidFill>
-            <a:schemeClr val="bg1"/>
+            <a:schemeClr val="accent2">
+              <a:lumMod val="60000"/>
+              <a:lumOff val="40000"/>
+            </a:schemeClr>
           </a:solidFill>
           <a:ln>
             <a:solidFill>
-              <a:schemeClr val="tx1"/>
+              <a:schemeClr val="accent2"/>
             </a:solidFill>
           </a:ln>
         </p:spPr>
@@ -17005,239 +17324,33 @@
       </p:sp>
       <p:sp>
         <p:nvSpPr>
-          <p:cNvPr id="14" name="Oval 13">
-            <a:extLst>
-              <a:ext uri="{FF2B5EF4-FFF2-40B4-BE49-F238E27FC236}">
-                <a16:creationId xmlns:a16="http://schemas.microsoft.com/office/drawing/2014/main" id="{655679DC-C645-6E49-98F6-E9D438CE00C4}"/>
-              </a:ext>
-            </a:extLst>
-          </p:cNvPr>
-          <p:cNvSpPr>
-            <a:spLocks noChangeAspect="1"/>
-          </p:cNvSpPr>
+          <p:cNvPr id="17" name="TextBox 16">
+            <a:extLst>
+              <a:ext uri="{FF2B5EF4-FFF2-40B4-BE49-F238E27FC236}">
+                <a16:creationId xmlns:a16="http://schemas.microsoft.com/office/drawing/2014/main" id="{EBB27101-768A-CF48-BE30-52EB19B491DF}"/>
+              </a:ext>
+            </a:extLst>
+          </p:cNvPr>
+          <p:cNvSpPr txBox="1"/>
           <p:nvPr/>
         </p:nvSpPr>
         <p:spPr>
           <a:xfrm>
-            <a:off x="8214278" y="2859627"/>
-            <a:ext cx="252000" cy="252000"/>
-          </a:xfrm>
-          <a:prstGeom prst="ellipse">
+            <a:off x="3444198" y="4042068"/>
+            <a:ext cx="453970" cy="369332"/>
+          </a:xfrm>
+          <a:prstGeom prst="rect">
             <a:avLst/>
           </a:prstGeom>
           <a:solidFill>
-            <a:schemeClr val="bg1"/>
+            <a:schemeClr val="accent5">
+              <a:lumMod val="60000"/>
+              <a:lumOff val="40000"/>
+            </a:schemeClr>
           </a:solidFill>
           <a:ln>
             <a:solidFill>
-              <a:schemeClr val="tx1"/>
-            </a:solidFill>
-          </a:ln>
-        </p:spPr>
-        <p:style>
-          <a:lnRef idx="2">
-            <a:schemeClr val="accent1">
-              <a:shade val="50000"/>
-            </a:schemeClr>
-          </a:lnRef>
-          <a:fillRef idx="1">
-            <a:schemeClr val="accent1"/>
-          </a:fillRef>
-          <a:effectRef idx="0">
-            <a:schemeClr val="accent1"/>
-          </a:effectRef>
-          <a:fontRef idx="minor">
-            <a:schemeClr val="lt1"/>
-          </a:fontRef>
-        </p:style>
-        <p:txBody>
-          <a:bodyPr rtlCol="0" anchor="ctr"/>
-          <a:lstStyle/>
-          <a:p>
-            <a:pPr algn="ctr"/>
-            <a:r>
-              <a:rPr lang="as-IN" dirty="0">
-                <a:solidFill>
-                  <a:sysClr val="windowText" lastClr="000000"/>
-                </a:solidFill>
-                <a:latin typeface="Arial" panose="020B0604020202020204" pitchFamily="34" charset="0"/>
-                <a:cs typeface="Arial" panose="020B0604020202020204" pitchFamily="34" charset="0"/>
-              </a:rPr>
-              <a:t>৹</a:t>
-            </a:r>
-            <a:endParaRPr lang="en-US" dirty="0">
-              <a:solidFill>
-                <a:sysClr val="windowText" lastClr="000000"/>
-              </a:solidFill>
-              <a:latin typeface="Arial" panose="020B0604020202020204" pitchFamily="34" charset="0"/>
-              <a:cs typeface="Arial" panose="020B0604020202020204" pitchFamily="34" charset="0"/>
-            </a:endParaRPr>
-          </a:p>
-        </p:txBody>
-      </p:sp>
-      <p:sp>
-        <p:nvSpPr>
-          <p:cNvPr id="15" name="Oval 14">
-            <a:extLst>
-              <a:ext uri="{FF2B5EF4-FFF2-40B4-BE49-F238E27FC236}">
-                <a16:creationId xmlns:a16="http://schemas.microsoft.com/office/drawing/2014/main" id="{291CFA7F-6B47-2046-B94C-8287F4808298}"/>
-              </a:ext>
-            </a:extLst>
-          </p:cNvPr>
-          <p:cNvSpPr>
-            <a:spLocks noChangeAspect="1"/>
-          </p:cNvSpPr>
-          <p:nvPr/>
-        </p:nvSpPr>
-        <p:spPr>
-          <a:xfrm>
-            <a:off x="6488477" y="2858067"/>
-            <a:ext cx="252000" cy="252000"/>
-          </a:xfrm>
-          <a:prstGeom prst="ellipse">
-            <a:avLst/>
-          </a:prstGeom>
-          <a:solidFill>
-            <a:schemeClr val="bg1"/>
-          </a:solidFill>
-          <a:ln>
-            <a:solidFill>
-              <a:schemeClr val="tx1"/>
-            </a:solidFill>
-          </a:ln>
-        </p:spPr>
-        <p:style>
-          <a:lnRef idx="2">
-            <a:schemeClr val="accent1">
-              <a:shade val="50000"/>
-            </a:schemeClr>
-          </a:lnRef>
-          <a:fillRef idx="1">
-            <a:schemeClr val="accent1"/>
-          </a:fillRef>
-          <a:effectRef idx="0">
-            <a:schemeClr val="accent1"/>
-          </a:effectRef>
-          <a:fontRef idx="minor">
-            <a:schemeClr val="lt1"/>
-          </a:fontRef>
-        </p:style>
-        <p:txBody>
-          <a:bodyPr rtlCol="0" anchor="ctr"/>
-          <a:lstStyle/>
-          <a:p>
-            <a:pPr algn="ctr"/>
-            <a:r>
-              <a:rPr lang="as-IN" dirty="0">
-                <a:solidFill>
-                  <a:sysClr val="windowText" lastClr="000000"/>
-                </a:solidFill>
-                <a:latin typeface="Arial" panose="020B0604020202020204" pitchFamily="34" charset="0"/>
-                <a:cs typeface="Arial" panose="020B0604020202020204" pitchFamily="34" charset="0"/>
-              </a:rPr>
-              <a:t>৹</a:t>
-            </a:r>
-            <a:endParaRPr lang="en-US" dirty="0">
-              <a:solidFill>
-                <a:sysClr val="windowText" lastClr="000000"/>
-              </a:solidFill>
-              <a:latin typeface="Arial" panose="020B0604020202020204" pitchFamily="34" charset="0"/>
-              <a:cs typeface="Arial" panose="020B0604020202020204" pitchFamily="34" charset="0"/>
-            </a:endParaRPr>
-          </a:p>
-        </p:txBody>
-      </p:sp>
-      <p:sp>
-        <p:nvSpPr>
-          <p:cNvPr id="16" name="Oval 15">
-            <a:extLst>
-              <a:ext uri="{FF2B5EF4-FFF2-40B4-BE49-F238E27FC236}">
-                <a16:creationId xmlns:a16="http://schemas.microsoft.com/office/drawing/2014/main" id="{FE59682D-8BEA-3D49-93EF-555AFEE2BD57}"/>
-              </a:ext>
-            </a:extLst>
-          </p:cNvPr>
-          <p:cNvSpPr>
-            <a:spLocks noChangeAspect="1"/>
-          </p:cNvSpPr>
-          <p:nvPr/>
-        </p:nvSpPr>
-        <p:spPr>
-          <a:xfrm>
-            <a:off x="6488477" y="2486423"/>
-            <a:ext cx="252000" cy="252000"/>
-          </a:xfrm>
-          <a:prstGeom prst="ellipse">
-            <a:avLst/>
-          </a:prstGeom>
-          <a:solidFill>
-            <a:schemeClr val="bg1"/>
-          </a:solidFill>
-          <a:ln>
-            <a:solidFill>
-              <a:schemeClr val="tx1"/>
-            </a:solidFill>
-          </a:ln>
-        </p:spPr>
-        <p:style>
-          <a:lnRef idx="2">
-            <a:schemeClr val="accent1">
-              <a:shade val="50000"/>
-            </a:schemeClr>
-          </a:lnRef>
-          <a:fillRef idx="1">
-            <a:schemeClr val="accent1"/>
-          </a:fillRef>
-          <a:effectRef idx="0">
-            <a:schemeClr val="accent1"/>
-          </a:effectRef>
-          <a:fontRef idx="minor">
-            <a:schemeClr val="lt1"/>
-          </a:fontRef>
-        </p:style>
-        <p:txBody>
-          <a:bodyPr rtlCol="0" anchor="ctr"/>
-          <a:lstStyle/>
-          <a:p>
-            <a:pPr algn="ctr"/>
-            <a:r>
-              <a:rPr lang="en-US" dirty="0">
-                <a:solidFill>
-                  <a:sysClr val="windowText" lastClr="000000"/>
-                </a:solidFill>
-                <a:latin typeface="Arial" panose="020B0604020202020204" pitchFamily="34" charset="0"/>
-                <a:cs typeface="Arial" panose="020B0604020202020204" pitchFamily="34" charset="0"/>
-              </a:rPr>
-              <a:t>+</a:t>
-            </a:r>
-          </a:p>
-        </p:txBody>
-      </p:sp>
-      <p:sp>
-        <p:nvSpPr>
-          <p:cNvPr id="17" name="TextBox 16">
-            <a:extLst>
-              <a:ext uri="{FF2B5EF4-FFF2-40B4-BE49-F238E27FC236}">
-                <a16:creationId xmlns:a16="http://schemas.microsoft.com/office/drawing/2014/main" id="{EBB27101-768A-CF48-BE30-52EB19B491DF}"/>
-              </a:ext>
-            </a:extLst>
-          </p:cNvPr>
-          <p:cNvSpPr txBox="1"/>
-          <p:nvPr/>
-        </p:nvSpPr>
-        <p:spPr>
-          <a:xfrm>
-            <a:off x="3444198" y="4042068"/>
-            <a:ext cx="453970" cy="369332"/>
-          </a:xfrm>
-          <a:prstGeom prst="rect">
-            <a:avLst/>
-          </a:prstGeom>
-          <a:solidFill>
-            <a:schemeClr val="bg1"/>
-          </a:solidFill>
-          <a:ln>
-            <a:solidFill>
-              <a:schemeClr val="tx1"/>
+              <a:schemeClr val="accent5"/>
             </a:solidFill>
           </a:ln>
         </p:spPr>
@@ -17289,11 +17402,14 @@
             <a:avLst/>
           </a:prstGeom>
           <a:solidFill>
-            <a:schemeClr val="bg1"/>
+            <a:schemeClr val="accent5">
+              <a:lumMod val="60000"/>
+              <a:lumOff val="40000"/>
+            </a:schemeClr>
           </a:solidFill>
           <a:ln>
             <a:solidFill>
-              <a:schemeClr val="tx1"/>
+              <a:schemeClr val="accent5"/>
             </a:solidFill>
           </a:ln>
         </p:spPr>
@@ -17456,11 +17572,14 @@
             <a:avLst/>
           </a:prstGeom>
           <a:solidFill>
-            <a:schemeClr val="bg1"/>
+            <a:schemeClr val="accent5">
+              <a:lumMod val="60000"/>
+              <a:lumOff val="40000"/>
+            </a:schemeClr>
           </a:solidFill>
           <a:ln>
             <a:solidFill>
-              <a:schemeClr val="tx1"/>
+              <a:schemeClr val="accent5"/>
             </a:solidFill>
           </a:ln>
         </p:spPr>
@@ -17476,71 +17595,6 @@
                 <a:cs typeface="Arial" panose="020B0604020202020204" pitchFamily="34" charset="0"/>
               </a:rPr>
               <a:t>b</a:t>
-            </a:r>
-          </a:p>
-        </p:txBody>
-      </p:sp>
-      <p:sp>
-        <p:nvSpPr>
-          <p:cNvPr id="29" name="Oval 28">
-            <a:extLst>
-              <a:ext uri="{FF2B5EF4-FFF2-40B4-BE49-F238E27FC236}">
-                <a16:creationId xmlns:a16="http://schemas.microsoft.com/office/drawing/2014/main" id="{2374D49D-AAEC-C147-9B1C-6CF1FDB38B1A}"/>
-              </a:ext>
-            </a:extLst>
-          </p:cNvPr>
-          <p:cNvSpPr>
-            <a:spLocks noChangeAspect="1"/>
-          </p:cNvSpPr>
-          <p:nvPr/>
-        </p:nvSpPr>
-        <p:spPr>
-          <a:xfrm>
-            <a:off x="4312701" y="4100734"/>
-            <a:ext cx="252000" cy="252000"/>
-          </a:xfrm>
-          <a:prstGeom prst="ellipse">
-            <a:avLst/>
-          </a:prstGeom>
-          <a:solidFill>
-            <a:schemeClr val="bg1"/>
-          </a:solidFill>
-          <a:ln>
-            <a:solidFill>
-              <a:schemeClr val="tx1"/>
-            </a:solidFill>
-          </a:ln>
-        </p:spPr>
-        <p:style>
-          <a:lnRef idx="2">
-            <a:schemeClr val="accent1">
-              <a:shade val="50000"/>
-            </a:schemeClr>
-          </a:lnRef>
-          <a:fillRef idx="1">
-            <a:schemeClr val="accent1"/>
-          </a:fillRef>
-          <a:effectRef idx="0">
-            <a:schemeClr val="accent1"/>
-          </a:effectRef>
-          <a:fontRef idx="minor">
-            <a:schemeClr val="lt1"/>
-          </a:fontRef>
-        </p:style>
-        <p:txBody>
-          <a:bodyPr rtlCol="0" anchor="ctr"/>
-          <a:lstStyle/>
-          <a:p>
-            <a:pPr algn="ctr"/>
-            <a:r>
-              <a:rPr lang="en-US" dirty="0">
-                <a:solidFill>
-                  <a:sysClr val="windowText" lastClr="000000"/>
-                </a:solidFill>
-                <a:latin typeface="Arial" panose="020B0604020202020204" pitchFamily="34" charset="0"/>
-                <a:cs typeface="Arial" panose="020B0604020202020204" pitchFamily="34" charset="0"/>
-              </a:rPr>
-              <a:t>+</a:t>
             </a:r>
           </a:p>
         </p:txBody>
@@ -18692,7 +18746,7 @@
           </a:xfrm>
           <a:prstGeom prst="bentConnector3">
             <a:avLst>
-              <a:gd name="adj1" fmla="val 50000"/>
+              <a:gd name="adj1" fmla="val 45408"/>
             </a:avLst>
           </a:prstGeom>
           <a:ln>
@@ -18922,6 +18976,367 @@
               <a:latin typeface="Times" pitchFamily="2" charset="0"/>
               <a:cs typeface="Arial" panose="020B0604020202020204" pitchFamily="34" charset="0"/>
             </a:endParaRPr>
+          </a:p>
+        </p:txBody>
+      </p:sp>
+      <p:sp>
+        <p:nvSpPr>
+          <p:cNvPr id="5" name="Oval 4">
+            <a:extLst>
+              <a:ext uri="{FF2B5EF4-FFF2-40B4-BE49-F238E27FC236}">
+                <a16:creationId xmlns:a16="http://schemas.microsoft.com/office/drawing/2014/main" id="{43CFE02A-E7EF-2F4B-BF25-480069BEEC03}"/>
+              </a:ext>
+            </a:extLst>
+          </p:cNvPr>
+          <p:cNvSpPr>
+            <a:spLocks noChangeAspect="1"/>
+          </p:cNvSpPr>
+          <p:nvPr/>
+        </p:nvSpPr>
+        <p:spPr>
+          <a:xfrm>
+            <a:off x="4312701" y="2486423"/>
+            <a:ext cx="252000" cy="252000"/>
+          </a:xfrm>
+          <a:prstGeom prst="ellipse">
+            <a:avLst/>
+          </a:prstGeom>
+          <a:solidFill>
+            <a:schemeClr val="accent6">
+              <a:lumMod val="60000"/>
+              <a:lumOff val="40000"/>
+            </a:schemeClr>
+          </a:solidFill>
+          <a:ln>
+            <a:solidFill>
+              <a:schemeClr val="accent6"/>
+            </a:solidFill>
+          </a:ln>
+        </p:spPr>
+        <p:style>
+          <a:lnRef idx="2">
+            <a:schemeClr val="accent1">
+              <a:shade val="50000"/>
+            </a:schemeClr>
+          </a:lnRef>
+          <a:fillRef idx="1">
+            <a:schemeClr val="accent1"/>
+          </a:fillRef>
+          <a:effectRef idx="0">
+            <a:schemeClr val="accent1"/>
+          </a:effectRef>
+          <a:fontRef idx="minor">
+            <a:schemeClr val="lt1"/>
+          </a:fontRef>
+        </p:style>
+        <p:txBody>
+          <a:bodyPr rtlCol="0" anchor="ctr"/>
+          <a:lstStyle/>
+          <a:p>
+            <a:pPr algn="ctr"/>
+            <a:r>
+              <a:rPr lang="as-IN" dirty="0">
+                <a:solidFill>
+                  <a:sysClr val="windowText" lastClr="000000"/>
+                </a:solidFill>
+                <a:latin typeface="Arial" panose="020B0604020202020204" pitchFamily="34" charset="0"/>
+                <a:cs typeface="Arial" panose="020B0604020202020204" pitchFamily="34" charset="0"/>
+              </a:rPr>
+              <a:t>৹</a:t>
+            </a:r>
+            <a:endParaRPr lang="en-US" dirty="0">
+              <a:solidFill>
+                <a:sysClr val="windowText" lastClr="000000"/>
+              </a:solidFill>
+              <a:latin typeface="Arial" panose="020B0604020202020204" pitchFamily="34" charset="0"/>
+              <a:cs typeface="Arial" panose="020B0604020202020204" pitchFamily="34" charset="0"/>
+            </a:endParaRPr>
+          </a:p>
+        </p:txBody>
+      </p:sp>
+      <p:sp>
+        <p:nvSpPr>
+          <p:cNvPr id="14" name="Oval 13">
+            <a:extLst>
+              <a:ext uri="{FF2B5EF4-FFF2-40B4-BE49-F238E27FC236}">
+                <a16:creationId xmlns:a16="http://schemas.microsoft.com/office/drawing/2014/main" id="{655679DC-C645-6E49-98F6-E9D438CE00C4}"/>
+              </a:ext>
+            </a:extLst>
+          </p:cNvPr>
+          <p:cNvSpPr>
+            <a:spLocks noChangeAspect="1"/>
+          </p:cNvSpPr>
+          <p:nvPr/>
+        </p:nvSpPr>
+        <p:spPr>
+          <a:xfrm>
+            <a:off x="8214278" y="2859627"/>
+            <a:ext cx="252000" cy="252000"/>
+          </a:xfrm>
+          <a:prstGeom prst="ellipse">
+            <a:avLst/>
+          </a:prstGeom>
+          <a:solidFill>
+            <a:schemeClr val="accent6">
+              <a:lumMod val="60000"/>
+              <a:lumOff val="40000"/>
+            </a:schemeClr>
+          </a:solidFill>
+          <a:ln>
+            <a:solidFill>
+              <a:schemeClr val="accent6"/>
+            </a:solidFill>
+          </a:ln>
+        </p:spPr>
+        <p:style>
+          <a:lnRef idx="2">
+            <a:schemeClr val="accent1">
+              <a:shade val="50000"/>
+            </a:schemeClr>
+          </a:lnRef>
+          <a:fillRef idx="1">
+            <a:schemeClr val="accent1"/>
+          </a:fillRef>
+          <a:effectRef idx="0">
+            <a:schemeClr val="accent1"/>
+          </a:effectRef>
+          <a:fontRef idx="minor">
+            <a:schemeClr val="lt1"/>
+          </a:fontRef>
+        </p:style>
+        <p:txBody>
+          <a:bodyPr rtlCol="0" anchor="ctr"/>
+          <a:lstStyle/>
+          <a:p>
+            <a:pPr algn="ctr"/>
+            <a:r>
+              <a:rPr lang="as-IN" dirty="0">
+                <a:solidFill>
+                  <a:sysClr val="windowText" lastClr="000000"/>
+                </a:solidFill>
+                <a:latin typeface="Arial" panose="020B0604020202020204" pitchFamily="34" charset="0"/>
+                <a:cs typeface="Arial" panose="020B0604020202020204" pitchFamily="34" charset="0"/>
+              </a:rPr>
+              <a:t>৹</a:t>
+            </a:r>
+            <a:endParaRPr lang="en-US" dirty="0">
+              <a:solidFill>
+                <a:sysClr val="windowText" lastClr="000000"/>
+              </a:solidFill>
+              <a:latin typeface="Arial" panose="020B0604020202020204" pitchFamily="34" charset="0"/>
+              <a:cs typeface="Arial" panose="020B0604020202020204" pitchFamily="34" charset="0"/>
+            </a:endParaRPr>
+          </a:p>
+        </p:txBody>
+      </p:sp>
+      <p:sp>
+        <p:nvSpPr>
+          <p:cNvPr id="15" name="Oval 14">
+            <a:extLst>
+              <a:ext uri="{FF2B5EF4-FFF2-40B4-BE49-F238E27FC236}">
+                <a16:creationId xmlns:a16="http://schemas.microsoft.com/office/drawing/2014/main" id="{291CFA7F-6B47-2046-B94C-8287F4808298}"/>
+              </a:ext>
+            </a:extLst>
+          </p:cNvPr>
+          <p:cNvSpPr>
+            <a:spLocks noChangeAspect="1"/>
+          </p:cNvSpPr>
+          <p:nvPr/>
+        </p:nvSpPr>
+        <p:spPr>
+          <a:xfrm>
+            <a:off x="6488477" y="2858067"/>
+            <a:ext cx="252000" cy="252000"/>
+          </a:xfrm>
+          <a:prstGeom prst="ellipse">
+            <a:avLst/>
+          </a:prstGeom>
+          <a:solidFill>
+            <a:schemeClr val="accent6">
+              <a:lumMod val="60000"/>
+              <a:lumOff val="40000"/>
+            </a:schemeClr>
+          </a:solidFill>
+          <a:ln>
+            <a:solidFill>
+              <a:schemeClr val="accent6"/>
+            </a:solidFill>
+          </a:ln>
+        </p:spPr>
+        <p:style>
+          <a:lnRef idx="2">
+            <a:schemeClr val="accent1">
+              <a:shade val="50000"/>
+            </a:schemeClr>
+          </a:lnRef>
+          <a:fillRef idx="1">
+            <a:schemeClr val="accent1"/>
+          </a:fillRef>
+          <a:effectRef idx="0">
+            <a:schemeClr val="accent1"/>
+          </a:effectRef>
+          <a:fontRef idx="minor">
+            <a:schemeClr val="lt1"/>
+          </a:fontRef>
+        </p:style>
+        <p:txBody>
+          <a:bodyPr rtlCol="0" anchor="ctr"/>
+          <a:lstStyle/>
+          <a:p>
+            <a:pPr algn="ctr"/>
+            <a:r>
+              <a:rPr lang="as-IN" dirty="0">
+                <a:solidFill>
+                  <a:sysClr val="windowText" lastClr="000000"/>
+                </a:solidFill>
+                <a:latin typeface="Arial" panose="020B0604020202020204" pitchFamily="34" charset="0"/>
+                <a:cs typeface="Arial" panose="020B0604020202020204" pitchFamily="34" charset="0"/>
+              </a:rPr>
+              <a:t>৹</a:t>
+            </a:r>
+            <a:endParaRPr lang="en-US" dirty="0">
+              <a:solidFill>
+                <a:sysClr val="windowText" lastClr="000000"/>
+              </a:solidFill>
+              <a:latin typeface="Arial" panose="020B0604020202020204" pitchFamily="34" charset="0"/>
+              <a:cs typeface="Arial" panose="020B0604020202020204" pitchFamily="34" charset="0"/>
+            </a:endParaRPr>
+          </a:p>
+        </p:txBody>
+      </p:sp>
+      <p:sp>
+        <p:nvSpPr>
+          <p:cNvPr id="16" name="Oval 15">
+            <a:extLst>
+              <a:ext uri="{FF2B5EF4-FFF2-40B4-BE49-F238E27FC236}">
+                <a16:creationId xmlns:a16="http://schemas.microsoft.com/office/drawing/2014/main" id="{FE59682D-8BEA-3D49-93EF-555AFEE2BD57}"/>
+              </a:ext>
+            </a:extLst>
+          </p:cNvPr>
+          <p:cNvSpPr>
+            <a:spLocks noChangeAspect="1"/>
+          </p:cNvSpPr>
+          <p:nvPr/>
+        </p:nvSpPr>
+        <p:spPr>
+          <a:xfrm>
+            <a:off x="6488477" y="2486423"/>
+            <a:ext cx="252000" cy="252000"/>
+          </a:xfrm>
+          <a:prstGeom prst="ellipse">
+            <a:avLst/>
+          </a:prstGeom>
+          <a:solidFill>
+            <a:schemeClr val="accent6">
+              <a:lumMod val="60000"/>
+              <a:lumOff val="40000"/>
+            </a:schemeClr>
+          </a:solidFill>
+          <a:ln>
+            <a:solidFill>
+              <a:schemeClr val="accent6"/>
+            </a:solidFill>
+          </a:ln>
+        </p:spPr>
+        <p:style>
+          <a:lnRef idx="2">
+            <a:schemeClr val="accent1">
+              <a:shade val="50000"/>
+            </a:schemeClr>
+          </a:lnRef>
+          <a:fillRef idx="1">
+            <a:schemeClr val="accent1"/>
+          </a:fillRef>
+          <a:effectRef idx="0">
+            <a:schemeClr val="accent1"/>
+          </a:effectRef>
+          <a:fontRef idx="minor">
+            <a:schemeClr val="lt1"/>
+          </a:fontRef>
+        </p:style>
+        <p:txBody>
+          <a:bodyPr rtlCol="0" anchor="ctr"/>
+          <a:lstStyle/>
+          <a:p>
+            <a:pPr algn="ctr"/>
+            <a:r>
+              <a:rPr lang="en-US" dirty="0">
+                <a:solidFill>
+                  <a:sysClr val="windowText" lastClr="000000"/>
+                </a:solidFill>
+                <a:latin typeface="Arial" panose="020B0604020202020204" pitchFamily="34" charset="0"/>
+                <a:cs typeface="Arial" panose="020B0604020202020204" pitchFamily="34" charset="0"/>
+              </a:rPr>
+              <a:t>+</a:t>
+            </a:r>
+          </a:p>
+        </p:txBody>
+      </p:sp>
+      <p:sp>
+        <p:nvSpPr>
+          <p:cNvPr id="29" name="Oval 28">
+            <a:extLst>
+              <a:ext uri="{FF2B5EF4-FFF2-40B4-BE49-F238E27FC236}">
+                <a16:creationId xmlns:a16="http://schemas.microsoft.com/office/drawing/2014/main" id="{2374D49D-AAEC-C147-9B1C-6CF1FDB38B1A}"/>
+              </a:ext>
+            </a:extLst>
+          </p:cNvPr>
+          <p:cNvSpPr>
+            <a:spLocks noChangeAspect="1"/>
+          </p:cNvSpPr>
+          <p:nvPr/>
+        </p:nvSpPr>
+        <p:spPr>
+          <a:xfrm>
+            <a:off x="4312701" y="4100734"/>
+            <a:ext cx="252000" cy="252000"/>
+          </a:xfrm>
+          <a:prstGeom prst="ellipse">
+            <a:avLst/>
+          </a:prstGeom>
+          <a:solidFill>
+            <a:schemeClr val="accent6">
+              <a:lumMod val="60000"/>
+              <a:lumOff val="40000"/>
+            </a:schemeClr>
+          </a:solidFill>
+          <a:ln>
+            <a:solidFill>
+              <a:schemeClr val="accent6"/>
+            </a:solidFill>
+          </a:ln>
+        </p:spPr>
+        <p:style>
+          <a:lnRef idx="2">
+            <a:schemeClr val="accent1">
+              <a:shade val="50000"/>
+            </a:schemeClr>
+          </a:lnRef>
+          <a:fillRef idx="1">
+            <a:schemeClr val="accent1"/>
+          </a:fillRef>
+          <a:effectRef idx="0">
+            <a:schemeClr val="accent1"/>
+          </a:effectRef>
+          <a:fontRef idx="minor">
+            <a:schemeClr val="lt1"/>
+          </a:fontRef>
+        </p:style>
+        <p:txBody>
+          <a:bodyPr rtlCol="0" anchor="ctr"/>
+          <a:lstStyle/>
+          <a:p>
+            <a:pPr algn="ctr"/>
+            <a:r>
+              <a:rPr lang="en-US" dirty="0">
+                <a:solidFill>
+                  <a:sysClr val="windowText" lastClr="000000"/>
+                </a:solidFill>
+                <a:latin typeface="Arial" panose="020B0604020202020204" pitchFamily="34" charset="0"/>
+                <a:cs typeface="Arial" panose="020B0604020202020204" pitchFamily="34" charset="0"/>
+              </a:rPr>
+              <a:t>+</a:t>
+            </a:r>
           </a:p>
         </p:txBody>
       </p:sp>
@@ -18965,22 +19380,27 @@
             </a:extLst>
           </p:cNvPr>
           <p:cNvSpPr>
-            <a:spLocks noChangeAspect="1"/>
+            <a:spLocks/>
           </p:cNvSpPr>
           <p:nvPr/>
         </p:nvSpPr>
         <p:spPr>
           <a:xfrm>
-            <a:off x="5173248" y="2004164"/>
-            <a:ext cx="1440000" cy="1440000"/>
+            <a:off x="6120000" y="3240000"/>
+            <a:ext cx="1620000" cy="540000"/>
           </a:xfrm>
           <a:prstGeom prst="rect">
             <a:avLst/>
           </a:prstGeom>
-          <a:noFill/>
+          <a:solidFill>
+            <a:schemeClr val="accent5">
+              <a:lumMod val="60000"/>
+              <a:lumOff val="40000"/>
+            </a:schemeClr>
+          </a:solidFill>
           <a:ln>
             <a:solidFill>
-              <a:schemeClr val="tx1"/>
+              <a:schemeClr val="accent5"/>
             </a:solidFill>
           </a:ln>
         </p:spPr>
@@ -19010,6 +19430,13 @@
               </a:rPr>
               <a:t>ConvLSTM</a:t>
             </a:r>
+            <a:r>
+              <a:rPr lang="en-US" baseline="30000" dirty="0">
+                <a:latin typeface="Arial" panose="020B0604020202020204" pitchFamily="34" charset="0"/>
+                <a:cs typeface="Arial" panose="020B0604020202020204" pitchFamily="34" charset="0"/>
+              </a:rPr>
+              <a:t>(1)</a:t>
+            </a:r>
           </a:p>
         </p:txBody>
       </p:sp>
@@ -19028,7 +19455,7 @@
           <p:nvPr/>
         </p:nvPicPr>
         <p:blipFill>
-          <a:blip r:embed="rId2">
+          <a:blip r:embed="rId3">
             <a:alphaModFix/>
             <a:extLst>
               <a:ext uri="{28A0092B-C50C-407E-A947-70E740481C1C}">
@@ -19042,8 +19469,8 @@
         </p:blipFill>
         <p:spPr>
           <a:xfrm>
-            <a:off x="3240000" y="0"/>
-            <a:ext cx="2160000" cy="2160000"/>
+            <a:off x="-360000" y="4320000"/>
+            <a:ext cx="1620000" cy="1620000"/>
           </a:xfrm>
           <a:prstGeom prst="rect">
             <a:avLst/>
@@ -19064,7 +19491,7 @@
         </p:nvSpPr>
         <p:spPr>
           <a:xfrm>
-            <a:off x="3644174" y="2158395"/>
+            <a:off x="-225826" y="5938797"/>
             <a:ext cx="1351652" cy="646331"/>
           </a:xfrm>
           <a:prstGeom prst="rect">
@@ -19118,8 +19545,8 @@
         </p:nvGrpSpPr>
         <p:grpSpPr>
           <a:xfrm>
-            <a:off x="1213248" y="3084164"/>
-            <a:ext cx="2160000" cy="2160000"/>
+            <a:off x="1800000" y="4320000"/>
+            <a:ext cx="1620000" cy="1620000"/>
             <a:chOff x="4682750" y="1047900"/>
             <a:chExt cx="2422800" cy="2422800"/>
           </a:xfrm>
@@ -19139,7 +19566,7 @@
             <p:nvPr/>
           </p:nvPicPr>
           <p:blipFill>
-            <a:blip r:embed="rId3">
+            <a:blip r:embed="rId4">
               <a:extLst>
                 <a:ext uri="{28A0092B-C50C-407E-A947-70E740481C1C}">
                   <a14:useLocalDpi xmlns:a14="http://schemas.microsoft.com/office/drawing/2010/main" val="0"/>
@@ -19175,7 +19602,7 @@
             <p:nvPr/>
           </p:nvPicPr>
           <p:blipFill>
-            <a:blip r:embed="rId4">
+            <a:blip r:embed="rId5">
               <a:alphaModFix amt="80000"/>
               <a:extLst>
                 <a:ext uri="{28A0092B-C50C-407E-A947-70E740481C1C}">
@@ -19214,8 +19641,8 @@
         </p:nvGrpSpPr>
         <p:grpSpPr>
           <a:xfrm>
-            <a:off x="4453248" y="3084164"/>
-            <a:ext cx="2160000" cy="2160000"/>
+            <a:off x="3960000" y="4320000"/>
+            <a:ext cx="1620000" cy="1620000"/>
             <a:chOff x="8693575" y="2990075"/>
             <a:chExt cx="2422800" cy="2422800"/>
           </a:xfrm>
@@ -19235,7 +19662,7 @@
             <p:nvPr/>
           </p:nvPicPr>
           <p:blipFill>
-            <a:blip r:embed="rId3">
+            <a:blip r:embed="rId4">
               <a:extLst>
                 <a:ext uri="{28A0092B-C50C-407E-A947-70E740481C1C}">
                   <a14:useLocalDpi xmlns:a14="http://schemas.microsoft.com/office/drawing/2010/main" val="0"/>
@@ -19271,7 +19698,7 @@
             <p:nvPr/>
           </p:nvPicPr>
           <p:blipFill>
-            <a:blip r:embed="rId5">
+            <a:blip r:embed="rId6">
               <a:alphaModFix amt="80000"/>
               <a:extLst>
                 <a:ext uri="{28A0092B-C50C-407E-A947-70E740481C1C}">
@@ -19309,7 +19736,7 @@
         </p:nvSpPr>
         <p:spPr>
           <a:xfrm>
-            <a:off x="1271175" y="5242559"/>
+            <a:off x="1587928" y="5938797"/>
             <a:ext cx="2044149" cy="646331"/>
           </a:xfrm>
           <a:prstGeom prst="rect">
@@ -19361,7 +19788,7 @@
         </p:nvSpPr>
         <p:spPr>
           <a:xfrm>
-            <a:off x="4594498" y="5242559"/>
+            <a:off x="3831250" y="5938797"/>
             <a:ext cx="1877502" cy="646331"/>
           </a:xfrm>
           <a:prstGeom prst="rect">
@@ -19399,48 +19826,12 @@
           </a:p>
         </p:txBody>
       </p:sp>
-      <p:pic>
-        <p:nvPicPr>
-          <p:cNvPr id="43" name="Picture 42">
-            <a:extLst>
-              <a:ext uri="{FF2B5EF4-FFF2-40B4-BE49-F238E27FC236}">
-                <a16:creationId xmlns:a16="http://schemas.microsoft.com/office/drawing/2014/main" id="{A5387324-45E0-4644-8C55-30D7CF00A478}"/>
-              </a:ext>
-            </a:extLst>
-          </p:cNvPr>
-          <p:cNvPicPr>
-            <a:picLocks noChangeAspect="1"/>
-          </p:cNvPicPr>
-          <p:nvPr/>
-        </p:nvPicPr>
-        <p:blipFill>
-          <a:blip r:embed="rId3">
-            <a:extLst>
-              <a:ext uri="{28A0092B-C50C-407E-A947-70E740481C1C}">
-                <a14:useLocalDpi xmlns:a14="http://schemas.microsoft.com/office/drawing/2010/main" val="0"/>
-              </a:ext>
-            </a:extLst>
-          </a:blip>
-          <a:stretch>
-            <a:fillRect/>
-          </a:stretch>
-        </p:blipFill>
-        <p:spPr>
-          <a:xfrm>
-            <a:off x="8177158" y="2493284"/>
-            <a:ext cx="2160000" cy="2160000"/>
-          </a:xfrm>
-          <a:prstGeom prst="rect">
-            <a:avLst/>
-          </a:prstGeom>
-        </p:spPr>
-      </p:pic>
       <p:grpSp>
         <p:nvGrpSpPr>
-          <p:cNvPr id="9" name="Group 8">
-            <a:extLst>
-              <a:ext uri="{FF2B5EF4-FFF2-40B4-BE49-F238E27FC236}">
-                <a16:creationId xmlns:a16="http://schemas.microsoft.com/office/drawing/2014/main" id="{FB758036-9EF4-DA40-8BBD-DD246E34AB98}"/>
+          <p:cNvPr id="3" name="Group 2">
+            <a:extLst>
+              <a:ext uri="{FF2B5EF4-FFF2-40B4-BE49-F238E27FC236}">
+                <a16:creationId xmlns:a16="http://schemas.microsoft.com/office/drawing/2014/main" id="{E81BEC20-6550-4A43-85FD-DA1CAD17C244}"/>
               </a:ext>
             </a:extLst>
           </p:cNvPr>
@@ -19451,287 +19842,4682 @@
         </p:nvGrpSpPr>
         <p:grpSpPr>
           <a:xfrm>
-            <a:off x="6362879" y="856379"/>
-            <a:ext cx="2160000" cy="2160000"/>
-            <a:chOff x="1571643" y="848890"/>
-            <a:chExt cx="10080000" cy="10080000"/>
+            <a:off x="6120000" y="-2160000"/>
+            <a:ext cx="1620000" cy="1620000"/>
+            <a:chOff x="7466496" y="130752"/>
+            <a:chExt cx="1440000" cy="1440000"/>
           </a:xfrm>
         </p:grpSpPr>
-        <p:sp>
-          <p:nvSpPr>
-            <p:cNvPr id="5" name="Rectangle 4">
+        <p:pic>
+          <p:nvPicPr>
+            <p:cNvPr id="52" name="Picture 51">
               <a:extLst>
                 <a:ext uri="{FF2B5EF4-FFF2-40B4-BE49-F238E27FC236}">
-                  <a16:creationId xmlns:a16="http://schemas.microsoft.com/office/drawing/2014/main" id="{F10DB4FD-FA02-0744-9470-156D75D5B123}"/>
+                  <a16:creationId xmlns:a16="http://schemas.microsoft.com/office/drawing/2014/main" id="{D6A30CE6-86E9-2A4F-8C01-27BF12C00722}"/>
                 </a:ext>
               </a:extLst>
             </p:cNvPr>
-            <p:cNvSpPr>
-              <a:spLocks noChangeAspect="1"/>
-            </p:cNvSpPr>
+            <p:cNvPicPr>
+              <a:picLocks noChangeAspect="1"/>
+            </p:cNvPicPr>
             <p:nvPr/>
-          </p:nvSpPr>
+          </p:nvPicPr>
+          <p:blipFill>
+            <a:blip r:embed="rId4">
+              <a:extLst>
+                <a:ext uri="{28A0092B-C50C-407E-A947-70E740481C1C}">
+                  <a14:useLocalDpi xmlns:a14="http://schemas.microsoft.com/office/drawing/2010/main" val="0"/>
+                </a:ext>
+              </a:extLst>
+            </a:blip>
+            <a:stretch>
+              <a:fillRect/>
+            </a:stretch>
+          </p:blipFill>
           <p:spPr>
             <a:xfrm>
-              <a:off x="1571643" y="848890"/>
-              <a:ext cx="10080000" cy="10080000"/>
+              <a:off x="7466496" y="130752"/>
+              <a:ext cx="1440000" cy="1440000"/>
             </a:xfrm>
             <a:prstGeom prst="rect">
               <a:avLst/>
             </a:prstGeom>
-            <a:solidFill>
-              <a:schemeClr val="bg1">
-                <a:alpha val="80000"/>
-              </a:schemeClr>
-            </a:solidFill>
             <a:ln>
+              <a:noFill/>
+            </a:ln>
+          </p:spPr>
+        </p:pic>
+        <p:grpSp>
+          <p:nvGrpSpPr>
+            <p:cNvPr id="9" name="Group 8">
+              <a:extLst>
+                <a:ext uri="{FF2B5EF4-FFF2-40B4-BE49-F238E27FC236}">
+                  <a16:creationId xmlns:a16="http://schemas.microsoft.com/office/drawing/2014/main" id="{FB758036-9EF4-DA40-8BBD-DD246E34AB98}"/>
+                </a:ext>
+              </a:extLst>
+            </p:cNvPr>
+            <p:cNvGrpSpPr>
+              <a:grpSpLocks noChangeAspect="1"/>
+            </p:cNvGrpSpPr>
+            <p:nvPr/>
+          </p:nvGrpSpPr>
+          <p:grpSpPr>
+            <a:xfrm>
+              <a:off x="7466496" y="130752"/>
+              <a:ext cx="1440000" cy="1440000"/>
+              <a:chOff x="1571643" y="848890"/>
+              <a:chExt cx="10080000" cy="10080000"/>
+            </a:xfrm>
+          </p:grpSpPr>
+          <p:sp>
+            <p:nvSpPr>
+              <p:cNvPr id="5" name="Rectangle 4">
+                <a:extLst>
+                  <a:ext uri="{FF2B5EF4-FFF2-40B4-BE49-F238E27FC236}">
+                    <a16:creationId xmlns:a16="http://schemas.microsoft.com/office/drawing/2014/main" id="{F10DB4FD-FA02-0744-9470-156D75D5B123}"/>
+                  </a:ext>
+                </a:extLst>
+              </p:cNvPr>
+              <p:cNvSpPr>
+                <a:spLocks noChangeAspect="1"/>
+              </p:cNvSpPr>
+              <p:nvPr/>
+            </p:nvSpPr>
+            <p:spPr>
+              <a:xfrm>
+                <a:off x="1571643" y="848890"/>
+                <a:ext cx="10080000" cy="10080000"/>
+              </a:xfrm>
+              <a:prstGeom prst="rect">
+                <a:avLst/>
+              </a:prstGeom>
+              <a:solidFill>
+                <a:schemeClr val="bg1">
+                  <a:alpha val="80000"/>
+                </a:schemeClr>
+              </a:solidFill>
+              <a:ln>
+                <a:noFill/>
+              </a:ln>
+            </p:spPr>
+            <p:style>
+              <a:lnRef idx="2">
+                <a:schemeClr val="accent1">
+                  <a:shade val="50000"/>
+                </a:schemeClr>
+              </a:lnRef>
+              <a:fillRef idx="1">
+                <a:schemeClr val="accent1"/>
+              </a:fillRef>
+              <a:effectRef idx="0">
+                <a:schemeClr val="accent1"/>
+              </a:effectRef>
+              <a:fontRef idx="minor">
+                <a:schemeClr val="lt1"/>
+              </a:fontRef>
+            </p:style>
+            <p:txBody>
+              <a:bodyPr rtlCol="0" anchor="ctr"/>
+              <a:lstStyle/>
+              <a:p>
+                <a:pPr algn="ctr"/>
+                <a:endParaRPr lang="en-US"/>
+              </a:p>
+            </p:txBody>
+          </p:sp>
+          <p:sp>
+            <p:nvSpPr>
+              <p:cNvPr id="50" name="Rectangle 49">
+                <a:extLst>
+                  <a:ext uri="{FF2B5EF4-FFF2-40B4-BE49-F238E27FC236}">
+                    <a16:creationId xmlns:a16="http://schemas.microsoft.com/office/drawing/2014/main" id="{0DBDC105-90EF-004C-9407-C848C4A95EB3}"/>
+                  </a:ext>
+                </a:extLst>
+              </p:cNvPr>
+              <p:cNvSpPr>
+                <a:spLocks noChangeAspect="1"/>
+              </p:cNvSpPr>
+              <p:nvPr/>
+            </p:nvSpPr>
+            <p:spPr>
+              <a:xfrm>
+                <a:off x="9858279" y="6254995"/>
+                <a:ext cx="360000" cy="360000"/>
+              </a:xfrm>
+              <a:prstGeom prst="rect">
+                <a:avLst/>
+              </a:prstGeom>
               <a:solidFill>
                 <a:schemeClr val="tx1"/>
               </a:solidFill>
-            </a:ln>
-          </p:spPr>
-          <p:style>
-            <a:lnRef idx="2">
-              <a:schemeClr val="accent1">
-                <a:shade val="50000"/>
-              </a:schemeClr>
-            </a:lnRef>
-            <a:fillRef idx="1">
-              <a:schemeClr val="accent1"/>
-            </a:fillRef>
-            <a:effectRef idx="0">
-              <a:schemeClr val="accent1"/>
-            </a:effectRef>
-            <a:fontRef idx="minor">
-              <a:schemeClr val="lt1"/>
-            </a:fontRef>
-          </p:style>
-          <p:txBody>
-            <a:bodyPr rtlCol="0" anchor="ctr"/>
-            <a:lstStyle/>
-            <a:p>
-              <a:pPr algn="ctr"/>
-              <a:endParaRPr lang="en-US"/>
-            </a:p>
-          </p:txBody>
-        </p:sp>
-        <p:sp>
-          <p:nvSpPr>
-            <p:cNvPr id="8" name="Rectangle 7">
+              <a:ln>
+                <a:noFill/>
+              </a:ln>
+            </p:spPr>
+            <p:style>
+              <a:lnRef idx="2">
+                <a:schemeClr val="accent1">
+                  <a:shade val="50000"/>
+                </a:schemeClr>
+              </a:lnRef>
+              <a:fillRef idx="1">
+                <a:schemeClr val="accent1"/>
+              </a:fillRef>
+              <a:effectRef idx="0">
+                <a:schemeClr val="accent1"/>
+              </a:effectRef>
+              <a:fontRef idx="minor">
+                <a:schemeClr val="lt1"/>
+              </a:fontRef>
+            </p:style>
+            <p:txBody>
+              <a:bodyPr rtlCol="0" anchor="ctr"/>
+              <a:lstStyle/>
+              <a:p>
+                <a:pPr algn="ctr"/>
+                <a:endParaRPr lang="en-US"/>
+              </a:p>
+            </p:txBody>
+          </p:sp>
+        </p:grpSp>
+      </p:grpSp>
+      <p:grpSp>
+        <p:nvGrpSpPr>
+          <p:cNvPr id="61" name="Group 60">
+            <a:extLst>
+              <a:ext uri="{FF2B5EF4-FFF2-40B4-BE49-F238E27FC236}">
+                <a16:creationId xmlns:a16="http://schemas.microsoft.com/office/drawing/2014/main" id="{9BA44C3D-59CE-DC48-AC57-A68DA0C353EA}"/>
+              </a:ext>
+            </a:extLst>
+          </p:cNvPr>
+          <p:cNvGrpSpPr>
+            <a:grpSpLocks noChangeAspect="1"/>
+          </p:cNvGrpSpPr>
+          <p:nvPr/>
+        </p:nvGrpSpPr>
+        <p:grpSpPr>
+          <a:xfrm>
+            <a:off x="3960000" y="-2160000"/>
+            <a:ext cx="1620000" cy="1620000"/>
+            <a:chOff x="7466496" y="130752"/>
+            <a:chExt cx="1440000" cy="1440000"/>
+          </a:xfrm>
+        </p:grpSpPr>
+        <p:pic>
+          <p:nvPicPr>
+            <p:cNvPr id="62" name="Picture 61">
               <a:extLst>
                 <a:ext uri="{FF2B5EF4-FFF2-40B4-BE49-F238E27FC236}">
-                  <a16:creationId xmlns:a16="http://schemas.microsoft.com/office/drawing/2014/main" id="{D759CD60-A19A-EE46-AB39-F9316BF890E3}"/>
+                  <a16:creationId xmlns:a16="http://schemas.microsoft.com/office/drawing/2014/main" id="{A0460A98-27DA-6846-9426-B104D0954BE1}"/>
                 </a:ext>
               </a:extLst>
             </p:cNvPr>
-            <p:cNvSpPr>
-              <a:spLocks noChangeAspect="1"/>
-            </p:cNvSpPr>
+            <p:cNvPicPr>
+              <a:picLocks noChangeAspect="1"/>
+            </p:cNvPicPr>
             <p:nvPr/>
-          </p:nvSpPr>
+          </p:nvPicPr>
+          <p:blipFill>
+            <a:blip r:embed="rId4">
+              <a:extLst>
+                <a:ext uri="{28A0092B-C50C-407E-A947-70E740481C1C}">
+                  <a14:useLocalDpi xmlns:a14="http://schemas.microsoft.com/office/drawing/2010/main" val="0"/>
+                </a:ext>
+              </a:extLst>
+            </a:blip>
+            <a:stretch>
+              <a:fillRect/>
+            </a:stretch>
+          </p:blipFill>
           <p:spPr>
             <a:xfrm>
-              <a:off x="6971643" y="2993809"/>
-              <a:ext cx="360000" cy="360000"/>
+              <a:off x="7466496" y="130752"/>
+              <a:ext cx="1440000" cy="1440000"/>
             </a:xfrm>
             <a:prstGeom prst="rect">
               <a:avLst/>
             </a:prstGeom>
-            <a:solidFill>
-              <a:schemeClr val="tx1"/>
-            </a:solidFill>
             <a:ln>
               <a:noFill/>
             </a:ln>
           </p:spPr>
-          <p:style>
-            <a:lnRef idx="2">
-              <a:schemeClr val="accent1">
-                <a:shade val="50000"/>
-              </a:schemeClr>
-            </a:lnRef>
-            <a:fillRef idx="1">
-              <a:schemeClr val="accent1"/>
-            </a:fillRef>
-            <a:effectRef idx="0">
-              <a:schemeClr val="accent1"/>
-            </a:effectRef>
-            <a:fontRef idx="minor">
-              <a:schemeClr val="lt1"/>
-            </a:fontRef>
-          </p:style>
-          <p:txBody>
-            <a:bodyPr rtlCol="0" anchor="ctr"/>
-            <a:lstStyle/>
-            <a:p>
-              <a:pPr algn="ctr"/>
-              <a:endParaRPr lang="en-US"/>
-            </a:p>
-          </p:txBody>
-        </p:sp>
-        <p:sp>
-          <p:nvSpPr>
-            <p:cNvPr id="48" name="Rectangle 47">
+        </p:pic>
+        <p:grpSp>
+          <p:nvGrpSpPr>
+            <p:cNvPr id="63" name="Group 62">
               <a:extLst>
                 <a:ext uri="{FF2B5EF4-FFF2-40B4-BE49-F238E27FC236}">
-                  <a16:creationId xmlns:a16="http://schemas.microsoft.com/office/drawing/2014/main" id="{0F744950-DF54-AC4F-9F04-D96FE3AB04FC}"/>
+                  <a16:creationId xmlns:a16="http://schemas.microsoft.com/office/drawing/2014/main" id="{1460EB3B-2533-2B4F-883C-84185DB57432}"/>
                 </a:ext>
               </a:extLst>
             </p:cNvPr>
-            <p:cNvSpPr>
-              <a:spLocks noChangeAspect="1"/>
-            </p:cNvSpPr>
+            <p:cNvGrpSpPr>
+              <a:grpSpLocks noChangeAspect="1"/>
+            </p:cNvGrpSpPr>
             <p:nvPr/>
-          </p:nvSpPr>
+          </p:nvGrpSpPr>
+          <p:grpSpPr>
+            <a:xfrm>
+              <a:off x="7466496" y="130752"/>
+              <a:ext cx="1440000" cy="1440000"/>
+              <a:chOff x="1571643" y="848890"/>
+              <a:chExt cx="10080000" cy="10080000"/>
+            </a:xfrm>
+          </p:grpSpPr>
+          <p:sp>
+            <p:nvSpPr>
+              <p:cNvPr id="64" name="Rectangle 63">
+                <a:extLst>
+                  <a:ext uri="{FF2B5EF4-FFF2-40B4-BE49-F238E27FC236}">
+                    <a16:creationId xmlns:a16="http://schemas.microsoft.com/office/drawing/2014/main" id="{F18E6A67-0225-D644-BBB9-B505B8100E54}"/>
+                  </a:ext>
+                </a:extLst>
+              </p:cNvPr>
+              <p:cNvSpPr>
+                <a:spLocks noChangeAspect="1"/>
+              </p:cNvSpPr>
+              <p:nvPr/>
+            </p:nvSpPr>
+            <p:spPr>
+              <a:xfrm>
+                <a:off x="1571643" y="848890"/>
+                <a:ext cx="10080000" cy="10080000"/>
+              </a:xfrm>
+              <a:prstGeom prst="rect">
+                <a:avLst/>
+              </a:prstGeom>
+              <a:solidFill>
+                <a:schemeClr val="bg1">
+                  <a:alpha val="80000"/>
+                </a:schemeClr>
+              </a:solidFill>
+              <a:ln>
+                <a:noFill/>
+              </a:ln>
+            </p:spPr>
+            <p:style>
+              <a:lnRef idx="2">
+                <a:schemeClr val="accent1">
+                  <a:shade val="50000"/>
+                </a:schemeClr>
+              </a:lnRef>
+              <a:fillRef idx="1">
+                <a:schemeClr val="accent1"/>
+              </a:fillRef>
+              <a:effectRef idx="0">
+                <a:schemeClr val="accent1"/>
+              </a:effectRef>
+              <a:fontRef idx="minor">
+                <a:schemeClr val="lt1"/>
+              </a:fontRef>
+            </p:style>
+            <p:txBody>
+              <a:bodyPr rtlCol="0" anchor="ctr"/>
+              <a:lstStyle/>
+              <a:p>
+                <a:pPr algn="ctr"/>
+                <a:endParaRPr lang="en-US"/>
+              </a:p>
+            </p:txBody>
+          </p:sp>
+          <p:sp>
+            <p:nvSpPr>
+              <p:cNvPr id="66" name="Rectangle 65">
+                <a:extLst>
+                  <a:ext uri="{FF2B5EF4-FFF2-40B4-BE49-F238E27FC236}">
+                    <a16:creationId xmlns:a16="http://schemas.microsoft.com/office/drawing/2014/main" id="{4EB30B03-BDD7-5646-846B-E860803EB31C}"/>
+                  </a:ext>
+                </a:extLst>
+              </p:cNvPr>
+              <p:cNvSpPr>
+                <a:spLocks noChangeAspect="1"/>
+              </p:cNvSpPr>
+              <p:nvPr/>
+            </p:nvSpPr>
+            <p:spPr>
+              <a:xfrm>
+                <a:off x="9150066" y="2265702"/>
+                <a:ext cx="360000" cy="360000"/>
+              </a:xfrm>
+              <a:prstGeom prst="rect">
+                <a:avLst/>
+              </a:prstGeom>
+              <a:solidFill>
+                <a:schemeClr val="tx1"/>
+              </a:solidFill>
+              <a:ln>
+                <a:noFill/>
+              </a:ln>
+            </p:spPr>
+            <p:style>
+              <a:lnRef idx="2">
+                <a:schemeClr val="accent1">
+                  <a:shade val="50000"/>
+                </a:schemeClr>
+              </a:lnRef>
+              <a:fillRef idx="1">
+                <a:schemeClr val="accent1"/>
+              </a:fillRef>
+              <a:effectRef idx="0">
+                <a:schemeClr val="accent1"/>
+              </a:effectRef>
+              <a:fontRef idx="minor">
+                <a:schemeClr val="lt1"/>
+              </a:fontRef>
+            </p:style>
+            <p:txBody>
+              <a:bodyPr rtlCol="0" anchor="ctr"/>
+              <a:lstStyle/>
+              <a:p>
+                <a:pPr algn="ctr"/>
+                <a:endParaRPr lang="en-US"/>
+              </a:p>
+            </p:txBody>
+          </p:sp>
+        </p:grpSp>
+      </p:grpSp>
+      <p:grpSp>
+        <p:nvGrpSpPr>
+          <p:cNvPr id="69" name="Group 68">
+            <a:extLst>
+              <a:ext uri="{FF2B5EF4-FFF2-40B4-BE49-F238E27FC236}">
+                <a16:creationId xmlns:a16="http://schemas.microsoft.com/office/drawing/2014/main" id="{F4A64EEC-D57D-7143-9E52-C6235FEE7C80}"/>
+              </a:ext>
+            </a:extLst>
+          </p:cNvPr>
+          <p:cNvGrpSpPr>
+            <a:grpSpLocks noChangeAspect="1"/>
+          </p:cNvGrpSpPr>
+          <p:nvPr/>
+        </p:nvGrpSpPr>
+        <p:grpSpPr>
+          <a:xfrm>
+            <a:off x="1800000" y="-2160000"/>
+            <a:ext cx="1620000" cy="1620000"/>
+            <a:chOff x="7466496" y="130752"/>
+            <a:chExt cx="1440000" cy="1440000"/>
+          </a:xfrm>
+        </p:grpSpPr>
+        <p:pic>
+          <p:nvPicPr>
+            <p:cNvPr id="70" name="Picture 69">
+              <a:extLst>
+                <a:ext uri="{FF2B5EF4-FFF2-40B4-BE49-F238E27FC236}">
+                  <a16:creationId xmlns:a16="http://schemas.microsoft.com/office/drawing/2014/main" id="{74C0AA37-31B3-D540-B351-9056D0F92992}"/>
+                </a:ext>
+              </a:extLst>
+            </p:cNvPr>
+            <p:cNvPicPr>
+              <a:picLocks noChangeAspect="1"/>
+            </p:cNvPicPr>
+            <p:nvPr/>
+          </p:nvPicPr>
+          <p:blipFill>
+            <a:blip r:embed="rId4">
+              <a:extLst>
+                <a:ext uri="{28A0092B-C50C-407E-A947-70E740481C1C}">
+                  <a14:useLocalDpi xmlns:a14="http://schemas.microsoft.com/office/drawing/2010/main" val="0"/>
+                </a:ext>
+              </a:extLst>
+            </a:blip>
+            <a:stretch>
+              <a:fillRect/>
+            </a:stretch>
+          </p:blipFill>
           <p:spPr>
             <a:xfrm>
-              <a:off x="9150066" y="2265702"/>
-              <a:ext cx="360000" cy="360000"/>
+              <a:off x="7466496" y="130752"/>
+              <a:ext cx="1440000" cy="1440000"/>
             </a:xfrm>
             <a:prstGeom prst="rect">
               <a:avLst/>
             </a:prstGeom>
-            <a:solidFill>
-              <a:schemeClr val="tx1"/>
-            </a:solidFill>
             <a:ln>
               <a:noFill/>
             </a:ln>
           </p:spPr>
-          <p:style>
-            <a:lnRef idx="2">
-              <a:schemeClr val="accent1">
-                <a:shade val="50000"/>
-              </a:schemeClr>
-            </a:lnRef>
-            <a:fillRef idx="1">
-              <a:schemeClr val="accent1"/>
-            </a:fillRef>
-            <a:effectRef idx="0">
-              <a:schemeClr val="accent1"/>
-            </a:effectRef>
-            <a:fontRef idx="minor">
-              <a:schemeClr val="lt1"/>
-            </a:fontRef>
-          </p:style>
-          <p:txBody>
-            <a:bodyPr rtlCol="0" anchor="ctr"/>
-            <a:lstStyle/>
-            <a:p>
-              <a:pPr algn="ctr"/>
-              <a:endParaRPr lang="en-US"/>
-            </a:p>
-          </p:txBody>
-        </p:sp>
-        <p:sp>
-          <p:nvSpPr>
-            <p:cNvPr id="49" name="Rectangle 48">
+        </p:pic>
+        <p:grpSp>
+          <p:nvGrpSpPr>
+            <p:cNvPr id="71" name="Group 70">
               <a:extLst>
                 <a:ext uri="{FF2B5EF4-FFF2-40B4-BE49-F238E27FC236}">
-                  <a16:creationId xmlns:a16="http://schemas.microsoft.com/office/drawing/2014/main" id="{A5C151D1-4631-E643-AE9D-BA414A06271F}"/>
+                  <a16:creationId xmlns:a16="http://schemas.microsoft.com/office/drawing/2014/main" id="{5B6054EB-8A8D-564C-859F-AE4F3E3241B4}"/>
                 </a:ext>
               </a:extLst>
             </p:cNvPr>
-            <p:cNvSpPr>
-              <a:spLocks noChangeAspect="1"/>
-            </p:cNvSpPr>
+            <p:cNvGrpSpPr>
+              <a:grpSpLocks noChangeAspect="1"/>
+            </p:cNvGrpSpPr>
             <p:nvPr/>
-          </p:nvSpPr>
+          </p:nvGrpSpPr>
+          <p:grpSpPr>
+            <a:xfrm>
+              <a:off x="7466496" y="130752"/>
+              <a:ext cx="1440000" cy="1440000"/>
+              <a:chOff x="1571643" y="848890"/>
+              <a:chExt cx="10080000" cy="10080000"/>
+            </a:xfrm>
+          </p:grpSpPr>
+          <p:sp>
+            <p:nvSpPr>
+              <p:cNvPr id="72" name="Rectangle 71">
+                <a:extLst>
+                  <a:ext uri="{FF2B5EF4-FFF2-40B4-BE49-F238E27FC236}">
+                    <a16:creationId xmlns:a16="http://schemas.microsoft.com/office/drawing/2014/main" id="{05D6846E-6666-4B47-9019-BB04FD1F9306}"/>
+                  </a:ext>
+                </a:extLst>
+              </p:cNvPr>
+              <p:cNvSpPr>
+                <a:spLocks noChangeAspect="1"/>
+              </p:cNvSpPr>
+              <p:nvPr/>
+            </p:nvSpPr>
+            <p:spPr>
+              <a:xfrm>
+                <a:off x="1571643" y="848890"/>
+                <a:ext cx="10080000" cy="10080000"/>
+              </a:xfrm>
+              <a:prstGeom prst="rect">
+                <a:avLst/>
+              </a:prstGeom>
+              <a:solidFill>
+                <a:schemeClr val="bg1">
+                  <a:alpha val="80000"/>
+                </a:schemeClr>
+              </a:solidFill>
+              <a:ln>
+                <a:noFill/>
+              </a:ln>
+            </p:spPr>
+            <p:style>
+              <a:lnRef idx="2">
+                <a:schemeClr val="accent1">
+                  <a:shade val="50000"/>
+                </a:schemeClr>
+              </a:lnRef>
+              <a:fillRef idx="1">
+                <a:schemeClr val="accent1"/>
+              </a:fillRef>
+              <a:effectRef idx="0">
+                <a:schemeClr val="accent1"/>
+              </a:effectRef>
+              <a:fontRef idx="minor">
+                <a:schemeClr val="lt1"/>
+              </a:fontRef>
+            </p:style>
+            <p:txBody>
+              <a:bodyPr rtlCol="0" anchor="ctr"/>
+              <a:lstStyle/>
+              <a:p>
+                <a:pPr algn="ctr"/>
+                <a:endParaRPr lang="en-US"/>
+              </a:p>
+            </p:txBody>
+          </p:sp>
+          <p:sp>
+            <p:nvSpPr>
+              <p:cNvPr id="73" name="Rectangle 72">
+                <a:extLst>
+                  <a:ext uri="{FF2B5EF4-FFF2-40B4-BE49-F238E27FC236}">
+                    <a16:creationId xmlns:a16="http://schemas.microsoft.com/office/drawing/2014/main" id="{FB699585-8973-9343-AC54-843DF6B96495}"/>
+                  </a:ext>
+                </a:extLst>
+              </p:cNvPr>
+              <p:cNvSpPr>
+                <a:spLocks noChangeAspect="1"/>
+              </p:cNvSpPr>
+              <p:nvPr/>
+            </p:nvSpPr>
+            <p:spPr>
+              <a:xfrm>
+                <a:off x="6971643" y="2993809"/>
+                <a:ext cx="360000" cy="360000"/>
+              </a:xfrm>
+              <a:prstGeom prst="rect">
+                <a:avLst/>
+              </a:prstGeom>
+              <a:solidFill>
+                <a:schemeClr val="tx1"/>
+              </a:solidFill>
+              <a:ln>
+                <a:noFill/>
+              </a:ln>
+            </p:spPr>
+            <p:style>
+              <a:lnRef idx="2">
+                <a:schemeClr val="accent1">
+                  <a:shade val="50000"/>
+                </a:schemeClr>
+              </a:lnRef>
+              <a:fillRef idx="1">
+                <a:schemeClr val="accent1"/>
+              </a:fillRef>
+              <a:effectRef idx="0">
+                <a:schemeClr val="accent1"/>
+              </a:effectRef>
+              <a:fontRef idx="minor">
+                <a:schemeClr val="lt1"/>
+              </a:fontRef>
+            </p:style>
+            <p:txBody>
+              <a:bodyPr rtlCol="0" anchor="ctr"/>
+              <a:lstStyle/>
+              <a:p>
+                <a:pPr algn="ctr"/>
+                <a:endParaRPr lang="en-US"/>
+              </a:p>
+            </p:txBody>
+          </p:sp>
+        </p:grpSp>
+      </p:grpSp>
+      <p:sp>
+        <p:nvSpPr>
+          <p:cNvPr id="77" name="Rectangle 76">
+            <a:extLst>
+              <a:ext uri="{FF2B5EF4-FFF2-40B4-BE49-F238E27FC236}">
+                <a16:creationId xmlns:a16="http://schemas.microsoft.com/office/drawing/2014/main" id="{A0201CC4-D510-B842-B77F-D23164A9FC9E}"/>
+              </a:ext>
+            </a:extLst>
+          </p:cNvPr>
+          <p:cNvSpPr>
+            <a:spLocks/>
+          </p:cNvSpPr>
+          <p:nvPr/>
+        </p:nvSpPr>
+        <p:spPr>
+          <a:xfrm>
+            <a:off x="6120000" y="2160000"/>
+            <a:ext cx="1620000" cy="540000"/>
+          </a:xfrm>
+          <a:prstGeom prst="rect">
+            <a:avLst/>
+          </a:prstGeom>
+          <a:solidFill>
+            <a:schemeClr val="accent5">
+              <a:lumMod val="60000"/>
+              <a:lumOff val="40000"/>
+            </a:schemeClr>
+          </a:solidFill>
+          <a:ln>
+            <a:solidFill>
+              <a:schemeClr val="accent5"/>
+            </a:solidFill>
+          </a:ln>
+        </p:spPr>
+        <p:style>
+          <a:lnRef idx="2">
+            <a:schemeClr val="dk1"/>
+          </a:lnRef>
+          <a:fillRef idx="1">
+            <a:schemeClr val="lt1"/>
+          </a:fillRef>
+          <a:effectRef idx="0">
+            <a:schemeClr val="dk1"/>
+          </a:effectRef>
+          <a:fontRef idx="minor">
+            <a:schemeClr val="dk1"/>
+          </a:fontRef>
+        </p:style>
+        <p:txBody>
+          <a:bodyPr rtlCol="0" anchor="ctr"/>
+          <a:lstStyle/>
+          <a:p>
+            <a:pPr algn="ctr"/>
+            <a:r>
+              <a:rPr lang="en-US" dirty="0">
+                <a:latin typeface="Arial" panose="020B0604020202020204" pitchFamily="34" charset="0"/>
+                <a:cs typeface="Arial" panose="020B0604020202020204" pitchFamily="34" charset="0"/>
+              </a:rPr>
+              <a:t>ConvLSTM</a:t>
+            </a:r>
+            <a:r>
+              <a:rPr lang="en-US" baseline="30000" dirty="0">
+                <a:latin typeface="Arial" panose="020B0604020202020204" pitchFamily="34" charset="0"/>
+                <a:cs typeface="Arial" panose="020B0604020202020204" pitchFamily="34" charset="0"/>
+              </a:rPr>
+              <a:t>(2)</a:t>
+            </a:r>
+          </a:p>
+        </p:txBody>
+      </p:sp>
+      <p:grpSp>
+        <p:nvGrpSpPr>
+          <p:cNvPr id="78" name="Group 77">
+            <a:extLst>
+              <a:ext uri="{FF2B5EF4-FFF2-40B4-BE49-F238E27FC236}">
+                <a16:creationId xmlns:a16="http://schemas.microsoft.com/office/drawing/2014/main" id="{D0293F31-4E74-024E-8D39-28A15A0A64D2}"/>
+              </a:ext>
+            </a:extLst>
+          </p:cNvPr>
+          <p:cNvGrpSpPr>
+            <a:grpSpLocks noChangeAspect="1"/>
+          </p:cNvGrpSpPr>
+          <p:nvPr/>
+        </p:nvGrpSpPr>
+        <p:grpSpPr>
+          <a:xfrm>
+            <a:off x="6120000" y="4320000"/>
+            <a:ext cx="1620000" cy="1620000"/>
+            <a:chOff x="7466496" y="130752"/>
+            <a:chExt cx="1440000" cy="1440000"/>
+          </a:xfrm>
+        </p:grpSpPr>
+        <p:pic>
+          <p:nvPicPr>
+            <p:cNvPr id="79" name="Picture 78">
+              <a:extLst>
+                <a:ext uri="{FF2B5EF4-FFF2-40B4-BE49-F238E27FC236}">
+                  <a16:creationId xmlns:a16="http://schemas.microsoft.com/office/drawing/2014/main" id="{5A80DA49-E276-B343-8C5E-06FC5E1747B6}"/>
+                </a:ext>
+              </a:extLst>
+            </p:cNvPr>
+            <p:cNvPicPr>
+              <a:picLocks noChangeAspect="1"/>
+            </p:cNvPicPr>
+            <p:nvPr/>
+          </p:nvPicPr>
+          <p:blipFill>
+            <a:blip r:embed="rId4">
+              <a:extLst>
+                <a:ext uri="{28A0092B-C50C-407E-A947-70E740481C1C}">
+                  <a14:useLocalDpi xmlns:a14="http://schemas.microsoft.com/office/drawing/2010/main" val="0"/>
+                </a:ext>
+              </a:extLst>
+            </a:blip>
+            <a:stretch>
+              <a:fillRect/>
+            </a:stretch>
+          </p:blipFill>
           <p:spPr>
             <a:xfrm>
-              <a:off x="3010841" y="3729064"/>
-              <a:ext cx="360000" cy="360000"/>
+              <a:off x="7466496" y="130752"/>
+              <a:ext cx="1440000" cy="1440000"/>
             </a:xfrm>
             <a:prstGeom prst="rect">
               <a:avLst/>
             </a:prstGeom>
-            <a:solidFill>
-              <a:schemeClr val="tx1"/>
-            </a:solidFill>
             <a:ln>
               <a:noFill/>
             </a:ln>
           </p:spPr>
-          <p:style>
-            <a:lnRef idx="2">
-              <a:schemeClr val="accent1">
-                <a:shade val="50000"/>
-              </a:schemeClr>
-            </a:lnRef>
-            <a:fillRef idx="1">
-              <a:schemeClr val="accent1"/>
-            </a:fillRef>
-            <a:effectRef idx="0">
-              <a:schemeClr val="accent1"/>
-            </a:effectRef>
-            <a:fontRef idx="minor">
-              <a:schemeClr val="lt1"/>
-            </a:fontRef>
-          </p:style>
-          <p:txBody>
-            <a:bodyPr rtlCol="0" anchor="ctr"/>
-            <a:lstStyle/>
-            <a:p>
-              <a:pPr algn="ctr"/>
-              <a:endParaRPr lang="en-US"/>
-            </a:p>
-          </p:txBody>
-        </p:sp>
-        <p:sp>
-          <p:nvSpPr>
-            <p:cNvPr id="50" name="Rectangle 49">
+        </p:pic>
+        <p:grpSp>
+          <p:nvGrpSpPr>
+            <p:cNvPr id="80" name="Group 79">
               <a:extLst>
                 <a:ext uri="{FF2B5EF4-FFF2-40B4-BE49-F238E27FC236}">
-                  <a16:creationId xmlns:a16="http://schemas.microsoft.com/office/drawing/2014/main" id="{0DBDC105-90EF-004C-9407-C848C4A95EB3}"/>
+                  <a16:creationId xmlns:a16="http://schemas.microsoft.com/office/drawing/2014/main" id="{0299EC71-C700-3E4A-BBF9-DF2AF436BEF4}"/>
                 </a:ext>
               </a:extLst>
             </p:cNvPr>
-            <p:cNvSpPr>
-              <a:spLocks noChangeAspect="1"/>
-            </p:cNvSpPr>
+            <p:cNvGrpSpPr>
+              <a:grpSpLocks noChangeAspect="1"/>
+            </p:cNvGrpSpPr>
             <p:nvPr/>
-          </p:nvSpPr>
-          <p:spPr>
+          </p:nvGrpSpPr>
+          <p:grpSpPr>
             <a:xfrm>
-              <a:off x="9858279" y="6254995"/>
-              <a:ext cx="360000" cy="360000"/>
+              <a:off x="7466496" y="130752"/>
+              <a:ext cx="1440000" cy="1440000"/>
+              <a:chOff x="1571643" y="848890"/>
+              <a:chExt cx="10080000" cy="10080000"/>
             </a:xfrm>
-            <a:prstGeom prst="rect">
-              <a:avLst/>
-            </a:prstGeom>
+          </p:grpSpPr>
+          <p:sp>
+            <p:nvSpPr>
+              <p:cNvPr id="81" name="Rectangle 80">
+                <a:extLst>
+                  <a:ext uri="{FF2B5EF4-FFF2-40B4-BE49-F238E27FC236}">
+                    <a16:creationId xmlns:a16="http://schemas.microsoft.com/office/drawing/2014/main" id="{00AD4091-DB26-6C4F-9DAC-6A5D1B4A39D2}"/>
+                  </a:ext>
+                </a:extLst>
+              </p:cNvPr>
+              <p:cNvSpPr>
+                <a:spLocks noChangeAspect="1"/>
+              </p:cNvSpPr>
+              <p:nvPr/>
+            </p:nvSpPr>
+            <p:spPr>
+              <a:xfrm>
+                <a:off x="1571643" y="848890"/>
+                <a:ext cx="10080000" cy="10080000"/>
+              </a:xfrm>
+              <a:prstGeom prst="rect">
+                <a:avLst/>
+              </a:prstGeom>
+              <a:solidFill>
+                <a:schemeClr val="bg1">
+                  <a:alpha val="80000"/>
+                </a:schemeClr>
+              </a:solidFill>
+              <a:ln>
+                <a:noFill/>
+              </a:ln>
+            </p:spPr>
+            <p:style>
+              <a:lnRef idx="2">
+                <a:schemeClr val="accent1">
+                  <a:shade val="50000"/>
+                </a:schemeClr>
+              </a:lnRef>
+              <a:fillRef idx="1">
+                <a:schemeClr val="accent1"/>
+              </a:fillRef>
+              <a:effectRef idx="0">
+                <a:schemeClr val="accent1"/>
+              </a:effectRef>
+              <a:fontRef idx="minor">
+                <a:schemeClr val="lt1"/>
+              </a:fontRef>
+            </p:style>
+            <p:txBody>
+              <a:bodyPr rtlCol="0" anchor="ctr"/>
+              <a:lstStyle/>
+              <a:p>
+                <a:pPr algn="ctr"/>
+                <a:endParaRPr lang="en-US"/>
+              </a:p>
+            </p:txBody>
+          </p:sp>
+          <p:sp>
+            <p:nvSpPr>
+              <p:cNvPr id="84" name="Rectangle 83">
+                <a:extLst>
+                  <a:ext uri="{FF2B5EF4-FFF2-40B4-BE49-F238E27FC236}">
+                    <a16:creationId xmlns:a16="http://schemas.microsoft.com/office/drawing/2014/main" id="{5A57F642-FB98-B14D-B15B-D2B45A042619}"/>
+                  </a:ext>
+                </a:extLst>
+              </p:cNvPr>
+              <p:cNvSpPr>
+                <a:spLocks noChangeAspect="1"/>
+              </p:cNvSpPr>
+              <p:nvPr/>
+            </p:nvSpPr>
+            <p:spPr>
+              <a:xfrm>
+                <a:off x="3010841" y="3729064"/>
+                <a:ext cx="360000" cy="360000"/>
+              </a:xfrm>
+              <a:prstGeom prst="rect">
+                <a:avLst/>
+              </a:prstGeom>
+              <a:solidFill>
+                <a:schemeClr val="tx1"/>
+              </a:solidFill>
+              <a:ln>
+                <a:noFill/>
+              </a:ln>
+            </p:spPr>
+            <p:style>
+              <a:lnRef idx="2">
+                <a:schemeClr val="accent1">
+                  <a:shade val="50000"/>
+                </a:schemeClr>
+              </a:lnRef>
+              <a:fillRef idx="1">
+                <a:schemeClr val="accent1"/>
+              </a:fillRef>
+              <a:effectRef idx="0">
+                <a:schemeClr val="accent1"/>
+              </a:effectRef>
+              <a:fontRef idx="minor">
+                <a:schemeClr val="lt1"/>
+              </a:fontRef>
+            </p:style>
+            <p:txBody>
+              <a:bodyPr rtlCol="0" anchor="ctr"/>
+              <a:lstStyle/>
+              <a:p>
+                <a:pPr algn="ctr"/>
+                <a:endParaRPr lang="en-US"/>
+              </a:p>
+            </p:txBody>
+          </p:sp>
+        </p:grpSp>
+      </p:grpSp>
+      <p:sp>
+        <p:nvSpPr>
+          <p:cNvPr id="86" name="Rectangle 85">
+            <a:extLst>
+              <a:ext uri="{FF2B5EF4-FFF2-40B4-BE49-F238E27FC236}">
+                <a16:creationId xmlns:a16="http://schemas.microsoft.com/office/drawing/2014/main" id="{00F1E1A4-557D-FF46-9484-F3FFEBDA7D5C}"/>
+              </a:ext>
+            </a:extLst>
+          </p:cNvPr>
+          <p:cNvSpPr>
+            <a:spLocks/>
+          </p:cNvSpPr>
+          <p:nvPr/>
+        </p:nvSpPr>
+        <p:spPr>
+          <a:xfrm>
+            <a:off x="3960000" y="3240000"/>
+            <a:ext cx="1620000" cy="540000"/>
+          </a:xfrm>
+          <a:prstGeom prst="rect">
+            <a:avLst/>
+          </a:prstGeom>
+          <a:solidFill>
+            <a:schemeClr val="accent5">
+              <a:lumMod val="60000"/>
+              <a:lumOff val="40000"/>
+              <a:alpha val="20000"/>
+            </a:schemeClr>
+          </a:solidFill>
+          <a:ln>
+            <a:solidFill>
+              <a:schemeClr val="accent5">
+                <a:alpha val="20000"/>
+              </a:schemeClr>
+            </a:solidFill>
+          </a:ln>
+        </p:spPr>
+        <p:style>
+          <a:lnRef idx="2">
+            <a:schemeClr val="dk1"/>
+          </a:lnRef>
+          <a:fillRef idx="1">
+            <a:schemeClr val="lt1"/>
+          </a:fillRef>
+          <a:effectRef idx="0">
+            <a:schemeClr val="dk1"/>
+          </a:effectRef>
+          <a:fontRef idx="minor">
+            <a:schemeClr val="dk1"/>
+          </a:fontRef>
+        </p:style>
+        <p:txBody>
+          <a:bodyPr rtlCol="0" anchor="ctr"/>
+          <a:lstStyle/>
+          <a:p>
+            <a:pPr algn="ctr"/>
+            <a:r>
+              <a:rPr lang="en-US" dirty="0">
+                <a:solidFill>
+                  <a:schemeClr val="bg1">
+                    <a:lumMod val="75000"/>
+                  </a:schemeClr>
+                </a:solidFill>
+                <a:latin typeface="Arial" panose="020B0604020202020204" pitchFamily="34" charset="0"/>
+                <a:cs typeface="Arial" panose="020B0604020202020204" pitchFamily="34" charset="0"/>
+              </a:rPr>
+              <a:t>ConvLSTM</a:t>
+            </a:r>
+            <a:r>
+              <a:rPr lang="en-US" baseline="30000" dirty="0">
+                <a:solidFill>
+                  <a:schemeClr val="bg1">
+                    <a:lumMod val="75000"/>
+                  </a:schemeClr>
+                </a:solidFill>
+                <a:latin typeface="Arial" panose="020B0604020202020204" pitchFamily="34" charset="0"/>
+                <a:cs typeface="Arial" panose="020B0604020202020204" pitchFamily="34" charset="0"/>
+              </a:rPr>
+              <a:t>(1)</a:t>
+            </a:r>
+          </a:p>
+        </p:txBody>
+      </p:sp>
+      <p:sp>
+        <p:nvSpPr>
+          <p:cNvPr id="87" name="Rectangle 86">
+            <a:extLst>
+              <a:ext uri="{FF2B5EF4-FFF2-40B4-BE49-F238E27FC236}">
+                <a16:creationId xmlns:a16="http://schemas.microsoft.com/office/drawing/2014/main" id="{F308668F-7626-9A46-BEEC-ADAE398F14BC}"/>
+              </a:ext>
+            </a:extLst>
+          </p:cNvPr>
+          <p:cNvSpPr>
+            <a:spLocks/>
+          </p:cNvSpPr>
+          <p:nvPr/>
+        </p:nvSpPr>
+        <p:spPr>
+          <a:xfrm>
+            <a:off x="3960000" y="2160000"/>
+            <a:ext cx="1620000" cy="540000"/>
+          </a:xfrm>
+          <a:prstGeom prst="rect">
+            <a:avLst/>
+          </a:prstGeom>
+          <a:solidFill>
+            <a:schemeClr val="accent5">
+              <a:lumMod val="60000"/>
+              <a:lumOff val="40000"/>
+              <a:alpha val="20000"/>
+            </a:schemeClr>
+          </a:solidFill>
+          <a:ln>
+            <a:solidFill>
+              <a:schemeClr val="accent5">
+                <a:alpha val="20000"/>
+              </a:schemeClr>
+            </a:solidFill>
+          </a:ln>
+        </p:spPr>
+        <p:style>
+          <a:lnRef idx="2">
+            <a:schemeClr val="dk1"/>
+          </a:lnRef>
+          <a:fillRef idx="1">
+            <a:schemeClr val="lt1"/>
+          </a:fillRef>
+          <a:effectRef idx="0">
+            <a:schemeClr val="dk1"/>
+          </a:effectRef>
+          <a:fontRef idx="minor">
+            <a:schemeClr val="dk1"/>
+          </a:fontRef>
+        </p:style>
+        <p:txBody>
+          <a:bodyPr rtlCol="0" anchor="ctr"/>
+          <a:lstStyle/>
+          <a:p>
+            <a:pPr algn="ctr"/>
+            <a:r>
+              <a:rPr lang="en-US" dirty="0">
+                <a:solidFill>
+                  <a:schemeClr val="bg1">
+                    <a:lumMod val="75000"/>
+                  </a:schemeClr>
+                </a:solidFill>
+                <a:latin typeface="Arial" panose="020B0604020202020204" pitchFamily="34" charset="0"/>
+                <a:cs typeface="Arial" panose="020B0604020202020204" pitchFamily="34" charset="0"/>
+              </a:rPr>
+              <a:t>ConvLSTM</a:t>
+            </a:r>
+            <a:r>
+              <a:rPr lang="en-US" baseline="30000" dirty="0">
+                <a:solidFill>
+                  <a:schemeClr val="bg1">
+                    <a:lumMod val="75000"/>
+                  </a:schemeClr>
+                </a:solidFill>
+                <a:latin typeface="Arial" panose="020B0604020202020204" pitchFamily="34" charset="0"/>
+                <a:cs typeface="Arial" panose="020B0604020202020204" pitchFamily="34" charset="0"/>
+              </a:rPr>
+              <a:t>(2)</a:t>
+            </a:r>
+          </a:p>
+        </p:txBody>
+      </p:sp>
+      <p:sp>
+        <p:nvSpPr>
+          <p:cNvPr id="88" name="Rectangle 87">
+            <a:extLst>
+              <a:ext uri="{FF2B5EF4-FFF2-40B4-BE49-F238E27FC236}">
+                <a16:creationId xmlns:a16="http://schemas.microsoft.com/office/drawing/2014/main" id="{85B490C3-C12C-CE4E-A05B-CE497D488923}"/>
+              </a:ext>
+            </a:extLst>
+          </p:cNvPr>
+          <p:cNvSpPr>
+            <a:spLocks/>
+          </p:cNvSpPr>
+          <p:nvPr/>
+        </p:nvSpPr>
+        <p:spPr>
+          <a:xfrm>
+            <a:off x="1800000" y="3240000"/>
+            <a:ext cx="1620000" cy="540000"/>
+          </a:xfrm>
+          <a:prstGeom prst="rect">
+            <a:avLst/>
+          </a:prstGeom>
+          <a:solidFill>
+            <a:schemeClr val="accent5">
+              <a:lumMod val="60000"/>
+              <a:lumOff val="40000"/>
+              <a:alpha val="20000"/>
+            </a:schemeClr>
+          </a:solidFill>
+          <a:ln>
+            <a:solidFill>
+              <a:schemeClr val="accent5">
+                <a:alpha val="20000"/>
+              </a:schemeClr>
+            </a:solidFill>
+          </a:ln>
+        </p:spPr>
+        <p:style>
+          <a:lnRef idx="2">
+            <a:schemeClr val="dk1"/>
+          </a:lnRef>
+          <a:fillRef idx="1">
+            <a:schemeClr val="lt1"/>
+          </a:fillRef>
+          <a:effectRef idx="0">
+            <a:schemeClr val="dk1"/>
+          </a:effectRef>
+          <a:fontRef idx="minor">
+            <a:schemeClr val="dk1"/>
+          </a:fontRef>
+        </p:style>
+        <p:txBody>
+          <a:bodyPr rtlCol="0" anchor="ctr"/>
+          <a:lstStyle/>
+          <a:p>
+            <a:pPr algn="ctr"/>
+            <a:r>
+              <a:rPr lang="en-US" dirty="0">
+                <a:solidFill>
+                  <a:schemeClr val="bg1">
+                    <a:lumMod val="75000"/>
+                  </a:schemeClr>
+                </a:solidFill>
+                <a:latin typeface="Arial" panose="020B0604020202020204" pitchFamily="34" charset="0"/>
+                <a:cs typeface="Arial" panose="020B0604020202020204" pitchFamily="34" charset="0"/>
+              </a:rPr>
+              <a:t>ConvLSTM</a:t>
+            </a:r>
+            <a:r>
+              <a:rPr lang="en-US" baseline="30000" dirty="0">
+                <a:solidFill>
+                  <a:schemeClr val="bg1">
+                    <a:lumMod val="75000"/>
+                  </a:schemeClr>
+                </a:solidFill>
+                <a:latin typeface="Arial" panose="020B0604020202020204" pitchFamily="34" charset="0"/>
+                <a:cs typeface="Arial" panose="020B0604020202020204" pitchFamily="34" charset="0"/>
+              </a:rPr>
+              <a:t>(1)</a:t>
+            </a:r>
+          </a:p>
+        </p:txBody>
+      </p:sp>
+      <p:sp>
+        <p:nvSpPr>
+          <p:cNvPr id="89" name="Rectangle 88">
+            <a:extLst>
+              <a:ext uri="{FF2B5EF4-FFF2-40B4-BE49-F238E27FC236}">
+                <a16:creationId xmlns:a16="http://schemas.microsoft.com/office/drawing/2014/main" id="{159CE162-E841-4547-A7D8-FC1452DB74C7}"/>
+              </a:ext>
+            </a:extLst>
+          </p:cNvPr>
+          <p:cNvSpPr>
+            <a:spLocks/>
+          </p:cNvSpPr>
+          <p:nvPr/>
+        </p:nvSpPr>
+        <p:spPr>
+          <a:xfrm>
+            <a:off x="1800000" y="2160000"/>
+            <a:ext cx="1620000" cy="540000"/>
+          </a:xfrm>
+          <a:prstGeom prst="rect">
+            <a:avLst/>
+          </a:prstGeom>
+          <a:solidFill>
+            <a:schemeClr val="accent5">
+              <a:lumMod val="60000"/>
+              <a:lumOff val="40000"/>
+              <a:alpha val="20000"/>
+            </a:schemeClr>
+          </a:solidFill>
+          <a:ln>
+            <a:solidFill>
+              <a:schemeClr val="accent5">
+                <a:alpha val="20000"/>
+              </a:schemeClr>
+            </a:solidFill>
+          </a:ln>
+        </p:spPr>
+        <p:style>
+          <a:lnRef idx="2">
+            <a:schemeClr val="dk1"/>
+          </a:lnRef>
+          <a:fillRef idx="1">
+            <a:schemeClr val="lt1"/>
+          </a:fillRef>
+          <a:effectRef idx="0">
+            <a:schemeClr val="dk1"/>
+          </a:effectRef>
+          <a:fontRef idx="minor">
+            <a:schemeClr val="dk1"/>
+          </a:fontRef>
+        </p:style>
+        <p:txBody>
+          <a:bodyPr rtlCol="0" anchor="ctr"/>
+          <a:lstStyle/>
+          <a:p>
+            <a:pPr algn="ctr"/>
+            <a:r>
+              <a:rPr lang="en-US" dirty="0">
+                <a:solidFill>
+                  <a:schemeClr val="bg1">
+                    <a:lumMod val="75000"/>
+                  </a:schemeClr>
+                </a:solidFill>
+                <a:latin typeface="Arial" panose="020B0604020202020204" pitchFamily="34" charset="0"/>
+                <a:cs typeface="Arial" panose="020B0604020202020204" pitchFamily="34" charset="0"/>
+              </a:rPr>
+              <a:t>ConvLSTM</a:t>
+            </a:r>
+            <a:r>
+              <a:rPr lang="en-US" baseline="30000" dirty="0">
+                <a:solidFill>
+                  <a:schemeClr val="bg1">
+                    <a:lumMod val="75000"/>
+                  </a:schemeClr>
+                </a:solidFill>
+                <a:latin typeface="Arial" panose="020B0604020202020204" pitchFamily="34" charset="0"/>
+                <a:cs typeface="Arial" panose="020B0604020202020204" pitchFamily="34" charset="0"/>
+              </a:rPr>
+              <a:t>(2)</a:t>
+            </a:r>
+          </a:p>
+        </p:txBody>
+      </p:sp>
+      <p:sp>
+        <p:nvSpPr>
+          <p:cNvPr id="90" name="Rectangle 89">
+            <a:extLst>
+              <a:ext uri="{FF2B5EF4-FFF2-40B4-BE49-F238E27FC236}">
+                <a16:creationId xmlns:a16="http://schemas.microsoft.com/office/drawing/2014/main" id="{A47E1178-3246-9C45-BD6B-2E49B8992C52}"/>
+              </a:ext>
+            </a:extLst>
+          </p:cNvPr>
+          <p:cNvSpPr>
+            <a:spLocks/>
+          </p:cNvSpPr>
+          <p:nvPr/>
+        </p:nvSpPr>
+        <p:spPr>
+          <a:xfrm>
+            <a:off x="8280000" y="3240000"/>
+            <a:ext cx="1620000" cy="540000"/>
+          </a:xfrm>
+          <a:prstGeom prst="rect">
+            <a:avLst/>
+          </a:prstGeom>
+          <a:solidFill>
+            <a:schemeClr val="accent5">
+              <a:lumMod val="60000"/>
+              <a:lumOff val="40000"/>
+              <a:alpha val="20000"/>
+            </a:schemeClr>
+          </a:solidFill>
+          <a:ln>
+            <a:solidFill>
+              <a:schemeClr val="accent5">
+                <a:alpha val="20000"/>
+              </a:schemeClr>
+            </a:solidFill>
+          </a:ln>
+        </p:spPr>
+        <p:style>
+          <a:lnRef idx="2">
+            <a:schemeClr val="dk1"/>
+          </a:lnRef>
+          <a:fillRef idx="1">
+            <a:schemeClr val="lt1"/>
+          </a:fillRef>
+          <a:effectRef idx="0">
+            <a:schemeClr val="dk1"/>
+          </a:effectRef>
+          <a:fontRef idx="minor">
+            <a:schemeClr val="dk1"/>
+          </a:fontRef>
+        </p:style>
+        <p:txBody>
+          <a:bodyPr rtlCol="0" anchor="ctr"/>
+          <a:lstStyle/>
+          <a:p>
+            <a:pPr algn="ctr"/>
+            <a:r>
+              <a:rPr lang="en-US" dirty="0">
+                <a:solidFill>
+                  <a:schemeClr val="bg1">
+                    <a:lumMod val="75000"/>
+                  </a:schemeClr>
+                </a:solidFill>
+                <a:latin typeface="Arial" panose="020B0604020202020204" pitchFamily="34" charset="0"/>
+                <a:cs typeface="Arial" panose="020B0604020202020204" pitchFamily="34" charset="0"/>
+              </a:rPr>
+              <a:t>ConvLSTM</a:t>
+            </a:r>
+            <a:r>
+              <a:rPr lang="en-US" baseline="30000" dirty="0">
+                <a:solidFill>
+                  <a:schemeClr val="bg1">
+                    <a:lumMod val="75000"/>
+                  </a:schemeClr>
+                </a:solidFill>
+                <a:latin typeface="Arial" panose="020B0604020202020204" pitchFamily="34" charset="0"/>
+                <a:cs typeface="Arial" panose="020B0604020202020204" pitchFamily="34" charset="0"/>
+              </a:rPr>
+              <a:t>(1)</a:t>
+            </a:r>
+          </a:p>
+        </p:txBody>
+      </p:sp>
+      <p:sp>
+        <p:nvSpPr>
+          <p:cNvPr id="91" name="Rectangle 90">
+            <a:extLst>
+              <a:ext uri="{FF2B5EF4-FFF2-40B4-BE49-F238E27FC236}">
+                <a16:creationId xmlns:a16="http://schemas.microsoft.com/office/drawing/2014/main" id="{EE558EE2-D2A8-5746-8598-1660F8B4FBA4}"/>
+              </a:ext>
+            </a:extLst>
+          </p:cNvPr>
+          <p:cNvSpPr>
+            <a:spLocks/>
+          </p:cNvSpPr>
+          <p:nvPr/>
+        </p:nvSpPr>
+        <p:spPr>
+          <a:xfrm>
+            <a:off x="8280000" y="2160000"/>
+            <a:ext cx="1620000" cy="540000"/>
+          </a:xfrm>
+          <a:prstGeom prst="rect">
+            <a:avLst/>
+          </a:prstGeom>
+          <a:solidFill>
+            <a:schemeClr val="accent5">
+              <a:lumMod val="60000"/>
+              <a:lumOff val="40000"/>
+              <a:alpha val="20000"/>
+            </a:schemeClr>
+          </a:solidFill>
+          <a:ln>
+            <a:solidFill>
+              <a:schemeClr val="accent5">
+                <a:alpha val="20000"/>
+              </a:schemeClr>
+            </a:solidFill>
+          </a:ln>
+        </p:spPr>
+        <p:style>
+          <a:lnRef idx="2">
+            <a:schemeClr val="dk1"/>
+          </a:lnRef>
+          <a:fillRef idx="1">
+            <a:schemeClr val="lt1"/>
+          </a:fillRef>
+          <a:effectRef idx="0">
+            <a:schemeClr val="dk1"/>
+          </a:effectRef>
+          <a:fontRef idx="minor">
+            <a:schemeClr val="dk1"/>
+          </a:fontRef>
+        </p:style>
+        <p:txBody>
+          <a:bodyPr rtlCol="0" anchor="ctr"/>
+          <a:lstStyle/>
+          <a:p>
+            <a:pPr algn="ctr"/>
+            <a:r>
+              <a:rPr lang="en-US" dirty="0">
+                <a:solidFill>
+                  <a:schemeClr val="bg1">
+                    <a:lumMod val="75000"/>
+                  </a:schemeClr>
+                </a:solidFill>
+                <a:latin typeface="Arial" panose="020B0604020202020204" pitchFamily="34" charset="0"/>
+                <a:cs typeface="Arial" panose="020B0604020202020204" pitchFamily="34" charset="0"/>
+              </a:rPr>
+              <a:t>ConvLSTM</a:t>
+            </a:r>
+            <a:r>
+              <a:rPr lang="en-US" baseline="30000" dirty="0">
+                <a:solidFill>
+                  <a:schemeClr val="bg1">
+                    <a:lumMod val="75000"/>
+                  </a:schemeClr>
+                </a:solidFill>
+                <a:latin typeface="Arial" panose="020B0604020202020204" pitchFamily="34" charset="0"/>
+                <a:cs typeface="Arial" panose="020B0604020202020204" pitchFamily="34" charset="0"/>
+              </a:rPr>
+              <a:t>(2)</a:t>
+            </a:r>
+          </a:p>
+        </p:txBody>
+      </p:sp>
+      <p:sp>
+        <p:nvSpPr>
+          <p:cNvPr id="92" name="TextBox 91">
+            <a:extLst>
+              <a:ext uri="{FF2B5EF4-FFF2-40B4-BE49-F238E27FC236}">
+                <a16:creationId xmlns:a16="http://schemas.microsoft.com/office/drawing/2014/main" id="{6040847B-867D-E44E-9C91-FD779AF5215B}"/>
+              </a:ext>
+            </a:extLst>
+          </p:cNvPr>
+          <p:cNvSpPr txBox="1"/>
+          <p:nvPr/>
+        </p:nvSpPr>
+        <p:spPr>
+          <a:xfrm>
+            <a:off x="6384818" y="5938797"/>
+            <a:ext cx="1095172" cy="646331"/>
+          </a:xfrm>
+          <a:prstGeom prst="rect">
+            <a:avLst/>
+          </a:prstGeom>
+          <a:noFill/>
+          <a:ln>
+            <a:noFill/>
+          </a:ln>
+        </p:spPr>
+        <p:txBody>
+          <a:bodyPr wrap="none" rtlCol="0">
+            <a:spAutoFit/>
+          </a:bodyPr>
+          <a:lstStyle/>
+          <a:p>
+            <a:pPr algn="ctr"/>
+            <a:r>
+              <a:rPr lang="en-US" i="1" dirty="0">
+                <a:latin typeface="Times" pitchFamily="2" charset="0"/>
+                <a:cs typeface="Arial" panose="020B0604020202020204" pitchFamily="34" charset="0"/>
+              </a:rPr>
+              <a:t>v</a:t>
+            </a:r>
+            <a:r>
+              <a:rPr lang="en-US" baseline="-25000" dirty="0">
+                <a:latin typeface="Times" pitchFamily="2" charset="0"/>
+                <a:cs typeface="Arial" panose="020B0604020202020204" pitchFamily="34" charset="0"/>
+              </a:rPr>
+              <a:t>0</a:t>
+            </a:r>
+            <a:endParaRPr lang="en-US" dirty="0">
+              <a:latin typeface="Arial" panose="020B0604020202020204" pitchFamily="34" charset="0"/>
+              <a:cs typeface="Arial" panose="020B0604020202020204" pitchFamily="34" charset="0"/>
+            </a:endParaRPr>
+          </a:p>
+          <a:p>
+            <a:pPr algn="ctr"/>
+            <a:r>
+              <a:rPr lang="en-US" dirty="0">
+                <a:latin typeface="Arial" panose="020B0604020202020204" pitchFamily="34" charset="0"/>
+                <a:cs typeface="Arial" panose="020B0604020202020204" pitchFamily="34" charset="0"/>
+              </a:rPr>
+              <a:t>28×28×1</a:t>
+            </a:r>
+          </a:p>
+        </p:txBody>
+      </p:sp>
+      <p:sp>
+        <p:nvSpPr>
+          <p:cNvPr id="93" name="TextBox 92">
+            <a:extLst>
+              <a:ext uri="{FF2B5EF4-FFF2-40B4-BE49-F238E27FC236}">
+                <a16:creationId xmlns:a16="http://schemas.microsoft.com/office/drawing/2014/main" id="{11FC39CD-8320-8C4F-80E9-9A6BB471BF6D}"/>
+              </a:ext>
+            </a:extLst>
+          </p:cNvPr>
+          <p:cNvSpPr txBox="1"/>
+          <p:nvPr/>
+        </p:nvSpPr>
+        <p:spPr>
+          <a:xfrm>
+            <a:off x="2062414" y="-2808000"/>
+            <a:ext cx="1095172" cy="646331"/>
+          </a:xfrm>
+          <a:prstGeom prst="rect">
+            <a:avLst/>
+          </a:prstGeom>
+          <a:noFill/>
+          <a:ln>
+            <a:noFill/>
+          </a:ln>
+        </p:spPr>
+        <p:txBody>
+          <a:bodyPr wrap="none" rtlCol="0">
+            <a:spAutoFit/>
+          </a:bodyPr>
+          <a:lstStyle/>
+          <a:p>
+            <a:pPr algn="ctr"/>
+            <a:r>
+              <a:rPr lang="en-US" i="1" dirty="0">
+                <a:latin typeface="Times" pitchFamily="2" charset="0"/>
+                <a:cs typeface="Arial" panose="020B0604020202020204" pitchFamily="34" charset="0"/>
+              </a:rPr>
+              <a:t>v</a:t>
+            </a:r>
+            <a:r>
+              <a:rPr lang="en-US" i="1" baseline="-25000" dirty="0">
+                <a:latin typeface="Times" pitchFamily="2" charset="0"/>
+                <a:cs typeface="Arial" panose="020B0604020202020204" pitchFamily="34" charset="0"/>
+              </a:rPr>
+              <a:t>t</a:t>
+            </a:r>
+            <a:r>
+              <a:rPr lang="en-US" baseline="-25000" dirty="0">
+                <a:latin typeface="Times" pitchFamily="2" charset="0"/>
+                <a:cs typeface="Arial" panose="020B0604020202020204" pitchFamily="34" charset="0"/>
+              </a:rPr>
+              <a:t>−2</a:t>
+            </a:r>
+            <a:endParaRPr lang="en-US" dirty="0">
+              <a:latin typeface="Times" pitchFamily="2" charset="0"/>
+              <a:cs typeface="Arial" panose="020B0604020202020204" pitchFamily="34" charset="0"/>
+            </a:endParaRPr>
+          </a:p>
+          <a:p>
+            <a:pPr algn="ctr"/>
+            <a:r>
+              <a:rPr lang="en-US" dirty="0">
+                <a:latin typeface="Arial" panose="020B0604020202020204" pitchFamily="34" charset="0"/>
+                <a:cs typeface="Arial" panose="020B0604020202020204" pitchFamily="34" charset="0"/>
+              </a:rPr>
+              <a:t>28×28×1</a:t>
+            </a:r>
+          </a:p>
+        </p:txBody>
+      </p:sp>
+      <p:sp>
+        <p:nvSpPr>
+          <p:cNvPr id="94" name="TextBox 93">
+            <a:extLst>
+              <a:ext uri="{FF2B5EF4-FFF2-40B4-BE49-F238E27FC236}">
+                <a16:creationId xmlns:a16="http://schemas.microsoft.com/office/drawing/2014/main" id="{E1D01B5C-9A2F-AE41-B889-02F323CB16FE}"/>
+              </a:ext>
+            </a:extLst>
+          </p:cNvPr>
+          <p:cNvSpPr txBox="1"/>
+          <p:nvPr/>
+        </p:nvSpPr>
+        <p:spPr>
+          <a:xfrm>
+            <a:off x="4222414" y="-2808000"/>
+            <a:ext cx="1095172" cy="646331"/>
+          </a:xfrm>
+          <a:prstGeom prst="rect">
+            <a:avLst/>
+          </a:prstGeom>
+          <a:noFill/>
+          <a:ln>
+            <a:noFill/>
+          </a:ln>
+        </p:spPr>
+        <p:txBody>
+          <a:bodyPr wrap="none" rtlCol="0">
+            <a:spAutoFit/>
+          </a:bodyPr>
+          <a:lstStyle/>
+          <a:p>
+            <a:pPr algn="ctr"/>
+            <a:r>
+              <a:rPr lang="en-US" i="1" dirty="0">
+                <a:latin typeface="Times" pitchFamily="2" charset="0"/>
+                <a:cs typeface="Arial" panose="020B0604020202020204" pitchFamily="34" charset="0"/>
+              </a:rPr>
+              <a:t>v</a:t>
+            </a:r>
+            <a:r>
+              <a:rPr lang="en-US" i="1" baseline="-25000" dirty="0">
+                <a:latin typeface="Times" pitchFamily="2" charset="0"/>
+                <a:cs typeface="Arial" panose="020B0604020202020204" pitchFamily="34" charset="0"/>
+              </a:rPr>
+              <a:t>t</a:t>
+            </a:r>
+            <a:r>
+              <a:rPr lang="en-US" baseline="-25000" dirty="0">
+                <a:latin typeface="Times" pitchFamily="2" charset="0"/>
+                <a:cs typeface="Arial" panose="020B0604020202020204" pitchFamily="34" charset="0"/>
+              </a:rPr>
+              <a:t>−1</a:t>
+            </a:r>
+            <a:endParaRPr lang="en-US" dirty="0">
+              <a:latin typeface="Times" pitchFamily="2" charset="0"/>
+              <a:cs typeface="Arial" panose="020B0604020202020204" pitchFamily="34" charset="0"/>
+            </a:endParaRPr>
+          </a:p>
+          <a:p>
+            <a:pPr algn="ctr"/>
+            <a:r>
+              <a:rPr lang="en-US" dirty="0">
+                <a:latin typeface="Arial" panose="020B0604020202020204" pitchFamily="34" charset="0"/>
+                <a:cs typeface="Arial" panose="020B0604020202020204" pitchFamily="34" charset="0"/>
+              </a:rPr>
+              <a:t>28×28×1</a:t>
+            </a:r>
+          </a:p>
+        </p:txBody>
+      </p:sp>
+      <p:sp>
+        <p:nvSpPr>
+          <p:cNvPr id="95" name="TextBox 94">
+            <a:extLst>
+              <a:ext uri="{FF2B5EF4-FFF2-40B4-BE49-F238E27FC236}">
+                <a16:creationId xmlns:a16="http://schemas.microsoft.com/office/drawing/2014/main" id="{E8B8234D-F749-4A47-9E6B-CE6D52B8D4C5}"/>
+              </a:ext>
+            </a:extLst>
+          </p:cNvPr>
+          <p:cNvSpPr txBox="1"/>
+          <p:nvPr/>
+        </p:nvSpPr>
+        <p:spPr>
+          <a:xfrm>
+            <a:off x="6382414" y="-2808000"/>
+            <a:ext cx="1095172" cy="646331"/>
+          </a:xfrm>
+          <a:prstGeom prst="rect">
+            <a:avLst/>
+          </a:prstGeom>
+          <a:noFill/>
+          <a:ln>
+            <a:noFill/>
+          </a:ln>
+        </p:spPr>
+        <p:txBody>
+          <a:bodyPr wrap="square" rtlCol="0">
+            <a:spAutoFit/>
+          </a:bodyPr>
+          <a:lstStyle/>
+          <a:p>
+            <a:pPr algn="ctr"/>
+            <a:r>
+              <a:rPr lang="en-US" i="1" dirty="0" err="1">
+                <a:latin typeface="Times" pitchFamily="2" charset="0"/>
+                <a:cs typeface="Arial" panose="020B0604020202020204" pitchFamily="34" charset="0"/>
+              </a:rPr>
+              <a:t>v</a:t>
+            </a:r>
+            <a:r>
+              <a:rPr lang="en-US" i="1" baseline="-25000" dirty="0" err="1">
+                <a:latin typeface="Times" pitchFamily="2" charset="0"/>
+                <a:cs typeface="Arial" panose="020B0604020202020204" pitchFamily="34" charset="0"/>
+              </a:rPr>
+              <a:t>t</a:t>
+            </a:r>
+            <a:endParaRPr lang="en-US" dirty="0">
+              <a:latin typeface="Arial" panose="020B0604020202020204" pitchFamily="34" charset="0"/>
+              <a:cs typeface="Arial" panose="020B0604020202020204" pitchFamily="34" charset="0"/>
+            </a:endParaRPr>
+          </a:p>
+          <a:p>
+            <a:pPr algn="ctr"/>
+            <a:r>
+              <a:rPr lang="en-US" dirty="0">
+                <a:latin typeface="Arial" panose="020B0604020202020204" pitchFamily="34" charset="0"/>
+                <a:cs typeface="Arial" panose="020B0604020202020204" pitchFamily="34" charset="0"/>
+              </a:rPr>
+              <a:t>28×28×1</a:t>
+            </a:r>
+          </a:p>
+        </p:txBody>
+      </p:sp>
+      <p:sp>
+        <p:nvSpPr>
+          <p:cNvPr id="97" name="Rectangle 96">
+            <a:extLst>
+              <a:ext uri="{FF2B5EF4-FFF2-40B4-BE49-F238E27FC236}">
+                <a16:creationId xmlns:a16="http://schemas.microsoft.com/office/drawing/2014/main" id="{D5CA315C-CA38-B841-A9A5-A455AA72718C}"/>
+              </a:ext>
+            </a:extLst>
+          </p:cNvPr>
+          <p:cNvSpPr>
+            <a:spLocks/>
+          </p:cNvSpPr>
+          <p:nvPr/>
+        </p:nvSpPr>
+        <p:spPr>
+          <a:xfrm>
+            <a:off x="6120000" y="1080000"/>
+            <a:ext cx="1620000" cy="540000"/>
+          </a:xfrm>
+          <a:prstGeom prst="rect">
+            <a:avLst/>
+          </a:prstGeom>
+          <a:solidFill>
+            <a:schemeClr val="accent2">
+              <a:lumMod val="60000"/>
+              <a:lumOff val="40000"/>
+            </a:schemeClr>
+          </a:solidFill>
+          <a:ln>
+            <a:solidFill>
+              <a:schemeClr val="accent2"/>
+            </a:solidFill>
+          </a:ln>
+        </p:spPr>
+        <p:style>
+          <a:lnRef idx="2">
+            <a:schemeClr val="dk1"/>
+          </a:lnRef>
+          <a:fillRef idx="1">
+            <a:schemeClr val="lt1"/>
+          </a:fillRef>
+          <a:effectRef idx="0">
+            <a:schemeClr val="dk1"/>
+          </a:effectRef>
+          <a:fontRef idx="minor">
+            <a:schemeClr val="dk1"/>
+          </a:fontRef>
+        </p:style>
+        <p:txBody>
+          <a:bodyPr rtlCol="0" anchor="ctr"/>
+          <a:lstStyle/>
+          <a:p>
+            <a:pPr algn="ctr"/>
+            <a:r>
+              <a:rPr lang="en-US" dirty="0">
+                <a:latin typeface="Arial" panose="020B0604020202020204" pitchFamily="34" charset="0"/>
+                <a:cs typeface="Arial" panose="020B0604020202020204" pitchFamily="34" charset="0"/>
+              </a:rPr>
+              <a:t>FC &amp; Softmax</a:t>
+            </a:r>
+            <a:endParaRPr lang="en-US" baseline="30000" dirty="0">
+              <a:latin typeface="Arial" panose="020B0604020202020204" pitchFamily="34" charset="0"/>
+              <a:cs typeface="Arial" panose="020B0604020202020204" pitchFamily="34" charset="0"/>
+            </a:endParaRPr>
+          </a:p>
+        </p:txBody>
+      </p:sp>
+      <p:sp>
+        <p:nvSpPr>
+          <p:cNvPr id="98" name="Rectangle 97">
+            <a:extLst>
+              <a:ext uri="{FF2B5EF4-FFF2-40B4-BE49-F238E27FC236}">
+                <a16:creationId xmlns:a16="http://schemas.microsoft.com/office/drawing/2014/main" id="{DDAF95B5-414D-F347-9B18-32CB2AF81A30}"/>
+              </a:ext>
+            </a:extLst>
+          </p:cNvPr>
+          <p:cNvSpPr>
+            <a:spLocks/>
+          </p:cNvSpPr>
+          <p:nvPr/>
+        </p:nvSpPr>
+        <p:spPr>
+          <a:xfrm>
+            <a:off x="3960000" y="1080000"/>
+            <a:ext cx="1620000" cy="540000"/>
+          </a:xfrm>
+          <a:prstGeom prst="rect">
+            <a:avLst/>
+          </a:prstGeom>
+          <a:solidFill>
+            <a:schemeClr val="accent2">
+              <a:lumMod val="60000"/>
+              <a:lumOff val="40000"/>
+              <a:alpha val="20000"/>
+            </a:schemeClr>
+          </a:solidFill>
+          <a:ln>
+            <a:solidFill>
+              <a:schemeClr val="accent2">
+                <a:alpha val="20000"/>
+              </a:schemeClr>
+            </a:solidFill>
+          </a:ln>
+        </p:spPr>
+        <p:style>
+          <a:lnRef idx="2">
+            <a:schemeClr val="dk1"/>
+          </a:lnRef>
+          <a:fillRef idx="1">
+            <a:schemeClr val="lt1"/>
+          </a:fillRef>
+          <a:effectRef idx="0">
+            <a:schemeClr val="dk1"/>
+          </a:effectRef>
+          <a:fontRef idx="minor">
+            <a:schemeClr val="dk1"/>
+          </a:fontRef>
+        </p:style>
+        <p:txBody>
+          <a:bodyPr rtlCol="0" anchor="ctr"/>
+          <a:lstStyle/>
+          <a:p>
+            <a:pPr algn="ctr"/>
+            <a:r>
+              <a:rPr lang="en-US" dirty="0">
+                <a:solidFill>
+                  <a:schemeClr val="bg1">
+                    <a:lumMod val="75000"/>
+                  </a:schemeClr>
+                </a:solidFill>
+                <a:latin typeface="Arial" panose="020B0604020202020204" pitchFamily="34" charset="0"/>
+                <a:cs typeface="Arial" panose="020B0604020202020204" pitchFamily="34" charset="0"/>
+              </a:rPr>
+              <a:t>FC &amp; Softmax</a:t>
+            </a:r>
+            <a:endParaRPr lang="en-US" baseline="30000" dirty="0">
+              <a:solidFill>
+                <a:schemeClr val="bg1">
+                  <a:lumMod val="75000"/>
+                </a:schemeClr>
+              </a:solidFill>
+              <a:latin typeface="Arial" panose="020B0604020202020204" pitchFamily="34" charset="0"/>
+              <a:cs typeface="Arial" panose="020B0604020202020204" pitchFamily="34" charset="0"/>
+            </a:endParaRPr>
+          </a:p>
+        </p:txBody>
+      </p:sp>
+      <p:sp>
+        <p:nvSpPr>
+          <p:cNvPr id="99" name="Rectangle 98">
+            <a:extLst>
+              <a:ext uri="{FF2B5EF4-FFF2-40B4-BE49-F238E27FC236}">
+                <a16:creationId xmlns:a16="http://schemas.microsoft.com/office/drawing/2014/main" id="{D164EE4E-382C-4F4E-9D61-E53907CF4575}"/>
+              </a:ext>
+            </a:extLst>
+          </p:cNvPr>
+          <p:cNvSpPr>
+            <a:spLocks/>
+          </p:cNvSpPr>
+          <p:nvPr/>
+        </p:nvSpPr>
+        <p:spPr>
+          <a:xfrm>
+            <a:off x="1800000" y="1080000"/>
+            <a:ext cx="1620000" cy="540000"/>
+          </a:xfrm>
+          <a:prstGeom prst="rect">
+            <a:avLst/>
+          </a:prstGeom>
+          <a:solidFill>
+            <a:schemeClr val="accent2">
+              <a:lumMod val="60000"/>
+              <a:lumOff val="40000"/>
+              <a:alpha val="20000"/>
+            </a:schemeClr>
+          </a:solidFill>
+          <a:ln>
+            <a:solidFill>
+              <a:schemeClr val="accent2">
+                <a:alpha val="20000"/>
+              </a:schemeClr>
+            </a:solidFill>
+          </a:ln>
+        </p:spPr>
+        <p:style>
+          <a:lnRef idx="2">
+            <a:schemeClr val="dk1"/>
+          </a:lnRef>
+          <a:fillRef idx="1">
+            <a:schemeClr val="lt1"/>
+          </a:fillRef>
+          <a:effectRef idx="0">
+            <a:schemeClr val="dk1"/>
+          </a:effectRef>
+          <a:fontRef idx="minor">
+            <a:schemeClr val="dk1"/>
+          </a:fontRef>
+        </p:style>
+        <p:txBody>
+          <a:bodyPr rtlCol="0" anchor="ctr"/>
+          <a:lstStyle/>
+          <a:p>
+            <a:pPr algn="ctr"/>
+            <a:r>
+              <a:rPr lang="en-US" dirty="0">
+                <a:solidFill>
+                  <a:schemeClr val="bg1">
+                    <a:lumMod val="75000"/>
+                  </a:schemeClr>
+                </a:solidFill>
+                <a:latin typeface="Arial" panose="020B0604020202020204" pitchFamily="34" charset="0"/>
+                <a:cs typeface="Arial" panose="020B0604020202020204" pitchFamily="34" charset="0"/>
+              </a:rPr>
+              <a:t>FC &amp; Softmax</a:t>
+            </a:r>
+            <a:endParaRPr lang="en-US" baseline="30000" dirty="0">
+              <a:solidFill>
+                <a:schemeClr val="bg1">
+                  <a:lumMod val="75000"/>
+                </a:schemeClr>
+              </a:solidFill>
+              <a:latin typeface="Arial" panose="020B0604020202020204" pitchFamily="34" charset="0"/>
+              <a:cs typeface="Arial" panose="020B0604020202020204" pitchFamily="34" charset="0"/>
+            </a:endParaRPr>
+          </a:p>
+        </p:txBody>
+      </p:sp>
+      <p:sp>
+        <p:nvSpPr>
+          <p:cNvPr id="100" name="Rectangle 99">
+            <a:extLst>
+              <a:ext uri="{FF2B5EF4-FFF2-40B4-BE49-F238E27FC236}">
+                <a16:creationId xmlns:a16="http://schemas.microsoft.com/office/drawing/2014/main" id="{B7842334-4C6C-5644-A249-9BB330707BFA}"/>
+              </a:ext>
+            </a:extLst>
+          </p:cNvPr>
+          <p:cNvSpPr>
+            <a:spLocks/>
+          </p:cNvSpPr>
+          <p:nvPr/>
+        </p:nvSpPr>
+        <p:spPr>
+          <a:xfrm>
+            <a:off x="8280000" y="1080000"/>
+            <a:ext cx="1620000" cy="540000"/>
+          </a:xfrm>
+          <a:prstGeom prst="rect">
+            <a:avLst/>
+          </a:prstGeom>
+          <a:solidFill>
+            <a:schemeClr val="accent2">
+              <a:lumMod val="60000"/>
+              <a:lumOff val="40000"/>
+              <a:alpha val="20000"/>
+            </a:schemeClr>
+          </a:solidFill>
+          <a:ln>
+            <a:solidFill>
+              <a:schemeClr val="accent2">
+                <a:alpha val="20000"/>
+              </a:schemeClr>
+            </a:solidFill>
+          </a:ln>
+        </p:spPr>
+        <p:style>
+          <a:lnRef idx="2">
+            <a:schemeClr val="dk1"/>
+          </a:lnRef>
+          <a:fillRef idx="1">
+            <a:schemeClr val="lt1"/>
+          </a:fillRef>
+          <a:effectRef idx="0">
+            <a:schemeClr val="dk1"/>
+          </a:effectRef>
+          <a:fontRef idx="minor">
+            <a:schemeClr val="dk1"/>
+          </a:fontRef>
+        </p:style>
+        <p:txBody>
+          <a:bodyPr rtlCol="0" anchor="ctr"/>
+          <a:lstStyle/>
+          <a:p>
+            <a:pPr algn="ctr"/>
+            <a:r>
+              <a:rPr lang="en-US" dirty="0">
+                <a:solidFill>
+                  <a:schemeClr val="bg1">
+                    <a:lumMod val="75000"/>
+                  </a:schemeClr>
+                </a:solidFill>
+                <a:latin typeface="Arial" panose="020B0604020202020204" pitchFamily="34" charset="0"/>
+                <a:cs typeface="Arial" panose="020B0604020202020204" pitchFamily="34" charset="0"/>
+              </a:rPr>
+              <a:t>FC &amp; Softmax</a:t>
+            </a:r>
+            <a:endParaRPr lang="en-US" baseline="30000" dirty="0">
+              <a:solidFill>
+                <a:schemeClr val="bg1">
+                  <a:lumMod val="75000"/>
+                </a:schemeClr>
+              </a:solidFill>
+              <a:latin typeface="Arial" panose="020B0604020202020204" pitchFamily="34" charset="0"/>
+              <a:cs typeface="Arial" panose="020B0604020202020204" pitchFamily="34" charset="0"/>
+            </a:endParaRPr>
+          </a:p>
+        </p:txBody>
+      </p:sp>
+      <p:cxnSp>
+        <p:nvCxnSpPr>
+          <p:cNvPr id="6" name="Straight Arrow Connector 5">
+            <a:extLst>
+              <a:ext uri="{FF2B5EF4-FFF2-40B4-BE49-F238E27FC236}">
+                <a16:creationId xmlns:a16="http://schemas.microsoft.com/office/drawing/2014/main" id="{5F603806-73A6-2749-ACD9-10C4CBF47C7E}"/>
+              </a:ext>
+            </a:extLst>
+          </p:cNvPr>
+          <p:cNvCxnSpPr>
+            <a:stCxn id="89" idx="3"/>
+            <a:endCxn id="87" idx="1"/>
+          </p:cNvCxnSpPr>
+          <p:nvPr/>
+        </p:nvCxnSpPr>
+        <p:spPr>
+          <a:xfrm>
+            <a:off x="3420000" y="2430000"/>
+            <a:ext cx="540000" cy="0"/>
+          </a:xfrm>
+          <a:prstGeom prst="straightConnector1">
+            <a:avLst/>
+          </a:prstGeom>
+          <a:ln>
+            <a:solidFill>
+              <a:schemeClr val="bg1">
+                <a:lumMod val="75000"/>
+              </a:schemeClr>
+            </a:solidFill>
+            <a:tailEnd type="triangle"/>
+          </a:ln>
+        </p:spPr>
+        <p:style>
+          <a:lnRef idx="1">
+            <a:schemeClr val="accent1"/>
+          </a:lnRef>
+          <a:fillRef idx="0">
+            <a:schemeClr val="accent1"/>
+          </a:fillRef>
+          <a:effectRef idx="0">
+            <a:schemeClr val="accent1"/>
+          </a:effectRef>
+          <a:fontRef idx="minor">
+            <a:schemeClr val="tx1"/>
+          </a:fontRef>
+        </p:style>
+      </p:cxnSp>
+      <p:cxnSp>
+        <p:nvCxnSpPr>
+          <p:cNvPr id="12" name="Straight Arrow Connector 11">
+            <a:extLst>
+              <a:ext uri="{FF2B5EF4-FFF2-40B4-BE49-F238E27FC236}">
+                <a16:creationId xmlns:a16="http://schemas.microsoft.com/office/drawing/2014/main" id="{3C2F2D68-7497-DE4F-8FF3-759E1C5FAB34}"/>
+              </a:ext>
+            </a:extLst>
+          </p:cNvPr>
+          <p:cNvCxnSpPr>
+            <a:stCxn id="88" idx="3"/>
+            <a:endCxn id="86" idx="1"/>
+          </p:cNvCxnSpPr>
+          <p:nvPr/>
+        </p:nvCxnSpPr>
+        <p:spPr>
+          <a:xfrm>
+            <a:off x="3420000" y="3510000"/>
+            <a:ext cx="540000" cy="0"/>
+          </a:xfrm>
+          <a:prstGeom prst="straightConnector1">
+            <a:avLst/>
+          </a:prstGeom>
+          <a:ln>
+            <a:solidFill>
+              <a:schemeClr val="bg1">
+                <a:lumMod val="75000"/>
+              </a:schemeClr>
+            </a:solidFill>
+            <a:tailEnd type="triangle"/>
+          </a:ln>
+        </p:spPr>
+        <p:style>
+          <a:lnRef idx="1">
+            <a:schemeClr val="accent1"/>
+          </a:lnRef>
+          <a:fillRef idx="0">
+            <a:schemeClr val="accent1"/>
+          </a:fillRef>
+          <a:effectRef idx="0">
+            <a:schemeClr val="accent1"/>
+          </a:effectRef>
+          <a:fontRef idx="minor">
+            <a:schemeClr val="tx1"/>
+          </a:fontRef>
+        </p:style>
+      </p:cxnSp>
+      <p:cxnSp>
+        <p:nvCxnSpPr>
+          <p:cNvPr id="14" name="Straight Arrow Connector 13">
+            <a:extLst>
+              <a:ext uri="{FF2B5EF4-FFF2-40B4-BE49-F238E27FC236}">
+                <a16:creationId xmlns:a16="http://schemas.microsoft.com/office/drawing/2014/main" id="{D2DAF9EE-AAAE-624A-ABA3-9DD5FB519683}"/>
+              </a:ext>
+            </a:extLst>
+          </p:cNvPr>
+          <p:cNvCxnSpPr>
+            <a:stCxn id="87" idx="3"/>
+            <a:endCxn id="77" idx="1"/>
+          </p:cNvCxnSpPr>
+          <p:nvPr/>
+        </p:nvCxnSpPr>
+        <p:spPr>
+          <a:xfrm>
+            <a:off x="5580000" y="2430000"/>
+            <a:ext cx="540000" cy="0"/>
+          </a:xfrm>
+          <a:prstGeom prst="straightConnector1">
+            <a:avLst/>
+          </a:prstGeom>
+          <a:ln>
             <a:solidFill>
               <a:schemeClr val="tx1"/>
             </a:solidFill>
-            <a:ln>
-              <a:noFill/>
-            </a:ln>
-          </p:spPr>
-          <p:style>
-            <a:lnRef idx="2">
-              <a:schemeClr val="accent1">
-                <a:shade val="50000"/>
+            <a:tailEnd type="triangle"/>
+          </a:ln>
+        </p:spPr>
+        <p:style>
+          <a:lnRef idx="1">
+            <a:schemeClr val="accent1"/>
+          </a:lnRef>
+          <a:fillRef idx="0">
+            <a:schemeClr val="accent1"/>
+          </a:fillRef>
+          <a:effectRef idx="0">
+            <a:schemeClr val="accent1"/>
+          </a:effectRef>
+          <a:fontRef idx="minor">
+            <a:schemeClr val="tx1"/>
+          </a:fontRef>
+        </p:style>
+      </p:cxnSp>
+      <p:cxnSp>
+        <p:nvCxnSpPr>
+          <p:cNvPr id="16" name="Straight Arrow Connector 15">
+            <a:extLst>
+              <a:ext uri="{FF2B5EF4-FFF2-40B4-BE49-F238E27FC236}">
+                <a16:creationId xmlns:a16="http://schemas.microsoft.com/office/drawing/2014/main" id="{3F78CC5C-EDC3-C44C-A4E4-FEC11D5AE679}"/>
+              </a:ext>
+            </a:extLst>
+          </p:cNvPr>
+          <p:cNvCxnSpPr>
+            <a:stCxn id="86" idx="3"/>
+            <a:endCxn id="2" idx="1"/>
+          </p:cNvCxnSpPr>
+          <p:nvPr/>
+        </p:nvCxnSpPr>
+        <p:spPr>
+          <a:xfrm>
+            <a:off x="5580000" y="3510000"/>
+            <a:ext cx="540000" cy="0"/>
+          </a:xfrm>
+          <a:prstGeom prst="straightConnector1">
+            <a:avLst/>
+          </a:prstGeom>
+          <a:ln>
+            <a:solidFill>
+              <a:schemeClr val="tx1"/>
+            </a:solidFill>
+            <a:tailEnd type="triangle"/>
+          </a:ln>
+        </p:spPr>
+        <p:style>
+          <a:lnRef idx="1">
+            <a:schemeClr val="accent1"/>
+          </a:lnRef>
+          <a:fillRef idx="0">
+            <a:schemeClr val="accent1"/>
+          </a:fillRef>
+          <a:effectRef idx="0">
+            <a:schemeClr val="accent1"/>
+          </a:effectRef>
+          <a:fontRef idx="minor">
+            <a:schemeClr val="tx1"/>
+          </a:fontRef>
+        </p:style>
+      </p:cxnSp>
+      <p:cxnSp>
+        <p:nvCxnSpPr>
+          <p:cNvPr id="18" name="Straight Arrow Connector 17">
+            <a:extLst>
+              <a:ext uri="{FF2B5EF4-FFF2-40B4-BE49-F238E27FC236}">
+                <a16:creationId xmlns:a16="http://schemas.microsoft.com/office/drawing/2014/main" id="{0D7DD841-81A4-044A-A50C-B288FCD91FE2}"/>
+              </a:ext>
+            </a:extLst>
+          </p:cNvPr>
+          <p:cNvCxnSpPr>
+            <a:stCxn id="77" idx="3"/>
+            <a:endCxn id="91" idx="1"/>
+          </p:cNvCxnSpPr>
+          <p:nvPr/>
+        </p:nvCxnSpPr>
+        <p:spPr>
+          <a:xfrm>
+            <a:off x="7740000" y="2430000"/>
+            <a:ext cx="540000" cy="0"/>
+          </a:xfrm>
+          <a:prstGeom prst="straightConnector1">
+            <a:avLst/>
+          </a:prstGeom>
+          <a:ln>
+            <a:solidFill>
+              <a:schemeClr val="tx1"/>
+            </a:solidFill>
+            <a:tailEnd type="triangle"/>
+          </a:ln>
+        </p:spPr>
+        <p:style>
+          <a:lnRef idx="1">
+            <a:schemeClr val="accent1"/>
+          </a:lnRef>
+          <a:fillRef idx="0">
+            <a:schemeClr val="accent1"/>
+          </a:fillRef>
+          <a:effectRef idx="0">
+            <a:schemeClr val="accent1"/>
+          </a:effectRef>
+          <a:fontRef idx="minor">
+            <a:schemeClr val="tx1"/>
+          </a:fontRef>
+        </p:style>
+      </p:cxnSp>
+      <p:cxnSp>
+        <p:nvCxnSpPr>
+          <p:cNvPr id="101" name="Straight Arrow Connector 100">
+            <a:extLst>
+              <a:ext uri="{FF2B5EF4-FFF2-40B4-BE49-F238E27FC236}">
+                <a16:creationId xmlns:a16="http://schemas.microsoft.com/office/drawing/2014/main" id="{2C83F47D-8A20-924D-9246-868CE45D789A}"/>
+              </a:ext>
+            </a:extLst>
+          </p:cNvPr>
+          <p:cNvCxnSpPr>
+            <a:stCxn id="2" idx="3"/>
+            <a:endCxn id="90" idx="1"/>
+          </p:cNvCxnSpPr>
+          <p:nvPr/>
+        </p:nvCxnSpPr>
+        <p:spPr>
+          <a:xfrm>
+            <a:off x="7740000" y="3510000"/>
+            <a:ext cx="540000" cy="0"/>
+          </a:xfrm>
+          <a:prstGeom prst="straightConnector1">
+            <a:avLst/>
+          </a:prstGeom>
+          <a:ln>
+            <a:solidFill>
+              <a:schemeClr val="tx1"/>
+            </a:solidFill>
+            <a:tailEnd type="triangle"/>
+          </a:ln>
+        </p:spPr>
+        <p:style>
+          <a:lnRef idx="1">
+            <a:schemeClr val="accent1"/>
+          </a:lnRef>
+          <a:fillRef idx="0">
+            <a:schemeClr val="accent1"/>
+          </a:fillRef>
+          <a:effectRef idx="0">
+            <a:schemeClr val="accent1"/>
+          </a:effectRef>
+          <a:fontRef idx="minor">
+            <a:schemeClr val="tx1"/>
+          </a:fontRef>
+        </p:style>
+      </p:cxnSp>
+      <p:cxnSp>
+        <p:nvCxnSpPr>
+          <p:cNvPr id="103" name="Straight Arrow Connector 102">
+            <a:extLst>
+              <a:ext uri="{FF2B5EF4-FFF2-40B4-BE49-F238E27FC236}">
+                <a16:creationId xmlns:a16="http://schemas.microsoft.com/office/drawing/2014/main" id="{C5B4A03F-24C6-3A43-98B1-45837ADEEA19}"/>
+              </a:ext>
+            </a:extLst>
+          </p:cNvPr>
+          <p:cNvCxnSpPr>
+            <a:stCxn id="89" idx="0"/>
+            <a:endCxn id="99" idx="2"/>
+          </p:cNvCxnSpPr>
+          <p:nvPr/>
+        </p:nvCxnSpPr>
+        <p:spPr>
+          <a:xfrm flipV="1">
+            <a:off x="2610000" y="1620000"/>
+            <a:ext cx="0" cy="540000"/>
+          </a:xfrm>
+          <a:prstGeom prst="straightConnector1">
+            <a:avLst/>
+          </a:prstGeom>
+          <a:ln>
+            <a:solidFill>
+              <a:schemeClr val="bg1">
+                <a:lumMod val="75000"/>
               </a:schemeClr>
-            </a:lnRef>
-            <a:fillRef idx="1">
-              <a:schemeClr val="accent1"/>
-            </a:fillRef>
-            <a:effectRef idx="0">
-              <a:schemeClr val="accent1"/>
-            </a:effectRef>
-            <a:fontRef idx="minor">
-              <a:schemeClr val="lt1"/>
-            </a:fontRef>
-          </p:style>
-          <p:txBody>
-            <a:bodyPr rtlCol="0" anchor="ctr"/>
-            <a:lstStyle/>
-            <a:p>
-              <a:pPr algn="ctr"/>
-              <a:endParaRPr lang="en-US"/>
-            </a:p>
-          </p:txBody>
-        </p:sp>
-      </p:grpSp>
+            </a:solidFill>
+            <a:tailEnd type="triangle"/>
+          </a:ln>
+        </p:spPr>
+        <p:style>
+          <a:lnRef idx="1">
+            <a:schemeClr val="accent1"/>
+          </a:lnRef>
+          <a:fillRef idx="0">
+            <a:schemeClr val="accent1"/>
+          </a:fillRef>
+          <a:effectRef idx="0">
+            <a:schemeClr val="accent1"/>
+          </a:effectRef>
+          <a:fontRef idx="minor">
+            <a:schemeClr val="tx1"/>
+          </a:fontRef>
+        </p:style>
+      </p:cxnSp>
+      <p:cxnSp>
+        <p:nvCxnSpPr>
+          <p:cNvPr id="105" name="Straight Arrow Connector 104">
+            <a:extLst>
+              <a:ext uri="{FF2B5EF4-FFF2-40B4-BE49-F238E27FC236}">
+                <a16:creationId xmlns:a16="http://schemas.microsoft.com/office/drawing/2014/main" id="{33B67C8D-8527-E047-B2A6-485EFD1BABA1}"/>
+              </a:ext>
+            </a:extLst>
+          </p:cNvPr>
+          <p:cNvCxnSpPr>
+            <a:stCxn id="87" idx="0"/>
+            <a:endCxn id="98" idx="2"/>
+          </p:cNvCxnSpPr>
+          <p:nvPr/>
+        </p:nvCxnSpPr>
+        <p:spPr>
+          <a:xfrm flipV="1">
+            <a:off x="4770000" y="1620000"/>
+            <a:ext cx="0" cy="540000"/>
+          </a:xfrm>
+          <a:prstGeom prst="straightConnector1">
+            <a:avLst/>
+          </a:prstGeom>
+          <a:ln>
+            <a:solidFill>
+              <a:schemeClr val="bg1">
+                <a:lumMod val="75000"/>
+              </a:schemeClr>
+            </a:solidFill>
+            <a:tailEnd type="triangle"/>
+          </a:ln>
+        </p:spPr>
+        <p:style>
+          <a:lnRef idx="1">
+            <a:schemeClr val="accent1"/>
+          </a:lnRef>
+          <a:fillRef idx="0">
+            <a:schemeClr val="accent1"/>
+          </a:fillRef>
+          <a:effectRef idx="0">
+            <a:schemeClr val="accent1"/>
+          </a:effectRef>
+          <a:fontRef idx="minor">
+            <a:schemeClr val="tx1"/>
+          </a:fontRef>
+        </p:style>
+      </p:cxnSp>
+      <p:cxnSp>
+        <p:nvCxnSpPr>
+          <p:cNvPr id="106" name="Straight Arrow Connector 105">
+            <a:extLst>
+              <a:ext uri="{FF2B5EF4-FFF2-40B4-BE49-F238E27FC236}">
+                <a16:creationId xmlns:a16="http://schemas.microsoft.com/office/drawing/2014/main" id="{70B5F664-9332-5E41-94E3-68234989CB71}"/>
+              </a:ext>
+            </a:extLst>
+          </p:cNvPr>
+          <p:cNvCxnSpPr>
+            <a:cxnSpLocks/>
+            <a:stCxn id="77" idx="0"/>
+            <a:endCxn id="97" idx="2"/>
+          </p:cNvCxnSpPr>
+          <p:nvPr/>
+        </p:nvCxnSpPr>
+        <p:spPr>
+          <a:xfrm flipV="1">
+            <a:off x="6930000" y="1620000"/>
+            <a:ext cx="0" cy="540000"/>
+          </a:xfrm>
+          <a:prstGeom prst="straightConnector1">
+            <a:avLst/>
+          </a:prstGeom>
+          <a:ln>
+            <a:solidFill>
+              <a:schemeClr val="tx1"/>
+            </a:solidFill>
+            <a:tailEnd type="triangle"/>
+          </a:ln>
+        </p:spPr>
+        <p:style>
+          <a:lnRef idx="1">
+            <a:schemeClr val="accent1"/>
+          </a:lnRef>
+          <a:fillRef idx="0">
+            <a:schemeClr val="accent1"/>
+          </a:fillRef>
+          <a:effectRef idx="0">
+            <a:schemeClr val="accent1"/>
+          </a:effectRef>
+          <a:fontRef idx="minor">
+            <a:schemeClr val="tx1"/>
+          </a:fontRef>
+        </p:style>
+      </p:cxnSp>
+      <p:cxnSp>
+        <p:nvCxnSpPr>
+          <p:cNvPr id="110" name="Straight Arrow Connector 109">
+            <a:extLst>
+              <a:ext uri="{FF2B5EF4-FFF2-40B4-BE49-F238E27FC236}">
+                <a16:creationId xmlns:a16="http://schemas.microsoft.com/office/drawing/2014/main" id="{D8D38C22-3AF9-FC4F-A565-8FBD1F616F8C}"/>
+              </a:ext>
+            </a:extLst>
+          </p:cNvPr>
+          <p:cNvCxnSpPr>
+            <a:cxnSpLocks/>
+            <a:stCxn id="91" idx="0"/>
+            <a:endCxn id="100" idx="2"/>
+          </p:cNvCxnSpPr>
+          <p:nvPr/>
+        </p:nvCxnSpPr>
+        <p:spPr>
+          <a:xfrm flipV="1">
+            <a:off x="9090000" y="1620000"/>
+            <a:ext cx="0" cy="540000"/>
+          </a:xfrm>
+          <a:prstGeom prst="straightConnector1">
+            <a:avLst/>
+          </a:prstGeom>
+          <a:ln>
+            <a:solidFill>
+              <a:schemeClr val="bg1">
+                <a:lumMod val="75000"/>
+              </a:schemeClr>
+            </a:solidFill>
+            <a:tailEnd type="triangle"/>
+          </a:ln>
+        </p:spPr>
+        <p:style>
+          <a:lnRef idx="1">
+            <a:schemeClr val="accent1"/>
+          </a:lnRef>
+          <a:fillRef idx="0">
+            <a:schemeClr val="accent1"/>
+          </a:fillRef>
+          <a:effectRef idx="0">
+            <a:schemeClr val="accent1"/>
+          </a:effectRef>
+          <a:fontRef idx="minor">
+            <a:schemeClr val="tx1"/>
+          </a:fontRef>
+        </p:style>
+      </p:cxnSp>
+      <p:cxnSp>
+        <p:nvCxnSpPr>
+          <p:cNvPr id="113" name="Straight Arrow Connector 112">
+            <a:extLst>
+              <a:ext uri="{FF2B5EF4-FFF2-40B4-BE49-F238E27FC236}">
+                <a16:creationId xmlns:a16="http://schemas.microsoft.com/office/drawing/2014/main" id="{F6401919-8926-C246-BFBD-200C7D75E066}"/>
+              </a:ext>
+            </a:extLst>
+          </p:cNvPr>
+          <p:cNvCxnSpPr>
+            <a:cxnSpLocks/>
+            <a:stCxn id="90" idx="0"/>
+            <a:endCxn id="91" idx="2"/>
+          </p:cNvCxnSpPr>
+          <p:nvPr/>
+        </p:nvCxnSpPr>
+        <p:spPr>
+          <a:xfrm flipV="1">
+            <a:off x="9090000" y="2700000"/>
+            <a:ext cx="0" cy="540000"/>
+          </a:xfrm>
+          <a:prstGeom prst="straightConnector1">
+            <a:avLst/>
+          </a:prstGeom>
+          <a:ln>
+            <a:solidFill>
+              <a:schemeClr val="bg1">
+                <a:lumMod val="75000"/>
+              </a:schemeClr>
+            </a:solidFill>
+            <a:tailEnd type="triangle"/>
+          </a:ln>
+        </p:spPr>
+        <p:style>
+          <a:lnRef idx="1">
+            <a:schemeClr val="accent1"/>
+          </a:lnRef>
+          <a:fillRef idx="0">
+            <a:schemeClr val="accent1"/>
+          </a:fillRef>
+          <a:effectRef idx="0">
+            <a:schemeClr val="accent1"/>
+          </a:effectRef>
+          <a:fontRef idx="minor">
+            <a:schemeClr val="tx1"/>
+          </a:fontRef>
+        </p:style>
+      </p:cxnSp>
+      <p:cxnSp>
+        <p:nvCxnSpPr>
+          <p:cNvPr id="116" name="Straight Arrow Connector 115">
+            <a:extLst>
+              <a:ext uri="{FF2B5EF4-FFF2-40B4-BE49-F238E27FC236}">
+                <a16:creationId xmlns:a16="http://schemas.microsoft.com/office/drawing/2014/main" id="{32C0A9D7-D012-1346-ADEE-644F3B8AE32A}"/>
+              </a:ext>
+            </a:extLst>
+          </p:cNvPr>
+          <p:cNvCxnSpPr>
+            <a:cxnSpLocks/>
+            <a:stCxn id="2" idx="0"/>
+            <a:endCxn id="77" idx="2"/>
+          </p:cNvCxnSpPr>
+          <p:nvPr/>
+        </p:nvCxnSpPr>
+        <p:spPr>
+          <a:xfrm flipV="1">
+            <a:off x="6930000" y="2700000"/>
+            <a:ext cx="0" cy="540000"/>
+          </a:xfrm>
+          <a:prstGeom prst="straightConnector1">
+            <a:avLst/>
+          </a:prstGeom>
+          <a:ln>
+            <a:solidFill>
+              <a:schemeClr val="tx1"/>
+            </a:solidFill>
+            <a:tailEnd type="triangle"/>
+          </a:ln>
+        </p:spPr>
+        <p:style>
+          <a:lnRef idx="1">
+            <a:schemeClr val="accent1"/>
+          </a:lnRef>
+          <a:fillRef idx="0">
+            <a:schemeClr val="accent1"/>
+          </a:fillRef>
+          <a:effectRef idx="0">
+            <a:schemeClr val="accent1"/>
+          </a:effectRef>
+          <a:fontRef idx="minor">
+            <a:schemeClr val="tx1"/>
+          </a:fontRef>
+        </p:style>
+      </p:cxnSp>
+      <p:cxnSp>
+        <p:nvCxnSpPr>
+          <p:cNvPr id="119" name="Straight Arrow Connector 118">
+            <a:extLst>
+              <a:ext uri="{FF2B5EF4-FFF2-40B4-BE49-F238E27FC236}">
+                <a16:creationId xmlns:a16="http://schemas.microsoft.com/office/drawing/2014/main" id="{9532F4EE-D59E-004D-A3D8-D8DF1829A201}"/>
+              </a:ext>
+            </a:extLst>
+          </p:cNvPr>
+          <p:cNvCxnSpPr>
+            <a:cxnSpLocks/>
+            <a:stCxn id="86" idx="0"/>
+            <a:endCxn id="87" idx="2"/>
+          </p:cNvCxnSpPr>
+          <p:nvPr/>
+        </p:nvCxnSpPr>
+        <p:spPr>
+          <a:xfrm flipV="1">
+            <a:off x="4770000" y="2700000"/>
+            <a:ext cx="0" cy="540000"/>
+          </a:xfrm>
+          <a:prstGeom prst="straightConnector1">
+            <a:avLst/>
+          </a:prstGeom>
+          <a:ln>
+            <a:solidFill>
+              <a:schemeClr val="bg1">
+                <a:lumMod val="75000"/>
+              </a:schemeClr>
+            </a:solidFill>
+            <a:tailEnd type="triangle"/>
+          </a:ln>
+        </p:spPr>
+        <p:style>
+          <a:lnRef idx="1">
+            <a:schemeClr val="accent1"/>
+          </a:lnRef>
+          <a:fillRef idx="0">
+            <a:schemeClr val="accent1"/>
+          </a:fillRef>
+          <a:effectRef idx="0">
+            <a:schemeClr val="accent1"/>
+          </a:effectRef>
+          <a:fontRef idx="minor">
+            <a:schemeClr val="tx1"/>
+          </a:fontRef>
+        </p:style>
+      </p:cxnSp>
+      <p:cxnSp>
+        <p:nvCxnSpPr>
+          <p:cNvPr id="122" name="Straight Arrow Connector 121">
+            <a:extLst>
+              <a:ext uri="{FF2B5EF4-FFF2-40B4-BE49-F238E27FC236}">
+                <a16:creationId xmlns:a16="http://schemas.microsoft.com/office/drawing/2014/main" id="{27BCE7BF-EB45-3D41-BB89-8E4B32E34196}"/>
+              </a:ext>
+            </a:extLst>
+          </p:cNvPr>
+          <p:cNvCxnSpPr>
+            <a:cxnSpLocks/>
+            <a:stCxn id="88" idx="0"/>
+            <a:endCxn id="89" idx="2"/>
+          </p:cNvCxnSpPr>
+          <p:nvPr/>
+        </p:nvCxnSpPr>
+        <p:spPr>
+          <a:xfrm flipV="1">
+            <a:off x="2610000" y="2700000"/>
+            <a:ext cx="0" cy="540000"/>
+          </a:xfrm>
+          <a:prstGeom prst="straightConnector1">
+            <a:avLst/>
+          </a:prstGeom>
+          <a:ln>
+            <a:solidFill>
+              <a:schemeClr val="bg1">
+                <a:lumMod val="75000"/>
+              </a:schemeClr>
+            </a:solidFill>
+            <a:tailEnd type="triangle"/>
+          </a:ln>
+        </p:spPr>
+        <p:style>
+          <a:lnRef idx="1">
+            <a:schemeClr val="accent1"/>
+          </a:lnRef>
+          <a:fillRef idx="0">
+            <a:schemeClr val="accent1"/>
+          </a:fillRef>
+          <a:effectRef idx="0">
+            <a:schemeClr val="accent1"/>
+          </a:effectRef>
+          <a:fontRef idx="minor">
+            <a:schemeClr val="tx1"/>
+          </a:fontRef>
+        </p:style>
+      </p:cxnSp>
+      <p:cxnSp>
+        <p:nvCxnSpPr>
+          <p:cNvPr id="136" name="Straight Connector 135">
+            <a:extLst>
+              <a:ext uri="{FF2B5EF4-FFF2-40B4-BE49-F238E27FC236}">
+                <a16:creationId xmlns:a16="http://schemas.microsoft.com/office/drawing/2014/main" id="{AF2999C6-565E-A848-BD70-ACA9AE3E7714}"/>
+              </a:ext>
+            </a:extLst>
+          </p:cNvPr>
+          <p:cNvCxnSpPr>
+            <a:cxnSpLocks/>
+          </p:cNvCxnSpPr>
+          <p:nvPr/>
+        </p:nvCxnSpPr>
+        <p:spPr>
+          <a:xfrm flipV="1">
+            <a:off x="2610000" y="4050000"/>
+            <a:ext cx="0" cy="270000"/>
+          </a:xfrm>
+          <a:prstGeom prst="line">
+            <a:avLst/>
+          </a:prstGeom>
+          <a:ln>
+            <a:solidFill>
+              <a:schemeClr val="tx1"/>
+            </a:solidFill>
+          </a:ln>
+        </p:spPr>
+        <p:style>
+          <a:lnRef idx="1">
+            <a:schemeClr val="accent1"/>
+          </a:lnRef>
+          <a:fillRef idx="0">
+            <a:schemeClr val="accent1"/>
+          </a:fillRef>
+          <a:effectRef idx="0">
+            <a:schemeClr val="accent1"/>
+          </a:effectRef>
+          <a:fontRef idx="minor">
+            <a:schemeClr val="tx1"/>
+          </a:fontRef>
+        </p:style>
+      </p:cxnSp>
+      <p:cxnSp>
+        <p:nvCxnSpPr>
+          <p:cNvPr id="138" name="Straight Connector 137">
+            <a:extLst>
+              <a:ext uri="{FF2B5EF4-FFF2-40B4-BE49-F238E27FC236}">
+                <a16:creationId xmlns:a16="http://schemas.microsoft.com/office/drawing/2014/main" id="{4977307F-C312-1044-977B-1B7C67FF2E3C}"/>
+              </a:ext>
+            </a:extLst>
+          </p:cNvPr>
+          <p:cNvCxnSpPr/>
+          <p:nvPr/>
+        </p:nvCxnSpPr>
+        <p:spPr>
+          <a:xfrm flipV="1">
+            <a:off x="4770000" y="4050000"/>
+            <a:ext cx="0" cy="270000"/>
+          </a:xfrm>
+          <a:prstGeom prst="line">
+            <a:avLst/>
+          </a:prstGeom>
+          <a:ln>
+            <a:solidFill>
+              <a:schemeClr val="tx1"/>
+            </a:solidFill>
+          </a:ln>
+        </p:spPr>
+        <p:style>
+          <a:lnRef idx="1">
+            <a:schemeClr val="accent1"/>
+          </a:lnRef>
+          <a:fillRef idx="0">
+            <a:schemeClr val="accent1"/>
+          </a:fillRef>
+          <a:effectRef idx="0">
+            <a:schemeClr val="accent1"/>
+          </a:effectRef>
+          <a:fontRef idx="minor">
+            <a:schemeClr val="tx1"/>
+          </a:fontRef>
+        </p:style>
+      </p:cxnSp>
+      <p:cxnSp>
+        <p:nvCxnSpPr>
+          <p:cNvPr id="146" name="Elbow Connector 145">
+            <a:extLst>
+              <a:ext uri="{FF2B5EF4-FFF2-40B4-BE49-F238E27FC236}">
+                <a16:creationId xmlns:a16="http://schemas.microsoft.com/office/drawing/2014/main" id="{1739E42A-0600-0447-82C0-7EA393CE26EA}"/>
+              </a:ext>
+            </a:extLst>
+          </p:cNvPr>
+          <p:cNvCxnSpPr>
+            <a:cxnSpLocks/>
+            <a:stCxn id="72" idx="3"/>
+          </p:cNvCxnSpPr>
+          <p:nvPr/>
+        </p:nvCxnSpPr>
+        <p:spPr>
+          <a:xfrm>
+            <a:off x="3420000" y="-1350000"/>
+            <a:ext cx="270000" cy="5400000"/>
+          </a:xfrm>
+          <a:prstGeom prst="bentConnector2">
+            <a:avLst/>
+          </a:prstGeom>
+          <a:ln>
+            <a:solidFill>
+              <a:schemeClr val="tx1"/>
+            </a:solidFill>
+          </a:ln>
+        </p:spPr>
+        <p:style>
+          <a:lnRef idx="1">
+            <a:schemeClr val="accent1"/>
+          </a:lnRef>
+          <a:fillRef idx="0">
+            <a:schemeClr val="accent1"/>
+          </a:fillRef>
+          <a:effectRef idx="0">
+            <a:schemeClr val="accent1"/>
+          </a:effectRef>
+          <a:fontRef idx="minor">
+            <a:schemeClr val="tx1"/>
+          </a:fontRef>
+        </p:style>
+      </p:cxnSp>
+      <p:cxnSp>
+        <p:nvCxnSpPr>
+          <p:cNvPr id="148" name="Straight Arrow Connector 147">
+            <a:extLst>
+              <a:ext uri="{FF2B5EF4-FFF2-40B4-BE49-F238E27FC236}">
+                <a16:creationId xmlns:a16="http://schemas.microsoft.com/office/drawing/2014/main" id="{D053AED1-F628-C04E-A48D-5885089E7DF1}"/>
+              </a:ext>
+            </a:extLst>
+          </p:cNvPr>
+          <p:cNvCxnSpPr>
+            <a:stCxn id="81" idx="0"/>
+            <a:endCxn id="2" idx="2"/>
+          </p:cNvCxnSpPr>
+          <p:nvPr/>
+        </p:nvCxnSpPr>
+        <p:spPr>
+          <a:xfrm flipV="1">
+            <a:off x="6930000" y="3780000"/>
+            <a:ext cx="0" cy="540000"/>
+          </a:xfrm>
+          <a:prstGeom prst="straightConnector1">
+            <a:avLst/>
+          </a:prstGeom>
+          <a:ln>
+            <a:solidFill>
+              <a:schemeClr val="tx1"/>
+            </a:solidFill>
+            <a:tailEnd type="triangle"/>
+          </a:ln>
+        </p:spPr>
+        <p:style>
+          <a:lnRef idx="1">
+            <a:schemeClr val="accent1"/>
+          </a:lnRef>
+          <a:fillRef idx="0">
+            <a:schemeClr val="accent1"/>
+          </a:fillRef>
+          <a:effectRef idx="0">
+            <a:schemeClr val="accent1"/>
+          </a:effectRef>
+          <a:fontRef idx="minor">
+            <a:schemeClr val="tx1"/>
+          </a:fontRef>
+        </p:style>
+      </p:cxnSp>
+      <p:cxnSp>
+        <p:nvCxnSpPr>
+          <p:cNvPr id="149" name="Elbow Connector 148">
+            <a:extLst>
+              <a:ext uri="{FF2B5EF4-FFF2-40B4-BE49-F238E27FC236}">
+                <a16:creationId xmlns:a16="http://schemas.microsoft.com/office/drawing/2014/main" id="{B5E41ED4-A1B5-A84F-9284-9376DD256005}"/>
+              </a:ext>
+            </a:extLst>
+          </p:cNvPr>
+          <p:cNvCxnSpPr>
+            <a:cxnSpLocks/>
+            <a:stCxn id="64" idx="3"/>
+          </p:cNvCxnSpPr>
+          <p:nvPr/>
+        </p:nvCxnSpPr>
+        <p:spPr>
+          <a:xfrm>
+            <a:off x="5580000" y="-1350000"/>
+            <a:ext cx="270000" cy="5401373"/>
+          </a:xfrm>
+          <a:prstGeom prst="bentConnector2">
+            <a:avLst/>
+          </a:prstGeom>
+          <a:ln>
+            <a:solidFill>
+              <a:schemeClr val="tx1"/>
+            </a:solidFill>
+          </a:ln>
+        </p:spPr>
+        <p:style>
+          <a:lnRef idx="1">
+            <a:schemeClr val="accent1"/>
+          </a:lnRef>
+          <a:fillRef idx="0">
+            <a:schemeClr val="accent1"/>
+          </a:fillRef>
+          <a:effectRef idx="0">
+            <a:schemeClr val="accent1"/>
+          </a:effectRef>
+          <a:fontRef idx="minor">
+            <a:schemeClr val="tx1"/>
+          </a:fontRef>
+        </p:style>
+      </p:cxnSp>
+      <p:cxnSp>
+        <p:nvCxnSpPr>
+          <p:cNvPr id="151" name="Elbow Connector 150">
+            <a:extLst>
+              <a:ext uri="{FF2B5EF4-FFF2-40B4-BE49-F238E27FC236}">
+                <a16:creationId xmlns:a16="http://schemas.microsoft.com/office/drawing/2014/main" id="{E095E9E0-278E-F54B-B8EF-CFEBFF909C8B}"/>
+              </a:ext>
+            </a:extLst>
+          </p:cNvPr>
+          <p:cNvCxnSpPr>
+            <a:cxnSpLocks/>
+          </p:cNvCxnSpPr>
+          <p:nvPr/>
+        </p:nvCxnSpPr>
+        <p:spPr>
+          <a:xfrm rot="5400000" flipH="1" flipV="1">
+            <a:off x="3556800" y="946800"/>
+            <a:ext cx="270000" cy="6480000"/>
+          </a:xfrm>
+          <a:prstGeom prst="bentConnector2">
+            <a:avLst/>
+          </a:prstGeom>
+          <a:ln>
+            <a:solidFill>
+              <a:schemeClr val="tx1"/>
+            </a:solidFill>
+          </a:ln>
+        </p:spPr>
+        <p:style>
+          <a:lnRef idx="1">
+            <a:schemeClr val="accent1"/>
+          </a:lnRef>
+          <a:fillRef idx="0">
+            <a:schemeClr val="accent1"/>
+          </a:fillRef>
+          <a:effectRef idx="0">
+            <a:schemeClr val="accent1"/>
+          </a:effectRef>
+          <a:fontRef idx="minor">
+            <a:schemeClr val="tx1"/>
+          </a:fontRef>
+        </p:style>
+      </p:cxnSp>
+      <p:cxnSp>
+        <p:nvCxnSpPr>
+          <p:cNvPr id="153" name="Straight Arrow Connector 152">
+            <a:extLst>
+              <a:ext uri="{FF2B5EF4-FFF2-40B4-BE49-F238E27FC236}">
+                <a16:creationId xmlns:a16="http://schemas.microsoft.com/office/drawing/2014/main" id="{1C49FEB3-24C3-034C-933C-96EB69D6BA4F}"/>
+              </a:ext>
+            </a:extLst>
+          </p:cNvPr>
+          <p:cNvCxnSpPr>
+            <a:cxnSpLocks/>
+            <a:stCxn id="99" idx="0"/>
+            <a:endCxn id="102" idx="2"/>
+          </p:cNvCxnSpPr>
+          <p:nvPr/>
+        </p:nvCxnSpPr>
+        <p:spPr>
+          <a:xfrm flipV="1">
+            <a:off x="2610000" y="540000"/>
+            <a:ext cx="0" cy="540000"/>
+          </a:xfrm>
+          <a:prstGeom prst="straightConnector1">
+            <a:avLst/>
+          </a:prstGeom>
+          <a:ln>
+            <a:solidFill>
+              <a:schemeClr val="bg1">
+                <a:lumMod val="75000"/>
+              </a:schemeClr>
+            </a:solidFill>
+            <a:tailEnd type="triangle"/>
+          </a:ln>
+        </p:spPr>
+        <p:style>
+          <a:lnRef idx="1">
+            <a:schemeClr val="accent1"/>
+          </a:lnRef>
+          <a:fillRef idx="0">
+            <a:schemeClr val="accent1"/>
+          </a:fillRef>
+          <a:effectRef idx="0">
+            <a:schemeClr val="accent1"/>
+          </a:effectRef>
+          <a:fontRef idx="minor">
+            <a:schemeClr val="tx1"/>
+          </a:fontRef>
+        </p:style>
+      </p:cxnSp>
+      <p:cxnSp>
+        <p:nvCxnSpPr>
+          <p:cNvPr id="155" name="Straight Arrow Connector 154">
+            <a:extLst>
+              <a:ext uri="{FF2B5EF4-FFF2-40B4-BE49-F238E27FC236}">
+                <a16:creationId xmlns:a16="http://schemas.microsoft.com/office/drawing/2014/main" id="{B8E6CF06-E3B1-D842-9699-0EB3D41AB2C4}"/>
+              </a:ext>
+            </a:extLst>
+          </p:cNvPr>
+          <p:cNvCxnSpPr>
+            <a:cxnSpLocks/>
+            <a:stCxn id="104" idx="0"/>
+            <a:endCxn id="64" idx="2"/>
+          </p:cNvCxnSpPr>
+          <p:nvPr/>
+        </p:nvCxnSpPr>
+        <p:spPr>
+          <a:xfrm flipV="1">
+            <a:off x="4770000" y="-540000"/>
+            <a:ext cx="0" cy="540000"/>
+          </a:xfrm>
+          <a:prstGeom prst="straightConnector1">
+            <a:avLst/>
+          </a:prstGeom>
+          <a:ln>
+            <a:solidFill>
+              <a:schemeClr val="bg1">
+                <a:lumMod val="75000"/>
+              </a:schemeClr>
+            </a:solidFill>
+            <a:tailEnd type="triangle"/>
+          </a:ln>
+        </p:spPr>
+        <p:style>
+          <a:lnRef idx="1">
+            <a:schemeClr val="accent1"/>
+          </a:lnRef>
+          <a:fillRef idx="0">
+            <a:schemeClr val="accent1"/>
+          </a:fillRef>
+          <a:effectRef idx="0">
+            <a:schemeClr val="accent1"/>
+          </a:effectRef>
+          <a:fontRef idx="minor">
+            <a:schemeClr val="tx1"/>
+          </a:fontRef>
+        </p:style>
+      </p:cxnSp>
+      <p:cxnSp>
+        <p:nvCxnSpPr>
+          <p:cNvPr id="157" name="Straight Arrow Connector 156">
+            <a:extLst>
+              <a:ext uri="{FF2B5EF4-FFF2-40B4-BE49-F238E27FC236}">
+                <a16:creationId xmlns:a16="http://schemas.microsoft.com/office/drawing/2014/main" id="{5918B81F-C6CF-0646-96A0-81D44832995D}"/>
+              </a:ext>
+            </a:extLst>
+          </p:cNvPr>
+          <p:cNvCxnSpPr>
+            <a:cxnSpLocks/>
+            <a:stCxn id="97" idx="0"/>
+            <a:endCxn id="108" idx="2"/>
+          </p:cNvCxnSpPr>
+          <p:nvPr/>
+        </p:nvCxnSpPr>
+        <p:spPr>
+          <a:xfrm flipV="1">
+            <a:off x="6930000" y="540000"/>
+            <a:ext cx="0" cy="540000"/>
+          </a:xfrm>
+          <a:prstGeom prst="straightConnector1">
+            <a:avLst/>
+          </a:prstGeom>
+          <a:ln>
+            <a:solidFill>
+              <a:schemeClr val="tx1"/>
+            </a:solidFill>
+            <a:tailEnd type="triangle"/>
+          </a:ln>
+        </p:spPr>
+        <p:style>
+          <a:lnRef idx="1">
+            <a:schemeClr val="accent1"/>
+          </a:lnRef>
+          <a:fillRef idx="0">
+            <a:schemeClr val="accent1"/>
+          </a:fillRef>
+          <a:effectRef idx="0">
+            <a:schemeClr val="accent1"/>
+          </a:effectRef>
+          <a:fontRef idx="minor">
+            <a:schemeClr val="tx1"/>
+          </a:fontRef>
+        </p:style>
+      </p:cxnSp>
+      <p:sp>
+        <p:nvSpPr>
+          <p:cNvPr id="158" name="TextBox 157">
+            <a:extLst>
+              <a:ext uri="{FF2B5EF4-FFF2-40B4-BE49-F238E27FC236}">
+                <a16:creationId xmlns:a16="http://schemas.microsoft.com/office/drawing/2014/main" id="{99DD8A1A-87A4-894C-89B1-A9E5669C04A4}"/>
+              </a:ext>
+            </a:extLst>
+          </p:cNvPr>
+          <p:cNvSpPr txBox="1"/>
+          <p:nvPr/>
+        </p:nvSpPr>
+        <p:spPr>
+          <a:xfrm>
+            <a:off x="6947447" y="3745097"/>
+            <a:ext cx="1351652" cy="646331"/>
+          </a:xfrm>
+          <a:prstGeom prst="rect">
+            <a:avLst/>
+          </a:prstGeom>
+          <a:noFill/>
+          <a:ln>
+            <a:noFill/>
+          </a:ln>
+        </p:spPr>
+        <p:txBody>
+          <a:bodyPr wrap="none" rtlCol="0">
+            <a:spAutoFit/>
+          </a:bodyPr>
+          <a:lstStyle/>
+          <a:p>
+            <a:pPr algn="ctr"/>
+            <a:r>
+              <a:rPr lang="en-US" i="1" dirty="0" err="1">
+                <a:latin typeface="Times" pitchFamily="2" charset="0"/>
+                <a:cs typeface="Arial" panose="020B0604020202020204" pitchFamily="34" charset="0"/>
+              </a:rPr>
+              <a:t>x</a:t>
+            </a:r>
+            <a:r>
+              <a:rPr lang="en-US" i="1" baseline="-25000" dirty="0" err="1">
+                <a:latin typeface="Times" pitchFamily="2" charset="0"/>
+                <a:cs typeface="Arial" panose="020B0604020202020204" pitchFamily="34" charset="0"/>
+              </a:rPr>
+              <a:t>t</a:t>
+            </a:r>
+            <a:endParaRPr lang="en-US" i="1" dirty="0">
+              <a:latin typeface="Arial" panose="020B0604020202020204" pitchFamily="34" charset="0"/>
+              <a:cs typeface="Arial" panose="020B0604020202020204" pitchFamily="34" charset="0"/>
+            </a:endParaRPr>
+          </a:p>
+          <a:p>
+            <a:pPr algn="ctr"/>
+            <a:r>
+              <a:rPr lang="en-US" dirty="0">
+                <a:latin typeface="Arial" panose="020B0604020202020204" pitchFamily="34" charset="0"/>
+                <a:cs typeface="Arial" panose="020B0604020202020204" pitchFamily="34" charset="0"/>
+              </a:rPr>
+              <a:t>28×28×133</a:t>
+            </a:r>
+          </a:p>
+        </p:txBody>
+      </p:sp>
+      <p:cxnSp>
+        <p:nvCxnSpPr>
+          <p:cNvPr id="159" name="Straight Arrow Connector 158">
+            <a:extLst>
+              <a:ext uri="{FF2B5EF4-FFF2-40B4-BE49-F238E27FC236}">
+                <a16:creationId xmlns:a16="http://schemas.microsoft.com/office/drawing/2014/main" id="{F3AC1792-98F2-6143-B9BD-DA569450152F}"/>
+              </a:ext>
+            </a:extLst>
+          </p:cNvPr>
+          <p:cNvCxnSpPr>
+            <a:cxnSpLocks/>
+            <a:endCxn id="90" idx="2"/>
+          </p:cNvCxnSpPr>
+          <p:nvPr/>
+        </p:nvCxnSpPr>
+        <p:spPr>
+          <a:xfrm flipV="1">
+            <a:off x="9090000" y="3780000"/>
+            <a:ext cx="0" cy="540000"/>
+          </a:xfrm>
+          <a:prstGeom prst="straightConnector1">
+            <a:avLst/>
+          </a:prstGeom>
+          <a:ln>
+            <a:solidFill>
+              <a:schemeClr val="bg1">
+                <a:lumMod val="75000"/>
+              </a:schemeClr>
+            </a:solidFill>
+            <a:tailEnd type="triangle"/>
+          </a:ln>
+        </p:spPr>
+        <p:style>
+          <a:lnRef idx="1">
+            <a:schemeClr val="accent1"/>
+          </a:lnRef>
+          <a:fillRef idx="0">
+            <a:schemeClr val="accent1"/>
+          </a:fillRef>
+          <a:effectRef idx="0">
+            <a:schemeClr val="accent1"/>
+          </a:effectRef>
+          <a:fontRef idx="minor">
+            <a:schemeClr val="tx1"/>
+          </a:fontRef>
+        </p:style>
+      </p:cxnSp>
+      <p:sp>
+        <p:nvSpPr>
+          <p:cNvPr id="163" name="Rectangle 162">
+            <a:extLst>
+              <a:ext uri="{FF2B5EF4-FFF2-40B4-BE49-F238E27FC236}">
+                <a16:creationId xmlns:a16="http://schemas.microsoft.com/office/drawing/2014/main" id="{F4C5AC19-85CA-A943-9B13-1C93CBBCD439}"/>
+              </a:ext>
+            </a:extLst>
+          </p:cNvPr>
+          <p:cNvSpPr>
+            <a:spLocks/>
+          </p:cNvSpPr>
+          <p:nvPr/>
+        </p:nvSpPr>
+        <p:spPr>
+          <a:xfrm>
+            <a:off x="10438200" y="2160000"/>
+            <a:ext cx="540000" cy="540000"/>
+          </a:xfrm>
+          <a:prstGeom prst="rect">
+            <a:avLst/>
+          </a:prstGeom>
+          <a:noFill/>
+          <a:ln>
+            <a:noFill/>
+          </a:ln>
+        </p:spPr>
+        <p:style>
+          <a:lnRef idx="2">
+            <a:schemeClr val="dk1"/>
+          </a:lnRef>
+          <a:fillRef idx="1">
+            <a:schemeClr val="lt1"/>
+          </a:fillRef>
+          <a:effectRef idx="0">
+            <a:schemeClr val="dk1"/>
+          </a:effectRef>
+          <a:fontRef idx="minor">
+            <a:schemeClr val="dk1"/>
+          </a:fontRef>
+        </p:style>
+        <p:txBody>
+          <a:bodyPr rtlCol="0" anchor="ctr"/>
+          <a:lstStyle/>
+          <a:p>
+            <a:pPr algn="ctr"/>
+            <a:r>
+              <a:rPr lang="en-US" dirty="0">
+                <a:latin typeface="Arial" panose="020B0604020202020204" pitchFamily="34" charset="0"/>
+                <a:cs typeface="Arial" panose="020B0604020202020204" pitchFamily="34" charset="0"/>
+              </a:rPr>
+              <a:t>···</a:t>
+            </a:r>
+            <a:endParaRPr lang="en-US" baseline="30000" dirty="0">
+              <a:latin typeface="Arial" panose="020B0604020202020204" pitchFamily="34" charset="0"/>
+              <a:cs typeface="Arial" panose="020B0604020202020204" pitchFamily="34" charset="0"/>
+            </a:endParaRPr>
+          </a:p>
+        </p:txBody>
+      </p:sp>
+      <p:cxnSp>
+        <p:nvCxnSpPr>
+          <p:cNvPr id="164" name="Straight Arrow Connector 163">
+            <a:extLst>
+              <a:ext uri="{FF2B5EF4-FFF2-40B4-BE49-F238E27FC236}">
+                <a16:creationId xmlns:a16="http://schemas.microsoft.com/office/drawing/2014/main" id="{1588BE13-0F07-7F44-B595-A6F0F5637088}"/>
+              </a:ext>
+            </a:extLst>
+          </p:cNvPr>
+          <p:cNvCxnSpPr/>
+          <p:nvPr/>
+        </p:nvCxnSpPr>
+        <p:spPr>
+          <a:xfrm flipV="1">
+            <a:off x="9090000" y="540000"/>
+            <a:ext cx="0" cy="540000"/>
+          </a:xfrm>
+          <a:prstGeom prst="straightConnector1">
+            <a:avLst/>
+          </a:prstGeom>
+          <a:ln>
+            <a:solidFill>
+              <a:schemeClr val="bg1">
+                <a:lumMod val="75000"/>
+              </a:schemeClr>
+            </a:solidFill>
+            <a:tailEnd type="triangle"/>
+          </a:ln>
+        </p:spPr>
+        <p:style>
+          <a:lnRef idx="1">
+            <a:schemeClr val="accent1"/>
+          </a:lnRef>
+          <a:fillRef idx="0">
+            <a:schemeClr val="accent1"/>
+          </a:fillRef>
+          <a:effectRef idx="0">
+            <a:schemeClr val="accent1"/>
+          </a:effectRef>
+          <a:fontRef idx="minor">
+            <a:schemeClr val="tx1"/>
+          </a:fontRef>
+        </p:style>
+      </p:cxnSp>
+      <p:sp>
+        <p:nvSpPr>
+          <p:cNvPr id="166" name="Rectangle 165">
+            <a:extLst>
+              <a:ext uri="{FF2B5EF4-FFF2-40B4-BE49-F238E27FC236}">
+                <a16:creationId xmlns:a16="http://schemas.microsoft.com/office/drawing/2014/main" id="{07438EC0-E891-C242-8018-7BF4B66AE1D1}"/>
+              </a:ext>
+            </a:extLst>
+          </p:cNvPr>
+          <p:cNvSpPr>
+            <a:spLocks/>
+          </p:cNvSpPr>
+          <p:nvPr/>
+        </p:nvSpPr>
+        <p:spPr>
+          <a:xfrm>
+            <a:off x="10438200" y="3240000"/>
+            <a:ext cx="540000" cy="540000"/>
+          </a:xfrm>
+          <a:prstGeom prst="rect">
+            <a:avLst/>
+          </a:prstGeom>
+          <a:noFill/>
+          <a:ln>
+            <a:noFill/>
+          </a:ln>
+        </p:spPr>
+        <p:style>
+          <a:lnRef idx="2">
+            <a:schemeClr val="dk1"/>
+          </a:lnRef>
+          <a:fillRef idx="1">
+            <a:schemeClr val="lt1"/>
+          </a:fillRef>
+          <a:effectRef idx="0">
+            <a:schemeClr val="dk1"/>
+          </a:effectRef>
+          <a:fontRef idx="minor">
+            <a:schemeClr val="dk1"/>
+          </a:fontRef>
+        </p:style>
+        <p:txBody>
+          <a:bodyPr rtlCol="0" anchor="ctr"/>
+          <a:lstStyle/>
+          <a:p>
+            <a:pPr algn="ctr"/>
+            <a:r>
+              <a:rPr lang="en-US" dirty="0">
+                <a:latin typeface="Arial" panose="020B0604020202020204" pitchFamily="34" charset="0"/>
+                <a:cs typeface="Arial" panose="020B0604020202020204" pitchFamily="34" charset="0"/>
+              </a:rPr>
+              <a:t>···</a:t>
+            </a:r>
+            <a:endParaRPr lang="en-US" baseline="30000" dirty="0">
+              <a:latin typeface="Arial" panose="020B0604020202020204" pitchFamily="34" charset="0"/>
+              <a:cs typeface="Arial" panose="020B0604020202020204" pitchFamily="34" charset="0"/>
+            </a:endParaRPr>
+          </a:p>
+        </p:txBody>
+      </p:sp>
+      <p:sp>
+        <p:nvSpPr>
+          <p:cNvPr id="167" name="Rectangle 166">
+            <a:extLst>
+              <a:ext uri="{FF2B5EF4-FFF2-40B4-BE49-F238E27FC236}">
+                <a16:creationId xmlns:a16="http://schemas.microsoft.com/office/drawing/2014/main" id="{2B101CEC-28E7-204E-B18F-99DF0BD541D1}"/>
+              </a:ext>
+            </a:extLst>
+          </p:cNvPr>
+          <p:cNvSpPr>
+            <a:spLocks/>
+          </p:cNvSpPr>
+          <p:nvPr/>
+        </p:nvSpPr>
+        <p:spPr>
+          <a:xfrm>
+            <a:off x="10438200" y="1080000"/>
+            <a:ext cx="540000" cy="540000"/>
+          </a:xfrm>
+          <a:prstGeom prst="rect">
+            <a:avLst/>
+          </a:prstGeom>
+          <a:noFill/>
+          <a:ln>
+            <a:noFill/>
+          </a:ln>
+        </p:spPr>
+        <p:style>
+          <a:lnRef idx="2">
+            <a:schemeClr val="dk1"/>
+          </a:lnRef>
+          <a:fillRef idx="1">
+            <a:schemeClr val="lt1"/>
+          </a:fillRef>
+          <a:effectRef idx="0">
+            <a:schemeClr val="dk1"/>
+          </a:effectRef>
+          <a:fontRef idx="minor">
+            <a:schemeClr val="dk1"/>
+          </a:fontRef>
+        </p:style>
+        <p:txBody>
+          <a:bodyPr rtlCol="0" anchor="ctr"/>
+          <a:lstStyle/>
+          <a:p>
+            <a:pPr algn="ctr"/>
+            <a:r>
+              <a:rPr lang="en-US" dirty="0">
+                <a:latin typeface="Arial" panose="020B0604020202020204" pitchFamily="34" charset="0"/>
+                <a:cs typeface="Arial" panose="020B0604020202020204" pitchFamily="34" charset="0"/>
+              </a:rPr>
+              <a:t>···</a:t>
+            </a:r>
+            <a:endParaRPr lang="en-US" baseline="30000" dirty="0">
+              <a:latin typeface="Arial" panose="020B0604020202020204" pitchFamily="34" charset="0"/>
+              <a:cs typeface="Arial" panose="020B0604020202020204" pitchFamily="34" charset="0"/>
+            </a:endParaRPr>
+          </a:p>
+        </p:txBody>
+      </p:sp>
+      <p:sp>
+        <p:nvSpPr>
+          <p:cNvPr id="168" name="Rectangle 167">
+            <a:extLst>
+              <a:ext uri="{FF2B5EF4-FFF2-40B4-BE49-F238E27FC236}">
+                <a16:creationId xmlns:a16="http://schemas.microsoft.com/office/drawing/2014/main" id="{131E6981-B3D8-5A49-9ED6-13D50D47FB5A}"/>
+              </a:ext>
+            </a:extLst>
+          </p:cNvPr>
+          <p:cNvSpPr>
+            <a:spLocks/>
+          </p:cNvSpPr>
+          <p:nvPr/>
+        </p:nvSpPr>
+        <p:spPr>
+          <a:xfrm>
+            <a:off x="720000" y="2160000"/>
+            <a:ext cx="540000" cy="540000"/>
+          </a:xfrm>
+          <a:prstGeom prst="rect">
+            <a:avLst/>
+          </a:prstGeom>
+          <a:noFill/>
+          <a:ln>
+            <a:noFill/>
+          </a:ln>
+        </p:spPr>
+        <p:style>
+          <a:lnRef idx="2">
+            <a:schemeClr val="dk1"/>
+          </a:lnRef>
+          <a:fillRef idx="1">
+            <a:schemeClr val="lt1"/>
+          </a:fillRef>
+          <a:effectRef idx="0">
+            <a:schemeClr val="dk1"/>
+          </a:effectRef>
+          <a:fontRef idx="minor">
+            <a:schemeClr val="dk1"/>
+          </a:fontRef>
+        </p:style>
+        <p:txBody>
+          <a:bodyPr rtlCol="0" anchor="ctr"/>
+          <a:lstStyle/>
+          <a:p>
+            <a:pPr algn="ctr"/>
+            <a:r>
+              <a:rPr lang="en-US" dirty="0">
+                <a:latin typeface="Arial" panose="020B0604020202020204" pitchFamily="34" charset="0"/>
+                <a:cs typeface="Arial" panose="020B0604020202020204" pitchFamily="34" charset="0"/>
+              </a:rPr>
+              <a:t>···</a:t>
+            </a:r>
+            <a:endParaRPr lang="en-US" baseline="30000" dirty="0">
+              <a:latin typeface="Arial" panose="020B0604020202020204" pitchFamily="34" charset="0"/>
+              <a:cs typeface="Arial" panose="020B0604020202020204" pitchFamily="34" charset="0"/>
+            </a:endParaRPr>
+          </a:p>
+        </p:txBody>
+      </p:sp>
+      <p:sp>
+        <p:nvSpPr>
+          <p:cNvPr id="169" name="Rectangle 168">
+            <a:extLst>
+              <a:ext uri="{FF2B5EF4-FFF2-40B4-BE49-F238E27FC236}">
+                <a16:creationId xmlns:a16="http://schemas.microsoft.com/office/drawing/2014/main" id="{31DA304B-198E-514F-9FDE-87D30C7ED24B}"/>
+              </a:ext>
+            </a:extLst>
+          </p:cNvPr>
+          <p:cNvSpPr>
+            <a:spLocks/>
+          </p:cNvSpPr>
+          <p:nvPr/>
+        </p:nvSpPr>
+        <p:spPr>
+          <a:xfrm>
+            <a:off x="720000" y="3240000"/>
+            <a:ext cx="540000" cy="540000"/>
+          </a:xfrm>
+          <a:prstGeom prst="rect">
+            <a:avLst/>
+          </a:prstGeom>
+          <a:noFill/>
+          <a:ln>
+            <a:noFill/>
+          </a:ln>
+        </p:spPr>
+        <p:style>
+          <a:lnRef idx="2">
+            <a:schemeClr val="dk1"/>
+          </a:lnRef>
+          <a:fillRef idx="1">
+            <a:schemeClr val="lt1"/>
+          </a:fillRef>
+          <a:effectRef idx="0">
+            <a:schemeClr val="dk1"/>
+          </a:effectRef>
+          <a:fontRef idx="minor">
+            <a:schemeClr val="dk1"/>
+          </a:fontRef>
+        </p:style>
+        <p:txBody>
+          <a:bodyPr rtlCol="0" anchor="ctr"/>
+          <a:lstStyle/>
+          <a:p>
+            <a:pPr algn="ctr"/>
+            <a:r>
+              <a:rPr lang="en-US" dirty="0">
+                <a:latin typeface="Arial" panose="020B0604020202020204" pitchFamily="34" charset="0"/>
+                <a:cs typeface="Arial" panose="020B0604020202020204" pitchFamily="34" charset="0"/>
+              </a:rPr>
+              <a:t>···</a:t>
+            </a:r>
+            <a:endParaRPr lang="en-US" baseline="30000" dirty="0">
+              <a:latin typeface="Arial" panose="020B0604020202020204" pitchFamily="34" charset="0"/>
+              <a:cs typeface="Arial" panose="020B0604020202020204" pitchFamily="34" charset="0"/>
+            </a:endParaRPr>
+          </a:p>
+        </p:txBody>
+      </p:sp>
+      <p:sp>
+        <p:nvSpPr>
+          <p:cNvPr id="170" name="Rectangle 169">
+            <a:extLst>
+              <a:ext uri="{FF2B5EF4-FFF2-40B4-BE49-F238E27FC236}">
+                <a16:creationId xmlns:a16="http://schemas.microsoft.com/office/drawing/2014/main" id="{63025025-F16F-F54D-929F-F1CB32FAC5E1}"/>
+              </a:ext>
+            </a:extLst>
+          </p:cNvPr>
+          <p:cNvSpPr>
+            <a:spLocks/>
+          </p:cNvSpPr>
+          <p:nvPr/>
+        </p:nvSpPr>
+        <p:spPr>
+          <a:xfrm>
+            <a:off x="720000" y="1080000"/>
+            <a:ext cx="540000" cy="540000"/>
+          </a:xfrm>
+          <a:prstGeom prst="rect">
+            <a:avLst/>
+          </a:prstGeom>
+          <a:noFill/>
+          <a:ln>
+            <a:noFill/>
+          </a:ln>
+        </p:spPr>
+        <p:style>
+          <a:lnRef idx="2">
+            <a:schemeClr val="dk1"/>
+          </a:lnRef>
+          <a:fillRef idx="1">
+            <a:schemeClr val="lt1"/>
+          </a:fillRef>
+          <a:effectRef idx="0">
+            <a:schemeClr val="dk1"/>
+          </a:effectRef>
+          <a:fontRef idx="minor">
+            <a:schemeClr val="dk1"/>
+          </a:fontRef>
+        </p:style>
+        <p:txBody>
+          <a:bodyPr rtlCol="0" anchor="ctr"/>
+          <a:lstStyle/>
+          <a:p>
+            <a:pPr algn="ctr"/>
+            <a:r>
+              <a:rPr lang="en-US" dirty="0">
+                <a:latin typeface="Arial" panose="020B0604020202020204" pitchFamily="34" charset="0"/>
+                <a:cs typeface="Arial" panose="020B0604020202020204" pitchFamily="34" charset="0"/>
+              </a:rPr>
+              <a:t>···</a:t>
+            </a:r>
+            <a:endParaRPr lang="en-US" baseline="30000" dirty="0">
+              <a:latin typeface="Arial" panose="020B0604020202020204" pitchFamily="34" charset="0"/>
+              <a:cs typeface="Arial" panose="020B0604020202020204" pitchFamily="34" charset="0"/>
+            </a:endParaRPr>
+          </a:p>
+        </p:txBody>
+      </p:sp>
+      <p:cxnSp>
+        <p:nvCxnSpPr>
+          <p:cNvPr id="172" name="Straight Arrow Connector 171">
+            <a:extLst>
+              <a:ext uri="{FF2B5EF4-FFF2-40B4-BE49-F238E27FC236}">
+                <a16:creationId xmlns:a16="http://schemas.microsoft.com/office/drawing/2014/main" id="{BDD2560E-97D8-944C-84EE-C85F1F1CDDF0}"/>
+              </a:ext>
+            </a:extLst>
+          </p:cNvPr>
+          <p:cNvCxnSpPr>
+            <a:stCxn id="168" idx="3"/>
+            <a:endCxn id="89" idx="1"/>
+          </p:cNvCxnSpPr>
+          <p:nvPr/>
+        </p:nvCxnSpPr>
+        <p:spPr>
+          <a:xfrm>
+            <a:off x="1260000" y="2430000"/>
+            <a:ext cx="540000" cy="0"/>
+          </a:xfrm>
+          <a:prstGeom prst="straightConnector1">
+            <a:avLst/>
+          </a:prstGeom>
+          <a:ln>
+            <a:solidFill>
+              <a:schemeClr val="bg1">
+                <a:lumMod val="75000"/>
+              </a:schemeClr>
+            </a:solidFill>
+            <a:tailEnd type="triangle"/>
+          </a:ln>
+        </p:spPr>
+        <p:style>
+          <a:lnRef idx="1">
+            <a:schemeClr val="accent1"/>
+          </a:lnRef>
+          <a:fillRef idx="0">
+            <a:schemeClr val="accent1"/>
+          </a:fillRef>
+          <a:effectRef idx="0">
+            <a:schemeClr val="accent1"/>
+          </a:effectRef>
+          <a:fontRef idx="minor">
+            <a:schemeClr val="tx1"/>
+          </a:fontRef>
+        </p:style>
+      </p:cxnSp>
+      <p:cxnSp>
+        <p:nvCxnSpPr>
+          <p:cNvPr id="173" name="Straight Arrow Connector 172">
+            <a:extLst>
+              <a:ext uri="{FF2B5EF4-FFF2-40B4-BE49-F238E27FC236}">
+                <a16:creationId xmlns:a16="http://schemas.microsoft.com/office/drawing/2014/main" id="{5F26BD98-DF78-FA46-B6E4-09BEE109B7B6}"/>
+              </a:ext>
+            </a:extLst>
+          </p:cNvPr>
+          <p:cNvCxnSpPr>
+            <a:cxnSpLocks/>
+            <a:stCxn id="169" idx="3"/>
+            <a:endCxn id="88" idx="1"/>
+          </p:cNvCxnSpPr>
+          <p:nvPr/>
+        </p:nvCxnSpPr>
+        <p:spPr>
+          <a:xfrm>
+            <a:off x="1260000" y="3510000"/>
+            <a:ext cx="540000" cy="0"/>
+          </a:xfrm>
+          <a:prstGeom prst="straightConnector1">
+            <a:avLst/>
+          </a:prstGeom>
+          <a:ln>
+            <a:solidFill>
+              <a:schemeClr val="bg1">
+                <a:lumMod val="75000"/>
+              </a:schemeClr>
+            </a:solidFill>
+            <a:tailEnd type="triangle"/>
+          </a:ln>
+        </p:spPr>
+        <p:style>
+          <a:lnRef idx="1">
+            <a:schemeClr val="accent1"/>
+          </a:lnRef>
+          <a:fillRef idx="0">
+            <a:schemeClr val="accent1"/>
+          </a:fillRef>
+          <a:effectRef idx="0">
+            <a:schemeClr val="accent1"/>
+          </a:effectRef>
+          <a:fontRef idx="minor">
+            <a:schemeClr val="tx1"/>
+          </a:fontRef>
+        </p:style>
+      </p:cxnSp>
+      <p:cxnSp>
+        <p:nvCxnSpPr>
+          <p:cNvPr id="176" name="Straight Arrow Connector 175">
+            <a:extLst>
+              <a:ext uri="{FF2B5EF4-FFF2-40B4-BE49-F238E27FC236}">
+                <a16:creationId xmlns:a16="http://schemas.microsoft.com/office/drawing/2014/main" id="{EF797BD4-2B8B-AD48-97CD-3B80E495050F}"/>
+              </a:ext>
+            </a:extLst>
+          </p:cNvPr>
+          <p:cNvCxnSpPr>
+            <a:cxnSpLocks/>
+            <a:stCxn id="91" idx="3"/>
+            <a:endCxn id="163" idx="1"/>
+          </p:cNvCxnSpPr>
+          <p:nvPr/>
+        </p:nvCxnSpPr>
+        <p:spPr>
+          <a:xfrm>
+            <a:off x="9900000" y="2430000"/>
+            <a:ext cx="538200" cy="0"/>
+          </a:xfrm>
+          <a:prstGeom prst="straightConnector1">
+            <a:avLst/>
+          </a:prstGeom>
+          <a:ln>
+            <a:solidFill>
+              <a:schemeClr val="bg1">
+                <a:lumMod val="75000"/>
+              </a:schemeClr>
+            </a:solidFill>
+            <a:tailEnd type="triangle"/>
+          </a:ln>
+        </p:spPr>
+        <p:style>
+          <a:lnRef idx="1">
+            <a:schemeClr val="accent1"/>
+          </a:lnRef>
+          <a:fillRef idx="0">
+            <a:schemeClr val="accent1"/>
+          </a:fillRef>
+          <a:effectRef idx="0">
+            <a:schemeClr val="accent1"/>
+          </a:effectRef>
+          <a:fontRef idx="minor">
+            <a:schemeClr val="tx1"/>
+          </a:fontRef>
+        </p:style>
+      </p:cxnSp>
+      <p:cxnSp>
+        <p:nvCxnSpPr>
+          <p:cNvPr id="179" name="Straight Arrow Connector 178">
+            <a:extLst>
+              <a:ext uri="{FF2B5EF4-FFF2-40B4-BE49-F238E27FC236}">
+                <a16:creationId xmlns:a16="http://schemas.microsoft.com/office/drawing/2014/main" id="{73500278-DEAA-C849-926D-E3047F829979}"/>
+              </a:ext>
+            </a:extLst>
+          </p:cNvPr>
+          <p:cNvCxnSpPr>
+            <a:cxnSpLocks/>
+            <a:stCxn id="90" idx="3"/>
+            <a:endCxn id="166" idx="1"/>
+          </p:cNvCxnSpPr>
+          <p:nvPr/>
+        </p:nvCxnSpPr>
+        <p:spPr>
+          <a:xfrm>
+            <a:off x="9900000" y="3510000"/>
+            <a:ext cx="538200" cy="0"/>
+          </a:xfrm>
+          <a:prstGeom prst="straightConnector1">
+            <a:avLst/>
+          </a:prstGeom>
+          <a:ln>
+            <a:solidFill>
+              <a:schemeClr val="bg1">
+                <a:lumMod val="75000"/>
+              </a:schemeClr>
+            </a:solidFill>
+            <a:tailEnd type="triangle"/>
+          </a:ln>
+        </p:spPr>
+        <p:style>
+          <a:lnRef idx="1">
+            <a:schemeClr val="accent1"/>
+          </a:lnRef>
+          <a:fillRef idx="0">
+            <a:schemeClr val="accent1"/>
+          </a:fillRef>
+          <a:effectRef idx="0">
+            <a:schemeClr val="accent1"/>
+          </a:effectRef>
+          <a:fontRef idx="minor">
+            <a:schemeClr val="tx1"/>
+          </a:fontRef>
+        </p:style>
+      </p:cxnSp>
+      <p:sp>
+        <p:nvSpPr>
+          <p:cNvPr id="182" name="TextBox 181">
+            <a:extLst>
+              <a:ext uri="{FF2B5EF4-FFF2-40B4-BE49-F238E27FC236}">
+                <a16:creationId xmlns:a16="http://schemas.microsoft.com/office/drawing/2014/main" id="{C72D38E9-8FCF-504A-9BFD-7EC01FE4A694}"/>
+              </a:ext>
+            </a:extLst>
+          </p:cNvPr>
+          <p:cNvSpPr txBox="1"/>
+          <p:nvPr/>
+        </p:nvSpPr>
+        <p:spPr>
+          <a:xfrm>
+            <a:off x="7011567" y="2664110"/>
+            <a:ext cx="1223412" cy="646331"/>
+          </a:xfrm>
+          <a:prstGeom prst="rect">
+            <a:avLst/>
+          </a:prstGeom>
+          <a:noFill/>
+          <a:ln>
+            <a:noFill/>
+          </a:ln>
+        </p:spPr>
+        <p:txBody>
+          <a:bodyPr wrap="none" rtlCol="0">
+            <a:spAutoFit/>
+          </a:bodyPr>
+          <a:lstStyle/>
+          <a:p>
+            <a:pPr algn="ctr"/>
+            <a:r>
+              <a:rPr lang="en-US" i="1" dirty="0" err="1">
+                <a:latin typeface="Times" pitchFamily="2" charset="0"/>
+                <a:cs typeface="Arial" panose="020B0604020202020204" pitchFamily="34" charset="0"/>
+              </a:rPr>
+              <a:t>h</a:t>
+            </a:r>
+            <a:r>
+              <a:rPr lang="en-US" i="1" baseline="-25000" dirty="0" err="1">
+                <a:latin typeface="Times" pitchFamily="2" charset="0"/>
+                <a:cs typeface="Arial" panose="020B0604020202020204" pitchFamily="34" charset="0"/>
+              </a:rPr>
+              <a:t>t</a:t>
+            </a:r>
+            <a:r>
+              <a:rPr lang="en-US" baseline="30000" dirty="0">
+                <a:latin typeface="Times" pitchFamily="2" charset="0"/>
+                <a:cs typeface="Arial" panose="020B0604020202020204" pitchFamily="34" charset="0"/>
+              </a:rPr>
+              <a:t>(1)</a:t>
+            </a:r>
+            <a:endParaRPr lang="en-US" baseline="30000" dirty="0">
+              <a:latin typeface="Arial" panose="020B0604020202020204" pitchFamily="34" charset="0"/>
+              <a:cs typeface="Arial" panose="020B0604020202020204" pitchFamily="34" charset="0"/>
+            </a:endParaRPr>
+          </a:p>
+          <a:p>
+            <a:pPr algn="ctr"/>
+            <a:r>
+              <a:rPr lang="en-US" dirty="0">
+                <a:latin typeface="Arial" panose="020B0604020202020204" pitchFamily="34" charset="0"/>
+                <a:cs typeface="Arial" panose="020B0604020202020204" pitchFamily="34" charset="0"/>
+              </a:rPr>
+              <a:t>28×28×16</a:t>
+            </a:r>
+          </a:p>
+        </p:txBody>
+      </p:sp>
+      <p:sp>
+        <p:nvSpPr>
+          <p:cNvPr id="183" name="TextBox 182">
+            <a:extLst>
+              <a:ext uri="{FF2B5EF4-FFF2-40B4-BE49-F238E27FC236}">
+                <a16:creationId xmlns:a16="http://schemas.microsoft.com/office/drawing/2014/main" id="{8F70DFA1-4A80-964D-86BA-D210C3BD1240}"/>
+              </a:ext>
+            </a:extLst>
+          </p:cNvPr>
+          <p:cNvSpPr txBox="1"/>
+          <p:nvPr/>
+        </p:nvSpPr>
+        <p:spPr>
+          <a:xfrm>
+            <a:off x="7011567" y="1583123"/>
+            <a:ext cx="1223412" cy="646331"/>
+          </a:xfrm>
+          <a:prstGeom prst="rect">
+            <a:avLst/>
+          </a:prstGeom>
+          <a:noFill/>
+          <a:ln>
+            <a:noFill/>
+          </a:ln>
+        </p:spPr>
+        <p:txBody>
+          <a:bodyPr wrap="none" rtlCol="0">
+            <a:spAutoFit/>
+          </a:bodyPr>
+          <a:lstStyle/>
+          <a:p>
+            <a:pPr algn="ctr"/>
+            <a:r>
+              <a:rPr lang="en-US" i="1" dirty="0" err="1">
+                <a:latin typeface="Times" pitchFamily="2" charset="0"/>
+                <a:cs typeface="Arial" panose="020B0604020202020204" pitchFamily="34" charset="0"/>
+              </a:rPr>
+              <a:t>h</a:t>
+            </a:r>
+            <a:r>
+              <a:rPr lang="en-US" i="1" baseline="-25000" dirty="0" err="1">
+                <a:latin typeface="Times" pitchFamily="2" charset="0"/>
+                <a:cs typeface="Arial" panose="020B0604020202020204" pitchFamily="34" charset="0"/>
+              </a:rPr>
+              <a:t>t</a:t>
+            </a:r>
+            <a:r>
+              <a:rPr lang="en-US" baseline="30000" dirty="0">
+                <a:latin typeface="Times" pitchFamily="2" charset="0"/>
+                <a:cs typeface="Arial" panose="020B0604020202020204" pitchFamily="34" charset="0"/>
+              </a:rPr>
+              <a:t>(2)</a:t>
+            </a:r>
+            <a:endParaRPr lang="en-US" baseline="30000" dirty="0">
+              <a:latin typeface="Arial" panose="020B0604020202020204" pitchFamily="34" charset="0"/>
+              <a:cs typeface="Arial" panose="020B0604020202020204" pitchFamily="34" charset="0"/>
+            </a:endParaRPr>
+          </a:p>
+          <a:p>
+            <a:pPr algn="ctr"/>
+            <a:r>
+              <a:rPr lang="en-US" dirty="0">
+                <a:latin typeface="Arial" panose="020B0604020202020204" pitchFamily="34" charset="0"/>
+                <a:cs typeface="Arial" panose="020B0604020202020204" pitchFamily="34" charset="0"/>
+              </a:rPr>
+              <a:t>28×28×16</a:t>
+            </a:r>
+          </a:p>
+        </p:txBody>
+      </p:sp>
+      <p:sp>
+        <p:nvSpPr>
+          <p:cNvPr id="96" name="TextBox 95">
+            <a:extLst>
+              <a:ext uri="{FF2B5EF4-FFF2-40B4-BE49-F238E27FC236}">
+                <a16:creationId xmlns:a16="http://schemas.microsoft.com/office/drawing/2014/main" id="{ED1C7BED-C2C1-434B-B3B0-F1C41648B904}"/>
+              </a:ext>
+            </a:extLst>
+          </p:cNvPr>
+          <p:cNvSpPr txBox="1"/>
+          <p:nvPr/>
+        </p:nvSpPr>
+        <p:spPr>
+          <a:xfrm>
+            <a:off x="6947447" y="485035"/>
+            <a:ext cx="1614546" cy="646331"/>
+          </a:xfrm>
+          <a:prstGeom prst="rect">
+            <a:avLst/>
+          </a:prstGeom>
+          <a:noFill/>
+          <a:ln>
+            <a:noFill/>
+          </a:ln>
+        </p:spPr>
+        <p:txBody>
+          <a:bodyPr wrap="none" rtlCol="0">
+            <a:spAutoFit/>
+          </a:bodyPr>
+          <a:lstStyle/>
+          <a:p>
+            <a:pPr algn="ctr"/>
+            <a:r>
+              <a:rPr lang="en-US" i="1" dirty="0" err="1">
+                <a:latin typeface="Times" pitchFamily="2" charset="0"/>
+                <a:cs typeface="Arial" panose="020B0604020202020204" pitchFamily="34" charset="0"/>
+              </a:rPr>
+              <a:t>y</a:t>
+            </a:r>
+            <a:r>
+              <a:rPr lang="en-US" i="1" baseline="-25000" dirty="0" err="1">
+                <a:latin typeface="Times" pitchFamily="2" charset="0"/>
+                <a:cs typeface="Arial" panose="020B0604020202020204" pitchFamily="34" charset="0"/>
+              </a:rPr>
+              <a:t>t</a:t>
+            </a:r>
+            <a:endParaRPr lang="en-US" baseline="30000" dirty="0">
+              <a:latin typeface="Arial" panose="020B0604020202020204" pitchFamily="34" charset="0"/>
+              <a:cs typeface="Arial" panose="020B0604020202020204" pitchFamily="34" charset="0"/>
+            </a:endParaRPr>
+          </a:p>
+          <a:p>
+            <a:pPr algn="ctr"/>
+            <a:r>
+              <a:rPr lang="en-US" dirty="0">
+                <a:latin typeface="Arial" panose="020B0604020202020204" pitchFamily="34" charset="0"/>
+                <a:cs typeface="Arial" panose="020B0604020202020204" pitchFamily="34" charset="0"/>
+              </a:rPr>
+              <a:t>28×28+1=785</a:t>
+            </a:r>
+          </a:p>
+        </p:txBody>
+      </p:sp>
+      <p:sp>
+        <p:nvSpPr>
+          <p:cNvPr id="102" name="Rectangle 101">
+            <a:extLst>
+              <a:ext uri="{FF2B5EF4-FFF2-40B4-BE49-F238E27FC236}">
+                <a16:creationId xmlns:a16="http://schemas.microsoft.com/office/drawing/2014/main" id="{384A5DF6-FEEB-8D4D-9B79-391C2B8946FD}"/>
+              </a:ext>
+            </a:extLst>
+          </p:cNvPr>
+          <p:cNvSpPr>
+            <a:spLocks/>
+          </p:cNvSpPr>
+          <p:nvPr/>
+        </p:nvSpPr>
+        <p:spPr>
+          <a:xfrm>
+            <a:off x="1800000" y="0"/>
+            <a:ext cx="1620000" cy="540000"/>
+          </a:xfrm>
+          <a:prstGeom prst="rect">
+            <a:avLst/>
+          </a:prstGeom>
+          <a:solidFill>
+            <a:schemeClr val="accent6">
+              <a:lumMod val="60000"/>
+              <a:lumOff val="40000"/>
+              <a:alpha val="20000"/>
+            </a:schemeClr>
+          </a:solidFill>
+          <a:ln>
+            <a:solidFill>
+              <a:schemeClr val="accent6">
+                <a:alpha val="20000"/>
+              </a:schemeClr>
+            </a:solidFill>
+          </a:ln>
+        </p:spPr>
+        <p:style>
+          <a:lnRef idx="2">
+            <a:schemeClr val="dk1"/>
+          </a:lnRef>
+          <a:fillRef idx="1">
+            <a:schemeClr val="lt1"/>
+          </a:fillRef>
+          <a:effectRef idx="0">
+            <a:schemeClr val="dk1"/>
+          </a:effectRef>
+          <a:fontRef idx="minor">
+            <a:schemeClr val="dk1"/>
+          </a:fontRef>
+        </p:style>
+        <p:txBody>
+          <a:bodyPr rtlCol="0" anchor="ctr"/>
+          <a:lstStyle/>
+          <a:p>
+            <a:pPr algn="ctr"/>
+            <a:r>
+              <a:rPr lang="en-US" dirty="0">
+                <a:solidFill>
+                  <a:schemeClr val="bg1">
+                    <a:lumMod val="75000"/>
+                  </a:schemeClr>
+                </a:solidFill>
+                <a:latin typeface="Arial" panose="020B0604020202020204" pitchFamily="34" charset="0"/>
+                <a:cs typeface="Arial" panose="020B0604020202020204" pitchFamily="34" charset="0"/>
+              </a:rPr>
+              <a:t>One-hot</a:t>
+            </a:r>
+            <a:endParaRPr lang="en-US" baseline="30000" dirty="0">
+              <a:solidFill>
+                <a:schemeClr val="bg1">
+                  <a:lumMod val="75000"/>
+                </a:schemeClr>
+              </a:solidFill>
+              <a:latin typeface="Arial" panose="020B0604020202020204" pitchFamily="34" charset="0"/>
+              <a:cs typeface="Arial" panose="020B0604020202020204" pitchFamily="34" charset="0"/>
+            </a:endParaRPr>
+          </a:p>
+        </p:txBody>
+      </p:sp>
+      <p:sp>
+        <p:nvSpPr>
+          <p:cNvPr id="104" name="Rectangle 103">
+            <a:extLst>
+              <a:ext uri="{FF2B5EF4-FFF2-40B4-BE49-F238E27FC236}">
+                <a16:creationId xmlns:a16="http://schemas.microsoft.com/office/drawing/2014/main" id="{318ABCB9-89AD-2B4D-AC50-C00B3A9F9785}"/>
+              </a:ext>
+            </a:extLst>
+          </p:cNvPr>
+          <p:cNvSpPr>
+            <a:spLocks/>
+          </p:cNvSpPr>
+          <p:nvPr/>
+        </p:nvSpPr>
+        <p:spPr>
+          <a:xfrm>
+            <a:off x="3960000" y="0"/>
+            <a:ext cx="1620000" cy="540000"/>
+          </a:xfrm>
+          <a:prstGeom prst="rect">
+            <a:avLst/>
+          </a:prstGeom>
+          <a:solidFill>
+            <a:schemeClr val="accent6">
+              <a:lumMod val="60000"/>
+              <a:lumOff val="40000"/>
+              <a:alpha val="20000"/>
+            </a:schemeClr>
+          </a:solidFill>
+          <a:ln>
+            <a:solidFill>
+              <a:schemeClr val="accent6">
+                <a:alpha val="20000"/>
+              </a:schemeClr>
+            </a:solidFill>
+          </a:ln>
+        </p:spPr>
+        <p:style>
+          <a:lnRef idx="2">
+            <a:schemeClr val="dk1"/>
+          </a:lnRef>
+          <a:fillRef idx="1">
+            <a:schemeClr val="lt1"/>
+          </a:fillRef>
+          <a:effectRef idx="0">
+            <a:schemeClr val="dk1"/>
+          </a:effectRef>
+          <a:fontRef idx="minor">
+            <a:schemeClr val="dk1"/>
+          </a:fontRef>
+        </p:style>
+        <p:txBody>
+          <a:bodyPr rtlCol="0" anchor="ctr"/>
+          <a:lstStyle/>
+          <a:p>
+            <a:pPr algn="ctr"/>
+            <a:r>
+              <a:rPr lang="en-US" dirty="0">
+                <a:solidFill>
+                  <a:schemeClr val="bg1">
+                    <a:lumMod val="75000"/>
+                  </a:schemeClr>
+                </a:solidFill>
+                <a:latin typeface="Arial" panose="020B0604020202020204" pitchFamily="34" charset="0"/>
+                <a:cs typeface="Arial" panose="020B0604020202020204" pitchFamily="34" charset="0"/>
+              </a:rPr>
+              <a:t>One-hot</a:t>
+            </a:r>
+            <a:endParaRPr lang="en-US" baseline="30000" dirty="0">
+              <a:solidFill>
+                <a:schemeClr val="bg1">
+                  <a:lumMod val="75000"/>
+                </a:schemeClr>
+              </a:solidFill>
+              <a:latin typeface="Arial" panose="020B0604020202020204" pitchFamily="34" charset="0"/>
+              <a:cs typeface="Arial" panose="020B0604020202020204" pitchFamily="34" charset="0"/>
+            </a:endParaRPr>
+          </a:p>
+        </p:txBody>
+      </p:sp>
+      <p:sp>
+        <p:nvSpPr>
+          <p:cNvPr id="107" name="Rectangle 106">
+            <a:extLst>
+              <a:ext uri="{FF2B5EF4-FFF2-40B4-BE49-F238E27FC236}">
+                <a16:creationId xmlns:a16="http://schemas.microsoft.com/office/drawing/2014/main" id="{5BD56CEA-D5E5-1C49-9DA3-D7FA5B717A5F}"/>
+              </a:ext>
+            </a:extLst>
+          </p:cNvPr>
+          <p:cNvSpPr>
+            <a:spLocks/>
+          </p:cNvSpPr>
+          <p:nvPr/>
+        </p:nvSpPr>
+        <p:spPr>
+          <a:xfrm>
+            <a:off x="8280000" y="0"/>
+            <a:ext cx="1620000" cy="540000"/>
+          </a:xfrm>
+          <a:prstGeom prst="rect">
+            <a:avLst/>
+          </a:prstGeom>
+          <a:solidFill>
+            <a:schemeClr val="accent6">
+              <a:lumMod val="60000"/>
+              <a:lumOff val="40000"/>
+              <a:alpha val="20000"/>
+            </a:schemeClr>
+          </a:solidFill>
+          <a:ln>
+            <a:solidFill>
+              <a:schemeClr val="accent6">
+                <a:alpha val="20000"/>
+              </a:schemeClr>
+            </a:solidFill>
+          </a:ln>
+        </p:spPr>
+        <p:style>
+          <a:lnRef idx="2">
+            <a:schemeClr val="dk1"/>
+          </a:lnRef>
+          <a:fillRef idx="1">
+            <a:schemeClr val="lt1"/>
+          </a:fillRef>
+          <a:effectRef idx="0">
+            <a:schemeClr val="dk1"/>
+          </a:effectRef>
+          <a:fontRef idx="minor">
+            <a:schemeClr val="dk1"/>
+          </a:fontRef>
+        </p:style>
+        <p:txBody>
+          <a:bodyPr rtlCol="0" anchor="ctr"/>
+          <a:lstStyle/>
+          <a:p>
+            <a:pPr algn="ctr"/>
+            <a:r>
+              <a:rPr lang="en-US" dirty="0">
+                <a:solidFill>
+                  <a:schemeClr val="bg1">
+                    <a:lumMod val="75000"/>
+                  </a:schemeClr>
+                </a:solidFill>
+                <a:latin typeface="Arial" panose="020B0604020202020204" pitchFamily="34" charset="0"/>
+                <a:cs typeface="Arial" panose="020B0604020202020204" pitchFamily="34" charset="0"/>
+              </a:rPr>
+              <a:t>One-hot</a:t>
+            </a:r>
+            <a:endParaRPr lang="en-US" baseline="30000" dirty="0">
+              <a:solidFill>
+                <a:schemeClr val="bg1">
+                  <a:lumMod val="75000"/>
+                </a:schemeClr>
+              </a:solidFill>
+              <a:latin typeface="Arial" panose="020B0604020202020204" pitchFamily="34" charset="0"/>
+              <a:cs typeface="Arial" panose="020B0604020202020204" pitchFamily="34" charset="0"/>
+            </a:endParaRPr>
+          </a:p>
+        </p:txBody>
+      </p:sp>
+      <p:sp>
+        <p:nvSpPr>
+          <p:cNvPr id="108" name="Rectangle 107">
+            <a:extLst>
+              <a:ext uri="{FF2B5EF4-FFF2-40B4-BE49-F238E27FC236}">
+                <a16:creationId xmlns:a16="http://schemas.microsoft.com/office/drawing/2014/main" id="{B13F44A9-DD70-FF46-8EF1-E47AFAE6C3B5}"/>
+              </a:ext>
+            </a:extLst>
+          </p:cNvPr>
+          <p:cNvSpPr>
+            <a:spLocks/>
+          </p:cNvSpPr>
+          <p:nvPr/>
+        </p:nvSpPr>
+        <p:spPr>
+          <a:xfrm>
+            <a:off x="6120000" y="0"/>
+            <a:ext cx="1620000" cy="540000"/>
+          </a:xfrm>
+          <a:prstGeom prst="rect">
+            <a:avLst/>
+          </a:prstGeom>
+          <a:solidFill>
+            <a:schemeClr val="accent6">
+              <a:lumMod val="60000"/>
+              <a:lumOff val="40000"/>
+            </a:schemeClr>
+          </a:solidFill>
+          <a:ln>
+            <a:solidFill>
+              <a:schemeClr val="accent6"/>
+            </a:solidFill>
+          </a:ln>
+        </p:spPr>
+        <p:style>
+          <a:lnRef idx="2">
+            <a:schemeClr val="dk1"/>
+          </a:lnRef>
+          <a:fillRef idx="1">
+            <a:schemeClr val="lt1"/>
+          </a:fillRef>
+          <a:effectRef idx="0">
+            <a:schemeClr val="dk1"/>
+          </a:effectRef>
+          <a:fontRef idx="minor">
+            <a:schemeClr val="dk1"/>
+          </a:fontRef>
+        </p:style>
+        <p:txBody>
+          <a:bodyPr rtlCol="0" anchor="ctr"/>
+          <a:lstStyle/>
+          <a:p>
+            <a:pPr algn="ctr"/>
+            <a:r>
+              <a:rPr lang="en-US" dirty="0">
+                <a:solidFill>
+                  <a:schemeClr val="tx1"/>
+                </a:solidFill>
+                <a:latin typeface="Arial" panose="020B0604020202020204" pitchFamily="34" charset="0"/>
+                <a:cs typeface="Arial" panose="020B0604020202020204" pitchFamily="34" charset="0"/>
+              </a:rPr>
+              <a:t>One-hot</a:t>
+            </a:r>
+            <a:endParaRPr lang="en-US" baseline="30000" dirty="0">
+              <a:solidFill>
+                <a:schemeClr val="tx1"/>
+              </a:solidFill>
+              <a:latin typeface="Arial" panose="020B0604020202020204" pitchFamily="34" charset="0"/>
+              <a:cs typeface="Arial" panose="020B0604020202020204" pitchFamily="34" charset="0"/>
+            </a:endParaRPr>
+          </a:p>
+        </p:txBody>
+      </p:sp>
+      <p:cxnSp>
+        <p:nvCxnSpPr>
+          <p:cNvPr id="109" name="Straight Arrow Connector 108">
+            <a:extLst>
+              <a:ext uri="{FF2B5EF4-FFF2-40B4-BE49-F238E27FC236}">
+                <a16:creationId xmlns:a16="http://schemas.microsoft.com/office/drawing/2014/main" id="{208A8540-17FC-C24A-AA92-E05B930E132C}"/>
+              </a:ext>
+            </a:extLst>
+          </p:cNvPr>
+          <p:cNvCxnSpPr>
+            <a:cxnSpLocks/>
+            <a:stCxn id="102" idx="0"/>
+            <a:endCxn id="72" idx="2"/>
+          </p:cNvCxnSpPr>
+          <p:nvPr/>
+        </p:nvCxnSpPr>
+        <p:spPr>
+          <a:xfrm flipV="1">
+            <a:off x="2610000" y="-540000"/>
+            <a:ext cx="0" cy="540000"/>
+          </a:xfrm>
+          <a:prstGeom prst="straightConnector1">
+            <a:avLst/>
+          </a:prstGeom>
+          <a:ln>
+            <a:solidFill>
+              <a:schemeClr val="bg1">
+                <a:lumMod val="75000"/>
+              </a:schemeClr>
+            </a:solidFill>
+            <a:tailEnd type="triangle"/>
+          </a:ln>
+        </p:spPr>
+        <p:style>
+          <a:lnRef idx="1">
+            <a:schemeClr val="accent1"/>
+          </a:lnRef>
+          <a:fillRef idx="0">
+            <a:schemeClr val="accent1"/>
+          </a:fillRef>
+          <a:effectRef idx="0">
+            <a:schemeClr val="accent1"/>
+          </a:effectRef>
+          <a:fontRef idx="minor">
+            <a:schemeClr val="tx1"/>
+          </a:fontRef>
+        </p:style>
+      </p:cxnSp>
+      <p:cxnSp>
+        <p:nvCxnSpPr>
+          <p:cNvPr id="111" name="Straight Arrow Connector 110">
+            <a:extLst>
+              <a:ext uri="{FF2B5EF4-FFF2-40B4-BE49-F238E27FC236}">
+                <a16:creationId xmlns:a16="http://schemas.microsoft.com/office/drawing/2014/main" id="{ED6E981D-156D-5146-A3E8-82A0F3F82897}"/>
+              </a:ext>
+            </a:extLst>
+          </p:cNvPr>
+          <p:cNvCxnSpPr>
+            <a:cxnSpLocks/>
+            <a:stCxn id="98" idx="0"/>
+            <a:endCxn id="104" idx="2"/>
+          </p:cNvCxnSpPr>
+          <p:nvPr/>
+        </p:nvCxnSpPr>
+        <p:spPr>
+          <a:xfrm flipV="1">
+            <a:off x="4770000" y="540000"/>
+            <a:ext cx="0" cy="540000"/>
+          </a:xfrm>
+          <a:prstGeom prst="straightConnector1">
+            <a:avLst/>
+          </a:prstGeom>
+          <a:ln>
+            <a:solidFill>
+              <a:schemeClr val="bg1">
+                <a:lumMod val="75000"/>
+              </a:schemeClr>
+            </a:solidFill>
+            <a:tailEnd type="triangle"/>
+          </a:ln>
+        </p:spPr>
+        <p:style>
+          <a:lnRef idx="1">
+            <a:schemeClr val="accent1"/>
+          </a:lnRef>
+          <a:fillRef idx="0">
+            <a:schemeClr val="accent1"/>
+          </a:fillRef>
+          <a:effectRef idx="0">
+            <a:schemeClr val="accent1"/>
+          </a:effectRef>
+          <a:fontRef idx="minor">
+            <a:schemeClr val="tx1"/>
+          </a:fontRef>
+        </p:style>
+      </p:cxnSp>
+      <p:cxnSp>
+        <p:nvCxnSpPr>
+          <p:cNvPr id="112" name="Straight Arrow Connector 111">
+            <a:extLst>
+              <a:ext uri="{FF2B5EF4-FFF2-40B4-BE49-F238E27FC236}">
+                <a16:creationId xmlns:a16="http://schemas.microsoft.com/office/drawing/2014/main" id="{0B5BFB0E-02DD-1141-82FF-21299C3B346D}"/>
+              </a:ext>
+            </a:extLst>
+          </p:cNvPr>
+          <p:cNvCxnSpPr>
+            <a:cxnSpLocks/>
+            <a:stCxn id="108" idx="0"/>
+            <a:endCxn id="5" idx="2"/>
+          </p:cNvCxnSpPr>
+          <p:nvPr/>
+        </p:nvCxnSpPr>
+        <p:spPr>
+          <a:xfrm flipV="1">
+            <a:off x="6930000" y="-540000"/>
+            <a:ext cx="0" cy="540000"/>
+          </a:xfrm>
+          <a:prstGeom prst="straightConnector1">
+            <a:avLst/>
+          </a:prstGeom>
+          <a:ln>
+            <a:solidFill>
+              <a:schemeClr val="tx1"/>
+            </a:solidFill>
+            <a:tailEnd type="triangle"/>
+          </a:ln>
+        </p:spPr>
+        <p:style>
+          <a:lnRef idx="1">
+            <a:schemeClr val="accent1"/>
+          </a:lnRef>
+          <a:fillRef idx="0">
+            <a:schemeClr val="accent1"/>
+          </a:fillRef>
+          <a:effectRef idx="0">
+            <a:schemeClr val="accent1"/>
+          </a:effectRef>
+          <a:fontRef idx="minor">
+            <a:schemeClr val="tx1"/>
+          </a:fontRef>
+        </p:style>
+      </p:cxnSp>
+      <p:cxnSp>
+        <p:nvCxnSpPr>
+          <p:cNvPr id="114" name="Straight Arrow Connector 113">
+            <a:extLst>
+              <a:ext uri="{FF2B5EF4-FFF2-40B4-BE49-F238E27FC236}">
+                <a16:creationId xmlns:a16="http://schemas.microsoft.com/office/drawing/2014/main" id="{15B16E07-CA49-2D4F-B9A4-7BE0C8F79DE6}"/>
+              </a:ext>
+            </a:extLst>
+          </p:cNvPr>
+          <p:cNvCxnSpPr/>
+          <p:nvPr/>
+        </p:nvCxnSpPr>
+        <p:spPr>
+          <a:xfrm flipV="1">
+            <a:off x="9090000" y="-540000"/>
+            <a:ext cx="0" cy="540000"/>
+          </a:xfrm>
+          <a:prstGeom prst="straightConnector1">
+            <a:avLst/>
+          </a:prstGeom>
+          <a:ln>
+            <a:solidFill>
+              <a:schemeClr val="bg1">
+                <a:lumMod val="75000"/>
+              </a:schemeClr>
+            </a:solidFill>
+            <a:tailEnd type="triangle"/>
+          </a:ln>
+        </p:spPr>
+        <p:style>
+          <a:lnRef idx="1">
+            <a:schemeClr val="accent1"/>
+          </a:lnRef>
+          <a:fillRef idx="0">
+            <a:schemeClr val="accent1"/>
+          </a:fillRef>
+          <a:effectRef idx="0">
+            <a:schemeClr val="accent1"/>
+          </a:effectRef>
+          <a:fontRef idx="minor">
+            <a:schemeClr val="tx1"/>
+          </a:fontRef>
+        </p:style>
+      </p:cxnSp>
+      <p:sp>
+        <p:nvSpPr>
+          <p:cNvPr id="115" name="Rectangle 114">
+            <a:extLst>
+              <a:ext uri="{FF2B5EF4-FFF2-40B4-BE49-F238E27FC236}">
+                <a16:creationId xmlns:a16="http://schemas.microsoft.com/office/drawing/2014/main" id="{5F378129-3839-C243-AEE7-4CA30787202A}"/>
+              </a:ext>
+            </a:extLst>
+          </p:cNvPr>
+          <p:cNvSpPr>
+            <a:spLocks/>
+          </p:cNvSpPr>
+          <p:nvPr/>
+        </p:nvSpPr>
+        <p:spPr>
+          <a:xfrm>
+            <a:off x="10440000" y="0"/>
+            <a:ext cx="540000" cy="540000"/>
+          </a:xfrm>
+          <a:prstGeom prst="rect">
+            <a:avLst/>
+          </a:prstGeom>
+          <a:noFill/>
+          <a:ln>
+            <a:noFill/>
+          </a:ln>
+        </p:spPr>
+        <p:style>
+          <a:lnRef idx="2">
+            <a:schemeClr val="dk1"/>
+          </a:lnRef>
+          <a:fillRef idx="1">
+            <a:schemeClr val="lt1"/>
+          </a:fillRef>
+          <a:effectRef idx="0">
+            <a:schemeClr val="dk1"/>
+          </a:effectRef>
+          <a:fontRef idx="minor">
+            <a:schemeClr val="dk1"/>
+          </a:fontRef>
+        </p:style>
+        <p:txBody>
+          <a:bodyPr rtlCol="0" anchor="ctr"/>
+          <a:lstStyle/>
+          <a:p>
+            <a:pPr algn="ctr"/>
+            <a:r>
+              <a:rPr lang="en-US" dirty="0">
+                <a:latin typeface="Arial" panose="020B0604020202020204" pitchFamily="34" charset="0"/>
+                <a:cs typeface="Arial" panose="020B0604020202020204" pitchFamily="34" charset="0"/>
+              </a:rPr>
+              <a:t>···</a:t>
+            </a:r>
+            <a:endParaRPr lang="en-US" baseline="30000" dirty="0">
+              <a:latin typeface="Arial" panose="020B0604020202020204" pitchFamily="34" charset="0"/>
+              <a:cs typeface="Arial" panose="020B0604020202020204" pitchFamily="34" charset="0"/>
+            </a:endParaRPr>
+          </a:p>
+        </p:txBody>
+      </p:sp>
+      <p:sp>
+        <p:nvSpPr>
+          <p:cNvPr id="117" name="Rectangle 116">
+            <a:extLst>
+              <a:ext uri="{FF2B5EF4-FFF2-40B4-BE49-F238E27FC236}">
+                <a16:creationId xmlns:a16="http://schemas.microsoft.com/office/drawing/2014/main" id="{5CE1AA8B-1C16-B44B-A483-C8947F73D23C}"/>
+              </a:ext>
+            </a:extLst>
+          </p:cNvPr>
+          <p:cNvSpPr>
+            <a:spLocks/>
+          </p:cNvSpPr>
+          <p:nvPr/>
+        </p:nvSpPr>
+        <p:spPr>
+          <a:xfrm>
+            <a:off x="720000" y="0"/>
+            <a:ext cx="540000" cy="540000"/>
+          </a:xfrm>
+          <a:prstGeom prst="rect">
+            <a:avLst/>
+          </a:prstGeom>
+          <a:noFill/>
+          <a:ln>
+            <a:noFill/>
+          </a:ln>
+        </p:spPr>
+        <p:style>
+          <a:lnRef idx="2">
+            <a:schemeClr val="dk1"/>
+          </a:lnRef>
+          <a:fillRef idx="1">
+            <a:schemeClr val="lt1"/>
+          </a:fillRef>
+          <a:effectRef idx="0">
+            <a:schemeClr val="dk1"/>
+          </a:effectRef>
+          <a:fontRef idx="minor">
+            <a:schemeClr val="dk1"/>
+          </a:fontRef>
+        </p:style>
+        <p:txBody>
+          <a:bodyPr rtlCol="0" anchor="ctr"/>
+          <a:lstStyle/>
+          <a:p>
+            <a:pPr algn="ctr"/>
+            <a:r>
+              <a:rPr lang="en-US" dirty="0">
+                <a:latin typeface="Arial" panose="020B0604020202020204" pitchFamily="34" charset="0"/>
+                <a:cs typeface="Arial" panose="020B0604020202020204" pitchFamily="34" charset="0"/>
+              </a:rPr>
+              <a:t>···</a:t>
+            </a:r>
+            <a:endParaRPr lang="en-US" baseline="30000" dirty="0">
+              <a:latin typeface="Arial" panose="020B0604020202020204" pitchFamily="34" charset="0"/>
+              <a:cs typeface="Arial" panose="020B0604020202020204" pitchFamily="34" charset="0"/>
+            </a:endParaRPr>
+          </a:p>
+        </p:txBody>
+      </p:sp>
+      <p:sp>
+        <p:nvSpPr>
+          <p:cNvPr id="120" name="TextBox 119">
+            <a:extLst>
+              <a:ext uri="{FF2B5EF4-FFF2-40B4-BE49-F238E27FC236}">
+                <a16:creationId xmlns:a16="http://schemas.microsoft.com/office/drawing/2014/main" id="{0E02EDCD-B5D2-3248-A7A3-FDEE9AF135F0}"/>
+              </a:ext>
+            </a:extLst>
+          </p:cNvPr>
+          <p:cNvSpPr txBox="1"/>
+          <p:nvPr/>
+        </p:nvSpPr>
+        <p:spPr>
+          <a:xfrm>
+            <a:off x="8412971" y="4320000"/>
+            <a:ext cx="1351652" cy="646331"/>
+          </a:xfrm>
+          <a:prstGeom prst="rect">
+            <a:avLst/>
+          </a:prstGeom>
+          <a:noFill/>
+          <a:ln>
+            <a:noFill/>
+          </a:ln>
+        </p:spPr>
+        <p:txBody>
+          <a:bodyPr wrap="none" rtlCol="0">
+            <a:spAutoFit/>
+          </a:bodyPr>
+          <a:lstStyle/>
+          <a:p>
+            <a:pPr algn="ctr"/>
+            <a:r>
+              <a:rPr lang="en-US" i="1" dirty="0">
+                <a:solidFill>
+                  <a:schemeClr val="bg1">
+                    <a:lumMod val="75000"/>
+                  </a:schemeClr>
+                </a:solidFill>
+                <a:latin typeface="Times" pitchFamily="2" charset="0"/>
+                <a:cs typeface="Arial" panose="020B0604020202020204" pitchFamily="34" charset="0"/>
+              </a:rPr>
+              <a:t>x</a:t>
+            </a:r>
+            <a:r>
+              <a:rPr lang="en-US" i="1" baseline="-25000" dirty="0">
+                <a:solidFill>
+                  <a:schemeClr val="bg1">
+                    <a:lumMod val="75000"/>
+                  </a:schemeClr>
+                </a:solidFill>
+                <a:latin typeface="Times" pitchFamily="2" charset="0"/>
+                <a:cs typeface="Arial" panose="020B0604020202020204" pitchFamily="34" charset="0"/>
+              </a:rPr>
+              <a:t>t</a:t>
+            </a:r>
+            <a:r>
+              <a:rPr lang="en-US" baseline="-25000" dirty="0">
+                <a:solidFill>
+                  <a:schemeClr val="bg1">
+                    <a:lumMod val="75000"/>
+                  </a:schemeClr>
+                </a:solidFill>
+                <a:latin typeface="Times" pitchFamily="2" charset="0"/>
+                <a:cs typeface="Arial" panose="020B0604020202020204" pitchFamily="34" charset="0"/>
+              </a:rPr>
+              <a:t>+1</a:t>
+            </a:r>
+            <a:endParaRPr lang="en-US" i="1" dirty="0">
+              <a:solidFill>
+                <a:schemeClr val="bg1">
+                  <a:lumMod val="75000"/>
+                </a:schemeClr>
+              </a:solidFill>
+              <a:latin typeface="Arial" panose="020B0604020202020204" pitchFamily="34" charset="0"/>
+              <a:cs typeface="Arial" panose="020B0604020202020204" pitchFamily="34" charset="0"/>
+            </a:endParaRPr>
+          </a:p>
+          <a:p>
+            <a:pPr algn="ctr"/>
+            <a:r>
+              <a:rPr lang="en-US" dirty="0">
+                <a:solidFill>
+                  <a:schemeClr val="bg1">
+                    <a:lumMod val="75000"/>
+                  </a:schemeClr>
+                </a:solidFill>
+                <a:latin typeface="Arial" panose="020B0604020202020204" pitchFamily="34" charset="0"/>
+                <a:cs typeface="Arial" panose="020B0604020202020204" pitchFamily="34" charset="0"/>
+              </a:rPr>
+              <a:t>28×28×133</a:t>
+            </a:r>
+          </a:p>
+        </p:txBody>
+      </p:sp>
+      <p:sp>
+        <p:nvSpPr>
+          <p:cNvPr id="121" name="TextBox 120">
+            <a:extLst>
+              <a:ext uri="{FF2B5EF4-FFF2-40B4-BE49-F238E27FC236}">
+                <a16:creationId xmlns:a16="http://schemas.microsoft.com/office/drawing/2014/main" id="{31FA4CBD-7A07-4248-B103-DB50D0084ECB}"/>
+              </a:ext>
+            </a:extLst>
+          </p:cNvPr>
+          <p:cNvSpPr txBox="1"/>
+          <p:nvPr/>
+        </p:nvSpPr>
+        <p:spPr>
+          <a:xfrm>
+            <a:off x="8412971" y="-1186331"/>
+            <a:ext cx="1351652" cy="646331"/>
+          </a:xfrm>
+          <a:prstGeom prst="rect">
+            <a:avLst/>
+          </a:prstGeom>
+          <a:noFill/>
+          <a:ln>
+            <a:noFill/>
+          </a:ln>
+        </p:spPr>
+        <p:txBody>
+          <a:bodyPr wrap="none" rtlCol="0">
+            <a:spAutoFit/>
+          </a:bodyPr>
+          <a:lstStyle/>
+          <a:p>
+            <a:pPr algn="ctr"/>
+            <a:r>
+              <a:rPr lang="en-US" i="1" dirty="0">
+                <a:solidFill>
+                  <a:schemeClr val="bg1">
+                    <a:lumMod val="75000"/>
+                  </a:schemeClr>
+                </a:solidFill>
+                <a:latin typeface="Times" pitchFamily="2" charset="0"/>
+                <a:cs typeface="Arial" panose="020B0604020202020204" pitchFamily="34" charset="0"/>
+              </a:rPr>
+              <a:t>v</a:t>
+            </a:r>
+            <a:r>
+              <a:rPr lang="en-US" i="1" baseline="-25000" dirty="0">
+                <a:solidFill>
+                  <a:schemeClr val="bg1">
+                    <a:lumMod val="75000"/>
+                  </a:schemeClr>
+                </a:solidFill>
+                <a:latin typeface="Times" pitchFamily="2" charset="0"/>
+                <a:cs typeface="Arial" panose="020B0604020202020204" pitchFamily="34" charset="0"/>
+              </a:rPr>
+              <a:t>t</a:t>
+            </a:r>
+            <a:r>
+              <a:rPr lang="en-US" baseline="-25000" dirty="0">
+                <a:solidFill>
+                  <a:schemeClr val="bg1">
+                    <a:lumMod val="75000"/>
+                  </a:schemeClr>
+                </a:solidFill>
+                <a:latin typeface="Times" pitchFamily="2" charset="0"/>
+                <a:cs typeface="Arial" panose="020B0604020202020204" pitchFamily="34" charset="0"/>
+              </a:rPr>
+              <a:t>+1</a:t>
+            </a:r>
+            <a:endParaRPr lang="en-US" i="1" dirty="0">
+              <a:solidFill>
+                <a:schemeClr val="bg1">
+                  <a:lumMod val="75000"/>
+                </a:schemeClr>
+              </a:solidFill>
+              <a:latin typeface="Arial" panose="020B0604020202020204" pitchFamily="34" charset="0"/>
+              <a:cs typeface="Arial" panose="020B0604020202020204" pitchFamily="34" charset="0"/>
+            </a:endParaRPr>
+          </a:p>
+          <a:p>
+            <a:pPr algn="ctr"/>
+            <a:r>
+              <a:rPr lang="en-US" dirty="0">
+                <a:solidFill>
+                  <a:schemeClr val="bg1">
+                    <a:lumMod val="75000"/>
+                  </a:schemeClr>
+                </a:solidFill>
+                <a:latin typeface="Arial" panose="020B0604020202020204" pitchFamily="34" charset="0"/>
+                <a:cs typeface="Arial" panose="020B0604020202020204" pitchFamily="34" charset="0"/>
+              </a:rPr>
+              <a:t>28×28×133</a:t>
+            </a:r>
+          </a:p>
+        </p:txBody>
+      </p:sp>
     </p:spTree>
     <p:extLst>
       <p:ext uri="{BB962C8B-B14F-4D97-AF65-F5344CB8AC3E}">
@@ -20038,4 +24824,299 @@
     </a:ext>
   </a:extLst>
 </a:theme>
+</file>
+
+<file path=ppt/theme/theme2.xml><?xml version="1.0" encoding="utf-8"?>
+<a:theme xmlns:a="http://schemas.openxmlformats.org/drawingml/2006/main" name="Office Theme">
+  <a:themeElements>
+    <a:clrScheme name="Office">
+      <a:dk1>
+        <a:sysClr val="windowText" lastClr="000000"/>
+      </a:dk1>
+      <a:lt1>
+        <a:sysClr val="window" lastClr="FFFFFF"/>
+      </a:lt1>
+      <a:dk2>
+        <a:srgbClr val="44546A"/>
+      </a:dk2>
+      <a:lt2>
+        <a:srgbClr val="E7E6E6"/>
+      </a:lt2>
+      <a:accent1>
+        <a:srgbClr val="4472C4"/>
+      </a:accent1>
+      <a:accent2>
+        <a:srgbClr val="ED7D31"/>
+      </a:accent2>
+      <a:accent3>
+        <a:srgbClr val="A5A5A5"/>
+      </a:accent3>
+      <a:accent4>
+        <a:srgbClr val="FFC000"/>
+      </a:accent4>
+      <a:accent5>
+        <a:srgbClr val="5B9BD5"/>
+      </a:accent5>
+      <a:accent6>
+        <a:srgbClr val="70AD47"/>
+      </a:accent6>
+      <a:hlink>
+        <a:srgbClr val="0563C1"/>
+      </a:hlink>
+      <a:folHlink>
+        <a:srgbClr val="954F72"/>
+      </a:folHlink>
+    </a:clrScheme>
+    <a:fontScheme name="Office">
+      <a:majorFont>
+        <a:latin typeface="Calibri Light" panose="020F0302020204030204"/>
+        <a:ea typeface=""/>
+        <a:cs typeface=""/>
+        <a:font script="Jpan" typeface="游ゴシック Light"/>
+        <a:font script="Hang" typeface="맑은 고딕"/>
+        <a:font script="Hans" typeface="等线 Light"/>
+        <a:font script="Hant" typeface="新細明體"/>
+        <a:font script="Arab" typeface="Times New Roman"/>
+        <a:font script="Hebr" typeface="Times New Roman"/>
+        <a:font script="Thai" typeface="Angsana New"/>
+        <a:font script="Ethi" typeface="Nyala"/>
+        <a:font script="Beng" typeface="Vrinda"/>
+        <a:font script="Gujr" typeface="Shruti"/>
+        <a:font script="Khmr" typeface="MoolBoran"/>
+        <a:font script="Knda" typeface="Tunga"/>
+        <a:font script="Guru" typeface="Raavi"/>
+        <a:font script="Cans" typeface="Euphemia"/>
+        <a:font script="Cher" typeface="Plantagenet Cherokee"/>
+        <a:font script="Yiii" typeface="Microsoft Yi Baiti"/>
+        <a:font script="Tibt" typeface="Microsoft Himalaya"/>
+        <a:font script="Thaa" typeface="MV Boli"/>
+        <a:font script="Deva" typeface="Mangal"/>
+        <a:font script="Telu" typeface="Gautami"/>
+        <a:font script="Taml" typeface="Latha"/>
+        <a:font script="Syrc" typeface="Estrangelo Edessa"/>
+        <a:font script="Orya" typeface="Kalinga"/>
+        <a:font script="Mlym" typeface="Kartika"/>
+        <a:font script="Laoo" typeface="DokChampa"/>
+        <a:font script="Sinh" typeface="Iskoola Pota"/>
+        <a:font script="Mong" typeface="Mongolian Baiti"/>
+        <a:font script="Viet" typeface="Times New Roman"/>
+        <a:font script="Uigh" typeface="Microsoft Uighur"/>
+        <a:font script="Geor" typeface="Sylfaen"/>
+        <a:font script="Armn" typeface="Arial"/>
+        <a:font script="Bugi" typeface="Leelawadee UI"/>
+        <a:font script="Bopo" typeface="Microsoft JhengHei"/>
+        <a:font script="Java" typeface="Javanese Text"/>
+        <a:font script="Lisu" typeface="Segoe UI"/>
+        <a:font script="Mymr" typeface="Myanmar Text"/>
+        <a:font script="Nkoo" typeface="Ebrima"/>
+        <a:font script="Olck" typeface="Nirmala UI"/>
+        <a:font script="Osma" typeface="Ebrima"/>
+        <a:font script="Phag" typeface="Phagspa"/>
+        <a:font script="Syrn" typeface="Estrangelo Edessa"/>
+        <a:font script="Syrj" typeface="Estrangelo Edessa"/>
+        <a:font script="Syre" typeface="Estrangelo Edessa"/>
+        <a:font script="Sora" typeface="Nirmala UI"/>
+        <a:font script="Tale" typeface="Microsoft Tai Le"/>
+        <a:font script="Talu" typeface="Microsoft New Tai Lue"/>
+        <a:font script="Tfng" typeface="Ebrima"/>
+      </a:majorFont>
+      <a:minorFont>
+        <a:latin typeface="Calibri" panose="020F0502020204030204"/>
+        <a:ea typeface=""/>
+        <a:cs typeface=""/>
+        <a:font script="Jpan" typeface="游ゴシック"/>
+        <a:font script="Hang" typeface="맑은 고딕"/>
+        <a:font script="Hans" typeface="等线"/>
+        <a:font script="Hant" typeface="新細明體"/>
+        <a:font script="Arab" typeface="Arial"/>
+        <a:font script="Hebr" typeface="Arial"/>
+        <a:font script="Thai" typeface="Cordia New"/>
+        <a:font script="Ethi" typeface="Nyala"/>
+        <a:font script="Beng" typeface="Vrinda"/>
+        <a:font script="Gujr" typeface="Shruti"/>
+        <a:font script="Khmr" typeface="DaunPenh"/>
+        <a:font script="Knda" typeface="Tunga"/>
+        <a:font script="Guru" typeface="Raavi"/>
+        <a:font script="Cans" typeface="Euphemia"/>
+        <a:font script="Cher" typeface="Plantagenet Cherokee"/>
+        <a:font script="Yiii" typeface="Microsoft Yi Baiti"/>
+        <a:font script="Tibt" typeface="Microsoft Himalaya"/>
+        <a:font script="Thaa" typeface="MV Boli"/>
+        <a:font script="Deva" typeface="Mangal"/>
+        <a:font script="Telu" typeface="Gautami"/>
+        <a:font script="Taml" typeface="Latha"/>
+        <a:font script="Syrc" typeface="Estrangelo Edessa"/>
+        <a:font script="Orya" typeface="Kalinga"/>
+        <a:font script="Mlym" typeface="Kartika"/>
+        <a:font script="Laoo" typeface="DokChampa"/>
+        <a:font script="Sinh" typeface="Iskoola Pota"/>
+        <a:font script="Mong" typeface="Mongolian Baiti"/>
+        <a:font script="Viet" typeface="Arial"/>
+        <a:font script="Uigh" typeface="Microsoft Uighur"/>
+        <a:font script="Geor" typeface="Sylfaen"/>
+        <a:font script="Armn" typeface="Arial"/>
+        <a:font script="Bugi" typeface="Leelawadee UI"/>
+        <a:font script="Bopo" typeface="Microsoft JhengHei"/>
+        <a:font script="Java" typeface="Javanese Text"/>
+        <a:font script="Lisu" typeface="Segoe UI"/>
+        <a:font script="Mymr" typeface="Myanmar Text"/>
+        <a:font script="Nkoo" typeface="Ebrima"/>
+        <a:font script="Olck" typeface="Nirmala UI"/>
+        <a:font script="Osma" typeface="Ebrima"/>
+        <a:font script="Phag" typeface="Phagspa"/>
+        <a:font script="Syrn" typeface="Estrangelo Edessa"/>
+        <a:font script="Syrj" typeface="Estrangelo Edessa"/>
+        <a:font script="Syre" typeface="Estrangelo Edessa"/>
+        <a:font script="Sora" typeface="Nirmala UI"/>
+        <a:font script="Tale" typeface="Microsoft Tai Le"/>
+        <a:font script="Talu" typeface="Microsoft New Tai Lue"/>
+        <a:font script="Tfng" typeface="Ebrima"/>
+      </a:minorFont>
+    </a:fontScheme>
+    <a:fmtScheme name="Office">
+      <a:fillStyleLst>
+        <a:solidFill>
+          <a:schemeClr val="phClr"/>
+        </a:solidFill>
+        <a:gradFill rotWithShape="1">
+          <a:gsLst>
+            <a:gs pos="0">
+              <a:schemeClr val="phClr">
+                <a:lumMod val="110000"/>
+                <a:satMod val="105000"/>
+                <a:tint val="67000"/>
+              </a:schemeClr>
+            </a:gs>
+            <a:gs pos="50000">
+              <a:schemeClr val="phClr">
+                <a:lumMod val="105000"/>
+                <a:satMod val="103000"/>
+                <a:tint val="73000"/>
+              </a:schemeClr>
+            </a:gs>
+            <a:gs pos="100000">
+              <a:schemeClr val="phClr">
+                <a:lumMod val="105000"/>
+                <a:satMod val="109000"/>
+                <a:tint val="81000"/>
+              </a:schemeClr>
+            </a:gs>
+          </a:gsLst>
+          <a:lin ang="5400000" scaled="0"/>
+        </a:gradFill>
+        <a:gradFill rotWithShape="1">
+          <a:gsLst>
+            <a:gs pos="0">
+              <a:schemeClr val="phClr">
+                <a:satMod val="103000"/>
+                <a:lumMod val="102000"/>
+                <a:tint val="94000"/>
+              </a:schemeClr>
+            </a:gs>
+            <a:gs pos="50000">
+              <a:schemeClr val="phClr">
+                <a:satMod val="110000"/>
+                <a:lumMod val="100000"/>
+                <a:shade val="100000"/>
+              </a:schemeClr>
+            </a:gs>
+            <a:gs pos="100000">
+              <a:schemeClr val="phClr">
+                <a:lumMod val="99000"/>
+                <a:satMod val="120000"/>
+                <a:shade val="78000"/>
+              </a:schemeClr>
+            </a:gs>
+          </a:gsLst>
+          <a:lin ang="5400000" scaled="0"/>
+        </a:gradFill>
+      </a:fillStyleLst>
+      <a:lnStyleLst>
+        <a:ln w="6350" cap="flat" cmpd="sng" algn="ctr">
+          <a:solidFill>
+            <a:schemeClr val="phClr"/>
+          </a:solidFill>
+          <a:prstDash val="solid"/>
+          <a:miter lim="800000"/>
+        </a:ln>
+        <a:ln w="12700" cap="flat" cmpd="sng" algn="ctr">
+          <a:solidFill>
+            <a:schemeClr val="phClr"/>
+          </a:solidFill>
+          <a:prstDash val="solid"/>
+          <a:miter lim="800000"/>
+        </a:ln>
+        <a:ln w="19050" cap="flat" cmpd="sng" algn="ctr">
+          <a:solidFill>
+            <a:schemeClr val="phClr"/>
+          </a:solidFill>
+          <a:prstDash val="solid"/>
+          <a:miter lim="800000"/>
+        </a:ln>
+      </a:lnStyleLst>
+      <a:effectStyleLst>
+        <a:effectStyle>
+          <a:effectLst/>
+        </a:effectStyle>
+        <a:effectStyle>
+          <a:effectLst/>
+        </a:effectStyle>
+        <a:effectStyle>
+          <a:effectLst>
+            <a:outerShdw blurRad="57150" dist="19050" dir="5400000" algn="ctr" rotWithShape="0">
+              <a:srgbClr val="000000">
+                <a:alpha val="63000"/>
+              </a:srgbClr>
+            </a:outerShdw>
+          </a:effectLst>
+        </a:effectStyle>
+      </a:effectStyleLst>
+      <a:bgFillStyleLst>
+        <a:solidFill>
+          <a:schemeClr val="phClr"/>
+        </a:solidFill>
+        <a:solidFill>
+          <a:schemeClr val="phClr">
+            <a:tint val="95000"/>
+            <a:satMod val="170000"/>
+          </a:schemeClr>
+        </a:solidFill>
+        <a:gradFill rotWithShape="1">
+          <a:gsLst>
+            <a:gs pos="0">
+              <a:schemeClr val="phClr">
+                <a:tint val="93000"/>
+                <a:satMod val="150000"/>
+                <a:shade val="98000"/>
+                <a:lumMod val="102000"/>
+              </a:schemeClr>
+            </a:gs>
+            <a:gs pos="50000">
+              <a:schemeClr val="phClr">
+                <a:tint val="98000"/>
+                <a:satMod val="130000"/>
+                <a:shade val="90000"/>
+                <a:lumMod val="103000"/>
+              </a:schemeClr>
+            </a:gs>
+            <a:gs pos="100000">
+              <a:schemeClr val="phClr">
+                <a:shade val="63000"/>
+                <a:satMod val="120000"/>
+              </a:schemeClr>
+            </a:gs>
+          </a:gsLst>
+          <a:lin ang="5400000" scaled="0"/>
+        </a:gradFill>
+      </a:bgFillStyleLst>
+    </a:fmtScheme>
+  </a:themeElements>
+  <a:objectDefaults/>
+  <a:extraClrSchemeLst/>
+  <a:extLst>
+    <a:ext uri="{05A4C25C-085E-4340-85A3-A5531E510DB2}">
+      <thm15:themeFamily xmlns:thm15="http://schemas.microsoft.com/office/thememl/2012/main" name="Office Theme" id="{62F939B6-93AF-4DB8-9C6B-D6C7DFDC589F}" vid="{4A3C46E8-61CC-4603-A589-7422A47A8E4A}"/>
+    </a:ext>
+  </a:extLst>
+</a:theme>
 </file>
--- a/ThesisLaTeX/fig.pptx
+++ b/ThesisLaTeX/fig.pptx
@@ -5,7 +5,7 @@
     <p:sldMasterId id="2147483648" r:id="rId1"/>
   </p:sldMasterIdLst>
   <p:notesMasterIdLst>
-    <p:notesMasterId r:id="rId8"/>
+    <p:notesMasterId r:id="rId9"/>
   </p:notesMasterIdLst>
   <p:sldIdLst>
     <p:sldId id="256" r:id="rId2"/>
@@ -14,6 +14,7 @@
     <p:sldId id="259" r:id="rId5"/>
     <p:sldId id="260" r:id="rId6"/>
     <p:sldId id="261" r:id="rId7"/>
+    <p:sldId id="262" r:id="rId8"/>
   </p:sldIdLst>
   <p:sldSz cx="12192000" cy="6858000"/>
   <p:notesSz cx="6858000" cy="9144000"/>
@@ -202,7 +203,7 @@
           <a:p>
             <a:fld id="{A0438485-CF21-3F47-A468-9A5AD0CFA17C}" type="datetimeFigureOut">
               <a:rPr lang="en-US" smtClean="0"/>
-              <a:t>3/22/18</a:t>
+              <a:t>3/23/18</a:t>
             </a:fld>
             <a:endParaRPr lang="en-US"/>
           </a:p>
@@ -700,7 +701,7 @@
           <a:p>
             <a:fld id="{FBFF591B-33EC-0C40-B0D5-15169D3664A5}" type="datetimeFigureOut">
               <a:rPr lang="en-US" smtClean="0"/>
-              <a:t>3/22/18</a:t>
+              <a:t>3/23/18</a:t>
             </a:fld>
             <a:endParaRPr lang="en-US"/>
           </a:p>
@@ -898,7 +899,7 @@
           <a:p>
             <a:fld id="{FBFF591B-33EC-0C40-B0D5-15169D3664A5}" type="datetimeFigureOut">
               <a:rPr lang="en-US" smtClean="0"/>
-              <a:t>3/22/18</a:t>
+              <a:t>3/23/18</a:t>
             </a:fld>
             <a:endParaRPr lang="en-US"/>
           </a:p>
@@ -1106,7 +1107,7 @@
           <a:p>
             <a:fld id="{FBFF591B-33EC-0C40-B0D5-15169D3664A5}" type="datetimeFigureOut">
               <a:rPr lang="en-US" smtClean="0"/>
-              <a:t>3/22/18</a:t>
+              <a:t>3/23/18</a:t>
             </a:fld>
             <a:endParaRPr lang="en-US"/>
           </a:p>
@@ -1304,7 +1305,7 @@
           <a:p>
             <a:fld id="{FBFF591B-33EC-0C40-B0D5-15169D3664A5}" type="datetimeFigureOut">
               <a:rPr lang="en-US" smtClean="0"/>
-              <a:t>3/22/18</a:t>
+              <a:t>3/23/18</a:t>
             </a:fld>
             <a:endParaRPr lang="en-US"/>
           </a:p>
@@ -1579,7 +1580,7 @@
           <a:p>
             <a:fld id="{FBFF591B-33EC-0C40-B0D5-15169D3664A5}" type="datetimeFigureOut">
               <a:rPr lang="en-US" smtClean="0"/>
-              <a:t>3/22/18</a:t>
+              <a:t>3/23/18</a:t>
             </a:fld>
             <a:endParaRPr lang="en-US"/>
           </a:p>
@@ -1844,7 +1845,7 @@
           <a:p>
             <a:fld id="{FBFF591B-33EC-0C40-B0D5-15169D3664A5}" type="datetimeFigureOut">
               <a:rPr lang="en-US" smtClean="0"/>
-              <a:t>3/22/18</a:t>
+              <a:t>3/23/18</a:t>
             </a:fld>
             <a:endParaRPr lang="en-US"/>
           </a:p>
@@ -2256,7 +2257,7 @@
           <a:p>
             <a:fld id="{FBFF591B-33EC-0C40-B0D5-15169D3664A5}" type="datetimeFigureOut">
               <a:rPr lang="en-US" smtClean="0"/>
-              <a:t>3/22/18</a:t>
+              <a:t>3/23/18</a:t>
             </a:fld>
             <a:endParaRPr lang="en-US"/>
           </a:p>
@@ -2397,7 +2398,7 @@
           <a:p>
             <a:fld id="{FBFF591B-33EC-0C40-B0D5-15169D3664A5}" type="datetimeFigureOut">
               <a:rPr lang="en-US" smtClean="0"/>
-              <a:t>3/22/18</a:t>
+              <a:t>3/23/18</a:t>
             </a:fld>
             <a:endParaRPr lang="en-US"/>
           </a:p>
@@ -2510,7 +2511,7 @@
           <a:p>
             <a:fld id="{FBFF591B-33EC-0C40-B0D5-15169D3664A5}" type="datetimeFigureOut">
               <a:rPr lang="en-US" smtClean="0"/>
-              <a:t>3/22/18</a:t>
+              <a:t>3/23/18</a:t>
             </a:fld>
             <a:endParaRPr lang="en-US"/>
           </a:p>
@@ -2821,7 +2822,7 @@
           <a:p>
             <a:fld id="{FBFF591B-33EC-0C40-B0D5-15169D3664A5}" type="datetimeFigureOut">
               <a:rPr lang="en-US" smtClean="0"/>
-              <a:t>3/22/18</a:t>
+              <a:t>3/23/18</a:t>
             </a:fld>
             <a:endParaRPr lang="en-US"/>
           </a:p>
@@ -3109,7 +3110,7 @@
           <a:p>
             <a:fld id="{FBFF591B-33EC-0C40-B0D5-15169D3664A5}" type="datetimeFigureOut">
               <a:rPr lang="en-US" smtClean="0"/>
-              <a:t>3/22/18</a:t>
+              <a:t>3/23/18</a:t>
             </a:fld>
             <a:endParaRPr lang="en-US"/>
           </a:p>
@@ -3350,7 +3351,7 @@
           <a:p>
             <a:fld id="{FBFF591B-33EC-0C40-B0D5-15169D3664A5}" type="datetimeFigureOut">
               <a:rPr lang="en-US" smtClean="0"/>
-              <a:t>3/22/18</a:t>
+              <a:t>3/23/18</a:t>
             </a:fld>
             <a:endParaRPr lang="en-US"/>
           </a:p>
@@ -15934,199 +15935,91 @@
           </a:prstGeom>
         </p:spPr>
       </p:pic>
-      <p:grpSp>
-        <p:nvGrpSpPr>
-          <p:cNvPr id="179" name="Group 178">
-            <a:extLst>
-              <a:ext uri="{FF2B5EF4-FFF2-40B4-BE49-F238E27FC236}">
-                <a16:creationId xmlns:a16="http://schemas.microsoft.com/office/drawing/2014/main" id="{1D3E05EE-D71F-6E42-9116-2D57D73DFD2F}"/>
-              </a:ext>
-            </a:extLst>
-          </p:cNvPr>
-          <p:cNvGrpSpPr>
-            <a:grpSpLocks noChangeAspect="1"/>
-          </p:cNvGrpSpPr>
-          <p:nvPr/>
-        </p:nvGrpSpPr>
-        <p:grpSpPr>
+      <p:pic>
+        <p:nvPicPr>
+          <p:cNvPr id="173" name="Picture 172">
+            <a:extLst>
+              <a:ext uri="{FF2B5EF4-FFF2-40B4-BE49-F238E27FC236}">
+                <a16:creationId xmlns:a16="http://schemas.microsoft.com/office/drawing/2014/main" id="{28F44461-B963-8F4D-B572-C26A7C937FF2}"/>
+              </a:ext>
+            </a:extLst>
+          </p:cNvPr>
+          <p:cNvPicPr>
+            <a:picLocks noChangeAspect="1"/>
+          </p:cNvPicPr>
+          <p:nvPr/>
+        </p:nvPicPr>
+        <p:blipFill>
+          <a:blip r:embed="rId3">
+            <a:alphaModFix/>
+            <a:extLst>
+              <a:ext uri="{28A0092B-C50C-407E-A947-70E740481C1C}">
+                <a14:useLocalDpi xmlns:a14="http://schemas.microsoft.com/office/drawing/2010/main" val="0"/>
+              </a:ext>
+            </a:extLst>
+          </a:blip>
+          <a:stretch>
+            <a:fillRect/>
+          </a:stretch>
+        </p:blipFill>
+        <p:spPr>
           <a:xfrm>
             <a:off x="6480000" y="0"/>
             <a:ext cx="2160000" cy="2160000"/>
-            <a:chOff x="4682750" y="1047900"/>
-            <a:chExt cx="2422800" cy="2422800"/>
-          </a:xfrm>
-        </p:grpSpPr>
-        <p:pic>
-          <p:nvPicPr>
-            <p:cNvPr id="176" name="Picture 175">
-              <a:extLst>
-                <a:ext uri="{FF2B5EF4-FFF2-40B4-BE49-F238E27FC236}">
-                  <a16:creationId xmlns:a16="http://schemas.microsoft.com/office/drawing/2014/main" id="{FD80452A-1531-0C40-BF01-5D944FFC4D4B}"/>
-                </a:ext>
-              </a:extLst>
-            </p:cNvPr>
-            <p:cNvPicPr>
-              <a:picLocks noChangeAspect="1"/>
-            </p:cNvPicPr>
-            <p:nvPr/>
-          </p:nvPicPr>
-          <p:blipFill>
-            <a:blip r:embed="rId2">
-              <a:extLst>
-                <a:ext uri="{28A0092B-C50C-407E-A947-70E740481C1C}">
-                  <a14:useLocalDpi xmlns:a14="http://schemas.microsoft.com/office/drawing/2010/main" val="0"/>
-                </a:ext>
-              </a:extLst>
-            </a:blip>
-            <a:stretch>
-              <a:fillRect/>
-            </a:stretch>
-          </p:blipFill>
-          <p:spPr>
-            <a:xfrm>
-              <a:off x="4684550" y="1049700"/>
-              <a:ext cx="2419200" cy="2419200"/>
-            </a:xfrm>
-            <a:prstGeom prst="rect">
-              <a:avLst/>
-            </a:prstGeom>
-          </p:spPr>
-        </p:pic>
-        <p:pic>
-          <p:nvPicPr>
-            <p:cNvPr id="173" name="Picture 172">
-              <a:extLst>
-                <a:ext uri="{FF2B5EF4-FFF2-40B4-BE49-F238E27FC236}">
-                  <a16:creationId xmlns:a16="http://schemas.microsoft.com/office/drawing/2014/main" id="{28F44461-B963-8F4D-B572-C26A7C937FF2}"/>
-                </a:ext>
-              </a:extLst>
-            </p:cNvPr>
-            <p:cNvPicPr>
-              <a:picLocks noChangeAspect="1"/>
-            </p:cNvPicPr>
-            <p:nvPr/>
-          </p:nvPicPr>
-          <p:blipFill>
-            <a:blip r:embed="rId3">
-              <a:alphaModFix amt="80000"/>
-              <a:extLst>
-                <a:ext uri="{28A0092B-C50C-407E-A947-70E740481C1C}">
-                  <a14:useLocalDpi xmlns:a14="http://schemas.microsoft.com/office/drawing/2010/main" val="0"/>
-                </a:ext>
-              </a:extLst>
-            </a:blip>
-            <a:stretch>
-              <a:fillRect/>
-            </a:stretch>
-          </p:blipFill>
-          <p:spPr>
-            <a:xfrm>
-              <a:off x="4682750" y="1047900"/>
-              <a:ext cx="2422800" cy="2422800"/>
-            </a:xfrm>
-            <a:prstGeom prst="rect">
-              <a:avLst/>
-            </a:prstGeom>
-          </p:spPr>
-        </p:pic>
-      </p:grpSp>
-      <p:grpSp>
-        <p:nvGrpSpPr>
-          <p:cNvPr id="178" name="Group 177">
-            <a:extLst>
-              <a:ext uri="{FF2B5EF4-FFF2-40B4-BE49-F238E27FC236}">
-                <a16:creationId xmlns:a16="http://schemas.microsoft.com/office/drawing/2014/main" id="{87C2667E-0C21-CC45-82E5-7DF5330D3868}"/>
-              </a:ext>
-            </a:extLst>
-          </p:cNvPr>
-          <p:cNvGrpSpPr>
-            <a:grpSpLocks noChangeAspect="1"/>
-          </p:cNvGrpSpPr>
-          <p:nvPr/>
-        </p:nvGrpSpPr>
-        <p:grpSpPr>
+          </a:xfrm>
+          <a:prstGeom prst="rect">
+            <a:avLst/>
+          </a:prstGeom>
+          <a:ln>
+            <a:solidFill>
+              <a:schemeClr val="tx1"/>
+            </a:solidFill>
+          </a:ln>
+        </p:spPr>
+      </p:pic>
+      <p:pic>
+        <p:nvPicPr>
+          <p:cNvPr id="175" name="Picture 174">
+            <a:extLst>
+              <a:ext uri="{FF2B5EF4-FFF2-40B4-BE49-F238E27FC236}">
+                <a16:creationId xmlns:a16="http://schemas.microsoft.com/office/drawing/2014/main" id="{F567AC35-F26B-AA45-B5A4-0E99579C2EE8}"/>
+              </a:ext>
+            </a:extLst>
+          </p:cNvPr>
+          <p:cNvPicPr>
+            <a:picLocks noChangeAspect="1"/>
+          </p:cNvPicPr>
+          <p:nvPr/>
+        </p:nvPicPr>
+        <p:blipFill>
+          <a:blip r:embed="rId4">
+            <a:alphaModFix amt="80000"/>
+            <a:extLst>
+              <a:ext uri="{28A0092B-C50C-407E-A947-70E740481C1C}">
+                <a14:useLocalDpi xmlns:a14="http://schemas.microsoft.com/office/drawing/2010/main" val="0"/>
+              </a:ext>
+            </a:extLst>
+          </a:blip>
+          <a:stretch>
+            <a:fillRect/>
+          </a:stretch>
+        </p:blipFill>
+        <p:spPr>
           <a:xfrm>
             <a:off x="9720000" y="0"/>
             <a:ext cx="2160000" cy="2160000"/>
-            <a:chOff x="8693575" y="2990075"/>
-            <a:chExt cx="2422800" cy="2422800"/>
-          </a:xfrm>
-        </p:grpSpPr>
-        <p:pic>
-          <p:nvPicPr>
-            <p:cNvPr id="177" name="Picture 176">
-              <a:extLst>
-                <a:ext uri="{FF2B5EF4-FFF2-40B4-BE49-F238E27FC236}">
-                  <a16:creationId xmlns:a16="http://schemas.microsoft.com/office/drawing/2014/main" id="{2B79D7EE-942E-F446-BAF2-A5968D25DEB0}"/>
-                </a:ext>
-              </a:extLst>
-            </p:cNvPr>
-            <p:cNvPicPr>
-              <a:picLocks noChangeAspect="1"/>
-            </p:cNvPicPr>
-            <p:nvPr/>
-          </p:nvPicPr>
-          <p:blipFill>
-            <a:blip r:embed="rId2">
-              <a:extLst>
-                <a:ext uri="{28A0092B-C50C-407E-A947-70E740481C1C}">
-                  <a14:useLocalDpi xmlns:a14="http://schemas.microsoft.com/office/drawing/2010/main" val="0"/>
-                </a:ext>
-              </a:extLst>
-            </a:blip>
-            <a:stretch>
-              <a:fillRect/>
-            </a:stretch>
-          </p:blipFill>
-          <p:spPr>
-            <a:xfrm>
-              <a:off x="8695375" y="2991875"/>
-              <a:ext cx="2419200" cy="2419200"/>
-            </a:xfrm>
-            <a:prstGeom prst="rect">
-              <a:avLst/>
-            </a:prstGeom>
-          </p:spPr>
-        </p:pic>
-        <p:pic>
-          <p:nvPicPr>
-            <p:cNvPr id="175" name="Picture 174">
-              <a:extLst>
-                <a:ext uri="{FF2B5EF4-FFF2-40B4-BE49-F238E27FC236}">
-                  <a16:creationId xmlns:a16="http://schemas.microsoft.com/office/drawing/2014/main" id="{F567AC35-F26B-AA45-B5A4-0E99579C2EE8}"/>
-                </a:ext>
-              </a:extLst>
-            </p:cNvPr>
-            <p:cNvPicPr>
-              <a:picLocks noChangeAspect="1"/>
-            </p:cNvPicPr>
-            <p:nvPr/>
-          </p:nvPicPr>
-          <p:blipFill>
-            <a:blip r:embed="rId4">
-              <a:alphaModFix amt="80000"/>
-              <a:extLst>
-                <a:ext uri="{28A0092B-C50C-407E-A947-70E740481C1C}">
-                  <a14:useLocalDpi xmlns:a14="http://schemas.microsoft.com/office/drawing/2010/main" val="0"/>
-                </a:ext>
-              </a:extLst>
-            </a:blip>
-            <a:stretch>
-              <a:fillRect/>
-            </a:stretch>
-          </p:blipFill>
-          <p:spPr>
-            <a:xfrm>
-              <a:off x="8693575" y="2990075"/>
-              <a:ext cx="2422800" cy="2422800"/>
-            </a:xfrm>
-            <a:prstGeom prst="rect">
-              <a:avLst/>
-            </a:prstGeom>
-            <a:effectLst/>
-          </p:spPr>
-        </p:pic>
-      </p:grpSp>
+          </a:xfrm>
+          <a:prstGeom prst="rect">
+            <a:avLst/>
+          </a:prstGeom>
+          <a:ln>
+            <a:solidFill>
+              <a:schemeClr val="tx1"/>
+            </a:solidFill>
+          </a:ln>
+          <a:effectLst/>
+        </p:spPr>
+      </p:pic>
       <p:pic>
         <p:nvPicPr>
           <p:cNvPr id="186" name="Picture 185">
@@ -19370,6 +19263,140 @@
           <a:chExt cx="0" cy="0"/>
         </a:xfrm>
       </p:grpSpPr>
+      <p:grpSp>
+        <p:nvGrpSpPr>
+          <p:cNvPr id="4" name="Group 3">
+            <a:extLst>
+              <a:ext uri="{FF2B5EF4-FFF2-40B4-BE49-F238E27FC236}">
+                <a16:creationId xmlns:a16="http://schemas.microsoft.com/office/drawing/2014/main" id="{1D674716-7928-B540-9B1F-24244F267BD7}"/>
+              </a:ext>
+            </a:extLst>
+          </p:cNvPr>
+          <p:cNvGrpSpPr/>
+          <p:nvPr/>
+        </p:nvGrpSpPr>
+        <p:grpSpPr>
+          <a:xfrm>
+            <a:off x="6120000" y="4320000"/>
+            <a:ext cx="1620000" cy="1620000"/>
+            <a:chOff x="6078518" y="4355113"/>
+            <a:chExt cx="1620000" cy="1620000"/>
+          </a:xfrm>
+        </p:grpSpPr>
+        <p:sp>
+          <p:nvSpPr>
+            <p:cNvPr id="125" name="Rectangle 124">
+              <a:extLst>
+                <a:ext uri="{FF2B5EF4-FFF2-40B4-BE49-F238E27FC236}">
+                  <a16:creationId xmlns:a16="http://schemas.microsoft.com/office/drawing/2014/main" id="{4CD97AD4-F1F4-CE4C-BB3B-5A0859255950}"/>
+                </a:ext>
+              </a:extLst>
+            </p:cNvPr>
+            <p:cNvSpPr>
+              <a:spLocks noChangeAspect="1"/>
+            </p:cNvSpPr>
+            <p:nvPr/>
+          </p:nvSpPr>
+          <p:spPr>
+            <a:xfrm>
+              <a:off x="6078518" y="4355113"/>
+              <a:ext cx="1620000" cy="1620000"/>
+            </a:xfrm>
+            <a:prstGeom prst="rect">
+              <a:avLst/>
+            </a:prstGeom>
+            <a:solidFill>
+              <a:schemeClr val="accent4">
+                <a:lumMod val="60000"/>
+                <a:lumOff val="40000"/>
+              </a:schemeClr>
+            </a:solidFill>
+            <a:ln>
+              <a:solidFill>
+                <a:schemeClr val="accent4"/>
+              </a:solidFill>
+            </a:ln>
+          </p:spPr>
+          <p:style>
+            <a:lnRef idx="2">
+              <a:schemeClr val="accent1">
+                <a:shade val="50000"/>
+              </a:schemeClr>
+            </a:lnRef>
+            <a:fillRef idx="1">
+              <a:schemeClr val="accent1"/>
+            </a:fillRef>
+            <a:effectRef idx="0">
+              <a:schemeClr val="accent1"/>
+            </a:effectRef>
+            <a:fontRef idx="minor">
+              <a:schemeClr val="lt1"/>
+            </a:fontRef>
+          </p:style>
+          <p:txBody>
+            <a:bodyPr rtlCol="0" anchor="ctr"/>
+            <a:lstStyle/>
+            <a:p>
+              <a:pPr algn="ctr"/>
+              <a:endParaRPr lang="en-US"/>
+            </a:p>
+          </p:txBody>
+        </p:sp>
+        <p:sp>
+          <p:nvSpPr>
+            <p:cNvPr id="126" name="Rectangle 125">
+              <a:extLst>
+                <a:ext uri="{FF2B5EF4-FFF2-40B4-BE49-F238E27FC236}">
+                  <a16:creationId xmlns:a16="http://schemas.microsoft.com/office/drawing/2014/main" id="{D30FD7C1-ABB8-1C42-B264-8DF508762263}"/>
+                </a:ext>
+              </a:extLst>
+            </p:cNvPr>
+            <p:cNvSpPr>
+              <a:spLocks noChangeAspect="1"/>
+            </p:cNvSpPr>
+            <p:nvPr/>
+          </p:nvSpPr>
+          <p:spPr>
+            <a:xfrm>
+              <a:off x="6508424" y="5425118"/>
+              <a:ext cx="144000" cy="144000"/>
+            </a:xfrm>
+            <a:prstGeom prst="rect">
+              <a:avLst/>
+            </a:prstGeom>
+            <a:solidFill>
+              <a:schemeClr val="accent2"/>
+            </a:solidFill>
+            <a:ln>
+              <a:noFill/>
+            </a:ln>
+          </p:spPr>
+          <p:style>
+            <a:lnRef idx="2">
+              <a:schemeClr val="accent1">
+                <a:shade val="50000"/>
+              </a:schemeClr>
+            </a:lnRef>
+            <a:fillRef idx="1">
+              <a:schemeClr val="accent1"/>
+            </a:fillRef>
+            <a:effectRef idx="0">
+              <a:schemeClr val="accent1"/>
+            </a:effectRef>
+            <a:fontRef idx="minor">
+              <a:schemeClr val="lt1"/>
+            </a:fontRef>
+          </p:style>
+          <p:txBody>
+            <a:bodyPr rtlCol="0" anchor="ctr"/>
+            <a:lstStyle/>
+            <a:p>
+              <a:pPr algn="ctr"/>
+              <a:endParaRPr lang="en-US"/>
+            </a:p>
+          </p:txBody>
+        </p:sp>
+      </p:grpSp>
       <p:sp>
         <p:nvSpPr>
           <p:cNvPr id="2" name="Rectangle 1">
@@ -19529,199 +19556,91 @@
           </a:p>
         </p:txBody>
       </p:sp>
-      <p:grpSp>
-        <p:nvGrpSpPr>
-          <p:cNvPr id="34" name="Group 33">
-            <a:extLst>
-              <a:ext uri="{FF2B5EF4-FFF2-40B4-BE49-F238E27FC236}">
-                <a16:creationId xmlns:a16="http://schemas.microsoft.com/office/drawing/2014/main" id="{7F6DFE84-FB9B-A147-AF0A-0E45DEB1688C}"/>
-              </a:ext>
-            </a:extLst>
-          </p:cNvPr>
-          <p:cNvGrpSpPr>
-            <a:grpSpLocks noChangeAspect="1"/>
-          </p:cNvGrpSpPr>
-          <p:nvPr/>
-        </p:nvGrpSpPr>
-        <p:grpSpPr>
+      <p:pic>
+        <p:nvPicPr>
+          <p:cNvPr id="36" name="Picture 35">
+            <a:extLst>
+              <a:ext uri="{FF2B5EF4-FFF2-40B4-BE49-F238E27FC236}">
+                <a16:creationId xmlns:a16="http://schemas.microsoft.com/office/drawing/2014/main" id="{91E649D3-E392-DC4A-9B86-68540C3B3594}"/>
+              </a:ext>
+            </a:extLst>
+          </p:cNvPr>
+          <p:cNvPicPr>
+            <a:picLocks noChangeAspect="1"/>
+          </p:cNvPicPr>
+          <p:nvPr/>
+        </p:nvPicPr>
+        <p:blipFill>
+          <a:blip r:embed="rId4">
+            <a:alphaModFix amt="80000"/>
+            <a:extLst>
+              <a:ext uri="{28A0092B-C50C-407E-A947-70E740481C1C}">
+                <a14:useLocalDpi xmlns:a14="http://schemas.microsoft.com/office/drawing/2010/main" val="0"/>
+              </a:ext>
+            </a:extLst>
+          </a:blip>
+          <a:stretch>
+            <a:fillRect/>
+          </a:stretch>
+        </p:blipFill>
+        <p:spPr>
           <a:xfrm>
             <a:off x="1800000" y="4320000"/>
             <a:ext cx="1620000" cy="1620000"/>
-            <a:chOff x="4682750" y="1047900"/>
-            <a:chExt cx="2422800" cy="2422800"/>
-          </a:xfrm>
-        </p:grpSpPr>
-        <p:pic>
-          <p:nvPicPr>
-            <p:cNvPr id="35" name="Picture 34">
-              <a:extLst>
-                <a:ext uri="{FF2B5EF4-FFF2-40B4-BE49-F238E27FC236}">
-                  <a16:creationId xmlns:a16="http://schemas.microsoft.com/office/drawing/2014/main" id="{7E123DDF-CE86-4945-B1C9-E7D823E82E60}"/>
-                </a:ext>
-              </a:extLst>
-            </p:cNvPr>
-            <p:cNvPicPr>
-              <a:picLocks noChangeAspect="1"/>
-            </p:cNvPicPr>
-            <p:nvPr/>
-          </p:nvPicPr>
-          <p:blipFill>
-            <a:blip r:embed="rId4">
-              <a:extLst>
-                <a:ext uri="{28A0092B-C50C-407E-A947-70E740481C1C}">
-                  <a14:useLocalDpi xmlns:a14="http://schemas.microsoft.com/office/drawing/2010/main" val="0"/>
-                </a:ext>
-              </a:extLst>
-            </a:blip>
-            <a:stretch>
-              <a:fillRect/>
-            </a:stretch>
-          </p:blipFill>
-          <p:spPr>
-            <a:xfrm>
-              <a:off x="4684550" y="1049700"/>
-              <a:ext cx="2419200" cy="2419200"/>
-            </a:xfrm>
-            <a:prstGeom prst="rect">
-              <a:avLst/>
-            </a:prstGeom>
-          </p:spPr>
-        </p:pic>
-        <p:pic>
-          <p:nvPicPr>
-            <p:cNvPr id="36" name="Picture 35">
-              <a:extLst>
-                <a:ext uri="{FF2B5EF4-FFF2-40B4-BE49-F238E27FC236}">
-                  <a16:creationId xmlns:a16="http://schemas.microsoft.com/office/drawing/2014/main" id="{91E649D3-E392-DC4A-9B86-68540C3B3594}"/>
-                </a:ext>
-              </a:extLst>
-            </p:cNvPr>
-            <p:cNvPicPr>
-              <a:picLocks noChangeAspect="1"/>
-            </p:cNvPicPr>
-            <p:nvPr/>
-          </p:nvPicPr>
-          <p:blipFill>
-            <a:blip r:embed="rId5">
-              <a:alphaModFix amt="80000"/>
-              <a:extLst>
-                <a:ext uri="{28A0092B-C50C-407E-A947-70E740481C1C}">
-                  <a14:useLocalDpi xmlns:a14="http://schemas.microsoft.com/office/drawing/2010/main" val="0"/>
-                </a:ext>
-              </a:extLst>
-            </a:blip>
-            <a:stretch>
-              <a:fillRect/>
-            </a:stretch>
-          </p:blipFill>
-          <p:spPr>
-            <a:xfrm>
-              <a:off x="4682750" y="1047900"/>
-              <a:ext cx="2422800" cy="2422800"/>
-            </a:xfrm>
-            <a:prstGeom prst="rect">
-              <a:avLst/>
-            </a:prstGeom>
-          </p:spPr>
-        </p:pic>
-      </p:grpSp>
-      <p:grpSp>
-        <p:nvGrpSpPr>
-          <p:cNvPr id="37" name="Group 36">
-            <a:extLst>
-              <a:ext uri="{FF2B5EF4-FFF2-40B4-BE49-F238E27FC236}">
-                <a16:creationId xmlns:a16="http://schemas.microsoft.com/office/drawing/2014/main" id="{3885C367-6AF6-BA48-A9DA-70D4BB9AD9D4}"/>
-              </a:ext>
-            </a:extLst>
-          </p:cNvPr>
-          <p:cNvGrpSpPr>
-            <a:grpSpLocks noChangeAspect="1"/>
-          </p:cNvGrpSpPr>
-          <p:nvPr/>
-        </p:nvGrpSpPr>
-        <p:grpSpPr>
+          </a:xfrm>
+          <a:prstGeom prst="rect">
+            <a:avLst/>
+          </a:prstGeom>
+          <a:ln>
+            <a:solidFill>
+              <a:schemeClr val="tx1"/>
+            </a:solidFill>
+          </a:ln>
+        </p:spPr>
+      </p:pic>
+      <p:pic>
+        <p:nvPicPr>
+          <p:cNvPr id="39" name="Picture 38">
+            <a:extLst>
+              <a:ext uri="{FF2B5EF4-FFF2-40B4-BE49-F238E27FC236}">
+                <a16:creationId xmlns:a16="http://schemas.microsoft.com/office/drawing/2014/main" id="{7844AF91-4C06-1945-BAC4-F27DCF248705}"/>
+              </a:ext>
+            </a:extLst>
+          </p:cNvPr>
+          <p:cNvPicPr>
+            <a:picLocks noChangeAspect="1"/>
+          </p:cNvPicPr>
+          <p:nvPr/>
+        </p:nvPicPr>
+        <p:blipFill>
+          <a:blip r:embed="rId5">
+            <a:alphaModFix amt="80000"/>
+            <a:extLst>
+              <a:ext uri="{28A0092B-C50C-407E-A947-70E740481C1C}">
+                <a14:useLocalDpi xmlns:a14="http://schemas.microsoft.com/office/drawing/2010/main" val="0"/>
+              </a:ext>
+            </a:extLst>
+          </a:blip>
+          <a:stretch>
+            <a:fillRect/>
+          </a:stretch>
+        </p:blipFill>
+        <p:spPr>
           <a:xfrm>
             <a:off x="3960000" y="4320000"/>
             <a:ext cx="1620000" cy="1620000"/>
-            <a:chOff x="8693575" y="2990075"/>
-            <a:chExt cx="2422800" cy="2422800"/>
-          </a:xfrm>
-        </p:grpSpPr>
-        <p:pic>
-          <p:nvPicPr>
-            <p:cNvPr id="38" name="Picture 37">
-              <a:extLst>
-                <a:ext uri="{FF2B5EF4-FFF2-40B4-BE49-F238E27FC236}">
-                  <a16:creationId xmlns:a16="http://schemas.microsoft.com/office/drawing/2014/main" id="{84BD8E46-9554-AE4C-9BDF-27F1632C872D}"/>
-                </a:ext>
-              </a:extLst>
-            </p:cNvPr>
-            <p:cNvPicPr>
-              <a:picLocks noChangeAspect="1"/>
-            </p:cNvPicPr>
-            <p:nvPr/>
-          </p:nvPicPr>
-          <p:blipFill>
-            <a:blip r:embed="rId4">
-              <a:extLst>
-                <a:ext uri="{28A0092B-C50C-407E-A947-70E740481C1C}">
-                  <a14:useLocalDpi xmlns:a14="http://schemas.microsoft.com/office/drawing/2010/main" val="0"/>
-                </a:ext>
-              </a:extLst>
-            </a:blip>
-            <a:stretch>
-              <a:fillRect/>
-            </a:stretch>
-          </p:blipFill>
-          <p:spPr>
-            <a:xfrm>
-              <a:off x="8695375" y="2991875"/>
-              <a:ext cx="2419200" cy="2419200"/>
-            </a:xfrm>
-            <a:prstGeom prst="rect">
-              <a:avLst/>
-            </a:prstGeom>
-          </p:spPr>
-        </p:pic>
-        <p:pic>
-          <p:nvPicPr>
-            <p:cNvPr id="39" name="Picture 38">
-              <a:extLst>
-                <a:ext uri="{FF2B5EF4-FFF2-40B4-BE49-F238E27FC236}">
-                  <a16:creationId xmlns:a16="http://schemas.microsoft.com/office/drawing/2014/main" id="{7844AF91-4C06-1945-BAC4-F27DCF248705}"/>
-                </a:ext>
-              </a:extLst>
-            </p:cNvPr>
-            <p:cNvPicPr>
-              <a:picLocks noChangeAspect="1"/>
-            </p:cNvPicPr>
-            <p:nvPr/>
-          </p:nvPicPr>
-          <p:blipFill>
-            <a:blip r:embed="rId6">
-              <a:alphaModFix amt="80000"/>
-              <a:extLst>
-                <a:ext uri="{28A0092B-C50C-407E-A947-70E740481C1C}">
-                  <a14:useLocalDpi xmlns:a14="http://schemas.microsoft.com/office/drawing/2010/main" val="0"/>
-                </a:ext>
-              </a:extLst>
-            </a:blip>
-            <a:stretch>
-              <a:fillRect/>
-            </a:stretch>
-          </p:blipFill>
-          <p:spPr>
-            <a:xfrm>
-              <a:off x="8693575" y="2990075"/>
-              <a:ext cx="2422800" cy="2422800"/>
-            </a:xfrm>
-            <a:prstGeom prst="rect">
-              <a:avLst/>
-            </a:prstGeom>
-            <a:effectLst/>
-          </p:spPr>
-        </p:pic>
-      </p:grpSp>
+          </a:xfrm>
+          <a:prstGeom prst="rect">
+            <a:avLst/>
+          </a:prstGeom>
+          <a:ln>
+            <a:solidFill>
+              <a:schemeClr val="tx1"/>
+            </a:solidFill>
+          </a:ln>
+          <a:effectLst/>
+        </p:spPr>
+      </p:pic>
       <p:sp>
         <p:nvSpPr>
           <p:cNvPr id="40" name="TextBox 39">
@@ -19826,591 +19745,6 @@
           </a:p>
         </p:txBody>
       </p:sp>
-      <p:grpSp>
-        <p:nvGrpSpPr>
-          <p:cNvPr id="3" name="Group 2">
-            <a:extLst>
-              <a:ext uri="{FF2B5EF4-FFF2-40B4-BE49-F238E27FC236}">
-                <a16:creationId xmlns:a16="http://schemas.microsoft.com/office/drawing/2014/main" id="{E81BEC20-6550-4A43-85FD-DA1CAD17C244}"/>
-              </a:ext>
-            </a:extLst>
-          </p:cNvPr>
-          <p:cNvGrpSpPr>
-            <a:grpSpLocks noChangeAspect="1"/>
-          </p:cNvGrpSpPr>
-          <p:nvPr/>
-        </p:nvGrpSpPr>
-        <p:grpSpPr>
-          <a:xfrm>
-            <a:off x="6120000" y="-2160000"/>
-            <a:ext cx="1620000" cy="1620000"/>
-            <a:chOff x="7466496" y="130752"/>
-            <a:chExt cx="1440000" cy="1440000"/>
-          </a:xfrm>
-        </p:grpSpPr>
-        <p:pic>
-          <p:nvPicPr>
-            <p:cNvPr id="52" name="Picture 51">
-              <a:extLst>
-                <a:ext uri="{FF2B5EF4-FFF2-40B4-BE49-F238E27FC236}">
-                  <a16:creationId xmlns:a16="http://schemas.microsoft.com/office/drawing/2014/main" id="{D6A30CE6-86E9-2A4F-8C01-27BF12C00722}"/>
-                </a:ext>
-              </a:extLst>
-            </p:cNvPr>
-            <p:cNvPicPr>
-              <a:picLocks noChangeAspect="1"/>
-            </p:cNvPicPr>
-            <p:nvPr/>
-          </p:nvPicPr>
-          <p:blipFill>
-            <a:blip r:embed="rId4">
-              <a:extLst>
-                <a:ext uri="{28A0092B-C50C-407E-A947-70E740481C1C}">
-                  <a14:useLocalDpi xmlns:a14="http://schemas.microsoft.com/office/drawing/2010/main" val="0"/>
-                </a:ext>
-              </a:extLst>
-            </a:blip>
-            <a:stretch>
-              <a:fillRect/>
-            </a:stretch>
-          </p:blipFill>
-          <p:spPr>
-            <a:xfrm>
-              <a:off x="7466496" y="130752"/>
-              <a:ext cx="1440000" cy="1440000"/>
-            </a:xfrm>
-            <a:prstGeom prst="rect">
-              <a:avLst/>
-            </a:prstGeom>
-            <a:ln>
-              <a:noFill/>
-            </a:ln>
-          </p:spPr>
-        </p:pic>
-        <p:grpSp>
-          <p:nvGrpSpPr>
-            <p:cNvPr id="9" name="Group 8">
-              <a:extLst>
-                <a:ext uri="{FF2B5EF4-FFF2-40B4-BE49-F238E27FC236}">
-                  <a16:creationId xmlns:a16="http://schemas.microsoft.com/office/drawing/2014/main" id="{FB758036-9EF4-DA40-8BBD-DD246E34AB98}"/>
-                </a:ext>
-              </a:extLst>
-            </p:cNvPr>
-            <p:cNvGrpSpPr>
-              <a:grpSpLocks noChangeAspect="1"/>
-            </p:cNvGrpSpPr>
-            <p:nvPr/>
-          </p:nvGrpSpPr>
-          <p:grpSpPr>
-            <a:xfrm>
-              <a:off x="7466496" y="130752"/>
-              <a:ext cx="1440000" cy="1440000"/>
-              <a:chOff x="1571643" y="848890"/>
-              <a:chExt cx="10080000" cy="10080000"/>
-            </a:xfrm>
-          </p:grpSpPr>
-          <p:sp>
-            <p:nvSpPr>
-              <p:cNvPr id="5" name="Rectangle 4">
-                <a:extLst>
-                  <a:ext uri="{FF2B5EF4-FFF2-40B4-BE49-F238E27FC236}">
-                    <a16:creationId xmlns:a16="http://schemas.microsoft.com/office/drawing/2014/main" id="{F10DB4FD-FA02-0744-9470-156D75D5B123}"/>
-                  </a:ext>
-                </a:extLst>
-              </p:cNvPr>
-              <p:cNvSpPr>
-                <a:spLocks noChangeAspect="1"/>
-              </p:cNvSpPr>
-              <p:nvPr/>
-            </p:nvSpPr>
-            <p:spPr>
-              <a:xfrm>
-                <a:off x="1571643" y="848890"/>
-                <a:ext cx="10080000" cy="10080000"/>
-              </a:xfrm>
-              <a:prstGeom prst="rect">
-                <a:avLst/>
-              </a:prstGeom>
-              <a:solidFill>
-                <a:schemeClr val="bg1">
-                  <a:alpha val="80000"/>
-                </a:schemeClr>
-              </a:solidFill>
-              <a:ln>
-                <a:noFill/>
-              </a:ln>
-            </p:spPr>
-            <p:style>
-              <a:lnRef idx="2">
-                <a:schemeClr val="accent1">
-                  <a:shade val="50000"/>
-                </a:schemeClr>
-              </a:lnRef>
-              <a:fillRef idx="1">
-                <a:schemeClr val="accent1"/>
-              </a:fillRef>
-              <a:effectRef idx="0">
-                <a:schemeClr val="accent1"/>
-              </a:effectRef>
-              <a:fontRef idx="minor">
-                <a:schemeClr val="lt1"/>
-              </a:fontRef>
-            </p:style>
-            <p:txBody>
-              <a:bodyPr rtlCol="0" anchor="ctr"/>
-              <a:lstStyle/>
-              <a:p>
-                <a:pPr algn="ctr"/>
-                <a:endParaRPr lang="en-US"/>
-              </a:p>
-            </p:txBody>
-          </p:sp>
-          <p:sp>
-            <p:nvSpPr>
-              <p:cNvPr id="50" name="Rectangle 49">
-                <a:extLst>
-                  <a:ext uri="{FF2B5EF4-FFF2-40B4-BE49-F238E27FC236}">
-                    <a16:creationId xmlns:a16="http://schemas.microsoft.com/office/drawing/2014/main" id="{0DBDC105-90EF-004C-9407-C848C4A95EB3}"/>
-                  </a:ext>
-                </a:extLst>
-              </p:cNvPr>
-              <p:cNvSpPr>
-                <a:spLocks noChangeAspect="1"/>
-              </p:cNvSpPr>
-              <p:nvPr/>
-            </p:nvSpPr>
-            <p:spPr>
-              <a:xfrm>
-                <a:off x="9858279" y="6254995"/>
-                <a:ext cx="360000" cy="360000"/>
-              </a:xfrm>
-              <a:prstGeom prst="rect">
-                <a:avLst/>
-              </a:prstGeom>
-              <a:solidFill>
-                <a:schemeClr val="tx1"/>
-              </a:solidFill>
-              <a:ln>
-                <a:noFill/>
-              </a:ln>
-            </p:spPr>
-            <p:style>
-              <a:lnRef idx="2">
-                <a:schemeClr val="accent1">
-                  <a:shade val="50000"/>
-                </a:schemeClr>
-              </a:lnRef>
-              <a:fillRef idx="1">
-                <a:schemeClr val="accent1"/>
-              </a:fillRef>
-              <a:effectRef idx="0">
-                <a:schemeClr val="accent1"/>
-              </a:effectRef>
-              <a:fontRef idx="minor">
-                <a:schemeClr val="lt1"/>
-              </a:fontRef>
-            </p:style>
-            <p:txBody>
-              <a:bodyPr rtlCol="0" anchor="ctr"/>
-              <a:lstStyle/>
-              <a:p>
-                <a:pPr algn="ctr"/>
-                <a:endParaRPr lang="en-US"/>
-              </a:p>
-            </p:txBody>
-          </p:sp>
-        </p:grpSp>
-      </p:grpSp>
-      <p:grpSp>
-        <p:nvGrpSpPr>
-          <p:cNvPr id="61" name="Group 60">
-            <a:extLst>
-              <a:ext uri="{FF2B5EF4-FFF2-40B4-BE49-F238E27FC236}">
-                <a16:creationId xmlns:a16="http://schemas.microsoft.com/office/drawing/2014/main" id="{9BA44C3D-59CE-DC48-AC57-A68DA0C353EA}"/>
-              </a:ext>
-            </a:extLst>
-          </p:cNvPr>
-          <p:cNvGrpSpPr>
-            <a:grpSpLocks noChangeAspect="1"/>
-          </p:cNvGrpSpPr>
-          <p:nvPr/>
-        </p:nvGrpSpPr>
-        <p:grpSpPr>
-          <a:xfrm>
-            <a:off x="3960000" y="-2160000"/>
-            <a:ext cx="1620000" cy="1620000"/>
-            <a:chOff x="7466496" y="130752"/>
-            <a:chExt cx="1440000" cy="1440000"/>
-          </a:xfrm>
-        </p:grpSpPr>
-        <p:pic>
-          <p:nvPicPr>
-            <p:cNvPr id="62" name="Picture 61">
-              <a:extLst>
-                <a:ext uri="{FF2B5EF4-FFF2-40B4-BE49-F238E27FC236}">
-                  <a16:creationId xmlns:a16="http://schemas.microsoft.com/office/drawing/2014/main" id="{A0460A98-27DA-6846-9426-B104D0954BE1}"/>
-                </a:ext>
-              </a:extLst>
-            </p:cNvPr>
-            <p:cNvPicPr>
-              <a:picLocks noChangeAspect="1"/>
-            </p:cNvPicPr>
-            <p:nvPr/>
-          </p:nvPicPr>
-          <p:blipFill>
-            <a:blip r:embed="rId4">
-              <a:extLst>
-                <a:ext uri="{28A0092B-C50C-407E-A947-70E740481C1C}">
-                  <a14:useLocalDpi xmlns:a14="http://schemas.microsoft.com/office/drawing/2010/main" val="0"/>
-                </a:ext>
-              </a:extLst>
-            </a:blip>
-            <a:stretch>
-              <a:fillRect/>
-            </a:stretch>
-          </p:blipFill>
-          <p:spPr>
-            <a:xfrm>
-              <a:off x="7466496" y="130752"/>
-              <a:ext cx="1440000" cy="1440000"/>
-            </a:xfrm>
-            <a:prstGeom prst="rect">
-              <a:avLst/>
-            </a:prstGeom>
-            <a:ln>
-              <a:noFill/>
-            </a:ln>
-          </p:spPr>
-        </p:pic>
-        <p:grpSp>
-          <p:nvGrpSpPr>
-            <p:cNvPr id="63" name="Group 62">
-              <a:extLst>
-                <a:ext uri="{FF2B5EF4-FFF2-40B4-BE49-F238E27FC236}">
-                  <a16:creationId xmlns:a16="http://schemas.microsoft.com/office/drawing/2014/main" id="{1460EB3B-2533-2B4F-883C-84185DB57432}"/>
-                </a:ext>
-              </a:extLst>
-            </p:cNvPr>
-            <p:cNvGrpSpPr>
-              <a:grpSpLocks noChangeAspect="1"/>
-            </p:cNvGrpSpPr>
-            <p:nvPr/>
-          </p:nvGrpSpPr>
-          <p:grpSpPr>
-            <a:xfrm>
-              <a:off x="7466496" y="130752"/>
-              <a:ext cx="1440000" cy="1440000"/>
-              <a:chOff x="1571643" y="848890"/>
-              <a:chExt cx="10080000" cy="10080000"/>
-            </a:xfrm>
-          </p:grpSpPr>
-          <p:sp>
-            <p:nvSpPr>
-              <p:cNvPr id="64" name="Rectangle 63">
-                <a:extLst>
-                  <a:ext uri="{FF2B5EF4-FFF2-40B4-BE49-F238E27FC236}">
-                    <a16:creationId xmlns:a16="http://schemas.microsoft.com/office/drawing/2014/main" id="{F18E6A67-0225-D644-BBB9-B505B8100E54}"/>
-                  </a:ext>
-                </a:extLst>
-              </p:cNvPr>
-              <p:cNvSpPr>
-                <a:spLocks noChangeAspect="1"/>
-              </p:cNvSpPr>
-              <p:nvPr/>
-            </p:nvSpPr>
-            <p:spPr>
-              <a:xfrm>
-                <a:off x="1571643" y="848890"/>
-                <a:ext cx="10080000" cy="10080000"/>
-              </a:xfrm>
-              <a:prstGeom prst="rect">
-                <a:avLst/>
-              </a:prstGeom>
-              <a:solidFill>
-                <a:schemeClr val="bg1">
-                  <a:alpha val="80000"/>
-                </a:schemeClr>
-              </a:solidFill>
-              <a:ln>
-                <a:noFill/>
-              </a:ln>
-            </p:spPr>
-            <p:style>
-              <a:lnRef idx="2">
-                <a:schemeClr val="accent1">
-                  <a:shade val="50000"/>
-                </a:schemeClr>
-              </a:lnRef>
-              <a:fillRef idx="1">
-                <a:schemeClr val="accent1"/>
-              </a:fillRef>
-              <a:effectRef idx="0">
-                <a:schemeClr val="accent1"/>
-              </a:effectRef>
-              <a:fontRef idx="minor">
-                <a:schemeClr val="lt1"/>
-              </a:fontRef>
-            </p:style>
-            <p:txBody>
-              <a:bodyPr rtlCol="0" anchor="ctr"/>
-              <a:lstStyle/>
-              <a:p>
-                <a:pPr algn="ctr"/>
-                <a:endParaRPr lang="en-US"/>
-              </a:p>
-            </p:txBody>
-          </p:sp>
-          <p:sp>
-            <p:nvSpPr>
-              <p:cNvPr id="66" name="Rectangle 65">
-                <a:extLst>
-                  <a:ext uri="{FF2B5EF4-FFF2-40B4-BE49-F238E27FC236}">
-                    <a16:creationId xmlns:a16="http://schemas.microsoft.com/office/drawing/2014/main" id="{4EB30B03-BDD7-5646-846B-E860803EB31C}"/>
-                  </a:ext>
-                </a:extLst>
-              </p:cNvPr>
-              <p:cNvSpPr>
-                <a:spLocks noChangeAspect="1"/>
-              </p:cNvSpPr>
-              <p:nvPr/>
-            </p:nvSpPr>
-            <p:spPr>
-              <a:xfrm>
-                <a:off x="9150066" y="2265702"/>
-                <a:ext cx="360000" cy="360000"/>
-              </a:xfrm>
-              <a:prstGeom prst="rect">
-                <a:avLst/>
-              </a:prstGeom>
-              <a:solidFill>
-                <a:schemeClr val="tx1"/>
-              </a:solidFill>
-              <a:ln>
-                <a:noFill/>
-              </a:ln>
-            </p:spPr>
-            <p:style>
-              <a:lnRef idx="2">
-                <a:schemeClr val="accent1">
-                  <a:shade val="50000"/>
-                </a:schemeClr>
-              </a:lnRef>
-              <a:fillRef idx="1">
-                <a:schemeClr val="accent1"/>
-              </a:fillRef>
-              <a:effectRef idx="0">
-                <a:schemeClr val="accent1"/>
-              </a:effectRef>
-              <a:fontRef idx="minor">
-                <a:schemeClr val="lt1"/>
-              </a:fontRef>
-            </p:style>
-            <p:txBody>
-              <a:bodyPr rtlCol="0" anchor="ctr"/>
-              <a:lstStyle/>
-              <a:p>
-                <a:pPr algn="ctr"/>
-                <a:endParaRPr lang="en-US"/>
-              </a:p>
-            </p:txBody>
-          </p:sp>
-        </p:grpSp>
-      </p:grpSp>
-      <p:grpSp>
-        <p:nvGrpSpPr>
-          <p:cNvPr id="69" name="Group 68">
-            <a:extLst>
-              <a:ext uri="{FF2B5EF4-FFF2-40B4-BE49-F238E27FC236}">
-                <a16:creationId xmlns:a16="http://schemas.microsoft.com/office/drawing/2014/main" id="{F4A64EEC-D57D-7143-9E52-C6235FEE7C80}"/>
-              </a:ext>
-            </a:extLst>
-          </p:cNvPr>
-          <p:cNvGrpSpPr>
-            <a:grpSpLocks noChangeAspect="1"/>
-          </p:cNvGrpSpPr>
-          <p:nvPr/>
-        </p:nvGrpSpPr>
-        <p:grpSpPr>
-          <a:xfrm>
-            <a:off x="1800000" y="-2160000"/>
-            <a:ext cx="1620000" cy="1620000"/>
-            <a:chOff x="7466496" y="130752"/>
-            <a:chExt cx="1440000" cy="1440000"/>
-          </a:xfrm>
-        </p:grpSpPr>
-        <p:pic>
-          <p:nvPicPr>
-            <p:cNvPr id="70" name="Picture 69">
-              <a:extLst>
-                <a:ext uri="{FF2B5EF4-FFF2-40B4-BE49-F238E27FC236}">
-                  <a16:creationId xmlns:a16="http://schemas.microsoft.com/office/drawing/2014/main" id="{74C0AA37-31B3-D540-B351-9056D0F92992}"/>
-                </a:ext>
-              </a:extLst>
-            </p:cNvPr>
-            <p:cNvPicPr>
-              <a:picLocks noChangeAspect="1"/>
-            </p:cNvPicPr>
-            <p:nvPr/>
-          </p:nvPicPr>
-          <p:blipFill>
-            <a:blip r:embed="rId4">
-              <a:extLst>
-                <a:ext uri="{28A0092B-C50C-407E-A947-70E740481C1C}">
-                  <a14:useLocalDpi xmlns:a14="http://schemas.microsoft.com/office/drawing/2010/main" val="0"/>
-                </a:ext>
-              </a:extLst>
-            </a:blip>
-            <a:stretch>
-              <a:fillRect/>
-            </a:stretch>
-          </p:blipFill>
-          <p:spPr>
-            <a:xfrm>
-              <a:off x="7466496" y="130752"/>
-              <a:ext cx="1440000" cy="1440000"/>
-            </a:xfrm>
-            <a:prstGeom prst="rect">
-              <a:avLst/>
-            </a:prstGeom>
-            <a:ln>
-              <a:noFill/>
-            </a:ln>
-          </p:spPr>
-        </p:pic>
-        <p:grpSp>
-          <p:nvGrpSpPr>
-            <p:cNvPr id="71" name="Group 70">
-              <a:extLst>
-                <a:ext uri="{FF2B5EF4-FFF2-40B4-BE49-F238E27FC236}">
-                  <a16:creationId xmlns:a16="http://schemas.microsoft.com/office/drawing/2014/main" id="{5B6054EB-8A8D-564C-859F-AE4F3E3241B4}"/>
-                </a:ext>
-              </a:extLst>
-            </p:cNvPr>
-            <p:cNvGrpSpPr>
-              <a:grpSpLocks noChangeAspect="1"/>
-            </p:cNvGrpSpPr>
-            <p:nvPr/>
-          </p:nvGrpSpPr>
-          <p:grpSpPr>
-            <a:xfrm>
-              <a:off x="7466496" y="130752"/>
-              <a:ext cx="1440000" cy="1440000"/>
-              <a:chOff x="1571643" y="848890"/>
-              <a:chExt cx="10080000" cy="10080000"/>
-            </a:xfrm>
-          </p:grpSpPr>
-          <p:sp>
-            <p:nvSpPr>
-              <p:cNvPr id="72" name="Rectangle 71">
-                <a:extLst>
-                  <a:ext uri="{FF2B5EF4-FFF2-40B4-BE49-F238E27FC236}">
-                    <a16:creationId xmlns:a16="http://schemas.microsoft.com/office/drawing/2014/main" id="{05D6846E-6666-4B47-9019-BB04FD1F9306}"/>
-                  </a:ext>
-                </a:extLst>
-              </p:cNvPr>
-              <p:cNvSpPr>
-                <a:spLocks noChangeAspect="1"/>
-              </p:cNvSpPr>
-              <p:nvPr/>
-            </p:nvSpPr>
-            <p:spPr>
-              <a:xfrm>
-                <a:off x="1571643" y="848890"/>
-                <a:ext cx="10080000" cy="10080000"/>
-              </a:xfrm>
-              <a:prstGeom prst="rect">
-                <a:avLst/>
-              </a:prstGeom>
-              <a:solidFill>
-                <a:schemeClr val="bg1">
-                  <a:alpha val="80000"/>
-                </a:schemeClr>
-              </a:solidFill>
-              <a:ln>
-                <a:noFill/>
-              </a:ln>
-            </p:spPr>
-            <p:style>
-              <a:lnRef idx="2">
-                <a:schemeClr val="accent1">
-                  <a:shade val="50000"/>
-                </a:schemeClr>
-              </a:lnRef>
-              <a:fillRef idx="1">
-                <a:schemeClr val="accent1"/>
-              </a:fillRef>
-              <a:effectRef idx="0">
-                <a:schemeClr val="accent1"/>
-              </a:effectRef>
-              <a:fontRef idx="minor">
-                <a:schemeClr val="lt1"/>
-              </a:fontRef>
-            </p:style>
-            <p:txBody>
-              <a:bodyPr rtlCol="0" anchor="ctr"/>
-              <a:lstStyle/>
-              <a:p>
-                <a:pPr algn="ctr"/>
-                <a:endParaRPr lang="en-US"/>
-              </a:p>
-            </p:txBody>
-          </p:sp>
-          <p:sp>
-            <p:nvSpPr>
-              <p:cNvPr id="73" name="Rectangle 72">
-                <a:extLst>
-                  <a:ext uri="{FF2B5EF4-FFF2-40B4-BE49-F238E27FC236}">
-                    <a16:creationId xmlns:a16="http://schemas.microsoft.com/office/drawing/2014/main" id="{FB699585-8973-9343-AC54-843DF6B96495}"/>
-                  </a:ext>
-                </a:extLst>
-              </p:cNvPr>
-              <p:cNvSpPr>
-                <a:spLocks noChangeAspect="1"/>
-              </p:cNvSpPr>
-              <p:nvPr/>
-            </p:nvSpPr>
-            <p:spPr>
-              <a:xfrm>
-                <a:off x="6971643" y="2993809"/>
-                <a:ext cx="360000" cy="360000"/>
-              </a:xfrm>
-              <a:prstGeom prst="rect">
-                <a:avLst/>
-              </a:prstGeom>
-              <a:solidFill>
-                <a:schemeClr val="tx1"/>
-              </a:solidFill>
-              <a:ln>
-                <a:noFill/>
-              </a:ln>
-            </p:spPr>
-            <p:style>
-              <a:lnRef idx="2">
-                <a:schemeClr val="accent1">
-                  <a:shade val="50000"/>
-                </a:schemeClr>
-              </a:lnRef>
-              <a:fillRef idx="1">
-                <a:schemeClr val="accent1"/>
-              </a:fillRef>
-              <a:effectRef idx="0">
-                <a:schemeClr val="accent1"/>
-              </a:effectRef>
-              <a:fontRef idx="minor">
-                <a:schemeClr val="lt1"/>
-              </a:fontRef>
-            </p:style>
-            <p:txBody>
-              <a:bodyPr rtlCol="0" anchor="ctr"/>
-              <a:lstStyle/>
-              <a:p>
-                <a:pPr algn="ctr"/>
-                <a:endParaRPr lang="en-US"/>
-              </a:p>
-            </p:txBody>
-          </p:sp>
-        </p:grpSp>
-      </p:grpSp>
       <p:sp>
         <p:nvSpPr>
           <p:cNvPr id="77" name="Rectangle 76">
@@ -20481,201 +19815,6 @@
           </a:p>
         </p:txBody>
       </p:sp>
-      <p:grpSp>
-        <p:nvGrpSpPr>
-          <p:cNvPr id="78" name="Group 77">
-            <a:extLst>
-              <a:ext uri="{FF2B5EF4-FFF2-40B4-BE49-F238E27FC236}">
-                <a16:creationId xmlns:a16="http://schemas.microsoft.com/office/drawing/2014/main" id="{D0293F31-4E74-024E-8D39-28A15A0A64D2}"/>
-              </a:ext>
-            </a:extLst>
-          </p:cNvPr>
-          <p:cNvGrpSpPr>
-            <a:grpSpLocks noChangeAspect="1"/>
-          </p:cNvGrpSpPr>
-          <p:nvPr/>
-        </p:nvGrpSpPr>
-        <p:grpSpPr>
-          <a:xfrm>
-            <a:off x="6120000" y="4320000"/>
-            <a:ext cx="1620000" cy="1620000"/>
-            <a:chOff x="7466496" y="130752"/>
-            <a:chExt cx="1440000" cy="1440000"/>
-          </a:xfrm>
-        </p:grpSpPr>
-        <p:pic>
-          <p:nvPicPr>
-            <p:cNvPr id="79" name="Picture 78">
-              <a:extLst>
-                <a:ext uri="{FF2B5EF4-FFF2-40B4-BE49-F238E27FC236}">
-                  <a16:creationId xmlns:a16="http://schemas.microsoft.com/office/drawing/2014/main" id="{5A80DA49-E276-B343-8C5E-06FC5E1747B6}"/>
-                </a:ext>
-              </a:extLst>
-            </p:cNvPr>
-            <p:cNvPicPr>
-              <a:picLocks noChangeAspect="1"/>
-            </p:cNvPicPr>
-            <p:nvPr/>
-          </p:nvPicPr>
-          <p:blipFill>
-            <a:blip r:embed="rId4">
-              <a:extLst>
-                <a:ext uri="{28A0092B-C50C-407E-A947-70E740481C1C}">
-                  <a14:useLocalDpi xmlns:a14="http://schemas.microsoft.com/office/drawing/2010/main" val="0"/>
-                </a:ext>
-              </a:extLst>
-            </a:blip>
-            <a:stretch>
-              <a:fillRect/>
-            </a:stretch>
-          </p:blipFill>
-          <p:spPr>
-            <a:xfrm>
-              <a:off x="7466496" y="130752"/>
-              <a:ext cx="1440000" cy="1440000"/>
-            </a:xfrm>
-            <a:prstGeom prst="rect">
-              <a:avLst/>
-            </a:prstGeom>
-            <a:ln>
-              <a:noFill/>
-            </a:ln>
-          </p:spPr>
-        </p:pic>
-        <p:grpSp>
-          <p:nvGrpSpPr>
-            <p:cNvPr id="80" name="Group 79">
-              <a:extLst>
-                <a:ext uri="{FF2B5EF4-FFF2-40B4-BE49-F238E27FC236}">
-                  <a16:creationId xmlns:a16="http://schemas.microsoft.com/office/drawing/2014/main" id="{0299EC71-C700-3E4A-BBF9-DF2AF436BEF4}"/>
-                </a:ext>
-              </a:extLst>
-            </p:cNvPr>
-            <p:cNvGrpSpPr>
-              <a:grpSpLocks noChangeAspect="1"/>
-            </p:cNvGrpSpPr>
-            <p:nvPr/>
-          </p:nvGrpSpPr>
-          <p:grpSpPr>
-            <a:xfrm>
-              <a:off x="7466496" y="130752"/>
-              <a:ext cx="1440000" cy="1440000"/>
-              <a:chOff x="1571643" y="848890"/>
-              <a:chExt cx="10080000" cy="10080000"/>
-            </a:xfrm>
-          </p:grpSpPr>
-          <p:sp>
-            <p:nvSpPr>
-              <p:cNvPr id="81" name="Rectangle 80">
-                <a:extLst>
-                  <a:ext uri="{FF2B5EF4-FFF2-40B4-BE49-F238E27FC236}">
-                    <a16:creationId xmlns:a16="http://schemas.microsoft.com/office/drawing/2014/main" id="{00AD4091-DB26-6C4F-9DAC-6A5D1B4A39D2}"/>
-                  </a:ext>
-                </a:extLst>
-              </p:cNvPr>
-              <p:cNvSpPr>
-                <a:spLocks noChangeAspect="1"/>
-              </p:cNvSpPr>
-              <p:nvPr/>
-            </p:nvSpPr>
-            <p:spPr>
-              <a:xfrm>
-                <a:off x="1571643" y="848890"/>
-                <a:ext cx="10080000" cy="10080000"/>
-              </a:xfrm>
-              <a:prstGeom prst="rect">
-                <a:avLst/>
-              </a:prstGeom>
-              <a:solidFill>
-                <a:schemeClr val="bg1">
-                  <a:alpha val="80000"/>
-                </a:schemeClr>
-              </a:solidFill>
-              <a:ln>
-                <a:noFill/>
-              </a:ln>
-            </p:spPr>
-            <p:style>
-              <a:lnRef idx="2">
-                <a:schemeClr val="accent1">
-                  <a:shade val="50000"/>
-                </a:schemeClr>
-              </a:lnRef>
-              <a:fillRef idx="1">
-                <a:schemeClr val="accent1"/>
-              </a:fillRef>
-              <a:effectRef idx="0">
-                <a:schemeClr val="accent1"/>
-              </a:effectRef>
-              <a:fontRef idx="minor">
-                <a:schemeClr val="lt1"/>
-              </a:fontRef>
-            </p:style>
-            <p:txBody>
-              <a:bodyPr rtlCol="0" anchor="ctr"/>
-              <a:lstStyle/>
-              <a:p>
-                <a:pPr algn="ctr"/>
-                <a:endParaRPr lang="en-US"/>
-              </a:p>
-            </p:txBody>
-          </p:sp>
-          <p:sp>
-            <p:nvSpPr>
-              <p:cNvPr id="84" name="Rectangle 83">
-                <a:extLst>
-                  <a:ext uri="{FF2B5EF4-FFF2-40B4-BE49-F238E27FC236}">
-                    <a16:creationId xmlns:a16="http://schemas.microsoft.com/office/drawing/2014/main" id="{5A57F642-FB98-B14D-B15B-D2B45A042619}"/>
-                  </a:ext>
-                </a:extLst>
-              </p:cNvPr>
-              <p:cNvSpPr>
-                <a:spLocks noChangeAspect="1"/>
-              </p:cNvSpPr>
-              <p:nvPr/>
-            </p:nvSpPr>
-            <p:spPr>
-              <a:xfrm>
-                <a:off x="3010841" y="3729064"/>
-                <a:ext cx="360000" cy="360000"/>
-              </a:xfrm>
-              <a:prstGeom prst="rect">
-                <a:avLst/>
-              </a:prstGeom>
-              <a:solidFill>
-                <a:schemeClr val="tx1"/>
-              </a:solidFill>
-              <a:ln>
-                <a:noFill/>
-              </a:ln>
-            </p:spPr>
-            <p:style>
-              <a:lnRef idx="2">
-                <a:schemeClr val="accent1">
-                  <a:shade val="50000"/>
-                </a:schemeClr>
-              </a:lnRef>
-              <a:fillRef idx="1">
-                <a:schemeClr val="accent1"/>
-              </a:fillRef>
-              <a:effectRef idx="0">
-                <a:schemeClr val="accent1"/>
-              </a:effectRef>
-              <a:fontRef idx="minor">
-                <a:schemeClr val="lt1"/>
-              </a:fontRef>
-            </p:style>
-            <p:txBody>
-              <a:bodyPr rtlCol="0" anchor="ctr"/>
-              <a:lstStyle/>
-              <a:p>
-                <a:pPr algn="ctr"/>
-                <a:endParaRPr lang="en-US"/>
-              </a:p>
-            </p:txBody>
-          </p:sp>
-        </p:grpSp>
-      </p:grpSp>
       <p:sp>
         <p:nvSpPr>
           <p:cNvPr id="86" name="Rectangle 85">
@@ -22494,7 +21633,6 @@
           </p:cNvPr>
           <p:cNvCxnSpPr>
             <a:cxnSpLocks/>
-            <a:stCxn id="72" idx="3"/>
           </p:cNvCxnSpPr>
           <p:nvPr/>
         </p:nvCxnSpPr>
@@ -22537,7 +21675,7 @@
             </a:extLst>
           </p:cNvPr>
           <p:cNvCxnSpPr>
-            <a:stCxn id="81" idx="0"/>
+            <a:cxnSpLocks/>
             <a:endCxn id="2" idx="2"/>
           </p:cNvCxnSpPr>
           <p:nvPr/>
@@ -22583,7 +21721,6 @@
           </p:cNvPr>
           <p:cNvCxnSpPr>
             <a:cxnSpLocks/>
-            <a:stCxn id="64" idx="3"/>
           </p:cNvCxnSpPr>
           <p:nvPr/>
         </p:nvCxnSpPr>
@@ -22719,7 +21856,6 @@
           <p:cNvCxnSpPr>
             <a:cxnSpLocks/>
             <a:stCxn id="104" idx="0"/>
-            <a:endCxn id="64" idx="2"/>
           </p:cNvCxnSpPr>
           <p:nvPr/>
         </p:nvCxnSpPr>
@@ -24034,7 +23170,6 @@
           <p:cNvCxnSpPr>
             <a:cxnSpLocks/>
             <a:stCxn id="102" idx="0"/>
-            <a:endCxn id="72" idx="2"/>
           </p:cNvCxnSpPr>
           <p:nvPr/>
         </p:nvCxnSpPr>
@@ -24130,7 +23265,6 @@
           <p:cNvCxnSpPr>
             <a:cxnSpLocks/>
             <a:stCxn id="108" idx="0"/>
-            <a:endCxn id="5" idx="2"/>
           </p:cNvCxnSpPr>
           <p:nvPr/>
         </p:nvCxnSpPr>
@@ -24518,10 +23652,1448 @@
           </a:p>
         </p:txBody>
       </p:sp>
+      <p:grpSp>
+        <p:nvGrpSpPr>
+          <p:cNvPr id="129" name="Group 128">
+            <a:extLst>
+              <a:ext uri="{FF2B5EF4-FFF2-40B4-BE49-F238E27FC236}">
+                <a16:creationId xmlns:a16="http://schemas.microsoft.com/office/drawing/2014/main" id="{81B5A480-FD65-E343-8AC1-D1551E56AFA5}"/>
+              </a:ext>
+            </a:extLst>
+          </p:cNvPr>
+          <p:cNvGrpSpPr/>
+          <p:nvPr/>
+        </p:nvGrpSpPr>
+        <p:grpSpPr>
+          <a:xfrm>
+            <a:off x="6120000" y="-2160000"/>
+            <a:ext cx="1620000" cy="1620000"/>
+            <a:chOff x="6078518" y="4355113"/>
+            <a:chExt cx="1620000" cy="1620000"/>
+          </a:xfrm>
+        </p:grpSpPr>
+        <p:sp>
+          <p:nvSpPr>
+            <p:cNvPr id="130" name="Rectangle 129">
+              <a:extLst>
+                <a:ext uri="{FF2B5EF4-FFF2-40B4-BE49-F238E27FC236}">
+                  <a16:creationId xmlns:a16="http://schemas.microsoft.com/office/drawing/2014/main" id="{BCEAFABD-CEAE-DA46-B7EF-7A2DA9AC0F01}"/>
+                </a:ext>
+              </a:extLst>
+            </p:cNvPr>
+            <p:cNvSpPr>
+              <a:spLocks noChangeAspect="1"/>
+            </p:cNvSpPr>
+            <p:nvPr/>
+          </p:nvSpPr>
+          <p:spPr>
+            <a:xfrm>
+              <a:off x="6078518" y="4355113"/>
+              <a:ext cx="1620000" cy="1620000"/>
+            </a:xfrm>
+            <a:prstGeom prst="rect">
+              <a:avLst/>
+            </a:prstGeom>
+            <a:solidFill>
+              <a:schemeClr val="accent4">
+                <a:lumMod val="60000"/>
+                <a:lumOff val="40000"/>
+              </a:schemeClr>
+            </a:solidFill>
+            <a:ln>
+              <a:solidFill>
+                <a:schemeClr val="accent4"/>
+              </a:solidFill>
+            </a:ln>
+          </p:spPr>
+          <p:style>
+            <a:lnRef idx="2">
+              <a:schemeClr val="accent1">
+                <a:shade val="50000"/>
+              </a:schemeClr>
+            </a:lnRef>
+            <a:fillRef idx="1">
+              <a:schemeClr val="accent1"/>
+            </a:fillRef>
+            <a:effectRef idx="0">
+              <a:schemeClr val="accent1"/>
+            </a:effectRef>
+            <a:fontRef idx="minor">
+              <a:schemeClr val="lt1"/>
+            </a:fontRef>
+          </p:style>
+          <p:txBody>
+            <a:bodyPr rtlCol="0" anchor="ctr"/>
+            <a:lstStyle/>
+            <a:p>
+              <a:pPr algn="ctr"/>
+              <a:endParaRPr lang="en-US"/>
+            </a:p>
+          </p:txBody>
+        </p:sp>
+        <p:sp>
+          <p:nvSpPr>
+            <p:cNvPr id="131" name="Rectangle 130">
+              <a:extLst>
+                <a:ext uri="{FF2B5EF4-FFF2-40B4-BE49-F238E27FC236}">
+                  <a16:creationId xmlns:a16="http://schemas.microsoft.com/office/drawing/2014/main" id="{8D3C893A-E427-EE4C-B6AC-DDAC2624DBDF}"/>
+                </a:ext>
+              </a:extLst>
+            </p:cNvPr>
+            <p:cNvSpPr>
+              <a:spLocks noChangeAspect="1"/>
+            </p:cNvSpPr>
+            <p:nvPr/>
+          </p:nvSpPr>
+          <p:spPr>
+            <a:xfrm>
+              <a:off x="7331384" y="5223950"/>
+              <a:ext cx="144000" cy="144000"/>
+            </a:xfrm>
+            <a:prstGeom prst="rect">
+              <a:avLst/>
+            </a:prstGeom>
+            <a:solidFill>
+              <a:schemeClr val="accent2"/>
+            </a:solidFill>
+            <a:ln>
+              <a:noFill/>
+            </a:ln>
+          </p:spPr>
+          <p:style>
+            <a:lnRef idx="2">
+              <a:schemeClr val="accent1">
+                <a:shade val="50000"/>
+              </a:schemeClr>
+            </a:lnRef>
+            <a:fillRef idx="1">
+              <a:schemeClr val="accent1"/>
+            </a:fillRef>
+            <a:effectRef idx="0">
+              <a:schemeClr val="accent1"/>
+            </a:effectRef>
+            <a:fontRef idx="minor">
+              <a:schemeClr val="lt1"/>
+            </a:fontRef>
+          </p:style>
+          <p:txBody>
+            <a:bodyPr rtlCol="0" anchor="ctr"/>
+            <a:lstStyle/>
+            <a:p>
+              <a:pPr algn="ctr"/>
+              <a:endParaRPr lang="en-US"/>
+            </a:p>
+          </p:txBody>
+        </p:sp>
+      </p:grpSp>
+      <p:grpSp>
+        <p:nvGrpSpPr>
+          <p:cNvPr id="132" name="Group 131">
+            <a:extLst>
+              <a:ext uri="{FF2B5EF4-FFF2-40B4-BE49-F238E27FC236}">
+                <a16:creationId xmlns:a16="http://schemas.microsoft.com/office/drawing/2014/main" id="{B0ABD3B0-116C-5E4A-9051-D76F9850D59E}"/>
+              </a:ext>
+            </a:extLst>
+          </p:cNvPr>
+          <p:cNvGrpSpPr/>
+          <p:nvPr/>
+        </p:nvGrpSpPr>
+        <p:grpSpPr>
+          <a:xfrm>
+            <a:off x="3960000" y="-2158200"/>
+            <a:ext cx="1620000" cy="1620000"/>
+            <a:chOff x="6078518" y="4355113"/>
+            <a:chExt cx="1620000" cy="1620000"/>
+          </a:xfrm>
+        </p:grpSpPr>
+        <p:sp>
+          <p:nvSpPr>
+            <p:cNvPr id="133" name="Rectangle 132">
+              <a:extLst>
+                <a:ext uri="{FF2B5EF4-FFF2-40B4-BE49-F238E27FC236}">
+                  <a16:creationId xmlns:a16="http://schemas.microsoft.com/office/drawing/2014/main" id="{9230B474-879D-DE46-9A3F-BB7598DA45DE}"/>
+                </a:ext>
+              </a:extLst>
+            </p:cNvPr>
+            <p:cNvSpPr>
+              <a:spLocks noChangeAspect="1"/>
+            </p:cNvSpPr>
+            <p:nvPr/>
+          </p:nvSpPr>
+          <p:spPr>
+            <a:xfrm>
+              <a:off x="6078518" y="4355113"/>
+              <a:ext cx="1620000" cy="1620000"/>
+            </a:xfrm>
+            <a:prstGeom prst="rect">
+              <a:avLst/>
+            </a:prstGeom>
+            <a:solidFill>
+              <a:schemeClr val="accent4">
+                <a:lumMod val="60000"/>
+                <a:lumOff val="40000"/>
+              </a:schemeClr>
+            </a:solidFill>
+            <a:ln>
+              <a:solidFill>
+                <a:schemeClr val="accent4"/>
+              </a:solidFill>
+            </a:ln>
+          </p:spPr>
+          <p:style>
+            <a:lnRef idx="2">
+              <a:schemeClr val="accent1">
+                <a:shade val="50000"/>
+              </a:schemeClr>
+            </a:lnRef>
+            <a:fillRef idx="1">
+              <a:schemeClr val="accent1"/>
+            </a:fillRef>
+            <a:effectRef idx="0">
+              <a:schemeClr val="accent1"/>
+            </a:effectRef>
+            <a:fontRef idx="minor">
+              <a:schemeClr val="lt1"/>
+            </a:fontRef>
+          </p:style>
+          <p:txBody>
+            <a:bodyPr rtlCol="0" anchor="ctr"/>
+            <a:lstStyle/>
+            <a:p>
+              <a:pPr algn="ctr"/>
+              <a:endParaRPr lang="en-US"/>
+            </a:p>
+          </p:txBody>
+        </p:sp>
+        <p:sp>
+          <p:nvSpPr>
+            <p:cNvPr id="134" name="Rectangle 133">
+              <a:extLst>
+                <a:ext uri="{FF2B5EF4-FFF2-40B4-BE49-F238E27FC236}">
+                  <a16:creationId xmlns:a16="http://schemas.microsoft.com/office/drawing/2014/main" id="{0B1DBB6A-1347-774F-8598-4DE87025D520}"/>
+                </a:ext>
+              </a:extLst>
+            </p:cNvPr>
+            <p:cNvSpPr>
+              <a:spLocks noChangeAspect="1"/>
+            </p:cNvSpPr>
+            <p:nvPr/>
+          </p:nvSpPr>
+          <p:spPr>
+            <a:xfrm>
+              <a:off x="7313096" y="4547294"/>
+              <a:ext cx="144000" cy="144000"/>
+            </a:xfrm>
+            <a:prstGeom prst="rect">
+              <a:avLst/>
+            </a:prstGeom>
+            <a:solidFill>
+              <a:schemeClr val="accent2"/>
+            </a:solidFill>
+            <a:ln>
+              <a:noFill/>
+            </a:ln>
+          </p:spPr>
+          <p:style>
+            <a:lnRef idx="2">
+              <a:schemeClr val="accent1">
+                <a:shade val="50000"/>
+              </a:schemeClr>
+            </a:lnRef>
+            <a:fillRef idx="1">
+              <a:schemeClr val="accent1"/>
+            </a:fillRef>
+            <a:effectRef idx="0">
+              <a:schemeClr val="accent1"/>
+            </a:effectRef>
+            <a:fontRef idx="minor">
+              <a:schemeClr val="lt1"/>
+            </a:fontRef>
+          </p:style>
+          <p:txBody>
+            <a:bodyPr rtlCol="0" anchor="ctr"/>
+            <a:lstStyle/>
+            <a:p>
+              <a:pPr algn="ctr"/>
+              <a:endParaRPr lang="en-US"/>
+            </a:p>
+          </p:txBody>
+        </p:sp>
+      </p:grpSp>
+      <p:grpSp>
+        <p:nvGrpSpPr>
+          <p:cNvPr id="135" name="Group 134">
+            <a:extLst>
+              <a:ext uri="{FF2B5EF4-FFF2-40B4-BE49-F238E27FC236}">
+                <a16:creationId xmlns:a16="http://schemas.microsoft.com/office/drawing/2014/main" id="{1A4125AF-2374-CC4F-87C4-7951674EAB06}"/>
+              </a:ext>
+            </a:extLst>
+          </p:cNvPr>
+          <p:cNvGrpSpPr/>
+          <p:nvPr/>
+        </p:nvGrpSpPr>
+        <p:grpSpPr>
+          <a:xfrm>
+            <a:off x="1800000" y="-2160000"/>
+            <a:ext cx="1620000" cy="1620000"/>
+            <a:chOff x="6078518" y="4355113"/>
+            <a:chExt cx="1620000" cy="1620000"/>
+          </a:xfrm>
+        </p:grpSpPr>
+        <p:sp>
+          <p:nvSpPr>
+            <p:cNvPr id="137" name="Rectangle 136">
+              <a:extLst>
+                <a:ext uri="{FF2B5EF4-FFF2-40B4-BE49-F238E27FC236}">
+                  <a16:creationId xmlns:a16="http://schemas.microsoft.com/office/drawing/2014/main" id="{C29ECE17-43FA-5848-B9DB-F5834AE0708B}"/>
+                </a:ext>
+              </a:extLst>
+            </p:cNvPr>
+            <p:cNvSpPr>
+              <a:spLocks noChangeAspect="1"/>
+            </p:cNvSpPr>
+            <p:nvPr/>
+          </p:nvSpPr>
+          <p:spPr>
+            <a:xfrm>
+              <a:off x="6078518" y="4355113"/>
+              <a:ext cx="1620000" cy="1620000"/>
+            </a:xfrm>
+            <a:prstGeom prst="rect">
+              <a:avLst/>
+            </a:prstGeom>
+            <a:solidFill>
+              <a:schemeClr val="accent4">
+                <a:lumMod val="60000"/>
+                <a:lumOff val="40000"/>
+              </a:schemeClr>
+            </a:solidFill>
+            <a:ln>
+              <a:solidFill>
+                <a:schemeClr val="accent4"/>
+              </a:solidFill>
+            </a:ln>
+          </p:spPr>
+          <p:style>
+            <a:lnRef idx="2">
+              <a:schemeClr val="accent1">
+                <a:shade val="50000"/>
+              </a:schemeClr>
+            </a:lnRef>
+            <a:fillRef idx="1">
+              <a:schemeClr val="accent1"/>
+            </a:fillRef>
+            <a:effectRef idx="0">
+              <a:schemeClr val="accent1"/>
+            </a:effectRef>
+            <a:fontRef idx="minor">
+              <a:schemeClr val="lt1"/>
+            </a:fontRef>
+          </p:style>
+          <p:txBody>
+            <a:bodyPr rtlCol="0" anchor="ctr"/>
+            <a:lstStyle/>
+            <a:p>
+              <a:pPr algn="ctr"/>
+              <a:endParaRPr lang="en-US"/>
+            </a:p>
+          </p:txBody>
+        </p:sp>
+        <p:sp>
+          <p:nvSpPr>
+            <p:cNvPr id="139" name="Rectangle 138">
+              <a:extLst>
+                <a:ext uri="{FF2B5EF4-FFF2-40B4-BE49-F238E27FC236}">
+                  <a16:creationId xmlns:a16="http://schemas.microsoft.com/office/drawing/2014/main" id="{74BA3574-D874-9B4F-B4F6-976194606C14}"/>
+                </a:ext>
+              </a:extLst>
+            </p:cNvPr>
+            <p:cNvSpPr>
+              <a:spLocks noChangeAspect="1"/>
+            </p:cNvSpPr>
+            <p:nvPr/>
+          </p:nvSpPr>
+          <p:spPr>
+            <a:xfrm>
+              <a:off x="7002200" y="4766750"/>
+              <a:ext cx="144000" cy="144000"/>
+            </a:xfrm>
+            <a:prstGeom prst="rect">
+              <a:avLst/>
+            </a:prstGeom>
+            <a:solidFill>
+              <a:schemeClr val="accent2"/>
+            </a:solidFill>
+            <a:ln>
+              <a:noFill/>
+            </a:ln>
+          </p:spPr>
+          <p:style>
+            <a:lnRef idx="2">
+              <a:schemeClr val="accent1">
+                <a:shade val="50000"/>
+              </a:schemeClr>
+            </a:lnRef>
+            <a:fillRef idx="1">
+              <a:schemeClr val="accent1"/>
+            </a:fillRef>
+            <a:effectRef idx="0">
+              <a:schemeClr val="accent1"/>
+            </a:effectRef>
+            <a:fontRef idx="minor">
+              <a:schemeClr val="lt1"/>
+            </a:fontRef>
+          </p:style>
+          <p:txBody>
+            <a:bodyPr rtlCol="0" anchor="ctr"/>
+            <a:lstStyle/>
+            <a:p>
+              <a:pPr algn="ctr"/>
+              <a:endParaRPr lang="en-US"/>
+            </a:p>
+          </p:txBody>
+        </p:sp>
+      </p:grpSp>
     </p:spTree>
     <p:extLst>
       <p:ext uri="{BB962C8B-B14F-4D97-AF65-F5344CB8AC3E}">
         <p14:creationId xmlns:p14="http://schemas.microsoft.com/office/powerpoint/2010/main" val="1322898606"/>
+      </p:ext>
+    </p:extLst>
+  </p:cSld>
+  <p:clrMapOvr>
+    <a:masterClrMapping/>
+  </p:clrMapOvr>
+</p:sld>
+</file>
+
+<file path=ppt/slides/slide7.xml><?xml version="1.0" encoding="utf-8"?>
+<p:sld xmlns:a="http://schemas.openxmlformats.org/drawingml/2006/main" xmlns:r="http://schemas.openxmlformats.org/officeDocument/2006/relationships" xmlns:p="http://schemas.openxmlformats.org/presentationml/2006/main">
+  <p:cSld>
+    <p:spTree>
+      <p:nvGrpSpPr>
+        <p:cNvPr id="1" name=""/>
+        <p:cNvGrpSpPr/>
+        <p:nvPr/>
+      </p:nvGrpSpPr>
+      <p:grpSpPr>
+        <a:xfrm>
+          <a:off x="0" y="0"/>
+          <a:ext cx="0" cy="0"/>
+          <a:chOff x="0" y="0"/>
+          <a:chExt cx="0" cy="0"/>
+        </a:xfrm>
+      </p:grpSpPr>
+      <p:sp>
+        <p:nvSpPr>
+          <p:cNvPr id="3" name="Rectangle 2">
+            <a:extLst>
+              <a:ext uri="{FF2B5EF4-FFF2-40B4-BE49-F238E27FC236}">
+                <a16:creationId xmlns:a16="http://schemas.microsoft.com/office/drawing/2014/main" id="{07A9F0C5-D711-9342-8A1E-5A816FCCDC4D}"/>
+              </a:ext>
+            </a:extLst>
+          </p:cNvPr>
+          <p:cNvSpPr>
+            <a:spLocks noChangeAspect="1"/>
+          </p:cNvSpPr>
+          <p:nvPr/>
+        </p:nvSpPr>
+        <p:spPr>
+          <a:xfrm>
+            <a:off x="3265424" y="2043976"/>
+            <a:ext cx="2844000" cy="2844000"/>
+          </a:xfrm>
+          <a:prstGeom prst="rect">
+            <a:avLst/>
+          </a:prstGeom>
+          <a:solidFill>
+            <a:schemeClr val="bg1"/>
+          </a:solidFill>
+          <a:ln>
+            <a:noFill/>
+          </a:ln>
+        </p:spPr>
+        <p:style>
+          <a:lnRef idx="2">
+            <a:schemeClr val="accent1">
+              <a:shade val="50000"/>
+            </a:schemeClr>
+          </a:lnRef>
+          <a:fillRef idx="1">
+            <a:schemeClr val="accent1"/>
+          </a:fillRef>
+          <a:effectRef idx="0">
+            <a:schemeClr val="accent1"/>
+          </a:effectRef>
+          <a:fontRef idx="minor">
+            <a:schemeClr val="lt1"/>
+          </a:fontRef>
+        </p:style>
+        <p:txBody>
+          <a:bodyPr rtlCol="0" anchor="ctr"/>
+          <a:lstStyle/>
+          <a:p>
+            <a:pPr algn="ctr"/>
+            <a:endParaRPr lang="en-US"/>
+          </a:p>
+        </p:txBody>
+      </p:sp>
+      <p:sp>
+        <p:nvSpPr>
+          <p:cNvPr id="2" name="Freeform 1">
+            <a:extLst>
+              <a:ext uri="{FF2B5EF4-FFF2-40B4-BE49-F238E27FC236}">
+                <a16:creationId xmlns:a16="http://schemas.microsoft.com/office/drawing/2014/main" id="{2E26C7E1-425F-5342-BE3F-6FC5444E398F}"/>
+              </a:ext>
+            </a:extLst>
+          </p:cNvPr>
+          <p:cNvSpPr/>
+          <p:nvPr/>
+        </p:nvSpPr>
+        <p:spPr>
+          <a:xfrm>
+            <a:off x="3645074" y="2542784"/>
+            <a:ext cx="2029216" cy="1490400"/>
+          </a:xfrm>
+          <a:custGeom>
+            <a:avLst/>
+            <a:gdLst>
+              <a:gd name="connsiteX0" fmla="*/ 0 w 2029216"/>
+              <a:gd name="connsiteY0" fmla="*/ 388306 h 1490597"/>
+              <a:gd name="connsiteX1" fmla="*/ 764088 w 2029216"/>
+              <a:gd name="connsiteY1" fmla="*/ 187890 h 1490597"/>
+              <a:gd name="connsiteX2" fmla="*/ 826718 w 2029216"/>
+              <a:gd name="connsiteY2" fmla="*/ 325676 h 1490597"/>
+              <a:gd name="connsiteX3" fmla="*/ 1240077 w 2029216"/>
+              <a:gd name="connsiteY3" fmla="*/ 212942 h 1490597"/>
+              <a:gd name="connsiteX4" fmla="*/ 1202499 w 2029216"/>
+              <a:gd name="connsiteY4" fmla="*/ 100208 h 1490597"/>
+              <a:gd name="connsiteX5" fmla="*/ 1766170 w 2029216"/>
+              <a:gd name="connsiteY5" fmla="*/ 0 h 1490597"/>
+              <a:gd name="connsiteX6" fmla="*/ 2029216 w 2029216"/>
+              <a:gd name="connsiteY6" fmla="*/ 1064712 h 1490597"/>
+              <a:gd name="connsiteX7" fmla="*/ 576197 w 2029216"/>
+              <a:gd name="connsiteY7" fmla="*/ 1352811 h 1490597"/>
+              <a:gd name="connsiteX8" fmla="*/ 613775 w 2029216"/>
+              <a:gd name="connsiteY8" fmla="*/ 1465545 h 1490597"/>
+              <a:gd name="connsiteX9" fmla="*/ 463463 w 2029216"/>
+              <a:gd name="connsiteY9" fmla="*/ 1490597 h 1490597"/>
+              <a:gd name="connsiteX10" fmla="*/ 225468 w 2029216"/>
+              <a:gd name="connsiteY10" fmla="*/ 1014608 h 1490597"/>
+              <a:gd name="connsiteX11" fmla="*/ 137786 w 2029216"/>
+              <a:gd name="connsiteY11" fmla="*/ 951978 h 1490597"/>
+              <a:gd name="connsiteX12" fmla="*/ 0 w 2029216"/>
+              <a:gd name="connsiteY12" fmla="*/ 388306 h 1490597"/>
+            </a:gdLst>
+            <a:ahLst/>
+            <a:cxnLst>
+              <a:cxn ang="0">
+                <a:pos x="connsiteX0" y="connsiteY0"/>
+              </a:cxn>
+              <a:cxn ang="0">
+                <a:pos x="connsiteX1" y="connsiteY1"/>
+              </a:cxn>
+              <a:cxn ang="0">
+                <a:pos x="connsiteX2" y="connsiteY2"/>
+              </a:cxn>
+              <a:cxn ang="0">
+                <a:pos x="connsiteX3" y="connsiteY3"/>
+              </a:cxn>
+              <a:cxn ang="0">
+                <a:pos x="connsiteX4" y="connsiteY4"/>
+              </a:cxn>
+              <a:cxn ang="0">
+                <a:pos x="connsiteX5" y="connsiteY5"/>
+              </a:cxn>
+              <a:cxn ang="0">
+                <a:pos x="connsiteX6" y="connsiteY6"/>
+              </a:cxn>
+              <a:cxn ang="0">
+                <a:pos x="connsiteX7" y="connsiteY7"/>
+              </a:cxn>
+              <a:cxn ang="0">
+                <a:pos x="connsiteX8" y="connsiteY8"/>
+              </a:cxn>
+              <a:cxn ang="0">
+                <a:pos x="connsiteX9" y="connsiteY9"/>
+              </a:cxn>
+              <a:cxn ang="0">
+                <a:pos x="connsiteX10" y="connsiteY10"/>
+              </a:cxn>
+              <a:cxn ang="0">
+                <a:pos x="connsiteX11" y="connsiteY11"/>
+              </a:cxn>
+              <a:cxn ang="0">
+                <a:pos x="connsiteX12" y="connsiteY12"/>
+              </a:cxn>
+            </a:cxnLst>
+            <a:rect l="l" t="t" r="r" b="b"/>
+            <a:pathLst>
+              <a:path w="2029216" h="1490597">
+                <a:moveTo>
+                  <a:pt x="0" y="388306"/>
+                </a:moveTo>
+                <a:lnTo>
+                  <a:pt x="764088" y="187890"/>
+                </a:lnTo>
+                <a:lnTo>
+                  <a:pt x="826718" y="325676"/>
+                </a:lnTo>
+                <a:lnTo>
+                  <a:pt x="1240077" y="212942"/>
+                </a:lnTo>
+                <a:lnTo>
+                  <a:pt x="1202499" y="100208"/>
+                </a:lnTo>
+                <a:lnTo>
+                  <a:pt x="1766170" y="0"/>
+                </a:lnTo>
+                <a:lnTo>
+                  <a:pt x="2029216" y="1064712"/>
+                </a:lnTo>
+                <a:lnTo>
+                  <a:pt x="576197" y="1352811"/>
+                </a:lnTo>
+                <a:lnTo>
+                  <a:pt x="613775" y="1465545"/>
+                </a:lnTo>
+                <a:lnTo>
+                  <a:pt x="463463" y="1490597"/>
+                </a:lnTo>
+                <a:lnTo>
+                  <a:pt x="225468" y="1014608"/>
+                </a:lnTo>
+                <a:lnTo>
+                  <a:pt x="137786" y="951978"/>
+                </a:lnTo>
+                <a:lnTo>
+                  <a:pt x="0" y="388306"/>
+                </a:lnTo>
+                <a:close/>
+              </a:path>
+            </a:pathLst>
+          </a:custGeom>
+          <a:solidFill>
+            <a:schemeClr val="accent6">
+              <a:lumMod val="60000"/>
+              <a:lumOff val="40000"/>
+            </a:schemeClr>
+          </a:solidFill>
+          <a:ln>
+            <a:solidFill>
+              <a:schemeClr val="accent6"/>
+            </a:solidFill>
+          </a:ln>
+        </p:spPr>
+        <p:style>
+          <a:lnRef idx="2">
+            <a:schemeClr val="accent1">
+              <a:shade val="50000"/>
+            </a:schemeClr>
+          </a:lnRef>
+          <a:fillRef idx="1">
+            <a:schemeClr val="accent1"/>
+          </a:fillRef>
+          <a:effectRef idx="0">
+            <a:schemeClr val="accent1"/>
+          </a:effectRef>
+          <a:fontRef idx="minor">
+            <a:schemeClr val="lt1"/>
+          </a:fontRef>
+        </p:style>
+        <p:txBody>
+          <a:bodyPr rtlCol="0" anchor="ctr"/>
+          <a:lstStyle/>
+          <a:p>
+            <a:pPr algn="ctr"/>
+            <a:endParaRPr lang="en-US"/>
+          </a:p>
+        </p:txBody>
+      </p:sp>
+      <p:sp>
+        <p:nvSpPr>
+          <p:cNvPr id="54" name="Oval 53">
+            <a:extLst>
+              <a:ext uri="{FF2B5EF4-FFF2-40B4-BE49-F238E27FC236}">
+                <a16:creationId xmlns:a16="http://schemas.microsoft.com/office/drawing/2014/main" id="{34B86414-C6BD-6E41-B716-59DE404DE4FB}"/>
+              </a:ext>
+            </a:extLst>
+          </p:cNvPr>
+          <p:cNvSpPr>
+            <a:spLocks noChangeAspect="1"/>
+          </p:cNvSpPr>
+          <p:nvPr/>
+        </p:nvSpPr>
+        <p:spPr>
+          <a:xfrm>
+            <a:off x="4013200" y="3937000"/>
+            <a:ext cx="180000" cy="180000"/>
+          </a:xfrm>
+          <a:prstGeom prst="ellipse">
+            <a:avLst/>
+          </a:prstGeom>
+          <a:solidFill>
+            <a:schemeClr val="bg1"/>
+          </a:solidFill>
+          <a:ln>
+            <a:solidFill>
+              <a:schemeClr val="tx1"/>
+            </a:solidFill>
+          </a:ln>
+        </p:spPr>
+        <p:style>
+          <a:lnRef idx="2">
+            <a:schemeClr val="accent1">
+              <a:shade val="50000"/>
+            </a:schemeClr>
+          </a:lnRef>
+          <a:fillRef idx="1">
+            <a:schemeClr val="accent1"/>
+          </a:fillRef>
+          <a:effectRef idx="0">
+            <a:schemeClr val="accent1"/>
+          </a:effectRef>
+          <a:fontRef idx="minor">
+            <a:schemeClr val="lt1"/>
+          </a:fontRef>
+        </p:style>
+        <p:txBody>
+          <a:bodyPr rtlCol="0" anchor="ctr"/>
+          <a:lstStyle/>
+          <a:p>
+            <a:pPr algn="ctr"/>
+            <a:r>
+              <a:rPr lang="en-US" sz="1000" dirty="0">
+                <a:solidFill>
+                  <a:schemeClr val="tx1"/>
+                </a:solidFill>
+                <a:latin typeface="Arial" panose="020B0604020202020204" pitchFamily="34" charset="0"/>
+                <a:cs typeface="Arial" panose="020B0604020202020204" pitchFamily="34" charset="0"/>
+              </a:rPr>
+              <a:t>1</a:t>
+            </a:r>
+          </a:p>
+        </p:txBody>
+      </p:sp>
+      <p:sp>
+        <p:nvSpPr>
+          <p:cNvPr id="55" name="Oval 54">
+            <a:extLst>
+              <a:ext uri="{FF2B5EF4-FFF2-40B4-BE49-F238E27FC236}">
+                <a16:creationId xmlns:a16="http://schemas.microsoft.com/office/drawing/2014/main" id="{BBACD02D-A036-7F42-810E-32618D1B7BFF}"/>
+              </a:ext>
+            </a:extLst>
+          </p:cNvPr>
+          <p:cNvSpPr>
+            <a:spLocks noChangeAspect="1"/>
+          </p:cNvSpPr>
+          <p:nvPr/>
+        </p:nvSpPr>
+        <p:spPr>
+          <a:xfrm>
+            <a:off x="3807800" y="3455076"/>
+            <a:ext cx="180000" cy="180000"/>
+          </a:xfrm>
+          <a:prstGeom prst="ellipse">
+            <a:avLst/>
+          </a:prstGeom>
+          <a:solidFill>
+            <a:schemeClr val="bg1"/>
+          </a:solidFill>
+          <a:ln>
+            <a:solidFill>
+              <a:schemeClr val="tx1"/>
+            </a:solidFill>
+          </a:ln>
+        </p:spPr>
+        <p:style>
+          <a:lnRef idx="2">
+            <a:schemeClr val="accent1">
+              <a:shade val="50000"/>
+            </a:schemeClr>
+          </a:lnRef>
+          <a:fillRef idx="1">
+            <a:schemeClr val="accent1"/>
+          </a:fillRef>
+          <a:effectRef idx="0">
+            <a:schemeClr val="accent1"/>
+          </a:effectRef>
+          <a:fontRef idx="minor">
+            <a:schemeClr val="lt1"/>
+          </a:fontRef>
+        </p:style>
+        <p:txBody>
+          <a:bodyPr rtlCol="0" anchor="ctr"/>
+          <a:lstStyle/>
+          <a:p>
+            <a:pPr algn="ctr"/>
+            <a:r>
+              <a:rPr lang="en-US" sz="1000" dirty="0">
+                <a:solidFill>
+                  <a:schemeClr val="tx1"/>
+                </a:solidFill>
+                <a:latin typeface="Arial" panose="020B0604020202020204" pitchFamily="34" charset="0"/>
+                <a:cs typeface="Arial" panose="020B0604020202020204" pitchFamily="34" charset="0"/>
+              </a:rPr>
+              <a:t>2</a:t>
+            </a:r>
+          </a:p>
+        </p:txBody>
+      </p:sp>
+      <p:sp>
+        <p:nvSpPr>
+          <p:cNvPr id="56" name="Oval 55">
+            <a:extLst>
+              <a:ext uri="{FF2B5EF4-FFF2-40B4-BE49-F238E27FC236}">
+                <a16:creationId xmlns:a16="http://schemas.microsoft.com/office/drawing/2014/main" id="{E0704778-31F2-A84F-9F7D-0CD1A56FF414}"/>
+              </a:ext>
+            </a:extLst>
+          </p:cNvPr>
+          <p:cNvSpPr>
+            <a:spLocks noChangeAspect="1"/>
+          </p:cNvSpPr>
+          <p:nvPr/>
+        </p:nvSpPr>
+        <p:spPr>
+          <a:xfrm>
+            <a:off x="3679700" y="3375576"/>
+            <a:ext cx="180000" cy="180000"/>
+          </a:xfrm>
+          <a:prstGeom prst="ellipse">
+            <a:avLst/>
+          </a:prstGeom>
+          <a:solidFill>
+            <a:schemeClr val="bg1"/>
+          </a:solidFill>
+          <a:ln>
+            <a:solidFill>
+              <a:schemeClr val="tx1"/>
+            </a:solidFill>
+          </a:ln>
+        </p:spPr>
+        <p:style>
+          <a:lnRef idx="2">
+            <a:schemeClr val="accent1">
+              <a:shade val="50000"/>
+            </a:schemeClr>
+          </a:lnRef>
+          <a:fillRef idx="1">
+            <a:schemeClr val="accent1"/>
+          </a:fillRef>
+          <a:effectRef idx="0">
+            <a:schemeClr val="accent1"/>
+          </a:effectRef>
+          <a:fontRef idx="minor">
+            <a:schemeClr val="lt1"/>
+          </a:fontRef>
+        </p:style>
+        <p:txBody>
+          <a:bodyPr rtlCol="0" anchor="ctr"/>
+          <a:lstStyle/>
+          <a:p>
+            <a:pPr algn="ctr"/>
+            <a:r>
+              <a:rPr lang="en-US" sz="1000" dirty="0">
+                <a:solidFill>
+                  <a:schemeClr val="tx1"/>
+                </a:solidFill>
+                <a:latin typeface="Arial" panose="020B0604020202020204" pitchFamily="34" charset="0"/>
+                <a:cs typeface="Arial" panose="020B0604020202020204" pitchFamily="34" charset="0"/>
+              </a:rPr>
+              <a:t>3</a:t>
+            </a:r>
+          </a:p>
+        </p:txBody>
+      </p:sp>
+      <p:sp>
+        <p:nvSpPr>
+          <p:cNvPr id="57" name="Oval 56">
+            <a:extLst>
+              <a:ext uri="{FF2B5EF4-FFF2-40B4-BE49-F238E27FC236}">
+                <a16:creationId xmlns:a16="http://schemas.microsoft.com/office/drawing/2014/main" id="{CBBE2CD1-D2CC-3E4F-A17B-8671E473A81D}"/>
+              </a:ext>
+            </a:extLst>
+          </p:cNvPr>
+          <p:cNvSpPr>
+            <a:spLocks noChangeAspect="1"/>
+          </p:cNvSpPr>
+          <p:nvPr/>
+        </p:nvSpPr>
+        <p:spPr>
+          <a:xfrm>
+            <a:off x="3550500" y="2845476"/>
+            <a:ext cx="180000" cy="180000"/>
+          </a:xfrm>
+          <a:prstGeom prst="ellipse">
+            <a:avLst/>
+          </a:prstGeom>
+          <a:solidFill>
+            <a:schemeClr val="bg1"/>
+          </a:solidFill>
+          <a:ln>
+            <a:solidFill>
+              <a:schemeClr val="tx1"/>
+            </a:solidFill>
+          </a:ln>
+        </p:spPr>
+        <p:style>
+          <a:lnRef idx="2">
+            <a:schemeClr val="accent1">
+              <a:shade val="50000"/>
+            </a:schemeClr>
+          </a:lnRef>
+          <a:fillRef idx="1">
+            <a:schemeClr val="accent1"/>
+          </a:fillRef>
+          <a:effectRef idx="0">
+            <a:schemeClr val="accent1"/>
+          </a:effectRef>
+          <a:fontRef idx="minor">
+            <a:schemeClr val="lt1"/>
+          </a:fontRef>
+        </p:style>
+        <p:txBody>
+          <a:bodyPr rtlCol="0" anchor="ctr"/>
+          <a:lstStyle/>
+          <a:p>
+            <a:pPr algn="ctr"/>
+            <a:r>
+              <a:rPr lang="en-US" sz="1000" dirty="0">
+                <a:solidFill>
+                  <a:schemeClr val="tx1"/>
+                </a:solidFill>
+                <a:latin typeface="Arial" panose="020B0604020202020204" pitchFamily="34" charset="0"/>
+                <a:cs typeface="Arial" panose="020B0604020202020204" pitchFamily="34" charset="0"/>
+              </a:rPr>
+              <a:t>4</a:t>
+            </a:r>
+          </a:p>
+        </p:txBody>
+      </p:sp>
+      <p:sp>
+        <p:nvSpPr>
+          <p:cNvPr id="58" name="Oval 57">
+            <a:extLst>
+              <a:ext uri="{FF2B5EF4-FFF2-40B4-BE49-F238E27FC236}">
+                <a16:creationId xmlns:a16="http://schemas.microsoft.com/office/drawing/2014/main" id="{D5FC8115-C0FE-B24F-9271-DE2594F4AAD9}"/>
+              </a:ext>
+            </a:extLst>
+          </p:cNvPr>
+          <p:cNvSpPr>
+            <a:spLocks noChangeAspect="1"/>
+          </p:cNvSpPr>
+          <p:nvPr/>
+        </p:nvSpPr>
+        <p:spPr>
+          <a:xfrm>
+            <a:off x="4306400" y="2629576"/>
+            <a:ext cx="180000" cy="180000"/>
+          </a:xfrm>
+          <a:prstGeom prst="ellipse">
+            <a:avLst/>
+          </a:prstGeom>
+          <a:solidFill>
+            <a:schemeClr val="bg1"/>
+          </a:solidFill>
+          <a:ln>
+            <a:solidFill>
+              <a:schemeClr val="tx1"/>
+            </a:solidFill>
+          </a:ln>
+        </p:spPr>
+        <p:style>
+          <a:lnRef idx="2">
+            <a:schemeClr val="accent1">
+              <a:shade val="50000"/>
+            </a:schemeClr>
+          </a:lnRef>
+          <a:fillRef idx="1">
+            <a:schemeClr val="accent1"/>
+          </a:fillRef>
+          <a:effectRef idx="0">
+            <a:schemeClr val="accent1"/>
+          </a:effectRef>
+          <a:fontRef idx="minor">
+            <a:schemeClr val="lt1"/>
+          </a:fontRef>
+        </p:style>
+        <p:txBody>
+          <a:bodyPr rtlCol="0" anchor="ctr"/>
+          <a:lstStyle/>
+          <a:p>
+            <a:pPr algn="ctr"/>
+            <a:r>
+              <a:rPr lang="en-US" sz="1000" dirty="0">
+                <a:solidFill>
+                  <a:schemeClr val="tx1"/>
+                </a:solidFill>
+                <a:latin typeface="Arial" panose="020B0604020202020204" pitchFamily="34" charset="0"/>
+                <a:cs typeface="Arial" panose="020B0604020202020204" pitchFamily="34" charset="0"/>
+              </a:rPr>
+              <a:t>5</a:t>
+            </a:r>
+          </a:p>
+        </p:txBody>
+      </p:sp>
+      <p:sp>
+        <p:nvSpPr>
+          <p:cNvPr id="59" name="Oval 58">
+            <a:extLst>
+              <a:ext uri="{FF2B5EF4-FFF2-40B4-BE49-F238E27FC236}">
+                <a16:creationId xmlns:a16="http://schemas.microsoft.com/office/drawing/2014/main" id="{3093DA33-EE50-C546-8E6E-13DCAEFD7533}"/>
+              </a:ext>
+            </a:extLst>
+          </p:cNvPr>
+          <p:cNvSpPr>
+            <a:spLocks noChangeAspect="1"/>
+          </p:cNvSpPr>
+          <p:nvPr/>
+        </p:nvSpPr>
+        <p:spPr>
+          <a:xfrm>
+            <a:off x="4382600" y="2769276"/>
+            <a:ext cx="180000" cy="180000"/>
+          </a:xfrm>
+          <a:prstGeom prst="ellipse">
+            <a:avLst/>
+          </a:prstGeom>
+          <a:solidFill>
+            <a:schemeClr val="bg1"/>
+          </a:solidFill>
+          <a:ln>
+            <a:solidFill>
+              <a:schemeClr val="tx1"/>
+            </a:solidFill>
+          </a:ln>
+        </p:spPr>
+        <p:style>
+          <a:lnRef idx="2">
+            <a:schemeClr val="accent1">
+              <a:shade val="50000"/>
+            </a:schemeClr>
+          </a:lnRef>
+          <a:fillRef idx="1">
+            <a:schemeClr val="accent1"/>
+          </a:fillRef>
+          <a:effectRef idx="0">
+            <a:schemeClr val="accent1"/>
+          </a:effectRef>
+          <a:fontRef idx="minor">
+            <a:schemeClr val="lt1"/>
+          </a:fontRef>
+        </p:style>
+        <p:txBody>
+          <a:bodyPr rtlCol="0" anchor="ctr"/>
+          <a:lstStyle/>
+          <a:p>
+            <a:pPr algn="ctr"/>
+            <a:r>
+              <a:rPr lang="en-US" sz="1000" dirty="0">
+                <a:solidFill>
+                  <a:schemeClr val="tx1"/>
+                </a:solidFill>
+                <a:latin typeface="Arial" panose="020B0604020202020204" pitchFamily="34" charset="0"/>
+                <a:cs typeface="Arial" panose="020B0604020202020204" pitchFamily="34" charset="0"/>
+              </a:rPr>
+              <a:t>6</a:t>
+            </a:r>
+          </a:p>
+        </p:txBody>
+      </p:sp>
+      <p:sp>
+        <p:nvSpPr>
+          <p:cNvPr id="60" name="Oval 59">
+            <a:extLst>
+              <a:ext uri="{FF2B5EF4-FFF2-40B4-BE49-F238E27FC236}">
+                <a16:creationId xmlns:a16="http://schemas.microsoft.com/office/drawing/2014/main" id="{4DD31DCB-3A78-144E-979B-4562CD20A907}"/>
+              </a:ext>
+            </a:extLst>
+          </p:cNvPr>
+          <p:cNvSpPr>
+            <a:spLocks noChangeAspect="1"/>
+          </p:cNvSpPr>
+          <p:nvPr/>
+        </p:nvSpPr>
+        <p:spPr>
+          <a:xfrm>
+            <a:off x="4787476" y="2682152"/>
+            <a:ext cx="180000" cy="180000"/>
+          </a:xfrm>
+          <a:prstGeom prst="ellipse">
+            <a:avLst/>
+          </a:prstGeom>
+          <a:solidFill>
+            <a:schemeClr val="bg1"/>
+          </a:solidFill>
+          <a:ln>
+            <a:solidFill>
+              <a:schemeClr val="tx1"/>
+            </a:solidFill>
+          </a:ln>
+        </p:spPr>
+        <p:style>
+          <a:lnRef idx="2">
+            <a:schemeClr val="accent1">
+              <a:shade val="50000"/>
+            </a:schemeClr>
+          </a:lnRef>
+          <a:fillRef idx="1">
+            <a:schemeClr val="accent1"/>
+          </a:fillRef>
+          <a:effectRef idx="0">
+            <a:schemeClr val="accent1"/>
+          </a:effectRef>
+          <a:fontRef idx="minor">
+            <a:schemeClr val="lt1"/>
+          </a:fontRef>
+        </p:style>
+        <p:txBody>
+          <a:bodyPr rtlCol="0" anchor="ctr"/>
+          <a:lstStyle/>
+          <a:p>
+            <a:pPr algn="ctr"/>
+            <a:r>
+              <a:rPr lang="en-US" sz="1000" dirty="0">
+                <a:solidFill>
+                  <a:schemeClr val="tx1"/>
+                </a:solidFill>
+                <a:latin typeface="Arial" panose="020B0604020202020204" pitchFamily="34" charset="0"/>
+                <a:cs typeface="Arial" panose="020B0604020202020204" pitchFamily="34" charset="0"/>
+              </a:rPr>
+              <a:t>7</a:t>
+            </a:r>
+          </a:p>
+        </p:txBody>
+      </p:sp>
+      <p:sp>
+        <p:nvSpPr>
+          <p:cNvPr id="61" name="Oval 60">
+            <a:extLst>
+              <a:ext uri="{FF2B5EF4-FFF2-40B4-BE49-F238E27FC236}">
+                <a16:creationId xmlns:a16="http://schemas.microsoft.com/office/drawing/2014/main" id="{A2310D34-1496-8D4A-8CA7-A27FCFE936A7}"/>
+              </a:ext>
+            </a:extLst>
+          </p:cNvPr>
+          <p:cNvSpPr>
+            <a:spLocks noChangeAspect="1"/>
+          </p:cNvSpPr>
+          <p:nvPr/>
+        </p:nvSpPr>
+        <p:spPr>
+          <a:xfrm>
+            <a:off x="4787476" y="2530428"/>
+            <a:ext cx="180000" cy="180000"/>
+          </a:xfrm>
+          <a:prstGeom prst="ellipse">
+            <a:avLst/>
+          </a:prstGeom>
+          <a:solidFill>
+            <a:schemeClr val="bg1"/>
+          </a:solidFill>
+          <a:ln>
+            <a:solidFill>
+              <a:schemeClr val="tx1"/>
+            </a:solidFill>
+          </a:ln>
+        </p:spPr>
+        <p:style>
+          <a:lnRef idx="2">
+            <a:schemeClr val="accent1">
+              <a:shade val="50000"/>
+            </a:schemeClr>
+          </a:lnRef>
+          <a:fillRef idx="1">
+            <a:schemeClr val="accent1"/>
+          </a:fillRef>
+          <a:effectRef idx="0">
+            <a:schemeClr val="accent1"/>
+          </a:effectRef>
+          <a:fontRef idx="minor">
+            <a:schemeClr val="lt1"/>
+          </a:fontRef>
+        </p:style>
+        <p:txBody>
+          <a:bodyPr rtlCol="0" anchor="ctr"/>
+          <a:lstStyle/>
+          <a:p>
+            <a:pPr algn="ctr"/>
+            <a:r>
+              <a:rPr lang="en-US" sz="1000" dirty="0">
+                <a:solidFill>
+                  <a:schemeClr val="tx1"/>
+                </a:solidFill>
+                <a:latin typeface="Arial" panose="020B0604020202020204" pitchFamily="34" charset="0"/>
+                <a:cs typeface="Arial" panose="020B0604020202020204" pitchFamily="34" charset="0"/>
+              </a:rPr>
+              <a:t>8</a:t>
+            </a:r>
+          </a:p>
+        </p:txBody>
+      </p:sp>
+      <p:sp>
+        <p:nvSpPr>
+          <p:cNvPr id="62" name="Oval 61">
+            <a:extLst>
+              <a:ext uri="{FF2B5EF4-FFF2-40B4-BE49-F238E27FC236}">
+                <a16:creationId xmlns:a16="http://schemas.microsoft.com/office/drawing/2014/main" id="{B9E10349-F4D8-F949-BFC5-AE7DC983F19D}"/>
+              </a:ext>
+            </a:extLst>
+          </p:cNvPr>
+          <p:cNvSpPr>
+            <a:spLocks noChangeAspect="1"/>
+          </p:cNvSpPr>
+          <p:nvPr/>
+        </p:nvSpPr>
+        <p:spPr>
+          <a:xfrm>
+            <a:off x="5358850" y="2440428"/>
+            <a:ext cx="180000" cy="180000"/>
+          </a:xfrm>
+          <a:prstGeom prst="ellipse">
+            <a:avLst/>
+          </a:prstGeom>
+          <a:solidFill>
+            <a:schemeClr val="bg1"/>
+          </a:solidFill>
+          <a:ln>
+            <a:solidFill>
+              <a:schemeClr val="tx1"/>
+            </a:solidFill>
+          </a:ln>
+        </p:spPr>
+        <p:style>
+          <a:lnRef idx="2">
+            <a:schemeClr val="accent1">
+              <a:shade val="50000"/>
+            </a:schemeClr>
+          </a:lnRef>
+          <a:fillRef idx="1">
+            <a:schemeClr val="accent1"/>
+          </a:fillRef>
+          <a:effectRef idx="0">
+            <a:schemeClr val="accent1"/>
+          </a:effectRef>
+          <a:fontRef idx="minor">
+            <a:schemeClr val="lt1"/>
+          </a:fontRef>
+        </p:style>
+        <p:txBody>
+          <a:bodyPr rtlCol="0" anchor="ctr"/>
+          <a:lstStyle/>
+          <a:p>
+            <a:pPr algn="ctr"/>
+            <a:r>
+              <a:rPr lang="en-US" sz="1000" dirty="0">
+                <a:solidFill>
+                  <a:schemeClr val="tx1"/>
+                </a:solidFill>
+                <a:latin typeface="Arial" panose="020B0604020202020204" pitchFamily="34" charset="0"/>
+                <a:cs typeface="Arial" panose="020B0604020202020204" pitchFamily="34" charset="0"/>
+              </a:rPr>
+              <a:t>9</a:t>
+            </a:r>
+          </a:p>
+        </p:txBody>
+      </p:sp>
+      <p:sp>
+        <p:nvSpPr>
+          <p:cNvPr id="63" name="Oval 62">
+            <a:extLst>
+              <a:ext uri="{FF2B5EF4-FFF2-40B4-BE49-F238E27FC236}">
+                <a16:creationId xmlns:a16="http://schemas.microsoft.com/office/drawing/2014/main" id="{2C7E8DE4-D713-0346-9234-F66F9AA13FD2}"/>
+              </a:ext>
+            </a:extLst>
+          </p:cNvPr>
+          <p:cNvSpPr>
+            <a:spLocks noChangeAspect="1"/>
+          </p:cNvSpPr>
+          <p:nvPr/>
+        </p:nvSpPr>
+        <p:spPr>
+          <a:xfrm>
+            <a:off x="5587450" y="3519676"/>
+            <a:ext cx="180000" cy="180000"/>
+          </a:xfrm>
+          <a:prstGeom prst="ellipse">
+            <a:avLst/>
+          </a:prstGeom>
+          <a:solidFill>
+            <a:schemeClr val="bg1"/>
+          </a:solidFill>
+          <a:ln>
+            <a:solidFill>
+              <a:schemeClr val="tx1"/>
+            </a:solidFill>
+          </a:ln>
+        </p:spPr>
+        <p:style>
+          <a:lnRef idx="2">
+            <a:schemeClr val="accent1">
+              <a:shade val="50000"/>
+            </a:schemeClr>
+          </a:lnRef>
+          <a:fillRef idx="1">
+            <a:schemeClr val="accent1"/>
+          </a:fillRef>
+          <a:effectRef idx="0">
+            <a:schemeClr val="accent1"/>
+          </a:effectRef>
+          <a:fontRef idx="minor">
+            <a:schemeClr val="lt1"/>
+          </a:fontRef>
+        </p:style>
+        <p:txBody>
+          <a:bodyPr wrap="none" lIns="90000" rtlCol="0" anchor="ctr"/>
+          <a:lstStyle/>
+          <a:p>
+            <a:pPr algn="ctr"/>
+            <a:r>
+              <a:rPr lang="en-US" sz="1000" dirty="0">
+                <a:solidFill>
+                  <a:schemeClr val="tx1"/>
+                </a:solidFill>
+                <a:latin typeface="Arial" panose="020B0604020202020204" pitchFamily="34" charset="0"/>
+                <a:cs typeface="Arial" panose="020B0604020202020204" pitchFamily="34" charset="0"/>
+              </a:rPr>
+              <a:t>10</a:t>
+            </a:r>
+          </a:p>
+        </p:txBody>
+      </p:sp>
+      <p:sp>
+        <p:nvSpPr>
+          <p:cNvPr id="65" name="Oval 64">
+            <a:extLst>
+              <a:ext uri="{FF2B5EF4-FFF2-40B4-BE49-F238E27FC236}">
+                <a16:creationId xmlns:a16="http://schemas.microsoft.com/office/drawing/2014/main" id="{D659C20B-3E78-BB4B-991E-669692328B44}"/>
+              </a:ext>
+            </a:extLst>
+          </p:cNvPr>
+          <p:cNvSpPr>
+            <a:spLocks noChangeAspect="1"/>
+          </p:cNvSpPr>
+          <p:nvPr/>
+        </p:nvSpPr>
+        <p:spPr>
+          <a:xfrm>
+            <a:off x="4126400" y="3820500"/>
+            <a:ext cx="180000" cy="180000"/>
+          </a:xfrm>
+          <a:prstGeom prst="ellipse">
+            <a:avLst/>
+          </a:prstGeom>
+          <a:solidFill>
+            <a:schemeClr val="bg1"/>
+          </a:solidFill>
+          <a:ln>
+            <a:solidFill>
+              <a:schemeClr val="tx1"/>
+            </a:solidFill>
+          </a:ln>
+        </p:spPr>
+        <p:style>
+          <a:lnRef idx="2">
+            <a:schemeClr val="accent1">
+              <a:shade val="50000"/>
+            </a:schemeClr>
+          </a:lnRef>
+          <a:fillRef idx="1">
+            <a:schemeClr val="accent1"/>
+          </a:fillRef>
+          <a:effectRef idx="0">
+            <a:schemeClr val="accent1"/>
+          </a:effectRef>
+          <a:fontRef idx="minor">
+            <a:schemeClr val="lt1"/>
+          </a:fontRef>
+        </p:style>
+        <p:txBody>
+          <a:bodyPr wrap="none" lIns="90000" rtlCol="0" anchor="ctr"/>
+          <a:lstStyle/>
+          <a:p>
+            <a:pPr algn="ctr"/>
+            <a:r>
+              <a:rPr lang="en-US" sz="1000" dirty="0">
+                <a:solidFill>
+                  <a:schemeClr val="tx1"/>
+                </a:solidFill>
+                <a:latin typeface="Arial" panose="020B0604020202020204" pitchFamily="34" charset="0"/>
+                <a:cs typeface="Arial" panose="020B0604020202020204" pitchFamily="34" charset="0"/>
+              </a:rPr>
+              <a:t>11</a:t>
+            </a:r>
+          </a:p>
+        </p:txBody>
+      </p:sp>
+      <p:sp>
+        <p:nvSpPr>
+          <p:cNvPr id="66" name="Oval 65">
+            <a:extLst>
+              <a:ext uri="{FF2B5EF4-FFF2-40B4-BE49-F238E27FC236}">
+                <a16:creationId xmlns:a16="http://schemas.microsoft.com/office/drawing/2014/main" id="{4310A5F2-7AC9-704A-83C8-9531F3808341}"/>
+              </a:ext>
+            </a:extLst>
+          </p:cNvPr>
+          <p:cNvSpPr>
+            <a:spLocks noChangeAspect="1"/>
+          </p:cNvSpPr>
+          <p:nvPr/>
+        </p:nvSpPr>
+        <p:spPr>
+          <a:xfrm>
+            <a:off x="4177200" y="3922100"/>
+            <a:ext cx="180000" cy="180000"/>
+          </a:xfrm>
+          <a:prstGeom prst="ellipse">
+            <a:avLst/>
+          </a:prstGeom>
+          <a:solidFill>
+            <a:schemeClr val="bg1"/>
+          </a:solidFill>
+          <a:ln>
+            <a:solidFill>
+              <a:schemeClr val="tx1"/>
+            </a:solidFill>
+          </a:ln>
+        </p:spPr>
+        <p:style>
+          <a:lnRef idx="2">
+            <a:schemeClr val="accent1">
+              <a:shade val="50000"/>
+            </a:schemeClr>
+          </a:lnRef>
+          <a:fillRef idx="1">
+            <a:schemeClr val="accent1"/>
+          </a:fillRef>
+          <a:effectRef idx="0">
+            <a:schemeClr val="accent1"/>
+          </a:effectRef>
+          <a:fontRef idx="minor">
+            <a:schemeClr val="lt1"/>
+          </a:fontRef>
+        </p:style>
+        <p:txBody>
+          <a:bodyPr wrap="none" lIns="90000" rtlCol="0" anchor="ctr"/>
+          <a:lstStyle/>
+          <a:p>
+            <a:pPr algn="ctr"/>
+            <a:r>
+              <a:rPr lang="en-US" sz="1000" dirty="0">
+                <a:solidFill>
+                  <a:schemeClr val="tx1"/>
+                </a:solidFill>
+                <a:latin typeface="Arial" panose="020B0604020202020204" pitchFamily="34" charset="0"/>
+                <a:cs typeface="Arial" panose="020B0604020202020204" pitchFamily="34" charset="0"/>
+              </a:rPr>
+              <a:t>12</a:t>
+            </a:r>
+          </a:p>
+        </p:txBody>
+      </p:sp>
+    </p:spTree>
+    <p:extLst>
+      <p:ext uri="{BB962C8B-B14F-4D97-AF65-F5344CB8AC3E}">
+        <p14:creationId xmlns:p14="http://schemas.microsoft.com/office/powerpoint/2010/main" val="4054039376"/>
       </p:ext>
     </p:extLst>
   </p:cSld>

--- a/ThesisLaTeX/fig.pptx
+++ b/ThesisLaTeX/fig.pptx
@@ -5,7 +5,7 @@
     <p:sldMasterId id="2147483648" r:id="rId1"/>
   </p:sldMasterIdLst>
   <p:notesMasterIdLst>
-    <p:notesMasterId r:id="rId9"/>
+    <p:notesMasterId r:id="rId11"/>
   </p:notesMasterIdLst>
   <p:sldIdLst>
     <p:sldId id="256" r:id="rId2"/>
@@ -15,6 +15,8 @@
     <p:sldId id="260" r:id="rId6"/>
     <p:sldId id="261" r:id="rId7"/>
     <p:sldId id="262" r:id="rId8"/>
+    <p:sldId id="265" r:id="rId9"/>
+    <p:sldId id="263" r:id="rId10"/>
   </p:sldIdLst>
   <p:sldSz cx="12192000" cy="6858000"/>
   <p:notesSz cx="6858000" cy="9144000"/>
@@ -203,7 +205,7 @@
           <a:p>
             <a:fld id="{A0438485-CF21-3F47-A468-9A5AD0CFA17C}" type="datetimeFigureOut">
               <a:rPr lang="en-US" smtClean="0"/>
-              <a:t>3/23/18</a:t>
+              <a:t>3/26/18</a:t>
             </a:fld>
             <a:endParaRPr lang="en-US"/>
           </a:p>
@@ -701,7 +703,7 @@
           <a:p>
             <a:fld id="{FBFF591B-33EC-0C40-B0D5-15169D3664A5}" type="datetimeFigureOut">
               <a:rPr lang="en-US" smtClean="0"/>
-              <a:t>3/23/18</a:t>
+              <a:t>3/26/18</a:t>
             </a:fld>
             <a:endParaRPr lang="en-US"/>
           </a:p>
@@ -899,7 +901,7 @@
           <a:p>
             <a:fld id="{FBFF591B-33EC-0C40-B0D5-15169D3664A5}" type="datetimeFigureOut">
               <a:rPr lang="en-US" smtClean="0"/>
-              <a:t>3/23/18</a:t>
+              <a:t>3/26/18</a:t>
             </a:fld>
             <a:endParaRPr lang="en-US"/>
           </a:p>
@@ -1107,7 +1109,7 @@
           <a:p>
             <a:fld id="{FBFF591B-33EC-0C40-B0D5-15169D3664A5}" type="datetimeFigureOut">
               <a:rPr lang="en-US" smtClean="0"/>
-              <a:t>3/23/18</a:t>
+              <a:t>3/26/18</a:t>
             </a:fld>
             <a:endParaRPr lang="en-US"/>
           </a:p>
@@ -1305,7 +1307,7 @@
           <a:p>
             <a:fld id="{FBFF591B-33EC-0C40-B0D5-15169D3664A5}" type="datetimeFigureOut">
               <a:rPr lang="en-US" smtClean="0"/>
-              <a:t>3/23/18</a:t>
+              <a:t>3/26/18</a:t>
             </a:fld>
             <a:endParaRPr lang="en-US"/>
           </a:p>
@@ -1580,7 +1582,7 @@
           <a:p>
             <a:fld id="{FBFF591B-33EC-0C40-B0D5-15169D3664A5}" type="datetimeFigureOut">
               <a:rPr lang="en-US" smtClean="0"/>
-              <a:t>3/23/18</a:t>
+              <a:t>3/26/18</a:t>
             </a:fld>
             <a:endParaRPr lang="en-US"/>
           </a:p>
@@ -1845,7 +1847,7 @@
           <a:p>
             <a:fld id="{FBFF591B-33EC-0C40-B0D5-15169D3664A5}" type="datetimeFigureOut">
               <a:rPr lang="en-US" smtClean="0"/>
-              <a:t>3/23/18</a:t>
+              <a:t>3/26/18</a:t>
             </a:fld>
             <a:endParaRPr lang="en-US"/>
           </a:p>
@@ -2257,7 +2259,7 @@
           <a:p>
             <a:fld id="{FBFF591B-33EC-0C40-B0D5-15169D3664A5}" type="datetimeFigureOut">
               <a:rPr lang="en-US" smtClean="0"/>
-              <a:t>3/23/18</a:t>
+              <a:t>3/26/18</a:t>
             </a:fld>
             <a:endParaRPr lang="en-US"/>
           </a:p>
@@ -2398,7 +2400,7 @@
           <a:p>
             <a:fld id="{FBFF591B-33EC-0C40-B0D5-15169D3664A5}" type="datetimeFigureOut">
               <a:rPr lang="en-US" smtClean="0"/>
-              <a:t>3/23/18</a:t>
+              <a:t>3/26/18</a:t>
             </a:fld>
             <a:endParaRPr lang="en-US"/>
           </a:p>
@@ -2511,7 +2513,7 @@
           <a:p>
             <a:fld id="{FBFF591B-33EC-0C40-B0D5-15169D3664A5}" type="datetimeFigureOut">
               <a:rPr lang="en-US" smtClean="0"/>
-              <a:t>3/23/18</a:t>
+              <a:t>3/26/18</a:t>
             </a:fld>
             <a:endParaRPr lang="en-US"/>
           </a:p>
@@ -2822,7 +2824,7 @@
           <a:p>
             <a:fld id="{FBFF591B-33EC-0C40-B0D5-15169D3664A5}" type="datetimeFigureOut">
               <a:rPr lang="en-US" smtClean="0"/>
-              <a:t>3/23/18</a:t>
+              <a:t>3/26/18</a:t>
             </a:fld>
             <a:endParaRPr lang="en-US"/>
           </a:p>
@@ -3110,7 +3112,7 @@
           <a:p>
             <a:fld id="{FBFF591B-33EC-0C40-B0D5-15169D3664A5}" type="datetimeFigureOut">
               <a:rPr lang="en-US" smtClean="0"/>
-              <a:t>3/23/18</a:t>
+              <a:t>3/26/18</a:t>
             </a:fld>
             <a:endParaRPr lang="en-US"/>
           </a:p>
@@ -3351,7 +3353,7 @@
           <a:p>
             <a:fld id="{FBFF591B-33EC-0C40-B0D5-15169D3664A5}" type="datetimeFigureOut">
               <a:rPr lang="en-US" smtClean="0"/>
-              <a:t>3/23/18</a:t>
+              <a:t>3/26/18</a:t>
             </a:fld>
             <a:endParaRPr lang="en-US"/>
           </a:p>
@@ -3754,6 +3756,16 @@
 <file path=ppt/slides/slide1.xml><?xml version="1.0" encoding="utf-8"?>
 <p:sld xmlns:a="http://schemas.openxmlformats.org/drawingml/2006/main" xmlns:r="http://schemas.openxmlformats.org/officeDocument/2006/relationships" xmlns:p="http://schemas.openxmlformats.org/presentationml/2006/main">
   <p:cSld>
+    <p:bg>
+      <p:bgPr>
+        <a:solidFill>
+          <a:schemeClr val="bg1">
+            <a:alpha val="74000"/>
+          </a:schemeClr>
+        </a:solidFill>
+        <a:effectLst/>
+      </p:bgPr>
+    </p:bg>
     <p:spTree>
       <p:nvGrpSpPr>
         <p:cNvPr id="1" name=""/>
@@ -3797,42 +3809,6 @@
         <p:spPr>
           <a:xfrm>
             <a:off x="0" y="0"/>
-            <a:ext cx="2160000" cy="2160000"/>
-          </a:xfrm>
-          <a:prstGeom prst="rect">
-            <a:avLst/>
-          </a:prstGeom>
-        </p:spPr>
-      </p:pic>
-      <p:pic>
-        <p:nvPicPr>
-          <p:cNvPr id="13" name="Picture 12">
-            <a:extLst>
-              <a:ext uri="{FF2B5EF4-FFF2-40B4-BE49-F238E27FC236}">
-                <a16:creationId xmlns:a16="http://schemas.microsoft.com/office/drawing/2014/main" id="{2DF10011-9F9C-2640-8DC3-FFF6C2BE117B}"/>
-              </a:ext>
-            </a:extLst>
-          </p:cNvPr>
-          <p:cNvPicPr>
-            <a:picLocks noChangeAspect="1"/>
-          </p:cNvPicPr>
-          <p:nvPr/>
-        </p:nvPicPr>
-        <p:blipFill>
-          <a:blip r:embed="rId3">
-            <a:extLst>
-              <a:ext uri="{28A0092B-C50C-407E-A947-70E740481C1C}">
-                <a14:useLocalDpi xmlns:a14="http://schemas.microsoft.com/office/drawing/2010/main" val="0"/>
-              </a:ext>
-            </a:extLst>
-          </a:blip>
-          <a:stretch>
-            <a:fillRect/>
-          </a:stretch>
-        </p:blipFill>
-        <p:spPr>
-          <a:xfrm>
-            <a:off x="9720000" y="0"/>
             <a:ext cx="2160000" cy="2160000"/>
           </a:xfrm>
           <a:prstGeom prst="rect">
@@ -4183,7 +4159,10 @@
               </a:ext>
             </a:extLst>
           </p:cNvPr>
-          <p:cNvCxnSpPr/>
+          <p:cNvCxnSpPr>
+            <a:cxnSpLocks/>
+            <a:endCxn id="12" idx="1"/>
+          </p:cNvCxnSpPr>
           <p:nvPr/>
         </p:nvCxnSpPr>
         <p:spPr>
@@ -4216,6 +4195,449 @@
           </a:fontRef>
         </p:style>
       </p:cxnSp>
+      <p:pic>
+        <p:nvPicPr>
+          <p:cNvPr id="12" name="Picture 11">
+            <a:extLst>
+              <a:ext uri="{FF2B5EF4-FFF2-40B4-BE49-F238E27FC236}">
+                <a16:creationId xmlns:a16="http://schemas.microsoft.com/office/drawing/2014/main" id="{2D40970F-8302-6845-8A57-7895C4D5BD52}"/>
+              </a:ext>
+            </a:extLst>
+          </p:cNvPr>
+          <p:cNvPicPr>
+            <a:picLocks noChangeAspect="1"/>
+          </p:cNvPicPr>
+          <p:nvPr/>
+        </p:nvPicPr>
+        <p:blipFill>
+          <a:blip r:embed="rId2">
+            <a:extLst>
+              <a:ext uri="{28A0092B-C50C-407E-A947-70E740481C1C}">
+                <a14:useLocalDpi xmlns:a14="http://schemas.microsoft.com/office/drawing/2010/main" val="0"/>
+              </a:ext>
+            </a:extLst>
+          </a:blip>
+          <a:stretch>
+            <a:fillRect/>
+          </a:stretch>
+        </p:blipFill>
+        <p:spPr>
+          <a:xfrm>
+            <a:off x="9720000" y="0"/>
+            <a:ext cx="2160000" cy="2160000"/>
+          </a:xfrm>
+          <a:prstGeom prst="rect">
+            <a:avLst/>
+          </a:prstGeom>
+        </p:spPr>
+      </p:pic>
+      <p:sp>
+        <p:nvSpPr>
+          <p:cNvPr id="3" name="Freeform 2">
+            <a:extLst>
+              <a:ext uri="{FF2B5EF4-FFF2-40B4-BE49-F238E27FC236}">
+                <a16:creationId xmlns:a16="http://schemas.microsoft.com/office/drawing/2014/main" id="{1E3592EA-CC04-B441-888C-B8A4370CA4C6}"/>
+              </a:ext>
+            </a:extLst>
+          </p:cNvPr>
+          <p:cNvSpPr/>
+          <p:nvPr/>
+        </p:nvSpPr>
+        <p:spPr>
+          <a:xfrm>
+            <a:off x="9990119" y="354419"/>
+            <a:ext cx="1582769" cy="1144800"/>
+          </a:xfrm>
+          <a:custGeom>
+            <a:avLst/>
+            <a:gdLst>
+              <a:gd name="connsiteX0" fmla="*/ 0 w 1559442"/>
+              <a:gd name="connsiteY0" fmla="*/ 290623 h 1141228"/>
+              <a:gd name="connsiteX1" fmla="*/ 609600 w 1559442"/>
+              <a:gd name="connsiteY1" fmla="*/ 155944 h 1141228"/>
+              <a:gd name="connsiteX2" fmla="*/ 623777 w 1559442"/>
+              <a:gd name="connsiteY2" fmla="*/ 248093 h 1141228"/>
+              <a:gd name="connsiteX3" fmla="*/ 935666 w 1559442"/>
+              <a:gd name="connsiteY3" fmla="*/ 177209 h 1141228"/>
+              <a:gd name="connsiteX4" fmla="*/ 907312 w 1559442"/>
+              <a:gd name="connsiteY4" fmla="*/ 85060 h 1141228"/>
+              <a:gd name="connsiteX5" fmla="*/ 1368056 w 1559442"/>
+              <a:gd name="connsiteY5" fmla="*/ 0 h 1141228"/>
+              <a:gd name="connsiteX6" fmla="*/ 1559442 w 1559442"/>
+              <a:gd name="connsiteY6" fmla="*/ 850604 h 1141228"/>
+              <a:gd name="connsiteX7" fmla="*/ 460745 w 1559442"/>
+              <a:gd name="connsiteY7" fmla="*/ 1056167 h 1141228"/>
+              <a:gd name="connsiteX8" fmla="*/ 439479 w 1559442"/>
+              <a:gd name="connsiteY8" fmla="*/ 1119962 h 1141228"/>
+              <a:gd name="connsiteX9" fmla="*/ 340242 w 1559442"/>
+              <a:gd name="connsiteY9" fmla="*/ 1141228 h 1141228"/>
+              <a:gd name="connsiteX10" fmla="*/ 163033 w 1559442"/>
+              <a:gd name="connsiteY10" fmla="*/ 758455 h 1141228"/>
+              <a:gd name="connsiteX11" fmla="*/ 92149 w 1559442"/>
+              <a:gd name="connsiteY11" fmla="*/ 765544 h 1141228"/>
+              <a:gd name="connsiteX12" fmla="*/ 0 w 1559442"/>
+              <a:gd name="connsiteY12" fmla="*/ 290623 h 1141228"/>
+              <a:gd name="connsiteX0" fmla="*/ 0 w 1578103"/>
+              <a:gd name="connsiteY0" fmla="*/ 299924 h 1141228"/>
+              <a:gd name="connsiteX1" fmla="*/ 628261 w 1578103"/>
+              <a:gd name="connsiteY1" fmla="*/ 155944 h 1141228"/>
+              <a:gd name="connsiteX2" fmla="*/ 642438 w 1578103"/>
+              <a:gd name="connsiteY2" fmla="*/ 248093 h 1141228"/>
+              <a:gd name="connsiteX3" fmla="*/ 954327 w 1578103"/>
+              <a:gd name="connsiteY3" fmla="*/ 177209 h 1141228"/>
+              <a:gd name="connsiteX4" fmla="*/ 925973 w 1578103"/>
+              <a:gd name="connsiteY4" fmla="*/ 85060 h 1141228"/>
+              <a:gd name="connsiteX5" fmla="*/ 1386717 w 1578103"/>
+              <a:gd name="connsiteY5" fmla="*/ 0 h 1141228"/>
+              <a:gd name="connsiteX6" fmla="*/ 1578103 w 1578103"/>
+              <a:gd name="connsiteY6" fmla="*/ 850604 h 1141228"/>
+              <a:gd name="connsiteX7" fmla="*/ 479406 w 1578103"/>
+              <a:gd name="connsiteY7" fmla="*/ 1056167 h 1141228"/>
+              <a:gd name="connsiteX8" fmla="*/ 458140 w 1578103"/>
+              <a:gd name="connsiteY8" fmla="*/ 1119962 h 1141228"/>
+              <a:gd name="connsiteX9" fmla="*/ 358903 w 1578103"/>
+              <a:gd name="connsiteY9" fmla="*/ 1141228 h 1141228"/>
+              <a:gd name="connsiteX10" fmla="*/ 181694 w 1578103"/>
+              <a:gd name="connsiteY10" fmla="*/ 758455 h 1141228"/>
+              <a:gd name="connsiteX11" fmla="*/ 110810 w 1578103"/>
+              <a:gd name="connsiteY11" fmla="*/ 765544 h 1141228"/>
+              <a:gd name="connsiteX12" fmla="*/ 0 w 1578103"/>
+              <a:gd name="connsiteY12" fmla="*/ 299924 h 1141228"/>
+              <a:gd name="connsiteX0" fmla="*/ 0 w 1578103"/>
+              <a:gd name="connsiteY0" fmla="*/ 299924 h 1141228"/>
+              <a:gd name="connsiteX1" fmla="*/ 628261 w 1578103"/>
+              <a:gd name="connsiteY1" fmla="*/ 155944 h 1141228"/>
+              <a:gd name="connsiteX2" fmla="*/ 642438 w 1578103"/>
+              <a:gd name="connsiteY2" fmla="*/ 248093 h 1141228"/>
+              <a:gd name="connsiteX3" fmla="*/ 954327 w 1578103"/>
+              <a:gd name="connsiteY3" fmla="*/ 177209 h 1141228"/>
+              <a:gd name="connsiteX4" fmla="*/ 925973 w 1578103"/>
+              <a:gd name="connsiteY4" fmla="*/ 85060 h 1141228"/>
+              <a:gd name="connsiteX5" fmla="*/ 1386717 w 1578103"/>
+              <a:gd name="connsiteY5" fmla="*/ 0 h 1141228"/>
+              <a:gd name="connsiteX6" fmla="*/ 1578103 w 1578103"/>
+              <a:gd name="connsiteY6" fmla="*/ 850604 h 1141228"/>
+              <a:gd name="connsiteX7" fmla="*/ 479406 w 1578103"/>
+              <a:gd name="connsiteY7" fmla="*/ 1056167 h 1141228"/>
+              <a:gd name="connsiteX8" fmla="*/ 458140 w 1578103"/>
+              <a:gd name="connsiteY8" fmla="*/ 1119962 h 1141228"/>
+              <a:gd name="connsiteX9" fmla="*/ 358903 w 1578103"/>
+              <a:gd name="connsiteY9" fmla="*/ 1141228 h 1141228"/>
+              <a:gd name="connsiteX10" fmla="*/ 167698 w 1578103"/>
+              <a:gd name="connsiteY10" fmla="*/ 777058 h 1141228"/>
+              <a:gd name="connsiteX11" fmla="*/ 110810 w 1578103"/>
+              <a:gd name="connsiteY11" fmla="*/ 765544 h 1141228"/>
+              <a:gd name="connsiteX12" fmla="*/ 0 w 1578103"/>
+              <a:gd name="connsiteY12" fmla="*/ 299924 h 1141228"/>
+              <a:gd name="connsiteX0" fmla="*/ 0 w 1582769"/>
+              <a:gd name="connsiteY0" fmla="*/ 299924 h 1141228"/>
+              <a:gd name="connsiteX1" fmla="*/ 628261 w 1582769"/>
+              <a:gd name="connsiteY1" fmla="*/ 155944 h 1141228"/>
+              <a:gd name="connsiteX2" fmla="*/ 642438 w 1582769"/>
+              <a:gd name="connsiteY2" fmla="*/ 248093 h 1141228"/>
+              <a:gd name="connsiteX3" fmla="*/ 954327 w 1582769"/>
+              <a:gd name="connsiteY3" fmla="*/ 177209 h 1141228"/>
+              <a:gd name="connsiteX4" fmla="*/ 925973 w 1582769"/>
+              <a:gd name="connsiteY4" fmla="*/ 85060 h 1141228"/>
+              <a:gd name="connsiteX5" fmla="*/ 1386717 w 1582769"/>
+              <a:gd name="connsiteY5" fmla="*/ 0 h 1141228"/>
+              <a:gd name="connsiteX6" fmla="*/ 1582769 w 1582769"/>
+              <a:gd name="connsiteY6" fmla="*/ 878508 h 1141228"/>
+              <a:gd name="connsiteX7" fmla="*/ 479406 w 1582769"/>
+              <a:gd name="connsiteY7" fmla="*/ 1056167 h 1141228"/>
+              <a:gd name="connsiteX8" fmla="*/ 458140 w 1582769"/>
+              <a:gd name="connsiteY8" fmla="*/ 1119962 h 1141228"/>
+              <a:gd name="connsiteX9" fmla="*/ 358903 w 1582769"/>
+              <a:gd name="connsiteY9" fmla="*/ 1141228 h 1141228"/>
+              <a:gd name="connsiteX10" fmla="*/ 167698 w 1582769"/>
+              <a:gd name="connsiteY10" fmla="*/ 777058 h 1141228"/>
+              <a:gd name="connsiteX11" fmla="*/ 110810 w 1582769"/>
+              <a:gd name="connsiteY11" fmla="*/ 765544 h 1141228"/>
+              <a:gd name="connsiteX12" fmla="*/ 0 w 1582769"/>
+              <a:gd name="connsiteY12" fmla="*/ 299924 h 1141228"/>
+              <a:gd name="connsiteX0" fmla="*/ 0 w 1582769"/>
+              <a:gd name="connsiteY0" fmla="*/ 299924 h 1141228"/>
+              <a:gd name="connsiteX1" fmla="*/ 628261 w 1582769"/>
+              <a:gd name="connsiteY1" fmla="*/ 155944 h 1141228"/>
+              <a:gd name="connsiteX2" fmla="*/ 642438 w 1582769"/>
+              <a:gd name="connsiteY2" fmla="*/ 248093 h 1141228"/>
+              <a:gd name="connsiteX3" fmla="*/ 954327 w 1582769"/>
+              <a:gd name="connsiteY3" fmla="*/ 177209 h 1141228"/>
+              <a:gd name="connsiteX4" fmla="*/ 925973 w 1582769"/>
+              <a:gd name="connsiteY4" fmla="*/ 85060 h 1141228"/>
+              <a:gd name="connsiteX5" fmla="*/ 1386717 w 1582769"/>
+              <a:gd name="connsiteY5" fmla="*/ 0 h 1141228"/>
+              <a:gd name="connsiteX6" fmla="*/ 1582769 w 1582769"/>
+              <a:gd name="connsiteY6" fmla="*/ 878508 h 1141228"/>
+              <a:gd name="connsiteX7" fmla="*/ 479406 w 1582769"/>
+              <a:gd name="connsiteY7" fmla="*/ 1056167 h 1141228"/>
+              <a:gd name="connsiteX8" fmla="*/ 476801 w 1582769"/>
+              <a:gd name="connsiteY8" fmla="*/ 1124614 h 1141228"/>
+              <a:gd name="connsiteX9" fmla="*/ 358903 w 1582769"/>
+              <a:gd name="connsiteY9" fmla="*/ 1141228 h 1141228"/>
+              <a:gd name="connsiteX10" fmla="*/ 167698 w 1582769"/>
+              <a:gd name="connsiteY10" fmla="*/ 777058 h 1141228"/>
+              <a:gd name="connsiteX11" fmla="*/ 110810 w 1582769"/>
+              <a:gd name="connsiteY11" fmla="*/ 765544 h 1141228"/>
+              <a:gd name="connsiteX12" fmla="*/ 0 w 1582769"/>
+              <a:gd name="connsiteY12" fmla="*/ 299924 h 1141228"/>
+              <a:gd name="connsiteX0" fmla="*/ 0 w 1582769"/>
+              <a:gd name="connsiteY0" fmla="*/ 299924 h 1141228"/>
+              <a:gd name="connsiteX1" fmla="*/ 628261 w 1582769"/>
+              <a:gd name="connsiteY1" fmla="*/ 155944 h 1141228"/>
+              <a:gd name="connsiteX2" fmla="*/ 642438 w 1582769"/>
+              <a:gd name="connsiteY2" fmla="*/ 248093 h 1141228"/>
+              <a:gd name="connsiteX3" fmla="*/ 954327 w 1582769"/>
+              <a:gd name="connsiteY3" fmla="*/ 177209 h 1141228"/>
+              <a:gd name="connsiteX4" fmla="*/ 949300 w 1582769"/>
+              <a:gd name="connsiteY4" fmla="*/ 80408 h 1141228"/>
+              <a:gd name="connsiteX5" fmla="*/ 1386717 w 1582769"/>
+              <a:gd name="connsiteY5" fmla="*/ 0 h 1141228"/>
+              <a:gd name="connsiteX6" fmla="*/ 1582769 w 1582769"/>
+              <a:gd name="connsiteY6" fmla="*/ 878508 h 1141228"/>
+              <a:gd name="connsiteX7" fmla="*/ 479406 w 1582769"/>
+              <a:gd name="connsiteY7" fmla="*/ 1056167 h 1141228"/>
+              <a:gd name="connsiteX8" fmla="*/ 476801 w 1582769"/>
+              <a:gd name="connsiteY8" fmla="*/ 1124614 h 1141228"/>
+              <a:gd name="connsiteX9" fmla="*/ 358903 w 1582769"/>
+              <a:gd name="connsiteY9" fmla="*/ 1141228 h 1141228"/>
+              <a:gd name="connsiteX10" fmla="*/ 167698 w 1582769"/>
+              <a:gd name="connsiteY10" fmla="*/ 777058 h 1141228"/>
+              <a:gd name="connsiteX11" fmla="*/ 110810 w 1582769"/>
+              <a:gd name="connsiteY11" fmla="*/ 765544 h 1141228"/>
+              <a:gd name="connsiteX12" fmla="*/ 0 w 1582769"/>
+              <a:gd name="connsiteY12" fmla="*/ 299924 h 1141228"/>
+              <a:gd name="connsiteX0" fmla="*/ 0 w 1582769"/>
+              <a:gd name="connsiteY0" fmla="*/ 299924 h 1141228"/>
+              <a:gd name="connsiteX1" fmla="*/ 623595 w 1582769"/>
+              <a:gd name="connsiteY1" fmla="*/ 160594 h 1141228"/>
+              <a:gd name="connsiteX2" fmla="*/ 642438 w 1582769"/>
+              <a:gd name="connsiteY2" fmla="*/ 248093 h 1141228"/>
+              <a:gd name="connsiteX3" fmla="*/ 954327 w 1582769"/>
+              <a:gd name="connsiteY3" fmla="*/ 177209 h 1141228"/>
+              <a:gd name="connsiteX4" fmla="*/ 949300 w 1582769"/>
+              <a:gd name="connsiteY4" fmla="*/ 80408 h 1141228"/>
+              <a:gd name="connsiteX5" fmla="*/ 1386717 w 1582769"/>
+              <a:gd name="connsiteY5" fmla="*/ 0 h 1141228"/>
+              <a:gd name="connsiteX6" fmla="*/ 1582769 w 1582769"/>
+              <a:gd name="connsiteY6" fmla="*/ 878508 h 1141228"/>
+              <a:gd name="connsiteX7" fmla="*/ 479406 w 1582769"/>
+              <a:gd name="connsiteY7" fmla="*/ 1056167 h 1141228"/>
+              <a:gd name="connsiteX8" fmla="*/ 476801 w 1582769"/>
+              <a:gd name="connsiteY8" fmla="*/ 1124614 h 1141228"/>
+              <a:gd name="connsiteX9" fmla="*/ 358903 w 1582769"/>
+              <a:gd name="connsiteY9" fmla="*/ 1141228 h 1141228"/>
+              <a:gd name="connsiteX10" fmla="*/ 167698 w 1582769"/>
+              <a:gd name="connsiteY10" fmla="*/ 777058 h 1141228"/>
+              <a:gd name="connsiteX11" fmla="*/ 110810 w 1582769"/>
+              <a:gd name="connsiteY11" fmla="*/ 765544 h 1141228"/>
+              <a:gd name="connsiteX12" fmla="*/ 0 w 1582769"/>
+              <a:gd name="connsiteY12" fmla="*/ 299924 h 1141228"/>
+              <a:gd name="connsiteX0" fmla="*/ 0 w 1582769"/>
+              <a:gd name="connsiteY0" fmla="*/ 299924 h 1141228"/>
+              <a:gd name="connsiteX1" fmla="*/ 623595 w 1582769"/>
+              <a:gd name="connsiteY1" fmla="*/ 160594 h 1141228"/>
+              <a:gd name="connsiteX2" fmla="*/ 642438 w 1582769"/>
+              <a:gd name="connsiteY2" fmla="*/ 248093 h 1141228"/>
+              <a:gd name="connsiteX3" fmla="*/ 954327 w 1582769"/>
+              <a:gd name="connsiteY3" fmla="*/ 177209 h 1141228"/>
+              <a:gd name="connsiteX4" fmla="*/ 925974 w 1582769"/>
+              <a:gd name="connsiteY4" fmla="*/ 89709 h 1141228"/>
+              <a:gd name="connsiteX5" fmla="*/ 1386717 w 1582769"/>
+              <a:gd name="connsiteY5" fmla="*/ 0 h 1141228"/>
+              <a:gd name="connsiteX6" fmla="*/ 1582769 w 1582769"/>
+              <a:gd name="connsiteY6" fmla="*/ 878508 h 1141228"/>
+              <a:gd name="connsiteX7" fmla="*/ 479406 w 1582769"/>
+              <a:gd name="connsiteY7" fmla="*/ 1056167 h 1141228"/>
+              <a:gd name="connsiteX8" fmla="*/ 476801 w 1582769"/>
+              <a:gd name="connsiteY8" fmla="*/ 1124614 h 1141228"/>
+              <a:gd name="connsiteX9" fmla="*/ 358903 w 1582769"/>
+              <a:gd name="connsiteY9" fmla="*/ 1141228 h 1141228"/>
+              <a:gd name="connsiteX10" fmla="*/ 167698 w 1582769"/>
+              <a:gd name="connsiteY10" fmla="*/ 777058 h 1141228"/>
+              <a:gd name="connsiteX11" fmla="*/ 110810 w 1582769"/>
+              <a:gd name="connsiteY11" fmla="*/ 765544 h 1141228"/>
+              <a:gd name="connsiteX12" fmla="*/ 0 w 1582769"/>
+              <a:gd name="connsiteY12" fmla="*/ 299924 h 1141228"/>
+              <a:gd name="connsiteX0" fmla="*/ 0 w 1582769"/>
+              <a:gd name="connsiteY0" fmla="*/ 299924 h 1141228"/>
+              <a:gd name="connsiteX1" fmla="*/ 623595 w 1582769"/>
+              <a:gd name="connsiteY1" fmla="*/ 160594 h 1141228"/>
+              <a:gd name="connsiteX2" fmla="*/ 642438 w 1582769"/>
+              <a:gd name="connsiteY2" fmla="*/ 248093 h 1141228"/>
+              <a:gd name="connsiteX3" fmla="*/ 954327 w 1582769"/>
+              <a:gd name="connsiteY3" fmla="*/ 177209 h 1141228"/>
+              <a:gd name="connsiteX4" fmla="*/ 935305 w 1582769"/>
+              <a:gd name="connsiteY4" fmla="*/ 89709 h 1141228"/>
+              <a:gd name="connsiteX5" fmla="*/ 1386717 w 1582769"/>
+              <a:gd name="connsiteY5" fmla="*/ 0 h 1141228"/>
+              <a:gd name="connsiteX6" fmla="*/ 1582769 w 1582769"/>
+              <a:gd name="connsiteY6" fmla="*/ 878508 h 1141228"/>
+              <a:gd name="connsiteX7" fmla="*/ 479406 w 1582769"/>
+              <a:gd name="connsiteY7" fmla="*/ 1056167 h 1141228"/>
+              <a:gd name="connsiteX8" fmla="*/ 476801 w 1582769"/>
+              <a:gd name="connsiteY8" fmla="*/ 1124614 h 1141228"/>
+              <a:gd name="connsiteX9" fmla="*/ 358903 w 1582769"/>
+              <a:gd name="connsiteY9" fmla="*/ 1141228 h 1141228"/>
+              <a:gd name="connsiteX10" fmla="*/ 167698 w 1582769"/>
+              <a:gd name="connsiteY10" fmla="*/ 777058 h 1141228"/>
+              <a:gd name="connsiteX11" fmla="*/ 110810 w 1582769"/>
+              <a:gd name="connsiteY11" fmla="*/ 765544 h 1141228"/>
+              <a:gd name="connsiteX12" fmla="*/ 0 w 1582769"/>
+              <a:gd name="connsiteY12" fmla="*/ 299924 h 1141228"/>
+              <a:gd name="connsiteX0" fmla="*/ 0 w 1582769"/>
+              <a:gd name="connsiteY0" fmla="*/ 299924 h 1141228"/>
+              <a:gd name="connsiteX1" fmla="*/ 623595 w 1582769"/>
+              <a:gd name="connsiteY1" fmla="*/ 160594 h 1141228"/>
+              <a:gd name="connsiteX2" fmla="*/ 642438 w 1582769"/>
+              <a:gd name="connsiteY2" fmla="*/ 248093 h 1141228"/>
+              <a:gd name="connsiteX3" fmla="*/ 954327 w 1582769"/>
+              <a:gd name="connsiteY3" fmla="*/ 177209 h 1141228"/>
+              <a:gd name="connsiteX4" fmla="*/ 935305 w 1582769"/>
+              <a:gd name="connsiteY4" fmla="*/ 89709 h 1141228"/>
+              <a:gd name="connsiteX5" fmla="*/ 1386717 w 1582769"/>
+              <a:gd name="connsiteY5" fmla="*/ 0 h 1141228"/>
+              <a:gd name="connsiteX6" fmla="*/ 1582769 w 1582769"/>
+              <a:gd name="connsiteY6" fmla="*/ 869206 h 1141228"/>
+              <a:gd name="connsiteX7" fmla="*/ 479406 w 1582769"/>
+              <a:gd name="connsiteY7" fmla="*/ 1056167 h 1141228"/>
+              <a:gd name="connsiteX8" fmla="*/ 476801 w 1582769"/>
+              <a:gd name="connsiteY8" fmla="*/ 1124614 h 1141228"/>
+              <a:gd name="connsiteX9" fmla="*/ 358903 w 1582769"/>
+              <a:gd name="connsiteY9" fmla="*/ 1141228 h 1141228"/>
+              <a:gd name="connsiteX10" fmla="*/ 167698 w 1582769"/>
+              <a:gd name="connsiteY10" fmla="*/ 777058 h 1141228"/>
+              <a:gd name="connsiteX11" fmla="*/ 110810 w 1582769"/>
+              <a:gd name="connsiteY11" fmla="*/ 765544 h 1141228"/>
+              <a:gd name="connsiteX12" fmla="*/ 0 w 1582769"/>
+              <a:gd name="connsiteY12" fmla="*/ 299924 h 1141228"/>
+            </a:gdLst>
+            <a:ahLst/>
+            <a:cxnLst>
+              <a:cxn ang="0">
+                <a:pos x="connsiteX0" y="connsiteY0"/>
+              </a:cxn>
+              <a:cxn ang="0">
+                <a:pos x="connsiteX1" y="connsiteY1"/>
+              </a:cxn>
+              <a:cxn ang="0">
+                <a:pos x="connsiteX2" y="connsiteY2"/>
+              </a:cxn>
+              <a:cxn ang="0">
+                <a:pos x="connsiteX3" y="connsiteY3"/>
+              </a:cxn>
+              <a:cxn ang="0">
+                <a:pos x="connsiteX4" y="connsiteY4"/>
+              </a:cxn>
+              <a:cxn ang="0">
+                <a:pos x="connsiteX5" y="connsiteY5"/>
+              </a:cxn>
+              <a:cxn ang="0">
+                <a:pos x="connsiteX6" y="connsiteY6"/>
+              </a:cxn>
+              <a:cxn ang="0">
+                <a:pos x="connsiteX7" y="connsiteY7"/>
+              </a:cxn>
+              <a:cxn ang="0">
+                <a:pos x="connsiteX8" y="connsiteY8"/>
+              </a:cxn>
+              <a:cxn ang="0">
+                <a:pos x="connsiteX9" y="connsiteY9"/>
+              </a:cxn>
+              <a:cxn ang="0">
+                <a:pos x="connsiteX10" y="connsiteY10"/>
+              </a:cxn>
+              <a:cxn ang="0">
+                <a:pos x="connsiteX11" y="connsiteY11"/>
+              </a:cxn>
+              <a:cxn ang="0">
+                <a:pos x="connsiteX12" y="connsiteY12"/>
+              </a:cxn>
+            </a:cxnLst>
+            <a:rect l="l" t="t" r="r" b="b"/>
+            <a:pathLst>
+              <a:path w="1582769" h="1141228">
+                <a:moveTo>
+                  <a:pt x="0" y="299924"/>
+                </a:moveTo>
+                <a:lnTo>
+                  <a:pt x="623595" y="160594"/>
+                </a:lnTo>
+                <a:lnTo>
+                  <a:pt x="642438" y="248093"/>
+                </a:lnTo>
+                <a:lnTo>
+                  <a:pt x="954327" y="177209"/>
+                </a:lnTo>
+                <a:lnTo>
+                  <a:pt x="935305" y="89709"/>
+                </a:lnTo>
+                <a:lnTo>
+                  <a:pt x="1386717" y="0"/>
+                </a:lnTo>
+                <a:lnTo>
+                  <a:pt x="1582769" y="869206"/>
+                </a:lnTo>
+                <a:lnTo>
+                  <a:pt x="479406" y="1056167"/>
+                </a:lnTo>
+                <a:cubicBezTo>
+                  <a:pt x="478538" y="1078983"/>
+                  <a:pt x="477669" y="1101798"/>
+                  <a:pt x="476801" y="1124614"/>
+                </a:cubicBezTo>
+                <a:lnTo>
+                  <a:pt x="358903" y="1141228"/>
+                </a:lnTo>
+                <a:lnTo>
+                  <a:pt x="167698" y="777058"/>
+                </a:lnTo>
+                <a:lnTo>
+                  <a:pt x="110810" y="765544"/>
+                </a:lnTo>
+                <a:lnTo>
+                  <a:pt x="0" y="299924"/>
+                </a:lnTo>
+                <a:close/>
+              </a:path>
+            </a:pathLst>
+          </a:custGeom>
+          <a:solidFill>
+            <a:srgbClr val="FF0000">
+              <a:alpha val="80000"/>
+            </a:srgbClr>
+          </a:solidFill>
+          <a:ln>
+            <a:solidFill>
+              <a:srgbClr val="FF0000"/>
+            </a:solidFill>
+          </a:ln>
+        </p:spPr>
+        <p:style>
+          <a:lnRef idx="2">
+            <a:schemeClr val="accent1">
+              <a:shade val="50000"/>
+            </a:schemeClr>
+          </a:lnRef>
+          <a:fillRef idx="1">
+            <a:schemeClr val="accent1"/>
+          </a:fillRef>
+          <a:effectRef idx="0">
+            <a:schemeClr val="accent1"/>
+          </a:effectRef>
+          <a:fontRef idx="minor">
+            <a:schemeClr val="lt1"/>
+          </a:fontRef>
+        </p:style>
+        <p:txBody>
+          <a:bodyPr rtlCol="0" anchor="ctr"/>
+          <a:lstStyle/>
+          <a:p>
+            <a:pPr algn="ctr"/>
+            <a:endParaRPr lang="en-US"/>
+          </a:p>
+        </p:txBody>
+      </p:sp>
     </p:spTree>
     <p:extLst>
       <p:ext uri="{BB962C8B-B14F-4D97-AF65-F5344CB8AC3E}">
@@ -16035,14 +16457,7 @@
           <p:nvPr/>
         </p:nvPicPr>
         <p:blipFill>
-          <a:blip r:embed="rId5">
-            <a:alphaModFix/>
-            <a:extLst>
-              <a:ext uri="{28A0092B-C50C-407E-A947-70E740481C1C}">
-                <a14:useLocalDpi xmlns:a14="http://schemas.microsoft.com/office/drawing/2010/main" val="0"/>
-              </a:ext>
-            </a:extLst>
-          </a:blip>
+          <a:blip r:embed="rId5"/>
           <a:stretch>
             <a:fillRect/>
           </a:stretch>
@@ -19482,14 +19897,7 @@
           <p:nvPr/>
         </p:nvPicPr>
         <p:blipFill>
-          <a:blip r:embed="rId3">
-            <a:alphaModFix/>
-            <a:extLst>
-              <a:ext uri="{28A0092B-C50C-407E-A947-70E740481C1C}">
-                <a14:useLocalDpi xmlns:a14="http://schemas.microsoft.com/office/drawing/2010/main" val="0"/>
-              </a:ext>
-            </a:extLst>
-          </a:blip>
+          <a:blip r:embed="rId3"/>
           <a:stretch>
             <a:fillRect/>
           </a:stretch>
@@ -24054,6 +24462,101 @@
           </p:txBody>
         </p:sp>
       </p:grpSp>
+      <p:sp>
+        <p:nvSpPr>
+          <p:cNvPr id="3" name="Rectangle 2">
+            <a:extLst>
+              <a:ext uri="{FF2B5EF4-FFF2-40B4-BE49-F238E27FC236}">
+                <a16:creationId xmlns:a16="http://schemas.microsoft.com/office/drawing/2014/main" id="{566D967D-4D8B-194C-8B9C-FFC3A02D2A6A}"/>
+              </a:ext>
+            </a:extLst>
+          </p:cNvPr>
+          <p:cNvSpPr/>
+          <p:nvPr/>
+        </p:nvSpPr>
+        <p:spPr>
+          <a:xfrm>
+            <a:off x="-482070" y="4185001"/>
+            <a:ext cx="8377134" cy="2400128"/>
+          </a:xfrm>
+          <a:prstGeom prst="rect">
+            <a:avLst/>
+          </a:prstGeom>
+          <a:noFill/>
+          <a:ln>
+            <a:solidFill>
+              <a:schemeClr val="tx1"/>
+            </a:solidFill>
+            <a:prstDash val="dash"/>
+          </a:ln>
+        </p:spPr>
+        <p:style>
+          <a:lnRef idx="2">
+            <a:schemeClr val="accent1">
+              <a:shade val="50000"/>
+            </a:schemeClr>
+          </a:lnRef>
+          <a:fillRef idx="1">
+            <a:schemeClr val="accent1"/>
+          </a:fillRef>
+          <a:effectRef idx="0">
+            <a:schemeClr val="accent1"/>
+          </a:effectRef>
+          <a:fontRef idx="minor">
+            <a:schemeClr val="lt1"/>
+          </a:fontRef>
+        </p:style>
+        <p:txBody>
+          <a:bodyPr rtlCol="0" anchor="ctr"/>
+          <a:lstStyle/>
+          <a:p>
+            <a:pPr algn="ctr"/>
+            <a:endParaRPr lang="en-US"/>
+          </a:p>
+        </p:txBody>
+      </p:sp>
+      <p:sp>
+        <p:nvSpPr>
+          <p:cNvPr id="118" name="TextBox 117">
+            <a:extLst>
+              <a:ext uri="{FF2B5EF4-FFF2-40B4-BE49-F238E27FC236}">
+                <a16:creationId xmlns:a16="http://schemas.microsoft.com/office/drawing/2014/main" id="{12956C44-008D-B349-A5B2-D59471EC5683}"/>
+              </a:ext>
+            </a:extLst>
+          </p:cNvPr>
+          <p:cNvSpPr txBox="1"/>
+          <p:nvPr/>
+        </p:nvSpPr>
+        <p:spPr>
+          <a:xfrm>
+            <a:off x="7895064" y="6215796"/>
+            <a:ext cx="2569935" cy="369332"/>
+          </a:xfrm>
+          <a:prstGeom prst="rect">
+            <a:avLst/>
+          </a:prstGeom>
+          <a:noFill/>
+          <a:ln>
+            <a:noFill/>
+          </a:ln>
+        </p:spPr>
+        <p:txBody>
+          <a:bodyPr wrap="none" rtlCol="0">
+            <a:spAutoFit/>
+          </a:bodyPr>
+          <a:lstStyle/>
+          <a:p>
+            <a:pPr algn="ctr"/>
+            <a:r>
+              <a:rPr lang="en-US" dirty="0">
+                <a:latin typeface="Arial" panose="020B0604020202020204" pitchFamily="34" charset="0"/>
+                <a:cs typeface="Arial" panose="020B0604020202020204" pitchFamily="34" charset="0"/>
+              </a:rPr>
+              <a:t>Fixed at each time step</a:t>
+            </a:r>
+          </a:p>
+        </p:txBody>
+      </p:sp>
     </p:spTree>
     <p:extLst>
       <p:ext uri="{BB962C8B-B14F-4D97-AF65-F5344CB8AC3E}">
@@ -25094,6 +25597,1943 @@
     <p:extLst>
       <p:ext uri="{BB962C8B-B14F-4D97-AF65-F5344CB8AC3E}">
         <p14:creationId xmlns:p14="http://schemas.microsoft.com/office/powerpoint/2010/main" val="4054039376"/>
+      </p:ext>
+    </p:extLst>
+  </p:cSld>
+  <p:clrMapOvr>
+    <a:masterClrMapping/>
+  </p:clrMapOvr>
+</p:sld>
+</file>
+
+<file path=ppt/slides/slide8.xml><?xml version="1.0" encoding="utf-8"?>
+<p:sld xmlns:a="http://schemas.openxmlformats.org/drawingml/2006/main" xmlns:r="http://schemas.openxmlformats.org/officeDocument/2006/relationships" xmlns:p="http://schemas.openxmlformats.org/presentationml/2006/main">
+  <p:cSld>
+    <p:spTree>
+      <p:nvGrpSpPr>
+        <p:cNvPr id="1" name=""/>
+        <p:cNvGrpSpPr/>
+        <p:nvPr/>
+      </p:nvGrpSpPr>
+      <p:grpSpPr>
+        <a:xfrm>
+          <a:off x="0" y="0"/>
+          <a:ext cx="0" cy="0"/>
+          <a:chOff x="0" y="0"/>
+          <a:chExt cx="0" cy="0"/>
+        </a:xfrm>
+      </p:grpSpPr>
+      <p:pic>
+        <p:nvPicPr>
+          <p:cNvPr id="11" name="Picture 10">
+            <a:extLst>
+              <a:ext uri="{FF2B5EF4-FFF2-40B4-BE49-F238E27FC236}">
+                <a16:creationId xmlns:a16="http://schemas.microsoft.com/office/drawing/2014/main" id="{5C1948C8-AE9C-D24E-B4B1-EE44B7F695DB}"/>
+              </a:ext>
+            </a:extLst>
+          </p:cNvPr>
+          <p:cNvPicPr>
+            <a:picLocks noChangeAspect="1"/>
+          </p:cNvPicPr>
+          <p:nvPr/>
+        </p:nvPicPr>
+        <p:blipFill>
+          <a:blip r:embed="rId2">
+            <a:extLst>
+              <a:ext uri="{28A0092B-C50C-407E-A947-70E740481C1C}">
+                <a14:useLocalDpi xmlns:a14="http://schemas.microsoft.com/office/drawing/2010/main" val="0"/>
+              </a:ext>
+            </a:extLst>
+          </a:blip>
+          <a:stretch>
+            <a:fillRect/>
+          </a:stretch>
+        </p:blipFill>
+        <p:spPr>
+          <a:xfrm>
+            <a:off x="0" y="0"/>
+            <a:ext cx="2160000" cy="2160000"/>
+          </a:xfrm>
+          <a:prstGeom prst="rect">
+            <a:avLst/>
+          </a:prstGeom>
+        </p:spPr>
+      </p:pic>
+      <p:sp>
+        <p:nvSpPr>
+          <p:cNvPr id="14" name="Rectangle 13">
+            <a:extLst>
+              <a:ext uri="{FF2B5EF4-FFF2-40B4-BE49-F238E27FC236}">
+                <a16:creationId xmlns:a16="http://schemas.microsoft.com/office/drawing/2014/main" id="{99EFE890-AB83-CF47-8CF9-BC0F8596C12B}"/>
+              </a:ext>
+            </a:extLst>
+          </p:cNvPr>
+          <p:cNvSpPr>
+            <a:spLocks/>
+          </p:cNvSpPr>
+          <p:nvPr/>
+        </p:nvSpPr>
+        <p:spPr>
+          <a:xfrm>
+            <a:off x="3240000" y="0"/>
+            <a:ext cx="1440000" cy="2160000"/>
+          </a:xfrm>
+          <a:prstGeom prst="rect">
+            <a:avLst/>
+          </a:prstGeom>
+          <a:solidFill>
+            <a:schemeClr val="accent2">
+              <a:lumMod val="60000"/>
+              <a:lumOff val="40000"/>
+            </a:schemeClr>
+          </a:solidFill>
+          <a:ln>
+            <a:solidFill>
+              <a:schemeClr val="accent2"/>
+            </a:solidFill>
+          </a:ln>
+        </p:spPr>
+        <p:style>
+          <a:lnRef idx="2">
+            <a:schemeClr val="accent6">
+              <a:shade val="50000"/>
+            </a:schemeClr>
+          </a:lnRef>
+          <a:fillRef idx="1">
+            <a:schemeClr val="accent6"/>
+          </a:fillRef>
+          <a:effectRef idx="0">
+            <a:schemeClr val="accent6"/>
+          </a:effectRef>
+          <a:fontRef idx="minor">
+            <a:schemeClr val="lt1"/>
+          </a:fontRef>
+        </p:style>
+        <p:txBody>
+          <a:bodyPr rtlCol="0" anchor="ctr"/>
+          <a:lstStyle/>
+          <a:p>
+            <a:pPr algn="ctr"/>
+            <a:r>
+              <a:rPr lang="en-US" sz="3200" dirty="0">
+                <a:solidFill>
+                  <a:sysClr val="windowText" lastClr="000000"/>
+                </a:solidFill>
+                <a:latin typeface="Arial" panose="020B0604020202020204" pitchFamily="34" charset="0"/>
+                <a:cs typeface="Arial" panose="020B0604020202020204" pitchFamily="34" charset="0"/>
+              </a:rPr>
+              <a:t>CNN</a:t>
+            </a:r>
+          </a:p>
+        </p:txBody>
+      </p:sp>
+      <p:sp>
+        <p:nvSpPr>
+          <p:cNvPr id="15" name="Rectangle 14">
+            <a:extLst>
+              <a:ext uri="{FF2B5EF4-FFF2-40B4-BE49-F238E27FC236}">
+                <a16:creationId xmlns:a16="http://schemas.microsoft.com/office/drawing/2014/main" id="{90BD25E3-FA2A-D544-BD91-09DD1718B701}"/>
+              </a:ext>
+            </a:extLst>
+          </p:cNvPr>
+          <p:cNvSpPr>
+            <a:spLocks/>
+          </p:cNvSpPr>
+          <p:nvPr/>
+        </p:nvSpPr>
+        <p:spPr>
+          <a:xfrm>
+            <a:off x="5760000" y="0"/>
+            <a:ext cx="1440000" cy="2160000"/>
+          </a:xfrm>
+          <a:prstGeom prst="rect">
+            <a:avLst/>
+          </a:prstGeom>
+          <a:solidFill>
+            <a:schemeClr val="accent5">
+              <a:lumMod val="60000"/>
+              <a:lumOff val="40000"/>
+            </a:schemeClr>
+          </a:solidFill>
+          <a:ln>
+            <a:solidFill>
+              <a:schemeClr val="accent5"/>
+            </a:solidFill>
+          </a:ln>
+        </p:spPr>
+        <p:style>
+          <a:lnRef idx="2">
+            <a:schemeClr val="accent6">
+              <a:shade val="50000"/>
+            </a:schemeClr>
+          </a:lnRef>
+          <a:fillRef idx="1">
+            <a:schemeClr val="accent6"/>
+          </a:fillRef>
+          <a:effectRef idx="0">
+            <a:schemeClr val="accent6"/>
+          </a:effectRef>
+          <a:fontRef idx="minor">
+            <a:schemeClr val="lt1"/>
+          </a:fontRef>
+        </p:style>
+        <p:txBody>
+          <a:bodyPr rtlCol="0" anchor="ctr"/>
+          <a:lstStyle/>
+          <a:p>
+            <a:pPr algn="ctr"/>
+            <a:r>
+              <a:rPr lang="en-US" sz="3200" dirty="0">
+                <a:solidFill>
+                  <a:sysClr val="windowText" lastClr="000000"/>
+                </a:solidFill>
+                <a:latin typeface="Arial" panose="020B0604020202020204" pitchFamily="34" charset="0"/>
+                <a:cs typeface="Arial" panose="020B0604020202020204" pitchFamily="34" charset="0"/>
+              </a:rPr>
+              <a:t>FC</a:t>
+            </a:r>
+          </a:p>
+        </p:txBody>
+      </p:sp>
+      <p:cxnSp>
+        <p:nvCxnSpPr>
+          <p:cNvPr id="17" name="Straight Arrow Connector 16">
+            <a:extLst>
+              <a:ext uri="{FF2B5EF4-FFF2-40B4-BE49-F238E27FC236}">
+                <a16:creationId xmlns:a16="http://schemas.microsoft.com/office/drawing/2014/main" id="{01FD7713-5AB7-5F43-8F9B-861CE8E14102}"/>
+              </a:ext>
+            </a:extLst>
+          </p:cNvPr>
+          <p:cNvCxnSpPr/>
+          <p:nvPr/>
+        </p:nvCxnSpPr>
+        <p:spPr>
+          <a:xfrm>
+            <a:off x="2160000" y="1080000"/>
+            <a:ext cx="1080000" cy="0"/>
+          </a:xfrm>
+          <a:prstGeom prst="straightConnector1">
+            <a:avLst/>
+          </a:prstGeom>
+          <a:ln>
+            <a:solidFill>
+              <a:schemeClr val="tx1"/>
+            </a:solidFill>
+            <a:tailEnd type="triangle"/>
+          </a:ln>
+        </p:spPr>
+        <p:style>
+          <a:lnRef idx="1">
+            <a:schemeClr val="accent1"/>
+          </a:lnRef>
+          <a:fillRef idx="0">
+            <a:schemeClr val="accent1"/>
+          </a:fillRef>
+          <a:effectRef idx="0">
+            <a:schemeClr val="accent1"/>
+          </a:effectRef>
+          <a:fontRef idx="minor">
+            <a:schemeClr val="tx1"/>
+          </a:fontRef>
+        </p:style>
+      </p:cxnSp>
+      <p:sp>
+        <p:nvSpPr>
+          <p:cNvPr id="20" name="TextBox 19">
+            <a:extLst>
+              <a:ext uri="{FF2B5EF4-FFF2-40B4-BE49-F238E27FC236}">
+                <a16:creationId xmlns:a16="http://schemas.microsoft.com/office/drawing/2014/main" id="{B4F18E5E-5BAA-DC41-A153-D7A9DFE2C4AA}"/>
+              </a:ext>
+            </a:extLst>
+          </p:cNvPr>
+          <p:cNvSpPr txBox="1"/>
+          <p:nvPr/>
+        </p:nvSpPr>
+        <p:spPr>
+          <a:xfrm>
+            <a:off x="4688300" y="710668"/>
+            <a:ext cx="1095172" cy="369332"/>
+          </a:xfrm>
+          <a:prstGeom prst="rect">
+            <a:avLst/>
+          </a:prstGeom>
+          <a:noFill/>
+        </p:spPr>
+        <p:txBody>
+          <a:bodyPr wrap="none" rtlCol="0">
+            <a:spAutoFit/>
+          </a:bodyPr>
+          <a:lstStyle/>
+          <a:p>
+            <a:r>
+              <a:rPr lang="en-US" dirty="0">
+                <a:latin typeface="Arial" panose="020B0604020202020204" pitchFamily="34" charset="0"/>
+                <a:cs typeface="Arial" panose="020B0604020202020204" pitchFamily="34" charset="0"/>
+              </a:rPr>
+              <a:t>Features</a:t>
+            </a:r>
+          </a:p>
+        </p:txBody>
+      </p:sp>
+      <p:sp>
+        <p:nvSpPr>
+          <p:cNvPr id="21" name="TextBox 20">
+            <a:extLst>
+              <a:ext uri="{FF2B5EF4-FFF2-40B4-BE49-F238E27FC236}">
+                <a16:creationId xmlns:a16="http://schemas.microsoft.com/office/drawing/2014/main" id="{9C85FAEE-B532-6D40-98AD-A33BD489B874}"/>
+              </a:ext>
+            </a:extLst>
+          </p:cNvPr>
+          <p:cNvSpPr txBox="1"/>
+          <p:nvPr/>
+        </p:nvSpPr>
+        <p:spPr>
+          <a:xfrm>
+            <a:off x="8811951" y="710668"/>
+            <a:ext cx="736099" cy="369332"/>
+          </a:xfrm>
+          <a:prstGeom prst="rect">
+            <a:avLst/>
+          </a:prstGeom>
+          <a:noFill/>
+        </p:spPr>
+        <p:txBody>
+          <a:bodyPr wrap="none" rtlCol="0">
+            <a:spAutoFit/>
+          </a:bodyPr>
+          <a:lstStyle/>
+          <a:p>
+            <a:r>
+              <a:rPr lang="en-US" dirty="0">
+                <a:latin typeface="Arial" panose="020B0604020202020204" pitchFamily="34" charset="0"/>
+                <a:cs typeface="Arial" panose="020B0604020202020204" pitchFamily="34" charset="0"/>
+              </a:rPr>
+              <a:t>BBox</a:t>
+            </a:r>
+          </a:p>
+        </p:txBody>
+      </p:sp>
+      <p:cxnSp>
+        <p:nvCxnSpPr>
+          <p:cNvPr id="23" name="Straight Arrow Connector 22">
+            <a:extLst>
+              <a:ext uri="{FF2B5EF4-FFF2-40B4-BE49-F238E27FC236}">
+                <a16:creationId xmlns:a16="http://schemas.microsoft.com/office/drawing/2014/main" id="{A5701B71-582C-054C-AE80-266E57856F2D}"/>
+              </a:ext>
+            </a:extLst>
+          </p:cNvPr>
+          <p:cNvCxnSpPr/>
+          <p:nvPr/>
+        </p:nvCxnSpPr>
+        <p:spPr>
+          <a:xfrm>
+            <a:off x="4680000" y="1080000"/>
+            <a:ext cx="1080000" cy="0"/>
+          </a:xfrm>
+          <a:prstGeom prst="straightConnector1">
+            <a:avLst/>
+          </a:prstGeom>
+          <a:ln>
+            <a:solidFill>
+              <a:schemeClr val="tx1"/>
+            </a:solidFill>
+            <a:tailEnd type="triangle"/>
+          </a:ln>
+        </p:spPr>
+        <p:style>
+          <a:lnRef idx="1">
+            <a:schemeClr val="accent1"/>
+          </a:lnRef>
+          <a:fillRef idx="0">
+            <a:schemeClr val="accent1"/>
+          </a:fillRef>
+          <a:effectRef idx="0">
+            <a:schemeClr val="accent1"/>
+          </a:effectRef>
+          <a:fontRef idx="minor">
+            <a:schemeClr val="tx1"/>
+          </a:fontRef>
+        </p:style>
+      </p:cxnSp>
+      <p:cxnSp>
+        <p:nvCxnSpPr>
+          <p:cNvPr id="25" name="Straight Arrow Connector 24">
+            <a:extLst>
+              <a:ext uri="{FF2B5EF4-FFF2-40B4-BE49-F238E27FC236}">
+                <a16:creationId xmlns:a16="http://schemas.microsoft.com/office/drawing/2014/main" id="{246AD9C9-C174-B744-AFE0-B41C99D8E0C3}"/>
+              </a:ext>
+            </a:extLst>
+          </p:cNvPr>
+          <p:cNvCxnSpPr/>
+          <p:nvPr/>
+        </p:nvCxnSpPr>
+        <p:spPr>
+          <a:xfrm>
+            <a:off x="8640000" y="1080000"/>
+            <a:ext cx="1080000" cy="0"/>
+          </a:xfrm>
+          <a:prstGeom prst="straightConnector1">
+            <a:avLst/>
+          </a:prstGeom>
+          <a:ln>
+            <a:solidFill>
+              <a:schemeClr val="tx1"/>
+            </a:solidFill>
+            <a:tailEnd type="triangle"/>
+          </a:ln>
+        </p:spPr>
+        <p:style>
+          <a:lnRef idx="1">
+            <a:schemeClr val="accent1"/>
+          </a:lnRef>
+          <a:fillRef idx="0">
+            <a:schemeClr val="accent1"/>
+          </a:fillRef>
+          <a:effectRef idx="0">
+            <a:schemeClr val="accent1"/>
+          </a:effectRef>
+          <a:fontRef idx="minor">
+            <a:schemeClr val="tx1"/>
+          </a:fontRef>
+        </p:style>
+      </p:cxnSp>
+      <p:grpSp>
+        <p:nvGrpSpPr>
+          <p:cNvPr id="2" name="Group 1">
+            <a:extLst>
+              <a:ext uri="{FF2B5EF4-FFF2-40B4-BE49-F238E27FC236}">
+                <a16:creationId xmlns:a16="http://schemas.microsoft.com/office/drawing/2014/main" id="{67A2691F-BB15-0847-BF4E-8636355EC591}"/>
+              </a:ext>
+            </a:extLst>
+          </p:cNvPr>
+          <p:cNvGrpSpPr/>
+          <p:nvPr/>
+        </p:nvGrpSpPr>
+        <p:grpSpPr>
+          <a:xfrm>
+            <a:off x="9720000" y="0"/>
+            <a:ext cx="2160000" cy="2160000"/>
+            <a:chOff x="9156527" y="1766170"/>
+            <a:chExt cx="2160000" cy="2160000"/>
+          </a:xfrm>
+        </p:grpSpPr>
+        <p:pic>
+          <p:nvPicPr>
+            <p:cNvPr id="12" name="Picture 11">
+              <a:extLst>
+                <a:ext uri="{FF2B5EF4-FFF2-40B4-BE49-F238E27FC236}">
+                  <a16:creationId xmlns:a16="http://schemas.microsoft.com/office/drawing/2014/main" id="{105879DE-2C34-5547-ADD0-9D910526A169}"/>
+                </a:ext>
+              </a:extLst>
+            </p:cNvPr>
+            <p:cNvPicPr>
+              <a:picLocks noChangeAspect="1"/>
+            </p:cNvPicPr>
+            <p:nvPr/>
+          </p:nvPicPr>
+          <p:blipFill>
+            <a:blip r:embed="rId2">
+              <a:extLst>
+                <a:ext uri="{28A0092B-C50C-407E-A947-70E740481C1C}">
+                  <a14:useLocalDpi xmlns:a14="http://schemas.microsoft.com/office/drawing/2010/main" val="0"/>
+                </a:ext>
+              </a:extLst>
+            </a:blip>
+            <a:stretch>
+              <a:fillRect/>
+            </a:stretch>
+          </p:blipFill>
+          <p:spPr>
+            <a:xfrm>
+              <a:off x="9156527" y="1766170"/>
+              <a:ext cx="2160000" cy="2160000"/>
+            </a:xfrm>
+            <a:prstGeom prst="rect">
+              <a:avLst/>
+            </a:prstGeom>
+          </p:spPr>
+        </p:pic>
+        <p:sp>
+          <p:nvSpPr>
+            <p:cNvPr id="16" name="Rectangle 15">
+              <a:extLst>
+                <a:ext uri="{FF2B5EF4-FFF2-40B4-BE49-F238E27FC236}">
+                  <a16:creationId xmlns:a16="http://schemas.microsoft.com/office/drawing/2014/main" id="{2B8DAA42-942E-3348-9C8F-2D089B167725}"/>
+                </a:ext>
+              </a:extLst>
+            </p:cNvPr>
+            <p:cNvSpPr/>
+            <p:nvPr/>
+          </p:nvSpPr>
+          <p:spPr>
+            <a:xfrm>
+              <a:off x="9425097" y="2122422"/>
+              <a:ext cx="1572756" cy="1134345"/>
+            </a:xfrm>
+            <a:prstGeom prst="rect">
+              <a:avLst/>
+            </a:prstGeom>
+            <a:noFill/>
+            <a:ln>
+              <a:solidFill>
+                <a:schemeClr val="accent6">
+                  <a:lumMod val="60000"/>
+                  <a:lumOff val="40000"/>
+                </a:schemeClr>
+              </a:solidFill>
+            </a:ln>
+          </p:spPr>
+          <p:style>
+            <a:lnRef idx="2">
+              <a:schemeClr val="accent1">
+                <a:shade val="50000"/>
+              </a:schemeClr>
+            </a:lnRef>
+            <a:fillRef idx="1">
+              <a:schemeClr val="accent1"/>
+            </a:fillRef>
+            <a:effectRef idx="0">
+              <a:schemeClr val="accent1"/>
+            </a:effectRef>
+            <a:fontRef idx="minor">
+              <a:schemeClr val="lt1"/>
+            </a:fontRef>
+          </p:style>
+          <p:txBody>
+            <a:bodyPr rtlCol="0" anchor="ctr"/>
+            <a:lstStyle/>
+            <a:p>
+              <a:pPr algn="ctr"/>
+              <a:endParaRPr lang="en-US"/>
+            </a:p>
+          </p:txBody>
+        </p:sp>
+      </p:grpSp>
+      <p:cxnSp>
+        <p:nvCxnSpPr>
+          <p:cNvPr id="22" name="Straight Arrow Connector 21">
+            <a:extLst>
+              <a:ext uri="{FF2B5EF4-FFF2-40B4-BE49-F238E27FC236}">
+                <a16:creationId xmlns:a16="http://schemas.microsoft.com/office/drawing/2014/main" id="{7E282EF6-6433-4C45-BA59-5DD2EDAAA66A}"/>
+              </a:ext>
+            </a:extLst>
+          </p:cNvPr>
+          <p:cNvCxnSpPr/>
+          <p:nvPr/>
+        </p:nvCxnSpPr>
+        <p:spPr>
+          <a:xfrm>
+            <a:off x="7192569" y="1080000"/>
+            <a:ext cx="1080000" cy="0"/>
+          </a:xfrm>
+          <a:prstGeom prst="straightConnector1">
+            <a:avLst/>
+          </a:prstGeom>
+          <a:ln>
+            <a:solidFill>
+              <a:schemeClr val="tx1"/>
+            </a:solidFill>
+            <a:tailEnd type="triangle"/>
+          </a:ln>
+        </p:spPr>
+        <p:style>
+          <a:lnRef idx="1">
+            <a:schemeClr val="accent1"/>
+          </a:lnRef>
+          <a:fillRef idx="0">
+            <a:schemeClr val="accent1"/>
+          </a:fillRef>
+          <a:effectRef idx="0">
+            <a:schemeClr val="accent1"/>
+          </a:effectRef>
+          <a:fontRef idx="minor">
+            <a:schemeClr val="tx1"/>
+          </a:fontRef>
+        </p:style>
+      </p:cxnSp>
+      <p:grpSp>
+        <p:nvGrpSpPr>
+          <p:cNvPr id="4" name="Group 3">
+            <a:extLst>
+              <a:ext uri="{FF2B5EF4-FFF2-40B4-BE49-F238E27FC236}">
+                <a16:creationId xmlns:a16="http://schemas.microsoft.com/office/drawing/2014/main" id="{7624606F-6AA9-3441-903F-0D26D0F7B96B}"/>
+              </a:ext>
+            </a:extLst>
+          </p:cNvPr>
+          <p:cNvGrpSpPr/>
+          <p:nvPr/>
+        </p:nvGrpSpPr>
+        <p:grpSpPr>
+          <a:xfrm>
+            <a:off x="8190000" y="0"/>
+            <a:ext cx="540000" cy="2160000"/>
+            <a:chOff x="8143520" y="0"/>
+            <a:chExt cx="540000" cy="2160000"/>
+          </a:xfrm>
+        </p:grpSpPr>
+        <p:sp>
+          <p:nvSpPr>
+            <p:cNvPr id="3" name="Oval 2">
+              <a:extLst>
+                <a:ext uri="{FF2B5EF4-FFF2-40B4-BE49-F238E27FC236}">
+                  <a16:creationId xmlns:a16="http://schemas.microsoft.com/office/drawing/2014/main" id="{44B39C24-7732-184A-91F4-1E5BA0CFFAA0}"/>
+                </a:ext>
+              </a:extLst>
+            </p:cNvPr>
+            <p:cNvSpPr>
+              <a:spLocks noChangeAspect="1"/>
+            </p:cNvSpPr>
+            <p:nvPr/>
+          </p:nvSpPr>
+          <p:spPr>
+            <a:xfrm>
+              <a:off x="8143520" y="0"/>
+              <a:ext cx="540000" cy="540000"/>
+            </a:xfrm>
+            <a:prstGeom prst="ellipse">
+              <a:avLst/>
+            </a:prstGeom>
+            <a:solidFill>
+              <a:schemeClr val="accent6">
+                <a:lumMod val="60000"/>
+                <a:lumOff val="40000"/>
+              </a:schemeClr>
+            </a:solidFill>
+            <a:ln>
+              <a:solidFill>
+                <a:schemeClr val="accent6"/>
+              </a:solidFill>
+            </a:ln>
+          </p:spPr>
+          <p:style>
+            <a:lnRef idx="2">
+              <a:schemeClr val="accent1">
+                <a:shade val="50000"/>
+              </a:schemeClr>
+            </a:lnRef>
+            <a:fillRef idx="1">
+              <a:schemeClr val="accent1"/>
+            </a:fillRef>
+            <a:effectRef idx="0">
+              <a:schemeClr val="accent1"/>
+            </a:effectRef>
+            <a:fontRef idx="minor">
+              <a:schemeClr val="lt1"/>
+            </a:fontRef>
+          </p:style>
+          <p:txBody>
+            <a:bodyPr rtlCol="0" anchor="ctr"/>
+            <a:lstStyle/>
+            <a:p>
+              <a:pPr algn="ctr"/>
+              <a:r>
+                <a:rPr lang="en-US" i="1" dirty="0">
+                  <a:solidFill>
+                    <a:schemeClr val="tx1"/>
+                  </a:solidFill>
+                  <a:latin typeface="Times" pitchFamily="2" charset="0"/>
+                </a:rPr>
+                <a:t>x</a:t>
+              </a:r>
+            </a:p>
+          </p:txBody>
+        </p:sp>
+        <p:sp>
+          <p:nvSpPr>
+            <p:cNvPr id="24" name="Oval 23">
+              <a:extLst>
+                <a:ext uri="{FF2B5EF4-FFF2-40B4-BE49-F238E27FC236}">
+                  <a16:creationId xmlns:a16="http://schemas.microsoft.com/office/drawing/2014/main" id="{A2E7A50B-5B52-3048-B12B-C507B8D01BC4}"/>
+                </a:ext>
+              </a:extLst>
+            </p:cNvPr>
+            <p:cNvSpPr>
+              <a:spLocks noChangeAspect="1"/>
+            </p:cNvSpPr>
+            <p:nvPr/>
+          </p:nvSpPr>
+          <p:spPr>
+            <a:xfrm>
+              <a:off x="8143520" y="540000"/>
+              <a:ext cx="540000" cy="540000"/>
+            </a:xfrm>
+            <a:prstGeom prst="ellipse">
+              <a:avLst/>
+            </a:prstGeom>
+            <a:solidFill>
+              <a:schemeClr val="accent6">
+                <a:lumMod val="60000"/>
+                <a:lumOff val="40000"/>
+              </a:schemeClr>
+            </a:solidFill>
+            <a:ln>
+              <a:solidFill>
+                <a:schemeClr val="accent6"/>
+              </a:solidFill>
+            </a:ln>
+          </p:spPr>
+          <p:style>
+            <a:lnRef idx="2">
+              <a:schemeClr val="accent1">
+                <a:shade val="50000"/>
+              </a:schemeClr>
+            </a:lnRef>
+            <a:fillRef idx="1">
+              <a:schemeClr val="accent1"/>
+            </a:fillRef>
+            <a:effectRef idx="0">
+              <a:schemeClr val="accent1"/>
+            </a:effectRef>
+            <a:fontRef idx="minor">
+              <a:schemeClr val="lt1"/>
+            </a:fontRef>
+          </p:style>
+          <p:txBody>
+            <a:bodyPr rtlCol="0" anchor="ctr"/>
+            <a:lstStyle/>
+            <a:p>
+              <a:pPr algn="ctr"/>
+              <a:r>
+                <a:rPr lang="en-US" i="1" dirty="0">
+                  <a:solidFill>
+                    <a:schemeClr val="tx1"/>
+                  </a:solidFill>
+                  <a:latin typeface="Times" pitchFamily="2" charset="0"/>
+                </a:rPr>
+                <a:t>y</a:t>
+              </a:r>
+            </a:p>
+          </p:txBody>
+        </p:sp>
+        <p:sp>
+          <p:nvSpPr>
+            <p:cNvPr id="26" name="Oval 25">
+              <a:extLst>
+                <a:ext uri="{FF2B5EF4-FFF2-40B4-BE49-F238E27FC236}">
+                  <a16:creationId xmlns:a16="http://schemas.microsoft.com/office/drawing/2014/main" id="{B3CCDB48-12D6-F247-82CC-95866D3C0DB5}"/>
+                </a:ext>
+              </a:extLst>
+            </p:cNvPr>
+            <p:cNvSpPr>
+              <a:spLocks noChangeAspect="1"/>
+            </p:cNvSpPr>
+            <p:nvPr/>
+          </p:nvSpPr>
+          <p:spPr>
+            <a:xfrm>
+              <a:off x="8143520" y="1080000"/>
+              <a:ext cx="540000" cy="540000"/>
+            </a:xfrm>
+            <a:prstGeom prst="ellipse">
+              <a:avLst/>
+            </a:prstGeom>
+            <a:solidFill>
+              <a:schemeClr val="accent6">
+                <a:lumMod val="60000"/>
+                <a:lumOff val="40000"/>
+              </a:schemeClr>
+            </a:solidFill>
+            <a:ln>
+              <a:solidFill>
+                <a:schemeClr val="accent6"/>
+              </a:solidFill>
+            </a:ln>
+          </p:spPr>
+          <p:style>
+            <a:lnRef idx="2">
+              <a:schemeClr val="accent1">
+                <a:shade val="50000"/>
+              </a:schemeClr>
+            </a:lnRef>
+            <a:fillRef idx="1">
+              <a:schemeClr val="accent1"/>
+            </a:fillRef>
+            <a:effectRef idx="0">
+              <a:schemeClr val="accent1"/>
+            </a:effectRef>
+            <a:fontRef idx="minor">
+              <a:schemeClr val="lt1"/>
+            </a:fontRef>
+          </p:style>
+          <p:txBody>
+            <a:bodyPr rtlCol="0" anchor="ctr"/>
+            <a:lstStyle/>
+            <a:p>
+              <a:pPr algn="ctr"/>
+              <a:r>
+                <a:rPr lang="en-US" i="1" dirty="0">
+                  <a:solidFill>
+                    <a:schemeClr val="tx1"/>
+                  </a:solidFill>
+                  <a:latin typeface="Times" pitchFamily="2" charset="0"/>
+                </a:rPr>
+                <a:t>w</a:t>
+              </a:r>
+            </a:p>
+          </p:txBody>
+        </p:sp>
+        <p:sp>
+          <p:nvSpPr>
+            <p:cNvPr id="27" name="Oval 26">
+              <a:extLst>
+                <a:ext uri="{FF2B5EF4-FFF2-40B4-BE49-F238E27FC236}">
+                  <a16:creationId xmlns:a16="http://schemas.microsoft.com/office/drawing/2014/main" id="{D58DD199-5B37-FA4F-9C7B-FC7ADADFF3ED}"/>
+                </a:ext>
+              </a:extLst>
+            </p:cNvPr>
+            <p:cNvSpPr>
+              <a:spLocks noChangeAspect="1"/>
+            </p:cNvSpPr>
+            <p:nvPr/>
+          </p:nvSpPr>
+          <p:spPr>
+            <a:xfrm>
+              <a:off x="8143520" y="1620000"/>
+              <a:ext cx="540000" cy="540000"/>
+            </a:xfrm>
+            <a:prstGeom prst="ellipse">
+              <a:avLst/>
+            </a:prstGeom>
+            <a:solidFill>
+              <a:schemeClr val="accent6">
+                <a:lumMod val="60000"/>
+                <a:lumOff val="40000"/>
+              </a:schemeClr>
+            </a:solidFill>
+            <a:ln>
+              <a:solidFill>
+                <a:schemeClr val="accent6"/>
+              </a:solidFill>
+            </a:ln>
+          </p:spPr>
+          <p:style>
+            <a:lnRef idx="2">
+              <a:schemeClr val="accent1">
+                <a:shade val="50000"/>
+              </a:schemeClr>
+            </a:lnRef>
+            <a:fillRef idx="1">
+              <a:schemeClr val="accent1"/>
+            </a:fillRef>
+            <a:effectRef idx="0">
+              <a:schemeClr val="accent1"/>
+            </a:effectRef>
+            <a:fontRef idx="minor">
+              <a:schemeClr val="lt1"/>
+            </a:fontRef>
+          </p:style>
+          <p:txBody>
+            <a:bodyPr rtlCol="0" anchor="ctr"/>
+            <a:lstStyle/>
+            <a:p>
+              <a:pPr algn="ctr"/>
+              <a:r>
+                <a:rPr lang="en-US" i="1" dirty="0">
+                  <a:solidFill>
+                    <a:schemeClr val="tx1"/>
+                  </a:solidFill>
+                  <a:latin typeface="Times" pitchFamily="2" charset="0"/>
+                </a:rPr>
+                <a:t>h</a:t>
+              </a:r>
+            </a:p>
+          </p:txBody>
+        </p:sp>
+      </p:grpSp>
+      <p:sp>
+        <p:nvSpPr>
+          <p:cNvPr id="28" name="TextBox 27">
+            <a:extLst>
+              <a:ext uri="{FF2B5EF4-FFF2-40B4-BE49-F238E27FC236}">
+                <a16:creationId xmlns:a16="http://schemas.microsoft.com/office/drawing/2014/main" id="{DEAAAAC2-B4DD-5847-8D6B-26EF53673249}"/>
+              </a:ext>
+            </a:extLst>
+          </p:cNvPr>
+          <p:cNvSpPr txBox="1"/>
+          <p:nvPr/>
+        </p:nvSpPr>
+        <p:spPr>
+          <a:xfrm>
+            <a:off x="7293988" y="710668"/>
+            <a:ext cx="877163" cy="369332"/>
+          </a:xfrm>
+          <a:prstGeom prst="rect">
+            <a:avLst/>
+          </a:prstGeom>
+          <a:noFill/>
+        </p:spPr>
+        <p:txBody>
+          <a:bodyPr wrap="none" rtlCol="0">
+            <a:spAutoFit/>
+          </a:bodyPr>
+          <a:lstStyle/>
+          <a:p>
+            <a:r>
+              <a:rPr lang="en-US" dirty="0">
+                <a:latin typeface="Arial" panose="020B0604020202020204" pitchFamily="34" charset="0"/>
+                <a:cs typeface="Arial" panose="020B0604020202020204" pitchFamily="34" charset="0"/>
+              </a:rPr>
+              <a:t>Output</a:t>
+            </a:r>
+          </a:p>
+        </p:txBody>
+      </p:sp>
+      <p:sp>
+        <p:nvSpPr>
+          <p:cNvPr id="29" name="TextBox 28">
+            <a:extLst>
+              <a:ext uri="{FF2B5EF4-FFF2-40B4-BE49-F238E27FC236}">
+                <a16:creationId xmlns:a16="http://schemas.microsoft.com/office/drawing/2014/main" id="{7EC91E28-676D-134C-8B9C-2E0EFC85FEA1}"/>
+              </a:ext>
+            </a:extLst>
+          </p:cNvPr>
+          <p:cNvSpPr txBox="1"/>
+          <p:nvPr/>
+        </p:nvSpPr>
+        <p:spPr>
+          <a:xfrm>
+            <a:off x="2287067" y="710668"/>
+            <a:ext cx="825867" cy="369332"/>
+          </a:xfrm>
+          <a:prstGeom prst="rect">
+            <a:avLst/>
+          </a:prstGeom>
+          <a:noFill/>
+        </p:spPr>
+        <p:txBody>
+          <a:bodyPr wrap="none" rtlCol="0">
+            <a:spAutoFit/>
+          </a:bodyPr>
+          <a:lstStyle/>
+          <a:p>
+            <a:r>
+              <a:rPr lang="en-US" dirty="0">
+                <a:latin typeface="Arial" panose="020B0604020202020204" pitchFamily="34" charset="0"/>
+                <a:cs typeface="Arial" panose="020B0604020202020204" pitchFamily="34" charset="0"/>
+              </a:rPr>
+              <a:t>Image</a:t>
+            </a:r>
+          </a:p>
+        </p:txBody>
+      </p:sp>
+    </p:spTree>
+    <p:extLst>
+      <p:ext uri="{BB962C8B-B14F-4D97-AF65-F5344CB8AC3E}">
+        <p14:creationId xmlns:p14="http://schemas.microsoft.com/office/powerpoint/2010/main" val="2810675166"/>
+      </p:ext>
+    </p:extLst>
+  </p:cSld>
+  <p:clrMapOvr>
+    <a:masterClrMapping/>
+  </p:clrMapOvr>
+</p:sld>
+</file>
+
+<file path=ppt/slides/slide9.xml><?xml version="1.0" encoding="utf-8"?>
+<p:sld xmlns:a="http://schemas.openxmlformats.org/drawingml/2006/main" xmlns:r="http://schemas.openxmlformats.org/officeDocument/2006/relationships" xmlns:p="http://schemas.openxmlformats.org/presentationml/2006/main">
+  <p:cSld>
+    <p:spTree>
+      <p:nvGrpSpPr>
+        <p:cNvPr id="1" name=""/>
+        <p:cNvGrpSpPr/>
+        <p:nvPr/>
+      </p:nvGrpSpPr>
+      <p:grpSpPr>
+        <a:xfrm>
+          <a:off x="0" y="0"/>
+          <a:ext cx="0" cy="0"/>
+          <a:chOff x="0" y="0"/>
+          <a:chExt cx="0" cy="0"/>
+        </a:xfrm>
+      </p:grpSpPr>
+      <p:pic>
+        <p:nvPicPr>
+          <p:cNvPr id="19" name="Picture 18">
+            <a:extLst>
+              <a:ext uri="{FF2B5EF4-FFF2-40B4-BE49-F238E27FC236}">
+                <a16:creationId xmlns:a16="http://schemas.microsoft.com/office/drawing/2014/main" id="{ECDAD0B1-A61C-B245-9F3C-6AB8A72AB19C}"/>
+              </a:ext>
+            </a:extLst>
+          </p:cNvPr>
+          <p:cNvPicPr>
+            <a:picLocks noChangeAspect="1"/>
+          </p:cNvPicPr>
+          <p:nvPr/>
+        </p:nvPicPr>
+        <p:blipFill rotWithShape="1">
+          <a:blip r:embed="rId2"/>
+          <a:srcRect l="16785" t="17995" r="26573" b="25363"/>
+          <a:stretch/>
+        </p:blipFill>
+        <p:spPr>
+          <a:xfrm>
+            <a:off x="629094" y="1312745"/>
+            <a:ext cx="4320001" cy="4320000"/>
+          </a:xfrm>
+          <a:prstGeom prst="rect">
+            <a:avLst/>
+          </a:prstGeom>
+        </p:spPr>
+      </p:pic>
+      <p:sp>
+        <p:nvSpPr>
+          <p:cNvPr id="5" name="Rectangle 4">
+            <a:extLst>
+              <a:ext uri="{FF2B5EF4-FFF2-40B4-BE49-F238E27FC236}">
+                <a16:creationId xmlns:a16="http://schemas.microsoft.com/office/drawing/2014/main" id="{309E023F-9FA1-AF46-A118-FA9D0AEB708F}"/>
+              </a:ext>
+            </a:extLst>
+          </p:cNvPr>
+          <p:cNvSpPr/>
+          <p:nvPr/>
+        </p:nvSpPr>
+        <p:spPr>
+          <a:xfrm>
+            <a:off x="1852794" y="2231753"/>
+            <a:ext cx="1646499" cy="1749254"/>
+          </a:xfrm>
+          <a:prstGeom prst="rect">
+            <a:avLst/>
+          </a:prstGeom>
+          <a:noFill/>
+          <a:ln>
+            <a:solidFill>
+              <a:schemeClr val="accent6">
+                <a:lumMod val="60000"/>
+                <a:lumOff val="40000"/>
+              </a:schemeClr>
+            </a:solidFill>
+          </a:ln>
+        </p:spPr>
+        <p:style>
+          <a:lnRef idx="2">
+            <a:schemeClr val="accent1">
+              <a:shade val="50000"/>
+            </a:schemeClr>
+          </a:lnRef>
+          <a:fillRef idx="1">
+            <a:schemeClr val="accent1"/>
+          </a:fillRef>
+          <a:effectRef idx="0">
+            <a:schemeClr val="accent1"/>
+          </a:effectRef>
+          <a:fontRef idx="minor">
+            <a:schemeClr val="lt1"/>
+          </a:fontRef>
+        </p:style>
+        <p:txBody>
+          <a:bodyPr rtlCol="0" anchor="ctr"/>
+          <a:lstStyle/>
+          <a:p>
+            <a:pPr algn="ctr"/>
+            <a:endParaRPr lang="en-US"/>
+          </a:p>
+        </p:txBody>
+      </p:sp>
+      <p:sp>
+        <p:nvSpPr>
+          <p:cNvPr id="20" name="Rectangle 19">
+            <a:extLst>
+              <a:ext uri="{FF2B5EF4-FFF2-40B4-BE49-F238E27FC236}">
+                <a16:creationId xmlns:a16="http://schemas.microsoft.com/office/drawing/2014/main" id="{1D2133AD-495E-1C48-A5DA-4F02207C7B41}"/>
+              </a:ext>
+            </a:extLst>
+          </p:cNvPr>
+          <p:cNvSpPr/>
+          <p:nvPr/>
+        </p:nvSpPr>
+        <p:spPr>
+          <a:xfrm>
+            <a:off x="3076495" y="1469753"/>
+            <a:ext cx="1518860" cy="1533354"/>
+          </a:xfrm>
+          <a:prstGeom prst="rect">
+            <a:avLst/>
+          </a:prstGeom>
+          <a:noFill/>
+          <a:ln>
+            <a:solidFill>
+              <a:schemeClr val="accent6">
+                <a:lumMod val="60000"/>
+                <a:lumOff val="40000"/>
+              </a:schemeClr>
+            </a:solidFill>
+          </a:ln>
+        </p:spPr>
+        <p:style>
+          <a:lnRef idx="2">
+            <a:schemeClr val="accent1">
+              <a:shade val="50000"/>
+            </a:schemeClr>
+          </a:lnRef>
+          <a:fillRef idx="1">
+            <a:schemeClr val="accent1"/>
+          </a:fillRef>
+          <a:effectRef idx="0">
+            <a:schemeClr val="accent1"/>
+          </a:effectRef>
+          <a:fontRef idx="minor">
+            <a:schemeClr val="lt1"/>
+          </a:fontRef>
+        </p:style>
+        <p:txBody>
+          <a:bodyPr rtlCol="0" anchor="ctr"/>
+          <a:lstStyle/>
+          <a:p>
+            <a:pPr algn="ctr"/>
+            <a:endParaRPr lang="en-US"/>
+          </a:p>
+        </p:txBody>
+      </p:sp>
+      <p:sp>
+        <p:nvSpPr>
+          <p:cNvPr id="21" name="Rectangle 20">
+            <a:extLst>
+              <a:ext uri="{FF2B5EF4-FFF2-40B4-BE49-F238E27FC236}">
+                <a16:creationId xmlns:a16="http://schemas.microsoft.com/office/drawing/2014/main" id="{91A8FB20-8D84-A64B-9269-A3DD18435151}"/>
+              </a:ext>
+            </a:extLst>
+          </p:cNvPr>
+          <p:cNvSpPr/>
+          <p:nvPr/>
+        </p:nvSpPr>
+        <p:spPr>
+          <a:xfrm>
+            <a:off x="803445" y="2888107"/>
+            <a:ext cx="1124436" cy="2388300"/>
+          </a:xfrm>
+          <a:prstGeom prst="rect">
+            <a:avLst/>
+          </a:prstGeom>
+          <a:noFill/>
+          <a:ln>
+            <a:solidFill>
+              <a:schemeClr val="accent6">
+                <a:lumMod val="60000"/>
+                <a:lumOff val="40000"/>
+              </a:schemeClr>
+            </a:solidFill>
+          </a:ln>
+        </p:spPr>
+        <p:style>
+          <a:lnRef idx="2">
+            <a:schemeClr val="accent1">
+              <a:shade val="50000"/>
+            </a:schemeClr>
+          </a:lnRef>
+          <a:fillRef idx="1">
+            <a:schemeClr val="accent1"/>
+          </a:fillRef>
+          <a:effectRef idx="0">
+            <a:schemeClr val="accent1"/>
+          </a:effectRef>
+          <a:fontRef idx="minor">
+            <a:schemeClr val="lt1"/>
+          </a:fontRef>
+        </p:style>
+        <p:txBody>
+          <a:bodyPr rtlCol="0" anchor="ctr"/>
+          <a:lstStyle/>
+          <a:p>
+            <a:pPr algn="ctr"/>
+            <a:endParaRPr lang="en-US"/>
+          </a:p>
+        </p:txBody>
+      </p:sp>
+      <p:sp>
+        <p:nvSpPr>
+          <p:cNvPr id="6" name="Rectangle 5">
+            <a:extLst>
+              <a:ext uri="{FF2B5EF4-FFF2-40B4-BE49-F238E27FC236}">
+                <a16:creationId xmlns:a16="http://schemas.microsoft.com/office/drawing/2014/main" id="{43ED2ABA-5A62-2649-806C-C099F08A82FB}"/>
+              </a:ext>
+            </a:extLst>
+          </p:cNvPr>
+          <p:cNvSpPr/>
+          <p:nvPr/>
+        </p:nvSpPr>
+        <p:spPr>
+          <a:xfrm>
+            <a:off x="956550" y="2531769"/>
+            <a:ext cx="1340285" cy="1857351"/>
+          </a:xfrm>
+          <a:prstGeom prst="rect">
+            <a:avLst/>
+          </a:prstGeom>
+          <a:noFill/>
+          <a:ln>
+            <a:solidFill>
+              <a:srgbClr val="FF0000"/>
+            </a:solidFill>
+          </a:ln>
+        </p:spPr>
+        <p:style>
+          <a:lnRef idx="2">
+            <a:schemeClr val="accent1">
+              <a:shade val="50000"/>
+            </a:schemeClr>
+          </a:lnRef>
+          <a:fillRef idx="1">
+            <a:schemeClr val="accent1"/>
+          </a:fillRef>
+          <a:effectRef idx="0">
+            <a:schemeClr val="accent1"/>
+          </a:effectRef>
+          <a:fontRef idx="minor">
+            <a:schemeClr val="lt1"/>
+          </a:fontRef>
+        </p:style>
+        <p:txBody>
+          <a:bodyPr rtlCol="0" anchor="ctr"/>
+          <a:lstStyle/>
+          <a:p>
+            <a:pPr algn="ctr"/>
+            <a:endParaRPr lang="en-US"/>
+          </a:p>
+        </p:txBody>
+      </p:sp>
+      <p:pic>
+        <p:nvPicPr>
+          <p:cNvPr id="58" name="Picture 57">
+            <a:extLst>
+              <a:ext uri="{FF2B5EF4-FFF2-40B4-BE49-F238E27FC236}">
+                <a16:creationId xmlns:a16="http://schemas.microsoft.com/office/drawing/2014/main" id="{4F5D8303-7807-2B45-931D-9123A338F8BA}"/>
+              </a:ext>
+            </a:extLst>
+          </p:cNvPr>
+          <p:cNvPicPr>
+            <a:picLocks noChangeAspect="1"/>
+          </p:cNvPicPr>
+          <p:nvPr/>
+        </p:nvPicPr>
+        <p:blipFill rotWithShape="1">
+          <a:blip r:embed="rId2"/>
+          <a:srcRect l="16785" t="17995" r="26573" b="25363"/>
+          <a:stretch/>
+        </p:blipFill>
+        <p:spPr>
+          <a:xfrm>
+            <a:off x="5572950" y="-847255"/>
+            <a:ext cx="4320001" cy="4320000"/>
+          </a:xfrm>
+          <a:prstGeom prst="rect">
+            <a:avLst/>
+          </a:prstGeom>
+        </p:spPr>
+      </p:pic>
+      <p:sp>
+        <p:nvSpPr>
+          <p:cNvPr id="59" name="Rectangle 58">
+            <a:extLst>
+              <a:ext uri="{FF2B5EF4-FFF2-40B4-BE49-F238E27FC236}">
+                <a16:creationId xmlns:a16="http://schemas.microsoft.com/office/drawing/2014/main" id="{62C62646-35EB-FF42-AF3B-1FD04F3FF46D}"/>
+              </a:ext>
+            </a:extLst>
+          </p:cNvPr>
+          <p:cNvSpPr/>
+          <p:nvPr/>
+        </p:nvSpPr>
+        <p:spPr>
+          <a:xfrm>
+            <a:off x="6796650" y="71753"/>
+            <a:ext cx="1646499" cy="1749254"/>
+          </a:xfrm>
+          <a:prstGeom prst="rect">
+            <a:avLst/>
+          </a:prstGeom>
+          <a:noFill/>
+          <a:ln>
+            <a:solidFill>
+              <a:schemeClr val="accent6">
+                <a:lumMod val="60000"/>
+                <a:lumOff val="40000"/>
+              </a:schemeClr>
+            </a:solidFill>
+          </a:ln>
+        </p:spPr>
+        <p:style>
+          <a:lnRef idx="2">
+            <a:schemeClr val="accent1">
+              <a:shade val="50000"/>
+            </a:schemeClr>
+          </a:lnRef>
+          <a:fillRef idx="1">
+            <a:schemeClr val="accent1"/>
+          </a:fillRef>
+          <a:effectRef idx="0">
+            <a:schemeClr val="accent1"/>
+          </a:effectRef>
+          <a:fontRef idx="minor">
+            <a:schemeClr val="lt1"/>
+          </a:fontRef>
+        </p:style>
+        <p:txBody>
+          <a:bodyPr rtlCol="0" anchor="ctr"/>
+          <a:lstStyle/>
+          <a:p>
+            <a:pPr algn="ctr"/>
+            <a:endParaRPr lang="en-US"/>
+          </a:p>
+        </p:txBody>
+      </p:sp>
+      <p:sp>
+        <p:nvSpPr>
+          <p:cNvPr id="60" name="Rectangle 59">
+            <a:extLst>
+              <a:ext uri="{FF2B5EF4-FFF2-40B4-BE49-F238E27FC236}">
+                <a16:creationId xmlns:a16="http://schemas.microsoft.com/office/drawing/2014/main" id="{FEC3E230-ED2D-D044-A1AE-F31936B880B7}"/>
+              </a:ext>
+            </a:extLst>
+          </p:cNvPr>
+          <p:cNvSpPr/>
+          <p:nvPr/>
+        </p:nvSpPr>
+        <p:spPr>
+          <a:xfrm>
+            <a:off x="8020351" y="-690247"/>
+            <a:ext cx="1518860" cy="1533354"/>
+          </a:xfrm>
+          <a:prstGeom prst="rect">
+            <a:avLst/>
+          </a:prstGeom>
+          <a:noFill/>
+          <a:ln>
+            <a:solidFill>
+              <a:schemeClr val="accent6">
+                <a:lumMod val="60000"/>
+                <a:lumOff val="40000"/>
+              </a:schemeClr>
+            </a:solidFill>
+          </a:ln>
+        </p:spPr>
+        <p:style>
+          <a:lnRef idx="2">
+            <a:schemeClr val="accent1">
+              <a:shade val="50000"/>
+            </a:schemeClr>
+          </a:lnRef>
+          <a:fillRef idx="1">
+            <a:schemeClr val="accent1"/>
+          </a:fillRef>
+          <a:effectRef idx="0">
+            <a:schemeClr val="accent1"/>
+          </a:effectRef>
+          <a:fontRef idx="minor">
+            <a:schemeClr val="lt1"/>
+          </a:fontRef>
+        </p:style>
+        <p:txBody>
+          <a:bodyPr rtlCol="0" anchor="ctr"/>
+          <a:lstStyle/>
+          <a:p>
+            <a:pPr algn="ctr"/>
+            <a:endParaRPr lang="en-US"/>
+          </a:p>
+        </p:txBody>
+      </p:sp>
+      <p:sp>
+        <p:nvSpPr>
+          <p:cNvPr id="61" name="Rectangle 60">
+            <a:extLst>
+              <a:ext uri="{FF2B5EF4-FFF2-40B4-BE49-F238E27FC236}">
+                <a16:creationId xmlns:a16="http://schemas.microsoft.com/office/drawing/2014/main" id="{9EA3B596-A836-0E4A-9139-14DF028DA9E9}"/>
+              </a:ext>
+            </a:extLst>
+          </p:cNvPr>
+          <p:cNvSpPr/>
+          <p:nvPr/>
+        </p:nvSpPr>
+        <p:spPr>
+          <a:xfrm>
+            <a:off x="5747301" y="728107"/>
+            <a:ext cx="1124436" cy="2388300"/>
+          </a:xfrm>
+          <a:prstGeom prst="rect">
+            <a:avLst/>
+          </a:prstGeom>
+          <a:noFill/>
+          <a:ln>
+            <a:solidFill>
+              <a:schemeClr val="accent6">
+                <a:lumMod val="60000"/>
+                <a:lumOff val="40000"/>
+              </a:schemeClr>
+            </a:solidFill>
+          </a:ln>
+        </p:spPr>
+        <p:style>
+          <a:lnRef idx="2">
+            <a:schemeClr val="accent1">
+              <a:shade val="50000"/>
+            </a:schemeClr>
+          </a:lnRef>
+          <a:fillRef idx="1">
+            <a:schemeClr val="accent1"/>
+          </a:fillRef>
+          <a:effectRef idx="0">
+            <a:schemeClr val="accent1"/>
+          </a:effectRef>
+          <a:fontRef idx="minor">
+            <a:schemeClr val="lt1"/>
+          </a:fontRef>
+        </p:style>
+        <p:txBody>
+          <a:bodyPr rtlCol="0" anchor="ctr"/>
+          <a:lstStyle/>
+          <a:p>
+            <a:pPr algn="ctr"/>
+            <a:endParaRPr lang="en-US"/>
+          </a:p>
+        </p:txBody>
+      </p:sp>
+      <p:sp>
+        <p:nvSpPr>
+          <p:cNvPr id="62" name="Rectangle 61">
+            <a:extLst>
+              <a:ext uri="{FF2B5EF4-FFF2-40B4-BE49-F238E27FC236}">
+                <a16:creationId xmlns:a16="http://schemas.microsoft.com/office/drawing/2014/main" id="{CDE8BB5E-4699-A240-9347-438C561886B5}"/>
+              </a:ext>
+            </a:extLst>
+          </p:cNvPr>
+          <p:cNvSpPr/>
+          <p:nvPr/>
+        </p:nvSpPr>
+        <p:spPr>
+          <a:xfrm>
+            <a:off x="6236208" y="-73151"/>
+            <a:ext cx="3101835" cy="3336058"/>
+          </a:xfrm>
+          <a:prstGeom prst="rect">
+            <a:avLst/>
+          </a:prstGeom>
+          <a:noFill/>
+          <a:ln>
+            <a:solidFill>
+              <a:srgbClr val="FF0000"/>
+            </a:solidFill>
+          </a:ln>
+        </p:spPr>
+        <p:style>
+          <a:lnRef idx="2">
+            <a:schemeClr val="accent1">
+              <a:shade val="50000"/>
+            </a:schemeClr>
+          </a:lnRef>
+          <a:fillRef idx="1">
+            <a:schemeClr val="accent1"/>
+          </a:fillRef>
+          <a:effectRef idx="0">
+            <a:schemeClr val="accent1"/>
+          </a:effectRef>
+          <a:fontRef idx="minor">
+            <a:schemeClr val="lt1"/>
+          </a:fontRef>
+        </p:style>
+        <p:txBody>
+          <a:bodyPr rtlCol="0" anchor="ctr"/>
+          <a:lstStyle/>
+          <a:p>
+            <a:pPr algn="ctr"/>
+            <a:endParaRPr lang="en-US"/>
+          </a:p>
+        </p:txBody>
+      </p:sp>
+      <p:pic>
+        <p:nvPicPr>
+          <p:cNvPr id="63" name="Picture 62">
+            <a:extLst>
+              <a:ext uri="{FF2B5EF4-FFF2-40B4-BE49-F238E27FC236}">
+                <a16:creationId xmlns:a16="http://schemas.microsoft.com/office/drawing/2014/main" id="{0F6ACB24-D198-3946-B187-1195F95BC3D2}"/>
+              </a:ext>
+            </a:extLst>
+          </p:cNvPr>
+          <p:cNvPicPr>
+            <a:picLocks noChangeAspect="1"/>
+          </p:cNvPicPr>
+          <p:nvPr/>
+        </p:nvPicPr>
+        <p:blipFill rotWithShape="1">
+          <a:blip r:embed="rId2"/>
+          <a:srcRect l="16785" t="17995" r="26573" b="25363"/>
+          <a:stretch/>
+        </p:blipFill>
+        <p:spPr>
+          <a:xfrm>
+            <a:off x="6172795" y="3762498"/>
+            <a:ext cx="4320001" cy="4320000"/>
+          </a:xfrm>
+          <a:prstGeom prst="rect">
+            <a:avLst/>
+          </a:prstGeom>
+        </p:spPr>
+      </p:pic>
+      <p:sp>
+        <p:nvSpPr>
+          <p:cNvPr id="64" name="Rectangle 63">
+            <a:extLst>
+              <a:ext uri="{FF2B5EF4-FFF2-40B4-BE49-F238E27FC236}">
+                <a16:creationId xmlns:a16="http://schemas.microsoft.com/office/drawing/2014/main" id="{DD96F339-0F54-BF45-80EA-E7EB95BE1039}"/>
+              </a:ext>
+            </a:extLst>
+          </p:cNvPr>
+          <p:cNvSpPr/>
+          <p:nvPr/>
+        </p:nvSpPr>
+        <p:spPr>
+          <a:xfrm>
+            <a:off x="7396495" y="4681506"/>
+            <a:ext cx="1646499" cy="1749254"/>
+          </a:xfrm>
+          <a:prstGeom prst="rect">
+            <a:avLst/>
+          </a:prstGeom>
+          <a:noFill/>
+          <a:ln>
+            <a:solidFill>
+              <a:schemeClr val="accent6">
+                <a:lumMod val="60000"/>
+                <a:lumOff val="40000"/>
+              </a:schemeClr>
+            </a:solidFill>
+          </a:ln>
+        </p:spPr>
+        <p:style>
+          <a:lnRef idx="2">
+            <a:schemeClr val="accent1">
+              <a:shade val="50000"/>
+            </a:schemeClr>
+          </a:lnRef>
+          <a:fillRef idx="1">
+            <a:schemeClr val="accent1"/>
+          </a:fillRef>
+          <a:effectRef idx="0">
+            <a:schemeClr val="accent1"/>
+          </a:effectRef>
+          <a:fontRef idx="minor">
+            <a:schemeClr val="lt1"/>
+          </a:fontRef>
+        </p:style>
+        <p:txBody>
+          <a:bodyPr rtlCol="0" anchor="ctr"/>
+          <a:lstStyle/>
+          <a:p>
+            <a:pPr algn="ctr"/>
+            <a:endParaRPr lang="en-US"/>
+          </a:p>
+        </p:txBody>
+      </p:sp>
+      <p:sp>
+        <p:nvSpPr>
+          <p:cNvPr id="65" name="Rectangle 64">
+            <a:extLst>
+              <a:ext uri="{FF2B5EF4-FFF2-40B4-BE49-F238E27FC236}">
+                <a16:creationId xmlns:a16="http://schemas.microsoft.com/office/drawing/2014/main" id="{E41E6C68-A4B8-4946-853E-7B7BC52DC485}"/>
+              </a:ext>
+            </a:extLst>
+          </p:cNvPr>
+          <p:cNvSpPr/>
+          <p:nvPr/>
+        </p:nvSpPr>
+        <p:spPr>
+          <a:xfrm>
+            <a:off x="8620196" y="3919506"/>
+            <a:ext cx="1518860" cy="1533354"/>
+          </a:xfrm>
+          <a:prstGeom prst="rect">
+            <a:avLst/>
+          </a:prstGeom>
+          <a:noFill/>
+          <a:ln>
+            <a:solidFill>
+              <a:schemeClr val="accent6">
+                <a:lumMod val="60000"/>
+                <a:lumOff val="40000"/>
+              </a:schemeClr>
+            </a:solidFill>
+          </a:ln>
+        </p:spPr>
+        <p:style>
+          <a:lnRef idx="2">
+            <a:schemeClr val="accent1">
+              <a:shade val="50000"/>
+            </a:schemeClr>
+          </a:lnRef>
+          <a:fillRef idx="1">
+            <a:schemeClr val="accent1"/>
+          </a:fillRef>
+          <a:effectRef idx="0">
+            <a:schemeClr val="accent1"/>
+          </a:effectRef>
+          <a:fontRef idx="minor">
+            <a:schemeClr val="lt1"/>
+          </a:fontRef>
+        </p:style>
+        <p:txBody>
+          <a:bodyPr rtlCol="0" anchor="ctr"/>
+          <a:lstStyle/>
+          <a:p>
+            <a:pPr algn="ctr"/>
+            <a:endParaRPr lang="en-US"/>
+          </a:p>
+        </p:txBody>
+      </p:sp>
+      <p:sp>
+        <p:nvSpPr>
+          <p:cNvPr id="66" name="Rectangle 65">
+            <a:extLst>
+              <a:ext uri="{FF2B5EF4-FFF2-40B4-BE49-F238E27FC236}">
+                <a16:creationId xmlns:a16="http://schemas.microsoft.com/office/drawing/2014/main" id="{548BD409-58DA-0742-BC8F-974F880020C5}"/>
+              </a:ext>
+            </a:extLst>
+          </p:cNvPr>
+          <p:cNvSpPr/>
+          <p:nvPr/>
+        </p:nvSpPr>
+        <p:spPr>
+          <a:xfrm>
+            <a:off x="6347146" y="5337860"/>
+            <a:ext cx="1124436" cy="2388300"/>
+          </a:xfrm>
+          <a:prstGeom prst="rect">
+            <a:avLst/>
+          </a:prstGeom>
+          <a:noFill/>
+          <a:ln>
+            <a:solidFill>
+              <a:schemeClr val="accent6">
+                <a:lumMod val="60000"/>
+                <a:lumOff val="40000"/>
+              </a:schemeClr>
+            </a:solidFill>
+          </a:ln>
+        </p:spPr>
+        <p:style>
+          <a:lnRef idx="2">
+            <a:schemeClr val="accent1">
+              <a:shade val="50000"/>
+            </a:schemeClr>
+          </a:lnRef>
+          <a:fillRef idx="1">
+            <a:schemeClr val="accent1"/>
+          </a:fillRef>
+          <a:effectRef idx="0">
+            <a:schemeClr val="accent1"/>
+          </a:effectRef>
+          <a:fontRef idx="minor">
+            <a:schemeClr val="lt1"/>
+          </a:fontRef>
+        </p:style>
+        <p:txBody>
+          <a:bodyPr rtlCol="0" anchor="ctr"/>
+          <a:lstStyle/>
+          <a:p>
+            <a:pPr algn="ctr"/>
+            <a:endParaRPr lang="en-US"/>
+          </a:p>
+        </p:txBody>
+      </p:sp>
+      <p:sp>
+        <p:nvSpPr>
+          <p:cNvPr id="67" name="Rectangle 66">
+            <a:extLst>
+              <a:ext uri="{FF2B5EF4-FFF2-40B4-BE49-F238E27FC236}">
+                <a16:creationId xmlns:a16="http://schemas.microsoft.com/office/drawing/2014/main" id="{C19C3D7E-9C1E-9A40-BDB4-0A2CEF945DB8}"/>
+              </a:ext>
+            </a:extLst>
+          </p:cNvPr>
+          <p:cNvSpPr/>
+          <p:nvPr/>
+        </p:nvSpPr>
+        <p:spPr>
+          <a:xfrm>
+            <a:off x="6871737" y="4882896"/>
+            <a:ext cx="3021213" cy="859718"/>
+          </a:xfrm>
+          <a:prstGeom prst="rect">
+            <a:avLst/>
+          </a:prstGeom>
+          <a:noFill/>
+          <a:ln>
+            <a:solidFill>
+              <a:srgbClr val="FF0000"/>
+            </a:solidFill>
+          </a:ln>
+        </p:spPr>
+        <p:style>
+          <a:lnRef idx="2">
+            <a:schemeClr val="accent1">
+              <a:shade val="50000"/>
+            </a:schemeClr>
+          </a:lnRef>
+          <a:fillRef idx="1">
+            <a:schemeClr val="accent1"/>
+          </a:fillRef>
+          <a:effectRef idx="0">
+            <a:schemeClr val="accent1"/>
+          </a:effectRef>
+          <a:fontRef idx="minor">
+            <a:schemeClr val="lt1"/>
+          </a:fontRef>
+        </p:style>
+        <p:txBody>
+          <a:bodyPr rtlCol="0" anchor="ctr"/>
+          <a:lstStyle/>
+          <a:p>
+            <a:pPr algn="ctr"/>
+            <a:endParaRPr lang="en-US"/>
+          </a:p>
+        </p:txBody>
+      </p:sp>
+      <p:pic>
+        <p:nvPicPr>
+          <p:cNvPr id="68" name="Picture 67">
+            <a:extLst>
+              <a:ext uri="{FF2B5EF4-FFF2-40B4-BE49-F238E27FC236}">
+                <a16:creationId xmlns:a16="http://schemas.microsoft.com/office/drawing/2014/main" id="{49EB4B25-C820-AB49-B7C7-DEBA5C17071A}"/>
+              </a:ext>
+            </a:extLst>
+          </p:cNvPr>
+          <p:cNvPicPr>
+            <a:picLocks noChangeAspect="1"/>
+          </p:cNvPicPr>
+          <p:nvPr/>
+        </p:nvPicPr>
+        <p:blipFill rotWithShape="1">
+          <a:blip r:embed="rId2"/>
+          <a:srcRect l="16785" t="17995" r="26573" b="25363"/>
+          <a:stretch/>
+        </p:blipFill>
+        <p:spPr>
+          <a:xfrm>
+            <a:off x="10687825" y="-1057093"/>
+            <a:ext cx="4320001" cy="4320000"/>
+          </a:xfrm>
+          <a:prstGeom prst="rect">
+            <a:avLst/>
+          </a:prstGeom>
+        </p:spPr>
+      </p:pic>
+      <p:sp>
+        <p:nvSpPr>
+          <p:cNvPr id="69" name="Rectangle 68">
+            <a:extLst>
+              <a:ext uri="{FF2B5EF4-FFF2-40B4-BE49-F238E27FC236}">
+                <a16:creationId xmlns:a16="http://schemas.microsoft.com/office/drawing/2014/main" id="{20BD9FC1-33B0-8B4C-B3EC-F1B42C3CA2F8}"/>
+              </a:ext>
+            </a:extLst>
+          </p:cNvPr>
+          <p:cNvSpPr/>
+          <p:nvPr/>
+        </p:nvSpPr>
+        <p:spPr>
+          <a:xfrm>
+            <a:off x="11911525" y="-138085"/>
+            <a:ext cx="1646499" cy="1749254"/>
+          </a:xfrm>
+          <a:prstGeom prst="rect">
+            <a:avLst/>
+          </a:prstGeom>
+          <a:noFill/>
+          <a:ln>
+            <a:solidFill>
+              <a:schemeClr val="accent6">
+                <a:lumMod val="60000"/>
+                <a:lumOff val="40000"/>
+              </a:schemeClr>
+            </a:solidFill>
+          </a:ln>
+        </p:spPr>
+        <p:style>
+          <a:lnRef idx="2">
+            <a:schemeClr val="accent1">
+              <a:shade val="50000"/>
+            </a:schemeClr>
+          </a:lnRef>
+          <a:fillRef idx="1">
+            <a:schemeClr val="accent1"/>
+          </a:fillRef>
+          <a:effectRef idx="0">
+            <a:schemeClr val="accent1"/>
+          </a:effectRef>
+          <a:fontRef idx="minor">
+            <a:schemeClr val="lt1"/>
+          </a:fontRef>
+        </p:style>
+        <p:txBody>
+          <a:bodyPr rtlCol="0" anchor="ctr"/>
+          <a:lstStyle/>
+          <a:p>
+            <a:pPr algn="ctr"/>
+            <a:endParaRPr lang="en-US"/>
+          </a:p>
+        </p:txBody>
+      </p:sp>
+      <p:sp>
+        <p:nvSpPr>
+          <p:cNvPr id="70" name="Rectangle 69">
+            <a:extLst>
+              <a:ext uri="{FF2B5EF4-FFF2-40B4-BE49-F238E27FC236}">
+                <a16:creationId xmlns:a16="http://schemas.microsoft.com/office/drawing/2014/main" id="{4DDE72EC-5C52-A44A-AAEB-A98C1346CF11}"/>
+              </a:ext>
+            </a:extLst>
+          </p:cNvPr>
+          <p:cNvSpPr/>
+          <p:nvPr/>
+        </p:nvSpPr>
+        <p:spPr>
+          <a:xfrm>
+            <a:off x="13135226" y="-900085"/>
+            <a:ext cx="1518860" cy="1533354"/>
+          </a:xfrm>
+          <a:prstGeom prst="rect">
+            <a:avLst/>
+          </a:prstGeom>
+          <a:noFill/>
+          <a:ln>
+            <a:solidFill>
+              <a:schemeClr val="accent6">
+                <a:lumMod val="60000"/>
+                <a:lumOff val="40000"/>
+              </a:schemeClr>
+            </a:solidFill>
+          </a:ln>
+        </p:spPr>
+        <p:style>
+          <a:lnRef idx="2">
+            <a:schemeClr val="accent1">
+              <a:shade val="50000"/>
+            </a:schemeClr>
+          </a:lnRef>
+          <a:fillRef idx="1">
+            <a:schemeClr val="accent1"/>
+          </a:fillRef>
+          <a:effectRef idx="0">
+            <a:schemeClr val="accent1"/>
+          </a:effectRef>
+          <a:fontRef idx="minor">
+            <a:schemeClr val="lt1"/>
+          </a:fontRef>
+        </p:style>
+        <p:txBody>
+          <a:bodyPr rtlCol="0" anchor="ctr"/>
+          <a:lstStyle/>
+          <a:p>
+            <a:pPr algn="ctr"/>
+            <a:endParaRPr lang="en-US"/>
+          </a:p>
+        </p:txBody>
+      </p:sp>
+      <p:sp>
+        <p:nvSpPr>
+          <p:cNvPr id="71" name="Rectangle 70">
+            <a:extLst>
+              <a:ext uri="{FF2B5EF4-FFF2-40B4-BE49-F238E27FC236}">
+                <a16:creationId xmlns:a16="http://schemas.microsoft.com/office/drawing/2014/main" id="{4CB81E4B-3ED1-EB47-927B-382542F1F474}"/>
+              </a:ext>
+            </a:extLst>
+          </p:cNvPr>
+          <p:cNvSpPr/>
+          <p:nvPr/>
+        </p:nvSpPr>
+        <p:spPr>
+          <a:xfrm>
+            <a:off x="10862176" y="518269"/>
+            <a:ext cx="1124436" cy="2388300"/>
+          </a:xfrm>
+          <a:prstGeom prst="rect">
+            <a:avLst/>
+          </a:prstGeom>
+          <a:noFill/>
+          <a:ln>
+            <a:solidFill>
+              <a:schemeClr val="accent6">
+                <a:lumMod val="60000"/>
+                <a:lumOff val="40000"/>
+              </a:schemeClr>
+            </a:solidFill>
+          </a:ln>
+        </p:spPr>
+        <p:style>
+          <a:lnRef idx="2">
+            <a:schemeClr val="accent1">
+              <a:shade val="50000"/>
+            </a:schemeClr>
+          </a:lnRef>
+          <a:fillRef idx="1">
+            <a:schemeClr val="accent1"/>
+          </a:fillRef>
+          <a:effectRef idx="0">
+            <a:schemeClr val="accent1"/>
+          </a:effectRef>
+          <a:fontRef idx="minor">
+            <a:schemeClr val="lt1"/>
+          </a:fontRef>
+        </p:style>
+        <p:txBody>
+          <a:bodyPr rtlCol="0" anchor="ctr"/>
+          <a:lstStyle/>
+          <a:p>
+            <a:pPr algn="ctr"/>
+            <a:endParaRPr lang="en-US"/>
+          </a:p>
+        </p:txBody>
+      </p:sp>
+      <p:sp>
+        <p:nvSpPr>
+          <p:cNvPr id="72" name="Rectangle 71">
+            <a:extLst>
+              <a:ext uri="{FF2B5EF4-FFF2-40B4-BE49-F238E27FC236}">
+                <a16:creationId xmlns:a16="http://schemas.microsoft.com/office/drawing/2014/main" id="{77BC3037-37A1-2040-8425-0BA1DAEFD081}"/>
+              </a:ext>
+            </a:extLst>
+          </p:cNvPr>
+          <p:cNvSpPr/>
+          <p:nvPr/>
+        </p:nvSpPr>
+        <p:spPr>
+          <a:xfrm>
+            <a:off x="12582144" y="1821007"/>
+            <a:ext cx="1572768" cy="709170"/>
+          </a:xfrm>
+          <a:prstGeom prst="rect">
+            <a:avLst/>
+          </a:prstGeom>
+          <a:noFill/>
+          <a:ln>
+            <a:solidFill>
+              <a:srgbClr val="FF0000"/>
+            </a:solidFill>
+          </a:ln>
+        </p:spPr>
+        <p:style>
+          <a:lnRef idx="2">
+            <a:schemeClr val="accent1">
+              <a:shade val="50000"/>
+            </a:schemeClr>
+          </a:lnRef>
+          <a:fillRef idx="1">
+            <a:schemeClr val="accent1"/>
+          </a:fillRef>
+          <a:effectRef idx="0">
+            <a:schemeClr val="accent1"/>
+          </a:effectRef>
+          <a:fontRef idx="minor">
+            <a:schemeClr val="lt1"/>
+          </a:fontRef>
+        </p:style>
+        <p:txBody>
+          <a:bodyPr rtlCol="0" anchor="ctr"/>
+          <a:lstStyle/>
+          <a:p>
+            <a:pPr algn="ctr"/>
+            <a:endParaRPr lang="en-US"/>
+          </a:p>
+        </p:txBody>
+      </p:sp>
+    </p:spTree>
+    <p:extLst>
+      <p:ext uri="{BB962C8B-B14F-4D97-AF65-F5344CB8AC3E}">
+        <p14:creationId xmlns:p14="http://schemas.microsoft.com/office/powerpoint/2010/main" val="695208852"/>
       </p:ext>
     </p:extLst>
   </p:cSld>

--- a/ThesisLaTeX/fig.pptx
+++ b/ThesisLaTeX/fig.pptx
@@ -5,7 +5,7 @@
     <p:sldMasterId id="2147483648" r:id="rId1"/>
   </p:sldMasterIdLst>
   <p:notesMasterIdLst>
-    <p:notesMasterId r:id="rId11"/>
+    <p:notesMasterId r:id="rId12"/>
   </p:notesMasterIdLst>
   <p:sldIdLst>
     <p:sldId id="256" r:id="rId2"/>
@@ -17,6 +17,7 @@
     <p:sldId id="262" r:id="rId8"/>
     <p:sldId id="265" r:id="rId9"/>
     <p:sldId id="263" r:id="rId10"/>
+    <p:sldId id="266" r:id="rId11"/>
   </p:sldIdLst>
   <p:sldSz cx="12192000" cy="6858000"/>
   <p:notesSz cx="6858000" cy="9144000"/>
@@ -4651,6 +4652,637 @@
 </p:sld>
 </file>
 
+<file path=ppt/slides/slide10.xml><?xml version="1.0" encoding="utf-8"?>
+<p:sld xmlns:a="http://schemas.openxmlformats.org/drawingml/2006/main" xmlns:r="http://schemas.openxmlformats.org/officeDocument/2006/relationships" xmlns:p="http://schemas.openxmlformats.org/presentationml/2006/main">
+  <p:cSld>
+    <p:spTree>
+      <p:nvGrpSpPr>
+        <p:cNvPr id="1" name=""/>
+        <p:cNvGrpSpPr/>
+        <p:nvPr/>
+      </p:nvGrpSpPr>
+      <p:grpSpPr>
+        <a:xfrm>
+          <a:off x="0" y="0"/>
+          <a:ext cx="0" cy="0"/>
+          <a:chOff x="0" y="0"/>
+          <a:chExt cx="0" cy="0"/>
+        </a:xfrm>
+      </p:grpSpPr>
+      <p:grpSp>
+        <p:nvGrpSpPr>
+          <p:cNvPr id="8" name="Group 7">
+            <a:extLst>
+              <a:ext uri="{FF2B5EF4-FFF2-40B4-BE49-F238E27FC236}">
+                <a16:creationId xmlns:a16="http://schemas.microsoft.com/office/drawing/2014/main" id="{479E9B60-D6BC-9249-A20E-453A6038A6E8}"/>
+              </a:ext>
+            </a:extLst>
+          </p:cNvPr>
+          <p:cNvGrpSpPr/>
+          <p:nvPr/>
+        </p:nvGrpSpPr>
+        <p:grpSpPr>
+          <a:xfrm>
+            <a:off x="2767372" y="999396"/>
+            <a:ext cx="2160000" cy="2160000"/>
+            <a:chOff x="9156527" y="1766170"/>
+            <a:chExt cx="2160000" cy="2160000"/>
+          </a:xfrm>
+        </p:grpSpPr>
+        <p:pic>
+          <p:nvPicPr>
+            <p:cNvPr id="9" name="Picture 8">
+              <a:extLst>
+                <a:ext uri="{FF2B5EF4-FFF2-40B4-BE49-F238E27FC236}">
+                  <a16:creationId xmlns:a16="http://schemas.microsoft.com/office/drawing/2014/main" id="{67BFFBC8-26B1-0F42-AB05-332D409AA1F5}"/>
+                </a:ext>
+              </a:extLst>
+            </p:cNvPr>
+            <p:cNvPicPr>
+              <a:picLocks noChangeAspect="1"/>
+            </p:cNvPicPr>
+            <p:nvPr/>
+          </p:nvPicPr>
+          <p:blipFill>
+            <a:blip r:embed="rId2">
+              <a:extLst>
+                <a:ext uri="{28A0092B-C50C-407E-A947-70E740481C1C}">
+                  <a14:useLocalDpi xmlns:a14="http://schemas.microsoft.com/office/drawing/2010/main" val="0"/>
+                </a:ext>
+              </a:extLst>
+            </a:blip>
+            <a:stretch>
+              <a:fillRect/>
+            </a:stretch>
+          </p:blipFill>
+          <p:spPr>
+            <a:xfrm>
+              <a:off x="9156527" y="1766170"/>
+              <a:ext cx="2160000" cy="2160000"/>
+            </a:xfrm>
+            <a:prstGeom prst="rect">
+              <a:avLst/>
+            </a:prstGeom>
+          </p:spPr>
+        </p:pic>
+        <p:sp>
+          <p:nvSpPr>
+            <p:cNvPr id="10" name="Rectangle 9">
+              <a:extLst>
+                <a:ext uri="{FF2B5EF4-FFF2-40B4-BE49-F238E27FC236}">
+                  <a16:creationId xmlns:a16="http://schemas.microsoft.com/office/drawing/2014/main" id="{CE0CBBD9-0C8C-8240-B557-C2FEA70BB423}"/>
+                </a:ext>
+              </a:extLst>
+            </p:cNvPr>
+            <p:cNvSpPr/>
+            <p:nvPr/>
+          </p:nvSpPr>
+          <p:spPr>
+            <a:xfrm>
+              <a:off x="9425097" y="2122422"/>
+              <a:ext cx="1572756" cy="1134345"/>
+            </a:xfrm>
+            <a:prstGeom prst="rect">
+              <a:avLst/>
+            </a:prstGeom>
+            <a:noFill/>
+            <a:ln>
+              <a:solidFill>
+                <a:schemeClr val="accent6">
+                  <a:lumMod val="60000"/>
+                  <a:lumOff val="40000"/>
+                </a:schemeClr>
+              </a:solidFill>
+            </a:ln>
+          </p:spPr>
+          <p:style>
+            <a:lnRef idx="2">
+              <a:schemeClr val="accent1">
+                <a:shade val="50000"/>
+              </a:schemeClr>
+            </a:lnRef>
+            <a:fillRef idx="1">
+              <a:schemeClr val="accent1"/>
+            </a:fillRef>
+            <a:effectRef idx="0">
+              <a:schemeClr val="accent1"/>
+            </a:effectRef>
+            <a:fontRef idx="minor">
+              <a:schemeClr val="lt1"/>
+            </a:fontRef>
+          </p:style>
+          <p:txBody>
+            <a:bodyPr rtlCol="0" anchor="ctr"/>
+            <a:lstStyle/>
+            <a:p>
+              <a:pPr algn="ctr"/>
+              <a:endParaRPr lang="en-US"/>
+            </a:p>
+          </p:txBody>
+        </p:sp>
+      </p:grpSp>
+      <p:sp>
+        <p:nvSpPr>
+          <p:cNvPr id="12" name="Rectangle 11">
+            <a:extLst>
+              <a:ext uri="{FF2B5EF4-FFF2-40B4-BE49-F238E27FC236}">
+                <a16:creationId xmlns:a16="http://schemas.microsoft.com/office/drawing/2014/main" id="{87A0767D-CB29-1549-9221-4CA8E93FF687}"/>
+              </a:ext>
+            </a:extLst>
+          </p:cNvPr>
+          <p:cNvSpPr/>
+          <p:nvPr/>
+        </p:nvSpPr>
+        <p:spPr>
+          <a:xfrm>
+            <a:off x="3224775" y="1933200"/>
+            <a:ext cx="1572756" cy="1134345"/>
+          </a:xfrm>
+          <a:prstGeom prst="rect">
+            <a:avLst/>
+          </a:prstGeom>
+          <a:noFill/>
+          <a:ln>
+            <a:solidFill>
+              <a:srgbClr val="FF0000"/>
+            </a:solidFill>
+          </a:ln>
+        </p:spPr>
+        <p:style>
+          <a:lnRef idx="2">
+            <a:schemeClr val="accent1">
+              <a:shade val="50000"/>
+            </a:schemeClr>
+          </a:lnRef>
+          <a:fillRef idx="1">
+            <a:schemeClr val="accent1"/>
+          </a:fillRef>
+          <a:effectRef idx="0">
+            <a:schemeClr val="accent1"/>
+          </a:effectRef>
+          <a:fontRef idx="minor">
+            <a:schemeClr val="lt1"/>
+          </a:fontRef>
+        </p:style>
+        <p:txBody>
+          <a:bodyPr rtlCol="0" anchor="ctr"/>
+          <a:lstStyle/>
+          <a:p>
+            <a:pPr algn="ctr"/>
+            <a:endParaRPr lang="en-US"/>
+          </a:p>
+        </p:txBody>
+      </p:sp>
+      <p:grpSp>
+        <p:nvGrpSpPr>
+          <p:cNvPr id="29" name="Group 28">
+            <a:extLst>
+              <a:ext uri="{FF2B5EF4-FFF2-40B4-BE49-F238E27FC236}">
+                <a16:creationId xmlns:a16="http://schemas.microsoft.com/office/drawing/2014/main" id="{5D8364BA-BC4A-C642-9714-0B5FC7A1DF70}"/>
+              </a:ext>
+            </a:extLst>
+          </p:cNvPr>
+          <p:cNvGrpSpPr/>
+          <p:nvPr/>
+        </p:nvGrpSpPr>
+        <p:grpSpPr>
+          <a:xfrm>
+            <a:off x="1325656" y="3657600"/>
+            <a:ext cx="2160000" cy="2160000"/>
+            <a:chOff x="9156527" y="1766170"/>
+            <a:chExt cx="2160000" cy="2160000"/>
+          </a:xfrm>
+        </p:grpSpPr>
+        <p:pic>
+          <p:nvPicPr>
+            <p:cNvPr id="30" name="Picture 29">
+              <a:extLst>
+                <a:ext uri="{FF2B5EF4-FFF2-40B4-BE49-F238E27FC236}">
+                  <a16:creationId xmlns:a16="http://schemas.microsoft.com/office/drawing/2014/main" id="{2475BB41-1D31-3048-BEE5-6DDFBBB740FE}"/>
+                </a:ext>
+              </a:extLst>
+            </p:cNvPr>
+            <p:cNvPicPr>
+              <a:picLocks noChangeAspect="1"/>
+            </p:cNvPicPr>
+            <p:nvPr/>
+          </p:nvPicPr>
+          <p:blipFill>
+            <a:blip r:embed="rId2">
+              <a:extLst>
+                <a:ext uri="{28A0092B-C50C-407E-A947-70E740481C1C}">
+                  <a14:useLocalDpi xmlns:a14="http://schemas.microsoft.com/office/drawing/2010/main" val="0"/>
+                </a:ext>
+              </a:extLst>
+            </a:blip>
+            <a:stretch>
+              <a:fillRect/>
+            </a:stretch>
+          </p:blipFill>
+          <p:spPr>
+            <a:xfrm>
+              <a:off x="9156527" y="1766170"/>
+              <a:ext cx="2160000" cy="2160000"/>
+            </a:xfrm>
+            <a:prstGeom prst="rect">
+              <a:avLst/>
+            </a:prstGeom>
+          </p:spPr>
+        </p:pic>
+        <p:sp>
+          <p:nvSpPr>
+            <p:cNvPr id="31" name="Rectangle 30">
+              <a:extLst>
+                <a:ext uri="{FF2B5EF4-FFF2-40B4-BE49-F238E27FC236}">
+                  <a16:creationId xmlns:a16="http://schemas.microsoft.com/office/drawing/2014/main" id="{853137A6-EFD2-8B40-AA5A-22386367FA87}"/>
+                </a:ext>
+              </a:extLst>
+            </p:cNvPr>
+            <p:cNvSpPr/>
+            <p:nvPr/>
+          </p:nvSpPr>
+          <p:spPr>
+            <a:xfrm>
+              <a:off x="9425097" y="2122422"/>
+              <a:ext cx="1572756" cy="1134345"/>
+            </a:xfrm>
+            <a:prstGeom prst="rect">
+              <a:avLst/>
+            </a:prstGeom>
+            <a:noFill/>
+            <a:ln>
+              <a:solidFill>
+                <a:schemeClr val="accent6">
+                  <a:lumMod val="60000"/>
+                  <a:lumOff val="40000"/>
+                </a:schemeClr>
+              </a:solidFill>
+            </a:ln>
+          </p:spPr>
+          <p:style>
+            <a:lnRef idx="2">
+              <a:schemeClr val="accent1">
+                <a:shade val="50000"/>
+              </a:schemeClr>
+            </a:lnRef>
+            <a:fillRef idx="1">
+              <a:schemeClr val="accent1"/>
+            </a:fillRef>
+            <a:effectRef idx="0">
+              <a:schemeClr val="accent1"/>
+            </a:effectRef>
+            <a:fontRef idx="minor">
+              <a:schemeClr val="lt1"/>
+            </a:fontRef>
+          </p:style>
+          <p:txBody>
+            <a:bodyPr rtlCol="0" anchor="ctr"/>
+            <a:lstStyle/>
+            <a:p>
+              <a:pPr algn="ctr"/>
+              <a:endParaRPr lang="en-US"/>
+            </a:p>
+          </p:txBody>
+        </p:sp>
+      </p:grpSp>
+      <p:sp>
+        <p:nvSpPr>
+          <p:cNvPr id="32" name="Rectangle 31">
+            <a:extLst>
+              <a:ext uri="{FF2B5EF4-FFF2-40B4-BE49-F238E27FC236}">
+                <a16:creationId xmlns:a16="http://schemas.microsoft.com/office/drawing/2014/main" id="{D2646FB7-E048-DF43-BF8F-3ED87E796D03}"/>
+              </a:ext>
+            </a:extLst>
+          </p:cNvPr>
+          <p:cNvSpPr/>
+          <p:nvPr/>
+        </p:nvSpPr>
+        <p:spPr>
+          <a:xfrm>
+            <a:off x="1783059" y="4155804"/>
+            <a:ext cx="1572756" cy="1134345"/>
+          </a:xfrm>
+          <a:prstGeom prst="rect">
+            <a:avLst/>
+          </a:prstGeom>
+          <a:noFill/>
+          <a:ln>
+            <a:solidFill>
+              <a:srgbClr val="FF0000"/>
+            </a:solidFill>
+          </a:ln>
+        </p:spPr>
+        <p:style>
+          <a:lnRef idx="2">
+            <a:schemeClr val="accent1">
+              <a:shade val="50000"/>
+            </a:schemeClr>
+          </a:lnRef>
+          <a:fillRef idx="1">
+            <a:schemeClr val="accent1"/>
+          </a:fillRef>
+          <a:effectRef idx="0">
+            <a:schemeClr val="accent1"/>
+          </a:effectRef>
+          <a:fontRef idx="minor">
+            <a:schemeClr val="lt1"/>
+          </a:fontRef>
+        </p:style>
+        <p:txBody>
+          <a:bodyPr rtlCol="0" anchor="ctr"/>
+          <a:lstStyle/>
+          <a:p>
+            <a:pPr algn="ctr"/>
+            <a:endParaRPr lang="en-US"/>
+          </a:p>
+        </p:txBody>
+      </p:sp>
+      <p:grpSp>
+        <p:nvGrpSpPr>
+          <p:cNvPr id="33" name="Group 32">
+            <a:extLst>
+              <a:ext uri="{FF2B5EF4-FFF2-40B4-BE49-F238E27FC236}">
+                <a16:creationId xmlns:a16="http://schemas.microsoft.com/office/drawing/2014/main" id="{A0290EDE-0C7D-5F41-84D5-FE35C5F59224}"/>
+              </a:ext>
+            </a:extLst>
+          </p:cNvPr>
+          <p:cNvGrpSpPr/>
+          <p:nvPr/>
+        </p:nvGrpSpPr>
+        <p:grpSpPr>
+          <a:xfrm>
+            <a:off x="5313317" y="1269783"/>
+            <a:ext cx="2160000" cy="2160000"/>
+            <a:chOff x="9156527" y="1766170"/>
+            <a:chExt cx="2160000" cy="2160000"/>
+          </a:xfrm>
+        </p:grpSpPr>
+        <p:pic>
+          <p:nvPicPr>
+            <p:cNvPr id="34" name="Picture 33">
+              <a:extLst>
+                <a:ext uri="{FF2B5EF4-FFF2-40B4-BE49-F238E27FC236}">
+                  <a16:creationId xmlns:a16="http://schemas.microsoft.com/office/drawing/2014/main" id="{FFD649C2-5CFF-C546-988B-D004DF79B184}"/>
+                </a:ext>
+              </a:extLst>
+            </p:cNvPr>
+            <p:cNvPicPr>
+              <a:picLocks noChangeAspect="1"/>
+            </p:cNvPicPr>
+            <p:nvPr/>
+          </p:nvPicPr>
+          <p:blipFill>
+            <a:blip r:embed="rId2">
+              <a:extLst>
+                <a:ext uri="{28A0092B-C50C-407E-A947-70E740481C1C}">
+                  <a14:useLocalDpi xmlns:a14="http://schemas.microsoft.com/office/drawing/2010/main" val="0"/>
+                </a:ext>
+              </a:extLst>
+            </a:blip>
+            <a:stretch>
+              <a:fillRect/>
+            </a:stretch>
+          </p:blipFill>
+          <p:spPr>
+            <a:xfrm>
+              <a:off x="9156527" y="1766170"/>
+              <a:ext cx="2160000" cy="2160000"/>
+            </a:xfrm>
+            <a:prstGeom prst="rect">
+              <a:avLst/>
+            </a:prstGeom>
+          </p:spPr>
+        </p:pic>
+        <p:sp>
+          <p:nvSpPr>
+            <p:cNvPr id="35" name="Rectangle 34">
+              <a:extLst>
+                <a:ext uri="{FF2B5EF4-FFF2-40B4-BE49-F238E27FC236}">
+                  <a16:creationId xmlns:a16="http://schemas.microsoft.com/office/drawing/2014/main" id="{58D754C1-C6D2-D44A-A8BA-0630DDC610C6}"/>
+                </a:ext>
+              </a:extLst>
+            </p:cNvPr>
+            <p:cNvSpPr/>
+            <p:nvPr/>
+          </p:nvSpPr>
+          <p:spPr>
+            <a:xfrm>
+              <a:off x="9425097" y="2122422"/>
+              <a:ext cx="1572756" cy="1134345"/>
+            </a:xfrm>
+            <a:prstGeom prst="rect">
+              <a:avLst/>
+            </a:prstGeom>
+            <a:noFill/>
+            <a:ln>
+              <a:solidFill>
+                <a:schemeClr val="accent6">
+                  <a:lumMod val="60000"/>
+                  <a:lumOff val="40000"/>
+                </a:schemeClr>
+              </a:solidFill>
+            </a:ln>
+          </p:spPr>
+          <p:style>
+            <a:lnRef idx="2">
+              <a:schemeClr val="accent1">
+                <a:shade val="50000"/>
+              </a:schemeClr>
+            </a:lnRef>
+            <a:fillRef idx="1">
+              <a:schemeClr val="accent1"/>
+            </a:fillRef>
+            <a:effectRef idx="0">
+              <a:schemeClr val="accent1"/>
+            </a:effectRef>
+            <a:fontRef idx="minor">
+              <a:schemeClr val="lt1"/>
+            </a:fontRef>
+          </p:style>
+          <p:txBody>
+            <a:bodyPr rtlCol="0" anchor="ctr"/>
+            <a:lstStyle/>
+            <a:p>
+              <a:pPr algn="ctr"/>
+              <a:endParaRPr lang="en-US"/>
+            </a:p>
+          </p:txBody>
+        </p:sp>
+      </p:grpSp>
+      <p:sp>
+        <p:nvSpPr>
+          <p:cNvPr id="36" name="Rectangle 35">
+            <a:extLst>
+              <a:ext uri="{FF2B5EF4-FFF2-40B4-BE49-F238E27FC236}">
+                <a16:creationId xmlns:a16="http://schemas.microsoft.com/office/drawing/2014/main" id="{FF5763A3-5671-6642-8D4F-EFED843FAF28}"/>
+              </a:ext>
+            </a:extLst>
+          </p:cNvPr>
+          <p:cNvSpPr/>
+          <p:nvPr/>
+        </p:nvSpPr>
+        <p:spPr>
+          <a:xfrm>
+            <a:off x="5770720" y="2851355"/>
+            <a:ext cx="1572756" cy="486577"/>
+          </a:xfrm>
+          <a:prstGeom prst="rect">
+            <a:avLst/>
+          </a:prstGeom>
+          <a:noFill/>
+          <a:ln>
+            <a:solidFill>
+              <a:srgbClr val="FF0000"/>
+            </a:solidFill>
+          </a:ln>
+        </p:spPr>
+        <p:style>
+          <a:lnRef idx="2">
+            <a:schemeClr val="accent1">
+              <a:shade val="50000"/>
+            </a:schemeClr>
+          </a:lnRef>
+          <a:fillRef idx="1">
+            <a:schemeClr val="accent1"/>
+          </a:fillRef>
+          <a:effectRef idx="0">
+            <a:schemeClr val="accent1"/>
+          </a:effectRef>
+          <a:fontRef idx="minor">
+            <a:schemeClr val="lt1"/>
+          </a:fontRef>
+        </p:style>
+        <p:txBody>
+          <a:bodyPr rtlCol="0" anchor="ctr"/>
+          <a:lstStyle/>
+          <a:p>
+            <a:pPr algn="ctr"/>
+            <a:endParaRPr lang="en-US"/>
+          </a:p>
+        </p:txBody>
+      </p:sp>
+      <p:grpSp>
+        <p:nvGrpSpPr>
+          <p:cNvPr id="37" name="Group 36">
+            <a:extLst>
+              <a:ext uri="{FF2B5EF4-FFF2-40B4-BE49-F238E27FC236}">
+                <a16:creationId xmlns:a16="http://schemas.microsoft.com/office/drawing/2014/main" id="{8A34D17B-464A-BC49-AB92-C6200F6D1073}"/>
+              </a:ext>
+            </a:extLst>
+          </p:cNvPr>
+          <p:cNvGrpSpPr/>
+          <p:nvPr/>
+        </p:nvGrpSpPr>
+        <p:grpSpPr>
+          <a:xfrm>
+            <a:off x="4608698" y="3657600"/>
+            <a:ext cx="2160000" cy="2160000"/>
+            <a:chOff x="9156527" y="1766170"/>
+            <a:chExt cx="2160000" cy="2160000"/>
+          </a:xfrm>
+        </p:grpSpPr>
+        <p:pic>
+          <p:nvPicPr>
+            <p:cNvPr id="38" name="Picture 37">
+              <a:extLst>
+                <a:ext uri="{FF2B5EF4-FFF2-40B4-BE49-F238E27FC236}">
+                  <a16:creationId xmlns:a16="http://schemas.microsoft.com/office/drawing/2014/main" id="{45FDEE88-DB4C-DD46-B579-AC00AE3BB1D7}"/>
+                </a:ext>
+              </a:extLst>
+            </p:cNvPr>
+            <p:cNvPicPr>
+              <a:picLocks noChangeAspect="1"/>
+            </p:cNvPicPr>
+            <p:nvPr/>
+          </p:nvPicPr>
+          <p:blipFill>
+            <a:blip r:embed="rId2">
+              <a:extLst>
+                <a:ext uri="{28A0092B-C50C-407E-A947-70E740481C1C}">
+                  <a14:useLocalDpi xmlns:a14="http://schemas.microsoft.com/office/drawing/2010/main" val="0"/>
+                </a:ext>
+              </a:extLst>
+            </a:blip>
+            <a:stretch>
+              <a:fillRect/>
+            </a:stretch>
+          </p:blipFill>
+          <p:spPr>
+            <a:xfrm>
+              <a:off x="9156527" y="1766170"/>
+              <a:ext cx="2160000" cy="2160000"/>
+            </a:xfrm>
+            <a:prstGeom prst="rect">
+              <a:avLst/>
+            </a:prstGeom>
+          </p:spPr>
+        </p:pic>
+        <p:sp>
+          <p:nvSpPr>
+            <p:cNvPr id="39" name="Rectangle 38">
+              <a:extLst>
+                <a:ext uri="{FF2B5EF4-FFF2-40B4-BE49-F238E27FC236}">
+                  <a16:creationId xmlns:a16="http://schemas.microsoft.com/office/drawing/2014/main" id="{31187BE5-BA58-D544-9563-6E65B6A3321D}"/>
+                </a:ext>
+              </a:extLst>
+            </p:cNvPr>
+            <p:cNvSpPr/>
+            <p:nvPr/>
+          </p:nvSpPr>
+          <p:spPr>
+            <a:xfrm>
+              <a:off x="9425097" y="2122422"/>
+              <a:ext cx="1572756" cy="1134345"/>
+            </a:xfrm>
+            <a:prstGeom prst="rect">
+              <a:avLst/>
+            </a:prstGeom>
+            <a:noFill/>
+            <a:ln>
+              <a:solidFill>
+                <a:srgbClr val="FF0000"/>
+              </a:solidFill>
+            </a:ln>
+          </p:spPr>
+          <p:style>
+            <a:lnRef idx="2">
+              <a:schemeClr val="accent1">
+                <a:shade val="50000"/>
+              </a:schemeClr>
+            </a:lnRef>
+            <a:fillRef idx="1">
+              <a:schemeClr val="accent1"/>
+            </a:fillRef>
+            <a:effectRef idx="0">
+              <a:schemeClr val="accent1"/>
+            </a:effectRef>
+            <a:fontRef idx="minor">
+              <a:schemeClr val="lt1"/>
+            </a:fontRef>
+          </p:style>
+          <p:txBody>
+            <a:bodyPr rtlCol="0" anchor="ctr"/>
+            <a:lstStyle/>
+            <a:p>
+              <a:pPr algn="ctr"/>
+              <a:endParaRPr lang="en-US"/>
+            </a:p>
+          </p:txBody>
+        </p:sp>
+      </p:grpSp>
+    </p:spTree>
+    <p:extLst>
+      <p:ext uri="{BB962C8B-B14F-4D97-AF65-F5344CB8AC3E}">
+        <p14:creationId xmlns:p14="http://schemas.microsoft.com/office/powerpoint/2010/main" val="3802950041"/>
+      </p:ext>
+    </p:extLst>
+  </p:cSld>
+  <p:clrMapOvr>
+    <a:masterClrMapping/>
+  </p:clrMapOvr>
+</p:sld>
+</file>
+
 <file path=ppt/slides/slide2.xml><?xml version="1.0" encoding="utf-8"?>
 <p:sld xmlns:a="http://schemas.openxmlformats.org/drawingml/2006/main" xmlns:r="http://schemas.openxmlformats.org/officeDocument/2006/relationships" xmlns:p="http://schemas.openxmlformats.org/presentationml/2006/main">
   <p:cSld>
@@ -26754,8 +27386,8 @@
         </p:nvSpPr>
         <p:spPr>
           <a:xfrm>
-            <a:off x="956550" y="2531769"/>
-            <a:ext cx="1340285" cy="1857351"/>
+            <a:off x="1119934" y="2531769"/>
+            <a:ext cx="1253193" cy="2149737"/>
           </a:xfrm>
           <a:prstGeom prst="rect">
             <a:avLst/>
@@ -27000,8 +27632,8 @@
         </p:nvSpPr>
         <p:spPr>
           <a:xfrm>
-            <a:off x="6236208" y="-73151"/>
-            <a:ext cx="3101835" cy="3336058"/>
+            <a:off x="6684467" y="-8524"/>
+            <a:ext cx="1935730" cy="1972029"/>
           </a:xfrm>
           <a:prstGeom prst="rect">
             <a:avLst/>
@@ -27246,8 +27878,8 @@
         </p:nvSpPr>
         <p:spPr>
           <a:xfrm>
-            <a:off x="6871737" y="4882896"/>
-            <a:ext cx="3021213" cy="859718"/>
+            <a:off x="6684467" y="4882896"/>
+            <a:ext cx="3036003" cy="1331964"/>
           </a:xfrm>
           <a:prstGeom prst="rect">
             <a:avLst/>
@@ -27492,8 +28124,8 @@
         </p:nvSpPr>
         <p:spPr>
           <a:xfrm>
-            <a:off x="12582144" y="1821007"/>
-            <a:ext cx="1572768" cy="709170"/>
+            <a:off x="11774535" y="1461959"/>
+            <a:ext cx="2020978" cy="769793"/>
           </a:xfrm>
           <a:prstGeom prst="rect">
             <a:avLst/>

--- a/ThesisLaTeX/fig.pptx
+++ b/ThesisLaTeX/fig.pptx
@@ -5,7 +5,7 @@
     <p:sldMasterId id="2147483648" r:id="rId1"/>
   </p:sldMasterIdLst>
   <p:notesMasterIdLst>
-    <p:notesMasterId r:id="rId12"/>
+    <p:notesMasterId r:id="rId13"/>
   </p:notesMasterIdLst>
   <p:sldIdLst>
     <p:sldId id="256" r:id="rId2"/>
@@ -18,6 +18,7 @@
     <p:sldId id="265" r:id="rId9"/>
     <p:sldId id="263" r:id="rId10"/>
     <p:sldId id="266" r:id="rId11"/>
+    <p:sldId id="267" r:id="rId12"/>
   </p:sldIdLst>
   <p:sldSz cx="12192000" cy="6858000"/>
   <p:notesSz cx="6858000" cy="9144000"/>
@@ -206,7 +207,7 @@
           <a:p>
             <a:fld id="{A0438485-CF21-3F47-A468-9A5AD0CFA17C}" type="datetimeFigureOut">
               <a:rPr lang="en-US" smtClean="0"/>
-              <a:t>3/26/18</a:t>
+              <a:t>3/29/18</a:t>
             </a:fld>
             <a:endParaRPr lang="en-US"/>
           </a:p>
@@ -704,7 +705,7 @@
           <a:p>
             <a:fld id="{FBFF591B-33EC-0C40-B0D5-15169D3664A5}" type="datetimeFigureOut">
               <a:rPr lang="en-US" smtClean="0"/>
-              <a:t>3/26/18</a:t>
+              <a:t>3/29/18</a:t>
             </a:fld>
             <a:endParaRPr lang="en-US"/>
           </a:p>
@@ -902,7 +903,7 @@
           <a:p>
             <a:fld id="{FBFF591B-33EC-0C40-B0D5-15169D3664A5}" type="datetimeFigureOut">
               <a:rPr lang="en-US" smtClean="0"/>
-              <a:t>3/26/18</a:t>
+              <a:t>3/29/18</a:t>
             </a:fld>
             <a:endParaRPr lang="en-US"/>
           </a:p>
@@ -1110,7 +1111,7 @@
           <a:p>
             <a:fld id="{FBFF591B-33EC-0C40-B0D5-15169D3664A5}" type="datetimeFigureOut">
               <a:rPr lang="en-US" smtClean="0"/>
-              <a:t>3/26/18</a:t>
+              <a:t>3/29/18</a:t>
             </a:fld>
             <a:endParaRPr lang="en-US"/>
           </a:p>
@@ -1308,7 +1309,7 @@
           <a:p>
             <a:fld id="{FBFF591B-33EC-0C40-B0D5-15169D3664A5}" type="datetimeFigureOut">
               <a:rPr lang="en-US" smtClean="0"/>
-              <a:t>3/26/18</a:t>
+              <a:t>3/29/18</a:t>
             </a:fld>
             <a:endParaRPr lang="en-US"/>
           </a:p>
@@ -1583,7 +1584,7 @@
           <a:p>
             <a:fld id="{FBFF591B-33EC-0C40-B0D5-15169D3664A5}" type="datetimeFigureOut">
               <a:rPr lang="en-US" smtClean="0"/>
-              <a:t>3/26/18</a:t>
+              <a:t>3/29/18</a:t>
             </a:fld>
             <a:endParaRPr lang="en-US"/>
           </a:p>
@@ -1848,7 +1849,7 @@
           <a:p>
             <a:fld id="{FBFF591B-33EC-0C40-B0D5-15169D3664A5}" type="datetimeFigureOut">
               <a:rPr lang="en-US" smtClean="0"/>
-              <a:t>3/26/18</a:t>
+              <a:t>3/29/18</a:t>
             </a:fld>
             <a:endParaRPr lang="en-US"/>
           </a:p>
@@ -2260,7 +2261,7 @@
           <a:p>
             <a:fld id="{FBFF591B-33EC-0C40-B0D5-15169D3664A5}" type="datetimeFigureOut">
               <a:rPr lang="en-US" smtClean="0"/>
-              <a:t>3/26/18</a:t>
+              <a:t>3/29/18</a:t>
             </a:fld>
             <a:endParaRPr lang="en-US"/>
           </a:p>
@@ -2401,7 +2402,7 @@
           <a:p>
             <a:fld id="{FBFF591B-33EC-0C40-B0D5-15169D3664A5}" type="datetimeFigureOut">
               <a:rPr lang="en-US" smtClean="0"/>
-              <a:t>3/26/18</a:t>
+              <a:t>3/29/18</a:t>
             </a:fld>
             <a:endParaRPr lang="en-US"/>
           </a:p>
@@ -2514,7 +2515,7 @@
           <a:p>
             <a:fld id="{FBFF591B-33EC-0C40-B0D5-15169D3664A5}" type="datetimeFigureOut">
               <a:rPr lang="en-US" smtClean="0"/>
-              <a:t>3/26/18</a:t>
+              <a:t>3/29/18</a:t>
             </a:fld>
             <a:endParaRPr lang="en-US"/>
           </a:p>
@@ -2825,7 +2826,7 @@
           <a:p>
             <a:fld id="{FBFF591B-33EC-0C40-B0D5-15169D3664A5}" type="datetimeFigureOut">
               <a:rPr lang="en-US" smtClean="0"/>
-              <a:t>3/26/18</a:t>
+              <a:t>3/29/18</a:t>
             </a:fld>
             <a:endParaRPr lang="en-US"/>
           </a:p>
@@ -3113,7 +3114,7 @@
           <a:p>
             <a:fld id="{FBFF591B-33EC-0C40-B0D5-15169D3664A5}" type="datetimeFigureOut">
               <a:rPr lang="en-US" smtClean="0"/>
-              <a:t>3/26/18</a:t>
+              <a:t>3/29/18</a:t>
             </a:fld>
             <a:endParaRPr lang="en-US"/>
           </a:p>
@@ -3354,7 +3355,7 @@
           <a:p>
             <a:fld id="{FBFF591B-33EC-0C40-B0D5-15169D3664A5}" type="datetimeFigureOut">
               <a:rPr lang="en-US" smtClean="0"/>
-              <a:t>3/26/18</a:t>
+              <a:t>3/29/18</a:t>
             </a:fld>
             <a:endParaRPr lang="en-US"/>
           </a:p>
@@ -5274,6 +5275,3357 @@
     <p:extLst>
       <p:ext uri="{BB962C8B-B14F-4D97-AF65-F5344CB8AC3E}">
         <p14:creationId xmlns:p14="http://schemas.microsoft.com/office/powerpoint/2010/main" val="3802950041"/>
+      </p:ext>
+    </p:extLst>
+  </p:cSld>
+  <p:clrMapOvr>
+    <a:masterClrMapping/>
+  </p:clrMapOvr>
+</p:sld>
+</file>
+
+<file path=ppt/slides/slide11.xml><?xml version="1.0" encoding="utf-8"?>
+<p:sld xmlns:a="http://schemas.openxmlformats.org/drawingml/2006/main" xmlns:r="http://schemas.openxmlformats.org/officeDocument/2006/relationships" xmlns:p="http://schemas.openxmlformats.org/presentationml/2006/main">
+  <p:cSld>
+    <p:spTree>
+      <p:nvGrpSpPr>
+        <p:cNvPr id="1" name=""/>
+        <p:cNvGrpSpPr/>
+        <p:nvPr/>
+      </p:nvGrpSpPr>
+      <p:grpSpPr>
+        <a:xfrm>
+          <a:off x="0" y="0"/>
+          <a:ext cx="0" cy="0"/>
+          <a:chOff x="0" y="0"/>
+          <a:chExt cx="0" cy="0"/>
+        </a:xfrm>
+      </p:grpSpPr>
+      <p:grpSp>
+        <p:nvGrpSpPr>
+          <p:cNvPr id="20" name="Group 19">
+            <a:extLst>
+              <a:ext uri="{FF2B5EF4-FFF2-40B4-BE49-F238E27FC236}">
+                <a16:creationId xmlns:a16="http://schemas.microsoft.com/office/drawing/2014/main" id="{5D9506C0-072C-8B43-880E-DBDCE0A69880}"/>
+              </a:ext>
+            </a:extLst>
+          </p:cNvPr>
+          <p:cNvGrpSpPr/>
+          <p:nvPr/>
+        </p:nvGrpSpPr>
+        <p:grpSpPr>
+          <a:xfrm>
+            <a:off x="0" y="0"/>
+            <a:ext cx="2160000" cy="2160000"/>
+            <a:chOff x="629094" y="1312745"/>
+            <a:chExt cx="4320001" cy="4320000"/>
+          </a:xfrm>
+        </p:grpSpPr>
+        <p:pic>
+          <p:nvPicPr>
+            <p:cNvPr id="4" name="Picture 3">
+              <a:extLst>
+                <a:ext uri="{FF2B5EF4-FFF2-40B4-BE49-F238E27FC236}">
+                  <a16:creationId xmlns:a16="http://schemas.microsoft.com/office/drawing/2014/main" id="{C990CB5C-1DF5-254B-B86B-FFC5C60FEDED}"/>
+                </a:ext>
+              </a:extLst>
+            </p:cNvPr>
+            <p:cNvPicPr>
+              <a:picLocks noChangeAspect="1"/>
+            </p:cNvPicPr>
+            <p:nvPr/>
+          </p:nvPicPr>
+          <p:blipFill rotWithShape="1">
+            <a:blip r:embed="rId2"/>
+            <a:srcRect l="16785" t="17995" r="26573" b="25363"/>
+            <a:stretch/>
+          </p:blipFill>
+          <p:spPr>
+            <a:xfrm>
+              <a:off x="629094" y="1312745"/>
+              <a:ext cx="4320001" cy="4320000"/>
+            </a:xfrm>
+            <a:prstGeom prst="rect">
+              <a:avLst/>
+            </a:prstGeom>
+          </p:spPr>
+        </p:pic>
+        <p:sp>
+          <p:nvSpPr>
+            <p:cNvPr id="5" name="Rectangle 4">
+              <a:extLst>
+                <a:ext uri="{FF2B5EF4-FFF2-40B4-BE49-F238E27FC236}">
+                  <a16:creationId xmlns:a16="http://schemas.microsoft.com/office/drawing/2014/main" id="{AA70F4C7-10CD-C641-AA76-88EA9C5564A0}"/>
+                </a:ext>
+              </a:extLst>
+            </p:cNvPr>
+            <p:cNvSpPr/>
+            <p:nvPr/>
+          </p:nvSpPr>
+          <p:spPr>
+            <a:xfrm>
+              <a:off x="1852794" y="2231753"/>
+              <a:ext cx="1646499" cy="1749254"/>
+            </a:xfrm>
+            <a:prstGeom prst="rect">
+              <a:avLst/>
+            </a:prstGeom>
+            <a:noFill/>
+            <a:ln>
+              <a:solidFill>
+                <a:schemeClr val="accent6">
+                  <a:lumMod val="60000"/>
+                  <a:lumOff val="40000"/>
+                </a:schemeClr>
+              </a:solidFill>
+            </a:ln>
+          </p:spPr>
+          <p:style>
+            <a:lnRef idx="2">
+              <a:schemeClr val="accent1">
+                <a:shade val="50000"/>
+              </a:schemeClr>
+            </a:lnRef>
+            <a:fillRef idx="1">
+              <a:schemeClr val="accent1"/>
+            </a:fillRef>
+            <a:effectRef idx="0">
+              <a:schemeClr val="accent1"/>
+            </a:effectRef>
+            <a:fontRef idx="minor">
+              <a:schemeClr val="lt1"/>
+            </a:fontRef>
+          </p:style>
+          <p:txBody>
+            <a:bodyPr rtlCol="0" anchor="ctr"/>
+            <a:lstStyle/>
+            <a:p>
+              <a:pPr algn="ctr"/>
+              <a:endParaRPr lang="en-US"/>
+            </a:p>
+          </p:txBody>
+        </p:sp>
+        <p:sp>
+          <p:nvSpPr>
+            <p:cNvPr id="6" name="Rectangle 5">
+              <a:extLst>
+                <a:ext uri="{FF2B5EF4-FFF2-40B4-BE49-F238E27FC236}">
+                  <a16:creationId xmlns:a16="http://schemas.microsoft.com/office/drawing/2014/main" id="{756BD547-F427-CD47-8517-18188B904583}"/>
+                </a:ext>
+              </a:extLst>
+            </p:cNvPr>
+            <p:cNvSpPr/>
+            <p:nvPr/>
+          </p:nvSpPr>
+          <p:spPr>
+            <a:xfrm>
+              <a:off x="3076495" y="1469753"/>
+              <a:ext cx="1518860" cy="1533354"/>
+            </a:xfrm>
+            <a:prstGeom prst="rect">
+              <a:avLst/>
+            </a:prstGeom>
+            <a:noFill/>
+            <a:ln>
+              <a:solidFill>
+                <a:schemeClr val="accent6">
+                  <a:lumMod val="60000"/>
+                  <a:lumOff val="40000"/>
+                </a:schemeClr>
+              </a:solidFill>
+            </a:ln>
+          </p:spPr>
+          <p:style>
+            <a:lnRef idx="2">
+              <a:schemeClr val="accent1">
+                <a:shade val="50000"/>
+              </a:schemeClr>
+            </a:lnRef>
+            <a:fillRef idx="1">
+              <a:schemeClr val="accent1"/>
+            </a:fillRef>
+            <a:effectRef idx="0">
+              <a:schemeClr val="accent1"/>
+            </a:effectRef>
+            <a:fontRef idx="minor">
+              <a:schemeClr val="lt1"/>
+            </a:fontRef>
+          </p:style>
+          <p:txBody>
+            <a:bodyPr rtlCol="0" anchor="ctr"/>
+            <a:lstStyle/>
+            <a:p>
+              <a:pPr algn="ctr"/>
+              <a:endParaRPr lang="en-US"/>
+            </a:p>
+          </p:txBody>
+        </p:sp>
+        <p:sp>
+          <p:nvSpPr>
+            <p:cNvPr id="7" name="Rectangle 6">
+              <a:extLst>
+                <a:ext uri="{FF2B5EF4-FFF2-40B4-BE49-F238E27FC236}">
+                  <a16:creationId xmlns:a16="http://schemas.microsoft.com/office/drawing/2014/main" id="{41DB907F-F12A-B74C-AD29-47575DFD6CFE}"/>
+                </a:ext>
+              </a:extLst>
+            </p:cNvPr>
+            <p:cNvSpPr/>
+            <p:nvPr/>
+          </p:nvSpPr>
+          <p:spPr>
+            <a:xfrm>
+              <a:off x="803445" y="2888107"/>
+              <a:ext cx="1124436" cy="2388300"/>
+            </a:xfrm>
+            <a:prstGeom prst="rect">
+              <a:avLst/>
+            </a:prstGeom>
+            <a:noFill/>
+            <a:ln>
+              <a:solidFill>
+                <a:schemeClr val="accent6">
+                  <a:lumMod val="60000"/>
+                  <a:lumOff val="40000"/>
+                </a:schemeClr>
+              </a:solidFill>
+            </a:ln>
+          </p:spPr>
+          <p:style>
+            <a:lnRef idx="2">
+              <a:schemeClr val="accent1">
+                <a:shade val="50000"/>
+              </a:schemeClr>
+            </a:lnRef>
+            <a:fillRef idx="1">
+              <a:schemeClr val="accent1"/>
+            </a:fillRef>
+            <a:effectRef idx="0">
+              <a:schemeClr val="accent1"/>
+            </a:effectRef>
+            <a:fontRef idx="minor">
+              <a:schemeClr val="lt1"/>
+            </a:fontRef>
+          </p:style>
+          <p:txBody>
+            <a:bodyPr rtlCol="0" anchor="ctr"/>
+            <a:lstStyle/>
+            <a:p>
+              <a:pPr algn="ctr"/>
+              <a:endParaRPr lang="en-US"/>
+            </a:p>
+          </p:txBody>
+        </p:sp>
+        <p:sp>
+          <p:nvSpPr>
+            <p:cNvPr id="8" name="Rectangle 7">
+              <a:extLst>
+                <a:ext uri="{FF2B5EF4-FFF2-40B4-BE49-F238E27FC236}">
+                  <a16:creationId xmlns:a16="http://schemas.microsoft.com/office/drawing/2014/main" id="{750A9A34-CF0F-5146-B4D6-77C460D2FCF4}"/>
+                </a:ext>
+              </a:extLst>
+            </p:cNvPr>
+            <p:cNvSpPr/>
+            <p:nvPr/>
+          </p:nvSpPr>
+          <p:spPr>
+            <a:xfrm>
+              <a:off x="1119934" y="2531769"/>
+              <a:ext cx="1253193" cy="2149737"/>
+            </a:xfrm>
+            <a:prstGeom prst="rect">
+              <a:avLst/>
+            </a:prstGeom>
+            <a:noFill/>
+            <a:ln>
+              <a:solidFill>
+                <a:srgbClr val="FF0000"/>
+              </a:solidFill>
+            </a:ln>
+          </p:spPr>
+          <p:style>
+            <a:lnRef idx="2">
+              <a:schemeClr val="accent1">
+                <a:shade val="50000"/>
+              </a:schemeClr>
+            </a:lnRef>
+            <a:fillRef idx="1">
+              <a:schemeClr val="accent1"/>
+            </a:fillRef>
+            <a:effectRef idx="0">
+              <a:schemeClr val="accent1"/>
+            </a:effectRef>
+            <a:fontRef idx="minor">
+              <a:schemeClr val="lt1"/>
+            </a:fontRef>
+          </p:style>
+          <p:txBody>
+            <a:bodyPr rtlCol="0" anchor="ctr"/>
+            <a:lstStyle/>
+            <a:p>
+              <a:pPr algn="ctr"/>
+              <a:endParaRPr lang="en-US"/>
+            </a:p>
+          </p:txBody>
+        </p:sp>
+        <p:sp>
+          <p:nvSpPr>
+            <p:cNvPr id="9" name="Rectangle 8">
+              <a:extLst>
+                <a:ext uri="{FF2B5EF4-FFF2-40B4-BE49-F238E27FC236}">
+                  <a16:creationId xmlns:a16="http://schemas.microsoft.com/office/drawing/2014/main" id="{53D301E5-D35E-7942-A05D-6DD776A2AA6D}"/>
+                </a:ext>
+              </a:extLst>
+            </p:cNvPr>
+            <p:cNvSpPr/>
+            <p:nvPr/>
+          </p:nvSpPr>
+          <p:spPr>
+            <a:xfrm>
+              <a:off x="1456872" y="1635070"/>
+              <a:ext cx="1253193" cy="2149737"/>
+            </a:xfrm>
+            <a:prstGeom prst="rect">
+              <a:avLst/>
+            </a:prstGeom>
+            <a:noFill/>
+            <a:ln>
+              <a:solidFill>
+                <a:srgbClr val="FF0000"/>
+              </a:solidFill>
+            </a:ln>
+          </p:spPr>
+          <p:style>
+            <a:lnRef idx="2">
+              <a:schemeClr val="accent1">
+                <a:shade val="50000"/>
+              </a:schemeClr>
+            </a:lnRef>
+            <a:fillRef idx="1">
+              <a:schemeClr val="accent1"/>
+            </a:fillRef>
+            <a:effectRef idx="0">
+              <a:schemeClr val="accent1"/>
+            </a:effectRef>
+            <a:fontRef idx="minor">
+              <a:schemeClr val="lt1"/>
+            </a:fontRef>
+          </p:style>
+          <p:txBody>
+            <a:bodyPr rtlCol="0" anchor="ctr"/>
+            <a:lstStyle/>
+            <a:p>
+              <a:pPr algn="ctr"/>
+              <a:endParaRPr lang="en-US"/>
+            </a:p>
+          </p:txBody>
+        </p:sp>
+        <p:sp>
+          <p:nvSpPr>
+            <p:cNvPr id="10" name="Rectangle 9">
+              <a:extLst>
+                <a:ext uri="{FF2B5EF4-FFF2-40B4-BE49-F238E27FC236}">
+                  <a16:creationId xmlns:a16="http://schemas.microsoft.com/office/drawing/2014/main" id="{241662BE-442C-D34A-B272-443E73741280}"/>
+                </a:ext>
+              </a:extLst>
+            </p:cNvPr>
+            <p:cNvSpPr/>
+            <p:nvPr/>
+          </p:nvSpPr>
+          <p:spPr>
+            <a:xfrm>
+              <a:off x="974158" y="1957395"/>
+              <a:ext cx="1253193" cy="2149737"/>
+            </a:xfrm>
+            <a:prstGeom prst="rect">
+              <a:avLst/>
+            </a:prstGeom>
+            <a:noFill/>
+            <a:ln>
+              <a:solidFill>
+                <a:srgbClr val="FF0000"/>
+              </a:solidFill>
+            </a:ln>
+          </p:spPr>
+          <p:style>
+            <a:lnRef idx="2">
+              <a:schemeClr val="accent1">
+                <a:shade val="50000"/>
+              </a:schemeClr>
+            </a:lnRef>
+            <a:fillRef idx="1">
+              <a:schemeClr val="accent1"/>
+            </a:fillRef>
+            <a:effectRef idx="0">
+              <a:schemeClr val="accent1"/>
+            </a:effectRef>
+            <a:fontRef idx="minor">
+              <a:schemeClr val="lt1"/>
+            </a:fontRef>
+          </p:style>
+          <p:txBody>
+            <a:bodyPr rtlCol="0" anchor="ctr"/>
+            <a:lstStyle/>
+            <a:p>
+              <a:pPr algn="ctr"/>
+              <a:endParaRPr lang="en-US"/>
+            </a:p>
+          </p:txBody>
+        </p:sp>
+        <p:sp>
+          <p:nvSpPr>
+            <p:cNvPr id="11" name="Rectangle 10">
+              <a:extLst>
+                <a:ext uri="{FF2B5EF4-FFF2-40B4-BE49-F238E27FC236}">
+                  <a16:creationId xmlns:a16="http://schemas.microsoft.com/office/drawing/2014/main" id="{04D2F3D4-396A-9C45-8819-95010E23B607}"/>
+                </a:ext>
+              </a:extLst>
+            </p:cNvPr>
+            <p:cNvSpPr/>
+            <p:nvPr/>
+          </p:nvSpPr>
+          <p:spPr>
+            <a:xfrm>
+              <a:off x="2881920" y="1679239"/>
+              <a:ext cx="1253193" cy="2149737"/>
+            </a:xfrm>
+            <a:prstGeom prst="rect">
+              <a:avLst/>
+            </a:prstGeom>
+            <a:noFill/>
+            <a:ln>
+              <a:solidFill>
+                <a:srgbClr val="FF0000"/>
+              </a:solidFill>
+            </a:ln>
+          </p:spPr>
+          <p:style>
+            <a:lnRef idx="2">
+              <a:schemeClr val="accent1">
+                <a:shade val="50000"/>
+              </a:schemeClr>
+            </a:lnRef>
+            <a:fillRef idx="1">
+              <a:schemeClr val="accent1"/>
+            </a:fillRef>
+            <a:effectRef idx="0">
+              <a:schemeClr val="accent1"/>
+            </a:effectRef>
+            <a:fontRef idx="minor">
+              <a:schemeClr val="lt1"/>
+            </a:fontRef>
+          </p:style>
+          <p:txBody>
+            <a:bodyPr rtlCol="0" anchor="ctr"/>
+            <a:lstStyle/>
+            <a:p>
+              <a:pPr algn="ctr"/>
+              <a:endParaRPr lang="en-US"/>
+            </a:p>
+          </p:txBody>
+        </p:sp>
+        <p:sp>
+          <p:nvSpPr>
+            <p:cNvPr id="12" name="Rectangle 11">
+              <a:extLst>
+                <a:ext uri="{FF2B5EF4-FFF2-40B4-BE49-F238E27FC236}">
+                  <a16:creationId xmlns:a16="http://schemas.microsoft.com/office/drawing/2014/main" id="{A5BFE40C-0AB7-734F-A693-C141227F1191}"/>
+                </a:ext>
+              </a:extLst>
+            </p:cNvPr>
+            <p:cNvSpPr/>
+            <p:nvPr/>
+          </p:nvSpPr>
+          <p:spPr>
+            <a:xfrm>
+              <a:off x="3246176" y="2004254"/>
+              <a:ext cx="1253193" cy="2149737"/>
+            </a:xfrm>
+            <a:prstGeom prst="rect">
+              <a:avLst/>
+            </a:prstGeom>
+            <a:noFill/>
+            <a:ln>
+              <a:solidFill>
+                <a:srgbClr val="FF0000"/>
+              </a:solidFill>
+            </a:ln>
+          </p:spPr>
+          <p:style>
+            <a:lnRef idx="2">
+              <a:schemeClr val="accent1">
+                <a:shade val="50000"/>
+              </a:schemeClr>
+            </a:lnRef>
+            <a:fillRef idx="1">
+              <a:schemeClr val="accent1"/>
+            </a:fillRef>
+            <a:effectRef idx="0">
+              <a:schemeClr val="accent1"/>
+            </a:effectRef>
+            <a:fontRef idx="minor">
+              <a:schemeClr val="lt1"/>
+            </a:fontRef>
+          </p:style>
+          <p:txBody>
+            <a:bodyPr rtlCol="0" anchor="ctr"/>
+            <a:lstStyle/>
+            <a:p>
+              <a:pPr algn="ctr"/>
+              <a:endParaRPr lang="en-US"/>
+            </a:p>
+          </p:txBody>
+        </p:sp>
+        <p:sp>
+          <p:nvSpPr>
+            <p:cNvPr id="13" name="Rectangle 12">
+              <a:extLst>
+                <a:ext uri="{FF2B5EF4-FFF2-40B4-BE49-F238E27FC236}">
+                  <a16:creationId xmlns:a16="http://schemas.microsoft.com/office/drawing/2014/main" id="{DB183AAA-637E-7847-8FBE-76F2FE1C5918}"/>
+                </a:ext>
+              </a:extLst>
+            </p:cNvPr>
+            <p:cNvSpPr/>
+            <p:nvPr/>
+          </p:nvSpPr>
+          <p:spPr>
+            <a:xfrm>
+              <a:off x="2523593" y="3164431"/>
+              <a:ext cx="1253193" cy="2149737"/>
+            </a:xfrm>
+            <a:prstGeom prst="rect">
+              <a:avLst/>
+            </a:prstGeom>
+            <a:noFill/>
+            <a:ln>
+              <a:solidFill>
+                <a:srgbClr val="FF0000"/>
+              </a:solidFill>
+            </a:ln>
+          </p:spPr>
+          <p:style>
+            <a:lnRef idx="2">
+              <a:schemeClr val="accent1">
+                <a:shade val="50000"/>
+              </a:schemeClr>
+            </a:lnRef>
+            <a:fillRef idx="1">
+              <a:schemeClr val="accent1"/>
+            </a:fillRef>
+            <a:effectRef idx="0">
+              <a:schemeClr val="accent1"/>
+            </a:effectRef>
+            <a:fontRef idx="minor">
+              <a:schemeClr val="lt1"/>
+            </a:fontRef>
+          </p:style>
+          <p:txBody>
+            <a:bodyPr rtlCol="0" anchor="ctr"/>
+            <a:lstStyle/>
+            <a:p>
+              <a:pPr algn="ctr"/>
+              <a:endParaRPr lang="en-US"/>
+            </a:p>
+          </p:txBody>
+        </p:sp>
+        <p:sp>
+          <p:nvSpPr>
+            <p:cNvPr id="14" name="Rectangle 13">
+              <a:extLst>
+                <a:ext uri="{FF2B5EF4-FFF2-40B4-BE49-F238E27FC236}">
+                  <a16:creationId xmlns:a16="http://schemas.microsoft.com/office/drawing/2014/main" id="{42264374-30CB-E743-9B35-08316AD3E716}"/>
+                </a:ext>
+              </a:extLst>
+            </p:cNvPr>
+            <p:cNvSpPr/>
+            <p:nvPr/>
+          </p:nvSpPr>
+          <p:spPr>
+            <a:xfrm>
+              <a:off x="3023162" y="3352426"/>
+              <a:ext cx="1253193" cy="2149737"/>
+            </a:xfrm>
+            <a:prstGeom prst="rect">
+              <a:avLst/>
+            </a:prstGeom>
+            <a:noFill/>
+            <a:ln>
+              <a:solidFill>
+                <a:srgbClr val="FF0000"/>
+              </a:solidFill>
+            </a:ln>
+          </p:spPr>
+          <p:style>
+            <a:lnRef idx="2">
+              <a:schemeClr val="accent1">
+                <a:shade val="50000"/>
+              </a:schemeClr>
+            </a:lnRef>
+            <a:fillRef idx="1">
+              <a:schemeClr val="accent1"/>
+            </a:fillRef>
+            <a:effectRef idx="0">
+              <a:schemeClr val="accent1"/>
+            </a:effectRef>
+            <a:fontRef idx="minor">
+              <a:schemeClr val="lt1"/>
+            </a:fontRef>
+          </p:style>
+          <p:txBody>
+            <a:bodyPr rtlCol="0" anchor="ctr"/>
+            <a:lstStyle/>
+            <a:p>
+              <a:pPr algn="ctr"/>
+              <a:endParaRPr lang="en-US"/>
+            </a:p>
+          </p:txBody>
+        </p:sp>
+        <p:sp>
+          <p:nvSpPr>
+            <p:cNvPr id="15" name="Rectangle 14">
+              <a:extLst>
+                <a:ext uri="{FF2B5EF4-FFF2-40B4-BE49-F238E27FC236}">
+                  <a16:creationId xmlns:a16="http://schemas.microsoft.com/office/drawing/2014/main" id="{8B5D4F53-D817-B34D-929F-2789D2D23F19}"/>
+                </a:ext>
+              </a:extLst>
+            </p:cNvPr>
+            <p:cNvSpPr/>
+            <p:nvPr/>
+          </p:nvSpPr>
+          <p:spPr>
+            <a:xfrm>
+              <a:off x="3366426" y="2611917"/>
+              <a:ext cx="1409498" cy="2149737"/>
+            </a:xfrm>
+            <a:prstGeom prst="rect">
+              <a:avLst/>
+            </a:prstGeom>
+            <a:noFill/>
+            <a:ln>
+              <a:solidFill>
+                <a:srgbClr val="FF0000"/>
+              </a:solidFill>
+            </a:ln>
+          </p:spPr>
+          <p:style>
+            <a:lnRef idx="2">
+              <a:schemeClr val="accent1">
+                <a:shade val="50000"/>
+              </a:schemeClr>
+            </a:lnRef>
+            <a:fillRef idx="1">
+              <a:schemeClr val="accent1"/>
+            </a:fillRef>
+            <a:effectRef idx="0">
+              <a:schemeClr val="accent1"/>
+            </a:effectRef>
+            <a:fontRef idx="minor">
+              <a:schemeClr val="lt1"/>
+            </a:fontRef>
+          </p:style>
+          <p:txBody>
+            <a:bodyPr rtlCol="0" anchor="ctr"/>
+            <a:lstStyle/>
+            <a:p>
+              <a:pPr algn="ctr"/>
+              <a:endParaRPr lang="en-US"/>
+            </a:p>
+          </p:txBody>
+        </p:sp>
+        <p:sp>
+          <p:nvSpPr>
+            <p:cNvPr id="16" name="Rectangle 15">
+              <a:extLst>
+                <a:ext uri="{FF2B5EF4-FFF2-40B4-BE49-F238E27FC236}">
+                  <a16:creationId xmlns:a16="http://schemas.microsoft.com/office/drawing/2014/main" id="{CD2ED9BA-DD49-FA48-9AE8-F6028389832B}"/>
+                </a:ext>
+              </a:extLst>
+            </p:cNvPr>
+            <p:cNvSpPr/>
+            <p:nvPr/>
+          </p:nvSpPr>
+          <p:spPr>
+            <a:xfrm>
+              <a:off x="945455" y="4281023"/>
+              <a:ext cx="1719380" cy="768783"/>
+            </a:xfrm>
+            <a:prstGeom prst="rect">
+              <a:avLst/>
+            </a:prstGeom>
+            <a:noFill/>
+            <a:ln>
+              <a:solidFill>
+                <a:srgbClr val="FF0000"/>
+              </a:solidFill>
+            </a:ln>
+          </p:spPr>
+          <p:style>
+            <a:lnRef idx="2">
+              <a:schemeClr val="accent1">
+                <a:shade val="50000"/>
+              </a:schemeClr>
+            </a:lnRef>
+            <a:fillRef idx="1">
+              <a:schemeClr val="accent1"/>
+            </a:fillRef>
+            <a:effectRef idx="0">
+              <a:schemeClr val="accent1"/>
+            </a:effectRef>
+            <a:fontRef idx="minor">
+              <a:schemeClr val="lt1"/>
+            </a:fontRef>
+          </p:style>
+          <p:txBody>
+            <a:bodyPr rtlCol="0" anchor="ctr"/>
+            <a:lstStyle/>
+            <a:p>
+              <a:pPr algn="ctr"/>
+              <a:endParaRPr lang="en-US"/>
+            </a:p>
+          </p:txBody>
+        </p:sp>
+        <p:sp>
+          <p:nvSpPr>
+            <p:cNvPr id="17" name="Rectangle 16">
+              <a:extLst>
+                <a:ext uri="{FF2B5EF4-FFF2-40B4-BE49-F238E27FC236}">
+                  <a16:creationId xmlns:a16="http://schemas.microsoft.com/office/drawing/2014/main" id="{BA3E7347-AEF7-A047-B22E-0075C3ACCA6F}"/>
+                </a:ext>
+              </a:extLst>
+            </p:cNvPr>
+            <p:cNvSpPr/>
+            <p:nvPr/>
+          </p:nvSpPr>
+          <p:spPr>
+            <a:xfrm>
+              <a:off x="716654" y="4797596"/>
+              <a:ext cx="1719380" cy="768783"/>
+            </a:xfrm>
+            <a:prstGeom prst="rect">
+              <a:avLst/>
+            </a:prstGeom>
+            <a:noFill/>
+            <a:ln>
+              <a:solidFill>
+                <a:srgbClr val="FF0000"/>
+              </a:solidFill>
+            </a:ln>
+          </p:spPr>
+          <p:style>
+            <a:lnRef idx="2">
+              <a:schemeClr val="accent1">
+                <a:shade val="50000"/>
+              </a:schemeClr>
+            </a:lnRef>
+            <a:fillRef idx="1">
+              <a:schemeClr val="accent1"/>
+            </a:fillRef>
+            <a:effectRef idx="0">
+              <a:schemeClr val="accent1"/>
+            </a:effectRef>
+            <a:fontRef idx="minor">
+              <a:schemeClr val="lt1"/>
+            </a:fontRef>
+          </p:style>
+          <p:txBody>
+            <a:bodyPr rtlCol="0" anchor="ctr"/>
+            <a:lstStyle/>
+            <a:p>
+              <a:pPr algn="ctr"/>
+              <a:endParaRPr lang="en-US"/>
+            </a:p>
+          </p:txBody>
+        </p:sp>
+        <p:sp>
+          <p:nvSpPr>
+            <p:cNvPr id="18" name="Rectangle 17">
+              <a:extLst>
+                <a:ext uri="{FF2B5EF4-FFF2-40B4-BE49-F238E27FC236}">
+                  <a16:creationId xmlns:a16="http://schemas.microsoft.com/office/drawing/2014/main" id="{8C19F5FA-9B64-ED4E-81FC-47FF54BC832D}"/>
+                </a:ext>
+              </a:extLst>
+            </p:cNvPr>
+            <p:cNvSpPr/>
+            <p:nvPr/>
+          </p:nvSpPr>
+          <p:spPr>
+            <a:xfrm>
+              <a:off x="784021" y="1408469"/>
+              <a:ext cx="1719380" cy="707194"/>
+            </a:xfrm>
+            <a:prstGeom prst="rect">
+              <a:avLst/>
+            </a:prstGeom>
+            <a:noFill/>
+            <a:ln>
+              <a:solidFill>
+                <a:srgbClr val="FF0000"/>
+              </a:solidFill>
+            </a:ln>
+          </p:spPr>
+          <p:style>
+            <a:lnRef idx="2">
+              <a:schemeClr val="accent1">
+                <a:shade val="50000"/>
+              </a:schemeClr>
+            </a:lnRef>
+            <a:fillRef idx="1">
+              <a:schemeClr val="accent1"/>
+            </a:fillRef>
+            <a:effectRef idx="0">
+              <a:schemeClr val="accent1"/>
+            </a:effectRef>
+            <a:fontRef idx="minor">
+              <a:schemeClr val="lt1"/>
+            </a:fontRef>
+          </p:style>
+          <p:txBody>
+            <a:bodyPr rtlCol="0" anchor="ctr"/>
+            <a:lstStyle/>
+            <a:p>
+              <a:pPr algn="ctr"/>
+              <a:endParaRPr lang="en-US"/>
+            </a:p>
+          </p:txBody>
+        </p:sp>
+        <p:sp>
+          <p:nvSpPr>
+            <p:cNvPr id="19" name="Rectangle 18">
+              <a:extLst>
+                <a:ext uri="{FF2B5EF4-FFF2-40B4-BE49-F238E27FC236}">
+                  <a16:creationId xmlns:a16="http://schemas.microsoft.com/office/drawing/2014/main" id="{A8175770-7EE8-F142-97C7-09456CBBF297}"/>
+                </a:ext>
+              </a:extLst>
+            </p:cNvPr>
+            <p:cNvSpPr/>
+            <p:nvPr/>
+          </p:nvSpPr>
+          <p:spPr>
+            <a:xfrm>
+              <a:off x="875993" y="2341147"/>
+              <a:ext cx="1719380" cy="707194"/>
+            </a:xfrm>
+            <a:prstGeom prst="rect">
+              <a:avLst/>
+            </a:prstGeom>
+            <a:noFill/>
+            <a:ln>
+              <a:solidFill>
+                <a:srgbClr val="FF0000"/>
+              </a:solidFill>
+            </a:ln>
+          </p:spPr>
+          <p:style>
+            <a:lnRef idx="2">
+              <a:schemeClr val="accent1">
+                <a:shade val="50000"/>
+              </a:schemeClr>
+            </a:lnRef>
+            <a:fillRef idx="1">
+              <a:schemeClr val="accent1"/>
+            </a:fillRef>
+            <a:effectRef idx="0">
+              <a:schemeClr val="accent1"/>
+            </a:effectRef>
+            <a:fontRef idx="minor">
+              <a:schemeClr val="lt1"/>
+            </a:fontRef>
+          </p:style>
+          <p:txBody>
+            <a:bodyPr rtlCol="0" anchor="ctr"/>
+            <a:lstStyle/>
+            <a:p>
+              <a:pPr algn="ctr"/>
+              <a:endParaRPr lang="en-US"/>
+            </a:p>
+          </p:txBody>
+        </p:sp>
+      </p:grpSp>
+      <p:sp>
+        <p:nvSpPr>
+          <p:cNvPr id="22" name="Rectangle 21">
+            <a:extLst>
+              <a:ext uri="{FF2B5EF4-FFF2-40B4-BE49-F238E27FC236}">
+                <a16:creationId xmlns:a16="http://schemas.microsoft.com/office/drawing/2014/main" id="{25958CC4-08A2-EF42-9FB8-7BD050577030}"/>
+              </a:ext>
+            </a:extLst>
+          </p:cNvPr>
+          <p:cNvSpPr>
+            <a:spLocks/>
+          </p:cNvSpPr>
+          <p:nvPr/>
+        </p:nvSpPr>
+        <p:spPr>
+          <a:xfrm>
+            <a:off x="3600000" y="0"/>
+            <a:ext cx="1440000" cy="2160000"/>
+          </a:xfrm>
+          <a:prstGeom prst="rect">
+            <a:avLst/>
+          </a:prstGeom>
+          <a:solidFill>
+            <a:schemeClr val="accent2">
+              <a:lumMod val="60000"/>
+              <a:lumOff val="40000"/>
+            </a:schemeClr>
+          </a:solidFill>
+          <a:ln>
+            <a:solidFill>
+              <a:schemeClr val="accent2"/>
+            </a:solidFill>
+          </a:ln>
+        </p:spPr>
+        <p:style>
+          <a:lnRef idx="2">
+            <a:schemeClr val="accent6">
+              <a:shade val="50000"/>
+            </a:schemeClr>
+          </a:lnRef>
+          <a:fillRef idx="1">
+            <a:schemeClr val="accent6"/>
+          </a:fillRef>
+          <a:effectRef idx="0">
+            <a:schemeClr val="accent6"/>
+          </a:effectRef>
+          <a:fontRef idx="minor">
+            <a:schemeClr val="lt1"/>
+          </a:fontRef>
+        </p:style>
+        <p:txBody>
+          <a:bodyPr rtlCol="0" anchor="ctr"/>
+          <a:lstStyle/>
+          <a:p>
+            <a:pPr algn="ctr"/>
+            <a:r>
+              <a:rPr lang="en-US" sz="3200" dirty="0">
+                <a:solidFill>
+                  <a:sysClr val="windowText" lastClr="000000"/>
+                </a:solidFill>
+                <a:latin typeface="Arial" panose="020B0604020202020204" pitchFamily="34" charset="0"/>
+                <a:cs typeface="Arial" panose="020B0604020202020204" pitchFamily="34" charset="0"/>
+              </a:rPr>
+              <a:t>FPN</a:t>
+            </a:r>
+          </a:p>
+        </p:txBody>
+      </p:sp>
+      <p:cxnSp>
+        <p:nvCxnSpPr>
+          <p:cNvPr id="24" name="Straight Arrow Connector 23">
+            <a:extLst>
+              <a:ext uri="{FF2B5EF4-FFF2-40B4-BE49-F238E27FC236}">
+                <a16:creationId xmlns:a16="http://schemas.microsoft.com/office/drawing/2014/main" id="{82A9F944-028B-0A46-8D33-DAABAF9229DC}"/>
+              </a:ext>
+            </a:extLst>
+          </p:cNvPr>
+          <p:cNvCxnSpPr/>
+          <p:nvPr/>
+        </p:nvCxnSpPr>
+        <p:spPr>
+          <a:xfrm>
+            <a:off x="2160000" y="1080000"/>
+            <a:ext cx="1440000" cy="0"/>
+          </a:xfrm>
+          <a:prstGeom prst="straightConnector1">
+            <a:avLst/>
+          </a:prstGeom>
+          <a:ln>
+            <a:solidFill>
+              <a:schemeClr val="tx1"/>
+            </a:solidFill>
+            <a:tailEnd type="triangle"/>
+          </a:ln>
+        </p:spPr>
+        <p:style>
+          <a:lnRef idx="1">
+            <a:schemeClr val="accent1"/>
+          </a:lnRef>
+          <a:fillRef idx="0">
+            <a:schemeClr val="accent1"/>
+          </a:fillRef>
+          <a:effectRef idx="0">
+            <a:schemeClr val="accent1"/>
+          </a:effectRef>
+          <a:fontRef idx="minor">
+            <a:schemeClr val="tx1"/>
+          </a:fontRef>
+        </p:style>
+      </p:cxnSp>
+      <p:sp>
+        <p:nvSpPr>
+          <p:cNvPr id="26" name="TextBox 25">
+            <a:extLst>
+              <a:ext uri="{FF2B5EF4-FFF2-40B4-BE49-F238E27FC236}">
+                <a16:creationId xmlns:a16="http://schemas.microsoft.com/office/drawing/2014/main" id="{82FADD94-17D0-A743-9F02-A8B47251E696}"/>
+              </a:ext>
+            </a:extLst>
+          </p:cNvPr>
+          <p:cNvSpPr txBox="1"/>
+          <p:nvPr/>
+        </p:nvSpPr>
+        <p:spPr>
+          <a:xfrm>
+            <a:off x="8478062" y="710668"/>
+            <a:ext cx="1043876" cy="369332"/>
+          </a:xfrm>
+          <a:prstGeom prst="rect">
+            <a:avLst/>
+          </a:prstGeom>
+          <a:noFill/>
+        </p:spPr>
+        <p:txBody>
+          <a:bodyPr wrap="none" rtlCol="0">
+            <a:spAutoFit/>
+          </a:bodyPr>
+          <a:lstStyle/>
+          <a:p>
+            <a:r>
+              <a:rPr lang="en-US" dirty="0">
+                <a:latin typeface="Arial" panose="020B0604020202020204" pitchFamily="34" charset="0"/>
+                <a:cs typeface="Arial" panose="020B0604020202020204" pitchFamily="34" charset="0"/>
+              </a:rPr>
+              <a:t>Recover</a:t>
+            </a:r>
+          </a:p>
+        </p:txBody>
+      </p:sp>
+      <p:cxnSp>
+        <p:nvCxnSpPr>
+          <p:cNvPr id="28" name="Straight Arrow Connector 27">
+            <a:extLst>
+              <a:ext uri="{FF2B5EF4-FFF2-40B4-BE49-F238E27FC236}">
+                <a16:creationId xmlns:a16="http://schemas.microsoft.com/office/drawing/2014/main" id="{A03CFDE9-F740-9D44-8D40-91BED317A339}"/>
+              </a:ext>
+            </a:extLst>
+          </p:cNvPr>
+          <p:cNvCxnSpPr/>
+          <p:nvPr/>
+        </p:nvCxnSpPr>
+        <p:spPr>
+          <a:xfrm>
+            <a:off x="8280000" y="1080000"/>
+            <a:ext cx="1440000" cy="0"/>
+          </a:xfrm>
+          <a:prstGeom prst="straightConnector1">
+            <a:avLst/>
+          </a:prstGeom>
+          <a:ln>
+            <a:solidFill>
+              <a:schemeClr val="tx1"/>
+            </a:solidFill>
+            <a:tailEnd type="triangle"/>
+          </a:ln>
+        </p:spPr>
+        <p:style>
+          <a:lnRef idx="1">
+            <a:schemeClr val="accent1"/>
+          </a:lnRef>
+          <a:fillRef idx="0">
+            <a:schemeClr val="accent1"/>
+          </a:fillRef>
+          <a:effectRef idx="0">
+            <a:schemeClr val="accent1"/>
+          </a:effectRef>
+          <a:fontRef idx="minor">
+            <a:schemeClr val="tx1"/>
+          </a:fontRef>
+        </p:style>
+      </p:cxnSp>
+      <p:cxnSp>
+        <p:nvCxnSpPr>
+          <p:cNvPr id="32" name="Straight Arrow Connector 31">
+            <a:extLst>
+              <a:ext uri="{FF2B5EF4-FFF2-40B4-BE49-F238E27FC236}">
+                <a16:creationId xmlns:a16="http://schemas.microsoft.com/office/drawing/2014/main" id="{1C80EF4E-72D6-094D-9A99-435D776B3ED2}"/>
+              </a:ext>
+            </a:extLst>
+          </p:cNvPr>
+          <p:cNvCxnSpPr/>
+          <p:nvPr/>
+        </p:nvCxnSpPr>
+        <p:spPr>
+          <a:xfrm>
+            <a:off x="5040000" y="1080000"/>
+            <a:ext cx="1440000" cy="0"/>
+          </a:xfrm>
+          <a:prstGeom prst="straightConnector1">
+            <a:avLst/>
+          </a:prstGeom>
+          <a:ln>
+            <a:solidFill>
+              <a:schemeClr val="tx1"/>
+            </a:solidFill>
+            <a:tailEnd type="triangle"/>
+          </a:ln>
+        </p:spPr>
+        <p:style>
+          <a:lnRef idx="1">
+            <a:schemeClr val="accent1"/>
+          </a:lnRef>
+          <a:fillRef idx="0">
+            <a:schemeClr val="accent1"/>
+          </a:fillRef>
+          <a:effectRef idx="0">
+            <a:schemeClr val="accent1"/>
+          </a:effectRef>
+          <a:fontRef idx="minor">
+            <a:schemeClr val="tx1"/>
+          </a:fontRef>
+        </p:style>
+      </p:cxnSp>
+      <p:sp>
+        <p:nvSpPr>
+          <p:cNvPr id="38" name="TextBox 37">
+            <a:extLst>
+              <a:ext uri="{FF2B5EF4-FFF2-40B4-BE49-F238E27FC236}">
+                <a16:creationId xmlns:a16="http://schemas.microsoft.com/office/drawing/2014/main" id="{C72DCFE0-F7BE-5444-A99E-06136AEEC85B}"/>
+              </a:ext>
+            </a:extLst>
+          </p:cNvPr>
+          <p:cNvSpPr txBox="1"/>
+          <p:nvPr/>
+        </p:nvSpPr>
+        <p:spPr>
+          <a:xfrm>
+            <a:off x="5321419" y="710668"/>
+            <a:ext cx="877163" cy="369332"/>
+          </a:xfrm>
+          <a:prstGeom prst="rect">
+            <a:avLst/>
+          </a:prstGeom>
+          <a:noFill/>
+        </p:spPr>
+        <p:txBody>
+          <a:bodyPr wrap="none" rtlCol="0">
+            <a:spAutoFit/>
+          </a:bodyPr>
+          <a:lstStyle/>
+          <a:p>
+            <a:r>
+              <a:rPr lang="en-US" dirty="0">
+                <a:latin typeface="Arial" panose="020B0604020202020204" pitchFamily="34" charset="0"/>
+                <a:cs typeface="Arial" panose="020B0604020202020204" pitchFamily="34" charset="0"/>
+              </a:rPr>
+              <a:t>Output</a:t>
+            </a:r>
+          </a:p>
+        </p:txBody>
+      </p:sp>
+      <p:sp>
+        <p:nvSpPr>
+          <p:cNvPr id="39" name="TextBox 38">
+            <a:extLst>
+              <a:ext uri="{FF2B5EF4-FFF2-40B4-BE49-F238E27FC236}">
+                <a16:creationId xmlns:a16="http://schemas.microsoft.com/office/drawing/2014/main" id="{02E8E053-66DA-3543-A893-0F4A54FE74A7}"/>
+              </a:ext>
+            </a:extLst>
+          </p:cNvPr>
+          <p:cNvSpPr txBox="1"/>
+          <p:nvPr/>
+        </p:nvSpPr>
+        <p:spPr>
+          <a:xfrm>
+            <a:off x="2467067" y="710668"/>
+            <a:ext cx="825867" cy="369332"/>
+          </a:xfrm>
+          <a:prstGeom prst="rect">
+            <a:avLst/>
+          </a:prstGeom>
+          <a:noFill/>
+        </p:spPr>
+        <p:txBody>
+          <a:bodyPr wrap="none" rtlCol="0">
+            <a:spAutoFit/>
+          </a:bodyPr>
+          <a:lstStyle/>
+          <a:p>
+            <a:r>
+              <a:rPr lang="en-US" dirty="0">
+                <a:latin typeface="Arial" panose="020B0604020202020204" pitchFamily="34" charset="0"/>
+                <a:cs typeface="Arial" panose="020B0604020202020204" pitchFamily="34" charset="0"/>
+              </a:rPr>
+              <a:t>Image</a:t>
+            </a:r>
+          </a:p>
+        </p:txBody>
+      </p:sp>
+      <p:grpSp>
+        <p:nvGrpSpPr>
+          <p:cNvPr id="40" name="Group 39">
+            <a:extLst>
+              <a:ext uri="{FF2B5EF4-FFF2-40B4-BE49-F238E27FC236}">
+                <a16:creationId xmlns:a16="http://schemas.microsoft.com/office/drawing/2014/main" id="{C240FC58-16D7-CB4C-8A9A-46AC9A003300}"/>
+              </a:ext>
+            </a:extLst>
+          </p:cNvPr>
+          <p:cNvGrpSpPr/>
+          <p:nvPr/>
+        </p:nvGrpSpPr>
+        <p:grpSpPr>
+          <a:xfrm>
+            <a:off x="9757147" y="0"/>
+            <a:ext cx="2160000" cy="2160000"/>
+            <a:chOff x="629094" y="1312745"/>
+            <a:chExt cx="4320001" cy="4320000"/>
+          </a:xfrm>
+        </p:grpSpPr>
+        <p:pic>
+          <p:nvPicPr>
+            <p:cNvPr id="41" name="Picture 40">
+              <a:extLst>
+                <a:ext uri="{FF2B5EF4-FFF2-40B4-BE49-F238E27FC236}">
+                  <a16:creationId xmlns:a16="http://schemas.microsoft.com/office/drawing/2014/main" id="{B10158E8-48F9-7F46-9074-EF6E68B92952}"/>
+                </a:ext>
+              </a:extLst>
+            </p:cNvPr>
+            <p:cNvPicPr>
+              <a:picLocks noChangeAspect="1"/>
+            </p:cNvPicPr>
+            <p:nvPr/>
+          </p:nvPicPr>
+          <p:blipFill rotWithShape="1">
+            <a:blip r:embed="rId2"/>
+            <a:srcRect l="16785" t="17995" r="26573" b="25363"/>
+            <a:stretch/>
+          </p:blipFill>
+          <p:spPr>
+            <a:xfrm>
+              <a:off x="629094" y="1312745"/>
+              <a:ext cx="4320001" cy="4320000"/>
+            </a:xfrm>
+            <a:prstGeom prst="rect">
+              <a:avLst/>
+            </a:prstGeom>
+          </p:spPr>
+        </p:pic>
+        <p:sp>
+          <p:nvSpPr>
+            <p:cNvPr id="42" name="Rectangle 41">
+              <a:extLst>
+                <a:ext uri="{FF2B5EF4-FFF2-40B4-BE49-F238E27FC236}">
+                  <a16:creationId xmlns:a16="http://schemas.microsoft.com/office/drawing/2014/main" id="{9722FE85-5463-F94A-B219-4973B804C274}"/>
+                </a:ext>
+              </a:extLst>
+            </p:cNvPr>
+            <p:cNvSpPr/>
+            <p:nvPr/>
+          </p:nvSpPr>
+          <p:spPr>
+            <a:xfrm>
+              <a:off x="1852794" y="2231753"/>
+              <a:ext cx="1646499" cy="1749254"/>
+            </a:xfrm>
+            <a:prstGeom prst="rect">
+              <a:avLst/>
+            </a:prstGeom>
+            <a:noFill/>
+            <a:ln>
+              <a:solidFill>
+                <a:schemeClr val="accent6">
+                  <a:lumMod val="60000"/>
+                  <a:lumOff val="40000"/>
+                </a:schemeClr>
+              </a:solidFill>
+            </a:ln>
+          </p:spPr>
+          <p:style>
+            <a:lnRef idx="2">
+              <a:schemeClr val="accent1">
+                <a:shade val="50000"/>
+              </a:schemeClr>
+            </a:lnRef>
+            <a:fillRef idx="1">
+              <a:schemeClr val="accent1"/>
+            </a:fillRef>
+            <a:effectRef idx="0">
+              <a:schemeClr val="accent1"/>
+            </a:effectRef>
+            <a:fontRef idx="minor">
+              <a:schemeClr val="lt1"/>
+            </a:fontRef>
+          </p:style>
+          <p:txBody>
+            <a:bodyPr rtlCol="0" anchor="ctr"/>
+            <a:lstStyle/>
+            <a:p>
+              <a:pPr algn="ctr"/>
+              <a:endParaRPr lang="en-US"/>
+            </a:p>
+          </p:txBody>
+        </p:sp>
+        <p:sp>
+          <p:nvSpPr>
+            <p:cNvPr id="43" name="Rectangle 42">
+              <a:extLst>
+                <a:ext uri="{FF2B5EF4-FFF2-40B4-BE49-F238E27FC236}">
+                  <a16:creationId xmlns:a16="http://schemas.microsoft.com/office/drawing/2014/main" id="{57AE2910-C9FE-264A-8B40-52781F8EB196}"/>
+                </a:ext>
+              </a:extLst>
+            </p:cNvPr>
+            <p:cNvSpPr/>
+            <p:nvPr/>
+          </p:nvSpPr>
+          <p:spPr>
+            <a:xfrm>
+              <a:off x="3076495" y="1469753"/>
+              <a:ext cx="1518860" cy="1533354"/>
+            </a:xfrm>
+            <a:prstGeom prst="rect">
+              <a:avLst/>
+            </a:prstGeom>
+            <a:noFill/>
+            <a:ln>
+              <a:solidFill>
+                <a:schemeClr val="accent6">
+                  <a:lumMod val="60000"/>
+                  <a:lumOff val="40000"/>
+                </a:schemeClr>
+              </a:solidFill>
+            </a:ln>
+          </p:spPr>
+          <p:style>
+            <a:lnRef idx="2">
+              <a:schemeClr val="accent1">
+                <a:shade val="50000"/>
+              </a:schemeClr>
+            </a:lnRef>
+            <a:fillRef idx="1">
+              <a:schemeClr val="accent1"/>
+            </a:fillRef>
+            <a:effectRef idx="0">
+              <a:schemeClr val="accent1"/>
+            </a:effectRef>
+            <a:fontRef idx="minor">
+              <a:schemeClr val="lt1"/>
+            </a:fontRef>
+          </p:style>
+          <p:txBody>
+            <a:bodyPr rtlCol="0" anchor="ctr"/>
+            <a:lstStyle/>
+            <a:p>
+              <a:pPr algn="ctr"/>
+              <a:endParaRPr lang="en-US"/>
+            </a:p>
+          </p:txBody>
+        </p:sp>
+        <p:sp>
+          <p:nvSpPr>
+            <p:cNvPr id="44" name="Rectangle 43">
+              <a:extLst>
+                <a:ext uri="{FF2B5EF4-FFF2-40B4-BE49-F238E27FC236}">
+                  <a16:creationId xmlns:a16="http://schemas.microsoft.com/office/drawing/2014/main" id="{B2CED382-C377-9449-8A55-8042FC4BBDB6}"/>
+                </a:ext>
+              </a:extLst>
+            </p:cNvPr>
+            <p:cNvSpPr/>
+            <p:nvPr/>
+          </p:nvSpPr>
+          <p:spPr>
+            <a:xfrm>
+              <a:off x="803445" y="2888107"/>
+              <a:ext cx="1124436" cy="2388300"/>
+            </a:xfrm>
+            <a:prstGeom prst="rect">
+              <a:avLst/>
+            </a:prstGeom>
+            <a:noFill/>
+            <a:ln>
+              <a:solidFill>
+                <a:schemeClr val="accent6">
+                  <a:lumMod val="60000"/>
+                  <a:lumOff val="40000"/>
+                </a:schemeClr>
+              </a:solidFill>
+            </a:ln>
+          </p:spPr>
+          <p:style>
+            <a:lnRef idx="2">
+              <a:schemeClr val="accent1">
+                <a:shade val="50000"/>
+              </a:schemeClr>
+            </a:lnRef>
+            <a:fillRef idx="1">
+              <a:schemeClr val="accent1"/>
+            </a:fillRef>
+            <a:effectRef idx="0">
+              <a:schemeClr val="accent1"/>
+            </a:effectRef>
+            <a:fontRef idx="minor">
+              <a:schemeClr val="lt1"/>
+            </a:fontRef>
+          </p:style>
+          <p:txBody>
+            <a:bodyPr rtlCol="0" anchor="ctr"/>
+            <a:lstStyle/>
+            <a:p>
+              <a:pPr algn="ctr"/>
+              <a:endParaRPr lang="en-US"/>
+            </a:p>
+          </p:txBody>
+        </p:sp>
+      </p:grpSp>
+      <p:sp>
+        <p:nvSpPr>
+          <p:cNvPr id="57" name="TextBox 56">
+            <a:extLst>
+              <a:ext uri="{FF2B5EF4-FFF2-40B4-BE49-F238E27FC236}">
+                <a16:creationId xmlns:a16="http://schemas.microsoft.com/office/drawing/2014/main" id="{EEC12332-B2D6-604B-85B6-962CD9C0FBC5}"/>
+              </a:ext>
+            </a:extLst>
+          </p:cNvPr>
+          <p:cNvSpPr txBox="1"/>
+          <p:nvPr/>
+        </p:nvSpPr>
+        <p:spPr>
+          <a:xfrm>
+            <a:off x="8266466" y="1080000"/>
+            <a:ext cx="1467068" cy="369332"/>
+          </a:xfrm>
+          <a:prstGeom prst="rect">
+            <a:avLst/>
+          </a:prstGeom>
+          <a:noFill/>
+        </p:spPr>
+        <p:txBody>
+          <a:bodyPr wrap="none" rtlCol="0">
+            <a:spAutoFit/>
+          </a:bodyPr>
+          <a:lstStyle/>
+          <a:p>
+            <a:r>
+              <a:rPr lang="en-US" dirty="0">
+                <a:latin typeface="Arial" panose="020B0604020202020204" pitchFamily="34" charset="0"/>
+                <a:cs typeface="Arial" panose="020B0604020202020204" pitchFamily="34" charset="0"/>
+              </a:rPr>
+              <a:t>Suppression</a:t>
+            </a:r>
+          </a:p>
+        </p:txBody>
+      </p:sp>
+      <p:grpSp>
+        <p:nvGrpSpPr>
+          <p:cNvPr id="3" name="Group 2">
+            <a:extLst>
+              <a:ext uri="{FF2B5EF4-FFF2-40B4-BE49-F238E27FC236}">
+                <a16:creationId xmlns:a16="http://schemas.microsoft.com/office/drawing/2014/main" id="{33BFF38A-BF49-5B4F-9AC7-6CBC1DBCF0CF}"/>
+              </a:ext>
+            </a:extLst>
+          </p:cNvPr>
+          <p:cNvGrpSpPr/>
+          <p:nvPr/>
+        </p:nvGrpSpPr>
+        <p:grpSpPr>
+          <a:xfrm>
+            <a:off x="6480000" y="0"/>
+            <a:ext cx="360000" cy="2160000"/>
+            <a:chOff x="5760000" y="0"/>
+            <a:chExt cx="360000" cy="2160000"/>
+          </a:xfrm>
+        </p:grpSpPr>
+        <p:sp>
+          <p:nvSpPr>
+            <p:cNvPr id="36" name="Oval 35">
+              <a:extLst>
+                <a:ext uri="{FF2B5EF4-FFF2-40B4-BE49-F238E27FC236}">
+                  <a16:creationId xmlns:a16="http://schemas.microsoft.com/office/drawing/2014/main" id="{4BECF1AB-B861-7843-8EA4-9CEAD15D53F2}"/>
+                </a:ext>
+              </a:extLst>
+            </p:cNvPr>
+            <p:cNvSpPr>
+              <a:spLocks noChangeAspect="1"/>
+            </p:cNvSpPr>
+            <p:nvPr/>
+          </p:nvSpPr>
+          <p:spPr>
+            <a:xfrm>
+              <a:off x="5760000" y="1440000"/>
+              <a:ext cx="360000" cy="360000"/>
+            </a:xfrm>
+            <a:prstGeom prst="ellipse">
+              <a:avLst/>
+            </a:prstGeom>
+            <a:solidFill>
+              <a:schemeClr val="accent6">
+                <a:lumMod val="60000"/>
+                <a:lumOff val="40000"/>
+              </a:schemeClr>
+            </a:solidFill>
+            <a:ln>
+              <a:solidFill>
+                <a:schemeClr val="accent6"/>
+              </a:solidFill>
+            </a:ln>
+          </p:spPr>
+          <p:style>
+            <a:lnRef idx="2">
+              <a:schemeClr val="accent1">
+                <a:shade val="50000"/>
+              </a:schemeClr>
+            </a:lnRef>
+            <a:fillRef idx="1">
+              <a:schemeClr val="accent1"/>
+            </a:fillRef>
+            <a:effectRef idx="0">
+              <a:schemeClr val="accent1"/>
+            </a:effectRef>
+            <a:fontRef idx="minor">
+              <a:schemeClr val="lt1"/>
+            </a:fontRef>
+          </p:style>
+          <p:txBody>
+            <a:bodyPr wrap="none" lIns="90000" rtlCol="0" anchor="ctr">
+              <a:noAutofit/>
+            </a:bodyPr>
+            <a:lstStyle/>
+            <a:p>
+              <a:pPr algn="ctr"/>
+              <a:r>
+                <a:rPr lang="en-US" i="1" dirty="0" err="1">
+                  <a:solidFill>
+                    <a:schemeClr val="tx1"/>
+                  </a:solidFill>
+                  <a:latin typeface="Times" pitchFamily="2" charset="0"/>
+                </a:rPr>
+                <a:t>w</a:t>
+              </a:r>
+              <a:r>
+                <a:rPr lang="en-US" i="1" baseline="-25000" dirty="0" err="1">
+                  <a:solidFill>
+                    <a:schemeClr val="tx1"/>
+                  </a:solidFill>
+                  <a:latin typeface="Times" pitchFamily="2" charset="0"/>
+                </a:rPr>
+                <a:t>r</a:t>
+              </a:r>
+              <a:r>
+                <a:rPr lang="en-US" baseline="30000" dirty="0">
+                  <a:solidFill>
+                    <a:schemeClr val="tx1"/>
+                  </a:solidFill>
+                  <a:latin typeface="Times" pitchFamily="2" charset="0"/>
+                </a:rPr>
+                <a:t>(1)</a:t>
+              </a:r>
+              <a:endParaRPr lang="en-US" i="1" baseline="-25000" dirty="0">
+                <a:solidFill>
+                  <a:schemeClr val="tx1"/>
+                </a:solidFill>
+                <a:latin typeface="Times" pitchFamily="2" charset="0"/>
+              </a:endParaRPr>
+            </a:p>
+          </p:txBody>
+        </p:sp>
+        <p:sp>
+          <p:nvSpPr>
+            <p:cNvPr id="59" name="Oval 58">
+              <a:extLst>
+                <a:ext uri="{FF2B5EF4-FFF2-40B4-BE49-F238E27FC236}">
+                  <a16:creationId xmlns:a16="http://schemas.microsoft.com/office/drawing/2014/main" id="{CB7C31F6-6093-7047-87AC-75F6B9558F87}"/>
+                </a:ext>
+              </a:extLst>
+            </p:cNvPr>
+            <p:cNvSpPr>
+              <a:spLocks noChangeAspect="1"/>
+            </p:cNvSpPr>
+            <p:nvPr/>
+          </p:nvSpPr>
+          <p:spPr>
+            <a:xfrm>
+              <a:off x="5760000" y="360000"/>
+              <a:ext cx="360000" cy="360000"/>
+            </a:xfrm>
+            <a:prstGeom prst="ellipse">
+              <a:avLst/>
+            </a:prstGeom>
+            <a:solidFill>
+              <a:schemeClr val="accent5">
+                <a:lumMod val="60000"/>
+                <a:lumOff val="40000"/>
+              </a:schemeClr>
+            </a:solidFill>
+            <a:ln>
+              <a:solidFill>
+                <a:schemeClr val="accent5"/>
+              </a:solidFill>
+            </a:ln>
+          </p:spPr>
+          <p:style>
+            <a:lnRef idx="2">
+              <a:schemeClr val="accent1">
+                <a:shade val="50000"/>
+              </a:schemeClr>
+            </a:lnRef>
+            <a:fillRef idx="1">
+              <a:schemeClr val="accent1"/>
+            </a:fillRef>
+            <a:effectRef idx="0">
+              <a:schemeClr val="accent1"/>
+            </a:effectRef>
+            <a:fontRef idx="minor">
+              <a:schemeClr val="lt1"/>
+            </a:fontRef>
+          </p:style>
+          <p:txBody>
+            <a:bodyPr wrap="none" lIns="90000" rtlCol="0" anchor="ctr">
+              <a:noAutofit/>
+            </a:bodyPr>
+            <a:lstStyle/>
+            <a:p>
+              <a:pPr algn="ctr"/>
+              <a:r>
+                <a:rPr lang="en-US" i="1" dirty="0">
+                  <a:solidFill>
+                    <a:schemeClr val="tx1"/>
+                  </a:solidFill>
+                  <a:latin typeface="Times" pitchFamily="2" charset="0"/>
+                </a:rPr>
+                <a:t>l</a:t>
+              </a:r>
+              <a:r>
+                <a:rPr lang="en-US" i="1" baseline="-25000" dirty="0">
+                  <a:solidFill>
+                    <a:schemeClr val="tx1"/>
+                  </a:solidFill>
+                  <a:latin typeface="Times" pitchFamily="2" charset="0"/>
+                </a:rPr>
+                <a:t>n</a:t>
+              </a:r>
+              <a:r>
+                <a:rPr lang="en-US" baseline="30000" dirty="0">
+                  <a:solidFill>
+                    <a:schemeClr val="tx1"/>
+                  </a:solidFill>
+                  <a:latin typeface="Times" pitchFamily="2" charset="0"/>
+                </a:rPr>
+                <a:t>(1)</a:t>
+              </a:r>
+              <a:endParaRPr lang="en-US" i="1" baseline="-25000" dirty="0">
+                <a:solidFill>
+                  <a:schemeClr val="tx1"/>
+                </a:solidFill>
+                <a:latin typeface="Times" pitchFamily="2" charset="0"/>
+              </a:endParaRPr>
+            </a:p>
+          </p:txBody>
+        </p:sp>
+        <p:sp>
+          <p:nvSpPr>
+            <p:cNvPr id="51" name="Oval 50">
+              <a:extLst>
+                <a:ext uri="{FF2B5EF4-FFF2-40B4-BE49-F238E27FC236}">
+                  <a16:creationId xmlns:a16="http://schemas.microsoft.com/office/drawing/2014/main" id="{0483C93A-F22A-A340-852C-3736D8953CFA}"/>
+                </a:ext>
+              </a:extLst>
+            </p:cNvPr>
+            <p:cNvSpPr>
+              <a:spLocks noChangeAspect="1"/>
+            </p:cNvSpPr>
+            <p:nvPr/>
+          </p:nvSpPr>
+          <p:spPr>
+            <a:xfrm>
+              <a:off x="5760000" y="1800000"/>
+              <a:ext cx="360000" cy="360000"/>
+            </a:xfrm>
+            <a:prstGeom prst="ellipse">
+              <a:avLst/>
+            </a:prstGeom>
+            <a:solidFill>
+              <a:schemeClr val="accent6">
+                <a:lumMod val="60000"/>
+                <a:lumOff val="40000"/>
+              </a:schemeClr>
+            </a:solidFill>
+            <a:ln>
+              <a:solidFill>
+                <a:schemeClr val="accent6"/>
+              </a:solidFill>
+            </a:ln>
+          </p:spPr>
+          <p:style>
+            <a:lnRef idx="2">
+              <a:schemeClr val="accent1">
+                <a:shade val="50000"/>
+              </a:schemeClr>
+            </a:lnRef>
+            <a:fillRef idx="1">
+              <a:schemeClr val="accent1"/>
+            </a:fillRef>
+            <a:effectRef idx="0">
+              <a:schemeClr val="accent1"/>
+            </a:effectRef>
+            <a:fontRef idx="minor">
+              <a:schemeClr val="lt1"/>
+            </a:fontRef>
+          </p:style>
+          <p:txBody>
+            <a:bodyPr wrap="none" lIns="90000" rtlCol="0" anchor="ctr">
+              <a:noAutofit/>
+            </a:bodyPr>
+            <a:lstStyle/>
+            <a:p>
+              <a:pPr algn="ctr"/>
+              <a:r>
+                <a:rPr lang="en-US" i="1" dirty="0" err="1">
+                  <a:solidFill>
+                    <a:schemeClr val="tx1"/>
+                  </a:solidFill>
+                  <a:latin typeface="Times" pitchFamily="2" charset="0"/>
+                </a:rPr>
+                <a:t>h</a:t>
+              </a:r>
+              <a:r>
+                <a:rPr lang="en-US" i="1" baseline="-25000" dirty="0" err="1">
+                  <a:solidFill>
+                    <a:schemeClr val="tx1"/>
+                  </a:solidFill>
+                  <a:latin typeface="Times" pitchFamily="2" charset="0"/>
+                </a:rPr>
+                <a:t>r</a:t>
+              </a:r>
+              <a:r>
+                <a:rPr lang="en-US" baseline="30000" dirty="0">
+                  <a:solidFill>
+                    <a:schemeClr val="tx1"/>
+                  </a:solidFill>
+                  <a:latin typeface="Times" pitchFamily="2" charset="0"/>
+                </a:rPr>
+                <a:t>(1)</a:t>
+              </a:r>
+              <a:endParaRPr lang="en-US" i="1" baseline="-25000" dirty="0">
+                <a:solidFill>
+                  <a:schemeClr val="tx1"/>
+                </a:solidFill>
+                <a:latin typeface="Times" pitchFamily="2" charset="0"/>
+              </a:endParaRPr>
+            </a:p>
+          </p:txBody>
+        </p:sp>
+        <p:sp>
+          <p:nvSpPr>
+            <p:cNvPr id="52" name="Oval 51">
+              <a:extLst>
+                <a:ext uri="{FF2B5EF4-FFF2-40B4-BE49-F238E27FC236}">
+                  <a16:creationId xmlns:a16="http://schemas.microsoft.com/office/drawing/2014/main" id="{CEC8D96D-2D71-4143-B27C-0A7A8E2BD69C}"/>
+                </a:ext>
+              </a:extLst>
+            </p:cNvPr>
+            <p:cNvSpPr>
+              <a:spLocks noChangeAspect="1"/>
+            </p:cNvSpPr>
+            <p:nvPr/>
+          </p:nvSpPr>
+          <p:spPr>
+            <a:xfrm>
+              <a:off x="5760000" y="720000"/>
+              <a:ext cx="360000" cy="360000"/>
+            </a:xfrm>
+            <a:prstGeom prst="ellipse">
+              <a:avLst/>
+            </a:prstGeom>
+            <a:solidFill>
+              <a:schemeClr val="accent6">
+                <a:lumMod val="60000"/>
+                <a:lumOff val="40000"/>
+              </a:schemeClr>
+            </a:solidFill>
+            <a:ln>
+              <a:solidFill>
+                <a:schemeClr val="accent6"/>
+              </a:solidFill>
+            </a:ln>
+          </p:spPr>
+          <p:style>
+            <a:lnRef idx="2">
+              <a:schemeClr val="accent1">
+                <a:shade val="50000"/>
+              </a:schemeClr>
+            </a:lnRef>
+            <a:fillRef idx="1">
+              <a:schemeClr val="accent1"/>
+            </a:fillRef>
+            <a:effectRef idx="0">
+              <a:schemeClr val="accent1"/>
+            </a:effectRef>
+            <a:fontRef idx="minor">
+              <a:schemeClr val="lt1"/>
+            </a:fontRef>
+          </p:style>
+          <p:txBody>
+            <a:bodyPr wrap="none" lIns="90000" rtlCol="0" anchor="ctr">
+              <a:noAutofit/>
+            </a:bodyPr>
+            <a:lstStyle/>
+            <a:p>
+              <a:pPr algn="ctr"/>
+              <a:r>
+                <a:rPr lang="en-US" i="1" dirty="0" err="1">
+                  <a:solidFill>
+                    <a:schemeClr val="tx1"/>
+                  </a:solidFill>
+                  <a:latin typeface="Times" pitchFamily="2" charset="0"/>
+                </a:rPr>
+                <a:t>x</a:t>
+              </a:r>
+              <a:r>
+                <a:rPr lang="en-US" i="1" baseline="-25000" dirty="0" err="1">
+                  <a:solidFill>
+                    <a:schemeClr val="tx1"/>
+                  </a:solidFill>
+                  <a:latin typeface="Times" pitchFamily="2" charset="0"/>
+                </a:rPr>
+                <a:t>r</a:t>
+              </a:r>
+              <a:r>
+                <a:rPr lang="en-US" baseline="30000" dirty="0">
+                  <a:solidFill>
+                    <a:schemeClr val="tx1"/>
+                  </a:solidFill>
+                  <a:latin typeface="Times" pitchFamily="2" charset="0"/>
+                </a:rPr>
+                <a:t>(1)</a:t>
+              </a:r>
+              <a:endParaRPr lang="en-US" i="1" baseline="-25000" dirty="0">
+                <a:solidFill>
+                  <a:schemeClr val="tx1"/>
+                </a:solidFill>
+                <a:latin typeface="Times" pitchFamily="2" charset="0"/>
+              </a:endParaRPr>
+            </a:p>
+          </p:txBody>
+        </p:sp>
+        <p:sp>
+          <p:nvSpPr>
+            <p:cNvPr id="53" name="Oval 52">
+              <a:extLst>
+                <a:ext uri="{FF2B5EF4-FFF2-40B4-BE49-F238E27FC236}">
+                  <a16:creationId xmlns:a16="http://schemas.microsoft.com/office/drawing/2014/main" id="{2B5383AD-DBA3-A048-B44F-63994A3AF114}"/>
+                </a:ext>
+              </a:extLst>
+            </p:cNvPr>
+            <p:cNvSpPr>
+              <a:spLocks noChangeAspect="1"/>
+            </p:cNvSpPr>
+            <p:nvPr/>
+          </p:nvSpPr>
+          <p:spPr>
+            <a:xfrm>
+              <a:off x="5760000" y="1080000"/>
+              <a:ext cx="360000" cy="360000"/>
+            </a:xfrm>
+            <a:prstGeom prst="ellipse">
+              <a:avLst/>
+            </a:prstGeom>
+            <a:solidFill>
+              <a:schemeClr val="accent6">
+                <a:lumMod val="60000"/>
+                <a:lumOff val="40000"/>
+              </a:schemeClr>
+            </a:solidFill>
+            <a:ln>
+              <a:solidFill>
+                <a:schemeClr val="accent6"/>
+              </a:solidFill>
+            </a:ln>
+          </p:spPr>
+          <p:style>
+            <a:lnRef idx="2">
+              <a:schemeClr val="accent1">
+                <a:shade val="50000"/>
+              </a:schemeClr>
+            </a:lnRef>
+            <a:fillRef idx="1">
+              <a:schemeClr val="accent1"/>
+            </a:fillRef>
+            <a:effectRef idx="0">
+              <a:schemeClr val="accent1"/>
+            </a:effectRef>
+            <a:fontRef idx="minor">
+              <a:schemeClr val="lt1"/>
+            </a:fontRef>
+          </p:style>
+          <p:txBody>
+            <a:bodyPr wrap="none" lIns="90000" rtlCol="0" anchor="ctr">
+              <a:noAutofit/>
+            </a:bodyPr>
+            <a:lstStyle/>
+            <a:p>
+              <a:pPr algn="ctr"/>
+              <a:r>
+                <a:rPr lang="en-US" i="1" dirty="0" err="1">
+                  <a:solidFill>
+                    <a:schemeClr val="tx1"/>
+                  </a:solidFill>
+                  <a:latin typeface="Times" pitchFamily="2" charset="0"/>
+                </a:rPr>
+                <a:t>y</a:t>
+              </a:r>
+              <a:r>
+                <a:rPr lang="en-US" i="1" baseline="-25000" dirty="0" err="1">
+                  <a:solidFill>
+                    <a:schemeClr val="tx1"/>
+                  </a:solidFill>
+                  <a:latin typeface="Times" pitchFamily="2" charset="0"/>
+                </a:rPr>
+                <a:t>r</a:t>
+              </a:r>
+              <a:r>
+                <a:rPr lang="en-US" baseline="30000" dirty="0">
+                  <a:solidFill>
+                    <a:schemeClr val="tx1"/>
+                  </a:solidFill>
+                  <a:latin typeface="Times" pitchFamily="2" charset="0"/>
+                </a:rPr>
+                <a:t>(1)</a:t>
+              </a:r>
+              <a:endParaRPr lang="en-US" i="1" baseline="-25000" dirty="0">
+                <a:solidFill>
+                  <a:schemeClr val="tx1"/>
+                </a:solidFill>
+                <a:latin typeface="Times" pitchFamily="2" charset="0"/>
+              </a:endParaRPr>
+            </a:p>
+          </p:txBody>
+        </p:sp>
+        <p:sp>
+          <p:nvSpPr>
+            <p:cNvPr id="54" name="Oval 53">
+              <a:extLst>
+                <a:ext uri="{FF2B5EF4-FFF2-40B4-BE49-F238E27FC236}">
+                  <a16:creationId xmlns:a16="http://schemas.microsoft.com/office/drawing/2014/main" id="{C5954652-72F1-9540-8769-54E33C0697F3}"/>
+                </a:ext>
+              </a:extLst>
+            </p:cNvPr>
+            <p:cNvSpPr>
+              <a:spLocks noChangeAspect="1"/>
+            </p:cNvSpPr>
+            <p:nvPr/>
+          </p:nvSpPr>
+          <p:spPr>
+            <a:xfrm>
+              <a:off x="5760000" y="0"/>
+              <a:ext cx="360000" cy="360000"/>
+            </a:xfrm>
+            <a:prstGeom prst="ellipse">
+              <a:avLst/>
+            </a:prstGeom>
+            <a:solidFill>
+              <a:schemeClr val="accent5">
+                <a:lumMod val="60000"/>
+                <a:lumOff val="40000"/>
+              </a:schemeClr>
+            </a:solidFill>
+            <a:ln>
+              <a:solidFill>
+                <a:schemeClr val="accent5"/>
+              </a:solidFill>
+            </a:ln>
+          </p:spPr>
+          <p:style>
+            <a:lnRef idx="2">
+              <a:schemeClr val="accent1">
+                <a:shade val="50000"/>
+              </a:schemeClr>
+            </a:lnRef>
+            <a:fillRef idx="1">
+              <a:schemeClr val="accent1"/>
+            </a:fillRef>
+            <a:effectRef idx="0">
+              <a:schemeClr val="accent1"/>
+            </a:effectRef>
+            <a:fontRef idx="minor">
+              <a:schemeClr val="lt1"/>
+            </a:fontRef>
+          </p:style>
+          <p:txBody>
+            <a:bodyPr wrap="none" lIns="90000" rtlCol="0" anchor="ctr">
+              <a:noAutofit/>
+            </a:bodyPr>
+            <a:lstStyle/>
+            <a:p>
+              <a:pPr algn="ctr"/>
+              <a:r>
+                <a:rPr lang="en-US" i="1" dirty="0" err="1">
+                  <a:solidFill>
+                    <a:schemeClr val="tx1"/>
+                  </a:solidFill>
+                  <a:latin typeface="Times" pitchFamily="2" charset="0"/>
+                </a:rPr>
+                <a:t>l</a:t>
+              </a:r>
+              <a:r>
+                <a:rPr lang="en-US" i="1" baseline="-25000" dirty="0" err="1">
+                  <a:solidFill>
+                    <a:schemeClr val="tx1"/>
+                  </a:solidFill>
+                  <a:latin typeface="Times" pitchFamily="2" charset="0"/>
+                </a:rPr>
+                <a:t>p</a:t>
+              </a:r>
+              <a:r>
+                <a:rPr lang="en-US" baseline="30000" dirty="0">
+                  <a:solidFill>
+                    <a:schemeClr val="tx1"/>
+                  </a:solidFill>
+                  <a:latin typeface="Times" pitchFamily="2" charset="0"/>
+                </a:rPr>
+                <a:t>(1)</a:t>
+              </a:r>
+              <a:endParaRPr lang="en-US" i="1" baseline="-25000" dirty="0">
+                <a:solidFill>
+                  <a:schemeClr val="tx1"/>
+                </a:solidFill>
+                <a:latin typeface="Times" pitchFamily="2" charset="0"/>
+              </a:endParaRPr>
+            </a:p>
+          </p:txBody>
+        </p:sp>
+      </p:grpSp>
+      <p:grpSp>
+        <p:nvGrpSpPr>
+          <p:cNvPr id="64" name="Group 63">
+            <a:extLst>
+              <a:ext uri="{FF2B5EF4-FFF2-40B4-BE49-F238E27FC236}">
+                <a16:creationId xmlns:a16="http://schemas.microsoft.com/office/drawing/2014/main" id="{6AD79A66-D7B3-AF4F-A50D-A6B5554B6DEE}"/>
+              </a:ext>
+            </a:extLst>
+          </p:cNvPr>
+          <p:cNvGrpSpPr/>
+          <p:nvPr/>
+        </p:nvGrpSpPr>
+        <p:grpSpPr>
+          <a:xfrm>
+            <a:off x="6840000" y="0"/>
+            <a:ext cx="360000" cy="2160000"/>
+            <a:chOff x="5760000" y="0"/>
+            <a:chExt cx="360000" cy="2160000"/>
+          </a:xfrm>
+        </p:grpSpPr>
+        <p:sp>
+          <p:nvSpPr>
+            <p:cNvPr id="65" name="Oval 64">
+              <a:extLst>
+                <a:ext uri="{FF2B5EF4-FFF2-40B4-BE49-F238E27FC236}">
+                  <a16:creationId xmlns:a16="http://schemas.microsoft.com/office/drawing/2014/main" id="{75A1328B-0CD2-4C46-A9EA-C746FFEC9AB6}"/>
+                </a:ext>
+              </a:extLst>
+            </p:cNvPr>
+            <p:cNvSpPr>
+              <a:spLocks noChangeAspect="1"/>
+            </p:cNvSpPr>
+            <p:nvPr/>
+          </p:nvSpPr>
+          <p:spPr>
+            <a:xfrm>
+              <a:off x="5760000" y="1440000"/>
+              <a:ext cx="360000" cy="360000"/>
+            </a:xfrm>
+            <a:prstGeom prst="ellipse">
+              <a:avLst/>
+            </a:prstGeom>
+            <a:solidFill>
+              <a:schemeClr val="accent6">
+                <a:lumMod val="60000"/>
+                <a:lumOff val="40000"/>
+              </a:schemeClr>
+            </a:solidFill>
+            <a:ln>
+              <a:solidFill>
+                <a:schemeClr val="accent6"/>
+              </a:solidFill>
+            </a:ln>
+          </p:spPr>
+          <p:style>
+            <a:lnRef idx="2">
+              <a:schemeClr val="accent1">
+                <a:shade val="50000"/>
+              </a:schemeClr>
+            </a:lnRef>
+            <a:fillRef idx="1">
+              <a:schemeClr val="accent1"/>
+            </a:fillRef>
+            <a:effectRef idx="0">
+              <a:schemeClr val="accent1"/>
+            </a:effectRef>
+            <a:fontRef idx="minor">
+              <a:schemeClr val="lt1"/>
+            </a:fontRef>
+          </p:style>
+          <p:txBody>
+            <a:bodyPr wrap="none" lIns="90000" rtlCol="0" anchor="ctr">
+              <a:noAutofit/>
+            </a:bodyPr>
+            <a:lstStyle/>
+            <a:p>
+              <a:pPr algn="ctr"/>
+              <a:r>
+                <a:rPr lang="en-US" i="1" dirty="0" err="1">
+                  <a:solidFill>
+                    <a:schemeClr val="tx1"/>
+                  </a:solidFill>
+                  <a:latin typeface="Times" pitchFamily="2" charset="0"/>
+                </a:rPr>
+                <a:t>w</a:t>
+              </a:r>
+              <a:r>
+                <a:rPr lang="en-US" i="1" baseline="-25000" dirty="0" err="1">
+                  <a:solidFill>
+                    <a:schemeClr val="tx1"/>
+                  </a:solidFill>
+                  <a:latin typeface="Times" pitchFamily="2" charset="0"/>
+                </a:rPr>
+                <a:t>r</a:t>
+              </a:r>
+              <a:r>
+                <a:rPr lang="en-US" baseline="30000" dirty="0">
+                  <a:solidFill>
+                    <a:schemeClr val="tx1"/>
+                  </a:solidFill>
+                  <a:latin typeface="Times" pitchFamily="2" charset="0"/>
+                </a:rPr>
+                <a:t>(2)</a:t>
+              </a:r>
+              <a:endParaRPr lang="en-US" i="1" baseline="-25000" dirty="0">
+                <a:solidFill>
+                  <a:schemeClr val="tx1"/>
+                </a:solidFill>
+                <a:latin typeface="Times" pitchFamily="2" charset="0"/>
+              </a:endParaRPr>
+            </a:p>
+          </p:txBody>
+        </p:sp>
+        <p:sp>
+          <p:nvSpPr>
+            <p:cNvPr id="66" name="Oval 65">
+              <a:extLst>
+                <a:ext uri="{FF2B5EF4-FFF2-40B4-BE49-F238E27FC236}">
+                  <a16:creationId xmlns:a16="http://schemas.microsoft.com/office/drawing/2014/main" id="{83B3AE7E-196B-9742-9829-776DA0F9C3AF}"/>
+                </a:ext>
+              </a:extLst>
+            </p:cNvPr>
+            <p:cNvSpPr>
+              <a:spLocks noChangeAspect="1"/>
+            </p:cNvSpPr>
+            <p:nvPr/>
+          </p:nvSpPr>
+          <p:spPr>
+            <a:xfrm>
+              <a:off x="5760000" y="360000"/>
+              <a:ext cx="360000" cy="360000"/>
+            </a:xfrm>
+            <a:prstGeom prst="ellipse">
+              <a:avLst/>
+            </a:prstGeom>
+            <a:solidFill>
+              <a:schemeClr val="accent5">
+                <a:lumMod val="60000"/>
+                <a:lumOff val="40000"/>
+              </a:schemeClr>
+            </a:solidFill>
+            <a:ln>
+              <a:solidFill>
+                <a:schemeClr val="accent5"/>
+              </a:solidFill>
+            </a:ln>
+          </p:spPr>
+          <p:style>
+            <a:lnRef idx="2">
+              <a:schemeClr val="accent1">
+                <a:shade val="50000"/>
+              </a:schemeClr>
+            </a:lnRef>
+            <a:fillRef idx="1">
+              <a:schemeClr val="accent1"/>
+            </a:fillRef>
+            <a:effectRef idx="0">
+              <a:schemeClr val="accent1"/>
+            </a:effectRef>
+            <a:fontRef idx="minor">
+              <a:schemeClr val="lt1"/>
+            </a:fontRef>
+          </p:style>
+          <p:txBody>
+            <a:bodyPr wrap="none" lIns="90000" rtlCol="0" anchor="ctr">
+              <a:noAutofit/>
+            </a:bodyPr>
+            <a:lstStyle/>
+            <a:p>
+              <a:pPr algn="ctr"/>
+              <a:r>
+                <a:rPr lang="en-US" i="1" dirty="0">
+                  <a:solidFill>
+                    <a:schemeClr val="tx1"/>
+                  </a:solidFill>
+                  <a:latin typeface="Times" pitchFamily="2" charset="0"/>
+                </a:rPr>
+                <a:t>l</a:t>
+              </a:r>
+              <a:r>
+                <a:rPr lang="en-US" i="1" baseline="-25000" dirty="0">
+                  <a:solidFill>
+                    <a:schemeClr val="tx1"/>
+                  </a:solidFill>
+                  <a:latin typeface="Times" pitchFamily="2" charset="0"/>
+                </a:rPr>
+                <a:t>n</a:t>
+              </a:r>
+              <a:r>
+                <a:rPr lang="en-US" baseline="30000" dirty="0">
+                  <a:solidFill>
+                    <a:schemeClr val="tx1"/>
+                  </a:solidFill>
+                  <a:latin typeface="Times" pitchFamily="2" charset="0"/>
+                </a:rPr>
+                <a:t>(2)</a:t>
+              </a:r>
+              <a:endParaRPr lang="en-US" i="1" baseline="-25000" dirty="0">
+                <a:solidFill>
+                  <a:schemeClr val="tx1"/>
+                </a:solidFill>
+                <a:latin typeface="Times" pitchFamily="2" charset="0"/>
+              </a:endParaRPr>
+            </a:p>
+          </p:txBody>
+        </p:sp>
+        <p:sp>
+          <p:nvSpPr>
+            <p:cNvPr id="67" name="Oval 66">
+              <a:extLst>
+                <a:ext uri="{FF2B5EF4-FFF2-40B4-BE49-F238E27FC236}">
+                  <a16:creationId xmlns:a16="http://schemas.microsoft.com/office/drawing/2014/main" id="{F2F6E8B9-DD3B-2F48-8E12-803081E967F8}"/>
+                </a:ext>
+              </a:extLst>
+            </p:cNvPr>
+            <p:cNvSpPr>
+              <a:spLocks noChangeAspect="1"/>
+            </p:cNvSpPr>
+            <p:nvPr/>
+          </p:nvSpPr>
+          <p:spPr>
+            <a:xfrm>
+              <a:off x="5760000" y="1800000"/>
+              <a:ext cx="360000" cy="360000"/>
+            </a:xfrm>
+            <a:prstGeom prst="ellipse">
+              <a:avLst/>
+            </a:prstGeom>
+            <a:solidFill>
+              <a:schemeClr val="accent6">
+                <a:lumMod val="60000"/>
+                <a:lumOff val="40000"/>
+              </a:schemeClr>
+            </a:solidFill>
+            <a:ln>
+              <a:solidFill>
+                <a:schemeClr val="accent6"/>
+              </a:solidFill>
+            </a:ln>
+          </p:spPr>
+          <p:style>
+            <a:lnRef idx="2">
+              <a:schemeClr val="accent1">
+                <a:shade val="50000"/>
+              </a:schemeClr>
+            </a:lnRef>
+            <a:fillRef idx="1">
+              <a:schemeClr val="accent1"/>
+            </a:fillRef>
+            <a:effectRef idx="0">
+              <a:schemeClr val="accent1"/>
+            </a:effectRef>
+            <a:fontRef idx="minor">
+              <a:schemeClr val="lt1"/>
+            </a:fontRef>
+          </p:style>
+          <p:txBody>
+            <a:bodyPr wrap="none" lIns="90000" rtlCol="0" anchor="ctr">
+              <a:noAutofit/>
+            </a:bodyPr>
+            <a:lstStyle/>
+            <a:p>
+              <a:pPr algn="ctr"/>
+              <a:r>
+                <a:rPr lang="en-US" i="1" dirty="0" err="1">
+                  <a:solidFill>
+                    <a:schemeClr val="tx1"/>
+                  </a:solidFill>
+                  <a:latin typeface="Times" pitchFamily="2" charset="0"/>
+                </a:rPr>
+                <a:t>h</a:t>
+              </a:r>
+              <a:r>
+                <a:rPr lang="en-US" i="1" baseline="-25000" dirty="0" err="1">
+                  <a:solidFill>
+                    <a:schemeClr val="tx1"/>
+                  </a:solidFill>
+                  <a:latin typeface="Times" pitchFamily="2" charset="0"/>
+                </a:rPr>
+                <a:t>r</a:t>
+              </a:r>
+              <a:r>
+                <a:rPr lang="en-US" baseline="30000" dirty="0">
+                  <a:solidFill>
+                    <a:schemeClr val="tx1"/>
+                  </a:solidFill>
+                  <a:latin typeface="Times" pitchFamily="2" charset="0"/>
+                </a:rPr>
+                <a:t>(2)</a:t>
+              </a:r>
+              <a:endParaRPr lang="en-US" i="1" baseline="-25000" dirty="0">
+                <a:solidFill>
+                  <a:schemeClr val="tx1"/>
+                </a:solidFill>
+                <a:latin typeface="Times" pitchFamily="2" charset="0"/>
+              </a:endParaRPr>
+            </a:p>
+          </p:txBody>
+        </p:sp>
+        <p:sp>
+          <p:nvSpPr>
+            <p:cNvPr id="68" name="Oval 67">
+              <a:extLst>
+                <a:ext uri="{FF2B5EF4-FFF2-40B4-BE49-F238E27FC236}">
+                  <a16:creationId xmlns:a16="http://schemas.microsoft.com/office/drawing/2014/main" id="{3EAA04FC-8560-BA4C-9EC7-D7200F17BCBA}"/>
+                </a:ext>
+              </a:extLst>
+            </p:cNvPr>
+            <p:cNvSpPr>
+              <a:spLocks noChangeAspect="1"/>
+            </p:cNvSpPr>
+            <p:nvPr/>
+          </p:nvSpPr>
+          <p:spPr>
+            <a:xfrm>
+              <a:off x="5760000" y="720000"/>
+              <a:ext cx="360000" cy="360000"/>
+            </a:xfrm>
+            <a:prstGeom prst="ellipse">
+              <a:avLst/>
+            </a:prstGeom>
+            <a:solidFill>
+              <a:schemeClr val="accent6">
+                <a:lumMod val="60000"/>
+                <a:lumOff val="40000"/>
+              </a:schemeClr>
+            </a:solidFill>
+            <a:ln>
+              <a:solidFill>
+                <a:schemeClr val="accent6"/>
+              </a:solidFill>
+            </a:ln>
+          </p:spPr>
+          <p:style>
+            <a:lnRef idx="2">
+              <a:schemeClr val="accent1">
+                <a:shade val="50000"/>
+              </a:schemeClr>
+            </a:lnRef>
+            <a:fillRef idx="1">
+              <a:schemeClr val="accent1"/>
+            </a:fillRef>
+            <a:effectRef idx="0">
+              <a:schemeClr val="accent1"/>
+            </a:effectRef>
+            <a:fontRef idx="minor">
+              <a:schemeClr val="lt1"/>
+            </a:fontRef>
+          </p:style>
+          <p:txBody>
+            <a:bodyPr wrap="none" lIns="90000" rtlCol="0" anchor="ctr">
+              <a:noAutofit/>
+            </a:bodyPr>
+            <a:lstStyle/>
+            <a:p>
+              <a:pPr algn="ctr"/>
+              <a:r>
+                <a:rPr lang="en-US" i="1" dirty="0" err="1">
+                  <a:solidFill>
+                    <a:schemeClr val="tx1"/>
+                  </a:solidFill>
+                  <a:latin typeface="Times" pitchFamily="2" charset="0"/>
+                </a:rPr>
+                <a:t>x</a:t>
+              </a:r>
+              <a:r>
+                <a:rPr lang="en-US" i="1" baseline="-25000" dirty="0" err="1">
+                  <a:solidFill>
+                    <a:schemeClr val="tx1"/>
+                  </a:solidFill>
+                  <a:latin typeface="Times" pitchFamily="2" charset="0"/>
+                </a:rPr>
+                <a:t>r</a:t>
+              </a:r>
+              <a:r>
+                <a:rPr lang="en-US" baseline="30000" dirty="0">
+                  <a:solidFill>
+                    <a:schemeClr val="tx1"/>
+                  </a:solidFill>
+                  <a:latin typeface="Times" pitchFamily="2" charset="0"/>
+                </a:rPr>
+                <a:t>(2)</a:t>
+              </a:r>
+              <a:endParaRPr lang="en-US" i="1" baseline="-25000" dirty="0">
+                <a:solidFill>
+                  <a:schemeClr val="tx1"/>
+                </a:solidFill>
+                <a:latin typeface="Times" pitchFamily="2" charset="0"/>
+              </a:endParaRPr>
+            </a:p>
+          </p:txBody>
+        </p:sp>
+        <p:sp>
+          <p:nvSpPr>
+            <p:cNvPr id="69" name="Oval 68">
+              <a:extLst>
+                <a:ext uri="{FF2B5EF4-FFF2-40B4-BE49-F238E27FC236}">
+                  <a16:creationId xmlns:a16="http://schemas.microsoft.com/office/drawing/2014/main" id="{B6C82D74-DDD8-7545-817B-0CDAF24B5C4A}"/>
+                </a:ext>
+              </a:extLst>
+            </p:cNvPr>
+            <p:cNvSpPr>
+              <a:spLocks noChangeAspect="1"/>
+            </p:cNvSpPr>
+            <p:nvPr/>
+          </p:nvSpPr>
+          <p:spPr>
+            <a:xfrm>
+              <a:off x="5760000" y="1080000"/>
+              <a:ext cx="360000" cy="360000"/>
+            </a:xfrm>
+            <a:prstGeom prst="ellipse">
+              <a:avLst/>
+            </a:prstGeom>
+            <a:solidFill>
+              <a:schemeClr val="accent6">
+                <a:lumMod val="60000"/>
+                <a:lumOff val="40000"/>
+              </a:schemeClr>
+            </a:solidFill>
+            <a:ln>
+              <a:solidFill>
+                <a:schemeClr val="accent6"/>
+              </a:solidFill>
+            </a:ln>
+          </p:spPr>
+          <p:style>
+            <a:lnRef idx="2">
+              <a:schemeClr val="accent1">
+                <a:shade val="50000"/>
+              </a:schemeClr>
+            </a:lnRef>
+            <a:fillRef idx="1">
+              <a:schemeClr val="accent1"/>
+            </a:fillRef>
+            <a:effectRef idx="0">
+              <a:schemeClr val="accent1"/>
+            </a:effectRef>
+            <a:fontRef idx="minor">
+              <a:schemeClr val="lt1"/>
+            </a:fontRef>
+          </p:style>
+          <p:txBody>
+            <a:bodyPr wrap="none" lIns="90000" rtlCol="0" anchor="ctr">
+              <a:noAutofit/>
+            </a:bodyPr>
+            <a:lstStyle/>
+            <a:p>
+              <a:pPr algn="ctr"/>
+              <a:r>
+                <a:rPr lang="en-US" i="1" dirty="0" err="1">
+                  <a:solidFill>
+                    <a:schemeClr val="tx1"/>
+                  </a:solidFill>
+                  <a:latin typeface="Times" pitchFamily="2" charset="0"/>
+                </a:rPr>
+                <a:t>y</a:t>
+              </a:r>
+              <a:r>
+                <a:rPr lang="en-US" i="1" baseline="-25000" dirty="0" err="1">
+                  <a:solidFill>
+                    <a:schemeClr val="tx1"/>
+                  </a:solidFill>
+                  <a:latin typeface="Times" pitchFamily="2" charset="0"/>
+                </a:rPr>
+                <a:t>r</a:t>
+              </a:r>
+              <a:r>
+                <a:rPr lang="en-US" baseline="30000" dirty="0">
+                  <a:solidFill>
+                    <a:schemeClr val="tx1"/>
+                  </a:solidFill>
+                  <a:latin typeface="Times" pitchFamily="2" charset="0"/>
+                </a:rPr>
+                <a:t>(2)</a:t>
+              </a:r>
+              <a:endParaRPr lang="en-US" i="1" baseline="-25000" dirty="0">
+                <a:solidFill>
+                  <a:schemeClr val="tx1"/>
+                </a:solidFill>
+                <a:latin typeface="Times" pitchFamily="2" charset="0"/>
+              </a:endParaRPr>
+            </a:p>
+          </p:txBody>
+        </p:sp>
+        <p:sp>
+          <p:nvSpPr>
+            <p:cNvPr id="70" name="Oval 69">
+              <a:extLst>
+                <a:ext uri="{FF2B5EF4-FFF2-40B4-BE49-F238E27FC236}">
+                  <a16:creationId xmlns:a16="http://schemas.microsoft.com/office/drawing/2014/main" id="{87B3584F-6FC4-DE4D-82F0-7CF3471AA3EA}"/>
+                </a:ext>
+              </a:extLst>
+            </p:cNvPr>
+            <p:cNvSpPr>
+              <a:spLocks noChangeAspect="1"/>
+            </p:cNvSpPr>
+            <p:nvPr/>
+          </p:nvSpPr>
+          <p:spPr>
+            <a:xfrm>
+              <a:off x="5760000" y="0"/>
+              <a:ext cx="360000" cy="360000"/>
+            </a:xfrm>
+            <a:prstGeom prst="ellipse">
+              <a:avLst/>
+            </a:prstGeom>
+            <a:solidFill>
+              <a:schemeClr val="accent5">
+                <a:lumMod val="60000"/>
+                <a:lumOff val="40000"/>
+              </a:schemeClr>
+            </a:solidFill>
+            <a:ln>
+              <a:solidFill>
+                <a:schemeClr val="accent5"/>
+              </a:solidFill>
+            </a:ln>
+          </p:spPr>
+          <p:style>
+            <a:lnRef idx="2">
+              <a:schemeClr val="accent1">
+                <a:shade val="50000"/>
+              </a:schemeClr>
+            </a:lnRef>
+            <a:fillRef idx="1">
+              <a:schemeClr val="accent1"/>
+            </a:fillRef>
+            <a:effectRef idx="0">
+              <a:schemeClr val="accent1"/>
+            </a:effectRef>
+            <a:fontRef idx="minor">
+              <a:schemeClr val="lt1"/>
+            </a:fontRef>
+          </p:style>
+          <p:txBody>
+            <a:bodyPr wrap="none" lIns="90000" rtlCol="0" anchor="ctr">
+              <a:noAutofit/>
+            </a:bodyPr>
+            <a:lstStyle/>
+            <a:p>
+              <a:pPr algn="ctr"/>
+              <a:r>
+                <a:rPr lang="en-US" i="1" dirty="0" err="1">
+                  <a:solidFill>
+                    <a:schemeClr val="tx1"/>
+                  </a:solidFill>
+                  <a:latin typeface="Times" pitchFamily="2" charset="0"/>
+                </a:rPr>
+                <a:t>l</a:t>
+              </a:r>
+              <a:r>
+                <a:rPr lang="en-US" i="1" baseline="-25000" dirty="0" err="1">
+                  <a:solidFill>
+                    <a:schemeClr val="tx1"/>
+                  </a:solidFill>
+                  <a:latin typeface="Times" pitchFamily="2" charset="0"/>
+                </a:rPr>
+                <a:t>p</a:t>
+              </a:r>
+              <a:r>
+                <a:rPr lang="en-US" baseline="30000" dirty="0">
+                  <a:solidFill>
+                    <a:schemeClr val="tx1"/>
+                  </a:solidFill>
+                  <a:latin typeface="Times" pitchFamily="2" charset="0"/>
+                </a:rPr>
+                <a:t>(2)</a:t>
+              </a:r>
+              <a:endParaRPr lang="en-US" i="1" baseline="-25000" dirty="0">
+                <a:solidFill>
+                  <a:schemeClr val="tx1"/>
+                </a:solidFill>
+                <a:latin typeface="Times" pitchFamily="2" charset="0"/>
+              </a:endParaRPr>
+            </a:p>
+          </p:txBody>
+        </p:sp>
+      </p:grpSp>
+      <p:grpSp>
+        <p:nvGrpSpPr>
+          <p:cNvPr id="71" name="Group 70">
+            <a:extLst>
+              <a:ext uri="{FF2B5EF4-FFF2-40B4-BE49-F238E27FC236}">
+                <a16:creationId xmlns:a16="http://schemas.microsoft.com/office/drawing/2014/main" id="{2FBFDC0B-0AA5-F742-B54A-E8B2BD638324}"/>
+              </a:ext>
+            </a:extLst>
+          </p:cNvPr>
+          <p:cNvGrpSpPr/>
+          <p:nvPr/>
+        </p:nvGrpSpPr>
+        <p:grpSpPr>
+          <a:xfrm>
+            <a:off x="7560000" y="0"/>
+            <a:ext cx="360000" cy="2160000"/>
+            <a:chOff x="5760000" y="0"/>
+            <a:chExt cx="360000" cy="2160000"/>
+          </a:xfrm>
+        </p:grpSpPr>
+        <p:sp>
+          <p:nvSpPr>
+            <p:cNvPr id="72" name="Oval 71">
+              <a:extLst>
+                <a:ext uri="{FF2B5EF4-FFF2-40B4-BE49-F238E27FC236}">
+                  <a16:creationId xmlns:a16="http://schemas.microsoft.com/office/drawing/2014/main" id="{0BE9EEA2-CCAB-6D42-A0F3-9D78551E996E}"/>
+                </a:ext>
+              </a:extLst>
+            </p:cNvPr>
+            <p:cNvSpPr>
+              <a:spLocks noChangeAspect="1"/>
+            </p:cNvSpPr>
+            <p:nvPr/>
+          </p:nvSpPr>
+          <p:spPr>
+            <a:xfrm>
+              <a:off x="5760000" y="1440000"/>
+              <a:ext cx="360000" cy="360000"/>
+            </a:xfrm>
+            <a:prstGeom prst="ellipse">
+              <a:avLst/>
+            </a:prstGeom>
+            <a:solidFill>
+              <a:schemeClr val="accent6">
+                <a:lumMod val="60000"/>
+                <a:lumOff val="40000"/>
+              </a:schemeClr>
+            </a:solidFill>
+            <a:ln>
+              <a:solidFill>
+                <a:schemeClr val="accent6"/>
+              </a:solidFill>
+            </a:ln>
+          </p:spPr>
+          <p:style>
+            <a:lnRef idx="2">
+              <a:schemeClr val="accent1">
+                <a:shade val="50000"/>
+              </a:schemeClr>
+            </a:lnRef>
+            <a:fillRef idx="1">
+              <a:schemeClr val="accent1"/>
+            </a:fillRef>
+            <a:effectRef idx="0">
+              <a:schemeClr val="accent1"/>
+            </a:effectRef>
+            <a:fontRef idx="minor">
+              <a:schemeClr val="lt1"/>
+            </a:fontRef>
+          </p:style>
+          <p:txBody>
+            <a:bodyPr wrap="none" lIns="90000" rtlCol="0" anchor="ctr">
+              <a:noAutofit/>
+            </a:bodyPr>
+            <a:lstStyle/>
+            <a:p>
+              <a:pPr algn="ctr"/>
+              <a:r>
+                <a:rPr lang="en-US" i="1" dirty="0" err="1">
+                  <a:solidFill>
+                    <a:schemeClr val="tx1"/>
+                  </a:solidFill>
+                  <a:latin typeface="Times" pitchFamily="2" charset="0"/>
+                </a:rPr>
+                <a:t>w</a:t>
+              </a:r>
+              <a:r>
+                <a:rPr lang="en-US" i="1" baseline="-25000" dirty="0" err="1">
+                  <a:solidFill>
+                    <a:schemeClr val="tx1"/>
+                  </a:solidFill>
+                  <a:latin typeface="Times" pitchFamily="2" charset="0"/>
+                </a:rPr>
+                <a:t>r</a:t>
+              </a:r>
+              <a:r>
+                <a:rPr lang="en-US" baseline="30000" dirty="0">
+                  <a:solidFill>
+                    <a:schemeClr val="tx1"/>
+                  </a:solidFill>
+                  <a:latin typeface="Times" pitchFamily="2" charset="0"/>
+                </a:rPr>
+                <a:t>(</a:t>
+              </a:r>
+              <a:r>
+                <a:rPr lang="en-US" i="1" baseline="30000" dirty="0">
+                  <a:solidFill>
+                    <a:schemeClr val="tx1"/>
+                  </a:solidFill>
+                  <a:latin typeface="Times" pitchFamily="2" charset="0"/>
+                </a:rPr>
+                <a:t>i</a:t>
+              </a:r>
+              <a:r>
+                <a:rPr lang="en-US" baseline="30000" dirty="0">
+                  <a:solidFill>
+                    <a:schemeClr val="tx1"/>
+                  </a:solidFill>
+                  <a:latin typeface="Times" pitchFamily="2" charset="0"/>
+                </a:rPr>
+                <a:t>)</a:t>
+              </a:r>
+              <a:endParaRPr lang="en-US" i="1" baseline="-25000" dirty="0">
+                <a:solidFill>
+                  <a:schemeClr val="tx1"/>
+                </a:solidFill>
+                <a:latin typeface="Times" pitchFamily="2" charset="0"/>
+              </a:endParaRPr>
+            </a:p>
+          </p:txBody>
+        </p:sp>
+        <p:sp>
+          <p:nvSpPr>
+            <p:cNvPr id="73" name="Oval 72">
+              <a:extLst>
+                <a:ext uri="{FF2B5EF4-FFF2-40B4-BE49-F238E27FC236}">
+                  <a16:creationId xmlns:a16="http://schemas.microsoft.com/office/drawing/2014/main" id="{A99F8E2E-F420-4240-A6C1-D36C46C9620B}"/>
+                </a:ext>
+              </a:extLst>
+            </p:cNvPr>
+            <p:cNvSpPr>
+              <a:spLocks noChangeAspect="1"/>
+            </p:cNvSpPr>
+            <p:nvPr/>
+          </p:nvSpPr>
+          <p:spPr>
+            <a:xfrm>
+              <a:off x="5760000" y="360000"/>
+              <a:ext cx="360000" cy="360000"/>
+            </a:xfrm>
+            <a:prstGeom prst="ellipse">
+              <a:avLst/>
+            </a:prstGeom>
+            <a:solidFill>
+              <a:schemeClr val="accent5">
+                <a:lumMod val="60000"/>
+                <a:lumOff val="40000"/>
+              </a:schemeClr>
+            </a:solidFill>
+            <a:ln>
+              <a:solidFill>
+                <a:schemeClr val="accent5"/>
+              </a:solidFill>
+            </a:ln>
+          </p:spPr>
+          <p:style>
+            <a:lnRef idx="2">
+              <a:schemeClr val="accent1">
+                <a:shade val="50000"/>
+              </a:schemeClr>
+            </a:lnRef>
+            <a:fillRef idx="1">
+              <a:schemeClr val="accent1"/>
+            </a:fillRef>
+            <a:effectRef idx="0">
+              <a:schemeClr val="accent1"/>
+            </a:effectRef>
+            <a:fontRef idx="minor">
+              <a:schemeClr val="lt1"/>
+            </a:fontRef>
+          </p:style>
+          <p:txBody>
+            <a:bodyPr wrap="none" lIns="90000" rtlCol="0" anchor="ctr">
+              <a:noAutofit/>
+            </a:bodyPr>
+            <a:lstStyle/>
+            <a:p>
+              <a:pPr algn="ctr"/>
+              <a:r>
+                <a:rPr lang="en-US" i="1" dirty="0">
+                  <a:solidFill>
+                    <a:schemeClr val="tx1"/>
+                  </a:solidFill>
+                  <a:latin typeface="Times" pitchFamily="2" charset="0"/>
+                </a:rPr>
+                <a:t>l</a:t>
+              </a:r>
+              <a:r>
+                <a:rPr lang="en-US" i="1" baseline="-25000" dirty="0">
+                  <a:solidFill>
+                    <a:schemeClr val="tx1"/>
+                  </a:solidFill>
+                  <a:latin typeface="Times" pitchFamily="2" charset="0"/>
+                </a:rPr>
+                <a:t>n</a:t>
+              </a:r>
+              <a:r>
+                <a:rPr lang="en-US" baseline="30000" dirty="0">
+                  <a:solidFill>
+                    <a:schemeClr val="tx1"/>
+                  </a:solidFill>
+                  <a:latin typeface="Times" pitchFamily="2" charset="0"/>
+                </a:rPr>
+                <a:t>(</a:t>
+              </a:r>
+              <a:r>
+                <a:rPr lang="en-US" i="1" baseline="30000" dirty="0">
+                  <a:solidFill>
+                    <a:schemeClr val="tx1"/>
+                  </a:solidFill>
+                  <a:latin typeface="Times" pitchFamily="2" charset="0"/>
+                </a:rPr>
+                <a:t>i</a:t>
+              </a:r>
+              <a:r>
+                <a:rPr lang="en-US" baseline="30000" dirty="0">
+                  <a:solidFill>
+                    <a:schemeClr val="tx1"/>
+                  </a:solidFill>
+                  <a:latin typeface="Times" pitchFamily="2" charset="0"/>
+                </a:rPr>
+                <a:t>)</a:t>
+              </a:r>
+              <a:endParaRPr lang="en-US" i="1" baseline="-25000" dirty="0">
+                <a:solidFill>
+                  <a:schemeClr val="tx1"/>
+                </a:solidFill>
+                <a:latin typeface="Times" pitchFamily="2" charset="0"/>
+              </a:endParaRPr>
+            </a:p>
+          </p:txBody>
+        </p:sp>
+        <p:sp>
+          <p:nvSpPr>
+            <p:cNvPr id="74" name="Oval 73">
+              <a:extLst>
+                <a:ext uri="{FF2B5EF4-FFF2-40B4-BE49-F238E27FC236}">
+                  <a16:creationId xmlns:a16="http://schemas.microsoft.com/office/drawing/2014/main" id="{9D47AFD0-038E-B940-802B-0E74A1AC438B}"/>
+                </a:ext>
+              </a:extLst>
+            </p:cNvPr>
+            <p:cNvSpPr>
+              <a:spLocks noChangeAspect="1"/>
+            </p:cNvSpPr>
+            <p:nvPr/>
+          </p:nvSpPr>
+          <p:spPr>
+            <a:xfrm>
+              <a:off x="5760000" y="1800000"/>
+              <a:ext cx="360000" cy="360000"/>
+            </a:xfrm>
+            <a:prstGeom prst="ellipse">
+              <a:avLst/>
+            </a:prstGeom>
+            <a:solidFill>
+              <a:schemeClr val="accent6">
+                <a:lumMod val="60000"/>
+                <a:lumOff val="40000"/>
+              </a:schemeClr>
+            </a:solidFill>
+            <a:ln>
+              <a:solidFill>
+                <a:schemeClr val="accent6"/>
+              </a:solidFill>
+            </a:ln>
+          </p:spPr>
+          <p:style>
+            <a:lnRef idx="2">
+              <a:schemeClr val="accent1">
+                <a:shade val="50000"/>
+              </a:schemeClr>
+            </a:lnRef>
+            <a:fillRef idx="1">
+              <a:schemeClr val="accent1"/>
+            </a:fillRef>
+            <a:effectRef idx="0">
+              <a:schemeClr val="accent1"/>
+            </a:effectRef>
+            <a:fontRef idx="minor">
+              <a:schemeClr val="lt1"/>
+            </a:fontRef>
+          </p:style>
+          <p:txBody>
+            <a:bodyPr wrap="none" lIns="90000" rtlCol="0" anchor="ctr">
+              <a:noAutofit/>
+            </a:bodyPr>
+            <a:lstStyle/>
+            <a:p>
+              <a:pPr algn="ctr"/>
+              <a:r>
+                <a:rPr lang="en-US" i="1" dirty="0" err="1">
+                  <a:solidFill>
+                    <a:schemeClr val="tx1"/>
+                  </a:solidFill>
+                  <a:latin typeface="Times" pitchFamily="2" charset="0"/>
+                </a:rPr>
+                <a:t>h</a:t>
+              </a:r>
+              <a:r>
+                <a:rPr lang="en-US" i="1" baseline="-25000" dirty="0" err="1">
+                  <a:solidFill>
+                    <a:schemeClr val="tx1"/>
+                  </a:solidFill>
+                  <a:latin typeface="Times" pitchFamily="2" charset="0"/>
+                </a:rPr>
+                <a:t>r</a:t>
+              </a:r>
+              <a:r>
+                <a:rPr lang="en-US" baseline="30000" dirty="0">
+                  <a:solidFill>
+                    <a:schemeClr val="tx1"/>
+                  </a:solidFill>
+                  <a:latin typeface="Times" pitchFamily="2" charset="0"/>
+                </a:rPr>
+                <a:t>(</a:t>
+              </a:r>
+              <a:r>
+                <a:rPr lang="en-US" i="1" baseline="30000" dirty="0">
+                  <a:solidFill>
+                    <a:schemeClr val="tx1"/>
+                  </a:solidFill>
+                  <a:latin typeface="Times" pitchFamily="2" charset="0"/>
+                </a:rPr>
+                <a:t>i</a:t>
+              </a:r>
+              <a:r>
+                <a:rPr lang="en-US" baseline="30000" dirty="0">
+                  <a:solidFill>
+                    <a:schemeClr val="tx1"/>
+                  </a:solidFill>
+                  <a:latin typeface="Times" pitchFamily="2" charset="0"/>
+                </a:rPr>
+                <a:t>)</a:t>
+              </a:r>
+              <a:endParaRPr lang="en-US" i="1" baseline="-25000" dirty="0">
+                <a:solidFill>
+                  <a:schemeClr val="tx1"/>
+                </a:solidFill>
+                <a:latin typeface="Times" pitchFamily="2" charset="0"/>
+              </a:endParaRPr>
+            </a:p>
+          </p:txBody>
+        </p:sp>
+        <p:sp>
+          <p:nvSpPr>
+            <p:cNvPr id="75" name="Oval 74">
+              <a:extLst>
+                <a:ext uri="{FF2B5EF4-FFF2-40B4-BE49-F238E27FC236}">
+                  <a16:creationId xmlns:a16="http://schemas.microsoft.com/office/drawing/2014/main" id="{10735D54-E971-AA43-BA45-59D651C9D32C}"/>
+                </a:ext>
+              </a:extLst>
+            </p:cNvPr>
+            <p:cNvSpPr>
+              <a:spLocks noChangeAspect="1"/>
+            </p:cNvSpPr>
+            <p:nvPr/>
+          </p:nvSpPr>
+          <p:spPr>
+            <a:xfrm>
+              <a:off x="5760000" y="720000"/>
+              <a:ext cx="360000" cy="360000"/>
+            </a:xfrm>
+            <a:prstGeom prst="ellipse">
+              <a:avLst/>
+            </a:prstGeom>
+            <a:solidFill>
+              <a:schemeClr val="accent6">
+                <a:lumMod val="60000"/>
+                <a:lumOff val="40000"/>
+              </a:schemeClr>
+            </a:solidFill>
+            <a:ln>
+              <a:solidFill>
+                <a:schemeClr val="accent6"/>
+              </a:solidFill>
+            </a:ln>
+          </p:spPr>
+          <p:style>
+            <a:lnRef idx="2">
+              <a:schemeClr val="accent1">
+                <a:shade val="50000"/>
+              </a:schemeClr>
+            </a:lnRef>
+            <a:fillRef idx="1">
+              <a:schemeClr val="accent1"/>
+            </a:fillRef>
+            <a:effectRef idx="0">
+              <a:schemeClr val="accent1"/>
+            </a:effectRef>
+            <a:fontRef idx="minor">
+              <a:schemeClr val="lt1"/>
+            </a:fontRef>
+          </p:style>
+          <p:txBody>
+            <a:bodyPr wrap="none" lIns="90000" rtlCol="0" anchor="ctr">
+              <a:noAutofit/>
+            </a:bodyPr>
+            <a:lstStyle/>
+            <a:p>
+              <a:pPr algn="ctr"/>
+              <a:r>
+                <a:rPr lang="en-US" i="1" dirty="0" err="1">
+                  <a:solidFill>
+                    <a:schemeClr val="tx1"/>
+                  </a:solidFill>
+                  <a:latin typeface="Times" pitchFamily="2" charset="0"/>
+                </a:rPr>
+                <a:t>x</a:t>
+              </a:r>
+              <a:r>
+                <a:rPr lang="en-US" i="1" baseline="-25000" dirty="0" err="1">
+                  <a:solidFill>
+                    <a:schemeClr val="tx1"/>
+                  </a:solidFill>
+                  <a:latin typeface="Times" pitchFamily="2" charset="0"/>
+                </a:rPr>
+                <a:t>r</a:t>
+              </a:r>
+              <a:r>
+                <a:rPr lang="en-US" baseline="30000" dirty="0">
+                  <a:solidFill>
+                    <a:schemeClr val="tx1"/>
+                  </a:solidFill>
+                  <a:latin typeface="Times" pitchFamily="2" charset="0"/>
+                </a:rPr>
+                <a:t>(</a:t>
+              </a:r>
+              <a:r>
+                <a:rPr lang="en-US" i="1" baseline="30000" dirty="0">
+                  <a:solidFill>
+                    <a:schemeClr val="tx1"/>
+                  </a:solidFill>
+                  <a:latin typeface="Times" pitchFamily="2" charset="0"/>
+                </a:rPr>
+                <a:t>i</a:t>
+              </a:r>
+              <a:r>
+                <a:rPr lang="en-US" baseline="30000" dirty="0">
+                  <a:solidFill>
+                    <a:schemeClr val="tx1"/>
+                  </a:solidFill>
+                  <a:latin typeface="Times" pitchFamily="2" charset="0"/>
+                </a:rPr>
+                <a:t>)</a:t>
+              </a:r>
+              <a:endParaRPr lang="en-US" i="1" baseline="-25000" dirty="0">
+                <a:solidFill>
+                  <a:schemeClr val="tx1"/>
+                </a:solidFill>
+                <a:latin typeface="Times" pitchFamily="2" charset="0"/>
+              </a:endParaRPr>
+            </a:p>
+          </p:txBody>
+        </p:sp>
+        <p:sp>
+          <p:nvSpPr>
+            <p:cNvPr id="76" name="Oval 75">
+              <a:extLst>
+                <a:ext uri="{FF2B5EF4-FFF2-40B4-BE49-F238E27FC236}">
+                  <a16:creationId xmlns:a16="http://schemas.microsoft.com/office/drawing/2014/main" id="{462DD8A9-FD52-574F-AB2C-A394E6863BC5}"/>
+                </a:ext>
+              </a:extLst>
+            </p:cNvPr>
+            <p:cNvSpPr>
+              <a:spLocks noChangeAspect="1"/>
+            </p:cNvSpPr>
+            <p:nvPr/>
+          </p:nvSpPr>
+          <p:spPr>
+            <a:xfrm>
+              <a:off x="5760000" y="1080000"/>
+              <a:ext cx="360000" cy="360000"/>
+            </a:xfrm>
+            <a:prstGeom prst="ellipse">
+              <a:avLst/>
+            </a:prstGeom>
+            <a:solidFill>
+              <a:schemeClr val="accent6">
+                <a:lumMod val="60000"/>
+                <a:lumOff val="40000"/>
+              </a:schemeClr>
+            </a:solidFill>
+            <a:ln>
+              <a:solidFill>
+                <a:schemeClr val="accent6"/>
+              </a:solidFill>
+            </a:ln>
+          </p:spPr>
+          <p:style>
+            <a:lnRef idx="2">
+              <a:schemeClr val="accent1">
+                <a:shade val="50000"/>
+              </a:schemeClr>
+            </a:lnRef>
+            <a:fillRef idx="1">
+              <a:schemeClr val="accent1"/>
+            </a:fillRef>
+            <a:effectRef idx="0">
+              <a:schemeClr val="accent1"/>
+            </a:effectRef>
+            <a:fontRef idx="minor">
+              <a:schemeClr val="lt1"/>
+            </a:fontRef>
+          </p:style>
+          <p:txBody>
+            <a:bodyPr wrap="none" lIns="90000" rtlCol="0" anchor="ctr">
+              <a:noAutofit/>
+            </a:bodyPr>
+            <a:lstStyle/>
+            <a:p>
+              <a:pPr algn="ctr"/>
+              <a:r>
+                <a:rPr lang="en-US" i="1" dirty="0" err="1">
+                  <a:solidFill>
+                    <a:schemeClr val="tx1"/>
+                  </a:solidFill>
+                  <a:latin typeface="Times" pitchFamily="2" charset="0"/>
+                </a:rPr>
+                <a:t>y</a:t>
+              </a:r>
+              <a:r>
+                <a:rPr lang="en-US" i="1" baseline="-25000" dirty="0" err="1">
+                  <a:solidFill>
+                    <a:schemeClr val="tx1"/>
+                  </a:solidFill>
+                  <a:latin typeface="Times" pitchFamily="2" charset="0"/>
+                </a:rPr>
+                <a:t>r</a:t>
+              </a:r>
+              <a:r>
+                <a:rPr lang="en-US" baseline="30000" dirty="0">
+                  <a:solidFill>
+                    <a:schemeClr val="tx1"/>
+                  </a:solidFill>
+                  <a:latin typeface="Times" pitchFamily="2" charset="0"/>
+                </a:rPr>
+                <a:t>(</a:t>
+              </a:r>
+              <a:r>
+                <a:rPr lang="en-US" i="1" baseline="30000" dirty="0">
+                  <a:solidFill>
+                    <a:schemeClr val="tx1"/>
+                  </a:solidFill>
+                  <a:latin typeface="Times" pitchFamily="2" charset="0"/>
+                </a:rPr>
+                <a:t>i</a:t>
+              </a:r>
+              <a:r>
+                <a:rPr lang="en-US" baseline="30000" dirty="0">
+                  <a:solidFill>
+                    <a:schemeClr val="tx1"/>
+                  </a:solidFill>
+                  <a:latin typeface="Times" pitchFamily="2" charset="0"/>
+                </a:rPr>
+                <a:t>)</a:t>
+              </a:r>
+              <a:endParaRPr lang="en-US" i="1" baseline="-25000" dirty="0">
+                <a:solidFill>
+                  <a:schemeClr val="tx1"/>
+                </a:solidFill>
+                <a:latin typeface="Times" pitchFamily="2" charset="0"/>
+              </a:endParaRPr>
+            </a:p>
+          </p:txBody>
+        </p:sp>
+        <p:sp>
+          <p:nvSpPr>
+            <p:cNvPr id="77" name="Oval 76">
+              <a:extLst>
+                <a:ext uri="{FF2B5EF4-FFF2-40B4-BE49-F238E27FC236}">
+                  <a16:creationId xmlns:a16="http://schemas.microsoft.com/office/drawing/2014/main" id="{E939C36B-D5E4-DB41-969C-2CAA0D96C440}"/>
+                </a:ext>
+              </a:extLst>
+            </p:cNvPr>
+            <p:cNvSpPr>
+              <a:spLocks noChangeAspect="1"/>
+            </p:cNvSpPr>
+            <p:nvPr/>
+          </p:nvSpPr>
+          <p:spPr>
+            <a:xfrm>
+              <a:off x="5760000" y="0"/>
+              <a:ext cx="360000" cy="360000"/>
+            </a:xfrm>
+            <a:prstGeom prst="ellipse">
+              <a:avLst/>
+            </a:prstGeom>
+            <a:solidFill>
+              <a:schemeClr val="accent5">
+                <a:lumMod val="60000"/>
+                <a:lumOff val="40000"/>
+              </a:schemeClr>
+            </a:solidFill>
+            <a:ln>
+              <a:solidFill>
+                <a:schemeClr val="accent5"/>
+              </a:solidFill>
+            </a:ln>
+          </p:spPr>
+          <p:style>
+            <a:lnRef idx="2">
+              <a:schemeClr val="accent1">
+                <a:shade val="50000"/>
+              </a:schemeClr>
+            </a:lnRef>
+            <a:fillRef idx="1">
+              <a:schemeClr val="accent1"/>
+            </a:fillRef>
+            <a:effectRef idx="0">
+              <a:schemeClr val="accent1"/>
+            </a:effectRef>
+            <a:fontRef idx="minor">
+              <a:schemeClr val="lt1"/>
+            </a:fontRef>
+          </p:style>
+          <p:txBody>
+            <a:bodyPr wrap="none" lIns="90000" rtlCol="0" anchor="ctr">
+              <a:noAutofit/>
+            </a:bodyPr>
+            <a:lstStyle/>
+            <a:p>
+              <a:pPr algn="ctr"/>
+              <a:r>
+                <a:rPr lang="en-US" i="1" dirty="0" err="1">
+                  <a:solidFill>
+                    <a:schemeClr val="tx1"/>
+                  </a:solidFill>
+                  <a:latin typeface="Times" pitchFamily="2" charset="0"/>
+                </a:rPr>
+                <a:t>l</a:t>
+              </a:r>
+              <a:r>
+                <a:rPr lang="en-US" i="1" baseline="-25000" dirty="0" err="1">
+                  <a:solidFill>
+                    <a:schemeClr val="tx1"/>
+                  </a:solidFill>
+                  <a:latin typeface="Times" pitchFamily="2" charset="0"/>
+                </a:rPr>
+                <a:t>p</a:t>
+              </a:r>
+              <a:r>
+                <a:rPr lang="en-US" baseline="30000" dirty="0">
+                  <a:solidFill>
+                    <a:schemeClr val="tx1"/>
+                  </a:solidFill>
+                  <a:latin typeface="Times" pitchFamily="2" charset="0"/>
+                </a:rPr>
+                <a:t>(</a:t>
+              </a:r>
+              <a:r>
+                <a:rPr lang="en-US" i="1" baseline="30000" dirty="0">
+                  <a:solidFill>
+                    <a:schemeClr val="tx1"/>
+                  </a:solidFill>
+                  <a:latin typeface="Times" pitchFamily="2" charset="0"/>
+                </a:rPr>
+                <a:t>i</a:t>
+              </a:r>
+              <a:r>
+                <a:rPr lang="en-US" baseline="30000" dirty="0">
+                  <a:solidFill>
+                    <a:schemeClr val="tx1"/>
+                  </a:solidFill>
+                  <a:latin typeface="Times" pitchFamily="2" charset="0"/>
+                </a:rPr>
+                <a:t>)</a:t>
+              </a:r>
+              <a:endParaRPr lang="en-US" i="1" baseline="-25000" dirty="0">
+                <a:solidFill>
+                  <a:schemeClr val="tx1"/>
+                </a:solidFill>
+                <a:latin typeface="Times" pitchFamily="2" charset="0"/>
+              </a:endParaRPr>
+            </a:p>
+          </p:txBody>
+        </p:sp>
+      </p:grpSp>
+      <p:sp>
+        <p:nvSpPr>
+          <p:cNvPr id="78" name="TextBox 77">
+            <a:extLst>
+              <a:ext uri="{FF2B5EF4-FFF2-40B4-BE49-F238E27FC236}">
+                <a16:creationId xmlns:a16="http://schemas.microsoft.com/office/drawing/2014/main" id="{A9D43569-A1A2-FA44-8913-BC25C44B896B}"/>
+              </a:ext>
+            </a:extLst>
+          </p:cNvPr>
+          <p:cNvSpPr txBox="1"/>
+          <p:nvPr/>
+        </p:nvSpPr>
+        <p:spPr>
+          <a:xfrm>
+            <a:off x="7200000" y="895334"/>
+            <a:ext cx="415498" cy="369332"/>
+          </a:xfrm>
+          <a:prstGeom prst="rect">
+            <a:avLst/>
+          </a:prstGeom>
+          <a:noFill/>
+        </p:spPr>
+        <p:txBody>
+          <a:bodyPr wrap="none" rtlCol="0">
+            <a:spAutoFit/>
+          </a:bodyPr>
+          <a:lstStyle/>
+          <a:p>
+            <a:r>
+              <a:rPr lang="en-US" dirty="0">
+                <a:latin typeface="Arial" panose="020B0604020202020204" pitchFamily="34" charset="0"/>
+                <a:cs typeface="Arial" panose="020B0604020202020204" pitchFamily="34" charset="0"/>
+              </a:rPr>
+              <a:t>···</a:t>
+            </a:r>
+          </a:p>
+        </p:txBody>
+      </p:sp>
+      <p:sp>
+        <p:nvSpPr>
+          <p:cNvPr id="79" name="TextBox 78">
+            <a:extLst>
+              <a:ext uri="{FF2B5EF4-FFF2-40B4-BE49-F238E27FC236}">
+                <a16:creationId xmlns:a16="http://schemas.microsoft.com/office/drawing/2014/main" id="{CCA94C0F-E651-2642-A973-1705D8D6DA3C}"/>
+              </a:ext>
+            </a:extLst>
+          </p:cNvPr>
+          <p:cNvSpPr txBox="1"/>
+          <p:nvPr/>
+        </p:nvSpPr>
+        <p:spPr>
+          <a:xfrm>
+            <a:off x="7920000" y="895334"/>
+            <a:ext cx="415498" cy="369332"/>
+          </a:xfrm>
+          <a:prstGeom prst="rect">
+            <a:avLst/>
+          </a:prstGeom>
+          <a:noFill/>
+        </p:spPr>
+        <p:txBody>
+          <a:bodyPr wrap="none" rtlCol="0">
+            <a:spAutoFit/>
+          </a:bodyPr>
+          <a:lstStyle/>
+          <a:p>
+            <a:r>
+              <a:rPr lang="en-US" dirty="0">
+                <a:latin typeface="Arial" panose="020B0604020202020204" pitchFamily="34" charset="0"/>
+                <a:cs typeface="Arial" panose="020B0604020202020204" pitchFamily="34" charset="0"/>
+              </a:rPr>
+              <a:t>···</a:t>
+            </a:r>
+          </a:p>
+        </p:txBody>
+      </p:sp>
+    </p:spTree>
+    <p:extLst>
+      <p:ext uri="{BB962C8B-B14F-4D97-AF65-F5344CB8AC3E}">
+        <p14:creationId xmlns:p14="http://schemas.microsoft.com/office/powerpoint/2010/main" val="3723523566"/>
       </p:ext>
     </p:extLst>
   </p:cSld>

--- a/ThesisLaTeX/fig.pptx
+++ b/ThesisLaTeX/fig.pptx
@@ -214,7 +214,7 @@
           <a:p>
             <a:fld id="{A0438485-CF21-3F47-A468-9A5AD0CFA17C}" type="datetimeFigureOut">
               <a:rPr lang="en-US" smtClean="0"/>
-              <a:t>3/30/18</a:t>
+              <a:t>4/1/18</a:t>
             </a:fld>
             <a:endParaRPr lang="en-US"/>
           </a:p>
@@ -712,7 +712,7 @@
           <a:p>
             <a:fld id="{FBFF591B-33EC-0C40-B0D5-15169D3664A5}" type="datetimeFigureOut">
               <a:rPr lang="en-US" smtClean="0"/>
-              <a:t>3/30/18</a:t>
+              <a:t>4/1/18</a:t>
             </a:fld>
             <a:endParaRPr lang="en-US"/>
           </a:p>
@@ -910,7 +910,7 @@
           <a:p>
             <a:fld id="{FBFF591B-33EC-0C40-B0D5-15169D3664A5}" type="datetimeFigureOut">
               <a:rPr lang="en-US" smtClean="0"/>
-              <a:t>3/30/18</a:t>
+              <a:t>4/1/18</a:t>
             </a:fld>
             <a:endParaRPr lang="en-US"/>
           </a:p>
@@ -1118,7 +1118,7 @@
           <a:p>
             <a:fld id="{FBFF591B-33EC-0C40-B0D5-15169D3664A5}" type="datetimeFigureOut">
               <a:rPr lang="en-US" smtClean="0"/>
-              <a:t>3/30/18</a:t>
+              <a:t>4/1/18</a:t>
             </a:fld>
             <a:endParaRPr lang="en-US"/>
           </a:p>
@@ -1316,7 +1316,7 @@
           <a:p>
             <a:fld id="{FBFF591B-33EC-0C40-B0D5-15169D3664A5}" type="datetimeFigureOut">
               <a:rPr lang="en-US" smtClean="0"/>
-              <a:t>3/30/18</a:t>
+              <a:t>4/1/18</a:t>
             </a:fld>
             <a:endParaRPr lang="en-US"/>
           </a:p>
@@ -1591,7 +1591,7 @@
           <a:p>
             <a:fld id="{FBFF591B-33EC-0C40-B0D5-15169D3664A5}" type="datetimeFigureOut">
               <a:rPr lang="en-US" smtClean="0"/>
-              <a:t>3/30/18</a:t>
+              <a:t>4/1/18</a:t>
             </a:fld>
             <a:endParaRPr lang="en-US"/>
           </a:p>
@@ -1856,7 +1856,7 @@
           <a:p>
             <a:fld id="{FBFF591B-33EC-0C40-B0D5-15169D3664A5}" type="datetimeFigureOut">
               <a:rPr lang="en-US" smtClean="0"/>
-              <a:t>3/30/18</a:t>
+              <a:t>4/1/18</a:t>
             </a:fld>
             <a:endParaRPr lang="en-US"/>
           </a:p>
@@ -2268,7 +2268,7 @@
           <a:p>
             <a:fld id="{FBFF591B-33EC-0C40-B0D5-15169D3664A5}" type="datetimeFigureOut">
               <a:rPr lang="en-US" smtClean="0"/>
-              <a:t>3/30/18</a:t>
+              <a:t>4/1/18</a:t>
             </a:fld>
             <a:endParaRPr lang="en-US"/>
           </a:p>
@@ -2409,7 +2409,7 @@
           <a:p>
             <a:fld id="{FBFF591B-33EC-0C40-B0D5-15169D3664A5}" type="datetimeFigureOut">
               <a:rPr lang="en-US" smtClean="0"/>
-              <a:t>3/30/18</a:t>
+              <a:t>4/1/18</a:t>
             </a:fld>
             <a:endParaRPr lang="en-US"/>
           </a:p>
@@ -2522,7 +2522,7 @@
           <a:p>
             <a:fld id="{FBFF591B-33EC-0C40-B0D5-15169D3664A5}" type="datetimeFigureOut">
               <a:rPr lang="en-US" smtClean="0"/>
-              <a:t>3/30/18</a:t>
+              <a:t>4/1/18</a:t>
             </a:fld>
             <a:endParaRPr lang="en-US"/>
           </a:p>
@@ -2833,7 +2833,7 @@
           <a:p>
             <a:fld id="{FBFF591B-33EC-0C40-B0D5-15169D3664A5}" type="datetimeFigureOut">
               <a:rPr lang="en-US" smtClean="0"/>
-              <a:t>3/30/18</a:t>
+              <a:t>4/1/18</a:t>
             </a:fld>
             <a:endParaRPr lang="en-US"/>
           </a:p>
@@ -3121,7 +3121,7 @@
           <a:p>
             <a:fld id="{FBFF591B-33EC-0C40-B0D5-15169D3664A5}" type="datetimeFigureOut">
               <a:rPr lang="en-US" smtClean="0"/>
-              <a:t>3/30/18</a:t>
+              <a:t>4/1/18</a:t>
             </a:fld>
             <a:endParaRPr lang="en-US"/>
           </a:p>
@@ -3362,7 +3362,7 @@
           <a:p>
             <a:fld id="{FBFF591B-33EC-0C40-B0D5-15169D3664A5}" type="datetimeFigureOut">
               <a:rPr lang="en-US" smtClean="0"/>
-              <a:t>3/30/18</a:t>
+              <a:t>4/1/18</a:t>
             </a:fld>
             <a:endParaRPr lang="en-US"/>
           </a:p>
@@ -3781,10 +3781,10 @@
       </p:grpSpPr>
       <p:pic>
         <p:nvPicPr>
-          <p:cNvPr id="5" name="Picture 4">
-            <a:extLst>
-              <a:ext uri="{FF2B5EF4-FFF2-40B4-BE49-F238E27FC236}">
-                <a16:creationId xmlns:a16="http://schemas.microsoft.com/office/drawing/2014/main" id="{A98FD119-DD5E-0142-95E1-D35F8A915E23}"/>
+          <p:cNvPr id="9" name="内容占位符 2">
+            <a:extLst>
+              <a:ext uri="{FF2B5EF4-FFF2-40B4-BE49-F238E27FC236}">
+                <a16:creationId xmlns:a16="http://schemas.microsoft.com/office/drawing/2014/main" id="{E7D019BF-1C5A-CF4C-A793-6D64874DE082}"/>
               </a:ext>
             </a:extLst>
           </p:cNvPr>
@@ -3794,27 +3794,36 @@
           <p:nvPr/>
         </p:nvPicPr>
         <p:blipFill>
-          <a:blip r:embed="rId2"/>
+          <a:blip r:embed="rId2">
+            <a:extLst>
+              <a:ext uri="{28A0092B-C50C-407E-A947-70E740481C1C}">
+                <a14:useLocalDpi xmlns:a14="http://schemas.microsoft.com/office/drawing/2010/main" val="0"/>
+              </a:ext>
+            </a:extLst>
+          </a:blip>
           <a:stretch>
             <a:fillRect/>
           </a:stretch>
         </p:blipFill>
         <p:spPr>
           <a:xfrm>
-            <a:off x="2667000" y="0"/>
-            <a:ext cx="6858000" cy="6858000"/>
+            <a:off x="429381" y="283719"/>
+            <a:ext cx="4316597" cy="4316597"/>
           </a:xfrm>
           <a:prstGeom prst="rect">
             <a:avLst/>
           </a:prstGeom>
+          <a:ln w="25400">
+            <a:noFill/>
+          </a:ln>
         </p:spPr>
       </p:pic>
       <p:sp>
         <p:nvSpPr>
-          <p:cNvPr id="6" name="Freeform 5">
-            <a:extLst>
-              <a:ext uri="{FF2B5EF4-FFF2-40B4-BE49-F238E27FC236}">
-                <a16:creationId xmlns:a16="http://schemas.microsoft.com/office/drawing/2014/main" id="{B29A9811-6E2C-B84B-A14D-3EB98001B5D4}"/>
+          <p:cNvPr id="3" name="Rectangle 2">
+            <a:extLst>
+              <a:ext uri="{FF2B5EF4-FFF2-40B4-BE49-F238E27FC236}">
+                <a16:creationId xmlns:a16="http://schemas.microsoft.com/office/drawing/2014/main" id="{7D2843D9-F4C0-994E-B035-95DEBB675090}"/>
               </a:ext>
             </a:extLst>
           </p:cNvPr>
@@ -3823,1308 +3832,17 @@
         </p:nvSpPr>
         <p:spPr>
           <a:xfrm>
-            <a:off x="2664266" y="-3284"/>
-            <a:ext cx="6859640" cy="3667558"/>
-          </a:xfrm>
-          <a:custGeom>
-            <a:avLst/>
-            <a:gdLst>
-              <a:gd name="connsiteX0" fmla="*/ 522563 w 7777513"/>
-              <a:gd name="connsiteY0" fmla="*/ 4025615 h 4105708"/>
-              <a:gd name="connsiteX1" fmla="*/ 762844 w 7777513"/>
-              <a:gd name="connsiteY1" fmla="*/ 4025615 h 4105708"/>
-              <a:gd name="connsiteX2" fmla="*/ 916356 w 7777513"/>
-              <a:gd name="connsiteY2" fmla="*/ 4099034 h 4105708"/>
-              <a:gd name="connsiteX3" fmla="*/ 1690593 w 7777513"/>
-              <a:gd name="connsiteY3" fmla="*/ 4038964 h 4105708"/>
-              <a:gd name="connsiteX4" fmla="*/ 1690593 w 7777513"/>
-              <a:gd name="connsiteY4" fmla="*/ 3952196 h 4105708"/>
-              <a:gd name="connsiteX5" fmla="*/ 1750663 w 7777513"/>
-              <a:gd name="connsiteY5" fmla="*/ 3952196 h 4105708"/>
-              <a:gd name="connsiteX6" fmla="*/ 1817407 w 7777513"/>
-              <a:gd name="connsiteY6" fmla="*/ 3892126 h 4105708"/>
-              <a:gd name="connsiteX7" fmla="*/ 1924198 w 7777513"/>
-              <a:gd name="connsiteY7" fmla="*/ 3885452 h 4105708"/>
-              <a:gd name="connsiteX8" fmla="*/ 1944222 w 7777513"/>
-              <a:gd name="connsiteY8" fmla="*/ 3825381 h 4105708"/>
-              <a:gd name="connsiteX9" fmla="*/ 1944222 w 7777513"/>
-              <a:gd name="connsiteY9" fmla="*/ 3825381 h 4105708"/>
-              <a:gd name="connsiteX10" fmla="*/ 2024315 w 7777513"/>
-              <a:gd name="connsiteY10" fmla="*/ 3865428 h 4105708"/>
-              <a:gd name="connsiteX11" fmla="*/ 2311317 w 7777513"/>
-              <a:gd name="connsiteY11" fmla="*/ 3698567 h 4105708"/>
-              <a:gd name="connsiteX12" fmla="*/ 2478178 w 7777513"/>
-              <a:gd name="connsiteY12" fmla="*/ 3698567 h 4105708"/>
-              <a:gd name="connsiteX13" fmla="*/ 2584969 w 7777513"/>
-              <a:gd name="connsiteY13" fmla="*/ 3785335 h 4105708"/>
-              <a:gd name="connsiteX14" fmla="*/ 2698435 w 7777513"/>
-              <a:gd name="connsiteY14" fmla="*/ 3745288 h 4105708"/>
-              <a:gd name="connsiteX15" fmla="*/ 2718458 w 7777513"/>
-              <a:gd name="connsiteY15" fmla="*/ 3658520 h 4105708"/>
-              <a:gd name="connsiteX16" fmla="*/ 2831924 w 7777513"/>
-              <a:gd name="connsiteY16" fmla="*/ 3658520 h 4105708"/>
-              <a:gd name="connsiteX17" fmla="*/ 2905343 w 7777513"/>
-              <a:gd name="connsiteY17" fmla="*/ 3718590 h 4105708"/>
-              <a:gd name="connsiteX18" fmla="*/ 2978762 w 7777513"/>
-              <a:gd name="connsiteY18" fmla="*/ 3685218 h 4105708"/>
-              <a:gd name="connsiteX19" fmla="*/ 3245740 w 7777513"/>
-              <a:gd name="connsiteY19" fmla="*/ 3738614 h 4105708"/>
-              <a:gd name="connsiteX20" fmla="*/ 3339182 w 7777513"/>
-              <a:gd name="connsiteY20" fmla="*/ 3751962 h 4105708"/>
-              <a:gd name="connsiteX21" fmla="*/ 3425950 w 7777513"/>
-              <a:gd name="connsiteY21" fmla="*/ 3718590 h 4105708"/>
-              <a:gd name="connsiteX22" fmla="*/ 3506044 w 7777513"/>
-              <a:gd name="connsiteY22" fmla="*/ 3691892 h 4105708"/>
-              <a:gd name="connsiteX23" fmla="*/ 3692928 w 7777513"/>
-              <a:gd name="connsiteY23" fmla="*/ 3758637 h 4105708"/>
-              <a:gd name="connsiteX24" fmla="*/ 3813068 w 7777513"/>
-              <a:gd name="connsiteY24" fmla="*/ 3705241 h 4105708"/>
-              <a:gd name="connsiteX25" fmla="*/ 4066698 w 7777513"/>
-              <a:gd name="connsiteY25" fmla="*/ 3725265 h 4105708"/>
-              <a:gd name="connsiteX26" fmla="*/ 4140117 w 7777513"/>
-              <a:gd name="connsiteY26" fmla="*/ 3731939 h 4105708"/>
-              <a:gd name="connsiteX27" fmla="*/ 4253582 w 7777513"/>
-              <a:gd name="connsiteY27" fmla="*/ 3805358 h 4105708"/>
-              <a:gd name="connsiteX28" fmla="*/ 4266931 w 7777513"/>
-              <a:gd name="connsiteY28" fmla="*/ 3872103 h 4105708"/>
-              <a:gd name="connsiteX29" fmla="*/ 4714120 w 7777513"/>
-              <a:gd name="connsiteY29" fmla="*/ 3912149 h 4105708"/>
-              <a:gd name="connsiteX30" fmla="*/ 5061191 w 7777513"/>
-              <a:gd name="connsiteY30" fmla="*/ 3918824 h 4105708"/>
-              <a:gd name="connsiteX31" fmla="*/ 5147959 w 7777513"/>
-              <a:gd name="connsiteY31" fmla="*/ 3985568 h 4105708"/>
-              <a:gd name="connsiteX32" fmla="*/ 5768683 w 7777513"/>
-              <a:gd name="connsiteY32" fmla="*/ 3985568 h 4105708"/>
-              <a:gd name="connsiteX33" fmla="*/ 6242569 w 7777513"/>
-              <a:gd name="connsiteY33" fmla="*/ 4072336 h 4105708"/>
-              <a:gd name="connsiteX34" fmla="*/ 6389407 w 7777513"/>
-              <a:gd name="connsiteY34" fmla="*/ 4105708 h 4105708"/>
-              <a:gd name="connsiteX35" fmla="*/ 6556268 w 7777513"/>
-              <a:gd name="connsiteY35" fmla="*/ 3758637 h 4105708"/>
-              <a:gd name="connsiteX36" fmla="*/ 6764259 w 7777513"/>
-              <a:gd name="connsiteY36" fmla="*/ 3761283 h 4105708"/>
-              <a:gd name="connsiteX37" fmla="*/ 6788972 w 7777513"/>
-              <a:gd name="connsiteY37" fmla="*/ 3695380 h 4105708"/>
-              <a:gd name="connsiteX38" fmla="*/ 6920778 w 7777513"/>
-              <a:gd name="connsiteY38" fmla="*/ 3695380 h 4105708"/>
-              <a:gd name="connsiteX39" fmla="*/ 6978443 w 7777513"/>
-              <a:gd name="connsiteY39" fmla="*/ 3777758 h 4105708"/>
-              <a:gd name="connsiteX40" fmla="*/ 7027870 w 7777513"/>
-              <a:gd name="connsiteY40" fmla="*/ 3810710 h 4105708"/>
-              <a:gd name="connsiteX41" fmla="*/ 7077297 w 7777513"/>
-              <a:gd name="connsiteY41" fmla="*/ 3662429 h 4105708"/>
-              <a:gd name="connsiteX42" fmla="*/ 7209102 w 7777513"/>
-              <a:gd name="connsiteY42" fmla="*/ 3662429 h 4105708"/>
-              <a:gd name="connsiteX43" fmla="*/ 7307956 w 7777513"/>
-              <a:gd name="connsiteY43" fmla="*/ 3827185 h 4105708"/>
-              <a:gd name="connsiteX44" fmla="*/ 7349145 w 7777513"/>
-              <a:gd name="connsiteY44" fmla="*/ 3942515 h 4105708"/>
-              <a:gd name="connsiteX45" fmla="*/ 7579805 w 7777513"/>
-              <a:gd name="connsiteY45" fmla="*/ 3983704 h 4105708"/>
-              <a:gd name="connsiteX46" fmla="*/ 7777513 w 7777513"/>
-              <a:gd name="connsiteY46" fmla="*/ 2640937 h 4105708"/>
-              <a:gd name="connsiteX47" fmla="*/ 7725103 w 7777513"/>
-              <a:gd name="connsiteY47" fmla="*/ 0 h 4105708"/>
-              <a:gd name="connsiteX48" fmla="*/ 0 w 7777513"/>
-              <a:gd name="connsiteY48" fmla="*/ 189186 h 4105708"/>
-              <a:gd name="connsiteX49" fmla="*/ 522563 w 7777513"/>
-              <a:gd name="connsiteY49" fmla="*/ 4025615 h 4105708"/>
-              <a:gd name="connsiteX0" fmla="*/ 522563 w 7725103"/>
-              <a:gd name="connsiteY0" fmla="*/ 4025615 h 4105708"/>
-              <a:gd name="connsiteX1" fmla="*/ 762844 w 7725103"/>
-              <a:gd name="connsiteY1" fmla="*/ 4025615 h 4105708"/>
-              <a:gd name="connsiteX2" fmla="*/ 916356 w 7725103"/>
-              <a:gd name="connsiteY2" fmla="*/ 4099034 h 4105708"/>
-              <a:gd name="connsiteX3" fmla="*/ 1690593 w 7725103"/>
-              <a:gd name="connsiteY3" fmla="*/ 4038964 h 4105708"/>
-              <a:gd name="connsiteX4" fmla="*/ 1690593 w 7725103"/>
-              <a:gd name="connsiteY4" fmla="*/ 3952196 h 4105708"/>
-              <a:gd name="connsiteX5" fmla="*/ 1750663 w 7725103"/>
-              <a:gd name="connsiteY5" fmla="*/ 3952196 h 4105708"/>
-              <a:gd name="connsiteX6" fmla="*/ 1817407 w 7725103"/>
-              <a:gd name="connsiteY6" fmla="*/ 3892126 h 4105708"/>
-              <a:gd name="connsiteX7" fmla="*/ 1924198 w 7725103"/>
-              <a:gd name="connsiteY7" fmla="*/ 3885452 h 4105708"/>
-              <a:gd name="connsiteX8" fmla="*/ 1944222 w 7725103"/>
-              <a:gd name="connsiteY8" fmla="*/ 3825381 h 4105708"/>
-              <a:gd name="connsiteX9" fmla="*/ 1944222 w 7725103"/>
-              <a:gd name="connsiteY9" fmla="*/ 3825381 h 4105708"/>
-              <a:gd name="connsiteX10" fmla="*/ 2024315 w 7725103"/>
-              <a:gd name="connsiteY10" fmla="*/ 3865428 h 4105708"/>
-              <a:gd name="connsiteX11" fmla="*/ 2311317 w 7725103"/>
-              <a:gd name="connsiteY11" fmla="*/ 3698567 h 4105708"/>
-              <a:gd name="connsiteX12" fmla="*/ 2478178 w 7725103"/>
-              <a:gd name="connsiteY12" fmla="*/ 3698567 h 4105708"/>
-              <a:gd name="connsiteX13" fmla="*/ 2584969 w 7725103"/>
-              <a:gd name="connsiteY13" fmla="*/ 3785335 h 4105708"/>
-              <a:gd name="connsiteX14" fmla="*/ 2698435 w 7725103"/>
-              <a:gd name="connsiteY14" fmla="*/ 3745288 h 4105708"/>
-              <a:gd name="connsiteX15" fmla="*/ 2718458 w 7725103"/>
-              <a:gd name="connsiteY15" fmla="*/ 3658520 h 4105708"/>
-              <a:gd name="connsiteX16" fmla="*/ 2831924 w 7725103"/>
-              <a:gd name="connsiteY16" fmla="*/ 3658520 h 4105708"/>
-              <a:gd name="connsiteX17" fmla="*/ 2905343 w 7725103"/>
-              <a:gd name="connsiteY17" fmla="*/ 3718590 h 4105708"/>
-              <a:gd name="connsiteX18" fmla="*/ 2978762 w 7725103"/>
-              <a:gd name="connsiteY18" fmla="*/ 3685218 h 4105708"/>
-              <a:gd name="connsiteX19" fmla="*/ 3245740 w 7725103"/>
-              <a:gd name="connsiteY19" fmla="*/ 3738614 h 4105708"/>
-              <a:gd name="connsiteX20" fmla="*/ 3339182 w 7725103"/>
-              <a:gd name="connsiteY20" fmla="*/ 3751962 h 4105708"/>
-              <a:gd name="connsiteX21" fmla="*/ 3425950 w 7725103"/>
-              <a:gd name="connsiteY21" fmla="*/ 3718590 h 4105708"/>
-              <a:gd name="connsiteX22" fmla="*/ 3506044 w 7725103"/>
-              <a:gd name="connsiteY22" fmla="*/ 3691892 h 4105708"/>
-              <a:gd name="connsiteX23" fmla="*/ 3692928 w 7725103"/>
-              <a:gd name="connsiteY23" fmla="*/ 3758637 h 4105708"/>
-              <a:gd name="connsiteX24" fmla="*/ 3813068 w 7725103"/>
-              <a:gd name="connsiteY24" fmla="*/ 3705241 h 4105708"/>
-              <a:gd name="connsiteX25" fmla="*/ 4066698 w 7725103"/>
-              <a:gd name="connsiteY25" fmla="*/ 3725265 h 4105708"/>
-              <a:gd name="connsiteX26" fmla="*/ 4140117 w 7725103"/>
-              <a:gd name="connsiteY26" fmla="*/ 3731939 h 4105708"/>
-              <a:gd name="connsiteX27" fmla="*/ 4253582 w 7725103"/>
-              <a:gd name="connsiteY27" fmla="*/ 3805358 h 4105708"/>
-              <a:gd name="connsiteX28" fmla="*/ 4266931 w 7725103"/>
-              <a:gd name="connsiteY28" fmla="*/ 3872103 h 4105708"/>
-              <a:gd name="connsiteX29" fmla="*/ 4714120 w 7725103"/>
-              <a:gd name="connsiteY29" fmla="*/ 3912149 h 4105708"/>
-              <a:gd name="connsiteX30" fmla="*/ 5061191 w 7725103"/>
-              <a:gd name="connsiteY30" fmla="*/ 3918824 h 4105708"/>
-              <a:gd name="connsiteX31" fmla="*/ 5147959 w 7725103"/>
-              <a:gd name="connsiteY31" fmla="*/ 3985568 h 4105708"/>
-              <a:gd name="connsiteX32" fmla="*/ 5768683 w 7725103"/>
-              <a:gd name="connsiteY32" fmla="*/ 3985568 h 4105708"/>
-              <a:gd name="connsiteX33" fmla="*/ 6242569 w 7725103"/>
-              <a:gd name="connsiteY33" fmla="*/ 4072336 h 4105708"/>
-              <a:gd name="connsiteX34" fmla="*/ 6389407 w 7725103"/>
-              <a:gd name="connsiteY34" fmla="*/ 4105708 h 4105708"/>
-              <a:gd name="connsiteX35" fmla="*/ 6556268 w 7725103"/>
-              <a:gd name="connsiteY35" fmla="*/ 3758637 h 4105708"/>
-              <a:gd name="connsiteX36" fmla="*/ 6764259 w 7725103"/>
-              <a:gd name="connsiteY36" fmla="*/ 3761283 h 4105708"/>
-              <a:gd name="connsiteX37" fmla="*/ 6788972 w 7725103"/>
-              <a:gd name="connsiteY37" fmla="*/ 3695380 h 4105708"/>
-              <a:gd name="connsiteX38" fmla="*/ 6920778 w 7725103"/>
-              <a:gd name="connsiteY38" fmla="*/ 3695380 h 4105708"/>
-              <a:gd name="connsiteX39" fmla="*/ 6978443 w 7725103"/>
-              <a:gd name="connsiteY39" fmla="*/ 3777758 h 4105708"/>
-              <a:gd name="connsiteX40" fmla="*/ 7027870 w 7725103"/>
-              <a:gd name="connsiteY40" fmla="*/ 3810710 h 4105708"/>
-              <a:gd name="connsiteX41" fmla="*/ 7077297 w 7725103"/>
-              <a:gd name="connsiteY41" fmla="*/ 3662429 h 4105708"/>
-              <a:gd name="connsiteX42" fmla="*/ 7209102 w 7725103"/>
-              <a:gd name="connsiteY42" fmla="*/ 3662429 h 4105708"/>
-              <a:gd name="connsiteX43" fmla="*/ 7307956 w 7725103"/>
-              <a:gd name="connsiteY43" fmla="*/ 3827185 h 4105708"/>
-              <a:gd name="connsiteX44" fmla="*/ 7349145 w 7725103"/>
-              <a:gd name="connsiteY44" fmla="*/ 3942515 h 4105708"/>
-              <a:gd name="connsiteX45" fmla="*/ 7579805 w 7725103"/>
-              <a:gd name="connsiteY45" fmla="*/ 3983704 h 4105708"/>
-              <a:gd name="connsiteX46" fmla="*/ 7725103 w 7725103"/>
-              <a:gd name="connsiteY46" fmla="*/ 0 h 4105708"/>
-              <a:gd name="connsiteX47" fmla="*/ 0 w 7725103"/>
-              <a:gd name="connsiteY47" fmla="*/ 189186 h 4105708"/>
-              <a:gd name="connsiteX48" fmla="*/ 522563 w 7725103"/>
-              <a:gd name="connsiteY48" fmla="*/ 4025615 h 4105708"/>
-              <a:gd name="connsiteX0" fmla="*/ 522563 w 7725103"/>
-              <a:gd name="connsiteY0" fmla="*/ 4025615 h 4105708"/>
-              <a:gd name="connsiteX1" fmla="*/ 762844 w 7725103"/>
-              <a:gd name="connsiteY1" fmla="*/ 4025615 h 4105708"/>
-              <a:gd name="connsiteX2" fmla="*/ 916356 w 7725103"/>
-              <a:gd name="connsiteY2" fmla="*/ 4099034 h 4105708"/>
-              <a:gd name="connsiteX3" fmla="*/ 1690593 w 7725103"/>
-              <a:gd name="connsiteY3" fmla="*/ 4038964 h 4105708"/>
-              <a:gd name="connsiteX4" fmla="*/ 1690593 w 7725103"/>
-              <a:gd name="connsiteY4" fmla="*/ 3952196 h 4105708"/>
-              <a:gd name="connsiteX5" fmla="*/ 1750663 w 7725103"/>
-              <a:gd name="connsiteY5" fmla="*/ 3952196 h 4105708"/>
-              <a:gd name="connsiteX6" fmla="*/ 1817407 w 7725103"/>
-              <a:gd name="connsiteY6" fmla="*/ 3892126 h 4105708"/>
-              <a:gd name="connsiteX7" fmla="*/ 1924198 w 7725103"/>
-              <a:gd name="connsiteY7" fmla="*/ 3885452 h 4105708"/>
-              <a:gd name="connsiteX8" fmla="*/ 1944222 w 7725103"/>
-              <a:gd name="connsiteY8" fmla="*/ 3825381 h 4105708"/>
-              <a:gd name="connsiteX9" fmla="*/ 1944222 w 7725103"/>
-              <a:gd name="connsiteY9" fmla="*/ 3825381 h 4105708"/>
-              <a:gd name="connsiteX10" fmla="*/ 2024315 w 7725103"/>
-              <a:gd name="connsiteY10" fmla="*/ 3865428 h 4105708"/>
-              <a:gd name="connsiteX11" fmla="*/ 2311317 w 7725103"/>
-              <a:gd name="connsiteY11" fmla="*/ 3698567 h 4105708"/>
-              <a:gd name="connsiteX12" fmla="*/ 2478178 w 7725103"/>
-              <a:gd name="connsiteY12" fmla="*/ 3698567 h 4105708"/>
-              <a:gd name="connsiteX13" fmla="*/ 2584969 w 7725103"/>
-              <a:gd name="connsiteY13" fmla="*/ 3785335 h 4105708"/>
-              <a:gd name="connsiteX14" fmla="*/ 2698435 w 7725103"/>
-              <a:gd name="connsiteY14" fmla="*/ 3745288 h 4105708"/>
-              <a:gd name="connsiteX15" fmla="*/ 2718458 w 7725103"/>
-              <a:gd name="connsiteY15" fmla="*/ 3658520 h 4105708"/>
-              <a:gd name="connsiteX16" fmla="*/ 2831924 w 7725103"/>
-              <a:gd name="connsiteY16" fmla="*/ 3658520 h 4105708"/>
-              <a:gd name="connsiteX17" fmla="*/ 2905343 w 7725103"/>
-              <a:gd name="connsiteY17" fmla="*/ 3718590 h 4105708"/>
-              <a:gd name="connsiteX18" fmla="*/ 2978762 w 7725103"/>
-              <a:gd name="connsiteY18" fmla="*/ 3685218 h 4105708"/>
-              <a:gd name="connsiteX19" fmla="*/ 3245740 w 7725103"/>
-              <a:gd name="connsiteY19" fmla="*/ 3738614 h 4105708"/>
-              <a:gd name="connsiteX20" fmla="*/ 3339182 w 7725103"/>
-              <a:gd name="connsiteY20" fmla="*/ 3751962 h 4105708"/>
-              <a:gd name="connsiteX21" fmla="*/ 3425950 w 7725103"/>
-              <a:gd name="connsiteY21" fmla="*/ 3718590 h 4105708"/>
-              <a:gd name="connsiteX22" fmla="*/ 3506044 w 7725103"/>
-              <a:gd name="connsiteY22" fmla="*/ 3691892 h 4105708"/>
-              <a:gd name="connsiteX23" fmla="*/ 3692928 w 7725103"/>
-              <a:gd name="connsiteY23" fmla="*/ 3758637 h 4105708"/>
-              <a:gd name="connsiteX24" fmla="*/ 3813068 w 7725103"/>
-              <a:gd name="connsiteY24" fmla="*/ 3705241 h 4105708"/>
-              <a:gd name="connsiteX25" fmla="*/ 4066698 w 7725103"/>
-              <a:gd name="connsiteY25" fmla="*/ 3725265 h 4105708"/>
-              <a:gd name="connsiteX26" fmla="*/ 4140117 w 7725103"/>
-              <a:gd name="connsiteY26" fmla="*/ 3731939 h 4105708"/>
-              <a:gd name="connsiteX27" fmla="*/ 4253582 w 7725103"/>
-              <a:gd name="connsiteY27" fmla="*/ 3805358 h 4105708"/>
-              <a:gd name="connsiteX28" fmla="*/ 4266931 w 7725103"/>
-              <a:gd name="connsiteY28" fmla="*/ 3872103 h 4105708"/>
-              <a:gd name="connsiteX29" fmla="*/ 4714120 w 7725103"/>
-              <a:gd name="connsiteY29" fmla="*/ 3912149 h 4105708"/>
-              <a:gd name="connsiteX30" fmla="*/ 5061191 w 7725103"/>
-              <a:gd name="connsiteY30" fmla="*/ 3918824 h 4105708"/>
-              <a:gd name="connsiteX31" fmla="*/ 5147959 w 7725103"/>
-              <a:gd name="connsiteY31" fmla="*/ 3985568 h 4105708"/>
-              <a:gd name="connsiteX32" fmla="*/ 5768683 w 7725103"/>
-              <a:gd name="connsiteY32" fmla="*/ 3985568 h 4105708"/>
-              <a:gd name="connsiteX33" fmla="*/ 6242569 w 7725103"/>
-              <a:gd name="connsiteY33" fmla="*/ 4072336 h 4105708"/>
-              <a:gd name="connsiteX34" fmla="*/ 6389407 w 7725103"/>
-              <a:gd name="connsiteY34" fmla="*/ 4105708 h 4105708"/>
-              <a:gd name="connsiteX35" fmla="*/ 6556268 w 7725103"/>
-              <a:gd name="connsiteY35" fmla="*/ 3758637 h 4105708"/>
-              <a:gd name="connsiteX36" fmla="*/ 6764259 w 7725103"/>
-              <a:gd name="connsiteY36" fmla="*/ 3761283 h 4105708"/>
-              <a:gd name="connsiteX37" fmla="*/ 6788972 w 7725103"/>
-              <a:gd name="connsiteY37" fmla="*/ 3695380 h 4105708"/>
-              <a:gd name="connsiteX38" fmla="*/ 6920778 w 7725103"/>
-              <a:gd name="connsiteY38" fmla="*/ 3695380 h 4105708"/>
-              <a:gd name="connsiteX39" fmla="*/ 6978443 w 7725103"/>
-              <a:gd name="connsiteY39" fmla="*/ 3777758 h 4105708"/>
-              <a:gd name="connsiteX40" fmla="*/ 7027870 w 7725103"/>
-              <a:gd name="connsiteY40" fmla="*/ 3810710 h 4105708"/>
-              <a:gd name="connsiteX41" fmla="*/ 7077297 w 7725103"/>
-              <a:gd name="connsiteY41" fmla="*/ 3662429 h 4105708"/>
-              <a:gd name="connsiteX42" fmla="*/ 7209102 w 7725103"/>
-              <a:gd name="connsiteY42" fmla="*/ 3662429 h 4105708"/>
-              <a:gd name="connsiteX43" fmla="*/ 7307956 w 7725103"/>
-              <a:gd name="connsiteY43" fmla="*/ 3827185 h 4105708"/>
-              <a:gd name="connsiteX44" fmla="*/ 7349145 w 7725103"/>
-              <a:gd name="connsiteY44" fmla="*/ 3942515 h 4105708"/>
-              <a:gd name="connsiteX45" fmla="*/ 7481380 w 7725103"/>
-              <a:gd name="connsiteY45" fmla="*/ 3964654 h 4105708"/>
-              <a:gd name="connsiteX46" fmla="*/ 7725103 w 7725103"/>
-              <a:gd name="connsiteY46" fmla="*/ 0 h 4105708"/>
-              <a:gd name="connsiteX47" fmla="*/ 0 w 7725103"/>
-              <a:gd name="connsiteY47" fmla="*/ 189186 h 4105708"/>
-              <a:gd name="connsiteX48" fmla="*/ 522563 w 7725103"/>
-              <a:gd name="connsiteY48" fmla="*/ 4025615 h 4105708"/>
-              <a:gd name="connsiteX0" fmla="*/ 522563 w 7725103"/>
-              <a:gd name="connsiteY0" fmla="*/ 4025615 h 4105708"/>
-              <a:gd name="connsiteX1" fmla="*/ 762844 w 7725103"/>
-              <a:gd name="connsiteY1" fmla="*/ 4025615 h 4105708"/>
-              <a:gd name="connsiteX2" fmla="*/ 916356 w 7725103"/>
-              <a:gd name="connsiteY2" fmla="*/ 4099034 h 4105708"/>
-              <a:gd name="connsiteX3" fmla="*/ 1690593 w 7725103"/>
-              <a:gd name="connsiteY3" fmla="*/ 4038964 h 4105708"/>
-              <a:gd name="connsiteX4" fmla="*/ 1690593 w 7725103"/>
-              <a:gd name="connsiteY4" fmla="*/ 3952196 h 4105708"/>
-              <a:gd name="connsiteX5" fmla="*/ 1750663 w 7725103"/>
-              <a:gd name="connsiteY5" fmla="*/ 3952196 h 4105708"/>
-              <a:gd name="connsiteX6" fmla="*/ 1817407 w 7725103"/>
-              <a:gd name="connsiteY6" fmla="*/ 3892126 h 4105708"/>
-              <a:gd name="connsiteX7" fmla="*/ 1924198 w 7725103"/>
-              <a:gd name="connsiteY7" fmla="*/ 3885452 h 4105708"/>
-              <a:gd name="connsiteX8" fmla="*/ 1944222 w 7725103"/>
-              <a:gd name="connsiteY8" fmla="*/ 3825381 h 4105708"/>
-              <a:gd name="connsiteX9" fmla="*/ 1944222 w 7725103"/>
-              <a:gd name="connsiteY9" fmla="*/ 3825381 h 4105708"/>
-              <a:gd name="connsiteX10" fmla="*/ 2024315 w 7725103"/>
-              <a:gd name="connsiteY10" fmla="*/ 3865428 h 4105708"/>
-              <a:gd name="connsiteX11" fmla="*/ 2311317 w 7725103"/>
-              <a:gd name="connsiteY11" fmla="*/ 3698567 h 4105708"/>
-              <a:gd name="connsiteX12" fmla="*/ 2478178 w 7725103"/>
-              <a:gd name="connsiteY12" fmla="*/ 3698567 h 4105708"/>
-              <a:gd name="connsiteX13" fmla="*/ 2584969 w 7725103"/>
-              <a:gd name="connsiteY13" fmla="*/ 3785335 h 4105708"/>
-              <a:gd name="connsiteX14" fmla="*/ 2698435 w 7725103"/>
-              <a:gd name="connsiteY14" fmla="*/ 3745288 h 4105708"/>
-              <a:gd name="connsiteX15" fmla="*/ 2718458 w 7725103"/>
-              <a:gd name="connsiteY15" fmla="*/ 3658520 h 4105708"/>
-              <a:gd name="connsiteX16" fmla="*/ 2831924 w 7725103"/>
-              <a:gd name="connsiteY16" fmla="*/ 3658520 h 4105708"/>
-              <a:gd name="connsiteX17" fmla="*/ 2905343 w 7725103"/>
-              <a:gd name="connsiteY17" fmla="*/ 3718590 h 4105708"/>
-              <a:gd name="connsiteX18" fmla="*/ 2978762 w 7725103"/>
-              <a:gd name="connsiteY18" fmla="*/ 3685218 h 4105708"/>
-              <a:gd name="connsiteX19" fmla="*/ 3245740 w 7725103"/>
-              <a:gd name="connsiteY19" fmla="*/ 3738614 h 4105708"/>
-              <a:gd name="connsiteX20" fmla="*/ 3339182 w 7725103"/>
-              <a:gd name="connsiteY20" fmla="*/ 3751962 h 4105708"/>
-              <a:gd name="connsiteX21" fmla="*/ 3425950 w 7725103"/>
-              <a:gd name="connsiteY21" fmla="*/ 3718590 h 4105708"/>
-              <a:gd name="connsiteX22" fmla="*/ 3506044 w 7725103"/>
-              <a:gd name="connsiteY22" fmla="*/ 3691892 h 4105708"/>
-              <a:gd name="connsiteX23" fmla="*/ 3692928 w 7725103"/>
-              <a:gd name="connsiteY23" fmla="*/ 3758637 h 4105708"/>
-              <a:gd name="connsiteX24" fmla="*/ 3813068 w 7725103"/>
-              <a:gd name="connsiteY24" fmla="*/ 3705241 h 4105708"/>
-              <a:gd name="connsiteX25" fmla="*/ 4066698 w 7725103"/>
-              <a:gd name="connsiteY25" fmla="*/ 3725265 h 4105708"/>
-              <a:gd name="connsiteX26" fmla="*/ 4140117 w 7725103"/>
-              <a:gd name="connsiteY26" fmla="*/ 3731939 h 4105708"/>
-              <a:gd name="connsiteX27" fmla="*/ 4253582 w 7725103"/>
-              <a:gd name="connsiteY27" fmla="*/ 3805358 h 4105708"/>
-              <a:gd name="connsiteX28" fmla="*/ 4266931 w 7725103"/>
-              <a:gd name="connsiteY28" fmla="*/ 3872103 h 4105708"/>
-              <a:gd name="connsiteX29" fmla="*/ 4714120 w 7725103"/>
-              <a:gd name="connsiteY29" fmla="*/ 3912149 h 4105708"/>
-              <a:gd name="connsiteX30" fmla="*/ 5061191 w 7725103"/>
-              <a:gd name="connsiteY30" fmla="*/ 3918824 h 4105708"/>
-              <a:gd name="connsiteX31" fmla="*/ 5147959 w 7725103"/>
-              <a:gd name="connsiteY31" fmla="*/ 3985568 h 4105708"/>
-              <a:gd name="connsiteX32" fmla="*/ 5768683 w 7725103"/>
-              <a:gd name="connsiteY32" fmla="*/ 3985568 h 4105708"/>
-              <a:gd name="connsiteX33" fmla="*/ 6242569 w 7725103"/>
-              <a:gd name="connsiteY33" fmla="*/ 4072336 h 4105708"/>
-              <a:gd name="connsiteX34" fmla="*/ 6389407 w 7725103"/>
-              <a:gd name="connsiteY34" fmla="*/ 4105708 h 4105708"/>
-              <a:gd name="connsiteX35" fmla="*/ 6556268 w 7725103"/>
-              <a:gd name="connsiteY35" fmla="*/ 3758637 h 4105708"/>
-              <a:gd name="connsiteX36" fmla="*/ 6764259 w 7725103"/>
-              <a:gd name="connsiteY36" fmla="*/ 3761283 h 4105708"/>
-              <a:gd name="connsiteX37" fmla="*/ 6788972 w 7725103"/>
-              <a:gd name="connsiteY37" fmla="*/ 3695380 h 4105708"/>
-              <a:gd name="connsiteX38" fmla="*/ 6920778 w 7725103"/>
-              <a:gd name="connsiteY38" fmla="*/ 3695380 h 4105708"/>
-              <a:gd name="connsiteX39" fmla="*/ 6978443 w 7725103"/>
-              <a:gd name="connsiteY39" fmla="*/ 3777758 h 4105708"/>
-              <a:gd name="connsiteX40" fmla="*/ 7027870 w 7725103"/>
-              <a:gd name="connsiteY40" fmla="*/ 3810710 h 4105708"/>
-              <a:gd name="connsiteX41" fmla="*/ 7077297 w 7725103"/>
-              <a:gd name="connsiteY41" fmla="*/ 3662429 h 4105708"/>
-              <a:gd name="connsiteX42" fmla="*/ 7209102 w 7725103"/>
-              <a:gd name="connsiteY42" fmla="*/ 3662429 h 4105708"/>
-              <a:gd name="connsiteX43" fmla="*/ 7307956 w 7725103"/>
-              <a:gd name="connsiteY43" fmla="*/ 3827185 h 4105708"/>
-              <a:gd name="connsiteX44" fmla="*/ 7349145 w 7725103"/>
-              <a:gd name="connsiteY44" fmla="*/ 3942515 h 4105708"/>
-              <a:gd name="connsiteX45" fmla="*/ 7487730 w 7725103"/>
-              <a:gd name="connsiteY45" fmla="*/ 3964654 h 4105708"/>
-              <a:gd name="connsiteX46" fmla="*/ 7725103 w 7725103"/>
-              <a:gd name="connsiteY46" fmla="*/ 0 h 4105708"/>
-              <a:gd name="connsiteX47" fmla="*/ 0 w 7725103"/>
-              <a:gd name="connsiteY47" fmla="*/ 189186 h 4105708"/>
-              <a:gd name="connsiteX48" fmla="*/ 522563 w 7725103"/>
-              <a:gd name="connsiteY48" fmla="*/ 4025615 h 4105708"/>
-              <a:gd name="connsiteX0" fmla="*/ 522563 w 7490153"/>
-              <a:gd name="connsiteY0" fmla="*/ 3836429 h 3916522"/>
-              <a:gd name="connsiteX1" fmla="*/ 762844 w 7490153"/>
-              <a:gd name="connsiteY1" fmla="*/ 3836429 h 3916522"/>
-              <a:gd name="connsiteX2" fmla="*/ 916356 w 7490153"/>
-              <a:gd name="connsiteY2" fmla="*/ 3909848 h 3916522"/>
-              <a:gd name="connsiteX3" fmla="*/ 1690593 w 7490153"/>
-              <a:gd name="connsiteY3" fmla="*/ 3849778 h 3916522"/>
-              <a:gd name="connsiteX4" fmla="*/ 1690593 w 7490153"/>
-              <a:gd name="connsiteY4" fmla="*/ 3763010 h 3916522"/>
-              <a:gd name="connsiteX5" fmla="*/ 1750663 w 7490153"/>
-              <a:gd name="connsiteY5" fmla="*/ 3763010 h 3916522"/>
-              <a:gd name="connsiteX6" fmla="*/ 1817407 w 7490153"/>
-              <a:gd name="connsiteY6" fmla="*/ 3702940 h 3916522"/>
-              <a:gd name="connsiteX7" fmla="*/ 1924198 w 7490153"/>
-              <a:gd name="connsiteY7" fmla="*/ 3696266 h 3916522"/>
-              <a:gd name="connsiteX8" fmla="*/ 1944222 w 7490153"/>
-              <a:gd name="connsiteY8" fmla="*/ 3636195 h 3916522"/>
-              <a:gd name="connsiteX9" fmla="*/ 1944222 w 7490153"/>
-              <a:gd name="connsiteY9" fmla="*/ 3636195 h 3916522"/>
-              <a:gd name="connsiteX10" fmla="*/ 2024315 w 7490153"/>
-              <a:gd name="connsiteY10" fmla="*/ 3676242 h 3916522"/>
-              <a:gd name="connsiteX11" fmla="*/ 2311317 w 7490153"/>
-              <a:gd name="connsiteY11" fmla="*/ 3509381 h 3916522"/>
-              <a:gd name="connsiteX12" fmla="*/ 2478178 w 7490153"/>
-              <a:gd name="connsiteY12" fmla="*/ 3509381 h 3916522"/>
-              <a:gd name="connsiteX13" fmla="*/ 2584969 w 7490153"/>
-              <a:gd name="connsiteY13" fmla="*/ 3596149 h 3916522"/>
-              <a:gd name="connsiteX14" fmla="*/ 2698435 w 7490153"/>
-              <a:gd name="connsiteY14" fmla="*/ 3556102 h 3916522"/>
-              <a:gd name="connsiteX15" fmla="*/ 2718458 w 7490153"/>
-              <a:gd name="connsiteY15" fmla="*/ 3469334 h 3916522"/>
-              <a:gd name="connsiteX16" fmla="*/ 2831924 w 7490153"/>
-              <a:gd name="connsiteY16" fmla="*/ 3469334 h 3916522"/>
-              <a:gd name="connsiteX17" fmla="*/ 2905343 w 7490153"/>
-              <a:gd name="connsiteY17" fmla="*/ 3529404 h 3916522"/>
-              <a:gd name="connsiteX18" fmla="*/ 2978762 w 7490153"/>
-              <a:gd name="connsiteY18" fmla="*/ 3496032 h 3916522"/>
-              <a:gd name="connsiteX19" fmla="*/ 3245740 w 7490153"/>
-              <a:gd name="connsiteY19" fmla="*/ 3549428 h 3916522"/>
-              <a:gd name="connsiteX20" fmla="*/ 3339182 w 7490153"/>
-              <a:gd name="connsiteY20" fmla="*/ 3562776 h 3916522"/>
-              <a:gd name="connsiteX21" fmla="*/ 3425950 w 7490153"/>
-              <a:gd name="connsiteY21" fmla="*/ 3529404 h 3916522"/>
-              <a:gd name="connsiteX22" fmla="*/ 3506044 w 7490153"/>
-              <a:gd name="connsiteY22" fmla="*/ 3502706 h 3916522"/>
-              <a:gd name="connsiteX23" fmla="*/ 3692928 w 7490153"/>
-              <a:gd name="connsiteY23" fmla="*/ 3569451 h 3916522"/>
-              <a:gd name="connsiteX24" fmla="*/ 3813068 w 7490153"/>
-              <a:gd name="connsiteY24" fmla="*/ 3516055 h 3916522"/>
-              <a:gd name="connsiteX25" fmla="*/ 4066698 w 7490153"/>
-              <a:gd name="connsiteY25" fmla="*/ 3536079 h 3916522"/>
-              <a:gd name="connsiteX26" fmla="*/ 4140117 w 7490153"/>
-              <a:gd name="connsiteY26" fmla="*/ 3542753 h 3916522"/>
-              <a:gd name="connsiteX27" fmla="*/ 4253582 w 7490153"/>
-              <a:gd name="connsiteY27" fmla="*/ 3616172 h 3916522"/>
-              <a:gd name="connsiteX28" fmla="*/ 4266931 w 7490153"/>
-              <a:gd name="connsiteY28" fmla="*/ 3682917 h 3916522"/>
-              <a:gd name="connsiteX29" fmla="*/ 4714120 w 7490153"/>
-              <a:gd name="connsiteY29" fmla="*/ 3722963 h 3916522"/>
-              <a:gd name="connsiteX30" fmla="*/ 5061191 w 7490153"/>
-              <a:gd name="connsiteY30" fmla="*/ 3729638 h 3916522"/>
-              <a:gd name="connsiteX31" fmla="*/ 5147959 w 7490153"/>
-              <a:gd name="connsiteY31" fmla="*/ 3796382 h 3916522"/>
-              <a:gd name="connsiteX32" fmla="*/ 5768683 w 7490153"/>
-              <a:gd name="connsiteY32" fmla="*/ 3796382 h 3916522"/>
-              <a:gd name="connsiteX33" fmla="*/ 6242569 w 7490153"/>
-              <a:gd name="connsiteY33" fmla="*/ 3883150 h 3916522"/>
-              <a:gd name="connsiteX34" fmla="*/ 6389407 w 7490153"/>
-              <a:gd name="connsiteY34" fmla="*/ 3916522 h 3916522"/>
-              <a:gd name="connsiteX35" fmla="*/ 6556268 w 7490153"/>
-              <a:gd name="connsiteY35" fmla="*/ 3569451 h 3916522"/>
-              <a:gd name="connsiteX36" fmla="*/ 6764259 w 7490153"/>
-              <a:gd name="connsiteY36" fmla="*/ 3572097 h 3916522"/>
-              <a:gd name="connsiteX37" fmla="*/ 6788972 w 7490153"/>
-              <a:gd name="connsiteY37" fmla="*/ 3506194 h 3916522"/>
-              <a:gd name="connsiteX38" fmla="*/ 6920778 w 7490153"/>
-              <a:gd name="connsiteY38" fmla="*/ 3506194 h 3916522"/>
-              <a:gd name="connsiteX39" fmla="*/ 6978443 w 7490153"/>
-              <a:gd name="connsiteY39" fmla="*/ 3588572 h 3916522"/>
-              <a:gd name="connsiteX40" fmla="*/ 7027870 w 7490153"/>
-              <a:gd name="connsiteY40" fmla="*/ 3621524 h 3916522"/>
-              <a:gd name="connsiteX41" fmla="*/ 7077297 w 7490153"/>
-              <a:gd name="connsiteY41" fmla="*/ 3473243 h 3916522"/>
-              <a:gd name="connsiteX42" fmla="*/ 7209102 w 7490153"/>
-              <a:gd name="connsiteY42" fmla="*/ 3473243 h 3916522"/>
-              <a:gd name="connsiteX43" fmla="*/ 7307956 w 7490153"/>
-              <a:gd name="connsiteY43" fmla="*/ 3637999 h 3916522"/>
-              <a:gd name="connsiteX44" fmla="*/ 7349145 w 7490153"/>
-              <a:gd name="connsiteY44" fmla="*/ 3753329 h 3916522"/>
-              <a:gd name="connsiteX45" fmla="*/ 7487730 w 7490153"/>
-              <a:gd name="connsiteY45" fmla="*/ 3775468 h 3916522"/>
-              <a:gd name="connsiteX46" fmla="*/ 7490153 w 7490153"/>
-              <a:gd name="connsiteY46" fmla="*/ 248964 h 3916522"/>
-              <a:gd name="connsiteX47" fmla="*/ 0 w 7490153"/>
-              <a:gd name="connsiteY47" fmla="*/ 0 h 3916522"/>
-              <a:gd name="connsiteX48" fmla="*/ 522563 w 7490153"/>
-              <a:gd name="connsiteY48" fmla="*/ 3836429 h 3916522"/>
-              <a:gd name="connsiteX0" fmla="*/ 0 w 6967590"/>
-              <a:gd name="connsiteY0" fmla="*/ 3587465 h 3667558"/>
-              <a:gd name="connsiteX1" fmla="*/ 240281 w 6967590"/>
-              <a:gd name="connsiteY1" fmla="*/ 3587465 h 3667558"/>
-              <a:gd name="connsiteX2" fmla="*/ 393793 w 6967590"/>
-              <a:gd name="connsiteY2" fmla="*/ 3660884 h 3667558"/>
-              <a:gd name="connsiteX3" fmla="*/ 1168030 w 6967590"/>
-              <a:gd name="connsiteY3" fmla="*/ 3600814 h 3667558"/>
-              <a:gd name="connsiteX4" fmla="*/ 1168030 w 6967590"/>
-              <a:gd name="connsiteY4" fmla="*/ 3514046 h 3667558"/>
-              <a:gd name="connsiteX5" fmla="*/ 1228100 w 6967590"/>
-              <a:gd name="connsiteY5" fmla="*/ 3514046 h 3667558"/>
-              <a:gd name="connsiteX6" fmla="*/ 1294844 w 6967590"/>
-              <a:gd name="connsiteY6" fmla="*/ 3453976 h 3667558"/>
-              <a:gd name="connsiteX7" fmla="*/ 1401635 w 6967590"/>
-              <a:gd name="connsiteY7" fmla="*/ 3447302 h 3667558"/>
-              <a:gd name="connsiteX8" fmla="*/ 1421659 w 6967590"/>
-              <a:gd name="connsiteY8" fmla="*/ 3387231 h 3667558"/>
-              <a:gd name="connsiteX9" fmla="*/ 1421659 w 6967590"/>
-              <a:gd name="connsiteY9" fmla="*/ 3387231 h 3667558"/>
-              <a:gd name="connsiteX10" fmla="*/ 1501752 w 6967590"/>
-              <a:gd name="connsiteY10" fmla="*/ 3427278 h 3667558"/>
-              <a:gd name="connsiteX11" fmla="*/ 1788754 w 6967590"/>
-              <a:gd name="connsiteY11" fmla="*/ 3260417 h 3667558"/>
-              <a:gd name="connsiteX12" fmla="*/ 1955615 w 6967590"/>
-              <a:gd name="connsiteY12" fmla="*/ 3260417 h 3667558"/>
-              <a:gd name="connsiteX13" fmla="*/ 2062406 w 6967590"/>
-              <a:gd name="connsiteY13" fmla="*/ 3347185 h 3667558"/>
-              <a:gd name="connsiteX14" fmla="*/ 2175872 w 6967590"/>
-              <a:gd name="connsiteY14" fmla="*/ 3307138 h 3667558"/>
-              <a:gd name="connsiteX15" fmla="*/ 2195895 w 6967590"/>
-              <a:gd name="connsiteY15" fmla="*/ 3220370 h 3667558"/>
-              <a:gd name="connsiteX16" fmla="*/ 2309361 w 6967590"/>
-              <a:gd name="connsiteY16" fmla="*/ 3220370 h 3667558"/>
-              <a:gd name="connsiteX17" fmla="*/ 2382780 w 6967590"/>
-              <a:gd name="connsiteY17" fmla="*/ 3280440 h 3667558"/>
-              <a:gd name="connsiteX18" fmla="*/ 2456199 w 6967590"/>
-              <a:gd name="connsiteY18" fmla="*/ 3247068 h 3667558"/>
-              <a:gd name="connsiteX19" fmla="*/ 2723177 w 6967590"/>
-              <a:gd name="connsiteY19" fmla="*/ 3300464 h 3667558"/>
-              <a:gd name="connsiteX20" fmla="*/ 2816619 w 6967590"/>
-              <a:gd name="connsiteY20" fmla="*/ 3313812 h 3667558"/>
-              <a:gd name="connsiteX21" fmla="*/ 2903387 w 6967590"/>
-              <a:gd name="connsiteY21" fmla="*/ 3280440 h 3667558"/>
-              <a:gd name="connsiteX22" fmla="*/ 2983481 w 6967590"/>
-              <a:gd name="connsiteY22" fmla="*/ 3253742 h 3667558"/>
-              <a:gd name="connsiteX23" fmla="*/ 3170365 w 6967590"/>
-              <a:gd name="connsiteY23" fmla="*/ 3320487 h 3667558"/>
-              <a:gd name="connsiteX24" fmla="*/ 3290505 w 6967590"/>
-              <a:gd name="connsiteY24" fmla="*/ 3267091 h 3667558"/>
-              <a:gd name="connsiteX25" fmla="*/ 3544135 w 6967590"/>
-              <a:gd name="connsiteY25" fmla="*/ 3287115 h 3667558"/>
-              <a:gd name="connsiteX26" fmla="*/ 3617554 w 6967590"/>
-              <a:gd name="connsiteY26" fmla="*/ 3293789 h 3667558"/>
-              <a:gd name="connsiteX27" fmla="*/ 3731019 w 6967590"/>
-              <a:gd name="connsiteY27" fmla="*/ 3367208 h 3667558"/>
-              <a:gd name="connsiteX28" fmla="*/ 3744368 w 6967590"/>
-              <a:gd name="connsiteY28" fmla="*/ 3433953 h 3667558"/>
-              <a:gd name="connsiteX29" fmla="*/ 4191557 w 6967590"/>
-              <a:gd name="connsiteY29" fmla="*/ 3473999 h 3667558"/>
-              <a:gd name="connsiteX30" fmla="*/ 4538628 w 6967590"/>
-              <a:gd name="connsiteY30" fmla="*/ 3480674 h 3667558"/>
-              <a:gd name="connsiteX31" fmla="*/ 4625396 w 6967590"/>
-              <a:gd name="connsiteY31" fmla="*/ 3547418 h 3667558"/>
-              <a:gd name="connsiteX32" fmla="*/ 5246120 w 6967590"/>
-              <a:gd name="connsiteY32" fmla="*/ 3547418 h 3667558"/>
-              <a:gd name="connsiteX33" fmla="*/ 5720006 w 6967590"/>
-              <a:gd name="connsiteY33" fmla="*/ 3634186 h 3667558"/>
-              <a:gd name="connsiteX34" fmla="*/ 5866844 w 6967590"/>
-              <a:gd name="connsiteY34" fmla="*/ 3667558 h 3667558"/>
-              <a:gd name="connsiteX35" fmla="*/ 6033705 w 6967590"/>
-              <a:gd name="connsiteY35" fmla="*/ 3320487 h 3667558"/>
-              <a:gd name="connsiteX36" fmla="*/ 6241696 w 6967590"/>
-              <a:gd name="connsiteY36" fmla="*/ 3323133 h 3667558"/>
-              <a:gd name="connsiteX37" fmla="*/ 6266409 w 6967590"/>
-              <a:gd name="connsiteY37" fmla="*/ 3257230 h 3667558"/>
-              <a:gd name="connsiteX38" fmla="*/ 6398215 w 6967590"/>
-              <a:gd name="connsiteY38" fmla="*/ 3257230 h 3667558"/>
-              <a:gd name="connsiteX39" fmla="*/ 6455880 w 6967590"/>
-              <a:gd name="connsiteY39" fmla="*/ 3339608 h 3667558"/>
-              <a:gd name="connsiteX40" fmla="*/ 6505307 w 6967590"/>
-              <a:gd name="connsiteY40" fmla="*/ 3372560 h 3667558"/>
-              <a:gd name="connsiteX41" fmla="*/ 6554734 w 6967590"/>
-              <a:gd name="connsiteY41" fmla="*/ 3224279 h 3667558"/>
-              <a:gd name="connsiteX42" fmla="*/ 6686539 w 6967590"/>
-              <a:gd name="connsiteY42" fmla="*/ 3224279 h 3667558"/>
-              <a:gd name="connsiteX43" fmla="*/ 6785393 w 6967590"/>
-              <a:gd name="connsiteY43" fmla="*/ 3389035 h 3667558"/>
-              <a:gd name="connsiteX44" fmla="*/ 6826582 w 6967590"/>
-              <a:gd name="connsiteY44" fmla="*/ 3504365 h 3667558"/>
-              <a:gd name="connsiteX45" fmla="*/ 6965167 w 6967590"/>
-              <a:gd name="connsiteY45" fmla="*/ 3526504 h 3667558"/>
-              <a:gd name="connsiteX46" fmla="*/ 6967590 w 6967590"/>
-              <a:gd name="connsiteY46" fmla="*/ 0 h 3667558"/>
-              <a:gd name="connsiteX47" fmla="*/ 109262 w 6967590"/>
-              <a:gd name="connsiteY47" fmla="*/ 5036 h 3667558"/>
-              <a:gd name="connsiteX48" fmla="*/ 0 w 6967590"/>
-              <a:gd name="connsiteY48" fmla="*/ 3587465 h 3667558"/>
-              <a:gd name="connsiteX0" fmla="*/ 0 w 6859640"/>
-              <a:gd name="connsiteY0" fmla="*/ 3587465 h 3667558"/>
-              <a:gd name="connsiteX1" fmla="*/ 132331 w 6859640"/>
-              <a:gd name="connsiteY1" fmla="*/ 3587465 h 3667558"/>
-              <a:gd name="connsiteX2" fmla="*/ 285843 w 6859640"/>
-              <a:gd name="connsiteY2" fmla="*/ 3660884 h 3667558"/>
-              <a:gd name="connsiteX3" fmla="*/ 1060080 w 6859640"/>
-              <a:gd name="connsiteY3" fmla="*/ 3600814 h 3667558"/>
-              <a:gd name="connsiteX4" fmla="*/ 1060080 w 6859640"/>
-              <a:gd name="connsiteY4" fmla="*/ 3514046 h 3667558"/>
-              <a:gd name="connsiteX5" fmla="*/ 1120150 w 6859640"/>
-              <a:gd name="connsiteY5" fmla="*/ 3514046 h 3667558"/>
-              <a:gd name="connsiteX6" fmla="*/ 1186894 w 6859640"/>
-              <a:gd name="connsiteY6" fmla="*/ 3453976 h 3667558"/>
-              <a:gd name="connsiteX7" fmla="*/ 1293685 w 6859640"/>
-              <a:gd name="connsiteY7" fmla="*/ 3447302 h 3667558"/>
-              <a:gd name="connsiteX8" fmla="*/ 1313709 w 6859640"/>
-              <a:gd name="connsiteY8" fmla="*/ 3387231 h 3667558"/>
-              <a:gd name="connsiteX9" fmla="*/ 1313709 w 6859640"/>
-              <a:gd name="connsiteY9" fmla="*/ 3387231 h 3667558"/>
-              <a:gd name="connsiteX10" fmla="*/ 1393802 w 6859640"/>
-              <a:gd name="connsiteY10" fmla="*/ 3427278 h 3667558"/>
-              <a:gd name="connsiteX11" fmla="*/ 1680804 w 6859640"/>
-              <a:gd name="connsiteY11" fmla="*/ 3260417 h 3667558"/>
-              <a:gd name="connsiteX12" fmla="*/ 1847665 w 6859640"/>
-              <a:gd name="connsiteY12" fmla="*/ 3260417 h 3667558"/>
-              <a:gd name="connsiteX13" fmla="*/ 1954456 w 6859640"/>
-              <a:gd name="connsiteY13" fmla="*/ 3347185 h 3667558"/>
-              <a:gd name="connsiteX14" fmla="*/ 2067922 w 6859640"/>
-              <a:gd name="connsiteY14" fmla="*/ 3307138 h 3667558"/>
-              <a:gd name="connsiteX15" fmla="*/ 2087945 w 6859640"/>
-              <a:gd name="connsiteY15" fmla="*/ 3220370 h 3667558"/>
-              <a:gd name="connsiteX16" fmla="*/ 2201411 w 6859640"/>
-              <a:gd name="connsiteY16" fmla="*/ 3220370 h 3667558"/>
-              <a:gd name="connsiteX17" fmla="*/ 2274830 w 6859640"/>
-              <a:gd name="connsiteY17" fmla="*/ 3280440 h 3667558"/>
-              <a:gd name="connsiteX18" fmla="*/ 2348249 w 6859640"/>
-              <a:gd name="connsiteY18" fmla="*/ 3247068 h 3667558"/>
-              <a:gd name="connsiteX19" fmla="*/ 2615227 w 6859640"/>
-              <a:gd name="connsiteY19" fmla="*/ 3300464 h 3667558"/>
-              <a:gd name="connsiteX20" fmla="*/ 2708669 w 6859640"/>
-              <a:gd name="connsiteY20" fmla="*/ 3313812 h 3667558"/>
-              <a:gd name="connsiteX21" fmla="*/ 2795437 w 6859640"/>
-              <a:gd name="connsiteY21" fmla="*/ 3280440 h 3667558"/>
-              <a:gd name="connsiteX22" fmla="*/ 2875531 w 6859640"/>
-              <a:gd name="connsiteY22" fmla="*/ 3253742 h 3667558"/>
-              <a:gd name="connsiteX23" fmla="*/ 3062415 w 6859640"/>
-              <a:gd name="connsiteY23" fmla="*/ 3320487 h 3667558"/>
-              <a:gd name="connsiteX24" fmla="*/ 3182555 w 6859640"/>
-              <a:gd name="connsiteY24" fmla="*/ 3267091 h 3667558"/>
-              <a:gd name="connsiteX25" fmla="*/ 3436185 w 6859640"/>
-              <a:gd name="connsiteY25" fmla="*/ 3287115 h 3667558"/>
-              <a:gd name="connsiteX26" fmla="*/ 3509604 w 6859640"/>
-              <a:gd name="connsiteY26" fmla="*/ 3293789 h 3667558"/>
-              <a:gd name="connsiteX27" fmla="*/ 3623069 w 6859640"/>
-              <a:gd name="connsiteY27" fmla="*/ 3367208 h 3667558"/>
-              <a:gd name="connsiteX28" fmla="*/ 3636418 w 6859640"/>
-              <a:gd name="connsiteY28" fmla="*/ 3433953 h 3667558"/>
-              <a:gd name="connsiteX29" fmla="*/ 4083607 w 6859640"/>
-              <a:gd name="connsiteY29" fmla="*/ 3473999 h 3667558"/>
-              <a:gd name="connsiteX30" fmla="*/ 4430678 w 6859640"/>
-              <a:gd name="connsiteY30" fmla="*/ 3480674 h 3667558"/>
-              <a:gd name="connsiteX31" fmla="*/ 4517446 w 6859640"/>
-              <a:gd name="connsiteY31" fmla="*/ 3547418 h 3667558"/>
-              <a:gd name="connsiteX32" fmla="*/ 5138170 w 6859640"/>
-              <a:gd name="connsiteY32" fmla="*/ 3547418 h 3667558"/>
-              <a:gd name="connsiteX33" fmla="*/ 5612056 w 6859640"/>
-              <a:gd name="connsiteY33" fmla="*/ 3634186 h 3667558"/>
-              <a:gd name="connsiteX34" fmla="*/ 5758894 w 6859640"/>
-              <a:gd name="connsiteY34" fmla="*/ 3667558 h 3667558"/>
-              <a:gd name="connsiteX35" fmla="*/ 5925755 w 6859640"/>
-              <a:gd name="connsiteY35" fmla="*/ 3320487 h 3667558"/>
-              <a:gd name="connsiteX36" fmla="*/ 6133746 w 6859640"/>
-              <a:gd name="connsiteY36" fmla="*/ 3323133 h 3667558"/>
-              <a:gd name="connsiteX37" fmla="*/ 6158459 w 6859640"/>
-              <a:gd name="connsiteY37" fmla="*/ 3257230 h 3667558"/>
-              <a:gd name="connsiteX38" fmla="*/ 6290265 w 6859640"/>
-              <a:gd name="connsiteY38" fmla="*/ 3257230 h 3667558"/>
-              <a:gd name="connsiteX39" fmla="*/ 6347930 w 6859640"/>
-              <a:gd name="connsiteY39" fmla="*/ 3339608 h 3667558"/>
-              <a:gd name="connsiteX40" fmla="*/ 6397357 w 6859640"/>
-              <a:gd name="connsiteY40" fmla="*/ 3372560 h 3667558"/>
-              <a:gd name="connsiteX41" fmla="*/ 6446784 w 6859640"/>
-              <a:gd name="connsiteY41" fmla="*/ 3224279 h 3667558"/>
-              <a:gd name="connsiteX42" fmla="*/ 6578589 w 6859640"/>
-              <a:gd name="connsiteY42" fmla="*/ 3224279 h 3667558"/>
-              <a:gd name="connsiteX43" fmla="*/ 6677443 w 6859640"/>
-              <a:gd name="connsiteY43" fmla="*/ 3389035 h 3667558"/>
-              <a:gd name="connsiteX44" fmla="*/ 6718632 w 6859640"/>
-              <a:gd name="connsiteY44" fmla="*/ 3504365 h 3667558"/>
-              <a:gd name="connsiteX45" fmla="*/ 6857217 w 6859640"/>
-              <a:gd name="connsiteY45" fmla="*/ 3526504 h 3667558"/>
-              <a:gd name="connsiteX46" fmla="*/ 6859640 w 6859640"/>
-              <a:gd name="connsiteY46" fmla="*/ 0 h 3667558"/>
-              <a:gd name="connsiteX47" fmla="*/ 1312 w 6859640"/>
-              <a:gd name="connsiteY47" fmla="*/ 5036 h 3667558"/>
-              <a:gd name="connsiteX48" fmla="*/ 0 w 6859640"/>
-              <a:gd name="connsiteY48" fmla="*/ 3587465 h 3667558"/>
-              <a:gd name="connsiteX0" fmla="*/ 0 w 6859640"/>
-              <a:gd name="connsiteY0" fmla="*/ 3587465 h 3667558"/>
-              <a:gd name="connsiteX1" fmla="*/ 132331 w 6859640"/>
-              <a:gd name="connsiteY1" fmla="*/ 3587465 h 3667558"/>
-              <a:gd name="connsiteX2" fmla="*/ 285843 w 6859640"/>
-              <a:gd name="connsiteY2" fmla="*/ 3660884 h 3667558"/>
-              <a:gd name="connsiteX3" fmla="*/ 1060080 w 6859640"/>
-              <a:gd name="connsiteY3" fmla="*/ 3600814 h 3667558"/>
-              <a:gd name="connsiteX4" fmla="*/ 1060080 w 6859640"/>
-              <a:gd name="connsiteY4" fmla="*/ 3514046 h 3667558"/>
-              <a:gd name="connsiteX5" fmla="*/ 1120150 w 6859640"/>
-              <a:gd name="connsiteY5" fmla="*/ 3514046 h 3667558"/>
-              <a:gd name="connsiteX6" fmla="*/ 1186894 w 6859640"/>
-              <a:gd name="connsiteY6" fmla="*/ 3453976 h 3667558"/>
-              <a:gd name="connsiteX7" fmla="*/ 1293685 w 6859640"/>
-              <a:gd name="connsiteY7" fmla="*/ 3447302 h 3667558"/>
-              <a:gd name="connsiteX8" fmla="*/ 1313709 w 6859640"/>
-              <a:gd name="connsiteY8" fmla="*/ 3387231 h 3667558"/>
-              <a:gd name="connsiteX9" fmla="*/ 1313709 w 6859640"/>
-              <a:gd name="connsiteY9" fmla="*/ 3387231 h 3667558"/>
-              <a:gd name="connsiteX10" fmla="*/ 1393802 w 6859640"/>
-              <a:gd name="connsiteY10" fmla="*/ 3427278 h 3667558"/>
-              <a:gd name="connsiteX11" fmla="*/ 1680804 w 6859640"/>
-              <a:gd name="connsiteY11" fmla="*/ 3260417 h 3667558"/>
-              <a:gd name="connsiteX12" fmla="*/ 1847665 w 6859640"/>
-              <a:gd name="connsiteY12" fmla="*/ 3260417 h 3667558"/>
-              <a:gd name="connsiteX13" fmla="*/ 1954456 w 6859640"/>
-              <a:gd name="connsiteY13" fmla="*/ 3347185 h 3667558"/>
-              <a:gd name="connsiteX14" fmla="*/ 2067922 w 6859640"/>
-              <a:gd name="connsiteY14" fmla="*/ 3307138 h 3667558"/>
-              <a:gd name="connsiteX15" fmla="*/ 2087945 w 6859640"/>
-              <a:gd name="connsiteY15" fmla="*/ 3220370 h 3667558"/>
-              <a:gd name="connsiteX16" fmla="*/ 2201411 w 6859640"/>
-              <a:gd name="connsiteY16" fmla="*/ 3220370 h 3667558"/>
-              <a:gd name="connsiteX17" fmla="*/ 2274830 w 6859640"/>
-              <a:gd name="connsiteY17" fmla="*/ 3280440 h 3667558"/>
-              <a:gd name="connsiteX18" fmla="*/ 2348249 w 6859640"/>
-              <a:gd name="connsiteY18" fmla="*/ 3247068 h 3667558"/>
-              <a:gd name="connsiteX19" fmla="*/ 2615227 w 6859640"/>
-              <a:gd name="connsiteY19" fmla="*/ 3300464 h 3667558"/>
-              <a:gd name="connsiteX20" fmla="*/ 2708669 w 6859640"/>
-              <a:gd name="connsiteY20" fmla="*/ 3313812 h 3667558"/>
-              <a:gd name="connsiteX21" fmla="*/ 2795437 w 6859640"/>
-              <a:gd name="connsiteY21" fmla="*/ 3280440 h 3667558"/>
-              <a:gd name="connsiteX22" fmla="*/ 2875531 w 6859640"/>
-              <a:gd name="connsiteY22" fmla="*/ 3253742 h 3667558"/>
-              <a:gd name="connsiteX23" fmla="*/ 3062415 w 6859640"/>
-              <a:gd name="connsiteY23" fmla="*/ 3320487 h 3667558"/>
-              <a:gd name="connsiteX24" fmla="*/ 3182555 w 6859640"/>
-              <a:gd name="connsiteY24" fmla="*/ 3267091 h 3667558"/>
-              <a:gd name="connsiteX25" fmla="*/ 3436185 w 6859640"/>
-              <a:gd name="connsiteY25" fmla="*/ 3287115 h 3667558"/>
-              <a:gd name="connsiteX26" fmla="*/ 3509604 w 6859640"/>
-              <a:gd name="connsiteY26" fmla="*/ 3293789 h 3667558"/>
-              <a:gd name="connsiteX27" fmla="*/ 3623069 w 6859640"/>
-              <a:gd name="connsiteY27" fmla="*/ 3367208 h 3667558"/>
-              <a:gd name="connsiteX28" fmla="*/ 3636418 w 6859640"/>
-              <a:gd name="connsiteY28" fmla="*/ 3433953 h 3667558"/>
-              <a:gd name="connsiteX29" fmla="*/ 4083607 w 6859640"/>
-              <a:gd name="connsiteY29" fmla="*/ 3473999 h 3667558"/>
-              <a:gd name="connsiteX30" fmla="*/ 4430678 w 6859640"/>
-              <a:gd name="connsiteY30" fmla="*/ 3480674 h 3667558"/>
-              <a:gd name="connsiteX31" fmla="*/ 4517446 w 6859640"/>
-              <a:gd name="connsiteY31" fmla="*/ 3547418 h 3667558"/>
-              <a:gd name="connsiteX32" fmla="*/ 5138170 w 6859640"/>
-              <a:gd name="connsiteY32" fmla="*/ 3547418 h 3667558"/>
-              <a:gd name="connsiteX33" fmla="*/ 5612056 w 6859640"/>
-              <a:gd name="connsiteY33" fmla="*/ 3634186 h 3667558"/>
-              <a:gd name="connsiteX34" fmla="*/ 5758894 w 6859640"/>
-              <a:gd name="connsiteY34" fmla="*/ 3667558 h 3667558"/>
-              <a:gd name="connsiteX35" fmla="*/ 5925755 w 6859640"/>
-              <a:gd name="connsiteY35" fmla="*/ 3320487 h 3667558"/>
-              <a:gd name="connsiteX36" fmla="*/ 6133746 w 6859640"/>
-              <a:gd name="connsiteY36" fmla="*/ 3323133 h 3667558"/>
-              <a:gd name="connsiteX37" fmla="*/ 6158459 w 6859640"/>
-              <a:gd name="connsiteY37" fmla="*/ 3257230 h 3667558"/>
-              <a:gd name="connsiteX38" fmla="*/ 6290265 w 6859640"/>
-              <a:gd name="connsiteY38" fmla="*/ 3257230 h 3667558"/>
-              <a:gd name="connsiteX39" fmla="*/ 6347930 w 6859640"/>
-              <a:gd name="connsiteY39" fmla="*/ 3339608 h 3667558"/>
-              <a:gd name="connsiteX40" fmla="*/ 6397357 w 6859640"/>
-              <a:gd name="connsiteY40" fmla="*/ 3372560 h 3667558"/>
-              <a:gd name="connsiteX41" fmla="*/ 6446784 w 6859640"/>
-              <a:gd name="connsiteY41" fmla="*/ 3224279 h 3667558"/>
-              <a:gd name="connsiteX42" fmla="*/ 6578589 w 6859640"/>
-              <a:gd name="connsiteY42" fmla="*/ 3224279 h 3667558"/>
-              <a:gd name="connsiteX43" fmla="*/ 6677443 w 6859640"/>
-              <a:gd name="connsiteY43" fmla="*/ 3389035 h 3667558"/>
-              <a:gd name="connsiteX44" fmla="*/ 6718632 w 6859640"/>
-              <a:gd name="connsiteY44" fmla="*/ 3504365 h 3667558"/>
-              <a:gd name="connsiteX45" fmla="*/ 6857217 w 6859640"/>
-              <a:gd name="connsiteY45" fmla="*/ 3526504 h 3667558"/>
-              <a:gd name="connsiteX46" fmla="*/ 6859640 w 6859640"/>
-              <a:gd name="connsiteY46" fmla="*/ 0 h 3667558"/>
-              <a:gd name="connsiteX47" fmla="*/ 10837 w 6859640"/>
-              <a:gd name="connsiteY47" fmla="*/ 14561 h 3667558"/>
-              <a:gd name="connsiteX48" fmla="*/ 0 w 6859640"/>
-              <a:gd name="connsiteY48" fmla="*/ 3587465 h 3667558"/>
-              <a:gd name="connsiteX0" fmla="*/ 0 w 6859640"/>
-              <a:gd name="connsiteY0" fmla="*/ 3587465 h 3667558"/>
-              <a:gd name="connsiteX1" fmla="*/ 132331 w 6859640"/>
-              <a:gd name="connsiteY1" fmla="*/ 3587465 h 3667558"/>
-              <a:gd name="connsiteX2" fmla="*/ 285843 w 6859640"/>
-              <a:gd name="connsiteY2" fmla="*/ 3660884 h 3667558"/>
-              <a:gd name="connsiteX3" fmla="*/ 1060080 w 6859640"/>
-              <a:gd name="connsiteY3" fmla="*/ 3600814 h 3667558"/>
-              <a:gd name="connsiteX4" fmla="*/ 1060080 w 6859640"/>
-              <a:gd name="connsiteY4" fmla="*/ 3514046 h 3667558"/>
-              <a:gd name="connsiteX5" fmla="*/ 1120150 w 6859640"/>
-              <a:gd name="connsiteY5" fmla="*/ 3514046 h 3667558"/>
-              <a:gd name="connsiteX6" fmla="*/ 1186894 w 6859640"/>
-              <a:gd name="connsiteY6" fmla="*/ 3453976 h 3667558"/>
-              <a:gd name="connsiteX7" fmla="*/ 1293685 w 6859640"/>
-              <a:gd name="connsiteY7" fmla="*/ 3447302 h 3667558"/>
-              <a:gd name="connsiteX8" fmla="*/ 1313709 w 6859640"/>
-              <a:gd name="connsiteY8" fmla="*/ 3387231 h 3667558"/>
-              <a:gd name="connsiteX9" fmla="*/ 1313709 w 6859640"/>
-              <a:gd name="connsiteY9" fmla="*/ 3387231 h 3667558"/>
-              <a:gd name="connsiteX10" fmla="*/ 1393802 w 6859640"/>
-              <a:gd name="connsiteY10" fmla="*/ 3427278 h 3667558"/>
-              <a:gd name="connsiteX11" fmla="*/ 1680804 w 6859640"/>
-              <a:gd name="connsiteY11" fmla="*/ 3260417 h 3667558"/>
-              <a:gd name="connsiteX12" fmla="*/ 1847665 w 6859640"/>
-              <a:gd name="connsiteY12" fmla="*/ 3260417 h 3667558"/>
-              <a:gd name="connsiteX13" fmla="*/ 1954456 w 6859640"/>
-              <a:gd name="connsiteY13" fmla="*/ 3347185 h 3667558"/>
-              <a:gd name="connsiteX14" fmla="*/ 2067922 w 6859640"/>
-              <a:gd name="connsiteY14" fmla="*/ 3307138 h 3667558"/>
-              <a:gd name="connsiteX15" fmla="*/ 2087945 w 6859640"/>
-              <a:gd name="connsiteY15" fmla="*/ 3220370 h 3667558"/>
-              <a:gd name="connsiteX16" fmla="*/ 2201411 w 6859640"/>
-              <a:gd name="connsiteY16" fmla="*/ 3220370 h 3667558"/>
-              <a:gd name="connsiteX17" fmla="*/ 2274830 w 6859640"/>
-              <a:gd name="connsiteY17" fmla="*/ 3280440 h 3667558"/>
-              <a:gd name="connsiteX18" fmla="*/ 2348249 w 6859640"/>
-              <a:gd name="connsiteY18" fmla="*/ 3247068 h 3667558"/>
-              <a:gd name="connsiteX19" fmla="*/ 2615227 w 6859640"/>
-              <a:gd name="connsiteY19" fmla="*/ 3300464 h 3667558"/>
-              <a:gd name="connsiteX20" fmla="*/ 2708669 w 6859640"/>
-              <a:gd name="connsiteY20" fmla="*/ 3313812 h 3667558"/>
-              <a:gd name="connsiteX21" fmla="*/ 2795437 w 6859640"/>
-              <a:gd name="connsiteY21" fmla="*/ 3280440 h 3667558"/>
-              <a:gd name="connsiteX22" fmla="*/ 2875531 w 6859640"/>
-              <a:gd name="connsiteY22" fmla="*/ 3253742 h 3667558"/>
-              <a:gd name="connsiteX23" fmla="*/ 3062415 w 6859640"/>
-              <a:gd name="connsiteY23" fmla="*/ 3320487 h 3667558"/>
-              <a:gd name="connsiteX24" fmla="*/ 3182555 w 6859640"/>
-              <a:gd name="connsiteY24" fmla="*/ 3267091 h 3667558"/>
-              <a:gd name="connsiteX25" fmla="*/ 3436185 w 6859640"/>
-              <a:gd name="connsiteY25" fmla="*/ 3287115 h 3667558"/>
-              <a:gd name="connsiteX26" fmla="*/ 3509604 w 6859640"/>
-              <a:gd name="connsiteY26" fmla="*/ 3293789 h 3667558"/>
-              <a:gd name="connsiteX27" fmla="*/ 3623069 w 6859640"/>
-              <a:gd name="connsiteY27" fmla="*/ 3367208 h 3667558"/>
-              <a:gd name="connsiteX28" fmla="*/ 3636418 w 6859640"/>
-              <a:gd name="connsiteY28" fmla="*/ 3433953 h 3667558"/>
-              <a:gd name="connsiteX29" fmla="*/ 4083607 w 6859640"/>
-              <a:gd name="connsiteY29" fmla="*/ 3473999 h 3667558"/>
-              <a:gd name="connsiteX30" fmla="*/ 4430678 w 6859640"/>
-              <a:gd name="connsiteY30" fmla="*/ 3480674 h 3667558"/>
-              <a:gd name="connsiteX31" fmla="*/ 4517446 w 6859640"/>
-              <a:gd name="connsiteY31" fmla="*/ 3547418 h 3667558"/>
-              <a:gd name="connsiteX32" fmla="*/ 5138170 w 6859640"/>
-              <a:gd name="connsiteY32" fmla="*/ 3547418 h 3667558"/>
-              <a:gd name="connsiteX33" fmla="*/ 5612056 w 6859640"/>
-              <a:gd name="connsiteY33" fmla="*/ 3634186 h 3667558"/>
-              <a:gd name="connsiteX34" fmla="*/ 5758894 w 6859640"/>
-              <a:gd name="connsiteY34" fmla="*/ 3667558 h 3667558"/>
-              <a:gd name="connsiteX35" fmla="*/ 5925755 w 6859640"/>
-              <a:gd name="connsiteY35" fmla="*/ 3320487 h 3667558"/>
-              <a:gd name="connsiteX36" fmla="*/ 6133746 w 6859640"/>
-              <a:gd name="connsiteY36" fmla="*/ 3323133 h 3667558"/>
-              <a:gd name="connsiteX37" fmla="*/ 6158459 w 6859640"/>
-              <a:gd name="connsiteY37" fmla="*/ 3257230 h 3667558"/>
-              <a:gd name="connsiteX38" fmla="*/ 6290265 w 6859640"/>
-              <a:gd name="connsiteY38" fmla="*/ 3257230 h 3667558"/>
-              <a:gd name="connsiteX39" fmla="*/ 6347930 w 6859640"/>
-              <a:gd name="connsiteY39" fmla="*/ 3339608 h 3667558"/>
-              <a:gd name="connsiteX40" fmla="*/ 6397357 w 6859640"/>
-              <a:gd name="connsiteY40" fmla="*/ 3372560 h 3667558"/>
-              <a:gd name="connsiteX41" fmla="*/ 6446784 w 6859640"/>
-              <a:gd name="connsiteY41" fmla="*/ 3224279 h 3667558"/>
-              <a:gd name="connsiteX42" fmla="*/ 6578589 w 6859640"/>
-              <a:gd name="connsiteY42" fmla="*/ 3224279 h 3667558"/>
-              <a:gd name="connsiteX43" fmla="*/ 6677443 w 6859640"/>
-              <a:gd name="connsiteY43" fmla="*/ 3389035 h 3667558"/>
-              <a:gd name="connsiteX44" fmla="*/ 6718632 w 6859640"/>
-              <a:gd name="connsiteY44" fmla="*/ 3504365 h 3667558"/>
-              <a:gd name="connsiteX45" fmla="*/ 6857217 w 6859640"/>
-              <a:gd name="connsiteY45" fmla="*/ 3526504 h 3667558"/>
-              <a:gd name="connsiteX46" fmla="*/ 6859640 w 6859640"/>
-              <a:gd name="connsiteY46" fmla="*/ 0 h 3667558"/>
-              <a:gd name="connsiteX47" fmla="*/ 7662 w 6859640"/>
-              <a:gd name="connsiteY47" fmla="*/ 1861 h 3667558"/>
-              <a:gd name="connsiteX48" fmla="*/ 0 w 6859640"/>
-              <a:gd name="connsiteY48" fmla="*/ 3587465 h 3667558"/>
-              <a:gd name="connsiteX0" fmla="*/ 0 w 6859640"/>
-              <a:gd name="connsiteY0" fmla="*/ 3587465 h 3667558"/>
-              <a:gd name="connsiteX1" fmla="*/ 132331 w 6859640"/>
-              <a:gd name="connsiteY1" fmla="*/ 3587465 h 3667558"/>
-              <a:gd name="connsiteX2" fmla="*/ 285843 w 6859640"/>
-              <a:gd name="connsiteY2" fmla="*/ 3660884 h 3667558"/>
-              <a:gd name="connsiteX3" fmla="*/ 1060080 w 6859640"/>
-              <a:gd name="connsiteY3" fmla="*/ 3600814 h 3667558"/>
-              <a:gd name="connsiteX4" fmla="*/ 1060080 w 6859640"/>
-              <a:gd name="connsiteY4" fmla="*/ 3514046 h 3667558"/>
-              <a:gd name="connsiteX5" fmla="*/ 1120150 w 6859640"/>
-              <a:gd name="connsiteY5" fmla="*/ 3514046 h 3667558"/>
-              <a:gd name="connsiteX6" fmla="*/ 1186894 w 6859640"/>
-              <a:gd name="connsiteY6" fmla="*/ 3453976 h 3667558"/>
-              <a:gd name="connsiteX7" fmla="*/ 1293685 w 6859640"/>
-              <a:gd name="connsiteY7" fmla="*/ 3447302 h 3667558"/>
-              <a:gd name="connsiteX8" fmla="*/ 1313709 w 6859640"/>
-              <a:gd name="connsiteY8" fmla="*/ 3387231 h 3667558"/>
-              <a:gd name="connsiteX9" fmla="*/ 1313709 w 6859640"/>
-              <a:gd name="connsiteY9" fmla="*/ 3387231 h 3667558"/>
-              <a:gd name="connsiteX10" fmla="*/ 1393802 w 6859640"/>
-              <a:gd name="connsiteY10" fmla="*/ 3427278 h 3667558"/>
-              <a:gd name="connsiteX11" fmla="*/ 1680804 w 6859640"/>
-              <a:gd name="connsiteY11" fmla="*/ 3260417 h 3667558"/>
-              <a:gd name="connsiteX12" fmla="*/ 1847665 w 6859640"/>
-              <a:gd name="connsiteY12" fmla="*/ 3260417 h 3667558"/>
-              <a:gd name="connsiteX13" fmla="*/ 1954456 w 6859640"/>
-              <a:gd name="connsiteY13" fmla="*/ 3347185 h 3667558"/>
-              <a:gd name="connsiteX14" fmla="*/ 2067922 w 6859640"/>
-              <a:gd name="connsiteY14" fmla="*/ 3307138 h 3667558"/>
-              <a:gd name="connsiteX15" fmla="*/ 2087945 w 6859640"/>
-              <a:gd name="connsiteY15" fmla="*/ 3220370 h 3667558"/>
-              <a:gd name="connsiteX16" fmla="*/ 2201411 w 6859640"/>
-              <a:gd name="connsiteY16" fmla="*/ 3220370 h 3667558"/>
-              <a:gd name="connsiteX17" fmla="*/ 2274830 w 6859640"/>
-              <a:gd name="connsiteY17" fmla="*/ 3280440 h 3667558"/>
-              <a:gd name="connsiteX18" fmla="*/ 2348249 w 6859640"/>
-              <a:gd name="connsiteY18" fmla="*/ 3247068 h 3667558"/>
-              <a:gd name="connsiteX19" fmla="*/ 2615227 w 6859640"/>
-              <a:gd name="connsiteY19" fmla="*/ 3300464 h 3667558"/>
-              <a:gd name="connsiteX20" fmla="*/ 2708669 w 6859640"/>
-              <a:gd name="connsiteY20" fmla="*/ 3313812 h 3667558"/>
-              <a:gd name="connsiteX21" fmla="*/ 2795437 w 6859640"/>
-              <a:gd name="connsiteY21" fmla="*/ 3280440 h 3667558"/>
-              <a:gd name="connsiteX22" fmla="*/ 2875531 w 6859640"/>
-              <a:gd name="connsiteY22" fmla="*/ 3253742 h 3667558"/>
-              <a:gd name="connsiteX23" fmla="*/ 3062415 w 6859640"/>
-              <a:gd name="connsiteY23" fmla="*/ 3320487 h 3667558"/>
-              <a:gd name="connsiteX24" fmla="*/ 3182555 w 6859640"/>
-              <a:gd name="connsiteY24" fmla="*/ 3267091 h 3667558"/>
-              <a:gd name="connsiteX25" fmla="*/ 3436185 w 6859640"/>
-              <a:gd name="connsiteY25" fmla="*/ 3287115 h 3667558"/>
-              <a:gd name="connsiteX26" fmla="*/ 3509604 w 6859640"/>
-              <a:gd name="connsiteY26" fmla="*/ 3293789 h 3667558"/>
-              <a:gd name="connsiteX27" fmla="*/ 3623069 w 6859640"/>
-              <a:gd name="connsiteY27" fmla="*/ 3367208 h 3667558"/>
-              <a:gd name="connsiteX28" fmla="*/ 3636418 w 6859640"/>
-              <a:gd name="connsiteY28" fmla="*/ 3433953 h 3667558"/>
-              <a:gd name="connsiteX29" fmla="*/ 4083607 w 6859640"/>
-              <a:gd name="connsiteY29" fmla="*/ 3473999 h 3667558"/>
-              <a:gd name="connsiteX30" fmla="*/ 4430678 w 6859640"/>
-              <a:gd name="connsiteY30" fmla="*/ 3480674 h 3667558"/>
-              <a:gd name="connsiteX31" fmla="*/ 4517446 w 6859640"/>
-              <a:gd name="connsiteY31" fmla="*/ 3547418 h 3667558"/>
-              <a:gd name="connsiteX32" fmla="*/ 5138170 w 6859640"/>
-              <a:gd name="connsiteY32" fmla="*/ 3547418 h 3667558"/>
-              <a:gd name="connsiteX33" fmla="*/ 5612056 w 6859640"/>
-              <a:gd name="connsiteY33" fmla="*/ 3634186 h 3667558"/>
-              <a:gd name="connsiteX34" fmla="*/ 5758894 w 6859640"/>
-              <a:gd name="connsiteY34" fmla="*/ 3667558 h 3667558"/>
-              <a:gd name="connsiteX35" fmla="*/ 5925755 w 6859640"/>
-              <a:gd name="connsiteY35" fmla="*/ 3320487 h 3667558"/>
-              <a:gd name="connsiteX36" fmla="*/ 6133746 w 6859640"/>
-              <a:gd name="connsiteY36" fmla="*/ 3323133 h 3667558"/>
-              <a:gd name="connsiteX37" fmla="*/ 6158459 w 6859640"/>
-              <a:gd name="connsiteY37" fmla="*/ 3257230 h 3667558"/>
-              <a:gd name="connsiteX38" fmla="*/ 6290265 w 6859640"/>
-              <a:gd name="connsiteY38" fmla="*/ 3257230 h 3667558"/>
-              <a:gd name="connsiteX39" fmla="*/ 6347930 w 6859640"/>
-              <a:gd name="connsiteY39" fmla="*/ 3339608 h 3667558"/>
-              <a:gd name="connsiteX40" fmla="*/ 6397357 w 6859640"/>
-              <a:gd name="connsiteY40" fmla="*/ 3372560 h 3667558"/>
-              <a:gd name="connsiteX41" fmla="*/ 6446784 w 6859640"/>
-              <a:gd name="connsiteY41" fmla="*/ 3224279 h 3667558"/>
-              <a:gd name="connsiteX42" fmla="*/ 6578589 w 6859640"/>
-              <a:gd name="connsiteY42" fmla="*/ 3224279 h 3667558"/>
-              <a:gd name="connsiteX43" fmla="*/ 6677443 w 6859640"/>
-              <a:gd name="connsiteY43" fmla="*/ 3389035 h 3667558"/>
-              <a:gd name="connsiteX44" fmla="*/ 6718632 w 6859640"/>
-              <a:gd name="connsiteY44" fmla="*/ 3504365 h 3667558"/>
-              <a:gd name="connsiteX45" fmla="*/ 6857217 w 6859640"/>
-              <a:gd name="connsiteY45" fmla="*/ 3526504 h 3667558"/>
-              <a:gd name="connsiteX46" fmla="*/ 6859640 w 6859640"/>
-              <a:gd name="connsiteY46" fmla="*/ 0 h 3667558"/>
-              <a:gd name="connsiteX47" fmla="*/ 4487 w 6859640"/>
-              <a:gd name="connsiteY47" fmla="*/ 1861 h 3667558"/>
-              <a:gd name="connsiteX48" fmla="*/ 0 w 6859640"/>
-              <a:gd name="connsiteY48" fmla="*/ 3587465 h 3667558"/>
-            </a:gdLst>
-            <a:ahLst/>
-            <a:cxnLst>
-              <a:cxn ang="0">
-                <a:pos x="connsiteX0" y="connsiteY0"/>
-              </a:cxn>
-              <a:cxn ang="0">
-                <a:pos x="connsiteX1" y="connsiteY1"/>
-              </a:cxn>
-              <a:cxn ang="0">
-                <a:pos x="connsiteX2" y="connsiteY2"/>
-              </a:cxn>
-              <a:cxn ang="0">
-                <a:pos x="connsiteX3" y="connsiteY3"/>
-              </a:cxn>
-              <a:cxn ang="0">
-                <a:pos x="connsiteX4" y="connsiteY4"/>
-              </a:cxn>
-              <a:cxn ang="0">
-                <a:pos x="connsiteX5" y="connsiteY5"/>
-              </a:cxn>
-              <a:cxn ang="0">
-                <a:pos x="connsiteX6" y="connsiteY6"/>
-              </a:cxn>
-              <a:cxn ang="0">
-                <a:pos x="connsiteX7" y="connsiteY7"/>
-              </a:cxn>
-              <a:cxn ang="0">
-                <a:pos x="connsiteX8" y="connsiteY8"/>
-              </a:cxn>
-              <a:cxn ang="0">
-                <a:pos x="connsiteX9" y="connsiteY9"/>
-              </a:cxn>
-              <a:cxn ang="0">
-                <a:pos x="connsiteX10" y="connsiteY10"/>
-              </a:cxn>
-              <a:cxn ang="0">
-                <a:pos x="connsiteX11" y="connsiteY11"/>
-              </a:cxn>
-              <a:cxn ang="0">
-                <a:pos x="connsiteX12" y="connsiteY12"/>
-              </a:cxn>
-              <a:cxn ang="0">
-                <a:pos x="connsiteX13" y="connsiteY13"/>
-              </a:cxn>
-              <a:cxn ang="0">
-                <a:pos x="connsiteX14" y="connsiteY14"/>
-              </a:cxn>
-              <a:cxn ang="0">
-                <a:pos x="connsiteX15" y="connsiteY15"/>
-              </a:cxn>
-              <a:cxn ang="0">
-                <a:pos x="connsiteX16" y="connsiteY16"/>
-              </a:cxn>
-              <a:cxn ang="0">
-                <a:pos x="connsiteX17" y="connsiteY17"/>
-              </a:cxn>
-              <a:cxn ang="0">
-                <a:pos x="connsiteX18" y="connsiteY18"/>
-              </a:cxn>
-              <a:cxn ang="0">
-                <a:pos x="connsiteX19" y="connsiteY19"/>
-              </a:cxn>
-              <a:cxn ang="0">
-                <a:pos x="connsiteX20" y="connsiteY20"/>
-              </a:cxn>
-              <a:cxn ang="0">
-                <a:pos x="connsiteX21" y="connsiteY21"/>
-              </a:cxn>
-              <a:cxn ang="0">
-                <a:pos x="connsiteX22" y="connsiteY22"/>
-              </a:cxn>
-              <a:cxn ang="0">
-                <a:pos x="connsiteX23" y="connsiteY23"/>
-              </a:cxn>
-              <a:cxn ang="0">
-                <a:pos x="connsiteX24" y="connsiteY24"/>
-              </a:cxn>
-              <a:cxn ang="0">
-                <a:pos x="connsiteX25" y="connsiteY25"/>
-              </a:cxn>
-              <a:cxn ang="0">
-                <a:pos x="connsiteX26" y="connsiteY26"/>
-              </a:cxn>
-              <a:cxn ang="0">
-                <a:pos x="connsiteX27" y="connsiteY27"/>
-              </a:cxn>
-              <a:cxn ang="0">
-                <a:pos x="connsiteX28" y="connsiteY28"/>
-              </a:cxn>
-              <a:cxn ang="0">
-                <a:pos x="connsiteX29" y="connsiteY29"/>
-              </a:cxn>
-              <a:cxn ang="0">
-                <a:pos x="connsiteX30" y="connsiteY30"/>
-              </a:cxn>
-              <a:cxn ang="0">
-                <a:pos x="connsiteX31" y="connsiteY31"/>
-              </a:cxn>
-              <a:cxn ang="0">
-                <a:pos x="connsiteX32" y="connsiteY32"/>
-              </a:cxn>
-              <a:cxn ang="0">
-                <a:pos x="connsiteX33" y="connsiteY33"/>
-              </a:cxn>
-              <a:cxn ang="0">
-                <a:pos x="connsiteX34" y="connsiteY34"/>
-              </a:cxn>
-              <a:cxn ang="0">
-                <a:pos x="connsiteX35" y="connsiteY35"/>
-              </a:cxn>
-              <a:cxn ang="0">
-                <a:pos x="connsiteX36" y="connsiteY36"/>
-              </a:cxn>
-              <a:cxn ang="0">
-                <a:pos x="connsiteX37" y="connsiteY37"/>
-              </a:cxn>
-              <a:cxn ang="0">
-                <a:pos x="connsiteX38" y="connsiteY38"/>
-              </a:cxn>
-              <a:cxn ang="0">
-                <a:pos x="connsiteX39" y="connsiteY39"/>
-              </a:cxn>
-              <a:cxn ang="0">
-                <a:pos x="connsiteX40" y="connsiteY40"/>
-              </a:cxn>
-              <a:cxn ang="0">
-                <a:pos x="connsiteX41" y="connsiteY41"/>
-              </a:cxn>
-              <a:cxn ang="0">
-                <a:pos x="connsiteX42" y="connsiteY42"/>
-              </a:cxn>
-              <a:cxn ang="0">
-                <a:pos x="connsiteX43" y="connsiteY43"/>
-              </a:cxn>
-              <a:cxn ang="0">
-                <a:pos x="connsiteX44" y="connsiteY44"/>
-              </a:cxn>
-              <a:cxn ang="0">
-                <a:pos x="connsiteX45" y="connsiteY45"/>
-              </a:cxn>
-              <a:cxn ang="0">
-                <a:pos x="connsiteX46" y="connsiteY46"/>
-              </a:cxn>
-              <a:cxn ang="0">
-                <a:pos x="connsiteX47" y="connsiteY47"/>
-              </a:cxn>
-              <a:cxn ang="0">
-                <a:pos x="connsiteX48" y="connsiteY48"/>
-              </a:cxn>
-            </a:cxnLst>
-            <a:rect l="l" t="t" r="r" b="b"/>
-            <a:pathLst>
-              <a:path w="6859640" h="3667558">
-                <a:moveTo>
-                  <a:pt x="0" y="3587465"/>
-                </a:moveTo>
-                <a:lnTo>
-                  <a:pt x="132331" y="3587465"/>
-                </a:lnTo>
-                <a:lnTo>
-                  <a:pt x="285843" y="3660884"/>
-                </a:lnTo>
-                <a:lnTo>
-                  <a:pt x="1060080" y="3600814"/>
-                </a:lnTo>
-                <a:lnTo>
-                  <a:pt x="1060080" y="3514046"/>
-                </a:lnTo>
-                <a:lnTo>
-                  <a:pt x="1120150" y="3514046"/>
-                </a:lnTo>
-                <a:lnTo>
-                  <a:pt x="1186894" y="3453976"/>
-                </a:lnTo>
-                <a:lnTo>
-                  <a:pt x="1293685" y="3447302"/>
-                </a:lnTo>
-                <a:lnTo>
-                  <a:pt x="1313709" y="3387231"/>
-                </a:lnTo>
-                <a:lnTo>
-                  <a:pt x="1313709" y="3387231"/>
-                </a:lnTo>
-                <a:lnTo>
-                  <a:pt x="1393802" y="3427278"/>
-                </a:lnTo>
-                <a:lnTo>
-                  <a:pt x="1680804" y="3260417"/>
-                </a:lnTo>
-                <a:lnTo>
-                  <a:pt x="1847665" y="3260417"/>
-                </a:lnTo>
-                <a:lnTo>
-                  <a:pt x="1954456" y="3347185"/>
-                </a:lnTo>
-                <a:lnTo>
-                  <a:pt x="2067922" y="3307138"/>
-                </a:lnTo>
-                <a:lnTo>
-                  <a:pt x="2087945" y="3220370"/>
-                </a:lnTo>
-                <a:lnTo>
-                  <a:pt x="2201411" y="3220370"/>
-                </a:lnTo>
-                <a:lnTo>
-                  <a:pt x="2274830" y="3280440"/>
-                </a:lnTo>
-                <a:lnTo>
-                  <a:pt x="2348249" y="3247068"/>
-                </a:lnTo>
-                <a:lnTo>
-                  <a:pt x="2615227" y="3300464"/>
-                </a:lnTo>
-                <a:lnTo>
-                  <a:pt x="2708669" y="3313812"/>
-                </a:lnTo>
-                <a:lnTo>
-                  <a:pt x="2795437" y="3280440"/>
-                </a:lnTo>
-                <a:lnTo>
-                  <a:pt x="2875531" y="3253742"/>
-                </a:lnTo>
-                <a:lnTo>
-                  <a:pt x="3062415" y="3320487"/>
-                </a:lnTo>
-                <a:lnTo>
-                  <a:pt x="3182555" y="3267091"/>
-                </a:lnTo>
-                <a:lnTo>
-                  <a:pt x="3436185" y="3287115"/>
-                </a:lnTo>
-                <a:lnTo>
-                  <a:pt x="3509604" y="3293789"/>
-                </a:lnTo>
-                <a:lnTo>
-                  <a:pt x="3623069" y="3367208"/>
-                </a:lnTo>
-                <a:lnTo>
-                  <a:pt x="3636418" y="3433953"/>
-                </a:lnTo>
-                <a:lnTo>
-                  <a:pt x="4083607" y="3473999"/>
-                </a:lnTo>
-                <a:lnTo>
-                  <a:pt x="4430678" y="3480674"/>
-                </a:lnTo>
-                <a:lnTo>
-                  <a:pt x="4517446" y="3547418"/>
-                </a:lnTo>
-                <a:lnTo>
-                  <a:pt x="5138170" y="3547418"/>
-                </a:lnTo>
-                <a:lnTo>
-                  <a:pt x="5612056" y="3634186"/>
-                </a:lnTo>
-                <a:lnTo>
-                  <a:pt x="5758894" y="3667558"/>
-                </a:lnTo>
-                <a:lnTo>
-                  <a:pt x="5925755" y="3320487"/>
-                </a:lnTo>
-                <a:lnTo>
-                  <a:pt x="6133746" y="3323133"/>
-                </a:lnTo>
-                <a:lnTo>
-                  <a:pt x="6158459" y="3257230"/>
-                </a:lnTo>
-                <a:lnTo>
-                  <a:pt x="6290265" y="3257230"/>
-                </a:lnTo>
-                <a:lnTo>
-                  <a:pt x="6347930" y="3339608"/>
-                </a:lnTo>
-                <a:lnTo>
-                  <a:pt x="6397357" y="3372560"/>
-                </a:lnTo>
-                <a:lnTo>
-                  <a:pt x="6446784" y="3224279"/>
-                </a:lnTo>
-                <a:lnTo>
-                  <a:pt x="6578589" y="3224279"/>
-                </a:lnTo>
-                <a:lnTo>
-                  <a:pt x="6677443" y="3389035"/>
-                </a:lnTo>
-                <a:lnTo>
-                  <a:pt x="6718632" y="3504365"/>
-                </a:lnTo>
-                <a:lnTo>
-                  <a:pt x="6857217" y="3526504"/>
-                </a:lnTo>
-                <a:cubicBezTo>
-                  <a:pt x="6858025" y="2351003"/>
-                  <a:pt x="6858832" y="1175501"/>
-                  <a:pt x="6859640" y="0"/>
-                </a:cubicBezTo>
-                <a:lnTo>
-                  <a:pt x="4487" y="1861"/>
-                </a:lnTo>
-                <a:cubicBezTo>
-                  <a:pt x="4050" y="1196004"/>
-                  <a:pt x="437" y="2393322"/>
-                  <a:pt x="0" y="3587465"/>
-                </a:cubicBezTo>
-                <a:close/>
-              </a:path>
-            </a:pathLst>
-          </a:custGeom>
+            <a:off x="429381" y="283719"/>
+            <a:ext cx="4320000" cy="4320000"/>
+          </a:xfrm>
+          <a:prstGeom prst="rect">
+            <a:avLst/>
+          </a:prstGeom>
           <a:solidFill>
-            <a:schemeClr val="accent2">
+            <a:schemeClr val="accent6">
               <a:lumMod val="60000"/>
               <a:lumOff val="40000"/>
-              <a:alpha val="80000"/>
+              <a:alpha val="50000"/>
             </a:schemeClr>
           </a:solidFill>
           <a:ln>
@@ -5152,1479 +3870,2257 @@
           <a:lstStyle/>
           <a:p>
             <a:pPr algn="ctr"/>
-            <a:r>
-              <a:rPr lang="en-US" sz="3200" dirty="0">
-                <a:solidFill>
-                  <a:schemeClr val="tx1"/>
-                </a:solidFill>
-                <a:latin typeface="Arial" panose="020B0604020202020204" pitchFamily="34" charset="0"/>
-                <a:cs typeface="Arial" panose="020B0604020202020204" pitchFamily="34" charset="0"/>
-              </a:rPr>
-              <a:t>Background</a:t>
-            </a:r>
+            <a:endParaRPr lang="en-US"/>
           </a:p>
         </p:txBody>
       </p:sp>
-      <p:sp>
-        <p:nvSpPr>
-          <p:cNvPr id="7" name="Freeform 6">
-            <a:extLst>
-              <a:ext uri="{FF2B5EF4-FFF2-40B4-BE49-F238E27FC236}">
-                <a16:creationId xmlns:a16="http://schemas.microsoft.com/office/drawing/2014/main" id="{56B9CBC1-60A1-B04A-A8E1-F9EB27D4E2AE}"/>
-              </a:ext>
-            </a:extLst>
-          </p:cNvPr>
-          <p:cNvSpPr/>
-          <p:nvPr/>
-        </p:nvSpPr>
-        <p:spPr>
+      <p:grpSp>
+        <p:nvGrpSpPr>
+          <p:cNvPr id="10" name="组合 42">
+            <a:extLst>
+              <a:ext uri="{FF2B5EF4-FFF2-40B4-BE49-F238E27FC236}">
+                <a16:creationId xmlns:a16="http://schemas.microsoft.com/office/drawing/2014/main" id="{4DD55A32-92BB-5047-9EB5-26EC9E4E58F0}"/>
+              </a:ext>
+            </a:extLst>
+          </p:cNvPr>
+          <p:cNvGrpSpPr/>
+          <p:nvPr/>
+        </p:nvGrpSpPr>
+        <p:grpSpPr>
           <a:xfrm>
-            <a:off x="2667440" y="3217086"/>
-            <a:ext cx="6859874" cy="3639390"/>
-          </a:xfrm>
-          <a:custGeom>
-            <a:avLst/>
-            <a:gdLst>
-              <a:gd name="connsiteX0" fmla="*/ 522563 w 7777513"/>
-              <a:gd name="connsiteY0" fmla="*/ 4025615 h 4105708"/>
-              <a:gd name="connsiteX1" fmla="*/ 762844 w 7777513"/>
-              <a:gd name="connsiteY1" fmla="*/ 4025615 h 4105708"/>
-              <a:gd name="connsiteX2" fmla="*/ 916356 w 7777513"/>
-              <a:gd name="connsiteY2" fmla="*/ 4099034 h 4105708"/>
-              <a:gd name="connsiteX3" fmla="*/ 1690593 w 7777513"/>
-              <a:gd name="connsiteY3" fmla="*/ 4038964 h 4105708"/>
-              <a:gd name="connsiteX4" fmla="*/ 1690593 w 7777513"/>
-              <a:gd name="connsiteY4" fmla="*/ 3952196 h 4105708"/>
-              <a:gd name="connsiteX5" fmla="*/ 1750663 w 7777513"/>
-              <a:gd name="connsiteY5" fmla="*/ 3952196 h 4105708"/>
-              <a:gd name="connsiteX6" fmla="*/ 1817407 w 7777513"/>
-              <a:gd name="connsiteY6" fmla="*/ 3892126 h 4105708"/>
-              <a:gd name="connsiteX7" fmla="*/ 1924198 w 7777513"/>
-              <a:gd name="connsiteY7" fmla="*/ 3885452 h 4105708"/>
-              <a:gd name="connsiteX8" fmla="*/ 1944222 w 7777513"/>
-              <a:gd name="connsiteY8" fmla="*/ 3825381 h 4105708"/>
-              <a:gd name="connsiteX9" fmla="*/ 1944222 w 7777513"/>
-              <a:gd name="connsiteY9" fmla="*/ 3825381 h 4105708"/>
-              <a:gd name="connsiteX10" fmla="*/ 2024315 w 7777513"/>
-              <a:gd name="connsiteY10" fmla="*/ 3865428 h 4105708"/>
-              <a:gd name="connsiteX11" fmla="*/ 2311317 w 7777513"/>
-              <a:gd name="connsiteY11" fmla="*/ 3698567 h 4105708"/>
-              <a:gd name="connsiteX12" fmla="*/ 2478178 w 7777513"/>
-              <a:gd name="connsiteY12" fmla="*/ 3698567 h 4105708"/>
-              <a:gd name="connsiteX13" fmla="*/ 2584969 w 7777513"/>
-              <a:gd name="connsiteY13" fmla="*/ 3785335 h 4105708"/>
-              <a:gd name="connsiteX14" fmla="*/ 2698435 w 7777513"/>
-              <a:gd name="connsiteY14" fmla="*/ 3745288 h 4105708"/>
-              <a:gd name="connsiteX15" fmla="*/ 2718458 w 7777513"/>
-              <a:gd name="connsiteY15" fmla="*/ 3658520 h 4105708"/>
-              <a:gd name="connsiteX16" fmla="*/ 2831924 w 7777513"/>
-              <a:gd name="connsiteY16" fmla="*/ 3658520 h 4105708"/>
-              <a:gd name="connsiteX17" fmla="*/ 2905343 w 7777513"/>
-              <a:gd name="connsiteY17" fmla="*/ 3718590 h 4105708"/>
-              <a:gd name="connsiteX18" fmla="*/ 2978762 w 7777513"/>
-              <a:gd name="connsiteY18" fmla="*/ 3685218 h 4105708"/>
-              <a:gd name="connsiteX19" fmla="*/ 3245740 w 7777513"/>
-              <a:gd name="connsiteY19" fmla="*/ 3738614 h 4105708"/>
-              <a:gd name="connsiteX20" fmla="*/ 3339182 w 7777513"/>
-              <a:gd name="connsiteY20" fmla="*/ 3751962 h 4105708"/>
-              <a:gd name="connsiteX21" fmla="*/ 3425950 w 7777513"/>
-              <a:gd name="connsiteY21" fmla="*/ 3718590 h 4105708"/>
-              <a:gd name="connsiteX22" fmla="*/ 3506044 w 7777513"/>
-              <a:gd name="connsiteY22" fmla="*/ 3691892 h 4105708"/>
-              <a:gd name="connsiteX23" fmla="*/ 3692928 w 7777513"/>
-              <a:gd name="connsiteY23" fmla="*/ 3758637 h 4105708"/>
-              <a:gd name="connsiteX24" fmla="*/ 3813068 w 7777513"/>
-              <a:gd name="connsiteY24" fmla="*/ 3705241 h 4105708"/>
-              <a:gd name="connsiteX25" fmla="*/ 4066698 w 7777513"/>
-              <a:gd name="connsiteY25" fmla="*/ 3725265 h 4105708"/>
-              <a:gd name="connsiteX26" fmla="*/ 4140117 w 7777513"/>
-              <a:gd name="connsiteY26" fmla="*/ 3731939 h 4105708"/>
-              <a:gd name="connsiteX27" fmla="*/ 4253582 w 7777513"/>
-              <a:gd name="connsiteY27" fmla="*/ 3805358 h 4105708"/>
-              <a:gd name="connsiteX28" fmla="*/ 4266931 w 7777513"/>
-              <a:gd name="connsiteY28" fmla="*/ 3872103 h 4105708"/>
-              <a:gd name="connsiteX29" fmla="*/ 4714120 w 7777513"/>
-              <a:gd name="connsiteY29" fmla="*/ 3912149 h 4105708"/>
-              <a:gd name="connsiteX30" fmla="*/ 5061191 w 7777513"/>
-              <a:gd name="connsiteY30" fmla="*/ 3918824 h 4105708"/>
-              <a:gd name="connsiteX31" fmla="*/ 5147959 w 7777513"/>
-              <a:gd name="connsiteY31" fmla="*/ 3985568 h 4105708"/>
-              <a:gd name="connsiteX32" fmla="*/ 5768683 w 7777513"/>
-              <a:gd name="connsiteY32" fmla="*/ 3985568 h 4105708"/>
-              <a:gd name="connsiteX33" fmla="*/ 6242569 w 7777513"/>
-              <a:gd name="connsiteY33" fmla="*/ 4072336 h 4105708"/>
-              <a:gd name="connsiteX34" fmla="*/ 6389407 w 7777513"/>
-              <a:gd name="connsiteY34" fmla="*/ 4105708 h 4105708"/>
-              <a:gd name="connsiteX35" fmla="*/ 6556268 w 7777513"/>
-              <a:gd name="connsiteY35" fmla="*/ 3758637 h 4105708"/>
-              <a:gd name="connsiteX36" fmla="*/ 6764259 w 7777513"/>
-              <a:gd name="connsiteY36" fmla="*/ 3761283 h 4105708"/>
-              <a:gd name="connsiteX37" fmla="*/ 6788972 w 7777513"/>
-              <a:gd name="connsiteY37" fmla="*/ 3695380 h 4105708"/>
-              <a:gd name="connsiteX38" fmla="*/ 6920778 w 7777513"/>
-              <a:gd name="connsiteY38" fmla="*/ 3695380 h 4105708"/>
-              <a:gd name="connsiteX39" fmla="*/ 6978443 w 7777513"/>
-              <a:gd name="connsiteY39" fmla="*/ 3777758 h 4105708"/>
-              <a:gd name="connsiteX40" fmla="*/ 7027870 w 7777513"/>
-              <a:gd name="connsiteY40" fmla="*/ 3810710 h 4105708"/>
-              <a:gd name="connsiteX41" fmla="*/ 7077297 w 7777513"/>
-              <a:gd name="connsiteY41" fmla="*/ 3662429 h 4105708"/>
-              <a:gd name="connsiteX42" fmla="*/ 7209102 w 7777513"/>
-              <a:gd name="connsiteY42" fmla="*/ 3662429 h 4105708"/>
-              <a:gd name="connsiteX43" fmla="*/ 7307956 w 7777513"/>
-              <a:gd name="connsiteY43" fmla="*/ 3827185 h 4105708"/>
-              <a:gd name="connsiteX44" fmla="*/ 7349145 w 7777513"/>
-              <a:gd name="connsiteY44" fmla="*/ 3942515 h 4105708"/>
-              <a:gd name="connsiteX45" fmla="*/ 7579805 w 7777513"/>
-              <a:gd name="connsiteY45" fmla="*/ 3983704 h 4105708"/>
-              <a:gd name="connsiteX46" fmla="*/ 7777513 w 7777513"/>
-              <a:gd name="connsiteY46" fmla="*/ 2640937 h 4105708"/>
-              <a:gd name="connsiteX47" fmla="*/ 7725103 w 7777513"/>
-              <a:gd name="connsiteY47" fmla="*/ 0 h 4105708"/>
-              <a:gd name="connsiteX48" fmla="*/ 0 w 7777513"/>
-              <a:gd name="connsiteY48" fmla="*/ 189186 h 4105708"/>
-              <a:gd name="connsiteX49" fmla="*/ 522563 w 7777513"/>
-              <a:gd name="connsiteY49" fmla="*/ 4025615 h 4105708"/>
-              <a:gd name="connsiteX0" fmla="*/ 207253 w 7462203"/>
-              <a:gd name="connsiteY0" fmla="*/ 4025615 h 7772400"/>
-              <a:gd name="connsiteX1" fmla="*/ 447534 w 7462203"/>
-              <a:gd name="connsiteY1" fmla="*/ 4025615 h 7772400"/>
-              <a:gd name="connsiteX2" fmla="*/ 601046 w 7462203"/>
-              <a:gd name="connsiteY2" fmla="*/ 4099034 h 7772400"/>
-              <a:gd name="connsiteX3" fmla="*/ 1375283 w 7462203"/>
-              <a:gd name="connsiteY3" fmla="*/ 4038964 h 7772400"/>
-              <a:gd name="connsiteX4" fmla="*/ 1375283 w 7462203"/>
-              <a:gd name="connsiteY4" fmla="*/ 3952196 h 7772400"/>
-              <a:gd name="connsiteX5" fmla="*/ 1435353 w 7462203"/>
-              <a:gd name="connsiteY5" fmla="*/ 3952196 h 7772400"/>
-              <a:gd name="connsiteX6" fmla="*/ 1502097 w 7462203"/>
-              <a:gd name="connsiteY6" fmla="*/ 3892126 h 7772400"/>
-              <a:gd name="connsiteX7" fmla="*/ 1608888 w 7462203"/>
-              <a:gd name="connsiteY7" fmla="*/ 3885452 h 7772400"/>
-              <a:gd name="connsiteX8" fmla="*/ 1628912 w 7462203"/>
-              <a:gd name="connsiteY8" fmla="*/ 3825381 h 7772400"/>
-              <a:gd name="connsiteX9" fmla="*/ 1628912 w 7462203"/>
-              <a:gd name="connsiteY9" fmla="*/ 3825381 h 7772400"/>
-              <a:gd name="connsiteX10" fmla="*/ 1709005 w 7462203"/>
-              <a:gd name="connsiteY10" fmla="*/ 3865428 h 7772400"/>
-              <a:gd name="connsiteX11" fmla="*/ 1996007 w 7462203"/>
-              <a:gd name="connsiteY11" fmla="*/ 3698567 h 7772400"/>
-              <a:gd name="connsiteX12" fmla="*/ 2162868 w 7462203"/>
-              <a:gd name="connsiteY12" fmla="*/ 3698567 h 7772400"/>
-              <a:gd name="connsiteX13" fmla="*/ 2269659 w 7462203"/>
-              <a:gd name="connsiteY13" fmla="*/ 3785335 h 7772400"/>
-              <a:gd name="connsiteX14" fmla="*/ 2383125 w 7462203"/>
-              <a:gd name="connsiteY14" fmla="*/ 3745288 h 7772400"/>
-              <a:gd name="connsiteX15" fmla="*/ 2403148 w 7462203"/>
-              <a:gd name="connsiteY15" fmla="*/ 3658520 h 7772400"/>
-              <a:gd name="connsiteX16" fmla="*/ 2516614 w 7462203"/>
-              <a:gd name="connsiteY16" fmla="*/ 3658520 h 7772400"/>
-              <a:gd name="connsiteX17" fmla="*/ 2590033 w 7462203"/>
-              <a:gd name="connsiteY17" fmla="*/ 3718590 h 7772400"/>
-              <a:gd name="connsiteX18" fmla="*/ 2663452 w 7462203"/>
-              <a:gd name="connsiteY18" fmla="*/ 3685218 h 7772400"/>
-              <a:gd name="connsiteX19" fmla="*/ 2930430 w 7462203"/>
-              <a:gd name="connsiteY19" fmla="*/ 3738614 h 7772400"/>
-              <a:gd name="connsiteX20" fmla="*/ 3023872 w 7462203"/>
-              <a:gd name="connsiteY20" fmla="*/ 3751962 h 7772400"/>
-              <a:gd name="connsiteX21" fmla="*/ 3110640 w 7462203"/>
-              <a:gd name="connsiteY21" fmla="*/ 3718590 h 7772400"/>
-              <a:gd name="connsiteX22" fmla="*/ 3190734 w 7462203"/>
-              <a:gd name="connsiteY22" fmla="*/ 3691892 h 7772400"/>
-              <a:gd name="connsiteX23" fmla="*/ 3377618 w 7462203"/>
-              <a:gd name="connsiteY23" fmla="*/ 3758637 h 7772400"/>
-              <a:gd name="connsiteX24" fmla="*/ 3497758 w 7462203"/>
-              <a:gd name="connsiteY24" fmla="*/ 3705241 h 7772400"/>
-              <a:gd name="connsiteX25" fmla="*/ 3751388 w 7462203"/>
-              <a:gd name="connsiteY25" fmla="*/ 3725265 h 7772400"/>
-              <a:gd name="connsiteX26" fmla="*/ 3824807 w 7462203"/>
-              <a:gd name="connsiteY26" fmla="*/ 3731939 h 7772400"/>
-              <a:gd name="connsiteX27" fmla="*/ 3938272 w 7462203"/>
-              <a:gd name="connsiteY27" fmla="*/ 3805358 h 7772400"/>
-              <a:gd name="connsiteX28" fmla="*/ 3951621 w 7462203"/>
-              <a:gd name="connsiteY28" fmla="*/ 3872103 h 7772400"/>
-              <a:gd name="connsiteX29" fmla="*/ 4398810 w 7462203"/>
-              <a:gd name="connsiteY29" fmla="*/ 3912149 h 7772400"/>
-              <a:gd name="connsiteX30" fmla="*/ 4745881 w 7462203"/>
-              <a:gd name="connsiteY30" fmla="*/ 3918824 h 7772400"/>
-              <a:gd name="connsiteX31" fmla="*/ 4832649 w 7462203"/>
-              <a:gd name="connsiteY31" fmla="*/ 3985568 h 7772400"/>
-              <a:gd name="connsiteX32" fmla="*/ 5453373 w 7462203"/>
-              <a:gd name="connsiteY32" fmla="*/ 3985568 h 7772400"/>
-              <a:gd name="connsiteX33" fmla="*/ 5927259 w 7462203"/>
-              <a:gd name="connsiteY33" fmla="*/ 4072336 h 7772400"/>
-              <a:gd name="connsiteX34" fmla="*/ 6074097 w 7462203"/>
-              <a:gd name="connsiteY34" fmla="*/ 4105708 h 7772400"/>
-              <a:gd name="connsiteX35" fmla="*/ 6240958 w 7462203"/>
-              <a:gd name="connsiteY35" fmla="*/ 3758637 h 7772400"/>
-              <a:gd name="connsiteX36" fmla="*/ 6448949 w 7462203"/>
-              <a:gd name="connsiteY36" fmla="*/ 3761283 h 7772400"/>
-              <a:gd name="connsiteX37" fmla="*/ 6473662 w 7462203"/>
-              <a:gd name="connsiteY37" fmla="*/ 3695380 h 7772400"/>
-              <a:gd name="connsiteX38" fmla="*/ 6605468 w 7462203"/>
-              <a:gd name="connsiteY38" fmla="*/ 3695380 h 7772400"/>
-              <a:gd name="connsiteX39" fmla="*/ 6663133 w 7462203"/>
-              <a:gd name="connsiteY39" fmla="*/ 3777758 h 7772400"/>
-              <a:gd name="connsiteX40" fmla="*/ 6712560 w 7462203"/>
-              <a:gd name="connsiteY40" fmla="*/ 3810710 h 7772400"/>
-              <a:gd name="connsiteX41" fmla="*/ 6761987 w 7462203"/>
-              <a:gd name="connsiteY41" fmla="*/ 3662429 h 7772400"/>
-              <a:gd name="connsiteX42" fmla="*/ 6893792 w 7462203"/>
-              <a:gd name="connsiteY42" fmla="*/ 3662429 h 7772400"/>
-              <a:gd name="connsiteX43" fmla="*/ 6992646 w 7462203"/>
-              <a:gd name="connsiteY43" fmla="*/ 3827185 h 7772400"/>
-              <a:gd name="connsiteX44" fmla="*/ 7033835 w 7462203"/>
-              <a:gd name="connsiteY44" fmla="*/ 3942515 h 7772400"/>
-              <a:gd name="connsiteX45" fmla="*/ 7264495 w 7462203"/>
-              <a:gd name="connsiteY45" fmla="*/ 3983704 h 7772400"/>
-              <a:gd name="connsiteX46" fmla="*/ 7462203 w 7462203"/>
-              <a:gd name="connsiteY46" fmla="*/ 2640937 h 7772400"/>
-              <a:gd name="connsiteX47" fmla="*/ 7409793 w 7462203"/>
-              <a:gd name="connsiteY47" fmla="*/ 0 h 7772400"/>
-              <a:gd name="connsiteX48" fmla="*/ 0 w 7462203"/>
-              <a:gd name="connsiteY48" fmla="*/ 7772400 h 7772400"/>
-              <a:gd name="connsiteX49" fmla="*/ 207253 w 7462203"/>
-              <a:gd name="connsiteY49" fmla="*/ 4025615 h 7772400"/>
-              <a:gd name="connsiteX0" fmla="*/ 207253 w 7567448"/>
-              <a:gd name="connsiteY0" fmla="*/ 1384678 h 5131463"/>
-              <a:gd name="connsiteX1" fmla="*/ 447534 w 7567448"/>
-              <a:gd name="connsiteY1" fmla="*/ 1384678 h 5131463"/>
-              <a:gd name="connsiteX2" fmla="*/ 601046 w 7567448"/>
-              <a:gd name="connsiteY2" fmla="*/ 1458097 h 5131463"/>
-              <a:gd name="connsiteX3" fmla="*/ 1375283 w 7567448"/>
-              <a:gd name="connsiteY3" fmla="*/ 1398027 h 5131463"/>
-              <a:gd name="connsiteX4" fmla="*/ 1375283 w 7567448"/>
-              <a:gd name="connsiteY4" fmla="*/ 1311259 h 5131463"/>
-              <a:gd name="connsiteX5" fmla="*/ 1435353 w 7567448"/>
-              <a:gd name="connsiteY5" fmla="*/ 1311259 h 5131463"/>
-              <a:gd name="connsiteX6" fmla="*/ 1502097 w 7567448"/>
-              <a:gd name="connsiteY6" fmla="*/ 1251189 h 5131463"/>
-              <a:gd name="connsiteX7" fmla="*/ 1608888 w 7567448"/>
-              <a:gd name="connsiteY7" fmla="*/ 1244515 h 5131463"/>
-              <a:gd name="connsiteX8" fmla="*/ 1628912 w 7567448"/>
-              <a:gd name="connsiteY8" fmla="*/ 1184444 h 5131463"/>
-              <a:gd name="connsiteX9" fmla="*/ 1628912 w 7567448"/>
-              <a:gd name="connsiteY9" fmla="*/ 1184444 h 5131463"/>
-              <a:gd name="connsiteX10" fmla="*/ 1709005 w 7567448"/>
-              <a:gd name="connsiteY10" fmla="*/ 1224491 h 5131463"/>
-              <a:gd name="connsiteX11" fmla="*/ 1996007 w 7567448"/>
-              <a:gd name="connsiteY11" fmla="*/ 1057630 h 5131463"/>
-              <a:gd name="connsiteX12" fmla="*/ 2162868 w 7567448"/>
-              <a:gd name="connsiteY12" fmla="*/ 1057630 h 5131463"/>
-              <a:gd name="connsiteX13" fmla="*/ 2269659 w 7567448"/>
-              <a:gd name="connsiteY13" fmla="*/ 1144398 h 5131463"/>
-              <a:gd name="connsiteX14" fmla="*/ 2383125 w 7567448"/>
-              <a:gd name="connsiteY14" fmla="*/ 1104351 h 5131463"/>
-              <a:gd name="connsiteX15" fmla="*/ 2403148 w 7567448"/>
-              <a:gd name="connsiteY15" fmla="*/ 1017583 h 5131463"/>
-              <a:gd name="connsiteX16" fmla="*/ 2516614 w 7567448"/>
-              <a:gd name="connsiteY16" fmla="*/ 1017583 h 5131463"/>
-              <a:gd name="connsiteX17" fmla="*/ 2590033 w 7567448"/>
-              <a:gd name="connsiteY17" fmla="*/ 1077653 h 5131463"/>
-              <a:gd name="connsiteX18" fmla="*/ 2663452 w 7567448"/>
-              <a:gd name="connsiteY18" fmla="*/ 1044281 h 5131463"/>
-              <a:gd name="connsiteX19" fmla="*/ 2930430 w 7567448"/>
-              <a:gd name="connsiteY19" fmla="*/ 1097677 h 5131463"/>
-              <a:gd name="connsiteX20" fmla="*/ 3023872 w 7567448"/>
-              <a:gd name="connsiteY20" fmla="*/ 1111025 h 5131463"/>
-              <a:gd name="connsiteX21" fmla="*/ 3110640 w 7567448"/>
-              <a:gd name="connsiteY21" fmla="*/ 1077653 h 5131463"/>
-              <a:gd name="connsiteX22" fmla="*/ 3190734 w 7567448"/>
-              <a:gd name="connsiteY22" fmla="*/ 1050955 h 5131463"/>
-              <a:gd name="connsiteX23" fmla="*/ 3377618 w 7567448"/>
-              <a:gd name="connsiteY23" fmla="*/ 1117700 h 5131463"/>
-              <a:gd name="connsiteX24" fmla="*/ 3497758 w 7567448"/>
-              <a:gd name="connsiteY24" fmla="*/ 1064304 h 5131463"/>
-              <a:gd name="connsiteX25" fmla="*/ 3751388 w 7567448"/>
-              <a:gd name="connsiteY25" fmla="*/ 1084328 h 5131463"/>
-              <a:gd name="connsiteX26" fmla="*/ 3824807 w 7567448"/>
-              <a:gd name="connsiteY26" fmla="*/ 1091002 h 5131463"/>
-              <a:gd name="connsiteX27" fmla="*/ 3938272 w 7567448"/>
-              <a:gd name="connsiteY27" fmla="*/ 1164421 h 5131463"/>
-              <a:gd name="connsiteX28" fmla="*/ 3951621 w 7567448"/>
-              <a:gd name="connsiteY28" fmla="*/ 1231166 h 5131463"/>
-              <a:gd name="connsiteX29" fmla="*/ 4398810 w 7567448"/>
-              <a:gd name="connsiteY29" fmla="*/ 1271212 h 5131463"/>
-              <a:gd name="connsiteX30" fmla="*/ 4745881 w 7567448"/>
-              <a:gd name="connsiteY30" fmla="*/ 1277887 h 5131463"/>
-              <a:gd name="connsiteX31" fmla="*/ 4832649 w 7567448"/>
-              <a:gd name="connsiteY31" fmla="*/ 1344631 h 5131463"/>
-              <a:gd name="connsiteX32" fmla="*/ 5453373 w 7567448"/>
-              <a:gd name="connsiteY32" fmla="*/ 1344631 h 5131463"/>
-              <a:gd name="connsiteX33" fmla="*/ 5927259 w 7567448"/>
-              <a:gd name="connsiteY33" fmla="*/ 1431399 h 5131463"/>
-              <a:gd name="connsiteX34" fmla="*/ 6074097 w 7567448"/>
-              <a:gd name="connsiteY34" fmla="*/ 1464771 h 5131463"/>
-              <a:gd name="connsiteX35" fmla="*/ 6240958 w 7567448"/>
-              <a:gd name="connsiteY35" fmla="*/ 1117700 h 5131463"/>
-              <a:gd name="connsiteX36" fmla="*/ 6448949 w 7567448"/>
-              <a:gd name="connsiteY36" fmla="*/ 1120346 h 5131463"/>
-              <a:gd name="connsiteX37" fmla="*/ 6473662 w 7567448"/>
-              <a:gd name="connsiteY37" fmla="*/ 1054443 h 5131463"/>
-              <a:gd name="connsiteX38" fmla="*/ 6605468 w 7567448"/>
-              <a:gd name="connsiteY38" fmla="*/ 1054443 h 5131463"/>
-              <a:gd name="connsiteX39" fmla="*/ 6663133 w 7567448"/>
-              <a:gd name="connsiteY39" fmla="*/ 1136821 h 5131463"/>
-              <a:gd name="connsiteX40" fmla="*/ 6712560 w 7567448"/>
-              <a:gd name="connsiteY40" fmla="*/ 1169773 h 5131463"/>
-              <a:gd name="connsiteX41" fmla="*/ 6761987 w 7567448"/>
-              <a:gd name="connsiteY41" fmla="*/ 1021492 h 5131463"/>
-              <a:gd name="connsiteX42" fmla="*/ 6893792 w 7567448"/>
-              <a:gd name="connsiteY42" fmla="*/ 1021492 h 5131463"/>
-              <a:gd name="connsiteX43" fmla="*/ 6992646 w 7567448"/>
-              <a:gd name="connsiteY43" fmla="*/ 1186248 h 5131463"/>
-              <a:gd name="connsiteX44" fmla="*/ 7033835 w 7567448"/>
-              <a:gd name="connsiteY44" fmla="*/ 1301578 h 5131463"/>
-              <a:gd name="connsiteX45" fmla="*/ 7264495 w 7567448"/>
-              <a:gd name="connsiteY45" fmla="*/ 1342767 h 5131463"/>
-              <a:gd name="connsiteX46" fmla="*/ 7462203 w 7567448"/>
-              <a:gd name="connsiteY46" fmla="*/ 0 h 5131463"/>
-              <a:gd name="connsiteX47" fmla="*/ 7567448 w 7567448"/>
-              <a:gd name="connsiteY47" fmla="*/ 4973808 h 5131463"/>
-              <a:gd name="connsiteX48" fmla="*/ 0 w 7567448"/>
-              <a:gd name="connsiteY48" fmla="*/ 5131463 h 5131463"/>
-              <a:gd name="connsiteX49" fmla="*/ 207253 w 7567448"/>
-              <a:gd name="connsiteY49" fmla="*/ 1384678 h 5131463"/>
-              <a:gd name="connsiteX0" fmla="*/ 207253 w 7872107"/>
-              <a:gd name="connsiteY0" fmla="*/ 367095 h 4113880"/>
-              <a:gd name="connsiteX1" fmla="*/ 447534 w 7872107"/>
-              <a:gd name="connsiteY1" fmla="*/ 367095 h 4113880"/>
-              <a:gd name="connsiteX2" fmla="*/ 601046 w 7872107"/>
-              <a:gd name="connsiteY2" fmla="*/ 440514 h 4113880"/>
-              <a:gd name="connsiteX3" fmla="*/ 1375283 w 7872107"/>
-              <a:gd name="connsiteY3" fmla="*/ 380444 h 4113880"/>
-              <a:gd name="connsiteX4" fmla="*/ 1375283 w 7872107"/>
-              <a:gd name="connsiteY4" fmla="*/ 293676 h 4113880"/>
-              <a:gd name="connsiteX5" fmla="*/ 1435353 w 7872107"/>
-              <a:gd name="connsiteY5" fmla="*/ 293676 h 4113880"/>
-              <a:gd name="connsiteX6" fmla="*/ 1502097 w 7872107"/>
-              <a:gd name="connsiteY6" fmla="*/ 233606 h 4113880"/>
-              <a:gd name="connsiteX7" fmla="*/ 1608888 w 7872107"/>
-              <a:gd name="connsiteY7" fmla="*/ 226932 h 4113880"/>
-              <a:gd name="connsiteX8" fmla="*/ 1628912 w 7872107"/>
-              <a:gd name="connsiteY8" fmla="*/ 166861 h 4113880"/>
-              <a:gd name="connsiteX9" fmla="*/ 1628912 w 7872107"/>
-              <a:gd name="connsiteY9" fmla="*/ 166861 h 4113880"/>
-              <a:gd name="connsiteX10" fmla="*/ 1709005 w 7872107"/>
-              <a:gd name="connsiteY10" fmla="*/ 206908 h 4113880"/>
-              <a:gd name="connsiteX11" fmla="*/ 1996007 w 7872107"/>
-              <a:gd name="connsiteY11" fmla="*/ 40047 h 4113880"/>
-              <a:gd name="connsiteX12" fmla="*/ 2162868 w 7872107"/>
-              <a:gd name="connsiteY12" fmla="*/ 40047 h 4113880"/>
-              <a:gd name="connsiteX13" fmla="*/ 2269659 w 7872107"/>
-              <a:gd name="connsiteY13" fmla="*/ 126815 h 4113880"/>
-              <a:gd name="connsiteX14" fmla="*/ 2383125 w 7872107"/>
-              <a:gd name="connsiteY14" fmla="*/ 86768 h 4113880"/>
-              <a:gd name="connsiteX15" fmla="*/ 2403148 w 7872107"/>
-              <a:gd name="connsiteY15" fmla="*/ 0 h 4113880"/>
-              <a:gd name="connsiteX16" fmla="*/ 2516614 w 7872107"/>
-              <a:gd name="connsiteY16" fmla="*/ 0 h 4113880"/>
-              <a:gd name="connsiteX17" fmla="*/ 2590033 w 7872107"/>
-              <a:gd name="connsiteY17" fmla="*/ 60070 h 4113880"/>
-              <a:gd name="connsiteX18" fmla="*/ 2663452 w 7872107"/>
-              <a:gd name="connsiteY18" fmla="*/ 26698 h 4113880"/>
-              <a:gd name="connsiteX19" fmla="*/ 2930430 w 7872107"/>
-              <a:gd name="connsiteY19" fmla="*/ 80094 h 4113880"/>
-              <a:gd name="connsiteX20" fmla="*/ 3023872 w 7872107"/>
-              <a:gd name="connsiteY20" fmla="*/ 93442 h 4113880"/>
-              <a:gd name="connsiteX21" fmla="*/ 3110640 w 7872107"/>
-              <a:gd name="connsiteY21" fmla="*/ 60070 h 4113880"/>
-              <a:gd name="connsiteX22" fmla="*/ 3190734 w 7872107"/>
-              <a:gd name="connsiteY22" fmla="*/ 33372 h 4113880"/>
-              <a:gd name="connsiteX23" fmla="*/ 3377618 w 7872107"/>
-              <a:gd name="connsiteY23" fmla="*/ 100117 h 4113880"/>
-              <a:gd name="connsiteX24" fmla="*/ 3497758 w 7872107"/>
-              <a:gd name="connsiteY24" fmla="*/ 46721 h 4113880"/>
-              <a:gd name="connsiteX25" fmla="*/ 3751388 w 7872107"/>
-              <a:gd name="connsiteY25" fmla="*/ 66745 h 4113880"/>
-              <a:gd name="connsiteX26" fmla="*/ 3824807 w 7872107"/>
-              <a:gd name="connsiteY26" fmla="*/ 73419 h 4113880"/>
-              <a:gd name="connsiteX27" fmla="*/ 3938272 w 7872107"/>
-              <a:gd name="connsiteY27" fmla="*/ 146838 h 4113880"/>
-              <a:gd name="connsiteX28" fmla="*/ 3951621 w 7872107"/>
-              <a:gd name="connsiteY28" fmla="*/ 213583 h 4113880"/>
-              <a:gd name="connsiteX29" fmla="*/ 4398810 w 7872107"/>
-              <a:gd name="connsiteY29" fmla="*/ 253629 h 4113880"/>
-              <a:gd name="connsiteX30" fmla="*/ 4745881 w 7872107"/>
-              <a:gd name="connsiteY30" fmla="*/ 260304 h 4113880"/>
-              <a:gd name="connsiteX31" fmla="*/ 4832649 w 7872107"/>
-              <a:gd name="connsiteY31" fmla="*/ 327048 h 4113880"/>
-              <a:gd name="connsiteX32" fmla="*/ 5453373 w 7872107"/>
-              <a:gd name="connsiteY32" fmla="*/ 327048 h 4113880"/>
-              <a:gd name="connsiteX33" fmla="*/ 5927259 w 7872107"/>
-              <a:gd name="connsiteY33" fmla="*/ 413816 h 4113880"/>
-              <a:gd name="connsiteX34" fmla="*/ 6074097 w 7872107"/>
-              <a:gd name="connsiteY34" fmla="*/ 447188 h 4113880"/>
-              <a:gd name="connsiteX35" fmla="*/ 6240958 w 7872107"/>
-              <a:gd name="connsiteY35" fmla="*/ 100117 h 4113880"/>
-              <a:gd name="connsiteX36" fmla="*/ 6448949 w 7872107"/>
-              <a:gd name="connsiteY36" fmla="*/ 102763 h 4113880"/>
-              <a:gd name="connsiteX37" fmla="*/ 6473662 w 7872107"/>
-              <a:gd name="connsiteY37" fmla="*/ 36860 h 4113880"/>
-              <a:gd name="connsiteX38" fmla="*/ 6605468 w 7872107"/>
-              <a:gd name="connsiteY38" fmla="*/ 36860 h 4113880"/>
-              <a:gd name="connsiteX39" fmla="*/ 6663133 w 7872107"/>
-              <a:gd name="connsiteY39" fmla="*/ 119238 h 4113880"/>
-              <a:gd name="connsiteX40" fmla="*/ 6712560 w 7872107"/>
-              <a:gd name="connsiteY40" fmla="*/ 152190 h 4113880"/>
-              <a:gd name="connsiteX41" fmla="*/ 6761987 w 7872107"/>
-              <a:gd name="connsiteY41" fmla="*/ 3909 h 4113880"/>
-              <a:gd name="connsiteX42" fmla="*/ 6893792 w 7872107"/>
-              <a:gd name="connsiteY42" fmla="*/ 3909 h 4113880"/>
-              <a:gd name="connsiteX43" fmla="*/ 6992646 w 7872107"/>
-              <a:gd name="connsiteY43" fmla="*/ 168665 h 4113880"/>
-              <a:gd name="connsiteX44" fmla="*/ 7033835 w 7872107"/>
-              <a:gd name="connsiteY44" fmla="*/ 283995 h 4113880"/>
-              <a:gd name="connsiteX45" fmla="*/ 7264495 w 7872107"/>
-              <a:gd name="connsiteY45" fmla="*/ 325184 h 4113880"/>
-              <a:gd name="connsiteX46" fmla="*/ 7872107 w 7872107"/>
-              <a:gd name="connsiteY46" fmla="*/ 1694086 h 4113880"/>
-              <a:gd name="connsiteX47" fmla="*/ 7567448 w 7872107"/>
-              <a:gd name="connsiteY47" fmla="*/ 3956225 h 4113880"/>
-              <a:gd name="connsiteX48" fmla="*/ 0 w 7872107"/>
-              <a:gd name="connsiteY48" fmla="*/ 4113880 h 4113880"/>
-              <a:gd name="connsiteX49" fmla="*/ 207253 w 7872107"/>
-              <a:gd name="connsiteY49" fmla="*/ 367095 h 4113880"/>
-              <a:gd name="connsiteX0" fmla="*/ 207253 w 7567448"/>
-              <a:gd name="connsiteY0" fmla="*/ 367095 h 4113880"/>
-              <a:gd name="connsiteX1" fmla="*/ 447534 w 7567448"/>
-              <a:gd name="connsiteY1" fmla="*/ 367095 h 4113880"/>
-              <a:gd name="connsiteX2" fmla="*/ 601046 w 7567448"/>
-              <a:gd name="connsiteY2" fmla="*/ 440514 h 4113880"/>
-              <a:gd name="connsiteX3" fmla="*/ 1375283 w 7567448"/>
-              <a:gd name="connsiteY3" fmla="*/ 380444 h 4113880"/>
-              <a:gd name="connsiteX4" fmla="*/ 1375283 w 7567448"/>
-              <a:gd name="connsiteY4" fmla="*/ 293676 h 4113880"/>
-              <a:gd name="connsiteX5" fmla="*/ 1435353 w 7567448"/>
-              <a:gd name="connsiteY5" fmla="*/ 293676 h 4113880"/>
-              <a:gd name="connsiteX6" fmla="*/ 1502097 w 7567448"/>
-              <a:gd name="connsiteY6" fmla="*/ 233606 h 4113880"/>
-              <a:gd name="connsiteX7" fmla="*/ 1608888 w 7567448"/>
-              <a:gd name="connsiteY7" fmla="*/ 226932 h 4113880"/>
-              <a:gd name="connsiteX8" fmla="*/ 1628912 w 7567448"/>
-              <a:gd name="connsiteY8" fmla="*/ 166861 h 4113880"/>
-              <a:gd name="connsiteX9" fmla="*/ 1628912 w 7567448"/>
-              <a:gd name="connsiteY9" fmla="*/ 166861 h 4113880"/>
-              <a:gd name="connsiteX10" fmla="*/ 1709005 w 7567448"/>
-              <a:gd name="connsiteY10" fmla="*/ 206908 h 4113880"/>
-              <a:gd name="connsiteX11" fmla="*/ 1996007 w 7567448"/>
-              <a:gd name="connsiteY11" fmla="*/ 40047 h 4113880"/>
-              <a:gd name="connsiteX12" fmla="*/ 2162868 w 7567448"/>
-              <a:gd name="connsiteY12" fmla="*/ 40047 h 4113880"/>
-              <a:gd name="connsiteX13" fmla="*/ 2269659 w 7567448"/>
-              <a:gd name="connsiteY13" fmla="*/ 126815 h 4113880"/>
-              <a:gd name="connsiteX14" fmla="*/ 2383125 w 7567448"/>
-              <a:gd name="connsiteY14" fmla="*/ 86768 h 4113880"/>
-              <a:gd name="connsiteX15" fmla="*/ 2403148 w 7567448"/>
-              <a:gd name="connsiteY15" fmla="*/ 0 h 4113880"/>
-              <a:gd name="connsiteX16" fmla="*/ 2516614 w 7567448"/>
-              <a:gd name="connsiteY16" fmla="*/ 0 h 4113880"/>
-              <a:gd name="connsiteX17" fmla="*/ 2590033 w 7567448"/>
-              <a:gd name="connsiteY17" fmla="*/ 60070 h 4113880"/>
-              <a:gd name="connsiteX18" fmla="*/ 2663452 w 7567448"/>
-              <a:gd name="connsiteY18" fmla="*/ 26698 h 4113880"/>
-              <a:gd name="connsiteX19" fmla="*/ 2930430 w 7567448"/>
-              <a:gd name="connsiteY19" fmla="*/ 80094 h 4113880"/>
-              <a:gd name="connsiteX20" fmla="*/ 3023872 w 7567448"/>
-              <a:gd name="connsiteY20" fmla="*/ 93442 h 4113880"/>
-              <a:gd name="connsiteX21" fmla="*/ 3110640 w 7567448"/>
-              <a:gd name="connsiteY21" fmla="*/ 60070 h 4113880"/>
-              <a:gd name="connsiteX22" fmla="*/ 3190734 w 7567448"/>
-              <a:gd name="connsiteY22" fmla="*/ 33372 h 4113880"/>
-              <a:gd name="connsiteX23" fmla="*/ 3377618 w 7567448"/>
-              <a:gd name="connsiteY23" fmla="*/ 100117 h 4113880"/>
-              <a:gd name="connsiteX24" fmla="*/ 3497758 w 7567448"/>
-              <a:gd name="connsiteY24" fmla="*/ 46721 h 4113880"/>
-              <a:gd name="connsiteX25" fmla="*/ 3751388 w 7567448"/>
-              <a:gd name="connsiteY25" fmla="*/ 66745 h 4113880"/>
-              <a:gd name="connsiteX26" fmla="*/ 3824807 w 7567448"/>
-              <a:gd name="connsiteY26" fmla="*/ 73419 h 4113880"/>
-              <a:gd name="connsiteX27" fmla="*/ 3938272 w 7567448"/>
-              <a:gd name="connsiteY27" fmla="*/ 146838 h 4113880"/>
-              <a:gd name="connsiteX28" fmla="*/ 3951621 w 7567448"/>
-              <a:gd name="connsiteY28" fmla="*/ 213583 h 4113880"/>
-              <a:gd name="connsiteX29" fmla="*/ 4398810 w 7567448"/>
-              <a:gd name="connsiteY29" fmla="*/ 253629 h 4113880"/>
-              <a:gd name="connsiteX30" fmla="*/ 4745881 w 7567448"/>
-              <a:gd name="connsiteY30" fmla="*/ 260304 h 4113880"/>
-              <a:gd name="connsiteX31" fmla="*/ 4832649 w 7567448"/>
-              <a:gd name="connsiteY31" fmla="*/ 327048 h 4113880"/>
-              <a:gd name="connsiteX32" fmla="*/ 5453373 w 7567448"/>
-              <a:gd name="connsiteY32" fmla="*/ 327048 h 4113880"/>
-              <a:gd name="connsiteX33" fmla="*/ 5927259 w 7567448"/>
-              <a:gd name="connsiteY33" fmla="*/ 413816 h 4113880"/>
-              <a:gd name="connsiteX34" fmla="*/ 6074097 w 7567448"/>
-              <a:gd name="connsiteY34" fmla="*/ 447188 h 4113880"/>
-              <a:gd name="connsiteX35" fmla="*/ 6240958 w 7567448"/>
-              <a:gd name="connsiteY35" fmla="*/ 100117 h 4113880"/>
-              <a:gd name="connsiteX36" fmla="*/ 6448949 w 7567448"/>
-              <a:gd name="connsiteY36" fmla="*/ 102763 h 4113880"/>
-              <a:gd name="connsiteX37" fmla="*/ 6473662 w 7567448"/>
-              <a:gd name="connsiteY37" fmla="*/ 36860 h 4113880"/>
-              <a:gd name="connsiteX38" fmla="*/ 6605468 w 7567448"/>
-              <a:gd name="connsiteY38" fmla="*/ 36860 h 4113880"/>
-              <a:gd name="connsiteX39" fmla="*/ 6663133 w 7567448"/>
-              <a:gd name="connsiteY39" fmla="*/ 119238 h 4113880"/>
-              <a:gd name="connsiteX40" fmla="*/ 6712560 w 7567448"/>
-              <a:gd name="connsiteY40" fmla="*/ 152190 h 4113880"/>
-              <a:gd name="connsiteX41" fmla="*/ 6761987 w 7567448"/>
-              <a:gd name="connsiteY41" fmla="*/ 3909 h 4113880"/>
-              <a:gd name="connsiteX42" fmla="*/ 6893792 w 7567448"/>
-              <a:gd name="connsiteY42" fmla="*/ 3909 h 4113880"/>
-              <a:gd name="connsiteX43" fmla="*/ 6992646 w 7567448"/>
-              <a:gd name="connsiteY43" fmla="*/ 168665 h 4113880"/>
-              <a:gd name="connsiteX44" fmla="*/ 7033835 w 7567448"/>
-              <a:gd name="connsiteY44" fmla="*/ 283995 h 4113880"/>
-              <a:gd name="connsiteX45" fmla="*/ 7264495 w 7567448"/>
-              <a:gd name="connsiteY45" fmla="*/ 325184 h 4113880"/>
-              <a:gd name="connsiteX46" fmla="*/ 7567448 w 7567448"/>
-              <a:gd name="connsiteY46" fmla="*/ 3956225 h 4113880"/>
-              <a:gd name="connsiteX47" fmla="*/ 0 w 7567448"/>
-              <a:gd name="connsiteY47" fmla="*/ 4113880 h 4113880"/>
-              <a:gd name="connsiteX48" fmla="*/ 207253 w 7567448"/>
-              <a:gd name="connsiteY48" fmla="*/ 367095 h 4113880"/>
-              <a:gd name="connsiteX0" fmla="*/ 207253 w 7264495"/>
-              <a:gd name="connsiteY0" fmla="*/ 367095 h 4113880"/>
-              <a:gd name="connsiteX1" fmla="*/ 447534 w 7264495"/>
-              <a:gd name="connsiteY1" fmla="*/ 367095 h 4113880"/>
-              <a:gd name="connsiteX2" fmla="*/ 601046 w 7264495"/>
-              <a:gd name="connsiteY2" fmla="*/ 440514 h 4113880"/>
-              <a:gd name="connsiteX3" fmla="*/ 1375283 w 7264495"/>
-              <a:gd name="connsiteY3" fmla="*/ 380444 h 4113880"/>
-              <a:gd name="connsiteX4" fmla="*/ 1375283 w 7264495"/>
-              <a:gd name="connsiteY4" fmla="*/ 293676 h 4113880"/>
-              <a:gd name="connsiteX5" fmla="*/ 1435353 w 7264495"/>
-              <a:gd name="connsiteY5" fmla="*/ 293676 h 4113880"/>
-              <a:gd name="connsiteX6" fmla="*/ 1502097 w 7264495"/>
-              <a:gd name="connsiteY6" fmla="*/ 233606 h 4113880"/>
-              <a:gd name="connsiteX7" fmla="*/ 1608888 w 7264495"/>
-              <a:gd name="connsiteY7" fmla="*/ 226932 h 4113880"/>
-              <a:gd name="connsiteX8" fmla="*/ 1628912 w 7264495"/>
-              <a:gd name="connsiteY8" fmla="*/ 166861 h 4113880"/>
-              <a:gd name="connsiteX9" fmla="*/ 1628912 w 7264495"/>
-              <a:gd name="connsiteY9" fmla="*/ 166861 h 4113880"/>
-              <a:gd name="connsiteX10" fmla="*/ 1709005 w 7264495"/>
-              <a:gd name="connsiteY10" fmla="*/ 206908 h 4113880"/>
-              <a:gd name="connsiteX11" fmla="*/ 1996007 w 7264495"/>
-              <a:gd name="connsiteY11" fmla="*/ 40047 h 4113880"/>
-              <a:gd name="connsiteX12" fmla="*/ 2162868 w 7264495"/>
-              <a:gd name="connsiteY12" fmla="*/ 40047 h 4113880"/>
-              <a:gd name="connsiteX13" fmla="*/ 2269659 w 7264495"/>
-              <a:gd name="connsiteY13" fmla="*/ 126815 h 4113880"/>
-              <a:gd name="connsiteX14" fmla="*/ 2383125 w 7264495"/>
-              <a:gd name="connsiteY14" fmla="*/ 86768 h 4113880"/>
-              <a:gd name="connsiteX15" fmla="*/ 2403148 w 7264495"/>
-              <a:gd name="connsiteY15" fmla="*/ 0 h 4113880"/>
-              <a:gd name="connsiteX16" fmla="*/ 2516614 w 7264495"/>
-              <a:gd name="connsiteY16" fmla="*/ 0 h 4113880"/>
-              <a:gd name="connsiteX17" fmla="*/ 2590033 w 7264495"/>
-              <a:gd name="connsiteY17" fmla="*/ 60070 h 4113880"/>
-              <a:gd name="connsiteX18" fmla="*/ 2663452 w 7264495"/>
-              <a:gd name="connsiteY18" fmla="*/ 26698 h 4113880"/>
-              <a:gd name="connsiteX19" fmla="*/ 2930430 w 7264495"/>
-              <a:gd name="connsiteY19" fmla="*/ 80094 h 4113880"/>
-              <a:gd name="connsiteX20" fmla="*/ 3023872 w 7264495"/>
-              <a:gd name="connsiteY20" fmla="*/ 93442 h 4113880"/>
-              <a:gd name="connsiteX21" fmla="*/ 3110640 w 7264495"/>
-              <a:gd name="connsiteY21" fmla="*/ 60070 h 4113880"/>
-              <a:gd name="connsiteX22" fmla="*/ 3190734 w 7264495"/>
-              <a:gd name="connsiteY22" fmla="*/ 33372 h 4113880"/>
-              <a:gd name="connsiteX23" fmla="*/ 3377618 w 7264495"/>
-              <a:gd name="connsiteY23" fmla="*/ 100117 h 4113880"/>
-              <a:gd name="connsiteX24" fmla="*/ 3497758 w 7264495"/>
-              <a:gd name="connsiteY24" fmla="*/ 46721 h 4113880"/>
-              <a:gd name="connsiteX25" fmla="*/ 3751388 w 7264495"/>
-              <a:gd name="connsiteY25" fmla="*/ 66745 h 4113880"/>
-              <a:gd name="connsiteX26" fmla="*/ 3824807 w 7264495"/>
-              <a:gd name="connsiteY26" fmla="*/ 73419 h 4113880"/>
-              <a:gd name="connsiteX27" fmla="*/ 3938272 w 7264495"/>
-              <a:gd name="connsiteY27" fmla="*/ 146838 h 4113880"/>
-              <a:gd name="connsiteX28" fmla="*/ 3951621 w 7264495"/>
-              <a:gd name="connsiteY28" fmla="*/ 213583 h 4113880"/>
-              <a:gd name="connsiteX29" fmla="*/ 4398810 w 7264495"/>
-              <a:gd name="connsiteY29" fmla="*/ 253629 h 4113880"/>
-              <a:gd name="connsiteX30" fmla="*/ 4745881 w 7264495"/>
-              <a:gd name="connsiteY30" fmla="*/ 260304 h 4113880"/>
-              <a:gd name="connsiteX31" fmla="*/ 4832649 w 7264495"/>
-              <a:gd name="connsiteY31" fmla="*/ 327048 h 4113880"/>
-              <a:gd name="connsiteX32" fmla="*/ 5453373 w 7264495"/>
-              <a:gd name="connsiteY32" fmla="*/ 327048 h 4113880"/>
-              <a:gd name="connsiteX33" fmla="*/ 5927259 w 7264495"/>
-              <a:gd name="connsiteY33" fmla="*/ 413816 h 4113880"/>
-              <a:gd name="connsiteX34" fmla="*/ 6074097 w 7264495"/>
-              <a:gd name="connsiteY34" fmla="*/ 447188 h 4113880"/>
-              <a:gd name="connsiteX35" fmla="*/ 6240958 w 7264495"/>
-              <a:gd name="connsiteY35" fmla="*/ 100117 h 4113880"/>
-              <a:gd name="connsiteX36" fmla="*/ 6448949 w 7264495"/>
-              <a:gd name="connsiteY36" fmla="*/ 102763 h 4113880"/>
-              <a:gd name="connsiteX37" fmla="*/ 6473662 w 7264495"/>
-              <a:gd name="connsiteY37" fmla="*/ 36860 h 4113880"/>
-              <a:gd name="connsiteX38" fmla="*/ 6605468 w 7264495"/>
-              <a:gd name="connsiteY38" fmla="*/ 36860 h 4113880"/>
-              <a:gd name="connsiteX39" fmla="*/ 6663133 w 7264495"/>
-              <a:gd name="connsiteY39" fmla="*/ 119238 h 4113880"/>
-              <a:gd name="connsiteX40" fmla="*/ 6712560 w 7264495"/>
-              <a:gd name="connsiteY40" fmla="*/ 152190 h 4113880"/>
-              <a:gd name="connsiteX41" fmla="*/ 6761987 w 7264495"/>
-              <a:gd name="connsiteY41" fmla="*/ 3909 h 4113880"/>
-              <a:gd name="connsiteX42" fmla="*/ 6893792 w 7264495"/>
-              <a:gd name="connsiteY42" fmla="*/ 3909 h 4113880"/>
-              <a:gd name="connsiteX43" fmla="*/ 6992646 w 7264495"/>
-              <a:gd name="connsiteY43" fmla="*/ 168665 h 4113880"/>
-              <a:gd name="connsiteX44" fmla="*/ 7033835 w 7264495"/>
-              <a:gd name="connsiteY44" fmla="*/ 283995 h 4113880"/>
-              <a:gd name="connsiteX45" fmla="*/ 7264495 w 7264495"/>
-              <a:gd name="connsiteY45" fmla="*/ 325184 h 4113880"/>
-              <a:gd name="connsiteX46" fmla="*/ 7142146 w 7264495"/>
-              <a:gd name="connsiteY46" fmla="*/ 3701044 h 4113880"/>
-              <a:gd name="connsiteX47" fmla="*/ 0 w 7264495"/>
-              <a:gd name="connsiteY47" fmla="*/ 4113880 h 4113880"/>
-              <a:gd name="connsiteX48" fmla="*/ 207253 w 7264495"/>
-              <a:gd name="connsiteY48" fmla="*/ 367095 h 4113880"/>
-              <a:gd name="connsiteX0" fmla="*/ 207253 w 7397327"/>
-              <a:gd name="connsiteY0" fmla="*/ 367095 h 4113880"/>
-              <a:gd name="connsiteX1" fmla="*/ 447534 w 7397327"/>
-              <a:gd name="connsiteY1" fmla="*/ 367095 h 4113880"/>
-              <a:gd name="connsiteX2" fmla="*/ 601046 w 7397327"/>
-              <a:gd name="connsiteY2" fmla="*/ 440514 h 4113880"/>
-              <a:gd name="connsiteX3" fmla="*/ 1375283 w 7397327"/>
-              <a:gd name="connsiteY3" fmla="*/ 380444 h 4113880"/>
-              <a:gd name="connsiteX4" fmla="*/ 1375283 w 7397327"/>
-              <a:gd name="connsiteY4" fmla="*/ 293676 h 4113880"/>
-              <a:gd name="connsiteX5" fmla="*/ 1435353 w 7397327"/>
-              <a:gd name="connsiteY5" fmla="*/ 293676 h 4113880"/>
-              <a:gd name="connsiteX6" fmla="*/ 1502097 w 7397327"/>
-              <a:gd name="connsiteY6" fmla="*/ 233606 h 4113880"/>
-              <a:gd name="connsiteX7" fmla="*/ 1608888 w 7397327"/>
-              <a:gd name="connsiteY7" fmla="*/ 226932 h 4113880"/>
-              <a:gd name="connsiteX8" fmla="*/ 1628912 w 7397327"/>
-              <a:gd name="connsiteY8" fmla="*/ 166861 h 4113880"/>
-              <a:gd name="connsiteX9" fmla="*/ 1628912 w 7397327"/>
-              <a:gd name="connsiteY9" fmla="*/ 166861 h 4113880"/>
-              <a:gd name="connsiteX10" fmla="*/ 1709005 w 7397327"/>
-              <a:gd name="connsiteY10" fmla="*/ 206908 h 4113880"/>
-              <a:gd name="connsiteX11" fmla="*/ 1996007 w 7397327"/>
-              <a:gd name="connsiteY11" fmla="*/ 40047 h 4113880"/>
-              <a:gd name="connsiteX12" fmla="*/ 2162868 w 7397327"/>
-              <a:gd name="connsiteY12" fmla="*/ 40047 h 4113880"/>
-              <a:gd name="connsiteX13" fmla="*/ 2269659 w 7397327"/>
-              <a:gd name="connsiteY13" fmla="*/ 126815 h 4113880"/>
-              <a:gd name="connsiteX14" fmla="*/ 2383125 w 7397327"/>
-              <a:gd name="connsiteY14" fmla="*/ 86768 h 4113880"/>
-              <a:gd name="connsiteX15" fmla="*/ 2403148 w 7397327"/>
-              <a:gd name="connsiteY15" fmla="*/ 0 h 4113880"/>
-              <a:gd name="connsiteX16" fmla="*/ 2516614 w 7397327"/>
-              <a:gd name="connsiteY16" fmla="*/ 0 h 4113880"/>
-              <a:gd name="connsiteX17" fmla="*/ 2590033 w 7397327"/>
-              <a:gd name="connsiteY17" fmla="*/ 60070 h 4113880"/>
-              <a:gd name="connsiteX18" fmla="*/ 2663452 w 7397327"/>
-              <a:gd name="connsiteY18" fmla="*/ 26698 h 4113880"/>
-              <a:gd name="connsiteX19" fmla="*/ 2930430 w 7397327"/>
-              <a:gd name="connsiteY19" fmla="*/ 80094 h 4113880"/>
-              <a:gd name="connsiteX20" fmla="*/ 3023872 w 7397327"/>
-              <a:gd name="connsiteY20" fmla="*/ 93442 h 4113880"/>
-              <a:gd name="connsiteX21" fmla="*/ 3110640 w 7397327"/>
-              <a:gd name="connsiteY21" fmla="*/ 60070 h 4113880"/>
-              <a:gd name="connsiteX22" fmla="*/ 3190734 w 7397327"/>
-              <a:gd name="connsiteY22" fmla="*/ 33372 h 4113880"/>
-              <a:gd name="connsiteX23" fmla="*/ 3377618 w 7397327"/>
-              <a:gd name="connsiteY23" fmla="*/ 100117 h 4113880"/>
-              <a:gd name="connsiteX24" fmla="*/ 3497758 w 7397327"/>
-              <a:gd name="connsiteY24" fmla="*/ 46721 h 4113880"/>
-              <a:gd name="connsiteX25" fmla="*/ 3751388 w 7397327"/>
-              <a:gd name="connsiteY25" fmla="*/ 66745 h 4113880"/>
-              <a:gd name="connsiteX26" fmla="*/ 3824807 w 7397327"/>
-              <a:gd name="connsiteY26" fmla="*/ 73419 h 4113880"/>
-              <a:gd name="connsiteX27" fmla="*/ 3938272 w 7397327"/>
-              <a:gd name="connsiteY27" fmla="*/ 146838 h 4113880"/>
-              <a:gd name="connsiteX28" fmla="*/ 3951621 w 7397327"/>
-              <a:gd name="connsiteY28" fmla="*/ 213583 h 4113880"/>
-              <a:gd name="connsiteX29" fmla="*/ 4398810 w 7397327"/>
-              <a:gd name="connsiteY29" fmla="*/ 253629 h 4113880"/>
-              <a:gd name="connsiteX30" fmla="*/ 4745881 w 7397327"/>
-              <a:gd name="connsiteY30" fmla="*/ 260304 h 4113880"/>
-              <a:gd name="connsiteX31" fmla="*/ 4832649 w 7397327"/>
-              <a:gd name="connsiteY31" fmla="*/ 327048 h 4113880"/>
-              <a:gd name="connsiteX32" fmla="*/ 5453373 w 7397327"/>
-              <a:gd name="connsiteY32" fmla="*/ 327048 h 4113880"/>
-              <a:gd name="connsiteX33" fmla="*/ 5927259 w 7397327"/>
-              <a:gd name="connsiteY33" fmla="*/ 413816 h 4113880"/>
-              <a:gd name="connsiteX34" fmla="*/ 6074097 w 7397327"/>
-              <a:gd name="connsiteY34" fmla="*/ 447188 h 4113880"/>
-              <a:gd name="connsiteX35" fmla="*/ 6240958 w 7397327"/>
-              <a:gd name="connsiteY35" fmla="*/ 100117 h 4113880"/>
-              <a:gd name="connsiteX36" fmla="*/ 6448949 w 7397327"/>
-              <a:gd name="connsiteY36" fmla="*/ 102763 h 4113880"/>
-              <a:gd name="connsiteX37" fmla="*/ 6473662 w 7397327"/>
-              <a:gd name="connsiteY37" fmla="*/ 36860 h 4113880"/>
-              <a:gd name="connsiteX38" fmla="*/ 6605468 w 7397327"/>
-              <a:gd name="connsiteY38" fmla="*/ 36860 h 4113880"/>
-              <a:gd name="connsiteX39" fmla="*/ 6663133 w 7397327"/>
-              <a:gd name="connsiteY39" fmla="*/ 119238 h 4113880"/>
-              <a:gd name="connsiteX40" fmla="*/ 6712560 w 7397327"/>
-              <a:gd name="connsiteY40" fmla="*/ 152190 h 4113880"/>
-              <a:gd name="connsiteX41" fmla="*/ 6761987 w 7397327"/>
-              <a:gd name="connsiteY41" fmla="*/ 3909 h 4113880"/>
-              <a:gd name="connsiteX42" fmla="*/ 6893792 w 7397327"/>
-              <a:gd name="connsiteY42" fmla="*/ 3909 h 4113880"/>
-              <a:gd name="connsiteX43" fmla="*/ 6992646 w 7397327"/>
-              <a:gd name="connsiteY43" fmla="*/ 168665 h 4113880"/>
-              <a:gd name="connsiteX44" fmla="*/ 7033835 w 7397327"/>
-              <a:gd name="connsiteY44" fmla="*/ 283995 h 4113880"/>
-              <a:gd name="connsiteX45" fmla="*/ 7264495 w 7397327"/>
-              <a:gd name="connsiteY45" fmla="*/ 325184 h 4113880"/>
-              <a:gd name="connsiteX46" fmla="*/ 7397327 w 7397327"/>
-              <a:gd name="connsiteY46" fmla="*/ 3871165 h 4113880"/>
-              <a:gd name="connsiteX47" fmla="*/ 0 w 7397327"/>
-              <a:gd name="connsiteY47" fmla="*/ 4113880 h 4113880"/>
-              <a:gd name="connsiteX48" fmla="*/ 207253 w 7397327"/>
-              <a:gd name="connsiteY48" fmla="*/ 367095 h 4113880"/>
-              <a:gd name="connsiteX0" fmla="*/ 207253 w 7397327"/>
-              <a:gd name="connsiteY0" fmla="*/ 367095 h 4113880"/>
-              <a:gd name="connsiteX1" fmla="*/ 447534 w 7397327"/>
-              <a:gd name="connsiteY1" fmla="*/ 367095 h 4113880"/>
-              <a:gd name="connsiteX2" fmla="*/ 601046 w 7397327"/>
-              <a:gd name="connsiteY2" fmla="*/ 440514 h 4113880"/>
-              <a:gd name="connsiteX3" fmla="*/ 1375283 w 7397327"/>
-              <a:gd name="connsiteY3" fmla="*/ 380444 h 4113880"/>
-              <a:gd name="connsiteX4" fmla="*/ 1375283 w 7397327"/>
-              <a:gd name="connsiteY4" fmla="*/ 293676 h 4113880"/>
-              <a:gd name="connsiteX5" fmla="*/ 1435353 w 7397327"/>
-              <a:gd name="connsiteY5" fmla="*/ 293676 h 4113880"/>
-              <a:gd name="connsiteX6" fmla="*/ 1502097 w 7397327"/>
-              <a:gd name="connsiteY6" fmla="*/ 233606 h 4113880"/>
-              <a:gd name="connsiteX7" fmla="*/ 1608888 w 7397327"/>
-              <a:gd name="connsiteY7" fmla="*/ 226932 h 4113880"/>
-              <a:gd name="connsiteX8" fmla="*/ 1628912 w 7397327"/>
-              <a:gd name="connsiteY8" fmla="*/ 166861 h 4113880"/>
-              <a:gd name="connsiteX9" fmla="*/ 1628912 w 7397327"/>
-              <a:gd name="connsiteY9" fmla="*/ 166861 h 4113880"/>
-              <a:gd name="connsiteX10" fmla="*/ 1709005 w 7397327"/>
-              <a:gd name="connsiteY10" fmla="*/ 206908 h 4113880"/>
-              <a:gd name="connsiteX11" fmla="*/ 1996007 w 7397327"/>
-              <a:gd name="connsiteY11" fmla="*/ 40047 h 4113880"/>
-              <a:gd name="connsiteX12" fmla="*/ 2162868 w 7397327"/>
-              <a:gd name="connsiteY12" fmla="*/ 40047 h 4113880"/>
-              <a:gd name="connsiteX13" fmla="*/ 2269659 w 7397327"/>
-              <a:gd name="connsiteY13" fmla="*/ 126815 h 4113880"/>
-              <a:gd name="connsiteX14" fmla="*/ 2383125 w 7397327"/>
-              <a:gd name="connsiteY14" fmla="*/ 86768 h 4113880"/>
-              <a:gd name="connsiteX15" fmla="*/ 2403148 w 7397327"/>
-              <a:gd name="connsiteY15" fmla="*/ 0 h 4113880"/>
-              <a:gd name="connsiteX16" fmla="*/ 2516614 w 7397327"/>
-              <a:gd name="connsiteY16" fmla="*/ 0 h 4113880"/>
-              <a:gd name="connsiteX17" fmla="*/ 2590033 w 7397327"/>
-              <a:gd name="connsiteY17" fmla="*/ 60070 h 4113880"/>
-              <a:gd name="connsiteX18" fmla="*/ 2663452 w 7397327"/>
-              <a:gd name="connsiteY18" fmla="*/ 26698 h 4113880"/>
-              <a:gd name="connsiteX19" fmla="*/ 2930430 w 7397327"/>
-              <a:gd name="connsiteY19" fmla="*/ 80094 h 4113880"/>
-              <a:gd name="connsiteX20" fmla="*/ 3023872 w 7397327"/>
-              <a:gd name="connsiteY20" fmla="*/ 93442 h 4113880"/>
-              <a:gd name="connsiteX21" fmla="*/ 3110640 w 7397327"/>
-              <a:gd name="connsiteY21" fmla="*/ 60070 h 4113880"/>
-              <a:gd name="connsiteX22" fmla="*/ 3190734 w 7397327"/>
-              <a:gd name="connsiteY22" fmla="*/ 33372 h 4113880"/>
-              <a:gd name="connsiteX23" fmla="*/ 3377618 w 7397327"/>
-              <a:gd name="connsiteY23" fmla="*/ 100117 h 4113880"/>
-              <a:gd name="connsiteX24" fmla="*/ 3497758 w 7397327"/>
-              <a:gd name="connsiteY24" fmla="*/ 46721 h 4113880"/>
-              <a:gd name="connsiteX25" fmla="*/ 3751388 w 7397327"/>
-              <a:gd name="connsiteY25" fmla="*/ 66745 h 4113880"/>
-              <a:gd name="connsiteX26" fmla="*/ 3824807 w 7397327"/>
-              <a:gd name="connsiteY26" fmla="*/ 73419 h 4113880"/>
-              <a:gd name="connsiteX27" fmla="*/ 3938272 w 7397327"/>
-              <a:gd name="connsiteY27" fmla="*/ 146838 h 4113880"/>
-              <a:gd name="connsiteX28" fmla="*/ 3951621 w 7397327"/>
-              <a:gd name="connsiteY28" fmla="*/ 213583 h 4113880"/>
-              <a:gd name="connsiteX29" fmla="*/ 4398810 w 7397327"/>
-              <a:gd name="connsiteY29" fmla="*/ 253629 h 4113880"/>
-              <a:gd name="connsiteX30" fmla="*/ 4745881 w 7397327"/>
-              <a:gd name="connsiteY30" fmla="*/ 260304 h 4113880"/>
-              <a:gd name="connsiteX31" fmla="*/ 4832649 w 7397327"/>
-              <a:gd name="connsiteY31" fmla="*/ 327048 h 4113880"/>
-              <a:gd name="connsiteX32" fmla="*/ 5453373 w 7397327"/>
-              <a:gd name="connsiteY32" fmla="*/ 327048 h 4113880"/>
-              <a:gd name="connsiteX33" fmla="*/ 5927259 w 7397327"/>
-              <a:gd name="connsiteY33" fmla="*/ 413816 h 4113880"/>
-              <a:gd name="connsiteX34" fmla="*/ 6074097 w 7397327"/>
-              <a:gd name="connsiteY34" fmla="*/ 447188 h 4113880"/>
-              <a:gd name="connsiteX35" fmla="*/ 6240958 w 7397327"/>
-              <a:gd name="connsiteY35" fmla="*/ 100117 h 4113880"/>
-              <a:gd name="connsiteX36" fmla="*/ 6448949 w 7397327"/>
-              <a:gd name="connsiteY36" fmla="*/ 102763 h 4113880"/>
-              <a:gd name="connsiteX37" fmla="*/ 6473662 w 7397327"/>
-              <a:gd name="connsiteY37" fmla="*/ 36860 h 4113880"/>
-              <a:gd name="connsiteX38" fmla="*/ 6605468 w 7397327"/>
-              <a:gd name="connsiteY38" fmla="*/ 36860 h 4113880"/>
-              <a:gd name="connsiteX39" fmla="*/ 6663133 w 7397327"/>
-              <a:gd name="connsiteY39" fmla="*/ 119238 h 4113880"/>
-              <a:gd name="connsiteX40" fmla="*/ 6712560 w 7397327"/>
-              <a:gd name="connsiteY40" fmla="*/ 152190 h 4113880"/>
-              <a:gd name="connsiteX41" fmla="*/ 6761987 w 7397327"/>
-              <a:gd name="connsiteY41" fmla="*/ 3909 h 4113880"/>
-              <a:gd name="connsiteX42" fmla="*/ 6893792 w 7397327"/>
-              <a:gd name="connsiteY42" fmla="*/ 3909 h 4113880"/>
-              <a:gd name="connsiteX43" fmla="*/ 6992646 w 7397327"/>
-              <a:gd name="connsiteY43" fmla="*/ 168665 h 4113880"/>
-              <a:gd name="connsiteX44" fmla="*/ 7033835 w 7397327"/>
-              <a:gd name="connsiteY44" fmla="*/ 283995 h 4113880"/>
-              <a:gd name="connsiteX45" fmla="*/ 7175595 w 7397327"/>
-              <a:gd name="connsiteY45" fmla="*/ 312484 h 4113880"/>
-              <a:gd name="connsiteX46" fmla="*/ 7397327 w 7397327"/>
-              <a:gd name="connsiteY46" fmla="*/ 3871165 h 4113880"/>
-              <a:gd name="connsiteX47" fmla="*/ 0 w 7397327"/>
-              <a:gd name="connsiteY47" fmla="*/ 4113880 h 4113880"/>
-              <a:gd name="connsiteX48" fmla="*/ 207253 w 7397327"/>
-              <a:gd name="connsiteY48" fmla="*/ 367095 h 4113880"/>
-              <a:gd name="connsiteX0" fmla="*/ 318378 w 7397327"/>
-              <a:gd name="connsiteY0" fmla="*/ 370270 h 4113880"/>
-              <a:gd name="connsiteX1" fmla="*/ 447534 w 7397327"/>
-              <a:gd name="connsiteY1" fmla="*/ 367095 h 4113880"/>
-              <a:gd name="connsiteX2" fmla="*/ 601046 w 7397327"/>
-              <a:gd name="connsiteY2" fmla="*/ 440514 h 4113880"/>
-              <a:gd name="connsiteX3" fmla="*/ 1375283 w 7397327"/>
-              <a:gd name="connsiteY3" fmla="*/ 380444 h 4113880"/>
-              <a:gd name="connsiteX4" fmla="*/ 1375283 w 7397327"/>
-              <a:gd name="connsiteY4" fmla="*/ 293676 h 4113880"/>
-              <a:gd name="connsiteX5" fmla="*/ 1435353 w 7397327"/>
-              <a:gd name="connsiteY5" fmla="*/ 293676 h 4113880"/>
-              <a:gd name="connsiteX6" fmla="*/ 1502097 w 7397327"/>
-              <a:gd name="connsiteY6" fmla="*/ 233606 h 4113880"/>
-              <a:gd name="connsiteX7" fmla="*/ 1608888 w 7397327"/>
-              <a:gd name="connsiteY7" fmla="*/ 226932 h 4113880"/>
-              <a:gd name="connsiteX8" fmla="*/ 1628912 w 7397327"/>
-              <a:gd name="connsiteY8" fmla="*/ 166861 h 4113880"/>
-              <a:gd name="connsiteX9" fmla="*/ 1628912 w 7397327"/>
-              <a:gd name="connsiteY9" fmla="*/ 166861 h 4113880"/>
-              <a:gd name="connsiteX10" fmla="*/ 1709005 w 7397327"/>
-              <a:gd name="connsiteY10" fmla="*/ 206908 h 4113880"/>
-              <a:gd name="connsiteX11" fmla="*/ 1996007 w 7397327"/>
-              <a:gd name="connsiteY11" fmla="*/ 40047 h 4113880"/>
-              <a:gd name="connsiteX12" fmla="*/ 2162868 w 7397327"/>
-              <a:gd name="connsiteY12" fmla="*/ 40047 h 4113880"/>
-              <a:gd name="connsiteX13" fmla="*/ 2269659 w 7397327"/>
-              <a:gd name="connsiteY13" fmla="*/ 126815 h 4113880"/>
-              <a:gd name="connsiteX14" fmla="*/ 2383125 w 7397327"/>
-              <a:gd name="connsiteY14" fmla="*/ 86768 h 4113880"/>
-              <a:gd name="connsiteX15" fmla="*/ 2403148 w 7397327"/>
-              <a:gd name="connsiteY15" fmla="*/ 0 h 4113880"/>
-              <a:gd name="connsiteX16" fmla="*/ 2516614 w 7397327"/>
-              <a:gd name="connsiteY16" fmla="*/ 0 h 4113880"/>
-              <a:gd name="connsiteX17" fmla="*/ 2590033 w 7397327"/>
-              <a:gd name="connsiteY17" fmla="*/ 60070 h 4113880"/>
-              <a:gd name="connsiteX18" fmla="*/ 2663452 w 7397327"/>
-              <a:gd name="connsiteY18" fmla="*/ 26698 h 4113880"/>
-              <a:gd name="connsiteX19" fmla="*/ 2930430 w 7397327"/>
-              <a:gd name="connsiteY19" fmla="*/ 80094 h 4113880"/>
-              <a:gd name="connsiteX20" fmla="*/ 3023872 w 7397327"/>
-              <a:gd name="connsiteY20" fmla="*/ 93442 h 4113880"/>
-              <a:gd name="connsiteX21" fmla="*/ 3110640 w 7397327"/>
-              <a:gd name="connsiteY21" fmla="*/ 60070 h 4113880"/>
-              <a:gd name="connsiteX22" fmla="*/ 3190734 w 7397327"/>
-              <a:gd name="connsiteY22" fmla="*/ 33372 h 4113880"/>
-              <a:gd name="connsiteX23" fmla="*/ 3377618 w 7397327"/>
-              <a:gd name="connsiteY23" fmla="*/ 100117 h 4113880"/>
-              <a:gd name="connsiteX24" fmla="*/ 3497758 w 7397327"/>
-              <a:gd name="connsiteY24" fmla="*/ 46721 h 4113880"/>
-              <a:gd name="connsiteX25" fmla="*/ 3751388 w 7397327"/>
-              <a:gd name="connsiteY25" fmla="*/ 66745 h 4113880"/>
-              <a:gd name="connsiteX26" fmla="*/ 3824807 w 7397327"/>
-              <a:gd name="connsiteY26" fmla="*/ 73419 h 4113880"/>
-              <a:gd name="connsiteX27" fmla="*/ 3938272 w 7397327"/>
-              <a:gd name="connsiteY27" fmla="*/ 146838 h 4113880"/>
-              <a:gd name="connsiteX28" fmla="*/ 3951621 w 7397327"/>
-              <a:gd name="connsiteY28" fmla="*/ 213583 h 4113880"/>
-              <a:gd name="connsiteX29" fmla="*/ 4398810 w 7397327"/>
-              <a:gd name="connsiteY29" fmla="*/ 253629 h 4113880"/>
-              <a:gd name="connsiteX30" fmla="*/ 4745881 w 7397327"/>
-              <a:gd name="connsiteY30" fmla="*/ 260304 h 4113880"/>
-              <a:gd name="connsiteX31" fmla="*/ 4832649 w 7397327"/>
-              <a:gd name="connsiteY31" fmla="*/ 327048 h 4113880"/>
-              <a:gd name="connsiteX32" fmla="*/ 5453373 w 7397327"/>
-              <a:gd name="connsiteY32" fmla="*/ 327048 h 4113880"/>
-              <a:gd name="connsiteX33" fmla="*/ 5927259 w 7397327"/>
-              <a:gd name="connsiteY33" fmla="*/ 413816 h 4113880"/>
-              <a:gd name="connsiteX34" fmla="*/ 6074097 w 7397327"/>
-              <a:gd name="connsiteY34" fmla="*/ 447188 h 4113880"/>
-              <a:gd name="connsiteX35" fmla="*/ 6240958 w 7397327"/>
-              <a:gd name="connsiteY35" fmla="*/ 100117 h 4113880"/>
-              <a:gd name="connsiteX36" fmla="*/ 6448949 w 7397327"/>
-              <a:gd name="connsiteY36" fmla="*/ 102763 h 4113880"/>
-              <a:gd name="connsiteX37" fmla="*/ 6473662 w 7397327"/>
-              <a:gd name="connsiteY37" fmla="*/ 36860 h 4113880"/>
-              <a:gd name="connsiteX38" fmla="*/ 6605468 w 7397327"/>
-              <a:gd name="connsiteY38" fmla="*/ 36860 h 4113880"/>
-              <a:gd name="connsiteX39" fmla="*/ 6663133 w 7397327"/>
-              <a:gd name="connsiteY39" fmla="*/ 119238 h 4113880"/>
-              <a:gd name="connsiteX40" fmla="*/ 6712560 w 7397327"/>
-              <a:gd name="connsiteY40" fmla="*/ 152190 h 4113880"/>
-              <a:gd name="connsiteX41" fmla="*/ 6761987 w 7397327"/>
-              <a:gd name="connsiteY41" fmla="*/ 3909 h 4113880"/>
-              <a:gd name="connsiteX42" fmla="*/ 6893792 w 7397327"/>
-              <a:gd name="connsiteY42" fmla="*/ 3909 h 4113880"/>
-              <a:gd name="connsiteX43" fmla="*/ 6992646 w 7397327"/>
-              <a:gd name="connsiteY43" fmla="*/ 168665 h 4113880"/>
-              <a:gd name="connsiteX44" fmla="*/ 7033835 w 7397327"/>
-              <a:gd name="connsiteY44" fmla="*/ 283995 h 4113880"/>
-              <a:gd name="connsiteX45" fmla="*/ 7175595 w 7397327"/>
-              <a:gd name="connsiteY45" fmla="*/ 312484 h 4113880"/>
-              <a:gd name="connsiteX46" fmla="*/ 7397327 w 7397327"/>
-              <a:gd name="connsiteY46" fmla="*/ 3871165 h 4113880"/>
-              <a:gd name="connsiteX47" fmla="*/ 0 w 7397327"/>
-              <a:gd name="connsiteY47" fmla="*/ 4113880 h 4113880"/>
-              <a:gd name="connsiteX48" fmla="*/ 318378 w 7397327"/>
-              <a:gd name="connsiteY48" fmla="*/ 370270 h 4113880"/>
-              <a:gd name="connsiteX0" fmla="*/ 0 w 7078949"/>
-              <a:gd name="connsiteY0" fmla="*/ 370270 h 3871165"/>
-              <a:gd name="connsiteX1" fmla="*/ 129156 w 7078949"/>
-              <a:gd name="connsiteY1" fmla="*/ 367095 h 3871165"/>
-              <a:gd name="connsiteX2" fmla="*/ 282668 w 7078949"/>
-              <a:gd name="connsiteY2" fmla="*/ 440514 h 3871165"/>
-              <a:gd name="connsiteX3" fmla="*/ 1056905 w 7078949"/>
-              <a:gd name="connsiteY3" fmla="*/ 380444 h 3871165"/>
-              <a:gd name="connsiteX4" fmla="*/ 1056905 w 7078949"/>
-              <a:gd name="connsiteY4" fmla="*/ 293676 h 3871165"/>
-              <a:gd name="connsiteX5" fmla="*/ 1116975 w 7078949"/>
-              <a:gd name="connsiteY5" fmla="*/ 293676 h 3871165"/>
-              <a:gd name="connsiteX6" fmla="*/ 1183719 w 7078949"/>
-              <a:gd name="connsiteY6" fmla="*/ 233606 h 3871165"/>
-              <a:gd name="connsiteX7" fmla="*/ 1290510 w 7078949"/>
-              <a:gd name="connsiteY7" fmla="*/ 226932 h 3871165"/>
-              <a:gd name="connsiteX8" fmla="*/ 1310534 w 7078949"/>
-              <a:gd name="connsiteY8" fmla="*/ 166861 h 3871165"/>
-              <a:gd name="connsiteX9" fmla="*/ 1310534 w 7078949"/>
-              <a:gd name="connsiteY9" fmla="*/ 166861 h 3871165"/>
-              <a:gd name="connsiteX10" fmla="*/ 1390627 w 7078949"/>
-              <a:gd name="connsiteY10" fmla="*/ 206908 h 3871165"/>
-              <a:gd name="connsiteX11" fmla="*/ 1677629 w 7078949"/>
-              <a:gd name="connsiteY11" fmla="*/ 40047 h 3871165"/>
-              <a:gd name="connsiteX12" fmla="*/ 1844490 w 7078949"/>
-              <a:gd name="connsiteY12" fmla="*/ 40047 h 3871165"/>
-              <a:gd name="connsiteX13" fmla="*/ 1951281 w 7078949"/>
-              <a:gd name="connsiteY13" fmla="*/ 126815 h 3871165"/>
-              <a:gd name="connsiteX14" fmla="*/ 2064747 w 7078949"/>
-              <a:gd name="connsiteY14" fmla="*/ 86768 h 3871165"/>
-              <a:gd name="connsiteX15" fmla="*/ 2084770 w 7078949"/>
-              <a:gd name="connsiteY15" fmla="*/ 0 h 3871165"/>
-              <a:gd name="connsiteX16" fmla="*/ 2198236 w 7078949"/>
-              <a:gd name="connsiteY16" fmla="*/ 0 h 3871165"/>
-              <a:gd name="connsiteX17" fmla="*/ 2271655 w 7078949"/>
-              <a:gd name="connsiteY17" fmla="*/ 60070 h 3871165"/>
-              <a:gd name="connsiteX18" fmla="*/ 2345074 w 7078949"/>
-              <a:gd name="connsiteY18" fmla="*/ 26698 h 3871165"/>
-              <a:gd name="connsiteX19" fmla="*/ 2612052 w 7078949"/>
-              <a:gd name="connsiteY19" fmla="*/ 80094 h 3871165"/>
-              <a:gd name="connsiteX20" fmla="*/ 2705494 w 7078949"/>
-              <a:gd name="connsiteY20" fmla="*/ 93442 h 3871165"/>
-              <a:gd name="connsiteX21" fmla="*/ 2792262 w 7078949"/>
-              <a:gd name="connsiteY21" fmla="*/ 60070 h 3871165"/>
-              <a:gd name="connsiteX22" fmla="*/ 2872356 w 7078949"/>
-              <a:gd name="connsiteY22" fmla="*/ 33372 h 3871165"/>
-              <a:gd name="connsiteX23" fmla="*/ 3059240 w 7078949"/>
-              <a:gd name="connsiteY23" fmla="*/ 100117 h 3871165"/>
-              <a:gd name="connsiteX24" fmla="*/ 3179380 w 7078949"/>
-              <a:gd name="connsiteY24" fmla="*/ 46721 h 3871165"/>
-              <a:gd name="connsiteX25" fmla="*/ 3433010 w 7078949"/>
-              <a:gd name="connsiteY25" fmla="*/ 66745 h 3871165"/>
-              <a:gd name="connsiteX26" fmla="*/ 3506429 w 7078949"/>
-              <a:gd name="connsiteY26" fmla="*/ 73419 h 3871165"/>
-              <a:gd name="connsiteX27" fmla="*/ 3619894 w 7078949"/>
-              <a:gd name="connsiteY27" fmla="*/ 146838 h 3871165"/>
-              <a:gd name="connsiteX28" fmla="*/ 3633243 w 7078949"/>
-              <a:gd name="connsiteY28" fmla="*/ 213583 h 3871165"/>
-              <a:gd name="connsiteX29" fmla="*/ 4080432 w 7078949"/>
-              <a:gd name="connsiteY29" fmla="*/ 253629 h 3871165"/>
-              <a:gd name="connsiteX30" fmla="*/ 4427503 w 7078949"/>
-              <a:gd name="connsiteY30" fmla="*/ 260304 h 3871165"/>
-              <a:gd name="connsiteX31" fmla="*/ 4514271 w 7078949"/>
-              <a:gd name="connsiteY31" fmla="*/ 327048 h 3871165"/>
-              <a:gd name="connsiteX32" fmla="*/ 5134995 w 7078949"/>
-              <a:gd name="connsiteY32" fmla="*/ 327048 h 3871165"/>
-              <a:gd name="connsiteX33" fmla="*/ 5608881 w 7078949"/>
-              <a:gd name="connsiteY33" fmla="*/ 413816 h 3871165"/>
-              <a:gd name="connsiteX34" fmla="*/ 5755719 w 7078949"/>
-              <a:gd name="connsiteY34" fmla="*/ 447188 h 3871165"/>
-              <a:gd name="connsiteX35" fmla="*/ 5922580 w 7078949"/>
-              <a:gd name="connsiteY35" fmla="*/ 100117 h 3871165"/>
-              <a:gd name="connsiteX36" fmla="*/ 6130571 w 7078949"/>
-              <a:gd name="connsiteY36" fmla="*/ 102763 h 3871165"/>
-              <a:gd name="connsiteX37" fmla="*/ 6155284 w 7078949"/>
-              <a:gd name="connsiteY37" fmla="*/ 36860 h 3871165"/>
-              <a:gd name="connsiteX38" fmla="*/ 6287090 w 7078949"/>
-              <a:gd name="connsiteY38" fmla="*/ 36860 h 3871165"/>
-              <a:gd name="connsiteX39" fmla="*/ 6344755 w 7078949"/>
-              <a:gd name="connsiteY39" fmla="*/ 119238 h 3871165"/>
-              <a:gd name="connsiteX40" fmla="*/ 6394182 w 7078949"/>
-              <a:gd name="connsiteY40" fmla="*/ 152190 h 3871165"/>
-              <a:gd name="connsiteX41" fmla="*/ 6443609 w 7078949"/>
-              <a:gd name="connsiteY41" fmla="*/ 3909 h 3871165"/>
-              <a:gd name="connsiteX42" fmla="*/ 6575414 w 7078949"/>
-              <a:gd name="connsiteY42" fmla="*/ 3909 h 3871165"/>
-              <a:gd name="connsiteX43" fmla="*/ 6674268 w 7078949"/>
-              <a:gd name="connsiteY43" fmla="*/ 168665 h 3871165"/>
-              <a:gd name="connsiteX44" fmla="*/ 6715457 w 7078949"/>
-              <a:gd name="connsiteY44" fmla="*/ 283995 h 3871165"/>
-              <a:gd name="connsiteX45" fmla="*/ 6857217 w 7078949"/>
-              <a:gd name="connsiteY45" fmla="*/ 312484 h 3871165"/>
-              <a:gd name="connsiteX46" fmla="*/ 7078949 w 7078949"/>
-              <a:gd name="connsiteY46" fmla="*/ 3871165 h 3871165"/>
-              <a:gd name="connsiteX47" fmla="*/ 2297 w 7078949"/>
-              <a:gd name="connsiteY47" fmla="*/ 3637630 h 3871165"/>
-              <a:gd name="connsiteX48" fmla="*/ 0 w 7078949"/>
-              <a:gd name="connsiteY48" fmla="*/ 370270 h 3871165"/>
-              <a:gd name="connsiteX0" fmla="*/ 0 w 6859874"/>
-              <a:gd name="connsiteY0" fmla="*/ 370270 h 3639390"/>
-              <a:gd name="connsiteX1" fmla="*/ 129156 w 6859874"/>
-              <a:gd name="connsiteY1" fmla="*/ 367095 h 3639390"/>
-              <a:gd name="connsiteX2" fmla="*/ 282668 w 6859874"/>
-              <a:gd name="connsiteY2" fmla="*/ 440514 h 3639390"/>
-              <a:gd name="connsiteX3" fmla="*/ 1056905 w 6859874"/>
-              <a:gd name="connsiteY3" fmla="*/ 380444 h 3639390"/>
-              <a:gd name="connsiteX4" fmla="*/ 1056905 w 6859874"/>
-              <a:gd name="connsiteY4" fmla="*/ 293676 h 3639390"/>
-              <a:gd name="connsiteX5" fmla="*/ 1116975 w 6859874"/>
-              <a:gd name="connsiteY5" fmla="*/ 293676 h 3639390"/>
-              <a:gd name="connsiteX6" fmla="*/ 1183719 w 6859874"/>
-              <a:gd name="connsiteY6" fmla="*/ 233606 h 3639390"/>
-              <a:gd name="connsiteX7" fmla="*/ 1290510 w 6859874"/>
-              <a:gd name="connsiteY7" fmla="*/ 226932 h 3639390"/>
-              <a:gd name="connsiteX8" fmla="*/ 1310534 w 6859874"/>
-              <a:gd name="connsiteY8" fmla="*/ 166861 h 3639390"/>
-              <a:gd name="connsiteX9" fmla="*/ 1310534 w 6859874"/>
-              <a:gd name="connsiteY9" fmla="*/ 166861 h 3639390"/>
-              <a:gd name="connsiteX10" fmla="*/ 1390627 w 6859874"/>
-              <a:gd name="connsiteY10" fmla="*/ 206908 h 3639390"/>
-              <a:gd name="connsiteX11" fmla="*/ 1677629 w 6859874"/>
-              <a:gd name="connsiteY11" fmla="*/ 40047 h 3639390"/>
-              <a:gd name="connsiteX12" fmla="*/ 1844490 w 6859874"/>
-              <a:gd name="connsiteY12" fmla="*/ 40047 h 3639390"/>
-              <a:gd name="connsiteX13" fmla="*/ 1951281 w 6859874"/>
-              <a:gd name="connsiteY13" fmla="*/ 126815 h 3639390"/>
-              <a:gd name="connsiteX14" fmla="*/ 2064747 w 6859874"/>
-              <a:gd name="connsiteY14" fmla="*/ 86768 h 3639390"/>
-              <a:gd name="connsiteX15" fmla="*/ 2084770 w 6859874"/>
-              <a:gd name="connsiteY15" fmla="*/ 0 h 3639390"/>
-              <a:gd name="connsiteX16" fmla="*/ 2198236 w 6859874"/>
-              <a:gd name="connsiteY16" fmla="*/ 0 h 3639390"/>
-              <a:gd name="connsiteX17" fmla="*/ 2271655 w 6859874"/>
-              <a:gd name="connsiteY17" fmla="*/ 60070 h 3639390"/>
-              <a:gd name="connsiteX18" fmla="*/ 2345074 w 6859874"/>
-              <a:gd name="connsiteY18" fmla="*/ 26698 h 3639390"/>
-              <a:gd name="connsiteX19" fmla="*/ 2612052 w 6859874"/>
-              <a:gd name="connsiteY19" fmla="*/ 80094 h 3639390"/>
-              <a:gd name="connsiteX20" fmla="*/ 2705494 w 6859874"/>
-              <a:gd name="connsiteY20" fmla="*/ 93442 h 3639390"/>
-              <a:gd name="connsiteX21" fmla="*/ 2792262 w 6859874"/>
-              <a:gd name="connsiteY21" fmla="*/ 60070 h 3639390"/>
-              <a:gd name="connsiteX22" fmla="*/ 2872356 w 6859874"/>
-              <a:gd name="connsiteY22" fmla="*/ 33372 h 3639390"/>
-              <a:gd name="connsiteX23" fmla="*/ 3059240 w 6859874"/>
-              <a:gd name="connsiteY23" fmla="*/ 100117 h 3639390"/>
-              <a:gd name="connsiteX24" fmla="*/ 3179380 w 6859874"/>
-              <a:gd name="connsiteY24" fmla="*/ 46721 h 3639390"/>
-              <a:gd name="connsiteX25" fmla="*/ 3433010 w 6859874"/>
-              <a:gd name="connsiteY25" fmla="*/ 66745 h 3639390"/>
-              <a:gd name="connsiteX26" fmla="*/ 3506429 w 6859874"/>
-              <a:gd name="connsiteY26" fmla="*/ 73419 h 3639390"/>
-              <a:gd name="connsiteX27" fmla="*/ 3619894 w 6859874"/>
-              <a:gd name="connsiteY27" fmla="*/ 146838 h 3639390"/>
-              <a:gd name="connsiteX28" fmla="*/ 3633243 w 6859874"/>
-              <a:gd name="connsiteY28" fmla="*/ 213583 h 3639390"/>
-              <a:gd name="connsiteX29" fmla="*/ 4080432 w 6859874"/>
-              <a:gd name="connsiteY29" fmla="*/ 253629 h 3639390"/>
-              <a:gd name="connsiteX30" fmla="*/ 4427503 w 6859874"/>
-              <a:gd name="connsiteY30" fmla="*/ 260304 h 3639390"/>
-              <a:gd name="connsiteX31" fmla="*/ 4514271 w 6859874"/>
-              <a:gd name="connsiteY31" fmla="*/ 327048 h 3639390"/>
-              <a:gd name="connsiteX32" fmla="*/ 5134995 w 6859874"/>
-              <a:gd name="connsiteY32" fmla="*/ 327048 h 3639390"/>
-              <a:gd name="connsiteX33" fmla="*/ 5608881 w 6859874"/>
-              <a:gd name="connsiteY33" fmla="*/ 413816 h 3639390"/>
-              <a:gd name="connsiteX34" fmla="*/ 5755719 w 6859874"/>
-              <a:gd name="connsiteY34" fmla="*/ 447188 h 3639390"/>
-              <a:gd name="connsiteX35" fmla="*/ 5922580 w 6859874"/>
-              <a:gd name="connsiteY35" fmla="*/ 100117 h 3639390"/>
-              <a:gd name="connsiteX36" fmla="*/ 6130571 w 6859874"/>
-              <a:gd name="connsiteY36" fmla="*/ 102763 h 3639390"/>
-              <a:gd name="connsiteX37" fmla="*/ 6155284 w 6859874"/>
-              <a:gd name="connsiteY37" fmla="*/ 36860 h 3639390"/>
-              <a:gd name="connsiteX38" fmla="*/ 6287090 w 6859874"/>
-              <a:gd name="connsiteY38" fmla="*/ 36860 h 3639390"/>
-              <a:gd name="connsiteX39" fmla="*/ 6344755 w 6859874"/>
-              <a:gd name="connsiteY39" fmla="*/ 119238 h 3639390"/>
-              <a:gd name="connsiteX40" fmla="*/ 6394182 w 6859874"/>
-              <a:gd name="connsiteY40" fmla="*/ 152190 h 3639390"/>
-              <a:gd name="connsiteX41" fmla="*/ 6443609 w 6859874"/>
-              <a:gd name="connsiteY41" fmla="*/ 3909 h 3639390"/>
-              <a:gd name="connsiteX42" fmla="*/ 6575414 w 6859874"/>
-              <a:gd name="connsiteY42" fmla="*/ 3909 h 3639390"/>
-              <a:gd name="connsiteX43" fmla="*/ 6674268 w 6859874"/>
-              <a:gd name="connsiteY43" fmla="*/ 168665 h 3639390"/>
-              <a:gd name="connsiteX44" fmla="*/ 6715457 w 6859874"/>
-              <a:gd name="connsiteY44" fmla="*/ 283995 h 3639390"/>
-              <a:gd name="connsiteX45" fmla="*/ 6857217 w 6859874"/>
-              <a:gd name="connsiteY45" fmla="*/ 312484 h 3639390"/>
-              <a:gd name="connsiteX46" fmla="*/ 6859874 w 6859874"/>
-              <a:gd name="connsiteY46" fmla="*/ 3639390 h 3639390"/>
-              <a:gd name="connsiteX47" fmla="*/ 2297 w 6859874"/>
-              <a:gd name="connsiteY47" fmla="*/ 3637630 h 3639390"/>
-              <a:gd name="connsiteX48" fmla="*/ 0 w 6859874"/>
-              <a:gd name="connsiteY48" fmla="*/ 370270 h 3639390"/>
-            </a:gdLst>
-            <a:ahLst/>
-            <a:cxnLst>
-              <a:cxn ang="0">
-                <a:pos x="connsiteX0" y="connsiteY0"/>
-              </a:cxn>
-              <a:cxn ang="0">
-                <a:pos x="connsiteX1" y="connsiteY1"/>
-              </a:cxn>
-              <a:cxn ang="0">
-                <a:pos x="connsiteX2" y="connsiteY2"/>
-              </a:cxn>
-              <a:cxn ang="0">
-                <a:pos x="connsiteX3" y="connsiteY3"/>
-              </a:cxn>
-              <a:cxn ang="0">
-                <a:pos x="connsiteX4" y="connsiteY4"/>
-              </a:cxn>
-              <a:cxn ang="0">
-                <a:pos x="connsiteX5" y="connsiteY5"/>
-              </a:cxn>
-              <a:cxn ang="0">
-                <a:pos x="connsiteX6" y="connsiteY6"/>
-              </a:cxn>
-              <a:cxn ang="0">
-                <a:pos x="connsiteX7" y="connsiteY7"/>
-              </a:cxn>
-              <a:cxn ang="0">
-                <a:pos x="connsiteX8" y="connsiteY8"/>
-              </a:cxn>
-              <a:cxn ang="0">
-                <a:pos x="connsiteX9" y="connsiteY9"/>
-              </a:cxn>
-              <a:cxn ang="0">
-                <a:pos x="connsiteX10" y="connsiteY10"/>
-              </a:cxn>
-              <a:cxn ang="0">
-                <a:pos x="connsiteX11" y="connsiteY11"/>
-              </a:cxn>
-              <a:cxn ang="0">
-                <a:pos x="connsiteX12" y="connsiteY12"/>
-              </a:cxn>
-              <a:cxn ang="0">
-                <a:pos x="connsiteX13" y="connsiteY13"/>
-              </a:cxn>
-              <a:cxn ang="0">
-                <a:pos x="connsiteX14" y="connsiteY14"/>
-              </a:cxn>
-              <a:cxn ang="0">
-                <a:pos x="connsiteX15" y="connsiteY15"/>
-              </a:cxn>
-              <a:cxn ang="0">
-                <a:pos x="connsiteX16" y="connsiteY16"/>
-              </a:cxn>
-              <a:cxn ang="0">
-                <a:pos x="connsiteX17" y="connsiteY17"/>
-              </a:cxn>
-              <a:cxn ang="0">
-                <a:pos x="connsiteX18" y="connsiteY18"/>
-              </a:cxn>
-              <a:cxn ang="0">
-                <a:pos x="connsiteX19" y="connsiteY19"/>
-              </a:cxn>
-              <a:cxn ang="0">
-                <a:pos x="connsiteX20" y="connsiteY20"/>
-              </a:cxn>
-              <a:cxn ang="0">
-                <a:pos x="connsiteX21" y="connsiteY21"/>
-              </a:cxn>
-              <a:cxn ang="0">
-                <a:pos x="connsiteX22" y="connsiteY22"/>
-              </a:cxn>
-              <a:cxn ang="0">
-                <a:pos x="connsiteX23" y="connsiteY23"/>
-              </a:cxn>
-              <a:cxn ang="0">
-                <a:pos x="connsiteX24" y="connsiteY24"/>
-              </a:cxn>
-              <a:cxn ang="0">
-                <a:pos x="connsiteX25" y="connsiteY25"/>
-              </a:cxn>
-              <a:cxn ang="0">
-                <a:pos x="connsiteX26" y="connsiteY26"/>
-              </a:cxn>
-              <a:cxn ang="0">
-                <a:pos x="connsiteX27" y="connsiteY27"/>
-              </a:cxn>
-              <a:cxn ang="0">
-                <a:pos x="connsiteX28" y="connsiteY28"/>
-              </a:cxn>
-              <a:cxn ang="0">
-                <a:pos x="connsiteX29" y="connsiteY29"/>
-              </a:cxn>
-              <a:cxn ang="0">
-                <a:pos x="connsiteX30" y="connsiteY30"/>
-              </a:cxn>
-              <a:cxn ang="0">
-                <a:pos x="connsiteX31" y="connsiteY31"/>
-              </a:cxn>
-              <a:cxn ang="0">
-                <a:pos x="connsiteX32" y="connsiteY32"/>
-              </a:cxn>
-              <a:cxn ang="0">
-                <a:pos x="connsiteX33" y="connsiteY33"/>
-              </a:cxn>
-              <a:cxn ang="0">
-                <a:pos x="connsiteX34" y="connsiteY34"/>
-              </a:cxn>
-              <a:cxn ang="0">
-                <a:pos x="connsiteX35" y="connsiteY35"/>
-              </a:cxn>
-              <a:cxn ang="0">
-                <a:pos x="connsiteX36" y="connsiteY36"/>
-              </a:cxn>
-              <a:cxn ang="0">
-                <a:pos x="connsiteX37" y="connsiteY37"/>
-              </a:cxn>
-              <a:cxn ang="0">
-                <a:pos x="connsiteX38" y="connsiteY38"/>
-              </a:cxn>
-              <a:cxn ang="0">
-                <a:pos x="connsiteX39" y="connsiteY39"/>
-              </a:cxn>
-              <a:cxn ang="0">
-                <a:pos x="connsiteX40" y="connsiteY40"/>
-              </a:cxn>
-              <a:cxn ang="0">
-                <a:pos x="connsiteX41" y="connsiteY41"/>
-              </a:cxn>
-              <a:cxn ang="0">
-                <a:pos x="connsiteX42" y="connsiteY42"/>
-              </a:cxn>
-              <a:cxn ang="0">
-                <a:pos x="connsiteX43" y="connsiteY43"/>
-              </a:cxn>
-              <a:cxn ang="0">
-                <a:pos x="connsiteX44" y="connsiteY44"/>
-              </a:cxn>
-              <a:cxn ang="0">
-                <a:pos x="connsiteX45" y="connsiteY45"/>
-              </a:cxn>
-              <a:cxn ang="0">
-                <a:pos x="connsiteX46" y="connsiteY46"/>
-              </a:cxn>
-              <a:cxn ang="0">
-                <a:pos x="connsiteX47" y="connsiteY47"/>
-              </a:cxn>
-              <a:cxn ang="0">
-                <a:pos x="connsiteX48" y="connsiteY48"/>
-              </a:cxn>
-            </a:cxnLst>
-            <a:rect l="l" t="t" r="r" b="b"/>
-            <a:pathLst>
-              <a:path w="6859874" h="3639390">
-                <a:moveTo>
-                  <a:pt x="0" y="370270"/>
-                </a:moveTo>
-                <a:lnTo>
-                  <a:pt x="129156" y="367095"/>
-                </a:lnTo>
-                <a:lnTo>
-                  <a:pt x="282668" y="440514"/>
-                </a:lnTo>
-                <a:lnTo>
-                  <a:pt x="1056905" y="380444"/>
-                </a:lnTo>
-                <a:lnTo>
-                  <a:pt x="1056905" y="293676"/>
-                </a:lnTo>
-                <a:lnTo>
-                  <a:pt x="1116975" y="293676"/>
-                </a:lnTo>
-                <a:lnTo>
-                  <a:pt x="1183719" y="233606"/>
-                </a:lnTo>
-                <a:lnTo>
-                  <a:pt x="1290510" y="226932"/>
-                </a:lnTo>
-                <a:lnTo>
-                  <a:pt x="1310534" y="166861"/>
-                </a:lnTo>
-                <a:lnTo>
-                  <a:pt x="1310534" y="166861"/>
-                </a:lnTo>
-                <a:lnTo>
-                  <a:pt x="1390627" y="206908"/>
-                </a:lnTo>
-                <a:lnTo>
-                  <a:pt x="1677629" y="40047"/>
-                </a:lnTo>
-                <a:lnTo>
-                  <a:pt x="1844490" y="40047"/>
-                </a:lnTo>
-                <a:lnTo>
-                  <a:pt x="1951281" y="126815"/>
-                </a:lnTo>
-                <a:lnTo>
-                  <a:pt x="2064747" y="86768"/>
-                </a:lnTo>
-                <a:lnTo>
-                  <a:pt x="2084770" y="0"/>
-                </a:lnTo>
-                <a:lnTo>
-                  <a:pt x="2198236" y="0"/>
-                </a:lnTo>
-                <a:lnTo>
-                  <a:pt x="2271655" y="60070"/>
-                </a:lnTo>
-                <a:lnTo>
-                  <a:pt x="2345074" y="26698"/>
-                </a:lnTo>
-                <a:lnTo>
-                  <a:pt x="2612052" y="80094"/>
-                </a:lnTo>
-                <a:lnTo>
-                  <a:pt x="2705494" y="93442"/>
-                </a:lnTo>
-                <a:lnTo>
-                  <a:pt x="2792262" y="60070"/>
-                </a:lnTo>
-                <a:lnTo>
-                  <a:pt x="2872356" y="33372"/>
-                </a:lnTo>
-                <a:lnTo>
-                  <a:pt x="3059240" y="100117"/>
-                </a:lnTo>
-                <a:lnTo>
-                  <a:pt x="3179380" y="46721"/>
-                </a:lnTo>
-                <a:lnTo>
-                  <a:pt x="3433010" y="66745"/>
-                </a:lnTo>
-                <a:lnTo>
-                  <a:pt x="3506429" y="73419"/>
-                </a:lnTo>
-                <a:lnTo>
-                  <a:pt x="3619894" y="146838"/>
-                </a:lnTo>
-                <a:lnTo>
-                  <a:pt x="3633243" y="213583"/>
-                </a:lnTo>
-                <a:lnTo>
-                  <a:pt x="4080432" y="253629"/>
-                </a:lnTo>
-                <a:lnTo>
-                  <a:pt x="4427503" y="260304"/>
-                </a:lnTo>
-                <a:lnTo>
-                  <a:pt x="4514271" y="327048"/>
-                </a:lnTo>
-                <a:lnTo>
-                  <a:pt x="5134995" y="327048"/>
-                </a:lnTo>
-                <a:lnTo>
-                  <a:pt x="5608881" y="413816"/>
-                </a:lnTo>
-                <a:lnTo>
-                  <a:pt x="5755719" y="447188"/>
-                </a:lnTo>
-                <a:lnTo>
-                  <a:pt x="5922580" y="100117"/>
-                </a:lnTo>
-                <a:lnTo>
-                  <a:pt x="6130571" y="102763"/>
-                </a:lnTo>
-                <a:lnTo>
-                  <a:pt x="6155284" y="36860"/>
-                </a:lnTo>
-                <a:lnTo>
-                  <a:pt x="6287090" y="36860"/>
-                </a:lnTo>
-                <a:lnTo>
-                  <a:pt x="6344755" y="119238"/>
-                </a:lnTo>
-                <a:lnTo>
-                  <a:pt x="6394182" y="152190"/>
-                </a:lnTo>
-                <a:lnTo>
-                  <a:pt x="6443609" y="3909"/>
-                </a:lnTo>
-                <a:lnTo>
-                  <a:pt x="6575414" y="3909"/>
-                </a:lnTo>
-                <a:lnTo>
-                  <a:pt x="6674268" y="168665"/>
-                </a:lnTo>
-                <a:lnTo>
-                  <a:pt x="6715457" y="283995"/>
-                </a:lnTo>
-                <a:lnTo>
-                  <a:pt x="6857217" y="312484"/>
-                </a:lnTo>
-                <a:cubicBezTo>
-                  <a:pt x="6858103" y="1421453"/>
-                  <a:pt x="6858988" y="2530421"/>
-                  <a:pt x="6859874" y="3639390"/>
-                </a:cubicBezTo>
-                <a:lnTo>
-                  <a:pt x="2297" y="3637630"/>
-                </a:lnTo>
-                <a:cubicBezTo>
-                  <a:pt x="1531" y="2548510"/>
-                  <a:pt x="766" y="1459390"/>
-                  <a:pt x="0" y="370270"/>
-                </a:cubicBezTo>
-                <a:close/>
-              </a:path>
-            </a:pathLst>
-          </a:custGeom>
-          <a:solidFill>
-            <a:schemeClr val="accent5">
-              <a:lumMod val="60000"/>
-              <a:lumOff val="40000"/>
-              <a:alpha val="80000"/>
-            </a:schemeClr>
-          </a:solidFill>
-          <a:ln>
+            <a:off x="792612" y="283719"/>
+            <a:ext cx="3327460" cy="4320000"/>
+            <a:chOff x="1422000" y="2098675"/>
+            <a:chExt cx="3130278" cy="4064001"/>
+          </a:xfrm>
+        </p:grpSpPr>
+        <p:sp>
+          <p:nvSpPr>
+            <p:cNvPr id="11" name="矩形 18">
+              <a:extLst>
+                <a:ext uri="{FF2B5EF4-FFF2-40B4-BE49-F238E27FC236}">
+                  <a16:creationId xmlns:a16="http://schemas.microsoft.com/office/drawing/2014/main" id="{FA771956-DB19-A64C-ACB8-A63EA8764B39}"/>
+                </a:ext>
+              </a:extLst>
+            </p:cNvPr>
+            <p:cNvSpPr/>
+            <p:nvPr/>
+          </p:nvSpPr>
+          <p:spPr>
+            <a:xfrm>
+              <a:off x="1440000" y="2232000"/>
+              <a:ext cx="396000" cy="432048"/>
+            </a:xfrm>
+            <a:prstGeom prst="rect">
+              <a:avLst/>
+            </a:prstGeom>
+            <a:solidFill>
+              <a:srgbClr val="FF0000">
+                <a:alpha val="50196"/>
+              </a:srgbClr>
+            </a:solidFill>
+            <a:ln>
+              <a:noFill/>
+            </a:ln>
+          </p:spPr>
+          <p:style>
+            <a:lnRef idx="2">
+              <a:schemeClr val="accent1">
+                <a:shade val="50000"/>
+              </a:schemeClr>
+            </a:lnRef>
+            <a:fillRef idx="1">
+              <a:schemeClr val="accent1"/>
+            </a:fillRef>
+            <a:effectRef idx="0">
+              <a:schemeClr val="accent1"/>
+            </a:effectRef>
+            <a:fontRef idx="minor">
+              <a:schemeClr val="lt1"/>
+            </a:fontRef>
+          </p:style>
+          <p:txBody>
+            <a:bodyPr rtlCol="0" anchor="ctr"/>
+            <a:lstStyle/>
+            <a:p>
+              <a:pPr algn="ctr"/>
+              <a:endParaRPr kumimoji="1" lang="zh-CN" altLang="en-US"/>
+            </a:p>
+          </p:txBody>
+        </p:sp>
+        <p:sp>
+          <p:nvSpPr>
+            <p:cNvPr id="12" name="矩形 19">
+              <a:extLst>
+                <a:ext uri="{FF2B5EF4-FFF2-40B4-BE49-F238E27FC236}">
+                  <a16:creationId xmlns:a16="http://schemas.microsoft.com/office/drawing/2014/main" id="{1CFAF7D4-0A53-C147-B6E7-285234ADD0AB}"/>
+                </a:ext>
+              </a:extLst>
+            </p:cNvPr>
+            <p:cNvSpPr/>
+            <p:nvPr/>
+          </p:nvSpPr>
+          <p:spPr>
+            <a:xfrm>
+              <a:off x="1422000" y="2782800"/>
+              <a:ext cx="450000" cy="432048"/>
+            </a:xfrm>
+            <a:prstGeom prst="rect">
+              <a:avLst/>
+            </a:prstGeom>
+            <a:solidFill>
+              <a:srgbClr val="FF0000">
+                <a:alpha val="50196"/>
+              </a:srgbClr>
+            </a:solidFill>
+            <a:ln>
+              <a:noFill/>
+            </a:ln>
+          </p:spPr>
+          <p:style>
+            <a:lnRef idx="2">
+              <a:schemeClr val="accent1">
+                <a:shade val="50000"/>
+              </a:schemeClr>
+            </a:lnRef>
+            <a:fillRef idx="1">
+              <a:schemeClr val="accent1"/>
+            </a:fillRef>
+            <a:effectRef idx="0">
+              <a:schemeClr val="accent1"/>
+            </a:effectRef>
+            <a:fontRef idx="minor">
+              <a:schemeClr val="lt1"/>
+            </a:fontRef>
+          </p:style>
+          <p:txBody>
+            <a:bodyPr rtlCol="0" anchor="ctr"/>
+            <a:lstStyle/>
+            <a:p>
+              <a:pPr algn="ctr"/>
+              <a:endParaRPr kumimoji="1" lang="zh-CN" altLang="en-US"/>
+            </a:p>
+          </p:txBody>
+        </p:sp>
+        <p:sp>
+          <p:nvSpPr>
+            <p:cNvPr id="13" name="矩形 20">
+              <a:extLst>
+                <a:ext uri="{FF2B5EF4-FFF2-40B4-BE49-F238E27FC236}">
+                  <a16:creationId xmlns:a16="http://schemas.microsoft.com/office/drawing/2014/main" id="{11183C35-A3BB-7C48-AD0A-0F1C74167818}"/>
+                </a:ext>
+              </a:extLst>
+            </p:cNvPr>
+            <p:cNvSpPr/>
+            <p:nvPr/>
+          </p:nvSpPr>
+          <p:spPr>
+            <a:xfrm>
+              <a:off x="1486801" y="3489889"/>
+              <a:ext cx="413999" cy="417600"/>
+            </a:xfrm>
+            <a:prstGeom prst="rect">
+              <a:avLst/>
+            </a:prstGeom>
+            <a:solidFill>
+              <a:srgbClr val="FF0000">
+                <a:alpha val="50196"/>
+              </a:srgbClr>
+            </a:solidFill>
+            <a:ln>
+              <a:noFill/>
+            </a:ln>
+          </p:spPr>
+          <p:style>
+            <a:lnRef idx="2">
+              <a:schemeClr val="accent1">
+                <a:shade val="50000"/>
+              </a:schemeClr>
+            </a:lnRef>
+            <a:fillRef idx="1">
+              <a:schemeClr val="accent1"/>
+            </a:fillRef>
+            <a:effectRef idx="0">
+              <a:schemeClr val="accent1"/>
+            </a:effectRef>
+            <a:fontRef idx="minor">
+              <a:schemeClr val="lt1"/>
+            </a:fontRef>
+          </p:style>
+          <p:txBody>
+            <a:bodyPr rtlCol="0" anchor="ctr"/>
+            <a:lstStyle/>
+            <a:p>
+              <a:pPr algn="ctr"/>
+              <a:endParaRPr kumimoji="1" lang="zh-CN" altLang="en-US"/>
+            </a:p>
+          </p:txBody>
+        </p:sp>
+        <p:sp>
+          <p:nvSpPr>
+            <p:cNvPr id="14" name="L 形 21">
+              <a:extLst>
+                <a:ext uri="{FF2B5EF4-FFF2-40B4-BE49-F238E27FC236}">
+                  <a16:creationId xmlns:a16="http://schemas.microsoft.com/office/drawing/2014/main" id="{D87F71B9-0467-5C43-9677-A4BB625743F0}"/>
+                </a:ext>
+              </a:extLst>
+            </p:cNvPr>
+            <p:cNvSpPr/>
+            <p:nvPr/>
+          </p:nvSpPr>
+          <p:spPr>
+            <a:xfrm rot="5400000">
+              <a:off x="1458207" y="3981807"/>
+              <a:ext cx="424800" cy="402786"/>
+            </a:xfrm>
+            <a:prstGeom prst="corner">
+              <a:avLst>
+                <a:gd name="adj1" fmla="val 77326"/>
+                <a:gd name="adj2" fmla="val 86413"/>
+              </a:avLst>
+            </a:prstGeom>
+            <a:solidFill>
+              <a:srgbClr val="FF0000">
+                <a:alpha val="50196"/>
+              </a:srgbClr>
+            </a:solidFill>
+            <a:ln>
+              <a:noFill/>
+            </a:ln>
+          </p:spPr>
+          <p:style>
+            <a:lnRef idx="2">
+              <a:schemeClr val="accent1">
+                <a:shade val="50000"/>
+              </a:schemeClr>
+            </a:lnRef>
+            <a:fillRef idx="1">
+              <a:schemeClr val="accent1"/>
+            </a:fillRef>
+            <a:effectRef idx="0">
+              <a:schemeClr val="accent1"/>
+            </a:effectRef>
+            <a:fontRef idx="minor">
+              <a:schemeClr val="lt1"/>
+            </a:fontRef>
+          </p:style>
+          <p:txBody>
+            <a:bodyPr rtlCol="0" anchor="ctr"/>
+            <a:lstStyle/>
+            <a:p>
+              <a:pPr algn="ctr"/>
+              <a:endParaRPr kumimoji="1" lang="zh-CN" altLang="en-US"/>
+            </a:p>
+          </p:txBody>
+        </p:sp>
+        <p:sp>
+          <p:nvSpPr>
+            <p:cNvPr id="15" name="矩形 22">
+              <a:extLst>
+                <a:ext uri="{FF2B5EF4-FFF2-40B4-BE49-F238E27FC236}">
+                  <a16:creationId xmlns:a16="http://schemas.microsoft.com/office/drawing/2014/main" id="{88BBA9F0-0BCC-5941-903C-8BD48BD1AE93}"/>
+                </a:ext>
+              </a:extLst>
+            </p:cNvPr>
+            <p:cNvSpPr/>
+            <p:nvPr/>
+          </p:nvSpPr>
+          <p:spPr>
+            <a:xfrm>
+              <a:off x="1486800" y="4509120"/>
+              <a:ext cx="430355" cy="392441"/>
+            </a:xfrm>
+            <a:prstGeom prst="rect">
+              <a:avLst/>
+            </a:prstGeom>
+            <a:solidFill>
+              <a:srgbClr val="FF0000">
+                <a:alpha val="50196"/>
+              </a:srgbClr>
+            </a:solidFill>
+            <a:ln>
+              <a:noFill/>
+            </a:ln>
+          </p:spPr>
+          <p:style>
+            <a:lnRef idx="2">
+              <a:schemeClr val="accent1">
+                <a:shade val="50000"/>
+              </a:schemeClr>
+            </a:lnRef>
+            <a:fillRef idx="1">
+              <a:schemeClr val="accent1"/>
+            </a:fillRef>
+            <a:effectRef idx="0">
+              <a:schemeClr val="accent1"/>
+            </a:effectRef>
+            <a:fontRef idx="minor">
+              <a:schemeClr val="lt1"/>
+            </a:fontRef>
+          </p:style>
+          <p:txBody>
+            <a:bodyPr rtlCol="0" anchor="ctr"/>
+            <a:lstStyle/>
+            <a:p>
+              <a:pPr algn="ctr"/>
+              <a:endParaRPr kumimoji="1" lang="zh-CN" altLang="en-US"/>
+            </a:p>
+          </p:txBody>
+        </p:sp>
+        <p:sp>
+          <p:nvSpPr>
+            <p:cNvPr id="16" name="矩形 23">
+              <a:extLst>
+                <a:ext uri="{FF2B5EF4-FFF2-40B4-BE49-F238E27FC236}">
+                  <a16:creationId xmlns:a16="http://schemas.microsoft.com/office/drawing/2014/main" id="{63329D59-D8A8-5140-93B0-987DE1593672}"/>
+                </a:ext>
+              </a:extLst>
+            </p:cNvPr>
+            <p:cNvSpPr/>
+            <p:nvPr/>
+          </p:nvSpPr>
+          <p:spPr>
+            <a:xfrm>
+              <a:off x="1494977" y="5091437"/>
+              <a:ext cx="413999" cy="411755"/>
+            </a:xfrm>
+            <a:prstGeom prst="rect">
+              <a:avLst/>
+            </a:prstGeom>
+            <a:solidFill>
+              <a:srgbClr val="FF0000">
+                <a:alpha val="50196"/>
+              </a:srgbClr>
+            </a:solidFill>
+            <a:ln>
+              <a:noFill/>
+            </a:ln>
+          </p:spPr>
+          <p:style>
+            <a:lnRef idx="2">
+              <a:schemeClr val="accent1">
+                <a:shade val="50000"/>
+              </a:schemeClr>
+            </a:lnRef>
+            <a:fillRef idx="1">
+              <a:schemeClr val="accent1"/>
+            </a:fillRef>
+            <a:effectRef idx="0">
+              <a:schemeClr val="accent1"/>
+            </a:effectRef>
+            <a:fontRef idx="minor">
+              <a:schemeClr val="lt1"/>
+            </a:fontRef>
+          </p:style>
+          <p:txBody>
+            <a:bodyPr rtlCol="0" anchor="ctr"/>
+            <a:lstStyle/>
+            <a:p>
+              <a:pPr algn="ctr"/>
+              <a:endParaRPr kumimoji="1" lang="zh-CN" altLang="en-US"/>
+            </a:p>
+          </p:txBody>
+        </p:sp>
+        <p:sp>
+          <p:nvSpPr>
+            <p:cNvPr id="17" name="矩形 24">
+              <a:extLst>
+                <a:ext uri="{FF2B5EF4-FFF2-40B4-BE49-F238E27FC236}">
+                  <a16:creationId xmlns:a16="http://schemas.microsoft.com/office/drawing/2014/main" id="{A4F1170A-7A4D-5643-82BB-040BFB4907AB}"/>
+                </a:ext>
+              </a:extLst>
+            </p:cNvPr>
+            <p:cNvSpPr/>
+            <p:nvPr/>
+          </p:nvSpPr>
+          <p:spPr>
+            <a:xfrm>
+              <a:off x="1508257" y="5814232"/>
+              <a:ext cx="392544" cy="348444"/>
+            </a:xfrm>
+            <a:prstGeom prst="rect">
+              <a:avLst/>
+            </a:prstGeom>
+            <a:solidFill>
+              <a:srgbClr val="FF0000">
+                <a:alpha val="50196"/>
+              </a:srgbClr>
+            </a:solidFill>
+            <a:ln>
+              <a:noFill/>
+            </a:ln>
+          </p:spPr>
+          <p:style>
+            <a:lnRef idx="2">
+              <a:schemeClr val="accent1">
+                <a:shade val="50000"/>
+              </a:schemeClr>
+            </a:lnRef>
+            <a:fillRef idx="1">
+              <a:schemeClr val="accent1"/>
+            </a:fillRef>
+            <a:effectRef idx="0">
+              <a:schemeClr val="accent1"/>
+            </a:effectRef>
+            <a:fontRef idx="minor">
+              <a:schemeClr val="lt1"/>
+            </a:fontRef>
+          </p:style>
+          <p:txBody>
+            <a:bodyPr rtlCol="0" anchor="ctr"/>
+            <a:lstStyle/>
+            <a:p>
+              <a:pPr algn="ctr"/>
+              <a:endParaRPr kumimoji="1" lang="zh-CN" altLang="en-US"/>
+            </a:p>
+          </p:txBody>
+        </p:sp>
+        <p:sp>
+          <p:nvSpPr>
+            <p:cNvPr id="18" name="L 形 25">
+              <a:extLst>
+                <a:ext uri="{FF2B5EF4-FFF2-40B4-BE49-F238E27FC236}">
+                  <a16:creationId xmlns:a16="http://schemas.microsoft.com/office/drawing/2014/main" id="{B3484CFD-21B5-2648-92CF-348873A154ED}"/>
+                </a:ext>
+              </a:extLst>
+            </p:cNvPr>
+            <p:cNvSpPr/>
+            <p:nvPr/>
+          </p:nvSpPr>
+          <p:spPr>
+            <a:xfrm>
+              <a:off x="2357349" y="2204864"/>
+              <a:ext cx="855949" cy="459184"/>
+            </a:xfrm>
+            <a:prstGeom prst="corner">
+              <a:avLst>
+                <a:gd name="adj1" fmla="val 71447"/>
+                <a:gd name="adj2" fmla="val 165379"/>
+              </a:avLst>
+            </a:prstGeom>
+            <a:solidFill>
+              <a:srgbClr val="FF0000">
+                <a:alpha val="50196"/>
+              </a:srgbClr>
+            </a:solidFill>
+            <a:ln>
+              <a:noFill/>
+            </a:ln>
+          </p:spPr>
+          <p:style>
+            <a:lnRef idx="2">
+              <a:schemeClr val="accent1">
+                <a:shade val="50000"/>
+              </a:schemeClr>
+            </a:lnRef>
+            <a:fillRef idx="1">
+              <a:schemeClr val="accent1"/>
+            </a:fillRef>
+            <a:effectRef idx="0">
+              <a:schemeClr val="accent1"/>
+            </a:effectRef>
+            <a:fontRef idx="minor">
+              <a:schemeClr val="lt1"/>
+            </a:fontRef>
+          </p:style>
+          <p:txBody>
+            <a:bodyPr rtlCol="0" anchor="ctr"/>
+            <a:lstStyle/>
+            <a:p>
+              <a:pPr algn="ctr"/>
+              <a:endParaRPr kumimoji="1" lang="zh-CN" altLang="en-US"/>
+            </a:p>
+          </p:txBody>
+        </p:sp>
+        <p:sp>
+          <p:nvSpPr>
+            <p:cNvPr id="19" name="矩形 26">
+              <a:extLst>
+                <a:ext uri="{FF2B5EF4-FFF2-40B4-BE49-F238E27FC236}">
+                  <a16:creationId xmlns:a16="http://schemas.microsoft.com/office/drawing/2014/main" id="{9107A753-7708-F740-9B53-1DEBC17F7B65}"/>
+                </a:ext>
+              </a:extLst>
+            </p:cNvPr>
+            <p:cNvSpPr/>
+            <p:nvPr/>
+          </p:nvSpPr>
+          <p:spPr>
+            <a:xfrm>
+              <a:off x="2493219" y="2808000"/>
+              <a:ext cx="756000" cy="432048"/>
+            </a:xfrm>
+            <a:prstGeom prst="rect">
+              <a:avLst/>
+            </a:prstGeom>
+            <a:solidFill>
+              <a:srgbClr val="FF0000">
+                <a:alpha val="50196"/>
+              </a:srgbClr>
+            </a:solidFill>
+            <a:ln>
+              <a:noFill/>
+            </a:ln>
+          </p:spPr>
+          <p:style>
+            <a:lnRef idx="2">
+              <a:schemeClr val="accent1">
+                <a:shade val="50000"/>
+              </a:schemeClr>
+            </a:lnRef>
+            <a:fillRef idx="1">
+              <a:schemeClr val="accent1"/>
+            </a:fillRef>
+            <a:effectRef idx="0">
+              <a:schemeClr val="accent1"/>
+            </a:effectRef>
+            <a:fontRef idx="minor">
+              <a:schemeClr val="lt1"/>
+            </a:fontRef>
+          </p:style>
+          <p:txBody>
+            <a:bodyPr rtlCol="0" anchor="ctr"/>
+            <a:lstStyle/>
+            <a:p>
+              <a:pPr algn="ctr"/>
+              <a:endParaRPr kumimoji="1" lang="zh-CN" altLang="en-US"/>
+            </a:p>
+          </p:txBody>
+        </p:sp>
+        <p:sp>
+          <p:nvSpPr>
+            <p:cNvPr id="20" name="L 形 27">
+              <a:extLst>
+                <a:ext uri="{FF2B5EF4-FFF2-40B4-BE49-F238E27FC236}">
+                  <a16:creationId xmlns:a16="http://schemas.microsoft.com/office/drawing/2014/main" id="{4DE60E5D-216B-0C46-B76D-79DB6CB25E8E}"/>
+                </a:ext>
+              </a:extLst>
+            </p:cNvPr>
+            <p:cNvSpPr/>
+            <p:nvPr/>
+          </p:nvSpPr>
+          <p:spPr>
+            <a:xfrm>
+              <a:off x="2664372" y="3383999"/>
+              <a:ext cx="692943" cy="459184"/>
+            </a:xfrm>
+            <a:prstGeom prst="corner">
+              <a:avLst>
+                <a:gd name="adj1" fmla="val 39180"/>
+                <a:gd name="adj2" fmla="val 131547"/>
+              </a:avLst>
+            </a:prstGeom>
+            <a:solidFill>
+              <a:srgbClr val="FF0000">
+                <a:alpha val="50196"/>
+              </a:srgbClr>
+            </a:solidFill>
+            <a:ln>
+              <a:noFill/>
+            </a:ln>
+          </p:spPr>
+          <p:style>
+            <a:lnRef idx="2">
+              <a:schemeClr val="accent1">
+                <a:shade val="50000"/>
+              </a:schemeClr>
+            </a:lnRef>
+            <a:fillRef idx="1">
+              <a:schemeClr val="accent1"/>
+            </a:fillRef>
+            <a:effectRef idx="0">
+              <a:schemeClr val="accent1"/>
+            </a:effectRef>
+            <a:fontRef idx="minor">
+              <a:schemeClr val="lt1"/>
+            </a:fontRef>
+          </p:style>
+          <p:txBody>
+            <a:bodyPr rtlCol="0" anchor="ctr"/>
+            <a:lstStyle/>
+            <a:p>
+              <a:pPr algn="ctr"/>
+              <a:endParaRPr kumimoji="1" lang="zh-CN" altLang="en-US"/>
+            </a:p>
+          </p:txBody>
+        </p:sp>
+        <p:sp>
+          <p:nvSpPr>
+            <p:cNvPr id="21" name="L 形 29">
+              <a:extLst>
+                <a:ext uri="{FF2B5EF4-FFF2-40B4-BE49-F238E27FC236}">
+                  <a16:creationId xmlns:a16="http://schemas.microsoft.com/office/drawing/2014/main" id="{9FC7E7E3-C168-6941-BB42-3D79909AEDCE}"/>
+                </a:ext>
+              </a:extLst>
+            </p:cNvPr>
+            <p:cNvSpPr/>
+            <p:nvPr/>
+          </p:nvSpPr>
+          <p:spPr>
+            <a:xfrm rot="16200000">
+              <a:off x="2205188" y="3383999"/>
+              <a:ext cx="459184" cy="459184"/>
+            </a:xfrm>
+            <a:prstGeom prst="corner">
+              <a:avLst>
+                <a:gd name="adj1" fmla="val 64071"/>
+                <a:gd name="adj2" fmla="val 68416"/>
+              </a:avLst>
+            </a:prstGeom>
+            <a:solidFill>
+              <a:srgbClr val="FF0000">
+                <a:alpha val="50196"/>
+              </a:srgbClr>
+            </a:solidFill>
+            <a:ln>
+              <a:noFill/>
+            </a:ln>
+          </p:spPr>
+          <p:style>
+            <a:lnRef idx="2">
+              <a:schemeClr val="accent1">
+                <a:shade val="50000"/>
+              </a:schemeClr>
+            </a:lnRef>
+            <a:fillRef idx="1">
+              <a:schemeClr val="accent1"/>
+            </a:fillRef>
+            <a:effectRef idx="0">
+              <a:schemeClr val="accent1"/>
+            </a:effectRef>
+            <a:fontRef idx="minor">
+              <a:schemeClr val="lt1"/>
+            </a:fontRef>
+          </p:style>
+          <p:txBody>
+            <a:bodyPr rtlCol="0" anchor="ctr"/>
+            <a:lstStyle/>
+            <a:p>
+              <a:pPr algn="ctr"/>
+              <a:endParaRPr kumimoji="1" lang="zh-CN" altLang="en-US"/>
+            </a:p>
+          </p:txBody>
+        </p:sp>
+        <p:sp>
+          <p:nvSpPr>
+            <p:cNvPr id="22" name="矩形 30">
+              <a:extLst>
+                <a:ext uri="{FF2B5EF4-FFF2-40B4-BE49-F238E27FC236}">
+                  <a16:creationId xmlns:a16="http://schemas.microsoft.com/office/drawing/2014/main" id="{81C0B3F6-0395-D448-987F-FA8BEA9F8A22}"/>
+                </a:ext>
+              </a:extLst>
+            </p:cNvPr>
+            <p:cNvSpPr/>
+            <p:nvPr/>
+          </p:nvSpPr>
+          <p:spPr>
+            <a:xfrm>
+              <a:off x="2239171" y="3949426"/>
+              <a:ext cx="1010048" cy="446173"/>
+            </a:xfrm>
+            <a:prstGeom prst="rect">
+              <a:avLst/>
+            </a:prstGeom>
+            <a:solidFill>
+              <a:srgbClr val="FF0000">
+                <a:alpha val="50196"/>
+              </a:srgbClr>
+            </a:solidFill>
+            <a:ln>
+              <a:noFill/>
+            </a:ln>
+          </p:spPr>
+          <p:style>
+            <a:lnRef idx="2">
+              <a:schemeClr val="accent1">
+                <a:shade val="50000"/>
+              </a:schemeClr>
+            </a:lnRef>
+            <a:fillRef idx="1">
+              <a:schemeClr val="accent1"/>
+            </a:fillRef>
+            <a:effectRef idx="0">
+              <a:schemeClr val="accent1"/>
+            </a:effectRef>
+            <a:fontRef idx="minor">
+              <a:schemeClr val="lt1"/>
+            </a:fontRef>
+          </p:style>
+          <p:txBody>
+            <a:bodyPr rtlCol="0" anchor="ctr"/>
+            <a:lstStyle/>
+            <a:p>
+              <a:pPr algn="ctr"/>
+              <a:endParaRPr kumimoji="1" lang="zh-CN" altLang="en-US"/>
+            </a:p>
+          </p:txBody>
+        </p:sp>
+        <p:sp>
+          <p:nvSpPr>
+            <p:cNvPr id="23" name="矩形 31">
+              <a:extLst>
+                <a:ext uri="{FF2B5EF4-FFF2-40B4-BE49-F238E27FC236}">
+                  <a16:creationId xmlns:a16="http://schemas.microsoft.com/office/drawing/2014/main" id="{BB080BE2-AEE1-9B4B-A3DD-A812A71D29A8}"/>
+                </a:ext>
+              </a:extLst>
+            </p:cNvPr>
+            <p:cNvSpPr/>
+            <p:nvPr/>
+          </p:nvSpPr>
+          <p:spPr>
+            <a:xfrm>
+              <a:off x="2347267" y="4525371"/>
+              <a:ext cx="938040" cy="446173"/>
+            </a:xfrm>
+            <a:prstGeom prst="rect">
+              <a:avLst/>
+            </a:prstGeom>
+            <a:solidFill>
+              <a:srgbClr val="FF0000">
+                <a:alpha val="50196"/>
+              </a:srgbClr>
+            </a:solidFill>
+            <a:ln>
+              <a:noFill/>
+            </a:ln>
+          </p:spPr>
+          <p:style>
+            <a:lnRef idx="2">
+              <a:schemeClr val="accent1">
+                <a:shade val="50000"/>
+              </a:schemeClr>
+            </a:lnRef>
+            <a:fillRef idx="1">
+              <a:schemeClr val="accent1"/>
+            </a:fillRef>
+            <a:effectRef idx="0">
+              <a:schemeClr val="accent1"/>
+            </a:effectRef>
+            <a:fontRef idx="minor">
+              <a:schemeClr val="lt1"/>
+            </a:fontRef>
+          </p:style>
+          <p:txBody>
+            <a:bodyPr rtlCol="0" anchor="ctr"/>
+            <a:lstStyle/>
+            <a:p>
+              <a:pPr algn="ctr"/>
+              <a:endParaRPr kumimoji="1" lang="zh-CN" altLang="en-US"/>
+            </a:p>
+          </p:txBody>
+        </p:sp>
+        <p:sp>
+          <p:nvSpPr>
+            <p:cNvPr id="24" name="矩形 32">
+              <a:extLst>
+                <a:ext uri="{FF2B5EF4-FFF2-40B4-BE49-F238E27FC236}">
+                  <a16:creationId xmlns:a16="http://schemas.microsoft.com/office/drawing/2014/main" id="{39CF2167-797B-FD41-97B0-FFACA4D68C07}"/>
+                </a:ext>
+              </a:extLst>
+            </p:cNvPr>
+            <p:cNvSpPr/>
+            <p:nvPr/>
+          </p:nvSpPr>
+          <p:spPr>
+            <a:xfrm>
+              <a:off x="2264381" y="5101316"/>
+              <a:ext cx="984838" cy="446173"/>
+            </a:xfrm>
+            <a:prstGeom prst="rect">
+              <a:avLst/>
+            </a:prstGeom>
+            <a:solidFill>
+              <a:srgbClr val="FF0000">
+                <a:alpha val="50196"/>
+              </a:srgbClr>
+            </a:solidFill>
+            <a:ln>
+              <a:noFill/>
+            </a:ln>
+          </p:spPr>
+          <p:style>
+            <a:lnRef idx="2">
+              <a:schemeClr val="accent1">
+                <a:shade val="50000"/>
+              </a:schemeClr>
+            </a:lnRef>
+            <a:fillRef idx="1">
+              <a:schemeClr val="accent1"/>
+            </a:fillRef>
+            <a:effectRef idx="0">
+              <a:schemeClr val="accent1"/>
+            </a:effectRef>
+            <a:fontRef idx="minor">
+              <a:schemeClr val="lt1"/>
+            </a:fontRef>
+          </p:style>
+          <p:txBody>
+            <a:bodyPr rtlCol="0" anchor="ctr"/>
+            <a:lstStyle/>
+            <a:p>
+              <a:pPr algn="ctr"/>
+              <a:endParaRPr kumimoji="1" lang="zh-CN" altLang="en-US"/>
+            </a:p>
+          </p:txBody>
+        </p:sp>
+        <p:sp>
+          <p:nvSpPr>
+            <p:cNvPr id="25" name="矩形 33">
+              <a:extLst>
+                <a:ext uri="{FF2B5EF4-FFF2-40B4-BE49-F238E27FC236}">
+                  <a16:creationId xmlns:a16="http://schemas.microsoft.com/office/drawing/2014/main" id="{3F7B01EF-8BF8-D343-9606-DE96F99FA501}"/>
+                </a:ext>
+              </a:extLst>
+            </p:cNvPr>
+            <p:cNvSpPr/>
+            <p:nvPr/>
+          </p:nvSpPr>
+          <p:spPr>
+            <a:xfrm>
+              <a:off x="3249219" y="5198951"/>
+              <a:ext cx="125999" cy="304241"/>
+            </a:xfrm>
+            <a:prstGeom prst="rect">
+              <a:avLst/>
+            </a:prstGeom>
+            <a:solidFill>
+              <a:srgbClr val="FF0000">
+                <a:alpha val="50196"/>
+              </a:srgbClr>
+            </a:solidFill>
+            <a:ln>
+              <a:noFill/>
+            </a:ln>
+          </p:spPr>
+          <p:style>
+            <a:lnRef idx="2">
+              <a:schemeClr val="accent1">
+                <a:shade val="50000"/>
+              </a:schemeClr>
+            </a:lnRef>
+            <a:fillRef idx="1">
+              <a:schemeClr val="accent1"/>
+            </a:fillRef>
+            <a:effectRef idx="0">
+              <a:schemeClr val="accent1"/>
+            </a:effectRef>
+            <a:fontRef idx="minor">
+              <a:schemeClr val="lt1"/>
+            </a:fontRef>
+          </p:style>
+          <p:txBody>
+            <a:bodyPr rtlCol="0" anchor="ctr"/>
+            <a:lstStyle/>
+            <a:p>
+              <a:pPr algn="ctr"/>
+              <a:endParaRPr kumimoji="1" lang="zh-CN" altLang="en-US"/>
+            </a:p>
+          </p:txBody>
+        </p:sp>
+        <p:sp>
+          <p:nvSpPr>
+            <p:cNvPr id="26" name="L 形 34">
+              <a:extLst>
+                <a:ext uri="{FF2B5EF4-FFF2-40B4-BE49-F238E27FC236}">
+                  <a16:creationId xmlns:a16="http://schemas.microsoft.com/office/drawing/2014/main" id="{7C16E7C7-3430-DF4A-A878-CCBE59BF1E8F}"/>
+                </a:ext>
+              </a:extLst>
+            </p:cNvPr>
+            <p:cNvSpPr/>
+            <p:nvPr/>
+          </p:nvSpPr>
+          <p:spPr>
+            <a:xfrm>
+              <a:off x="2798300" y="5677262"/>
+              <a:ext cx="601200" cy="485414"/>
+            </a:xfrm>
+            <a:prstGeom prst="corner">
+              <a:avLst>
+                <a:gd name="adj1" fmla="val 42668"/>
+                <a:gd name="adj2" fmla="val 112361"/>
+              </a:avLst>
+            </a:prstGeom>
+            <a:solidFill>
+              <a:srgbClr val="FF0000">
+                <a:alpha val="50196"/>
+              </a:srgbClr>
+            </a:solidFill>
+            <a:ln>
+              <a:noFill/>
+            </a:ln>
+          </p:spPr>
+          <p:style>
+            <a:lnRef idx="2">
+              <a:schemeClr val="accent1">
+                <a:shade val="50000"/>
+              </a:schemeClr>
+            </a:lnRef>
+            <a:fillRef idx="1">
+              <a:schemeClr val="accent1"/>
+            </a:fillRef>
+            <a:effectRef idx="0">
+              <a:schemeClr val="accent1"/>
+            </a:effectRef>
+            <a:fontRef idx="minor">
+              <a:schemeClr val="lt1"/>
+            </a:fontRef>
+          </p:style>
+          <p:txBody>
+            <a:bodyPr rtlCol="0" anchor="ctr"/>
+            <a:lstStyle/>
+            <a:p>
+              <a:pPr algn="ctr"/>
+              <a:endParaRPr kumimoji="1" lang="zh-CN" altLang="en-US"/>
+            </a:p>
+          </p:txBody>
+        </p:sp>
+        <p:sp>
+          <p:nvSpPr>
+            <p:cNvPr id="27" name="剪去单角的矩形 36">
+              <a:extLst>
+                <a:ext uri="{FF2B5EF4-FFF2-40B4-BE49-F238E27FC236}">
+                  <a16:creationId xmlns:a16="http://schemas.microsoft.com/office/drawing/2014/main" id="{861A8C30-58D0-284B-99CA-4464C5293157}"/>
+                </a:ext>
+              </a:extLst>
+            </p:cNvPr>
+            <p:cNvSpPr/>
+            <p:nvPr/>
+          </p:nvSpPr>
+          <p:spPr>
+            <a:xfrm rot="10800000">
+              <a:off x="2133524" y="5677261"/>
+              <a:ext cx="223823" cy="348444"/>
+            </a:xfrm>
+            <a:prstGeom prst="snip1Rect">
+              <a:avLst>
+                <a:gd name="adj" fmla="val 41959"/>
+              </a:avLst>
+            </a:prstGeom>
+            <a:solidFill>
+              <a:srgbClr val="FF0000">
+                <a:alpha val="50196"/>
+              </a:srgbClr>
+            </a:solidFill>
+            <a:ln>
+              <a:noFill/>
+            </a:ln>
+          </p:spPr>
+          <p:style>
+            <a:lnRef idx="2">
+              <a:schemeClr val="accent1">
+                <a:shade val="50000"/>
+              </a:schemeClr>
+            </a:lnRef>
+            <a:fillRef idx="1">
+              <a:schemeClr val="accent1"/>
+            </a:fillRef>
+            <a:effectRef idx="0">
+              <a:schemeClr val="accent1"/>
+            </a:effectRef>
+            <a:fontRef idx="minor">
+              <a:schemeClr val="lt1"/>
+            </a:fontRef>
+          </p:style>
+          <p:txBody>
+            <a:bodyPr rtlCol="0" anchor="ctr"/>
+            <a:lstStyle/>
+            <a:p>
+              <a:pPr algn="ctr"/>
+              <a:endParaRPr kumimoji="1" lang="zh-CN" altLang="en-US"/>
+            </a:p>
+          </p:txBody>
+        </p:sp>
+        <p:sp>
+          <p:nvSpPr>
+            <p:cNvPr id="28" name="矩形 37">
+              <a:extLst>
+                <a:ext uri="{FF2B5EF4-FFF2-40B4-BE49-F238E27FC236}">
+                  <a16:creationId xmlns:a16="http://schemas.microsoft.com/office/drawing/2014/main" id="{E156C80A-7F61-C843-BDEB-2B491EC5095A}"/>
+                </a:ext>
+              </a:extLst>
+            </p:cNvPr>
+            <p:cNvSpPr/>
+            <p:nvPr/>
+          </p:nvSpPr>
+          <p:spPr>
+            <a:xfrm>
+              <a:off x="2357348" y="5677261"/>
+              <a:ext cx="440952" cy="485413"/>
+            </a:xfrm>
+            <a:prstGeom prst="rect">
+              <a:avLst/>
+            </a:prstGeom>
+            <a:solidFill>
+              <a:srgbClr val="FF0000">
+                <a:alpha val="50196"/>
+              </a:srgbClr>
+            </a:solidFill>
+            <a:ln>
+              <a:noFill/>
+            </a:ln>
+          </p:spPr>
+          <p:style>
+            <a:lnRef idx="2">
+              <a:schemeClr val="accent1">
+                <a:shade val="50000"/>
+              </a:schemeClr>
+            </a:lnRef>
+            <a:fillRef idx="1">
+              <a:schemeClr val="accent1"/>
+            </a:fillRef>
+            <a:effectRef idx="0">
+              <a:schemeClr val="accent1"/>
+            </a:effectRef>
+            <a:fontRef idx="minor">
+              <a:schemeClr val="lt1"/>
+            </a:fontRef>
+          </p:style>
+          <p:txBody>
+            <a:bodyPr rtlCol="0" anchor="ctr"/>
+            <a:lstStyle/>
+            <a:p>
+              <a:pPr algn="ctr"/>
+              <a:endParaRPr kumimoji="1" lang="zh-CN" altLang="en-US"/>
+            </a:p>
+          </p:txBody>
+        </p:sp>
+        <p:sp>
+          <p:nvSpPr>
+            <p:cNvPr id="29" name="平行四边形 39">
+              <a:extLst>
+                <a:ext uri="{FF2B5EF4-FFF2-40B4-BE49-F238E27FC236}">
+                  <a16:creationId xmlns:a16="http://schemas.microsoft.com/office/drawing/2014/main" id="{180B6F12-EE17-2B43-A74C-6DE3330A7575}"/>
+                </a:ext>
+              </a:extLst>
+            </p:cNvPr>
+            <p:cNvSpPr/>
+            <p:nvPr/>
+          </p:nvSpPr>
+          <p:spPr>
+            <a:xfrm flipH="1">
+              <a:off x="3726258" y="2098675"/>
+              <a:ext cx="826020" cy="4063999"/>
+            </a:xfrm>
+            <a:prstGeom prst="parallelogram">
+              <a:avLst>
+                <a:gd name="adj" fmla="val 15963"/>
+              </a:avLst>
+            </a:prstGeom>
+            <a:solidFill>
+              <a:srgbClr val="0432FF">
+                <a:alpha val="50196"/>
+              </a:srgbClr>
+            </a:solidFill>
+            <a:ln>
+              <a:noFill/>
+            </a:ln>
+          </p:spPr>
+          <p:style>
+            <a:lnRef idx="2">
+              <a:schemeClr val="accent1">
+                <a:shade val="50000"/>
+              </a:schemeClr>
+            </a:lnRef>
+            <a:fillRef idx="1">
+              <a:schemeClr val="accent1"/>
+            </a:fillRef>
+            <a:effectRef idx="0">
+              <a:schemeClr val="accent1"/>
+            </a:effectRef>
+            <a:fontRef idx="minor">
+              <a:schemeClr val="lt1"/>
+            </a:fontRef>
+          </p:style>
+          <p:txBody>
+            <a:bodyPr rtlCol="0" anchor="ctr"/>
+            <a:lstStyle/>
+            <a:p>
+              <a:pPr algn="ctr"/>
+              <a:endParaRPr kumimoji="1" lang="zh-CN" altLang="en-US"/>
+            </a:p>
+          </p:txBody>
+        </p:sp>
+      </p:grpSp>
+      <p:grpSp>
+        <p:nvGrpSpPr>
+          <p:cNvPr id="4" name="Group 3">
+            <a:extLst>
+              <a:ext uri="{FF2B5EF4-FFF2-40B4-BE49-F238E27FC236}">
+                <a16:creationId xmlns:a16="http://schemas.microsoft.com/office/drawing/2014/main" id="{E9506181-A0A7-B647-AF3E-DFB0B02EB76A}"/>
+              </a:ext>
+            </a:extLst>
+          </p:cNvPr>
+          <p:cNvGrpSpPr/>
+          <p:nvPr/>
+        </p:nvGrpSpPr>
+        <p:grpSpPr>
+          <a:xfrm>
+            <a:off x="6489613" y="-919430"/>
+            <a:ext cx="4320000" cy="4320000"/>
+            <a:chOff x="5575213" y="46473"/>
+            <a:chExt cx="4320000" cy="4320000"/>
+          </a:xfrm>
+        </p:grpSpPr>
+        <p:sp>
+          <p:nvSpPr>
+            <p:cNvPr id="30" name="Rectangle 29">
+              <a:extLst>
+                <a:ext uri="{FF2B5EF4-FFF2-40B4-BE49-F238E27FC236}">
+                  <a16:creationId xmlns:a16="http://schemas.microsoft.com/office/drawing/2014/main" id="{AA74E800-E67C-1747-AB67-B143FBAD2EC3}"/>
+                </a:ext>
+              </a:extLst>
+            </p:cNvPr>
+            <p:cNvSpPr/>
+            <p:nvPr/>
+          </p:nvSpPr>
+          <p:spPr>
+            <a:xfrm>
+              <a:off x="5575213" y="46473"/>
+              <a:ext cx="4320000" cy="4320000"/>
+            </a:xfrm>
+            <a:prstGeom prst="rect">
+              <a:avLst/>
+            </a:prstGeom>
+            <a:solidFill>
+              <a:schemeClr val="accent6">
+                <a:lumMod val="60000"/>
+                <a:lumOff val="40000"/>
+              </a:schemeClr>
+            </a:solidFill>
+            <a:ln>
+              <a:noFill/>
+            </a:ln>
+          </p:spPr>
+          <p:style>
+            <a:lnRef idx="2">
+              <a:schemeClr val="accent1">
+                <a:shade val="50000"/>
+              </a:schemeClr>
+            </a:lnRef>
+            <a:fillRef idx="1">
+              <a:schemeClr val="accent1"/>
+            </a:fillRef>
+            <a:effectRef idx="0">
+              <a:schemeClr val="accent1"/>
+            </a:effectRef>
+            <a:fontRef idx="minor">
+              <a:schemeClr val="lt1"/>
+            </a:fontRef>
+          </p:style>
+          <p:txBody>
+            <a:bodyPr rtlCol="0" anchor="ctr"/>
+            <a:lstStyle/>
+            <a:p>
+              <a:pPr algn="ctr"/>
+              <a:endParaRPr lang="en-US"/>
+            </a:p>
+          </p:txBody>
+        </p:sp>
+        <p:grpSp>
+          <p:nvGrpSpPr>
+            <p:cNvPr id="31" name="组合 42">
+              <a:extLst>
+                <a:ext uri="{FF2B5EF4-FFF2-40B4-BE49-F238E27FC236}">
+                  <a16:creationId xmlns:a16="http://schemas.microsoft.com/office/drawing/2014/main" id="{905CB66B-BEE8-494D-B310-D81F14DE3DA1}"/>
+                </a:ext>
+              </a:extLst>
+            </p:cNvPr>
+            <p:cNvGrpSpPr/>
+            <p:nvPr/>
+          </p:nvGrpSpPr>
+          <p:grpSpPr>
+            <a:xfrm>
+              <a:off x="5938444" y="46473"/>
+              <a:ext cx="3327460" cy="4320000"/>
+              <a:chOff x="1422000" y="2098675"/>
+              <a:chExt cx="3130278" cy="4064001"/>
+            </a:xfrm>
+          </p:grpSpPr>
+          <p:sp>
+            <p:nvSpPr>
+              <p:cNvPr id="32" name="矩形 18">
+                <a:extLst>
+                  <a:ext uri="{FF2B5EF4-FFF2-40B4-BE49-F238E27FC236}">
+                    <a16:creationId xmlns:a16="http://schemas.microsoft.com/office/drawing/2014/main" id="{54A6839B-26B0-E146-8593-BD938FAD36D4}"/>
+                  </a:ext>
+                </a:extLst>
+              </p:cNvPr>
+              <p:cNvSpPr/>
+              <p:nvPr/>
+            </p:nvSpPr>
+            <p:spPr>
+              <a:xfrm>
+                <a:off x="1440000" y="2232000"/>
+                <a:ext cx="396000" cy="432048"/>
+              </a:xfrm>
+              <a:prstGeom prst="rect">
+                <a:avLst/>
+              </a:prstGeom>
+              <a:solidFill>
+                <a:srgbClr val="FF0000">
+                  <a:alpha val="50196"/>
+                </a:srgbClr>
+              </a:solidFill>
+              <a:ln>
+                <a:noFill/>
+              </a:ln>
+            </p:spPr>
+            <p:style>
+              <a:lnRef idx="2">
+                <a:schemeClr val="accent1">
+                  <a:shade val="50000"/>
+                </a:schemeClr>
+              </a:lnRef>
+              <a:fillRef idx="1">
+                <a:schemeClr val="accent1"/>
+              </a:fillRef>
+              <a:effectRef idx="0">
+                <a:schemeClr val="accent1"/>
+              </a:effectRef>
+              <a:fontRef idx="minor">
+                <a:schemeClr val="lt1"/>
+              </a:fontRef>
+            </p:style>
+            <p:txBody>
+              <a:bodyPr rtlCol="0" anchor="ctr"/>
+              <a:lstStyle/>
+              <a:p>
+                <a:pPr algn="ctr"/>
+                <a:endParaRPr kumimoji="1" lang="zh-CN" altLang="en-US"/>
+              </a:p>
+            </p:txBody>
+          </p:sp>
+          <p:sp>
+            <p:nvSpPr>
+              <p:cNvPr id="33" name="矩形 19">
+                <a:extLst>
+                  <a:ext uri="{FF2B5EF4-FFF2-40B4-BE49-F238E27FC236}">
+                    <a16:creationId xmlns:a16="http://schemas.microsoft.com/office/drawing/2014/main" id="{C4B8D386-76B8-2645-8AD6-31951E796758}"/>
+                  </a:ext>
+                </a:extLst>
+              </p:cNvPr>
+              <p:cNvSpPr/>
+              <p:nvPr/>
+            </p:nvSpPr>
+            <p:spPr>
+              <a:xfrm>
+                <a:off x="1422000" y="2782800"/>
+                <a:ext cx="450000" cy="432048"/>
+              </a:xfrm>
+              <a:prstGeom prst="rect">
+                <a:avLst/>
+              </a:prstGeom>
+              <a:solidFill>
+                <a:srgbClr val="FF0000">
+                  <a:alpha val="50196"/>
+                </a:srgbClr>
+              </a:solidFill>
+              <a:ln>
+                <a:noFill/>
+              </a:ln>
+            </p:spPr>
+            <p:style>
+              <a:lnRef idx="2">
+                <a:schemeClr val="accent1">
+                  <a:shade val="50000"/>
+                </a:schemeClr>
+              </a:lnRef>
+              <a:fillRef idx="1">
+                <a:schemeClr val="accent1"/>
+              </a:fillRef>
+              <a:effectRef idx="0">
+                <a:schemeClr val="accent1"/>
+              </a:effectRef>
+              <a:fontRef idx="minor">
+                <a:schemeClr val="lt1"/>
+              </a:fontRef>
+            </p:style>
+            <p:txBody>
+              <a:bodyPr rtlCol="0" anchor="ctr"/>
+              <a:lstStyle/>
+              <a:p>
+                <a:pPr algn="ctr"/>
+                <a:endParaRPr kumimoji="1" lang="zh-CN" altLang="en-US"/>
+              </a:p>
+            </p:txBody>
+          </p:sp>
+          <p:sp>
+            <p:nvSpPr>
+              <p:cNvPr id="34" name="矩形 20">
+                <a:extLst>
+                  <a:ext uri="{FF2B5EF4-FFF2-40B4-BE49-F238E27FC236}">
+                    <a16:creationId xmlns:a16="http://schemas.microsoft.com/office/drawing/2014/main" id="{AA559AED-8957-C744-98FC-904BB98428E8}"/>
+                  </a:ext>
+                </a:extLst>
+              </p:cNvPr>
+              <p:cNvSpPr/>
+              <p:nvPr/>
+            </p:nvSpPr>
+            <p:spPr>
+              <a:xfrm>
+                <a:off x="1486801" y="3489889"/>
+                <a:ext cx="413999" cy="417600"/>
+              </a:xfrm>
+              <a:prstGeom prst="rect">
+                <a:avLst/>
+              </a:prstGeom>
+              <a:solidFill>
+                <a:srgbClr val="FF0000">
+                  <a:alpha val="50196"/>
+                </a:srgbClr>
+              </a:solidFill>
+              <a:ln>
+                <a:noFill/>
+              </a:ln>
+            </p:spPr>
+            <p:style>
+              <a:lnRef idx="2">
+                <a:schemeClr val="accent1">
+                  <a:shade val="50000"/>
+                </a:schemeClr>
+              </a:lnRef>
+              <a:fillRef idx="1">
+                <a:schemeClr val="accent1"/>
+              </a:fillRef>
+              <a:effectRef idx="0">
+                <a:schemeClr val="accent1"/>
+              </a:effectRef>
+              <a:fontRef idx="minor">
+                <a:schemeClr val="lt1"/>
+              </a:fontRef>
+            </p:style>
+            <p:txBody>
+              <a:bodyPr rtlCol="0" anchor="ctr"/>
+              <a:lstStyle/>
+              <a:p>
+                <a:pPr algn="ctr"/>
+                <a:endParaRPr kumimoji="1" lang="zh-CN" altLang="en-US"/>
+              </a:p>
+            </p:txBody>
+          </p:sp>
+          <p:sp>
+            <p:nvSpPr>
+              <p:cNvPr id="35" name="L 形 21">
+                <a:extLst>
+                  <a:ext uri="{FF2B5EF4-FFF2-40B4-BE49-F238E27FC236}">
+                    <a16:creationId xmlns:a16="http://schemas.microsoft.com/office/drawing/2014/main" id="{EF4304E3-526E-5D42-A4D0-3140D58AB875}"/>
+                  </a:ext>
+                </a:extLst>
+              </p:cNvPr>
+              <p:cNvSpPr/>
+              <p:nvPr/>
+            </p:nvSpPr>
+            <p:spPr>
+              <a:xfrm rot="5400000">
+                <a:off x="1458207" y="3981807"/>
+                <a:ext cx="424800" cy="402786"/>
+              </a:xfrm>
+              <a:prstGeom prst="corner">
+                <a:avLst>
+                  <a:gd name="adj1" fmla="val 77326"/>
+                  <a:gd name="adj2" fmla="val 86413"/>
+                </a:avLst>
+              </a:prstGeom>
+              <a:solidFill>
+                <a:srgbClr val="FF0000">
+                  <a:alpha val="50196"/>
+                </a:srgbClr>
+              </a:solidFill>
+              <a:ln>
+                <a:noFill/>
+              </a:ln>
+            </p:spPr>
+            <p:style>
+              <a:lnRef idx="2">
+                <a:schemeClr val="accent1">
+                  <a:shade val="50000"/>
+                </a:schemeClr>
+              </a:lnRef>
+              <a:fillRef idx="1">
+                <a:schemeClr val="accent1"/>
+              </a:fillRef>
+              <a:effectRef idx="0">
+                <a:schemeClr val="accent1"/>
+              </a:effectRef>
+              <a:fontRef idx="minor">
+                <a:schemeClr val="lt1"/>
+              </a:fontRef>
+            </p:style>
+            <p:txBody>
+              <a:bodyPr rtlCol="0" anchor="ctr"/>
+              <a:lstStyle/>
+              <a:p>
+                <a:pPr algn="ctr"/>
+                <a:endParaRPr kumimoji="1" lang="zh-CN" altLang="en-US"/>
+              </a:p>
+            </p:txBody>
+          </p:sp>
+          <p:sp>
+            <p:nvSpPr>
+              <p:cNvPr id="36" name="矩形 22">
+                <a:extLst>
+                  <a:ext uri="{FF2B5EF4-FFF2-40B4-BE49-F238E27FC236}">
+                    <a16:creationId xmlns:a16="http://schemas.microsoft.com/office/drawing/2014/main" id="{FD96E55F-0F46-5341-8FAE-2A2072712E5A}"/>
+                  </a:ext>
+                </a:extLst>
+              </p:cNvPr>
+              <p:cNvSpPr/>
+              <p:nvPr/>
+            </p:nvSpPr>
+            <p:spPr>
+              <a:xfrm>
+                <a:off x="1486800" y="4509120"/>
+                <a:ext cx="430355" cy="392441"/>
+              </a:xfrm>
+              <a:prstGeom prst="rect">
+                <a:avLst/>
+              </a:prstGeom>
+              <a:solidFill>
+                <a:srgbClr val="FF0000">
+                  <a:alpha val="50196"/>
+                </a:srgbClr>
+              </a:solidFill>
+              <a:ln>
+                <a:noFill/>
+              </a:ln>
+            </p:spPr>
+            <p:style>
+              <a:lnRef idx="2">
+                <a:schemeClr val="accent1">
+                  <a:shade val="50000"/>
+                </a:schemeClr>
+              </a:lnRef>
+              <a:fillRef idx="1">
+                <a:schemeClr val="accent1"/>
+              </a:fillRef>
+              <a:effectRef idx="0">
+                <a:schemeClr val="accent1"/>
+              </a:effectRef>
+              <a:fontRef idx="minor">
+                <a:schemeClr val="lt1"/>
+              </a:fontRef>
+            </p:style>
+            <p:txBody>
+              <a:bodyPr rtlCol="0" anchor="ctr"/>
+              <a:lstStyle/>
+              <a:p>
+                <a:pPr algn="ctr"/>
+                <a:endParaRPr kumimoji="1" lang="zh-CN" altLang="en-US"/>
+              </a:p>
+            </p:txBody>
+          </p:sp>
+          <p:sp>
+            <p:nvSpPr>
+              <p:cNvPr id="37" name="矩形 23">
+                <a:extLst>
+                  <a:ext uri="{FF2B5EF4-FFF2-40B4-BE49-F238E27FC236}">
+                    <a16:creationId xmlns:a16="http://schemas.microsoft.com/office/drawing/2014/main" id="{163C4214-5681-C54F-9AE4-D6A1267AC73A}"/>
+                  </a:ext>
+                </a:extLst>
+              </p:cNvPr>
+              <p:cNvSpPr/>
+              <p:nvPr/>
+            </p:nvSpPr>
+            <p:spPr>
+              <a:xfrm>
+                <a:off x="1494977" y="5091437"/>
+                <a:ext cx="413999" cy="411755"/>
+              </a:xfrm>
+              <a:prstGeom prst="rect">
+                <a:avLst/>
+              </a:prstGeom>
+              <a:solidFill>
+                <a:srgbClr val="FF0000">
+                  <a:alpha val="50196"/>
+                </a:srgbClr>
+              </a:solidFill>
+              <a:ln>
+                <a:noFill/>
+              </a:ln>
+            </p:spPr>
+            <p:style>
+              <a:lnRef idx="2">
+                <a:schemeClr val="accent1">
+                  <a:shade val="50000"/>
+                </a:schemeClr>
+              </a:lnRef>
+              <a:fillRef idx="1">
+                <a:schemeClr val="accent1"/>
+              </a:fillRef>
+              <a:effectRef idx="0">
+                <a:schemeClr val="accent1"/>
+              </a:effectRef>
+              <a:fontRef idx="minor">
+                <a:schemeClr val="lt1"/>
+              </a:fontRef>
+            </p:style>
+            <p:txBody>
+              <a:bodyPr rtlCol="0" anchor="ctr"/>
+              <a:lstStyle/>
+              <a:p>
+                <a:pPr algn="ctr"/>
+                <a:endParaRPr kumimoji="1" lang="zh-CN" altLang="en-US"/>
+              </a:p>
+            </p:txBody>
+          </p:sp>
+          <p:sp>
+            <p:nvSpPr>
+              <p:cNvPr id="38" name="矩形 24">
+                <a:extLst>
+                  <a:ext uri="{FF2B5EF4-FFF2-40B4-BE49-F238E27FC236}">
+                    <a16:creationId xmlns:a16="http://schemas.microsoft.com/office/drawing/2014/main" id="{C2ADC341-4FBA-4942-9B02-BF7D2BFB1261}"/>
+                  </a:ext>
+                </a:extLst>
+              </p:cNvPr>
+              <p:cNvSpPr/>
+              <p:nvPr/>
+            </p:nvSpPr>
+            <p:spPr>
+              <a:xfrm>
+                <a:off x="1508257" y="5814232"/>
+                <a:ext cx="392544" cy="348444"/>
+              </a:xfrm>
+              <a:prstGeom prst="rect">
+                <a:avLst/>
+              </a:prstGeom>
+              <a:solidFill>
+                <a:srgbClr val="FF0000">
+                  <a:alpha val="50196"/>
+                </a:srgbClr>
+              </a:solidFill>
+              <a:ln>
+                <a:noFill/>
+              </a:ln>
+            </p:spPr>
+            <p:style>
+              <a:lnRef idx="2">
+                <a:schemeClr val="accent1">
+                  <a:shade val="50000"/>
+                </a:schemeClr>
+              </a:lnRef>
+              <a:fillRef idx="1">
+                <a:schemeClr val="accent1"/>
+              </a:fillRef>
+              <a:effectRef idx="0">
+                <a:schemeClr val="accent1"/>
+              </a:effectRef>
+              <a:fontRef idx="minor">
+                <a:schemeClr val="lt1"/>
+              </a:fontRef>
+            </p:style>
+            <p:txBody>
+              <a:bodyPr rtlCol="0" anchor="ctr"/>
+              <a:lstStyle/>
+              <a:p>
+                <a:pPr algn="ctr"/>
+                <a:endParaRPr kumimoji="1" lang="zh-CN" altLang="en-US"/>
+              </a:p>
+            </p:txBody>
+          </p:sp>
+          <p:sp>
+            <p:nvSpPr>
+              <p:cNvPr id="39" name="L 形 25">
+                <a:extLst>
+                  <a:ext uri="{FF2B5EF4-FFF2-40B4-BE49-F238E27FC236}">
+                    <a16:creationId xmlns:a16="http://schemas.microsoft.com/office/drawing/2014/main" id="{8FA2DCFA-3318-7946-8D21-3EC8D360697D}"/>
+                  </a:ext>
+                </a:extLst>
+              </p:cNvPr>
+              <p:cNvSpPr/>
+              <p:nvPr/>
+            </p:nvSpPr>
+            <p:spPr>
+              <a:xfrm>
+                <a:off x="2357349" y="2204864"/>
+                <a:ext cx="855949" cy="459184"/>
+              </a:xfrm>
+              <a:prstGeom prst="corner">
+                <a:avLst>
+                  <a:gd name="adj1" fmla="val 71447"/>
+                  <a:gd name="adj2" fmla="val 165379"/>
+                </a:avLst>
+              </a:prstGeom>
+              <a:solidFill>
+                <a:srgbClr val="FF0000">
+                  <a:alpha val="50196"/>
+                </a:srgbClr>
+              </a:solidFill>
+              <a:ln>
+                <a:noFill/>
+              </a:ln>
+            </p:spPr>
+            <p:style>
+              <a:lnRef idx="2">
+                <a:schemeClr val="accent1">
+                  <a:shade val="50000"/>
+                </a:schemeClr>
+              </a:lnRef>
+              <a:fillRef idx="1">
+                <a:schemeClr val="accent1"/>
+              </a:fillRef>
+              <a:effectRef idx="0">
+                <a:schemeClr val="accent1"/>
+              </a:effectRef>
+              <a:fontRef idx="minor">
+                <a:schemeClr val="lt1"/>
+              </a:fontRef>
+            </p:style>
+            <p:txBody>
+              <a:bodyPr rtlCol="0" anchor="ctr"/>
+              <a:lstStyle/>
+              <a:p>
+                <a:pPr algn="ctr"/>
+                <a:endParaRPr kumimoji="1" lang="zh-CN" altLang="en-US"/>
+              </a:p>
+            </p:txBody>
+          </p:sp>
+          <p:sp>
+            <p:nvSpPr>
+              <p:cNvPr id="40" name="矩形 26">
+                <a:extLst>
+                  <a:ext uri="{FF2B5EF4-FFF2-40B4-BE49-F238E27FC236}">
+                    <a16:creationId xmlns:a16="http://schemas.microsoft.com/office/drawing/2014/main" id="{26E4CCF0-DE10-C747-BB90-1E51802A83C5}"/>
+                  </a:ext>
+                </a:extLst>
+              </p:cNvPr>
+              <p:cNvSpPr/>
+              <p:nvPr/>
+            </p:nvSpPr>
+            <p:spPr>
+              <a:xfrm>
+                <a:off x="2493219" y="2808000"/>
+                <a:ext cx="756000" cy="432048"/>
+              </a:xfrm>
+              <a:prstGeom prst="rect">
+                <a:avLst/>
+              </a:prstGeom>
+              <a:solidFill>
+                <a:srgbClr val="FF0000">
+                  <a:alpha val="50196"/>
+                </a:srgbClr>
+              </a:solidFill>
+              <a:ln>
+                <a:noFill/>
+              </a:ln>
+            </p:spPr>
+            <p:style>
+              <a:lnRef idx="2">
+                <a:schemeClr val="accent1">
+                  <a:shade val="50000"/>
+                </a:schemeClr>
+              </a:lnRef>
+              <a:fillRef idx="1">
+                <a:schemeClr val="accent1"/>
+              </a:fillRef>
+              <a:effectRef idx="0">
+                <a:schemeClr val="accent1"/>
+              </a:effectRef>
+              <a:fontRef idx="minor">
+                <a:schemeClr val="lt1"/>
+              </a:fontRef>
+            </p:style>
+            <p:txBody>
+              <a:bodyPr rtlCol="0" anchor="ctr"/>
+              <a:lstStyle/>
+              <a:p>
+                <a:pPr algn="ctr"/>
+                <a:endParaRPr kumimoji="1" lang="zh-CN" altLang="en-US"/>
+              </a:p>
+            </p:txBody>
+          </p:sp>
+          <p:sp>
+            <p:nvSpPr>
+              <p:cNvPr id="41" name="L 形 27">
+                <a:extLst>
+                  <a:ext uri="{FF2B5EF4-FFF2-40B4-BE49-F238E27FC236}">
+                    <a16:creationId xmlns:a16="http://schemas.microsoft.com/office/drawing/2014/main" id="{12F9C6E7-528D-E549-A6FA-94DA46CB34ED}"/>
+                  </a:ext>
+                </a:extLst>
+              </p:cNvPr>
+              <p:cNvSpPr/>
+              <p:nvPr/>
+            </p:nvSpPr>
+            <p:spPr>
+              <a:xfrm>
+                <a:off x="2664372" y="3383999"/>
+                <a:ext cx="692943" cy="459184"/>
+              </a:xfrm>
+              <a:prstGeom prst="corner">
+                <a:avLst>
+                  <a:gd name="adj1" fmla="val 39180"/>
+                  <a:gd name="adj2" fmla="val 131547"/>
+                </a:avLst>
+              </a:prstGeom>
+              <a:solidFill>
+                <a:srgbClr val="FF0000">
+                  <a:alpha val="50196"/>
+                </a:srgbClr>
+              </a:solidFill>
+              <a:ln>
+                <a:noFill/>
+              </a:ln>
+            </p:spPr>
+            <p:style>
+              <a:lnRef idx="2">
+                <a:schemeClr val="accent1">
+                  <a:shade val="50000"/>
+                </a:schemeClr>
+              </a:lnRef>
+              <a:fillRef idx="1">
+                <a:schemeClr val="accent1"/>
+              </a:fillRef>
+              <a:effectRef idx="0">
+                <a:schemeClr val="accent1"/>
+              </a:effectRef>
+              <a:fontRef idx="minor">
+                <a:schemeClr val="lt1"/>
+              </a:fontRef>
+            </p:style>
+            <p:txBody>
+              <a:bodyPr rtlCol="0" anchor="ctr"/>
+              <a:lstStyle/>
+              <a:p>
+                <a:pPr algn="ctr"/>
+                <a:endParaRPr kumimoji="1" lang="zh-CN" altLang="en-US"/>
+              </a:p>
+            </p:txBody>
+          </p:sp>
+          <p:sp>
+            <p:nvSpPr>
+              <p:cNvPr id="42" name="L 形 29">
+                <a:extLst>
+                  <a:ext uri="{FF2B5EF4-FFF2-40B4-BE49-F238E27FC236}">
+                    <a16:creationId xmlns:a16="http://schemas.microsoft.com/office/drawing/2014/main" id="{254968D8-324D-F84C-B437-88268CB8E649}"/>
+                  </a:ext>
+                </a:extLst>
+              </p:cNvPr>
+              <p:cNvSpPr/>
+              <p:nvPr/>
+            </p:nvSpPr>
+            <p:spPr>
+              <a:xfrm rot="16200000">
+                <a:off x="2205188" y="3383999"/>
+                <a:ext cx="459184" cy="459184"/>
+              </a:xfrm>
+              <a:prstGeom prst="corner">
+                <a:avLst>
+                  <a:gd name="adj1" fmla="val 64071"/>
+                  <a:gd name="adj2" fmla="val 68416"/>
+                </a:avLst>
+              </a:prstGeom>
+              <a:solidFill>
+                <a:srgbClr val="FF0000">
+                  <a:alpha val="50196"/>
+                </a:srgbClr>
+              </a:solidFill>
+              <a:ln>
+                <a:noFill/>
+              </a:ln>
+            </p:spPr>
+            <p:style>
+              <a:lnRef idx="2">
+                <a:schemeClr val="accent1">
+                  <a:shade val="50000"/>
+                </a:schemeClr>
+              </a:lnRef>
+              <a:fillRef idx="1">
+                <a:schemeClr val="accent1"/>
+              </a:fillRef>
+              <a:effectRef idx="0">
+                <a:schemeClr val="accent1"/>
+              </a:effectRef>
+              <a:fontRef idx="minor">
+                <a:schemeClr val="lt1"/>
+              </a:fontRef>
+            </p:style>
+            <p:txBody>
+              <a:bodyPr rtlCol="0" anchor="ctr"/>
+              <a:lstStyle/>
+              <a:p>
+                <a:pPr algn="ctr"/>
+                <a:endParaRPr kumimoji="1" lang="zh-CN" altLang="en-US"/>
+              </a:p>
+            </p:txBody>
+          </p:sp>
+          <p:sp>
+            <p:nvSpPr>
+              <p:cNvPr id="43" name="矩形 30">
+                <a:extLst>
+                  <a:ext uri="{FF2B5EF4-FFF2-40B4-BE49-F238E27FC236}">
+                    <a16:creationId xmlns:a16="http://schemas.microsoft.com/office/drawing/2014/main" id="{23B803E8-99A1-EB4B-9A3A-C8C60D498783}"/>
+                  </a:ext>
+                </a:extLst>
+              </p:cNvPr>
+              <p:cNvSpPr/>
+              <p:nvPr/>
+            </p:nvSpPr>
+            <p:spPr>
+              <a:xfrm>
+                <a:off x="2239171" y="3949426"/>
+                <a:ext cx="1010048" cy="446173"/>
+              </a:xfrm>
+              <a:prstGeom prst="rect">
+                <a:avLst/>
+              </a:prstGeom>
+              <a:solidFill>
+                <a:srgbClr val="FF0000">
+                  <a:alpha val="50196"/>
+                </a:srgbClr>
+              </a:solidFill>
+              <a:ln>
+                <a:noFill/>
+              </a:ln>
+            </p:spPr>
+            <p:style>
+              <a:lnRef idx="2">
+                <a:schemeClr val="accent1">
+                  <a:shade val="50000"/>
+                </a:schemeClr>
+              </a:lnRef>
+              <a:fillRef idx="1">
+                <a:schemeClr val="accent1"/>
+              </a:fillRef>
+              <a:effectRef idx="0">
+                <a:schemeClr val="accent1"/>
+              </a:effectRef>
+              <a:fontRef idx="minor">
+                <a:schemeClr val="lt1"/>
+              </a:fontRef>
+            </p:style>
+            <p:txBody>
+              <a:bodyPr rtlCol="0" anchor="ctr"/>
+              <a:lstStyle/>
+              <a:p>
+                <a:pPr algn="ctr"/>
+                <a:endParaRPr kumimoji="1" lang="zh-CN" altLang="en-US"/>
+              </a:p>
+            </p:txBody>
+          </p:sp>
+          <p:sp>
+            <p:nvSpPr>
+              <p:cNvPr id="44" name="矩形 31">
+                <a:extLst>
+                  <a:ext uri="{FF2B5EF4-FFF2-40B4-BE49-F238E27FC236}">
+                    <a16:creationId xmlns:a16="http://schemas.microsoft.com/office/drawing/2014/main" id="{B7CADEA8-AE69-A449-BBBD-971DD13405FD}"/>
+                  </a:ext>
+                </a:extLst>
+              </p:cNvPr>
+              <p:cNvSpPr/>
+              <p:nvPr/>
+            </p:nvSpPr>
+            <p:spPr>
+              <a:xfrm>
+                <a:off x="2347267" y="4525371"/>
+                <a:ext cx="938040" cy="446173"/>
+              </a:xfrm>
+              <a:prstGeom prst="rect">
+                <a:avLst/>
+              </a:prstGeom>
+              <a:solidFill>
+                <a:srgbClr val="FF0000">
+                  <a:alpha val="50196"/>
+                </a:srgbClr>
+              </a:solidFill>
+              <a:ln>
+                <a:noFill/>
+              </a:ln>
+            </p:spPr>
+            <p:style>
+              <a:lnRef idx="2">
+                <a:schemeClr val="accent1">
+                  <a:shade val="50000"/>
+                </a:schemeClr>
+              </a:lnRef>
+              <a:fillRef idx="1">
+                <a:schemeClr val="accent1"/>
+              </a:fillRef>
+              <a:effectRef idx="0">
+                <a:schemeClr val="accent1"/>
+              </a:effectRef>
+              <a:fontRef idx="minor">
+                <a:schemeClr val="lt1"/>
+              </a:fontRef>
+            </p:style>
+            <p:txBody>
+              <a:bodyPr rtlCol="0" anchor="ctr"/>
+              <a:lstStyle/>
+              <a:p>
+                <a:pPr algn="ctr"/>
+                <a:endParaRPr kumimoji="1" lang="zh-CN" altLang="en-US"/>
+              </a:p>
+            </p:txBody>
+          </p:sp>
+          <p:sp>
+            <p:nvSpPr>
+              <p:cNvPr id="45" name="矩形 32">
+                <a:extLst>
+                  <a:ext uri="{FF2B5EF4-FFF2-40B4-BE49-F238E27FC236}">
+                    <a16:creationId xmlns:a16="http://schemas.microsoft.com/office/drawing/2014/main" id="{7AB439A8-DAEB-2E4C-A421-B9BD16471178}"/>
+                  </a:ext>
+                </a:extLst>
+              </p:cNvPr>
+              <p:cNvSpPr/>
+              <p:nvPr/>
+            </p:nvSpPr>
+            <p:spPr>
+              <a:xfrm>
+                <a:off x="2264381" y="5101316"/>
+                <a:ext cx="984838" cy="446173"/>
+              </a:xfrm>
+              <a:prstGeom prst="rect">
+                <a:avLst/>
+              </a:prstGeom>
+              <a:solidFill>
+                <a:srgbClr val="FF0000">
+                  <a:alpha val="50196"/>
+                </a:srgbClr>
+              </a:solidFill>
+              <a:ln>
+                <a:noFill/>
+              </a:ln>
+            </p:spPr>
+            <p:style>
+              <a:lnRef idx="2">
+                <a:schemeClr val="accent1">
+                  <a:shade val="50000"/>
+                </a:schemeClr>
+              </a:lnRef>
+              <a:fillRef idx="1">
+                <a:schemeClr val="accent1"/>
+              </a:fillRef>
+              <a:effectRef idx="0">
+                <a:schemeClr val="accent1"/>
+              </a:effectRef>
+              <a:fontRef idx="minor">
+                <a:schemeClr val="lt1"/>
+              </a:fontRef>
+            </p:style>
+            <p:txBody>
+              <a:bodyPr rtlCol="0" anchor="ctr"/>
+              <a:lstStyle/>
+              <a:p>
+                <a:pPr algn="ctr"/>
+                <a:endParaRPr kumimoji="1" lang="zh-CN" altLang="en-US"/>
+              </a:p>
+            </p:txBody>
+          </p:sp>
+          <p:sp>
+            <p:nvSpPr>
+              <p:cNvPr id="46" name="矩形 33">
+                <a:extLst>
+                  <a:ext uri="{FF2B5EF4-FFF2-40B4-BE49-F238E27FC236}">
+                    <a16:creationId xmlns:a16="http://schemas.microsoft.com/office/drawing/2014/main" id="{F673A920-959E-9F45-B5FE-1D5FDA82F7F0}"/>
+                  </a:ext>
+                </a:extLst>
+              </p:cNvPr>
+              <p:cNvSpPr/>
+              <p:nvPr/>
+            </p:nvSpPr>
+            <p:spPr>
+              <a:xfrm>
+                <a:off x="3249219" y="5198951"/>
+                <a:ext cx="125999" cy="304241"/>
+              </a:xfrm>
+              <a:prstGeom prst="rect">
+                <a:avLst/>
+              </a:prstGeom>
+              <a:solidFill>
+                <a:srgbClr val="FF0000">
+                  <a:alpha val="50196"/>
+                </a:srgbClr>
+              </a:solidFill>
+              <a:ln>
+                <a:noFill/>
+              </a:ln>
+            </p:spPr>
+            <p:style>
+              <a:lnRef idx="2">
+                <a:schemeClr val="accent1">
+                  <a:shade val="50000"/>
+                </a:schemeClr>
+              </a:lnRef>
+              <a:fillRef idx="1">
+                <a:schemeClr val="accent1"/>
+              </a:fillRef>
+              <a:effectRef idx="0">
+                <a:schemeClr val="accent1"/>
+              </a:effectRef>
+              <a:fontRef idx="minor">
+                <a:schemeClr val="lt1"/>
+              </a:fontRef>
+            </p:style>
+            <p:txBody>
+              <a:bodyPr rtlCol="0" anchor="ctr"/>
+              <a:lstStyle/>
+              <a:p>
+                <a:pPr algn="ctr"/>
+                <a:endParaRPr kumimoji="1" lang="zh-CN" altLang="en-US"/>
+              </a:p>
+            </p:txBody>
+          </p:sp>
+          <p:sp>
+            <p:nvSpPr>
+              <p:cNvPr id="47" name="L 形 34">
+                <a:extLst>
+                  <a:ext uri="{FF2B5EF4-FFF2-40B4-BE49-F238E27FC236}">
+                    <a16:creationId xmlns:a16="http://schemas.microsoft.com/office/drawing/2014/main" id="{5C99F5EA-D9B8-D848-9FF7-E8B9F97D17AC}"/>
+                  </a:ext>
+                </a:extLst>
+              </p:cNvPr>
+              <p:cNvSpPr/>
+              <p:nvPr/>
+            </p:nvSpPr>
+            <p:spPr>
+              <a:xfrm>
+                <a:off x="2798300" y="5677262"/>
+                <a:ext cx="601200" cy="485414"/>
+              </a:xfrm>
+              <a:prstGeom prst="corner">
+                <a:avLst>
+                  <a:gd name="adj1" fmla="val 42668"/>
+                  <a:gd name="adj2" fmla="val 112361"/>
+                </a:avLst>
+              </a:prstGeom>
+              <a:solidFill>
+                <a:srgbClr val="FF0000">
+                  <a:alpha val="50196"/>
+                </a:srgbClr>
+              </a:solidFill>
+              <a:ln>
+                <a:noFill/>
+              </a:ln>
+            </p:spPr>
+            <p:style>
+              <a:lnRef idx="2">
+                <a:schemeClr val="accent1">
+                  <a:shade val="50000"/>
+                </a:schemeClr>
+              </a:lnRef>
+              <a:fillRef idx="1">
+                <a:schemeClr val="accent1"/>
+              </a:fillRef>
+              <a:effectRef idx="0">
+                <a:schemeClr val="accent1"/>
+              </a:effectRef>
+              <a:fontRef idx="minor">
+                <a:schemeClr val="lt1"/>
+              </a:fontRef>
+            </p:style>
+            <p:txBody>
+              <a:bodyPr rtlCol="0" anchor="ctr"/>
+              <a:lstStyle/>
+              <a:p>
+                <a:pPr algn="ctr"/>
+                <a:endParaRPr kumimoji="1" lang="zh-CN" altLang="en-US"/>
+              </a:p>
+            </p:txBody>
+          </p:sp>
+          <p:sp>
+            <p:nvSpPr>
+              <p:cNvPr id="48" name="剪去单角的矩形 36">
+                <a:extLst>
+                  <a:ext uri="{FF2B5EF4-FFF2-40B4-BE49-F238E27FC236}">
+                    <a16:creationId xmlns:a16="http://schemas.microsoft.com/office/drawing/2014/main" id="{694782CD-7937-F146-A19D-E85458D77DA3}"/>
+                  </a:ext>
+                </a:extLst>
+              </p:cNvPr>
+              <p:cNvSpPr/>
+              <p:nvPr/>
+            </p:nvSpPr>
+            <p:spPr>
+              <a:xfrm rot="10800000">
+                <a:off x="2133524" y="5677261"/>
+                <a:ext cx="223823" cy="348444"/>
+              </a:xfrm>
+              <a:prstGeom prst="snip1Rect">
+                <a:avLst>
+                  <a:gd name="adj" fmla="val 41959"/>
+                </a:avLst>
+              </a:prstGeom>
+              <a:solidFill>
+                <a:srgbClr val="FF0000">
+                  <a:alpha val="50196"/>
+                </a:srgbClr>
+              </a:solidFill>
+              <a:ln>
+                <a:noFill/>
+              </a:ln>
+            </p:spPr>
+            <p:style>
+              <a:lnRef idx="2">
+                <a:schemeClr val="accent1">
+                  <a:shade val="50000"/>
+                </a:schemeClr>
+              </a:lnRef>
+              <a:fillRef idx="1">
+                <a:schemeClr val="accent1"/>
+              </a:fillRef>
+              <a:effectRef idx="0">
+                <a:schemeClr val="accent1"/>
+              </a:effectRef>
+              <a:fontRef idx="minor">
+                <a:schemeClr val="lt1"/>
+              </a:fontRef>
+            </p:style>
+            <p:txBody>
+              <a:bodyPr rtlCol="0" anchor="ctr"/>
+              <a:lstStyle/>
+              <a:p>
+                <a:pPr algn="ctr"/>
+                <a:endParaRPr kumimoji="1" lang="zh-CN" altLang="en-US"/>
+              </a:p>
+            </p:txBody>
+          </p:sp>
+          <p:sp>
+            <p:nvSpPr>
+              <p:cNvPr id="49" name="矩形 37">
+                <a:extLst>
+                  <a:ext uri="{FF2B5EF4-FFF2-40B4-BE49-F238E27FC236}">
+                    <a16:creationId xmlns:a16="http://schemas.microsoft.com/office/drawing/2014/main" id="{39339E8B-6403-B14E-8D17-C19558A1EAAF}"/>
+                  </a:ext>
+                </a:extLst>
+              </p:cNvPr>
+              <p:cNvSpPr/>
+              <p:nvPr/>
+            </p:nvSpPr>
+            <p:spPr>
+              <a:xfrm>
+                <a:off x="2357348" y="5677261"/>
+                <a:ext cx="440952" cy="485413"/>
+              </a:xfrm>
+              <a:prstGeom prst="rect">
+                <a:avLst/>
+              </a:prstGeom>
+              <a:solidFill>
+                <a:srgbClr val="FF0000">
+                  <a:alpha val="50196"/>
+                </a:srgbClr>
+              </a:solidFill>
+              <a:ln>
+                <a:noFill/>
+              </a:ln>
+            </p:spPr>
+            <p:style>
+              <a:lnRef idx="2">
+                <a:schemeClr val="accent1">
+                  <a:shade val="50000"/>
+                </a:schemeClr>
+              </a:lnRef>
+              <a:fillRef idx="1">
+                <a:schemeClr val="accent1"/>
+              </a:fillRef>
+              <a:effectRef idx="0">
+                <a:schemeClr val="accent1"/>
+              </a:effectRef>
+              <a:fontRef idx="minor">
+                <a:schemeClr val="lt1"/>
+              </a:fontRef>
+            </p:style>
+            <p:txBody>
+              <a:bodyPr rtlCol="0" anchor="ctr"/>
+              <a:lstStyle/>
+              <a:p>
+                <a:pPr algn="ctr"/>
+                <a:endParaRPr kumimoji="1" lang="zh-CN" altLang="en-US"/>
+              </a:p>
+            </p:txBody>
+          </p:sp>
+          <p:sp>
+            <p:nvSpPr>
+              <p:cNvPr id="50" name="平行四边形 39">
+                <a:extLst>
+                  <a:ext uri="{FF2B5EF4-FFF2-40B4-BE49-F238E27FC236}">
+                    <a16:creationId xmlns:a16="http://schemas.microsoft.com/office/drawing/2014/main" id="{B96E5AD3-FB64-3D44-99B2-566C07166627}"/>
+                  </a:ext>
+                </a:extLst>
+              </p:cNvPr>
+              <p:cNvSpPr/>
+              <p:nvPr/>
+            </p:nvSpPr>
+            <p:spPr>
+              <a:xfrm flipH="1">
+                <a:off x="3726258" y="2098675"/>
+                <a:ext cx="826020" cy="4063999"/>
+              </a:xfrm>
+              <a:prstGeom prst="parallelogram">
+                <a:avLst>
+                  <a:gd name="adj" fmla="val 15963"/>
+                </a:avLst>
+              </a:prstGeom>
+              <a:solidFill>
+                <a:srgbClr val="0432FF">
+                  <a:alpha val="50196"/>
+                </a:srgbClr>
+              </a:solidFill>
+              <a:ln>
+                <a:noFill/>
+              </a:ln>
+            </p:spPr>
+            <p:style>
+              <a:lnRef idx="2">
+                <a:schemeClr val="accent1">
+                  <a:shade val="50000"/>
+                </a:schemeClr>
+              </a:lnRef>
+              <a:fillRef idx="1">
+                <a:schemeClr val="accent1"/>
+              </a:fillRef>
+              <a:effectRef idx="0">
+                <a:schemeClr val="accent1"/>
+              </a:effectRef>
+              <a:fontRef idx="minor">
+                <a:schemeClr val="lt1"/>
+              </a:fontRef>
+            </p:style>
+            <p:txBody>
+              <a:bodyPr rtlCol="0" anchor="ctr"/>
+              <a:lstStyle/>
+              <a:p>
+                <a:pPr algn="ctr"/>
+                <a:endParaRPr kumimoji="1" lang="zh-CN" altLang="en-US"/>
+              </a:p>
+            </p:txBody>
+          </p:sp>
+        </p:grpSp>
+      </p:grpSp>
+      <p:pic>
+        <p:nvPicPr>
+          <p:cNvPr id="51" name="内容占位符 2">
+            <a:extLst>
+              <a:ext uri="{FF2B5EF4-FFF2-40B4-BE49-F238E27FC236}">
+                <a16:creationId xmlns:a16="http://schemas.microsoft.com/office/drawing/2014/main" id="{D6C55E1E-2370-B34C-B32B-699FAB6A26F1}"/>
+              </a:ext>
+            </a:extLst>
+          </p:cNvPr>
+          <p:cNvPicPr>
+            <a:picLocks noChangeAspect="1"/>
+          </p:cNvPicPr>
+          <p:nvPr/>
+        </p:nvPicPr>
+        <p:blipFill>
+          <a:blip r:embed="rId2">
+            <a:extLst>
+              <a:ext uri="{28A0092B-C50C-407E-A947-70E740481C1C}">
+                <a14:useLocalDpi xmlns:a14="http://schemas.microsoft.com/office/drawing/2010/main" val="0"/>
+              </a:ext>
+            </a:extLst>
+          </a:blip>
+          <a:stretch>
+            <a:fillRect/>
+          </a:stretch>
+        </p:blipFill>
+        <p:spPr>
+          <a:xfrm>
+            <a:off x="2941848" y="2473966"/>
+            <a:ext cx="4316597" cy="4316597"/>
+          </a:xfrm>
+          <a:prstGeom prst="rect">
+            <a:avLst/>
+          </a:prstGeom>
+          <a:ln w="25400">
             <a:noFill/>
           </a:ln>
         </p:spPr>
-        <p:style>
-          <a:lnRef idx="2">
-            <a:schemeClr val="accent1">
-              <a:shade val="50000"/>
-            </a:schemeClr>
-          </a:lnRef>
-          <a:fillRef idx="1">
-            <a:schemeClr val="accent1"/>
-          </a:fillRef>
-          <a:effectRef idx="0">
-            <a:schemeClr val="accent1"/>
-          </a:effectRef>
-          <a:fontRef idx="minor">
-            <a:schemeClr val="lt1"/>
-          </a:fontRef>
-        </p:style>
-        <p:txBody>
-          <a:bodyPr rtlCol="0" anchor="ctr"/>
-          <a:lstStyle/>
-          <a:p>
-            <a:pPr algn="ctr"/>
-            <a:r>
-              <a:rPr lang="en-US" sz="3200" dirty="0">
-                <a:solidFill>
-                  <a:schemeClr val="tx1"/>
-                </a:solidFill>
-                <a:latin typeface="Arial" panose="020B0604020202020204" pitchFamily="34" charset="0"/>
-                <a:cs typeface="Arial" panose="020B0604020202020204" pitchFamily="34" charset="0"/>
-              </a:rPr>
-              <a:t>Foreground</a:t>
-            </a:r>
-          </a:p>
-        </p:txBody>
-      </p:sp>
+      </p:pic>
     </p:spTree>
     <p:extLst>
       <p:ext uri="{BB962C8B-B14F-4D97-AF65-F5344CB8AC3E}">

--- a/ThesisLaTeX/fig.pptx
+++ b/ThesisLaTeX/fig.pptx
@@ -5,7 +5,7 @@
     <p:sldMasterId id="2147483648" r:id="rId1"/>
   </p:sldMasterIdLst>
   <p:notesMasterIdLst>
-    <p:notesMasterId r:id="rId20"/>
+    <p:notesMasterId r:id="rId21"/>
   </p:notesMasterIdLst>
   <p:sldIdLst>
     <p:sldId id="275" r:id="rId2"/>
@@ -26,6 +26,7 @@
     <p:sldId id="271" r:id="rId17"/>
     <p:sldId id="273" r:id="rId18"/>
     <p:sldId id="274" r:id="rId19"/>
+    <p:sldId id="276" r:id="rId20"/>
   </p:sldIdLst>
   <p:sldSz cx="12192000" cy="6858000"/>
   <p:notesSz cx="6858000" cy="9144000"/>
@@ -214,7 +215,7 @@
           <a:p>
             <a:fld id="{A0438485-CF21-3F47-A468-9A5AD0CFA17C}" type="datetimeFigureOut">
               <a:rPr lang="en-US" smtClean="0"/>
-              <a:t>4/1/18</a:t>
+              <a:t>4/2/18</a:t>
             </a:fld>
             <a:endParaRPr lang="en-US"/>
           </a:p>
@@ -712,7 +713,7 @@
           <a:p>
             <a:fld id="{FBFF591B-33EC-0C40-B0D5-15169D3664A5}" type="datetimeFigureOut">
               <a:rPr lang="en-US" smtClean="0"/>
-              <a:t>4/1/18</a:t>
+              <a:t>4/2/18</a:t>
             </a:fld>
             <a:endParaRPr lang="en-US"/>
           </a:p>
@@ -910,7 +911,7 @@
           <a:p>
             <a:fld id="{FBFF591B-33EC-0C40-B0D5-15169D3664A5}" type="datetimeFigureOut">
               <a:rPr lang="en-US" smtClean="0"/>
-              <a:t>4/1/18</a:t>
+              <a:t>4/2/18</a:t>
             </a:fld>
             <a:endParaRPr lang="en-US"/>
           </a:p>
@@ -1118,7 +1119,7 @@
           <a:p>
             <a:fld id="{FBFF591B-33EC-0C40-B0D5-15169D3664A5}" type="datetimeFigureOut">
               <a:rPr lang="en-US" smtClean="0"/>
-              <a:t>4/1/18</a:t>
+              <a:t>4/2/18</a:t>
             </a:fld>
             <a:endParaRPr lang="en-US"/>
           </a:p>
@@ -1316,7 +1317,7 @@
           <a:p>
             <a:fld id="{FBFF591B-33EC-0C40-B0D5-15169D3664A5}" type="datetimeFigureOut">
               <a:rPr lang="en-US" smtClean="0"/>
-              <a:t>4/1/18</a:t>
+              <a:t>4/2/18</a:t>
             </a:fld>
             <a:endParaRPr lang="en-US"/>
           </a:p>
@@ -1591,7 +1592,7 @@
           <a:p>
             <a:fld id="{FBFF591B-33EC-0C40-B0D5-15169D3664A5}" type="datetimeFigureOut">
               <a:rPr lang="en-US" smtClean="0"/>
-              <a:t>4/1/18</a:t>
+              <a:t>4/2/18</a:t>
             </a:fld>
             <a:endParaRPr lang="en-US"/>
           </a:p>
@@ -1856,7 +1857,7 @@
           <a:p>
             <a:fld id="{FBFF591B-33EC-0C40-B0D5-15169D3664A5}" type="datetimeFigureOut">
               <a:rPr lang="en-US" smtClean="0"/>
-              <a:t>4/1/18</a:t>
+              <a:t>4/2/18</a:t>
             </a:fld>
             <a:endParaRPr lang="en-US"/>
           </a:p>
@@ -2268,7 +2269,7 @@
           <a:p>
             <a:fld id="{FBFF591B-33EC-0C40-B0D5-15169D3664A5}" type="datetimeFigureOut">
               <a:rPr lang="en-US" smtClean="0"/>
-              <a:t>4/1/18</a:t>
+              <a:t>4/2/18</a:t>
             </a:fld>
             <a:endParaRPr lang="en-US"/>
           </a:p>
@@ -2409,7 +2410,7 @@
           <a:p>
             <a:fld id="{FBFF591B-33EC-0C40-B0D5-15169D3664A5}" type="datetimeFigureOut">
               <a:rPr lang="en-US" smtClean="0"/>
-              <a:t>4/1/18</a:t>
+              <a:t>4/2/18</a:t>
             </a:fld>
             <a:endParaRPr lang="en-US"/>
           </a:p>
@@ -2522,7 +2523,7 @@
           <a:p>
             <a:fld id="{FBFF591B-33EC-0C40-B0D5-15169D3664A5}" type="datetimeFigureOut">
               <a:rPr lang="en-US" smtClean="0"/>
-              <a:t>4/1/18</a:t>
+              <a:t>4/2/18</a:t>
             </a:fld>
             <a:endParaRPr lang="en-US"/>
           </a:p>
@@ -2833,7 +2834,7 @@
           <a:p>
             <a:fld id="{FBFF591B-33EC-0C40-B0D5-15169D3664A5}" type="datetimeFigureOut">
               <a:rPr lang="en-US" smtClean="0"/>
-              <a:t>4/1/18</a:t>
+              <a:t>4/2/18</a:t>
             </a:fld>
             <a:endParaRPr lang="en-US"/>
           </a:p>
@@ -3121,7 +3122,7 @@
           <a:p>
             <a:fld id="{FBFF591B-33EC-0C40-B0D5-15169D3664A5}" type="datetimeFigureOut">
               <a:rPr lang="en-US" smtClean="0"/>
-              <a:t>4/1/18</a:t>
+              <a:t>4/2/18</a:t>
             </a:fld>
             <a:endParaRPr lang="en-US"/>
           </a:p>
@@ -3362,7 +3363,7 @@
           <a:p>
             <a:fld id="{FBFF591B-33EC-0C40-B0D5-15169D3664A5}" type="datetimeFigureOut">
               <a:rPr lang="en-US" smtClean="0"/>
-              <a:t>4/1/18</a:t>
+              <a:t>4/2/18</a:t>
             </a:fld>
             <a:endParaRPr lang="en-US"/>
           </a:p>
@@ -3888,10 +3889,10 @@
         </p:nvGrpSpPr>
         <p:grpSpPr>
           <a:xfrm>
-            <a:off x="792612" y="283719"/>
-            <a:ext cx="3327460" cy="4320000"/>
-            <a:chOff x="1422000" y="2098675"/>
-            <a:chExt cx="3130278" cy="4064001"/>
+            <a:off x="792612" y="396597"/>
+            <a:ext cx="2102066" cy="4207122"/>
+            <a:chOff x="1422000" y="2204865"/>
+            <a:chExt cx="1977501" cy="3957816"/>
           </a:xfrm>
         </p:grpSpPr>
         <p:sp>
@@ -3908,8 +3909,8 @@
           </p:nvSpPr>
           <p:spPr>
             <a:xfrm>
-              <a:off x="1440000" y="2232000"/>
-              <a:ext cx="396000" cy="432048"/>
+              <a:off x="1440000" y="2232001"/>
+              <a:ext cx="396000" cy="432049"/>
             </a:xfrm>
             <a:prstGeom prst="rect">
               <a:avLst/>
@@ -3962,8 +3963,8 @@
           </p:nvSpPr>
           <p:spPr>
             <a:xfrm>
-              <a:off x="1422000" y="2782800"/>
-              <a:ext cx="450000" cy="432048"/>
+              <a:off x="1422000" y="2782801"/>
+              <a:ext cx="450000" cy="432049"/>
             </a:xfrm>
             <a:prstGeom prst="rect">
               <a:avLst/>
@@ -4016,7 +4017,7 @@
           </p:nvSpPr>
           <p:spPr>
             <a:xfrm>
-              <a:off x="1486801" y="3489889"/>
+              <a:off x="1486801" y="3489891"/>
               <a:ext cx="413999" cy="417600"/>
             </a:xfrm>
             <a:prstGeom prst="rect">
@@ -4070,7 +4071,7 @@
           </p:nvSpPr>
           <p:spPr>
             <a:xfrm rot="5400000">
-              <a:off x="1458207" y="3981807"/>
+              <a:off x="1458207" y="3981810"/>
               <a:ext cx="424800" cy="402786"/>
             </a:xfrm>
             <a:prstGeom prst="corner">
@@ -4127,8 +4128,8 @@
           </p:nvSpPr>
           <p:spPr>
             <a:xfrm>
-              <a:off x="1486800" y="4509120"/>
-              <a:ext cx="430355" cy="392441"/>
+              <a:off x="1486800" y="4509123"/>
+              <a:ext cx="430355" cy="392442"/>
             </a:xfrm>
             <a:prstGeom prst="rect">
               <a:avLst/>
@@ -4181,7 +4182,7 @@
           </p:nvSpPr>
           <p:spPr>
             <a:xfrm>
-              <a:off x="1494977" y="5091437"/>
+              <a:off x="1494977" y="5091441"/>
               <a:ext cx="413999" cy="411755"/>
             </a:xfrm>
             <a:prstGeom prst="rect">
@@ -4235,7 +4236,7 @@
           </p:nvSpPr>
           <p:spPr>
             <a:xfrm>
-              <a:off x="1508257" y="5814232"/>
+              <a:off x="1508257" y="5814237"/>
               <a:ext cx="392544" cy="348444"/>
             </a:xfrm>
             <a:prstGeom prst="rect">
@@ -4289,8 +4290,8 @@
           </p:nvSpPr>
           <p:spPr>
             <a:xfrm>
-              <a:off x="2357349" y="2204864"/>
-              <a:ext cx="855949" cy="459184"/>
+              <a:off x="2357350" y="2204865"/>
+              <a:ext cx="855950" cy="459185"/>
             </a:xfrm>
             <a:prstGeom prst="corner">
               <a:avLst>
@@ -4346,8 +4347,8 @@
           </p:nvSpPr>
           <p:spPr>
             <a:xfrm>
-              <a:off x="2493219" y="2808000"/>
-              <a:ext cx="756000" cy="432048"/>
+              <a:off x="2493220" y="2808003"/>
+              <a:ext cx="756001" cy="432049"/>
             </a:xfrm>
             <a:prstGeom prst="rect">
               <a:avLst/>
@@ -4400,8 +4401,8 @@
           </p:nvSpPr>
           <p:spPr>
             <a:xfrm>
-              <a:off x="2664372" y="3383999"/>
-              <a:ext cx="692943" cy="459184"/>
+              <a:off x="2664373" y="3384002"/>
+              <a:ext cx="692944" cy="459185"/>
             </a:xfrm>
             <a:prstGeom prst="corner">
               <a:avLst>
@@ -4457,8 +4458,8 @@
           </p:nvSpPr>
           <p:spPr>
             <a:xfrm rot="16200000">
-              <a:off x="2205188" y="3383999"/>
-              <a:ext cx="459184" cy="459184"/>
+              <a:off x="2205189" y="3384003"/>
+              <a:ext cx="459185" cy="459185"/>
             </a:xfrm>
             <a:prstGeom prst="corner">
               <a:avLst>
@@ -4514,8 +4515,8 @@
           </p:nvSpPr>
           <p:spPr>
             <a:xfrm>
-              <a:off x="2239171" y="3949426"/>
-              <a:ext cx="1010048" cy="446173"/>
+              <a:off x="2239172" y="3949430"/>
+              <a:ext cx="1010049" cy="446173"/>
             </a:xfrm>
             <a:prstGeom prst="rect">
               <a:avLst/>
@@ -4568,8 +4569,8 @@
           </p:nvSpPr>
           <p:spPr>
             <a:xfrm>
-              <a:off x="2347267" y="4525371"/>
-              <a:ext cx="938040" cy="446173"/>
+              <a:off x="2347268" y="4525374"/>
+              <a:ext cx="938041" cy="446173"/>
             </a:xfrm>
             <a:prstGeom prst="rect">
               <a:avLst/>
@@ -4622,8 +4623,8 @@
           </p:nvSpPr>
           <p:spPr>
             <a:xfrm>
-              <a:off x="2264381" y="5101316"/>
-              <a:ext cx="984838" cy="446173"/>
+              <a:off x="2264382" y="5101320"/>
+              <a:ext cx="984839" cy="446173"/>
             </a:xfrm>
             <a:prstGeom prst="rect">
               <a:avLst/>
@@ -4676,7 +4677,7 @@
           </p:nvSpPr>
           <p:spPr>
             <a:xfrm>
-              <a:off x="3249219" y="5198951"/>
+              <a:off x="3249221" y="5198953"/>
               <a:ext cx="125999" cy="304241"/>
             </a:xfrm>
             <a:prstGeom prst="rect">
@@ -4730,8 +4731,8 @@
           </p:nvSpPr>
           <p:spPr>
             <a:xfrm>
-              <a:off x="2798300" y="5677262"/>
-              <a:ext cx="601200" cy="485414"/>
+              <a:off x="2798300" y="5677263"/>
+              <a:ext cx="601201" cy="485414"/>
             </a:xfrm>
             <a:prstGeom prst="corner">
               <a:avLst>
@@ -4787,7 +4788,7 @@
           </p:nvSpPr>
           <p:spPr>
             <a:xfrm rot="10800000">
-              <a:off x="2133524" y="5677261"/>
+              <a:off x="2133525" y="5677262"/>
               <a:ext cx="223823" cy="348444"/>
             </a:xfrm>
             <a:prstGeom prst="snip1Rect">
@@ -4883,62 +4884,6 @@
             </a:p>
           </p:txBody>
         </p:sp>
-        <p:sp>
-          <p:nvSpPr>
-            <p:cNvPr id="29" name="平行四边形 39">
-              <a:extLst>
-                <a:ext uri="{FF2B5EF4-FFF2-40B4-BE49-F238E27FC236}">
-                  <a16:creationId xmlns:a16="http://schemas.microsoft.com/office/drawing/2014/main" id="{180B6F12-EE17-2B43-A74C-6DE3330A7575}"/>
-                </a:ext>
-              </a:extLst>
-            </p:cNvPr>
-            <p:cNvSpPr/>
-            <p:nvPr/>
-          </p:nvSpPr>
-          <p:spPr>
-            <a:xfrm flipH="1">
-              <a:off x="3726258" y="2098675"/>
-              <a:ext cx="826020" cy="4063999"/>
-            </a:xfrm>
-            <a:prstGeom prst="parallelogram">
-              <a:avLst>
-                <a:gd name="adj" fmla="val 15963"/>
-              </a:avLst>
-            </a:prstGeom>
-            <a:solidFill>
-              <a:srgbClr val="0432FF">
-                <a:alpha val="50196"/>
-              </a:srgbClr>
-            </a:solidFill>
-            <a:ln>
-              <a:noFill/>
-            </a:ln>
-          </p:spPr>
-          <p:style>
-            <a:lnRef idx="2">
-              <a:schemeClr val="accent1">
-                <a:shade val="50000"/>
-              </a:schemeClr>
-            </a:lnRef>
-            <a:fillRef idx="1">
-              <a:schemeClr val="accent1"/>
-            </a:fillRef>
-            <a:effectRef idx="0">
-              <a:schemeClr val="accent1"/>
-            </a:effectRef>
-            <a:fontRef idx="minor">
-              <a:schemeClr val="lt1"/>
-            </a:fontRef>
-          </p:style>
-          <p:txBody>
-            <a:bodyPr rtlCol="0" anchor="ctr"/>
-            <a:lstStyle/>
-            <a:p>
-              <a:pPr algn="ctr"/>
-              <a:endParaRPr kumimoji="1" lang="zh-CN" altLang="en-US"/>
-            </a:p>
-          </p:txBody>
-        </p:sp>
       </p:grpSp>
       <p:grpSp>
         <p:nvGrpSpPr>
@@ -4954,7 +4899,7 @@
         </p:nvGrpSpPr>
         <p:grpSpPr>
           <a:xfrm>
-            <a:off x="6489613" y="-919430"/>
+            <a:off x="6473570" y="5256781"/>
             <a:ext cx="4320000" cy="4320000"/>
             <a:chOff x="5575213" y="46473"/>
             <a:chExt cx="4320000" cy="4320000"/>
@@ -6110,7 +6055,7 @@
         </p:blipFill>
         <p:spPr>
           <a:xfrm>
-            <a:off x="2941848" y="2473966"/>
+            <a:off x="323240" y="4908873"/>
             <a:ext cx="4316597" cy="4316597"/>
           </a:xfrm>
           <a:prstGeom prst="rect">
@@ -29546,6 +29491,7484 @@
 </p:sld>
 </file>
 
+<file path=ppt/slides/slide19.xml><?xml version="1.0" encoding="utf-8"?>
+<p:sld xmlns:a="http://schemas.openxmlformats.org/drawingml/2006/main" xmlns:r="http://schemas.openxmlformats.org/officeDocument/2006/relationships" xmlns:p="http://schemas.openxmlformats.org/presentationml/2006/main">
+  <p:cSld>
+    <p:spTree>
+      <p:nvGrpSpPr>
+        <p:cNvPr id="1" name=""/>
+        <p:cNvGrpSpPr/>
+        <p:nvPr/>
+      </p:nvGrpSpPr>
+      <p:grpSpPr>
+        <a:xfrm>
+          <a:off x="0" y="0"/>
+          <a:ext cx="0" cy="0"/>
+          <a:chOff x="0" y="0"/>
+          <a:chExt cx="0" cy="0"/>
+        </a:xfrm>
+      </p:grpSpPr>
+      <p:sp>
+        <p:nvSpPr>
+          <p:cNvPr id="12" name="Oval 11">
+            <a:extLst>
+              <a:ext uri="{FF2B5EF4-FFF2-40B4-BE49-F238E27FC236}">
+                <a16:creationId xmlns:a16="http://schemas.microsoft.com/office/drawing/2014/main" id="{7C7DCF02-C6B1-4744-A025-02C3A6772117}"/>
+              </a:ext>
+            </a:extLst>
+          </p:cNvPr>
+          <p:cNvSpPr>
+            <a:spLocks noChangeAspect="1"/>
+          </p:cNvSpPr>
+          <p:nvPr/>
+        </p:nvSpPr>
+        <p:spPr>
+          <a:xfrm>
+            <a:off x="1080000" y="5400000"/>
+            <a:ext cx="540000" cy="540000"/>
+          </a:xfrm>
+          <a:prstGeom prst="ellipse">
+            <a:avLst/>
+          </a:prstGeom>
+          <a:solidFill>
+            <a:schemeClr val="accent5">
+              <a:lumMod val="60000"/>
+              <a:lumOff val="40000"/>
+            </a:schemeClr>
+          </a:solidFill>
+          <a:ln>
+            <a:solidFill>
+              <a:schemeClr val="accent5"/>
+            </a:solidFill>
+          </a:ln>
+        </p:spPr>
+        <p:style>
+          <a:lnRef idx="2">
+            <a:schemeClr val="accent1">
+              <a:shade val="50000"/>
+            </a:schemeClr>
+          </a:lnRef>
+          <a:fillRef idx="1">
+            <a:schemeClr val="accent1"/>
+          </a:fillRef>
+          <a:effectRef idx="0">
+            <a:schemeClr val="accent1"/>
+          </a:effectRef>
+          <a:fontRef idx="minor">
+            <a:schemeClr val="lt1"/>
+          </a:fontRef>
+        </p:style>
+        <p:txBody>
+          <a:bodyPr wrap="none" rtlCol="0" anchor="ctr"/>
+          <a:lstStyle/>
+          <a:p>
+            <a:pPr algn="ctr"/>
+            <a:r>
+              <a:rPr lang="en-US" sz="2400" i="1" dirty="0">
+                <a:solidFill>
+                  <a:schemeClr val="tx1"/>
+                </a:solidFill>
+                <a:latin typeface="Times" pitchFamily="2" charset="0"/>
+              </a:rPr>
+              <a:t>v</a:t>
+            </a:r>
+            <a:r>
+              <a:rPr lang="en-US" sz="2400" baseline="-25000" dirty="0">
+                <a:solidFill>
+                  <a:schemeClr val="tx1"/>
+                </a:solidFill>
+                <a:latin typeface="Times" pitchFamily="2" charset="0"/>
+              </a:rPr>
+              <a:t>0</a:t>
+            </a:r>
+          </a:p>
+        </p:txBody>
+      </p:sp>
+      <p:sp>
+        <p:nvSpPr>
+          <p:cNvPr id="13" name="Oval 12">
+            <a:extLst>
+              <a:ext uri="{FF2B5EF4-FFF2-40B4-BE49-F238E27FC236}">
+                <a16:creationId xmlns:a16="http://schemas.microsoft.com/office/drawing/2014/main" id="{CF16E49B-EFD4-894B-BDCC-C1480CC25BB3}"/>
+              </a:ext>
+            </a:extLst>
+          </p:cNvPr>
+          <p:cNvSpPr>
+            <a:spLocks noChangeAspect="1"/>
+          </p:cNvSpPr>
+          <p:nvPr/>
+        </p:nvSpPr>
+        <p:spPr>
+          <a:xfrm>
+            <a:off x="1800000" y="5400000"/>
+            <a:ext cx="540000" cy="540000"/>
+          </a:xfrm>
+          <a:prstGeom prst="ellipse">
+            <a:avLst/>
+          </a:prstGeom>
+          <a:solidFill>
+            <a:schemeClr val="accent5">
+              <a:lumMod val="60000"/>
+              <a:lumOff val="40000"/>
+            </a:schemeClr>
+          </a:solidFill>
+          <a:ln>
+            <a:solidFill>
+              <a:schemeClr val="accent5"/>
+            </a:solidFill>
+          </a:ln>
+        </p:spPr>
+        <p:style>
+          <a:lnRef idx="2">
+            <a:schemeClr val="accent1">
+              <a:shade val="50000"/>
+            </a:schemeClr>
+          </a:lnRef>
+          <a:fillRef idx="1">
+            <a:schemeClr val="accent1"/>
+          </a:fillRef>
+          <a:effectRef idx="0">
+            <a:schemeClr val="accent1"/>
+          </a:effectRef>
+          <a:fontRef idx="minor">
+            <a:schemeClr val="lt1"/>
+          </a:fontRef>
+        </p:style>
+        <p:txBody>
+          <a:bodyPr wrap="none" rtlCol="0" anchor="ctr"/>
+          <a:lstStyle/>
+          <a:p>
+            <a:pPr algn="ctr"/>
+            <a:r>
+              <a:rPr lang="en-US" sz="2400" i="1" dirty="0">
+                <a:solidFill>
+                  <a:schemeClr val="tx1"/>
+                </a:solidFill>
+                <a:latin typeface="Times" pitchFamily="2" charset="0"/>
+              </a:rPr>
+              <a:t>v</a:t>
+            </a:r>
+            <a:r>
+              <a:rPr lang="en-US" sz="2400" baseline="-25000" dirty="0">
+                <a:solidFill>
+                  <a:schemeClr val="tx1"/>
+                </a:solidFill>
+                <a:latin typeface="Times" pitchFamily="2" charset="0"/>
+              </a:rPr>
+              <a:t>1</a:t>
+            </a:r>
+          </a:p>
+        </p:txBody>
+      </p:sp>
+      <p:sp>
+        <p:nvSpPr>
+          <p:cNvPr id="14" name="Oval 13">
+            <a:extLst>
+              <a:ext uri="{FF2B5EF4-FFF2-40B4-BE49-F238E27FC236}">
+                <a16:creationId xmlns:a16="http://schemas.microsoft.com/office/drawing/2014/main" id="{1228FFCD-A473-DB4A-94DE-EA093783FBD7}"/>
+              </a:ext>
+            </a:extLst>
+          </p:cNvPr>
+          <p:cNvSpPr>
+            <a:spLocks noChangeAspect="1"/>
+          </p:cNvSpPr>
+          <p:nvPr/>
+        </p:nvSpPr>
+        <p:spPr>
+          <a:xfrm>
+            <a:off x="2520000" y="5400000"/>
+            <a:ext cx="540000" cy="540000"/>
+          </a:xfrm>
+          <a:prstGeom prst="ellipse">
+            <a:avLst/>
+          </a:prstGeom>
+          <a:solidFill>
+            <a:schemeClr val="accent5">
+              <a:lumMod val="60000"/>
+              <a:lumOff val="40000"/>
+            </a:schemeClr>
+          </a:solidFill>
+          <a:ln>
+            <a:solidFill>
+              <a:schemeClr val="accent5"/>
+            </a:solidFill>
+          </a:ln>
+        </p:spPr>
+        <p:style>
+          <a:lnRef idx="2">
+            <a:schemeClr val="accent1">
+              <a:shade val="50000"/>
+            </a:schemeClr>
+          </a:lnRef>
+          <a:fillRef idx="1">
+            <a:schemeClr val="accent1"/>
+          </a:fillRef>
+          <a:effectRef idx="0">
+            <a:schemeClr val="accent1"/>
+          </a:effectRef>
+          <a:fontRef idx="minor">
+            <a:schemeClr val="lt1"/>
+          </a:fontRef>
+        </p:style>
+        <p:txBody>
+          <a:bodyPr wrap="none" rtlCol="0" anchor="ctr"/>
+          <a:lstStyle/>
+          <a:p>
+            <a:pPr algn="ctr"/>
+            <a:r>
+              <a:rPr lang="en-US" sz="2400" i="1" dirty="0">
+                <a:solidFill>
+                  <a:schemeClr val="tx1"/>
+                </a:solidFill>
+                <a:latin typeface="Times" pitchFamily="2" charset="0"/>
+              </a:rPr>
+              <a:t>v</a:t>
+            </a:r>
+            <a:r>
+              <a:rPr lang="en-US" sz="2400" baseline="-25000" dirty="0">
+                <a:solidFill>
+                  <a:schemeClr val="tx1"/>
+                </a:solidFill>
+                <a:latin typeface="Times" pitchFamily="2" charset="0"/>
+              </a:rPr>
+              <a:t>2</a:t>
+            </a:r>
+          </a:p>
+        </p:txBody>
+      </p:sp>
+      <p:sp>
+        <p:nvSpPr>
+          <p:cNvPr id="15" name="Oval 14">
+            <a:extLst>
+              <a:ext uri="{FF2B5EF4-FFF2-40B4-BE49-F238E27FC236}">
+                <a16:creationId xmlns:a16="http://schemas.microsoft.com/office/drawing/2014/main" id="{1494B1CA-C00E-3A43-870D-9D02CE35A847}"/>
+              </a:ext>
+            </a:extLst>
+          </p:cNvPr>
+          <p:cNvSpPr>
+            <a:spLocks noChangeAspect="1"/>
+          </p:cNvSpPr>
+          <p:nvPr/>
+        </p:nvSpPr>
+        <p:spPr>
+          <a:xfrm>
+            <a:off x="3240000" y="5400000"/>
+            <a:ext cx="540000" cy="540000"/>
+          </a:xfrm>
+          <a:prstGeom prst="ellipse">
+            <a:avLst/>
+          </a:prstGeom>
+          <a:solidFill>
+            <a:schemeClr val="accent5">
+              <a:lumMod val="60000"/>
+              <a:lumOff val="40000"/>
+            </a:schemeClr>
+          </a:solidFill>
+          <a:ln>
+            <a:solidFill>
+              <a:schemeClr val="accent5"/>
+            </a:solidFill>
+          </a:ln>
+        </p:spPr>
+        <p:style>
+          <a:lnRef idx="2">
+            <a:schemeClr val="accent1">
+              <a:shade val="50000"/>
+            </a:schemeClr>
+          </a:lnRef>
+          <a:fillRef idx="1">
+            <a:schemeClr val="accent1"/>
+          </a:fillRef>
+          <a:effectRef idx="0">
+            <a:schemeClr val="accent1"/>
+          </a:effectRef>
+          <a:fontRef idx="minor">
+            <a:schemeClr val="lt1"/>
+          </a:fontRef>
+        </p:style>
+        <p:txBody>
+          <a:bodyPr wrap="none" rtlCol="0" anchor="ctr"/>
+          <a:lstStyle/>
+          <a:p>
+            <a:pPr algn="ctr"/>
+            <a:r>
+              <a:rPr lang="en-US" sz="2400" i="1" dirty="0">
+                <a:solidFill>
+                  <a:schemeClr val="tx1"/>
+                </a:solidFill>
+                <a:latin typeface="Times" pitchFamily="2" charset="0"/>
+              </a:rPr>
+              <a:t>v</a:t>
+            </a:r>
+            <a:r>
+              <a:rPr lang="en-US" sz="2400" baseline="-25000" dirty="0">
+                <a:solidFill>
+                  <a:schemeClr val="tx1"/>
+                </a:solidFill>
+                <a:latin typeface="Times" pitchFamily="2" charset="0"/>
+              </a:rPr>
+              <a:t>3</a:t>
+            </a:r>
+          </a:p>
+        </p:txBody>
+      </p:sp>
+      <p:sp>
+        <p:nvSpPr>
+          <p:cNvPr id="16" name="Oval 15">
+            <a:extLst>
+              <a:ext uri="{FF2B5EF4-FFF2-40B4-BE49-F238E27FC236}">
+                <a16:creationId xmlns:a16="http://schemas.microsoft.com/office/drawing/2014/main" id="{00E2A29D-CD4B-3F44-AAD6-0EFF2B40CCFD}"/>
+              </a:ext>
+            </a:extLst>
+          </p:cNvPr>
+          <p:cNvSpPr>
+            <a:spLocks noChangeAspect="1"/>
+          </p:cNvSpPr>
+          <p:nvPr/>
+        </p:nvSpPr>
+        <p:spPr>
+          <a:xfrm>
+            <a:off x="4680000" y="360000"/>
+            <a:ext cx="540000" cy="540000"/>
+          </a:xfrm>
+          <a:prstGeom prst="ellipse">
+            <a:avLst/>
+          </a:prstGeom>
+          <a:solidFill>
+            <a:schemeClr val="accent3">
+              <a:lumMod val="60000"/>
+              <a:lumOff val="40000"/>
+            </a:schemeClr>
+          </a:solidFill>
+          <a:ln>
+            <a:solidFill>
+              <a:schemeClr val="accent3"/>
+            </a:solidFill>
+          </a:ln>
+        </p:spPr>
+        <p:style>
+          <a:lnRef idx="2">
+            <a:schemeClr val="accent1">
+              <a:shade val="50000"/>
+            </a:schemeClr>
+          </a:lnRef>
+          <a:fillRef idx="1">
+            <a:schemeClr val="accent1"/>
+          </a:fillRef>
+          <a:effectRef idx="0">
+            <a:schemeClr val="accent1"/>
+          </a:effectRef>
+          <a:fontRef idx="minor">
+            <a:schemeClr val="lt1"/>
+          </a:fontRef>
+        </p:style>
+        <p:txBody>
+          <a:bodyPr wrap="none" rtlCol="0" anchor="ctr"/>
+          <a:lstStyle/>
+          <a:p>
+            <a:pPr algn="ctr"/>
+            <a:r>
+              <a:rPr lang="en-US" sz="2400" i="1" dirty="0">
+                <a:solidFill>
+                  <a:schemeClr val="tx1"/>
+                </a:solidFill>
+                <a:latin typeface="Times" pitchFamily="2" charset="0"/>
+              </a:rPr>
+              <a:t>v</a:t>
+            </a:r>
+            <a:r>
+              <a:rPr lang="en-US" sz="2400" baseline="-25000" dirty="0">
+                <a:solidFill>
+                  <a:schemeClr val="tx1"/>
+                </a:solidFill>
+                <a:latin typeface="Times" pitchFamily="2" charset="0"/>
+              </a:rPr>
+              <a:t>4</a:t>
+            </a:r>
+            <a:r>
+              <a:rPr lang="en-US" sz="2400" baseline="30000" dirty="0">
+                <a:solidFill>
+                  <a:schemeClr val="tx1"/>
+                </a:solidFill>
+                <a:latin typeface="Times" pitchFamily="2" charset="0"/>
+              </a:rPr>
+              <a:t>(1)</a:t>
+            </a:r>
+            <a:endParaRPr lang="en-US" sz="2400" baseline="-25000" dirty="0">
+              <a:solidFill>
+                <a:schemeClr val="tx1"/>
+              </a:solidFill>
+              <a:latin typeface="Times" pitchFamily="2" charset="0"/>
+            </a:endParaRPr>
+          </a:p>
+        </p:txBody>
+      </p:sp>
+      <p:sp>
+        <p:nvSpPr>
+          <p:cNvPr id="20" name="Oval 19">
+            <a:extLst>
+              <a:ext uri="{FF2B5EF4-FFF2-40B4-BE49-F238E27FC236}">
+                <a16:creationId xmlns:a16="http://schemas.microsoft.com/office/drawing/2014/main" id="{A9488C04-E4A9-6E45-B1FA-19EDA14007A7}"/>
+              </a:ext>
+            </a:extLst>
+          </p:cNvPr>
+          <p:cNvSpPr>
+            <a:spLocks noChangeAspect="1"/>
+          </p:cNvSpPr>
+          <p:nvPr/>
+        </p:nvSpPr>
+        <p:spPr>
+          <a:xfrm>
+            <a:off x="4680000" y="1080000"/>
+            <a:ext cx="540000" cy="540000"/>
+          </a:xfrm>
+          <a:prstGeom prst="ellipse">
+            <a:avLst/>
+          </a:prstGeom>
+          <a:solidFill>
+            <a:schemeClr val="accent3">
+              <a:lumMod val="60000"/>
+              <a:lumOff val="40000"/>
+            </a:schemeClr>
+          </a:solidFill>
+          <a:ln>
+            <a:solidFill>
+              <a:schemeClr val="accent3"/>
+            </a:solidFill>
+          </a:ln>
+        </p:spPr>
+        <p:style>
+          <a:lnRef idx="2">
+            <a:schemeClr val="accent1">
+              <a:shade val="50000"/>
+            </a:schemeClr>
+          </a:lnRef>
+          <a:fillRef idx="1">
+            <a:schemeClr val="accent1"/>
+          </a:fillRef>
+          <a:effectRef idx="0">
+            <a:schemeClr val="accent1"/>
+          </a:effectRef>
+          <a:fontRef idx="minor">
+            <a:schemeClr val="lt1"/>
+          </a:fontRef>
+        </p:style>
+        <p:txBody>
+          <a:bodyPr wrap="none" rtlCol="0" anchor="ctr"/>
+          <a:lstStyle/>
+          <a:p>
+            <a:pPr algn="ctr"/>
+            <a:r>
+              <a:rPr lang="en-US" sz="2400" i="1" dirty="0">
+                <a:solidFill>
+                  <a:schemeClr val="tx1"/>
+                </a:solidFill>
+                <a:latin typeface="Times" pitchFamily="2" charset="0"/>
+              </a:rPr>
+              <a:t>v</a:t>
+            </a:r>
+            <a:r>
+              <a:rPr lang="en-US" sz="2400" baseline="-25000" dirty="0">
+                <a:solidFill>
+                  <a:schemeClr val="tx1"/>
+                </a:solidFill>
+                <a:latin typeface="Times" pitchFamily="2" charset="0"/>
+              </a:rPr>
+              <a:t>4</a:t>
+            </a:r>
+            <a:r>
+              <a:rPr lang="en-US" sz="2400" baseline="30000" dirty="0">
+                <a:solidFill>
+                  <a:schemeClr val="tx1"/>
+                </a:solidFill>
+                <a:latin typeface="Times" pitchFamily="2" charset="0"/>
+              </a:rPr>
+              <a:t>(2)</a:t>
+            </a:r>
+            <a:endParaRPr lang="en-US" sz="2400" baseline="-25000" dirty="0">
+              <a:solidFill>
+                <a:schemeClr val="tx1"/>
+              </a:solidFill>
+              <a:latin typeface="Times" pitchFamily="2" charset="0"/>
+            </a:endParaRPr>
+          </a:p>
+        </p:txBody>
+      </p:sp>
+      <p:sp>
+        <p:nvSpPr>
+          <p:cNvPr id="21" name="Oval 20">
+            <a:extLst>
+              <a:ext uri="{FF2B5EF4-FFF2-40B4-BE49-F238E27FC236}">
+                <a16:creationId xmlns:a16="http://schemas.microsoft.com/office/drawing/2014/main" id="{D7D04732-69D3-D64A-827F-6CF97D38E5D2}"/>
+              </a:ext>
+            </a:extLst>
+          </p:cNvPr>
+          <p:cNvSpPr>
+            <a:spLocks noChangeAspect="1"/>
+          </p:cNvSpPr>
+          <p:nvPr/>
+        </p:nvSpPr>
+        <p:spPr>
+          <a:xfrm>
+            <a:off x="4680000" y="1800000"/>
+            <a:ext cx="540000" cy="540000"/>
+          </a:xfrm>
+          <a:prstGeom prst="ellipse">
+            <a:avLst/>
+          </a:prstGeom>
+          <a:solidFill>
+            <a:schemeClr val="accent3">
+              <a:lumMod val="60000"/>
+              <a:lumOff val="40000"/>
+            </a:schemeClr>
+          </a:solidFill>
+          <a:ln>
+            <a:solidFill>
+              <a:schemeClr val="accent3"/>
+            </a:solidFill>
+          </a:ln>
+        </p:spPr>
+        <p:style>
+          <a:lnRef idx="2">
+            <a:schemeClr val="accent1">
+              <a:shade val="50000"/>
+            </a:schemeClr>
+          </a:lnRef>
+          <a:fillRef idx="1">
+            <a:schemeClr val="accent1"/>
+          </a:fillRef>
+          <a:effectRef idx="0">
+            <a:schemeClr val="accent1"/>
+          </a:effectRef>
+          <a:fontRef idx="minor">
+            <a:schemeClr val="lt1"/>
+          </a:fontRef>
+        </p:style>
+        <p:txBody>
+          <a:bodyPr wrap="none" rtlCol="0" anchor="ctr"/>
+          <a:lstStyle/>
+          <a:p>
+            <a:pPr algn="ctr"/>
+            <a:r>
+              <a:rPr lang="en-US" sz="2400" i="1" dirty="0">
+                <a:solidFill>
+                  <a:schemeClr val="tx1"/>
+                </a:solidFill>
+                <a:latin typeface="Times" pitchFamily="2" charset="0"/>
+              </a:rPr>
+              <a:t>v</a:t>
+            </a:r>
+            <a:r>
+              <a:rPr lang="en-US" sz="2400" baseline="-25000" dirty="0">
+                <a:solidFill>
+                  <a:schemeClr val="tx1"/>
+                </a:solidFill>
+                <a:latin typeface="Times" pitchFamily="2" charset="0"/>
+              </a:rPr>
+              <a:t>4</a:t>
+            </a:r>
+            <a:r>
+              <a:rPr lang="en-US" sz="2400" baseline="30000" dirty="0">
+                <a:solidFill>
+                  <a:schemeClr val="tx1"/>
+                </a:solidFill>
+                <a:latin typeface="Times" pitchFamily="2" charset="0"/>
+              </a:rPr>
+              <a:t>(3)</a:t>
+            </a:r>
+            <a:endParaRPr lang="en-US" sz="2400" baseline="-25000" dirty="0">
+              <a:solidFill>
+                <a:schemeClr val="tx1"/>
+              </a:solidFill>
+              <a:latin typeface="Times" pitchFamily="2" charset="0"/>
+            </a:endParaRPr>
+          </a:p>
+        </p:txBody>
+      </p:sp>
+      <p:sp>
+        <p:nvSpPr>
+          <p:cNvPr id="23" name="Oval 22">
+            <a:extLst>
+              <a:ext uri="{FF2B5EF4-FFF2-40B4-BE49-F238E27FC236}">
+                <a16:creationId xmlns:a16="http://schemas.microsoft.com/office/drawing/2014/main" id="{A7CA88B7-738A-D24E-9A1A-0D95FFEB1DF1}"/>
+              </a:ext>
+            </a:extLst>
+          </p:cNvPr>
+          <p:cNvSpPr>
+            <a:spLocks noChangeAspect="1"/>
+          </p:cNvSpPr>
+          <p:nvPr/>
+        </p:nvSpPr>
+        <p:spPr>
+          <a:xfrm>
+            <a:off x="4680000" y="2520000"/>
+            <a:ext cx="540000" cy="540000"/>
+          </a:xfrm>
+          <a:prstGeom prst="ellipse">
+            <a:avLst/>
+          </a:prstGeom>
+          <a:solidFill>
+            <a:schemeClr val="accent3">
+              <a:lumMod val="60000"/>
+              <a:lumOff val="40000"/>
+            </a:schemeClr>
+          </a:solidFill>
+          <a:ln>
+            <a:solidFill>
+              <a:schemeClr val="accent3"/>
+            </a:solidFill>
+          </a:ln>
+        </p:spPr>
+        <p:style>
+          <a:lnRef idx="2">
+            <a:schemeClr val="accent1">
+              <a:shade val="50000"/>
+            </a:schemeClr>
+          </a:lnRef>
+          <a:fillRef idx="1">
+            <a:schemeClr val="accent1"/>
+          </a:fillRef>
+          <a:effectRef idx="0">
+            <a:schemeClr val="accent1"/>
+          </a:effectRef>
+          <a:fontRef idx="minor">
+            <a:schemeClr val="lt1"/>
+          </a:fontRef>
+        </p:style>
+        <p:txBody>
+          <a:bodyPr wrap="none" rtlCol="0" anchor="ctr"/>
+          <a:lstStyle/>
+          <a:p>
+            <a:pPr algn="ctr"/>
+            <a:r>
+              <a:rPr lang="en-US" sz="2400" i="1" dirty="0">
+                <a:solidFill>
+                  <a:schemeClr val="tx1"/>
+                </a:solidFill>
+                <a:latin typeface="Times" pitchFamily="2" charset="0"/>
+              </a:rPr>
+              <a:t>v</a:t>
+            </a:r>
+            <a:r>
+              <a:rPr lang="en-US" sz="2400" baseline="-25000" dirty="0">
+                <a:solidFill>
+                  <a:schemeClr val="tx1"/>
+                </a:solidFill>
+                <a:latin typeface="Times" pitchFamily="2" charset="0"/>
+              </a:rPr>
+              <a:t>4</a:t>
+            </a:r>
+            <a:r>
+              <a:rPr lang="en-US" sz="2400" baseline="30000" dirty="0">
+                <a:solidFill>
+                  <a:schemeClr val="tx1"/>
+                </a:solidFill>
+                <a:latin typeface="Times" pitchFamily="2" charset="0"/>
+              </a:rPr>
+              <a:t>(4)</a:t>
+            </a:r>
+            <a:endParaRPr lang="en-US" sz="2400" baseline="-25000" dirty="0">
+              <a:solidFill>
+                <a:schemeClr val="tx1"/>
+              </a:solidFill>
+              <a:latin typeface="Times" pitchFamily="2" charset="0"/>
+            </a:endParaRPr>
+          </a:p>
+        </p:txBody>
+      </p:sp>
+      <p:sp>
+        <p:nvSpPr>
+          <p:cNvPr id="24" name="Oval 23">
+            <a:extLst>
+              <a:ext uri="{FF2B5EF4-FFF2-40B4-BE49-F238E27FC236}">
+                <a16:creationId xmlns:a16="http://schemas.microsoft.com/office/drawing/2014/main" id="{5C9BEA18-5D0E-8C4D-8DA3-744D5304ED11}"/>
+              </a:ext>
+            </a:extLst>
+          </p:cNvPr>
+          <p:cNvSpPr>
+            <a:spLocks noChangeAspect="1"/>
+          </p:cNvSpPr>
+          <p:nvPr/>
+        </p:nvSpPr>
+        <p:spPr>
+          <a:xfrm>
+            <a:off x="4680000" y="3240000"/>
+            <a:ext cx="540000" cy="540000"/>
+          </a:xfrm>
+          <a:prstGeom prst="ellipse">
+            <a:avLst/>
+          </a:prstGeom>
+          <a:solidFill>
+            <a:schemeClr val="accent3">
+              <a:lumMod val="60000"/>
+              <a:lumOff val="40000"/>
+            </a:schemeClr>
+          </a:solidFill>
+          <a:ln>
+            <a:solidFill>
+              <a:schemeClr val="accent3"/>
+            </a:solidFill>
+          </a:ln>
+        </p:spPr>
+        <p:style>
+          <a:lnRef idx="2">
+            <a:schemeClr val="accent1">
+              <a:shade val="50000"/>
+            </a:schemeClr>
+          </a:lnRef>
+          <a:fillRef idx="1">
+            <a:schemeClr val="accent1"/>
+          </a:fillRef>
+          <a:effectRef idx="0">
+            <a:schemeClr val="accent1"/>
+          </a:effectRef>
+          <a:fontRef idx="minor">
+            <a:schemeClr val="lt1"/>
+          </a:fontRef>
+        </p:style>
+        <p:txBody>
+          <a:bodyPr wrap="none" rtlCol="0" anchor="ctr"/>
+          <a:lstStyle/>
+          <a:p>
+            <a:pPr algn="ctr"/>
+            <a:r>
+              <a:rPr lang="en-US" sz="2400" i="1" dirty="0">
+                <a:solidFill>
+                  <a:schemeClr val="tx1"/>
+                </a:solidFill>
+                <a:latin typeface="Times" pitchFamily="2" charset="0"/>
+              </a:rPr>
+              <a:t>v</a:t>
+            </a:r>
+            <a:r>
+              <a:rPr lang="en-US" sz="2400" baseline="-25000" dirty="0">
+                <a:solidFill>
+                  <a:schemeClr val="tx1"/>
+                </a:solidFill>
+                <a:latin typeface="Times" pitchFamily="2" charset="0"/>
+              </a:rPr>
+              <a:t>4</a:t>
+            </a:r>
+            <a:r>
+              <a:rPr lang="en-US" sz="2400" baseline="30000" dirty="0">
+                <a:solidFill>
+                  <a:schemeClr val="tx1"/>
+                </a:solidFill>
+                <a:latin typeface="Times" pitchFamily="2" charset="0"/>
+              </a:rPr>
+              <a:t>(5)</a:t>
+            </a:r>
+            <a:endParaRPr lang="en-US" sz="2400" baseline="-25000" dirty="0">
+              <a:solidFill>
+                <a:schemeClr val="tx1"/>
+              </a:solidFill>
+              <a:latin typeface="Times" pitchFamily="2" charset="0"/>
+            </a:endParaRPr>
+          </a:p>
+        </p:txBody>
+      </p:sp>
+      <p:sp>
+        <p:nvSpPr>
+          <p:cNvPr id="25" name="Oval 24">
+            <a:extLst>
+              <a:ext uri="{FF2B5EF4-FFF2-40B4-BE49-F238E27FC236}">
+                <a16:creationId xmlns:a16="http://schemas.microsoft.com/office/drawing/2014/main" id="{6A274241-F997-FD43-A76A-AB27513DA69B}"/>
+              </a:ext>
+            </a:extLst>
+          </p:cNvPr>
+          <p:cNvSpPr>
+            <a:spLocks noChangeAspect="1"/>
+          </p:cNvSpPr>
+          <p:nvPr/>
+        </p:nvSpPr>
+        <p:spPr>
+          <a:xfrm>
+            <a:off x="4680000" y="3960000"/>
+            <a:ext cx="540000" cy="540000"/>
+          </a:xfrm>
+          <a:prstGeom prst="ellipse">
+            <a:avLst/>
+          </a:prstGeom>
+          <a:solidFill>
+            <a:schemeClr val="accent3">
+              <a:lumMod val="60000"/>
+              <a:lumOff val="40000"/>
+            </a:schemeClr>
+          </a:solidFill>
+          <a:ln>
+            <a:solidFill>
+              <a:schemeClr val="accent3"/>
+            </a:solidFill>
+          </a:ln>
+        </p:spPr>
+        <p:style>
+          <a:lnRef idx="2">
+            <a:schemeClr val="accent1">
+              <a:shade val="50000"/>
+            </a:schemeClr>
+          </a:lnRef>
+          <a:fillRef idx="1">
+            <a:schemeClr val="accent1"/>
+          </a:fillRef>
+          <a:effectRef idx="0">
+            <a:schemeClr val="accent1"/>
+          </a:effectRef>
+          <a:fontRef idx="minor">
+            <a:schemeClr val="lt1"/>
+          </a:fontRef>
+        </p:style>
+        <p:txBody>
+          <a:bodyPr wrap="none" rtlCol="0" anchor="ctr"/>
+          <a:lstStyle/>
+          <a:p>
+            <a:pPr algn="ctr"/>
+            <a:r>
+              <a:rPr lang="en-US" sz="2400" i="1" dirty="0">
+                <a:solidFill>
+                  <a:schemeClr val="tx1"/>
+                </a:solidFill>
+                <a:latin typeface="Times" pitchFamily="2" charset="0"/>
+              </a:rPr>
+              <a:t>v</a:t>
+            </a:r>
+            <a:r>
+              <a:rPr lang="en-US" sz="2400" baseline="-25000" dirty="0">
+                <a:solidFill>
+                  <a:schemeClr val="tx1"/>
+                </a:solidFill>
+                <a:latin typeface="Times" pitchFamily="2" charset="0"/>
+              </a:rPr>
+              <a:t>4</a:t>
+            </a:r>
+            <a:r>
+              <a:rPr lang="en-US" sz="2400" baseline="30000" dirty="0">
+                <a:solidFill>
+                  <a:schemeClr val="tx1"/>
+                </a:solidFill>
+                <a:latin typeface="Times" pitchFamily="2" charset="0"/>
+              </a:rPr>
+              <a:t>(6)</a:t>
+            </a:r>
+            <a:endParaRPr lang="en-US" sz="2400" baseline="-25000" dirty="0">
+              <a:solidFill>
+                <a:schemeClr val="tx1"/>
+              </a:solidFill>
+              <a:latin typeface="Times" pitchFamily="2" charset="0"/>
+            </a:endParaRPr>
+          </a:p>
+        </p:txBody>
+      </p:sp>
+      <p:sp>
+        <p:nvSpPr>
+          <p:cNvPr id="26" name="Oval 25">
+            <a:extLst>
+              <a:ext uri="{FF2B5EF4-FFF2-40B4-BE49-F238E27FC236}">
+                <a16:creationId xmlns:a16="http://schemas.microsoft.com/office/drawing/2014/main" id="{96273BBE-381F-0241-B224-68E8A5450350}"/>
+              </a:ext>
+            </a:extLst>
+          </p:cNvPr>
+          <p:cNvSpPr>
+            <a:spLocks noChangeAspect="1"/>
+          </p:cNvSpPr>
+          <p:nvPr/>
+        </p:nvSpPr>
+        <p:spPr>
+          <a:xfrm>
+            <a:off x="4680000" y="4680000"/>
+            <a:ext cx="540000" cy="540000"/>
+          </a:xfrm>
+          <a:prstGeom prst="ellipse">
+            <a:avLst/>
+          </a:prstGeom>
+          <a:solidFill>
+            <a:schemeClr val="accent3">
+              <a:lumMod val="60000"/>
+              <a:lumOff val="40000"/>
+            </a:schemeClr>
+          </a:solidFill>
+          <a:ln>
+            <a:solidFill>
+              <a:schemeClr val="accent3"/>
+            </a:solidFill>
+          </a:ln>
+        </p:spPr>
+        <p:style>
+          <a:lnRef idx="2">
+            <a:schemeClr val="accent1">
+              <a:shade val="50000"/>
+            </a:schemeClr>
+          </a:lnRef>
+          <a:fillRef idx="1">
+            <a:schemeClr val="accent1"/>
+          </a:fillRef>
+          <a:effectRef idx="0">
+            <a:schemeClr val="accent1"/>
+          </a:effectRef>
+          <a:fontRef idx="minor">
+            <a:schemeClr val="lt1"/>
+          </a:fontRef>
+        </p:style>
+        <p:txBody>
+          <a:bodyPr wrap="none" rtlCol="0" anchor="ctr"/>
+          <a:lstStyle/>
+          <a:p>
+            <a:pPr algn="ctr"/>
+            <a:r>
+              <a:rPr lang="en-US" sz="2400" i="1" dirty="0">
+                <a:solidFill>
+                  <a:schemeClr val="tx1"/>
+                </a:solidFill>
+                <a:latin typeface="Times" pitchFamily="2" charset="0"/>
+              </a:rPr>
+              <a:t>v</a:t>
+            </a:r>
+            <a:r>
+              <a:rPr lang="en-US" sz="2400" baseline="-25000" dirty="0">
+                <a:solidFill>
+                  <a:schemeClr val="tx1"/>
+                </a:solidFill>
+                <a:latin typeface="Times" pitchFamily="2" charset="0"/>
+              </a:rPr>
+              <a:t>4</a:t>
+            </a:r>
+            <a:r>
+              <a:rPr lang="en-US" sz="2400" baseline="30000" dirty="0">
+                <a:solidFill>
+                  <a:schemeClr val="tx1"/>
+                </a:solidFill>
+                <a:latin typeface="Times" pitchFamily="2" charset="0"/>
+              </a:rPr>
+              <a:t>(7)</a:t>
+            </a:r>
+            <a:endParaRPr lang="en-US" sz="2400" baseline="-25000" dirty="0">
+              <a:solidFill>
+                <a:schemeClr val="tx1"/>
+              </a:solidFill>
+              <a:latin typeface="Times" pitchFamily="2" charset="0"/>
+            </a:endParaRPr>
+          </a:p>
+        </p:txBody>
+      </p:sp>
+      <p:sp>
+        <p:nvSpPr>
+          <p:cNvPr id="27" name="Oval 26">
+            <a:extLst>
+              <a:ext uri="{FF2B5EF4-FFF2-40B4-BE49-F238E27FC236}">
+                <a16:creationId xmlns:a16="http://schemas.microsoft.com/office/drawing/2014/main" id="{CD8E2295-7129-4349-BD8D-1966369D06C4}"/>
+              </a:ext>
+            </a:extLst>
+          </p:cNvPr>
+          <p:cNvSpPr>
+            <a:spLocks noChangeAspect="1"/>
+          </p:cNvSpPr>
+          <p:nvPr/>
+        </p:nvSpPr>
+        <p:spPr>
+          <a:xfrm>
+            <a:off x="4680000" y="5400000"/>
+            <a:ext cx="540000" cy="540000"/>
+          </a:xfrm>
+          <a:prstGeom prst="ellipse">
+            <a:avLst/>
+          </a:prstGeom>
+          <a:solidFill>
+            <a:schemeClr val="accent3">
+              <a:lumMod val="60000"/>
+              <a:lumOff val="40000"/>
+            </a:schemeClr>
+          </a:solidFill>
+          <a:ln>
+            <a:solidFill>
+              <a:schemeClr val="accent3"/>
+            </a:solidFill>
+          </a:ln>
+        </p:spPr>
+        <p:style>
+          <a:lnRef idx="2">
+            <a:schemeClr val="accent1">
+              <a:shade val="50000"/>
+            </a:schemeClr>
+          </a:lnRef>
+          <a:fillRef idx="1">
+            <a:schemeClr val="accent1"/>
+          </a:fillRef>
+          <a:effectRef idx="0">
+            <a:schemeClr val="accent1"/>
+          </a:effectRef>
+          <a:fontRef idx="minor">
+            <a:schemeClr val="lt1"/>
+          </a:fontRef>
+        </p:style>
+        <p:txBody>
+          <a:bodyPr wrap="none" rtlCol="0" anchor="ctr"/>
+          <a:lstStyle/>
+          <a:p>
+            <a:pPr algn="ctr"/>
+            <a:r>
+              <a:rPr lang="en-US" sz="2400" i="1" dirty="0">
+                <a:solidFill>
+                  <a:schemeClr val="tx1"/>
+                </a:solidFill>
+                <a:latin typeface="Times" pitchFamily="2" charset="0"/>
+              </a:rPr>
+              <a:t>v</a:t>
+            </a:r>
+            <a:r>
+              <a:rPr lang="en-US" sz="2400" baseline="-25000" dirty="0">
+                <a:solidFill>
+                  <a:schemeClr val="tx1"/>
+                </a:solidFill>
+                <a:latin typeface="Times" pitchFamily="2" charset="0"/>
+              </a:rPr>
+              <a:t>4</a:t>
+            </a:r>
+            <a:r>
+              <a:rPr lang="en-US" sz="2400" baseline="30000" dirty="0">
+                <a:solidFill>
+                  <a:schemeClr val="tx1"/>
+                </a:solidFill>
+                <a:latin typeface="Times" pitchFamily="2" charset="0"/>
+              </a:rPr>
+              <a:t>(8)</a:t>
+            </a:r>
+            <a:endParaRPr lang="en-US" sz="2400" baseline="-25000" dirty="0">
+              <a:solidFill>
+                <a:schemeClr val="tx1"/>
+              </a:solidFill>
+              <a:latin typeface="Times" pitchFamily="2" charset="0"/>
+            </a:endParaRPr>
+          </a:p>
+        </p:txBody>
+      </p:sp>
+      <p:sp>
+        <p:nvSpPr>
+          <p:cNvPr id="28" name="Oval 27">
+            <a:extLst>
+              <a:ext uri="{FF2B5EF4-FFF2-40B4-BE49-F238E27FC236}">
+                <a16:creationId xmlns:a16="http://schemas.microsoft.com/office/drawing/2014/main" id="{96ED2C2B-AD1A-194D-9446-4072081898F5}"/>
+              </a:ext>
+            </a:extLst>
+          </p:cNvPr>
+          <p:cNvSpPr>
+            <a:spLocks noChangeAspect="1"/>
+          </p:cNvSpPr>
+          <p:nvPr/>
+        </p:nvSpPr>
+        <p:spPr>
+          <a:xfrm>
+            <a:off x="4680000" y="6120000"/>
+            <a:ext cx="540000" cy="540000"/>
+          </a:xfrm>
+          <a:prstGeom prst="ellipse">
+            <a:avLst/>
+          </a:prstGeom>
+          <a:solidFill>
+            <a:schemeClr val="accent3">
+              <a:lumMod val="60000"/>
+              <a:lumOff val="40000"/>
+            </a:schemeClr>
+          </a:solidFill>
+          <a:ln>
+            <a:solidFill>
+              <a:schemeClr val="accent3"/>
+            </a:solidFill>
+          </a:ln>
+        </p:spPr>
+        <p:style>
+          <a:lnRef idx="2">
+            <a:schemeClr val="accent1">
+              <a:shade val="50000"/>
+            </a:schemeClr>
+          </a:lnRef>
+          <a:fillRef idx="1">
+            <a:schemeClr val="accent1"/>
+          </a:fillRef>
+          <a:effectRef idx="0">
+            <a:schemeClr val="accent1"/>
+          </a:effectRef>
+          <a:fontRef idx="minor">
+            <a:schemeClr val="lt1"/>
+          </a:fontRef>
+        </p:style>
+        <p:txBody>
+          <a:bodyPr wrap="none" rtlCol="0" anchor="ctr"/>
+          <a:lstStyle/>
+          <a:p>
+            <a:pPr algn="ctr"/>
+            <a:r>
+              <a:rPr lang="en-US" sz="2400" i="1" dirty="0">
+                <a:solidFill>
+                  <a:schemeClr val="tx1"/>
+                </a:solidFill>
+                <a:latin typeface="Times" pitchFamily="2" charset="0"/>
+              </a:rPr>
+              <a:t>v</a:t>
+            </a:r>
+            <a:r>
+              <a:rPr lang="en-US" sz="2400" baseline="-25000" dirty="0">
+                <a:solidFill>
+                  <a:schemeClr val="tx1"/>
+                </a:solidFill>
+                <a:latin typeface="Times" pitchFamily="2" charset="0"/>
+              </a:rPr>
+              <a:t>4</a:t>
+            </a:r>
+            <a:r>
+              <a:rPr lang="en-US" sz="2400" baseline="30000" dirty="0">
+                <a:solidFill>
+                  <a:schemeClr val="tx1"/>
+                </a:solidFill>
+                <a:latin typeface="Times" pitchFamily="2" charset="0"/>
+              </a:rPr>
+              <a:t>(9)</a:t>
+            </a:r>
+            <a:endParaRPr lang="en-US" sz="2400" baseline="-25000" dirty="0">
+              <a:solidFill>
+                <a:schemeClr val="tx1"/>
+              </a:solidFill>
+              <a:latin typeface="Times" pitchFamily="2" charset="0"/>
+            </a:endParaRPr>
+          </a:p>
+        </p:txBody>
+      </p:sp>
+      <p:sp>
+        <p:nvSpPr>
+          <p:cNvPr id="47" name="TextBox 46">
+            <a:extLst>
+              <a:ext uri="{FF2B5EF4-FFF2-40B4-BE49-F238E27FC236}">
+                <a16:creationId xmlns:a16="http://schemas.microsoft.com/office/drawing/2014/main" id="{AB007BBC-5D8B-AC4C-AFE8-D8CA32F4CEC9}"/>
+              </a:ext>
+            </a:extLst>
+          </p:cNvPr>
+          <p:cNvSpPr txBox="1"/>
+          <p:nvPr/>
+        </p:nvSpPr>
+        <p:spPr>
+          <a:xfrm>
+            <a:off x="972000" y="288000"/>
+            <a:ext cx="1657826" cy="461665"/>
+          </a:xfrm>
+          <a:prstGeom prst="rect">
+            <a:avLst/>
+          </a:prstGeom>
+          <a:noFill/>
+        </p:spPr>
+        <p:txBody>
+          <a:bodyPr wrap="none" rtlCol="0">
+            <a:spAutoFit/>
+          </a:bodyPr>
+          <a:lstStyle/>
+          <a:p>
+            <a:r>
+              <a:rPr lang="en-US" sz="2400" dirty="0">
+                <a:latin typeface="Arial" panose="020B0604020202020204" pitchFamily="34" charset="0"/>
+                <a:cs typeface="Arial" panose="020B0604020202020204" pitchFamily="34" charset="0"/>
+              </a:rPr>
+              <a:t>Proposal 1</a:t>
+            </a:r>
+          </a:p>
+        </p:txBody>
+      </p:sp>
+      <p:sp>
+        <p:nvSpPr>
+          <p:cNvPr id="48" name="TextBox 47">
+            <a:extLst>
+              <a:ext uri="{FF2B5EF4-FFF2-40B4-BE49-F238E27FC236}">
+                <a16:creationId xmlns:a16="http://schemas.microsoft.com/office/drawing/2014/main" id="{0A82D8E0-C8EB-0D4E-9BCF-C342480540FF}"/>
+              </a:ext>
+            </a:extLst>
+          </p:cNvPr>
+          <p:cNvSpPr txBox="1"/>
+          <p:nvPr/>
+        </p:nvSpPr>
+        <p:spPr>
+          <a:xfrm>
+            <a:off x="972000" y="2448000"/>
+            <a:ext cx="1657826" cy="461665"/>
+          </a:xfrm>
+          <a:prstGeom prst="rect">
+            <a:avLst/>
+          </a:prstGeom>
+          <a:noFill/>
+        </p:spPr>
+        <p:txBody>
+          <a:bodyPr wrap="none" rtlCol="0">
+            <a:spAutoFit/>
+          </a:bodyPr>
+          <a:lstStyle/>
+          <a:p>
+            <a:r>
+              <a:rPr lang="en-US" sz="2400" dirty="0">
+                <a:latin typeface="Arial" panose="020B0604020202020204" pitchFamily="34" charset="0"/>
+                <a:cs typeface="Arial" panose="020B0604020202020204" pitchFamily="34" charset="0"/>
+              </a:rPr>
+              <a:t>Proposal 2</a:t>
+            </a:r>
+          </a:p>
+        </p:txBody>
+      </p:sp>
+      <p:sp>
+        <p:nvSpPr>
+          <p:cNvPr id="49" name="TextBox 48">
+            <a:extLst>
+              <a:ext uri="{FF2B5EF4-FFF2-40B4-BE49-F238E27FC236}">
+                <a16:creationId xmlns:a16="http://schemas.microsoft.com/office/drawing/2014/main" id="{964314AB-0BD7-5447-A64E-BF263B339221}"/>
+              </a:ext>
+            </a:extLst>
+          </p:cNvPr>
+          <p:cNvSpPr txBox="1"/>
+          <p:nvPr/>
+        </p:nvSpPr>
+        <p:spPr>
+          <a:xfrm>
+            <a:off x="972000" y="4608000"/>
+            <a:ext cx="1657826" cy="461665"/>
+          </a:xfrm>
+          <a:prstGeom prst="rect">
+            <a:avLst/>
+          </a:prstGeom>
+          <a:noFill/>
+        </p:spPr>
+        <p:txBody>
+          <a:bodyPr wrap="none" rtlCol="0">
+            <a:spAutoFit/>
+          </a:bodyPr>
+          <a:lstStyle/>
+          <a:p>
+            <a:r>
+              <a:rPr lang="en-US" sz="2400" dirty="0">
+                <a:latin typeface="Arial" panose="020B0604020202020204" pitchFamily="34" charset="0"/>
+                <a:cs typeface="Arial" panose="020B0604020202020204" pitchFamily="34" charset="0"/>
+              </a:rPr>
+              <a:t>Proposal 3</a:t>
+            </a:r>
+          </a:p>
+        </p:txBody>
+      </p:sp>
+      <p:sp>
+        <p:nvSpPr>
+          <p:cNvPr id="54" name="Oval 53">
+            <a:extLst>
+              <a:ext uri="{FF2B5EF4-FFF2-40B4-BE49-F238E27FC236}">
+                <a16:creationId xmlns:a16="http://schemas.microsoft.com/office/drawing/2014/main" id="{EA013B65-2F0D-4449-8184-13978A326229}"/>
+              </a:ext>
+            </a:extLst>
+          </p:cNvPr>
+          <p:cNvSpPr>
+            <a:spLocks noChangeAspect="1"/>
+          </p:cNvSpPr>
+          <p:nvPr/>
+        </p:nvSpPr>
+        <p:spPr>
+          <a:xfrm>
+            <a:off x="10440000" y="1080000"/>
+            <a:ext cx="540000" cy="540000"/>
+          </a:xfrm>
+          <a:prstGeom prst="ellipse">
+            <a:avLst/>
+          </a:prstGeom>
+          <a:solidFill>
+            <a:schemeClr val="accent3">
+              <a:lumMod val="60000"/>
+              <a:lumOff val="40000"/>
+            </a:schemeClr>
+          </a:solidFill>
+          <a:ln>
+            <a:solidFill>
+              <a:schemeClr val="accent3"/>
+            </a:solidFill>
+          </a:ln>
+        </p:spPr>
+        <p:style>
+          <a:lnRef idx="2">
+            <a:schemeClr val="accent1">
+              <a:shade val="50000"/>
+            </a:schemeClr>
+          </a:lnRef>
+          <a:fillRef idx="1">
+            <a:schemeClr val="accent1"/>
+          </a:fillRef>
+          <a:effectRef idx="0">
+            <a:schemeClr val="accent1"/>
+          </a:effectRef>
+          <a:fontRef idx="minor">
+            <a:schemeClr val="lt1"/>
+          </a:fontRef>
+        </p:style>
+        <p:txBody>
+          <a:bodyPr wrap="none" rtlCol="0" anchor="ctr"/>
+          <a:lstStyle/>
+          <a:p>
+            <a:pPr algn="ctr"/>
+            <a:r>
+              <a:rPr lang="en-US" sz="2400" i="1" dirty="0">
+                <a:solidFill>
+                  <a:schemeClr val="tx1"/>
+                </a:solidFill>
+                <a:latin typeface="Times" pitchFamily="2" charset="0"/>
+              </a:rPr>
+              <a:t>v</a:t>
+            </a:r>
+            <a:r>
+              <a:rPr lang="en-US" sz="2400" baseline="-25000" dirty="0">
+                <a:solidFill>
+                  <a:schemeClr val="tx1"/>
+                </a:solidFill>
+                <a:latin typeface="Times" pitchFamily="2" charset="0"/>
+              </a:rPr>
+              <a:t>4</a:t>
+            </a:r>
+            <a:r>
+              <a:rPr lang="en-US" sz="2400" baseline="30000" dirty="0">
+                <a:solidFill>
+                  <a:schemeClr val="tx1"/>
+                </a:solidFill>
+                <a:latin typeface="Times" pitchFamily="2" charset="0"/>
+              </a:rPr>
+              <a:t>(4)</a:t>
+            </a:r>
+            <a:endParaRPr lang="en-US" sz="2400" baseline="-25000" dirty="0">
+              <a:solidFill>
+                <a:schemeClr val="tx1"/>
+              </a:solidFill>
+              <a:latin typeface="Times" pitchFamily="2" charset="0"/>
+            </a:endParaRPr>
+          </a:p>
+        </p:txBody>
+      </p:sp>
+      <p:sp>
+        <p:nvSpPr>
+          <p:cNvPr id="59" name="Oval 58">
+            <a:extLst>
+              <a:ext uri="{FF2B5EF4-FFF2-40B4-BE49-F238E27FC236}">
+                <a16:creationId xmlns:a16="http://schemas.microsoft.com/office/drawing/2014/main" id="{3F67F92F-BA7A-084C-99C0-D9BF53B9E7E2}"/>
+              </a:ext>
+            </a:extLst>
+          </p:cNvPr>
+          <p:cNvSpPr>
+            <a:spLocks noChangeAspect="1"/>
+          </p:cNvSpPr>
+          <p:nvPr/>
+        </p:nvSpPr>
+        <p:spPr>
+          <a:xfrm>
+            <a:off x="10440000" y="3240000"/>
+            <a:ext cx="540000" cy="540000"/>
+          </a:xfrm>
+          <a:prstGeom prst="ellipse">
+            <a:avLst/>
+          </a:prstGeom>
+          <a:solidFill>
+            <a:schemeClr val="accent3">
+              <a:lumMod val="60000"/>
+              <a:lumOff val="40000"/>
+            </a:schemeClr>
+          </a:solidFill>
+          <a:ln>
+            <a:solidFill>
+              <a:schemeClr val="accent3"/>
+            </a:solidFill>
+          </a:ln>
+        </p:spPr>
+        <p:style>
+          <a:lnRef idx="2">
+            <a:schemeClr val="accent1">
+              <a:shade val="50000"/>
+            </a:schemeClr>
+          </a:lnRef>
+          <a:fillRef idx="1">
+            <a:schemeClr val="accent1"/>
+          </a:fillRef>
+          <a:effectRef idx="0">
+            <a:schemeClr val="accent1"/>
+          </a:effectRef>
+          <a:fontRef idx="minor">
+            <a:schemeClr val="lt1"/>
+          </a:fontRef>
+        </p:style>
+        <p:txBody>
+          <a:bodyPr wrap="none" rtlCol="0" anchor="ctr"/>
+          <a:lstStyle/>
+          <a:p>
+            <a:pPr algn="ctr"/>
+            <a:r>
+              <a:rPr lang="en-US" sz="2400" i="1" dirty="0">
+                <a:solidFill>
+                  <a:schemeClr val="tx1"/>
+                </a:solidFill>
+                <a:latin typeface="Times" pitchFamily="2" charset="0"/>
+              </a:rPr>
+              <a:t>v</a:t>
+            </a:r>
+            <a:r>
+              <a:rPr lang="en-US" sz="2400" baseline="-25000" dirty="0">
+                <a:solidFill>
+                  <a:schemeClr val="tx1"/>
+                </a:solidFill>
+                <a:latin typeface="Times" pitchFamily="2" charset="0"/>
+              </a:rPr>
+              <a:t>4</a:t>
+            </a:r>
+            <a:r>
+              <a:rPr lang="en-US" sz="2400" baseline="30000" dirty="0">
+                <a:solidFill>
+                  <a:schemeClr val="tx1"/>
+                </a:solidFill>
+                <a:latin typeface="Times" pitchFamily="2" charset="0"/>
+              </a:rPr>
+              <a:t>(1)</a:t>
+            </a:r>
+            <a:endParaRPr lang="en-US" sz="2400" baseline="-25000" dirty="0">
+              <a:solidFill>
+                <a:schemeClr val="tx1"/>
+              </a:solidFill>
+              <a:latin typeface="Times" pitchFamily="2" charset="0"/>
+            </a:endParaRPr>
+          </a:p>
+        </p:txBody>
+      </p:sp>
+      <p:sp>
+        <p:nvSpPr>
+          <p:cNvPr id="64" name="Oval 63">
+            <a:extLst>
+              <a:ext uri="{FF2B5EF4-FFF2-40B4-BE49-F238E27FC236}">
+                <a16:creationId xmlns:a16="http://schemas.microsoft.com/office/drawing/2014/main" id="{C27FF8B1-456A-524C-B59B-6F364F1DC4EA}"/>
+              </a:ext>
+            </a:extLst>
+          </p:cNvPr>
+          <p:cNvSpPr>
+            <a:spLocks noChangeAspect="1"/>
+          </p:cNvSpPr>
+          <p:nvPr/>
+        </p:nvSpPr>
+        <p:spPr>
+          <a:xfrm>
+            <a:off x="10440000" y="5400000"/>
+            <a:ext cx="540000" cy="540000"/>
+          </a:xfrm>
+          <a:prstGeom prst="ellipse">
+            <a:avLst/>
+          </a:prstGeom>
+          <a:solidFill>
+            <a:schemeClr val="accent3">
+              <a:lumMod val="60000"/>
+              <a:lumOff val="40000"/>
+            </a:schemeClr>
+          </a:solidFill>
+          <a:ln>
+            <a:solidFill>
+              <a:schemeClr val="accent3"/>
+            </a:solidFill>
+          </a:ln>
+        </p:spPr>
+        <p:style>
+          <a:lnRef idx="2">
+            <a:schemeClr val="accent1">
+              <a:shade val="50000"/>
+            </a:schemeClr>
+          </a:lnRef>
+          <a:fillRef idx="1">
+            <a:schemeClr val="accent1"/>
+          </a:fillRef>
+          <a:effectRef idx="0">
+            <a:schemeClr val="accent1"/>
+          </a:effectRef>
+          <a:fontRef idx="minor">
+            <a:schemeClr val="lt1"/>
+          </a:fontRef>
+        </p:style>
+        <p:txBody>
+          <a:bodyPr wrap="none" rtlCol="0" anchor="ctr"/>
+          <a:lstStyle/>
+          <a:p>
+            <a:pPr algn="ctr"/>
+            <a:r>
+              <a:rPr lang="en-US" sz="2400" i="1" dirty="0">
+                <a:solidFill>
+                  <a:schemeClr val="tx1"/>
+                </a:solidFill>
+                <a:latin typeface="Times" pitchFamily="2" charset="0"/>
+              </a:rPr>
+              <a:t>v</a:t>
+            </a:r>
+            <a:r>
+              <a:rPr lang="en-US" sz="2400" baseline="-25000" dirty="0">
+                <a:solidFill>
+                  <a:schemeClr val="tx1"/>
+                </a:solidFill>
+                <a:latin typeface="Times" pitchFamily="2" charset="0"/>
+              </a:rPr>
+              <a:t>4</a:t>
+            </a:r>
+            <a:r>
+              <a:rPr lang="en-US" sz="2400" baseline="30000" dirty="0">
+                <a:solidFill>
+                  <a:schemeClr val="tx1"/>
+                </a:solidFill>
+                <a:latin typeface="Times" pitchFamily="2" charset="0"/>
+              </a:rPr>
+              <a:t>(5)</a:t>
+            </a:r>
+            <a:endParaRPr lang="en-US" sz="2400" baseline="-25000" dirty="0">
+              <a:solidFill>
+                <a:schemeClr val="tx1"/>
+              </a:solidFill>
+              <a:latin typeface="Times" pitchFamily="2" charset="0"/>
+            </a:endParaRPr>
+          </a:p>
+        </p:txBody>
+      </p:sp>
+      <p:sp>
+        <p:nvSpPr>
+          <p:cNvPr id="65" name="TextBox 64">
+            <a:extLst>
+              <a:ext uri="{FF2B5EF4-FFF2-40B4-BE49-F238E27FC236}">
+                <a16:creationId xmlns:a16="http://schemas.microsoft.com/office/drawing/2014/main" id="{2A77683B-4CE6-DF43-A0C2-9A71D6F53DA0}"/>
+              </a:ext>
+            </a:extLst>
+          </p:cNvPr>
+          <p:cNvSpPr txBox="1"/>
+          <p:nvPr/>
+        </p:nvSpPr>
+        <p:spPr>
+          <a:xfrm>
+            <a:off x="7452000" y="288000"/>
+            <a:ext cx="2359941" cy="461665"/>
+          </a:xfrm>
+          <a:prstGeom prst="rect">
+            <a:avLst/>
+          </a:prstGeom>
+          <a:noFill/>
+        </p:spPr>
+        <p:txBody>
+          <a:bodyPr wrap="none" rtlCol="0">
+            <a:spAutoFit/>
+          </a:bodyPr>
+          <a:lstStyle/>
+          <a:p>
+            <a:r>
+              <a:rPr lang="en-US" sz="2400" dirty="0">
+                <a:latin typeface="Arial" panose="020B0604020202020204" pitchFamily="34" charset="0"/>
+                <a:cs typeface="Arial" panose="020B0604020202020204" pitchFamily="34" charset="0"/>
+              </a:rPr>
+              <a:t>New Proposal 1</a:t>
+            </a:r>
+          </a:p>
+        </p:txBody>
+      </p:sp>
+      <p:sp>
+        <p:nvSpPr>
+          <p:cNvPr id="66" name="TextBox 65">
+            <a:extLst>
+              <a:ext uri="{FF2B5EF4-FFF2-40B4-BE49-F238E27FC236}">
+                <a16:creationId xmlns:a16="http://schemas.microsoft.com/office/drawing/2014/main" id="{91FA7FB3-3033-CA46-9588-9E3CB02B9224}"/>
+              </a:ext>
+            </a:extLst>
+          </p:cNvPr>
+          <p:cNvSpPr txBox="1"/>
+          <p:nvPr/>
+        </p:nvSpPr>
+        <p:spPr>
+          <a:xfrm>
+            <a:off x="7452000" y="2448000"/>
+            <a:ext cx="2359941" cy="461665"/>
+          </a:xfrm>
+          <a:prstGeom prst="rect">
+            <a:avLst/>
+          </a:prstGeom>
+          <a:noFill/>
+        </p:spPr>
+        <p:txBody>
+          <a:bodyPr wrap="none" rtlCol="0">
+            <a:spAutoFit/>
+          </a:bodyPr>
+          <a:lstStyle/>
+          <a:p>
+            <a:r>
+              <a:rPr lang="en-US" sz="2400" dirty="0">
+                <a:latin typeface="Arial" panose="020B0604020202020204" pitchFamily="34" charset="0"/>
+                <a:cs typeface="Arial" panose="020B0604020202020204" pitchFamily="34" charset="0"/>
+              </a:rPr>
+              <a:t>New Proposal 2</a:t>
+            </a:r>
+          </a:p>
+        </p:txBody>
+      </p:sp>
+      <p:sp>
+        <p:nvSpPr>
+          <p:cNvPr id="67" name="TextBox 66">
+            <a:extLst>
+              <a:ext uri="{FF2B5EF4-FFF2-40B4-BE49-F238E27FC236}">
+                <a16:creationId xmlns:a16="http://schemas.microsoft.com/office/drawing/2014/main" id="{358E89E1-9F33-4140-9F9F-BEE0C6906D42}"/>
+              </a:ext>
+            </a:extLst>
+          </p:cNvPr>
+          <p:cNvSpPr txBox="1"/>
+          <p:nvPr/>
+        </p:nvSpPr>
+        <p:spPr>
+          <a:xfrm>
+            <a:off x="7452000" y="4608000"/>
+            <a:ext cx="2359941" cy="461665"/>
+          </a:xfrm>
+          <a:prstGeom prst="rect">
+            <a:avLst/>
+          </a:prstGeom>
+          <a:noFill/>
+        </p:spPr>
+        <p:txBody>
+          <a:bodyPr wrap="none" rtlCol="0">
+            <a:spAutoFit/>
+          </a:bodyPr>
+          <a:lstStyle/>
+          <a:p>
+            <a:r>
+              <a:rPr lang="en-US" sz="2400" dirty="0">
+                <a:latin typeface="Arial" panose="020B0604020202020204" pitchFamily="34" charset="0"/>
+                <a:cs typeface="Arial" panose="020B0604020202020204" pitchFamily="34" charset="0"/>
+              </a:rPr>
+              <a:t>New Proposal 3</a:t>
+            </a:r>
+          </a:p>
+        </p:txBody>
+      </p:sp>
+      <p:sp>
+        <p:nvSpPr>
+          <p:cNvPr id="72" name="Rectangle 71">
+            <a:extLst>
+              <a:ext uri="{FF2B5EF4-FFF2-40B4-BE49-F238E27FC236}">
+                <a16:creationId xmlns:a16="http://schemas.microsoft.com/office/drawing/2014/main" id="{261F8A7A-3376-1441-83B7-B776B789619B}"/>
+              </a:ext>
+            </a:extLst>
+          </p:cNvPr>
+          <p:cNvSpPr/>
+          <p:nvPr/>
+        </p:nvSpPr>
+        <p:spPr>
+          <a:xfrm>
+            <a:off x="1080000" y="792000"/>
+            <a:ext cx="864000" cy="180000"/>
+          </a:xfrm>
+          <a:prstGeom prst="rect">
+            <a:avLst/>
+          </a:prstGeom>
+          <a:solidFill>
+            <a:schemeClr val="accent4">
+              <a:lumMod val="60000"/>
+              <a:lumOff val="40000"/>
+            </a:schemeClr>
+          </a:solidFill>
+          <a:ln>
+            <a:solidFill>
+              <a:schemeClr val="accent4"/>
+            </a:solidFill>
+          </a:ln>
+        </p:spPr>
+        <p:style>
+          <a:lnRef idx="2">
+            <a:schemeClr val="accent1">
+              <a:shade val="50000"/>
+            </a:schemeClr>
+          </a:lnRef>
+          <a:fillRef idx="1">
+            <a:schemeClr val="accent1"/>
+          </a:fillRef>
+          <a:effectRef idx="0">
+            <a:schemeClr val="accent1"/>
+          </a:effectRef>
+          <a:fontRef idx="minor">
+            <a:schemeClr val="lt1"/>
+          </a:fontRef>
+        </p:style>
+        <p:txBody>
+          <a:bodyPr rtlCol="0" anchor="ctr"/>
+          <a:lstStyle/>
+          <a:p>
+            <a:pPr algn="ctr"/>
+            <a:endParaRPr lang="en-US"/>
+          </a:p>
+        </p:txBody>
+      </p:sp>
+      <p:cxnSp>
+        <p:nvCxnSpPr>
+          <p:cNvPr id="74" name="Straight Connector 73">
+            <a:extLst>
+              <a:ext uri="{FF2B5EF4-FFF2-40B4-BE49-F238E27FC236}">
+                <a16:creationId xmlns:a16="http://schemas.microsoft.com/office/drawing/2014/main" id="{1213AED3-BEAE-3E4B-886D-68D43B001B37}"/>
+              </a:ext>
+            </a:extLst>
+          </p:cNvPr>
+          <p:cNvCxnSpPr/>
+          <p:nvPr/>
+        </p:nvCxnSpPr>
+        <p:spPr>
+          <a:xfrm>
+            <a:off x="1080000" y="756000"/>
+            <a:ext cx="0" cy="252000"/>
+          </a:xfrm>
+          <a:prstGeom prst="line">
+            <a:avLst/>
+          </a:prstGeom>
+          <a:ln>
+            <a:solidFill>
+              <a:schemeClr val="tx1"/>
+            </a:solidFill>
+          </a:ln>
+        </p:spPr>
+        <p:style>
+          <a:lnRef idx="1">
+            <a:schemeClr val="accent1"/>
+          </a:lnRef>
+          <a:fillRef idx="0">
+            <a:schemeClr val="accent1"/>
+          </a:fillRef>
+          <a:effectRef idx="0">
+            <a:schemeClr val="accent1"/>
+          </a:effectRef>
+          <a:fontRef idx="minor">
+            <a:schemeClr val="tx1"/>
+          </a:fontRef>
+        </p:style>
+      </p:cxnSp>
+      <p:sp>
+        <p:nvSpPr>
+          <p:cNvPr id="75" name="Rectangle 74">
+            <a:extLst>
+              <a:ext uri="{FF2B5EF4-FFF2-40B4-BE49-F238E27FC236}">
+                <a16:creationId xmlns:a16="http://schemas.microsoft.com/office/drawing/2014/main" id="{0E2A21F8-AB7B-964A-BB9E-787491065FE4}"/>
+              </a:ext>
+            </a:extLst>
+          </p:cNvPr>
+          <p:cNvSpPr/>
+          <p:nvPr/>
+        </p:nvSpPr>
+        <p:spPr>
+          <a:xfrm>
+            <a:off x="1080000" y="2952000"/>
+            <a:ext cx="756000" cy="180000"/>
+          </a:xfrm>
+          <a:prstGeom prst="rect">
+            <a:avLst/>
+          </a:prstGeom>
+          <a:solidFill>
+            <a:schemeClr val="accent4">
+              <a:lumMod val="60000"/>
+              <a:lumOff val="40000"/>
+            </a:schemeClr>
+          </a:solidFill>
+          <a:ln>
+            <a:solidFill>
+              <a:schemeClr val="accent4"/>
+            </a:solidFill>
+          </a:ln>
+        </p:spPr>
+        <p:style>
+          <a:lnRef idx="2">
+            <a:schemeClr val="accent1">
+              <a:shade val="50000"/>
+            </a:schemeClr>
+          </a:lnRef>
+          <a:fillRef idx="1">
+            <a:schemeClr val="accent1"/>
+          </a:fillRef>
+          <a:effectRef idx="0">
+            <a:schemeClr val="accent1"/>
+          </a:effectRef>
+          <a:fontRef idx="minor">
+            <a:schemeClr val="lt1"/>
+          </a:fontRef>
+        </p:style>
+        <p:txBody>
+          <a:bodyPr rtlCol="0" anchor="ctr"/>
+          <a:lstStyle/>
+          <a:p>
+            <a:pPr algn="ctr"/>
+            <a:endParaRPr lang="en-US"/>
+          </a:p>
+        </p:txBody>
+      </p:sp>
+      <p:sp>
+        <p:nvSpPr>
+          <p:cNvPr id="76" name="Rectangle 75">
+            <a:extLst>
+              <a:ext uri="{FF2B5EF4-FFF2-40B4-BE49-F238E27FC236}">
+                <a16:creationId xmlns:a16="http://schemas.microsoft.com/office/drawing/2014/main" id="{7052033D-80A5-494A-B33B-BBD161714B87}"/>
+              </a:ext>
+            </a:extLst>
+          </p:cNvPr>
+          <p:cNvSpPr/>
+          <p:nvPr/>
+        </p:nvSpPr>
+        <p:spPr>
+          <a:xfrm>
+            <a:off x="1080000" y="5112000"/>
+            <a:ext cx="576000" cy="180000"/>
+          </a:xfrm>
+          <a:prstGeom prst="rect">
+            <a:avLst/>
+          </a:prstGeom>
+          <a:solidFill>
+            <a:schemeClr val="accent4">
+              <a:lumMod val="60000"/>
+              <a:lumOff val="40000"/>
+            </a:schemeClr>
+          </a:solidFill>
+          <a:ln>
+            <a:solidFill>
+              <a:schemeClr val="accent4"/>
+            </a:solidFill>
+          </a:ln>
+        </p:spPr>
+        <p:style>
+          <a:lnRef idx="2">
+            <a:schemeClr val="accent1">
+              <a:shade val="50000"/>
+            </a:schemeClr>
+          </a:lnRef>
+          <a:fillRef idx="1">
+            <a:schemeClr val="accent1"/>
+          </a:fillRef>
+          <a:effectRef idx="0">
+            <a:schemeClr val="accent1"/>
+          </a:effectRef>
+          <a:fontRef idx="minor">
+            <a:schemeClr val="lt1"/>
+          </a:fontRef>
+        </p:style>
+        <p:txBody>
+          <a:bodyPr rtlCol="0" anchor="ctr"/>
+          <a:lstStyle/>
+          <a:p>
+            <a:pPr algn="ctr"/>
+            <a:endParaRPr lang="en-US"/>
+          </a:p>
+        </p:txBody>
+      </p:sp>
+      <p:cxnSp>
+        <p:nvCxnSpPr>
+          <p:cNvPr id="77" name="Straight Connector 76">
+            <a:extLst>
+              <a:ext uri="{FF2B5EF4-FFF2-40B4-BE49-F238E27FC236}">
+                <a16:creationId xmlns:a16="http://schemas.microsoft.com/office/drawing/2014/main" id="{B4E9B6F0-F496-4D40-B3B4-1691A7C6D3B1}"/>
+              </a:ext>
+            </a:extLst>
+          </p:cNvPr>
+          <p:cNvCxnSpPr/>
+          <p:nvPr/>
+        </p:nvCxnSpPr>
+        <p:spPr>
+          <a:xfrm>
+            <a:off x="1080000" y="2916000"/>
+            <a:ext cx="0" cy="252000"/>
+          </a:xfrm>
+          <a:prstGeom prst="line">
+            <a:avLst/>
+          </a:prstGeom>
+          <a:ln>
+            <a:solidFill>
+              <a:schemeClr val="tx1"/>
+            </a:solidFill>
+          </a:ln>
+        </p:spPr>
+        <p:style>
+          <a:lnRef idx="1">
+            <a:schemeClr val="accent1"/>
+          </a:lnRef>
+          <a:fillRef idx="0">
+            <a:schemeClr val="accent1"/>
+          </a:fillRef>
+          <a:effectRef idx="0">
+            <a:schemeClr val="accent1"/>
+          </a:effectRef>
+          <a:fontRef idx="minor">
+            <a:schemeClr val="tx1"/>
+          </a:fontRef>
+        </p:style>
+      </p:cxnSp>
+      <p:cxnSp>
+        <p:nvCxnSpPr>
+          <p:cNvPr id="78" name="Straight Connector 77">
+            <a:extLst>
+              <a:ext uri="{FF2B5EF4-FFF2-40B4-BE49-F238E27FC236}">
+                <a16:creationId xmlns:a16="http://schemas.microsoft.com/office/drawing/2014/main" id="{5EBDF06C-8B56-094A-8A7A-E1E5C7C34012}"/>
+              </a:ext>
+            </a:extLst>
+          </p:cNvPr>
+          <p:cNvCxnSpPr/>
+          <p:nvPr/>
+        </p:nvCxnSpPr>
+        <p:spPr>
+          <a:xfrm>
+            <a:off x="1080000" y="5076000"/>
+            <a:ext cx="0" cy="252000"/>
+          </a:xfrm>
+          <a:prstGeom prst="line">
+            <a:avLst/>
+          </a:prstGeom>
+          <a:ln>
+            <a:solidFill>
+              <a:schemeClr val="tx1"/>
+            </a:solidFill>
+          </a:ln>
+        </p:spPr>
+        <p:style>
+          <a:lnRef idx="1">
+            <a:schemeClr val="accent1"/>
+          </a:lnRef>
+          <a:fillRef idx="0">
+            <a:schemeClr val="accent1"/>
+          </a:fillRef>
+          <a:effectRef idx="0">
+            <a:schemeClr val="accent1"/>
+          </a:effectRef>
+          <a:fontRef idx="minor">
+            <a:schemeClr val="tx1"/>
+          </a:fontRef>
+        </p:style>
+      </p:cxnSp>
+      <p:grpSp>
+        <p:nvGrpSpPr>
+          <p:cNvPr id="85" name="Group 84">
+            <a:extLst>
+              <a:ext uri="{FF2B5EF4-FFF2-40B4-BE49-F238E27FC236}">
+                <a16:creationId xmlns:a16="http://schemas.microsoft.com/office/drawing/2014/main" id="{6436E249-FD28-904D-ADD4-24FCD2E691D5}"/>
+              </a:ext>
+            </a:extLst>
+          </p:cNvPr>
+          <p:cNvGrpSpPr/>
+          <p:nvPr/>
+        </p:nvGrpSpPr>
+        <p:grpSpPr>
+          <a:xfrm>
+            <a:off x="3780000" y="630000"/>
+            <a:ext cx="900000" cy="1440000"/>
+            <a:chOff x="3780000" y="630000"/>
+            <a:chExt cx="900000" cy="1440000"/>
+          </a:xfrm>
+        </p:grpSpPr>
+        <p:cxnSp>
+          <p:nvCxnSpPr>
+            <p:cNvPr id="80" name="Straight Arrow Connector 79">
+              <a:extLst>
+                <a:ext uri="{FF2B5EF4-FFF2-40B4-BE49-F238E27FC236}">
+                  <a16:creationId xmlns:a16="http://schemas.microsoft.com/office/drawing/2014/main" id="{9055BA4D-3D4A-FD4A-896B-DF31C76F29BE}"/>
+                </a:ext>
+              </a:extLst>
+            </p:cNvPr>
+            <p:cNvCxnSpPr>
+              <a:stCxn id="7" idx="6"/>
+            </p:cNvCxnSpPr>
+            <p:nvPr/>
+          </p:nvCxnSpPr>
+          <p:spPr>
+            <a:xfrm flipV="1">
+              <a:off x="3780000" y="630000"/>
+              <a:ext cx="900000" cy="720000"/>
+            </a:xfrm>
+            <a:prstGeom prst="straightConnector1">
+              <a:avLst/>
+            </a:prstGeom>
+            <a:ln>
+              <a:solidFill>
+                <a:schemeClr val="tx1"/>
+              </a:solidFill>
+              <a:tailEnd type="triangle"/>
+            </a:ln>
+          </p:spPr>
+          <p:style>
+            <a:lnRef idx="1">
+              <a:schemeClr val="accent1"/>
+            </a:lnRef>
+            <a:fillRef idx="0">
+              <a:schemeClr val="accent1"/>
+            </a:fillRef>
+            <a:effectRef idx="0">
+              <a:schemeClr val="accent1"/>
+            </a:effectRef>
+            <a:fontRef idx="minor">
+              <a:schemeClr val="tx1"/>
+            </a:fontRef>
+          </p:style>
+        </p:cxnSp>
+        <p:cxnSp>
+          <p:nvCxnSpPr>
+            <p:cNvPr id="82" name="Straight Arrow Connector 81">
+              <a:extLst>
+                <a:ext uri="{FF2B5EF4-FFF2-40B4-BE49-F238E27FC236}">
+                  <a16:creationId xmlns:a16="http://schemas.microsoft.com/office/drawing/2014/main" id="{28578A37-5554-454F-8F62-6F0C95251C0B}"/>
+                </a:ext>
+              </a:extLst>
+            </p:cNvPr>
+            <p:cNvCxnSpPr>
+              <a:stCxn id="7" idx="6"/>
+              <a:endCxn id="20" idx="2"/>
+            </p:cNvCxnSpPr>
+            <p:nvPr/>
+          </p:nvCxnSpPr>
+          <p:spPr>
+            <a:xfrm>
+              <a:off x="3780000" y="1350000"/>
+              <a:ext cx="900000" cy="0"/>
+            </a:xfrm>
+            <a:prstGeom prst="straightConnector1">
+              <a:avLst/>
+            </a:prstGeom>
+            <a:ln>
+              <a:solidFill>
+                <a:schemeClr val="bg1">
+                  <a:lumMod val="75000"/>
+                </a:schemeClr>
+              </a:solidFill>
+              <a:tailEnd type="triangle"/>
+            </a:ln>
+          </p:spPr>
+          <p:style>
+            <a:lnRef idx="1">
+              <a:schemeClr val="accent1"/>
+            </a:lnRef>
+            <a:fillRef idx="0">
+              <a:schemeClr val="accent1"/>
+            </a:fillRef>
+            <a:effectRef idx="0">
+              <a:schemeClr val="accent1"/>
+            </a:effectRef>
+            <a:fontRef idx="minor">
+              <a:schemeClr val="tx1"/>
+            </a:fontRef>
+          </p:style>
+        </p:cxnSp>
+        <p:cxnSp>
+          <p:nvCxnSpPr>
+            <p:cNvPr id="84" name="Straight Arrow Connector 83">
+              <a:extLst>
+                <a:ext uri="{FF2B5EF4-FFF2-40B4-BE49-F238E27FC236}">
+                  <a16:creationId xmlns:a16="http://schemas.microsoft.com/office/drawing/2014/main" id="{6B250F7D-19D4-884E-9F11-E2F17B32F2CC}"/>
+                </a:ext>
+              </a:extLst>
+            </p:cNvPr>
+            <p:cNvCxnSpPr>
+              <a:stCxn id="7" idx="6"/>
+              <a:endCxn id="21" idx="2"/>
+            </p:cNvCxnSpPr>
+            <p:nvPr/>
+          </p:nvCxnSpPr>
+          <p:spPr>
+            <a:xfrm>
+              <a:off x="3780000" y="1350000"/>
+              <a:ext cx="900000" cy="720000"/>
+            </a:xfrm>
+            <a:prstGeom prst="straightConnector1">
+              <a:avLst/>
+            </a:prstGeom>
+            <a:ln>
+              <a:solidFill>
+                <a:schemeClr val="bg1">
+                  <a:lumMod val="75000"/>
+                </a:schemeClr>
+              </a:solidFill>
+              <a:tailEnd type="triangle"/>
+            </a:ln>
+          </p:spPr>
+          <p:style>
+            <a:lnRef idx="1">
+              <a:schemeClr val="accent1"/>
+            </a:lnRef>
+            <a:fillRef idx="0">
+              <a:schemeClr val="accent1"/>
+            </a:fillRef>
+            <a:effectRef idx="0">
+              <a:schemeClr val="accent1"/>
+            </a:effectRef>
+            <a:fontRef idx="minor">
+              <a:schemeClr val="tx1"/>
+            </a:fontRef>
+          </p:style>
+        </p:cxnSp>
+      </p:grpSp>
+      <p:grpSp>
+        <p:nvGrpSpPr>
+          <p:cNvPr id="86" name="Group 85">
+            <a:extLst>
+              <a:ext uri="{FF2B5EF4-FFF2-40B4-BE49-F238E27FC236}">
+                <a16:creationId xmlns:a16="http://schemas.microsoft.com/office/drawing/2014/main" id="{1F37E55E-3095-0847-ADF6-5BCCF1F23FD4}"/>
+              </a:ext>
+            </a:extLst>
+          </p:cNvPr>
+          <p:cNvGrpSpPr/>
+          <p:nvPr/>
+        </p:nvGrpSpPr>
+        <p:grpSpPr>
+          <a:xfrm>
+            <a:off x="3780000" y="2790000"/>
+            <a:ext cx="900000" cy="1440000"/>
+            <a:chOff x="3780000" y="630000"/>
+            <a:chExt cx="900000" cy="1440000"/>
+          </a:xfrm>
+        </p:grpSpPr>
+        <p:cxnSp>
+          <p:nvCxnSpPr>
+            <p:cNvPr id="87" name="Straight Arrow Connector 86">
+              <a:extLst>
+                <a:ext uri="{FF2B5EF4-FFF2-40B4-BE49-F238E27FC236}">
+                  <a16:creationId xmlns:a16="http://schemas.microsoft.com/office/drawing/2014/main" id="{83C32C54-F9A7-7544-A8AA-5A35E1BCA9B9}"/>
+                </a:ext>
+              </a:extLst>
+            </p:cNvPr>
+            <p:cNvCxnSpPr/>
+            <p:nvPr/>
+          </p:nvCxnSpPr>
+          <p:spPr>
+            <a:xfrm flipV="1">
+              <a:off x="3780000" y="630000"/>
+              <a:ext cx="900000" cy="720000"/>
+            </a:xfrm>
+            <a:prstGeom prst="straightConnector1">
+              <a:avLst/>
+            </a:prstGeom>
+            <a:ln>
+              <a:solidFill>
+                <a:schemeClr val="tx1"/>
+              </a:solidFill>
+              <a:tailEnd type="triangle"/>
+            </a:ln>
+          </p:spPr>
+          <p:style>
+            <a:lnRef idx="1">
+              <a:schemeClr val="accent1"/>
+            </a:lnRef>
+            <a:fillRef idx="0">
+              <a:schemeClr val="accent1"/>
+            </a:fillRef>
+            <a:effectRef idx="0">
+              <a:schemeClr val="accent1"/>
+            </a:effectRef>
+            <a:fontRef idx="minor">
+              <a:schemeClr val="tx1"/>
+            </a:fontRef>
+          </p:style>
+        </p:cxnSp>
+        <p:cxnSp>
+          <p:nvCxnSpPr>
+            <p:cNvPr id="88" name="Straight Arrow Connector 87">
+              <a:extLst>
+                <a:ext uri="{FF2B5EF4-FFF2-40B4-BE49-F238E27FC236}">
+                  <a16:creationId xmlns:a16="http://schemas.microsoft.com/office/drawing/2014/main" id="{E7F9C3C3-A430-014F-B23E-49639A431AEB}"/>
+                </a:ext>
+              </a:extLst>
+            </p:cNvPr>
+            <p:cNvCxnSpPr/>
+            <p:nvPr/>
+          </p:nvCxnSpPr>
+          <p:spPr>
+            <a:xfrm>
+              <a:off x="3780000" y="1350000"/>
+              <a:ext cx="900000" cy="0"/>
+            </a:xfrm>
+            <a:prstGeom prst="straightConnector1">
+              <a:avLst/>
+            </a:prstGeom>
+            <a:ln>
+              <a:solidFill>
+                <a:schemeClr val="tx1"/>
+              </a:solidFill>
+              <a:tailEnd type="triangle"/>
+            </a:ln>
+          </p:spPr>
+          <p:style>
+            <a:lnRef idx="1">
+              <a:schemeClr val="accent1"/>
+            </a:lnRef>
+            <a:fillRef idx="0">
+              <a:schemeClr val="accent1"/>
+            </a:fillRef>
+            <a:effectRef idx="0">
+              <a:schemeClr val="accent1"/>
+            </a:effectRef>
+            <a:fontRef idx="minor">
+              <a:schemeClr val="tx1"/>
+            </a:fontRef>
+          </p:style>
+        </p:cxnSp>
+        <p:cxnSp>
+          <p:nvCxnSpPr>
+            <p:cNvPr id="89" name="Straight Arrow Connector 88">
+              <a:extLst>
+                <a:ext uri="{FF2B5EF4-FFF2-40B4-BE49-F238E27FC236}">
+                  <a16:creationId xmlns:a16="http://schemas.microsoft.com/office/drawing/2014/main" id="{923A0399-AEA2-A94E-AD08-DAF09BAC0F4D}"/>
+                </a:ext>
+              </a:extLst>
+            </p:cNvPr>
+            <p:cNvCxnSpPr/>
+            <p:nvPr/>
+          </p:nvCxnSpPr>
+          <p:spPr>
+            <a:xfrm>
+              <a:off x="3780000" y="1350000"/>
+              <a:ext cx="900000" cy="720000"/>
+            </a:xfrm>
+            <a:prstGeom prst="straightConnector1">
+              <a:avLst/>
+            </a:prstGeom>
+            <a:ln>
+              <a:solidFill>
+                <a:schemeClr val="bg1">
+                  <a:lumMod val="75000"/>
+                </a:schemeClr>
+              </a:solidFill>
+              <a:tailEnd type="triangle"/>
+            </a:ln>
+          </p:spPr>
+          <p:style>
+            <a:lnRef idx="1">
+              <a:schemeClr val="accent1"/>
+            </a:lnRef>
+            <a:fillRef idx="0">
+              <a:schemeClr val="accent1"/>
+            </a:fillRef>
+            <a:effectRef idx="0">
+              <a:schemeClr val="accent1"/>
+            </a:effectRef>
+            <a:fontRef idx="minor">
+              <a:schemeClr val="tx1"/>
+            </a:fontRef>
+          </p:style>
+        </p:cxnSp>
+      </p:grpSp>
+      <p:grpSp>
+        <p:nvGrpSpPr>
+          <p:cNvPr id="90" name="Group 89">
+            <a:extLst>
+              <a:ext uri="{FF2B5EF4-FFF2-40B4-BE49-F238E27FC236}">
+                <a16:creationId xmlns:a16="http://schemas.microsoft.com/office/drawing/2014/main" id="{A60B0649-42B7-6941-9ABB-9D649E5DF89A}"/>
+              </a:ext>
+            </a:extLst>
+          </p:cNvPr>
+          <p:cNvGrpSpPr/>
+          <p:nvPr/>
+        </p:nvGrpSpPr>
+        <p:grpSpPr>
+          <a:xfrm>
+            <a:off x="3780000" y="4950000"/>
+            <a:ext cx="900000" cy="1440000"/>
+            <a:chOff x="3780000" y="630000"/>
+            <a:chExt cx="900000" cy="1440000"/>
+          </a:xfrm>
+        </p:grpSpPr>
+        <p:cxnSp>
+          <p:nvCxnSpPr>
+            <p:cNvPr id="91" name="Straight Arrow Connector 90">
+              <a:extLst>
+                <a:ext uri="{FF2B5EF4-FFF2-40B4-BE49-F238E27FC236}">
+                  <a16:creationId xmlns:a16="http://schemas.microsoft.com/office/drawing/2014/main" id="{35B22F4F-2736-904E-9941-F04A445A165E}"/>
+                </a:ext>
+              </a:extLst>
+            </p:cNvPr>
+            <p:cNvCxnSpPr/>
+            <p:nvPr/>
+          </p:nvCxnSpPr>
+          <p:spPr>
+            <a:xfrm flipV="1">
+              <a:off x="3780000" y="630000"/>
+              <a:ext cx="900000" cy="720000"/>
+            </a:xfrm>
+            <a:prstGeom prst="straightConnector1">
+              <a:avLst/>
+            </a:prstGeom>
+            <a:ln>
+              <a:solidFill>
+                <a:schemeClr val="bg1">
+                  <a:lumMod val="75000"/>
+                </a:schemeClr>
+              </a:solidFill>
+              <a:tailEnd type="triangle"/>
+            </a:ln>
+          </p:spPr>
+          <p:style>
+            <a:lnRef idx="1">
+              <a:schemeClr val="accent1"/>
+            </a:lnRef>
+            <a:fillRef idx="0">
+              <a:schemeClr val="accent1"/>
+            </a:fillRef>
+            <a:effectRef idx="0">
+              <a:schemeClr val="accent1"/>
+            </a:effectRef>
+            <a:fontRef idx="minor">
+              <a:schemeClr val="tx1"/>
+            </a:fontRef>
+          </p:style>
+        </p:cxnSp>
+        <p:cxnSp>
+          <p:nvCxnSpPr>
+            <p:cNvPr id="92" name="Straight Arrow Connector 91">
+              <a:extLst>
+                <a:ext uri="{FF2B5EF4-FFF2-40B4-BE49-F238E27FC236}">
+                  <a16:creationId xmlns:a16="http://schemas.microsoft.com/office/drawing/2014/main" id="{E0F23A4F-0B7A-1743-9E94-1869C0715032}"/>
+                </a:ext>
+              </a:extLst>
+            </p:cNvPr>
+            <p:cNvCxnSpPr/>
+            <p:nvPr/>
+          </p:nvCxnSpPr>
+          <p:spPr>
+            <a:xfrm>
+              <a:off x="3780000" y="1350000"/>
+              <a:ext cx="900000" cy="0"/>
+            </a:xfrm>
+            <a:prstGeom prst="straightConnector1">
+              <a:avLst/>
+            </a:prstGeom>
+            <a:ln>
+              <a:solidFill>
+                <a:schemeClr val="bg1">
+                  <a:lumMod val="75000"/>
+                </a:schemeClr>
+              </a:solidFill>
+              <a:tailEnd type="triangle"/>
+            </a:ln>
+          </p:spPr>
+          <p:style>
+            <a:lnRef idx="1">
+              <a:schemeClr val="accent1"/>
+            </a:lnRef>
+            <a:fillRef idx="0">
+              <a:schemeClr val="accent1"/>
+            </a:fillRef>
+            <a:effectRef idx="0">
+              <a:schemeClr val="accent1"/>
+            </a:effectRef>
+            <a:fontRef idx="minor">
+              <a:schemeClr val="tx1"/>
+            </a:fontRef>
+          </p:style>
+        </p:cxnSp>
+        <p:cxnSp>
+          <p:nvCxnSpPr>
+            <p:cNvPr id="93" name="Straight Arrow Connector 92">
+              <a:extLst>
+                <a:ext uri="{FF2B5EF4-FFF2-40B4-BE49-F238E27FC236}">
+                  <a16:creationId xmlns:a16="http://schemas.microsoft.com/office/drawing/2014/main" id="{B8A55814-10FD-D84E-BB93-0B300F5BAC54}"/>
+                </a:ext>
+              </a:extLst>
+            </p:cNvPr>
+            <p:cNvCxnSpPr/>
+            <p:nvPr/>
+          </p:nvCxnSpPr>
+          <p:spPr>
+            <a:xfrm>
+              <a:off x="3780000" y="1350000"/>
+              <a:ext cx="900000" cy="720000"/>
+            </a:xfrm>
+            <a:prstGeom prst="straightConnector1">
+              <a:avLst/>
+            </a:prstGeom>
+            <a:ln>
+              <a:solidFill>
+                <a:schemeClr val="bg1">
+                  <a:lumMod val="75000"/>
+                </a:schemeClr>
+              </a:solidFill>
+              <a:tailEnd type="triangle"/>
+            </a:ln>
+          </p:spPr>
+          <p:style>
+            <a:lnRef idx="1">
+              <a:schemeClr val="accent1"/>
+            </a:lnRef>
+            <a:fillRef idx="0">
+              <a:schemeClr val="accent1"/>
+            </a:fillRef>
+            <a:effectRef idx="0">
+              <a:schemeClr val="accent1"/>
+            </a:effectRef>
+            <a:fontRef idx="minor">
+              <a:schemeClr val="tx1"/>
+            </a:fontRef>
+          </p:style>
+        </p:cxnSp>
+      </p:grpSp>
+      <p:grpSp>
+        <p:nvGrpSpPr>
+          <p:cNvPr id="148" name="Group 147">
+            <a:extLst>
+              <a:ext uri="{FF2B5EF4-FFF2-40B4-BE49-F238E27FC236}">
+                <a16:creationId xmlns:a16="http://schemas.microsoft.com/office/drawing/2014/main" id="{1E2AF444-B846-374F-B511-0BA3203627AD}"/>
+              </a:ext>
+            </a:extLst>
+          </p:cNvPr>
+          <p:cNvGrpSpPr/>
+          <p:nvPr/>
+        </p:nvGrpSpPr>
+        <p:grpSpPr>
+          <a:xfrm>
+            <a:off x="1080000" y="1080000"/>
+            <a:ext cx="2700000" cy="540000"/>
+            <a:chOff x="1080000" y="1080000"/>
+            <a:chExt cx="2700000" cy="540000"/>
+          </a:xfrm>
+        </p:grpSpPr>
+        <p:sp>
+          <p:nvSpPr>
+            <p:cNvPr id="4" name="Oval 3">
+              <a:extLst>
+                <a:ext uri="{FF2B5EF4-FFF2-40B4-BE49-F238E27FC236}">
+                  <a16:creationId xmlns:a16="http://schemas.microsoft.com/office/drawing/2014/main" id="{FE0AB927-0499-424D-BAA4-78607106CFC9}"/>
+                </a:ext>
+              </a:extLst>
+            </p:cNvPr>
+            <p:cNvSpPr>
+              <a:spLocks noChangeAspect="1"/>
+            </p:cNvSpPr>
+            <p:nvPr/>
+          </p:nvSpPr>
+          <p:spPr>
+            <a:xfrm>
+              <a:off x="1080000" y="1080000"/>
+              <a:ext cx="540000" cy="540000"/>
+            </a:xfrm>
+            <a:prstGeom prst="ellipse">
+              <a:avLst/>
+            </a:prstGeom>
+            <a:solidFill>
+              <a:schemeClr val="accent2">
+                <a:lumMod val="60000"/>
+                <a:lumOff val="40000"/>
+              </a:schemeClr>
+            </a:solidFill>
+            <a:ln>
+              <a:solidFill>
+                <a:schemeClr val="accent2"/>
+              </a:solidFill>
+            </a:ln>
+          </p:spPr>
+          <p:style>
+            <a:lnRef idx="2">
+              <a:schemeClr val="accent1">
+                <a:shade val="50000"/>
+              </a:schemeClr>
+            </a:lnRef>
+            <a:fillRef idx="1">
+              <a:schemeClr val="accent1"/>
+            </a:fillRef>
+            <a:effectRef idx="0">
+              <a:schemeClr val="accent1"/>
+            </a:effectRef>
+            <a:fontRef idx="minor">
+              <a:schemeClr val="lt1"/>
+            </a:fontRef>
+          </p:style>
+          <p:txBody>
+            <a:bodyPr wrap="none" rtlCol="0" anchor="ctr"/>
+            <a:lstStyle/>
+            <a:p>
+              <a:pPr algn="ctr"/>
+              <a:r>
+                <a:rPr lang="en-US" sz="2400" i="1" dirty="0">
+                  <a:solidFill>
+                    <a:schemeClr val="tx1"/>
+                  </a:solidFill>
+                  <a:latin typeface="Times" pitchFamily="2" charset="0"/>
+                </a:rPr>
+                <a:t>v</a:t>
+              </a:r>
+              <a:r>
+                <a:rPr lang="en-US" sz="2400" baseline="-25000" dirty="0">
+                  <a:solidFill>
+                    <a:schemeClr val="tx1"/>
+                  </a:solidFill>
+                  <a:latin typeface="Times" pitchFamily="2" charset="0"/>
+                </a:rPr>
+                <a:t>0</a:t>
+              </a:r>
+            </a:p>
+          </p:txBody>
+        </p:sp>
+        <p:sp>
+          <p:nvSpPr>
+            <p:cNvPr id="5" name="Oval 4">
+              <a:extLst>
+                <a:ext uri="{FF2B5EF4-FFF2-40B4-BE49-F238E27FC236}">
+                  <a16:creationId xmlns:a16="http://schemas.microsoft.com/office/drawing/2014/main" id="{57826472-7BF4-7640-9301-FCF47568443D}"/>
+                </a:ext>
+              </a:extLst>
+            </p:cNvPr>
+            <p:cNvSpPr>
+              <a:spLocks noChangeAspect="1"/>
+            </p:cNvSpPr>
+            <p:nvPr/>
+          </p:nvSpPr>
+          <p:spPr>
+            <a:xfrm>
+              <a:off x="1800000" y="1080000"/>
+              <a:ext cx="540000" cy="540000"/>
+            </a:xfrm>
+            <a:prstGeom prst="ellipse">
+              <a:avLst/>
+            </a:prstGeom>
+            <a:solidFill>
+              <a:schemeClr val="accent2">
+                <a:lumMod val="60000"/>
+                <a:lumOff val="40000"/>
+              </a:schemeClr>
+            </a:solidFill>
+            <a:ln>
+              <a:solidFill>
+                <a:schemeClr val="accent2"/>
+              </a:solidFill>
+            </a:ln>
+          </p:spPr>
+          <p:style>
+            <a:lnRef idx="2">
+              <a:schemeClr val="accent1">
+                <a:shade val="50000"/>
+              </a:schemeClr>
+            </a:lnRef>
+            <a:fillRef idx="1">
+              <a:schemeClr val="accent1"/>
+            </a:fillRef>
+            <a:effectRef idx="0">
+              <a:schemeClr val="accent1"/>
+            </a:effectRef>
+            <a:fontRef idx="minor">
+              <a:schemeClr val="lt1"/>
+            </a:fontRef>
+          </p:style>
+          <p:txBody>
+            <a:bodyPr wrap="none" rtlCol="0" anchor="ctr"/>
+            <a:lstStyle/>
+            <a:p>
+              <a:pPr algn="ctr"/>
+              <a:r>
+                <a:rPr lang="en-US" sz="2400" i="1" dirty="0">
+                  <a:solidFill>
+                    <a:schemeClr val="tx1"/>
+                  </a:solidFill>
+                  <a:latin typeface="Times" pitchFamily="2" charset="0"/>
+                </a:rPr>
+                <a:t>v</a:t>
+              </a:r>
+              <a:r>
+                <a:rPr lang="en-US" sz="2400" baseline="-25000" dirty="0">
+                  <a:solidFill>
+                    <a:schemeClr val="tx1"/>
+                  </a:solidFill>
+                  <a:latin typeface="Times" pitchFamily="2" charset="0"/>
+                </a:rPr>
+                <a:t>1</a:t>
+              </a:r>
+            </a:p>
+          </p:txBody>
+        </p:sp>
+        <p:sp>
+          <p:nvSpPr>
+            <p:cNvPr id="6" name="Oval 5">
+              <a:extLst>
+                <a:ext uri="{FF2B5EF4-FFF2-40B4-BE49-F238E27FC236}">
+                  <a16:creationId xmlns:a16="http://schemas.microsoft.com/office/drawing/2014/main" id="{8EC9559A-3089-7546-9CA6-0EE79475250B}"/>
+                </a:ext>
+              </a:extLst>
+            </p:cNvPr>
+            <p:cNvSpPr>
+              <a:spLocks noChangeAspect="1"/>
+            </p:cNvSpPr>
+            <p:nvPr/>
+          </p:nvSpPr>
+          <p:spPr>
+            <a:xfrm>
+              <a:off x="2520000" y="1080000"/>
+              <a:ext cx="540000" cy="540000"/>
+            </a:xfrm>
+            <a:prstGeom prst="ellipse">
+              <a:avLst/>
+            </a:prstGeom>
+            <a:solidFill>
+              <a:schemeClr val="accent2">
+                <a:lumMod val="60000"/>
+                <a:lumOff val="40000"/>
+              </a:schemeClr>
+            </a:solidFill>
+            <a:ln>
+              <a:solidFill>
+                <a:schemeClr val="accent2"/>
+              </a:solidFill>
+            </a:ln>
+          </p:spPr>
+          <p:style>
+            <a:lnRef idx="2">
+              <a:schemeClr val="accent1">
+                <a:shade val="50000"/>
+              </a:schemeClr>
+            </a:lnRef>
+            <a:fillRef idx="1">
+              <a:schemeClr val="accent1"/>
+            </a:fillRef>
+            <a:effectRef idx="0">
+              <a:schemeClr val="accent1"/>
+            </a:effectRef>
+            <a:fontRef idx="minor">
+              <a:schemeClr val="lt1"/>
+            </a:fontRef>
+          </p:style>
+          <p:txBody>
+            <a:bodyPr wrap="none" rtlCol="0" anchor="ctr"/>
+            <a:lstStyle/>
+            <a:p>
+              <a:pPr algn="ctr"/>
+              <a:r>
+                <a:rPr lang="en-US" sz="2400" i="1" dirty="0">
+                  <a:solidFill>
+                    <a:schemeClr val="tx1"/>
+                  </a:solidFill>
+                  <a:latin typeface="Times" pitchFamily="2" charset="0"/>
+                </a:rPr>
+                <a:t>v</a:t>
+              </a:r>
+              <a:r>
+                <a:rPr lang="en-US" sz="2400" baseline="-25000" dirty="0">
+                  <a:solidFill>
+                    <a:schemeClr val="tx1"/>
+                  </a:solidFill>
+                  <a:latin typeface="Times" pitchFamily="2" charset="0"/>
+                </a:rPr>
+                <a:t>2</a:t>
+              </a:r>
+            </a:p>
+          </p:txBody>
+        </p:sp>
+        <p:sp>
+          <p:nvSpPr>
+            <p:cNvPr id="7" name="Oval 6">
+              <a:extLst>
+                <a:ext uri="{FF2B5EF4-FFF2-40B4-BE49-F238E27FC236}">
+                  <a16:creationId xmlns:a16="http://schemas.microsoft.com/office/drawing/2014/main" id="{2F8EE43B-9470-634D-849A-545F36E5F329}"/>
+                </a:ext>
+              </a:extLst>
+            </p:cNvPr>
+            <p:cNvSpPr>
+              <a:spLocks noChangeAspect="1"/>
+            </p:cNvSpPr>
+            <p:nvPr/>
+          </p:nvSpPr>
+          <p:spPr>
+            <a:xfrm>
+              <a:off x="3240000" y="1080000"/>
+              <a:ext cx="540000" cy="540000"/>
+            </a:xfrm>
+            <a:prstGeom prst="ellipse">
+              <a:avLst/>
+            </a:prstGeom>
+            <a:solidFill>
+              <a:schemeClr val="accent2">
+                <a:lumMod val="60000"/>
+                <a:lumOff val="40000"/>
+              </a:schemeClr>
+            </a:solidFill>
+            <a:ln>
+              <a:solidFill>
+                <a:schemeClr val="accent2"/>
+              </a:solidFill>
+            </a:ln>
+          </p:spPr>
+          <p:style>
+            <a:lnRef idx="2">
+              <a:schemeClr val="accent1">
+                <a:shade val="50000"/>
+              </a:schemeClr>
+            </a:lnRef>
+            <a:fillRef idx="1">
+              <a:schemeClr val="accent1"/>
+            </a:fillRef>
+            <a:effectRef idx="0">
+              <a:schemeClr val="accent1"/>
+            </a:effectRef>
+            <a:fontRef idx="minor">
+              <a:schemeClr val="lt1"/>
+            </a:fontRef>
+          </p:style>
+          <p:txBody>
+            <a:bodyPr wrap="none" rtlCol="0" anchor="ctr"/>
+            <a:lstStyle/>
+            <a:p>
+              <a:pPr algn="ctr"/>
+              <a:r>
+                <a:rPr lang="en-US" sz="2400" i="1" dirty="0">
+                  <a:solidFill>
+                    <a:schemeClr val="tx1"/>
+                  </a:solidFill>
+                  <a:latin typeface="Times" pitchFamily="2" charset="0"/>
+                </a:rPr>
+                <a:t>v</a:t>
+              </a:r>
+              <a:r>
+                <a:rPr lang="en-US" sz="2400" baseline="-25000" dirty="0">
+                  <a:solidFill>
+                    <a:schemeClr val="tx1"/>
+                  </a:solidFill>
+                  <a:latin typeface="Times" pitchFamily="2" charset="0"/>
+                </a:rPr>
+                <a:t>3</a:t>
+              </a:r>
+            </a:p>
+          </p:txBody>
+        </p:sp>
+        <p:grpSp>
+          <p:nvGrpSpPr>
+            <p:cNvPr id="102" name="Group 101">
+              <a:extLst>
+                <a:ext uri="{FF2B5EF4-FFF2-40B4-BE49-F238E27FC236}">
+                  <a16:creationId xmlns:a16="http://schemas.microsoft.com/office/drawing/2014/main" id="{4513879B-99AE-CA4B-9CD2-42BA739F504A}"/>
+                </a:ext>
+              </a:extLst>
+            </p:cNvPr>
+            <p:cNvGrpSpPr/>
+            <p:nvPr/>
+          </p:nvGrpSpPr>
+          <p:grpSpPr>
+            <a:xfrm>
+              <a:off x="1620000" y="1350000"/>
+              <a:ext cx="1620000" cy="0"/>
+              <a:chOff x="1620000" y="1350000"/>
+              <a:chExt cx="1620000" cy="0"/>
+            </a:xfrm>
+          </p:grpSpPr>
+          <p:cxnSp>
+            <p:nvCxnSpPr>
+              <p:cNvPr id="95" name="Straight Arrow Connector 94">
+                <a:extLst>
+                  <a:ext uri="{FF2B5EF4-FFF2-40B4-BE49-F238E27FC236}">
+                    <a16:creationId xmlns:a16="http://schemas.microsoft.com/office/drawing/2014/main" id="{90D93681-06F4-BD4C-ADF9-E70CDEF0267D}"/>
+                  </a:ext>
+                </a:extLst>
+              </p:cNvPr>
+              <p:cNvCxnSpPr>
+                <a:stCxn id="4" idx="6"/>
+                <a:endCxn id="5" idx="2"/>
+              </p:cNvCxnSpPr>
+              <p:nvPr/>
+            </p:nvCxnSpPr>
+            <p:spPr>
+              <a:xfrm>
+                <a:off x="1620000" y="1350000"/>
+                <a:ext cx="180000" cy="0"/>
+              </a:xfrm>
+              <a:prstGeom prst="straightConnector1">
+                <a:avLst/>
+              </a:prstGeom>
+              <a:ln>
+                <a:solidFill>
+                  <a:schemeClr val="tx1"/>
+                </a:solidFill>
+                <a:tailEnd type="triangle"/>
+              </a:ln>
+            </p:spPr>
+            <p:style>
+              <a:lnRef idx="1">
+                <a:schemeClr val="accent1"/>
+              </a:lnRef>
+              <a:fillRef idx="0">
+                <a:schemeClr val="accent1"/>
+              </a:fillRef>
+              <a:effectRef idx="0">
+                <a:schemeClr val="accent1"/>
+              </a:effectRef>
+              <a:fontRef idx="minor">
+                <a:schemeClr val="tx1"/>
+              </a:fontRef>
+            </p:style>
+          </p:cxnSp>
+          <p:cxnSp>
+            <p:nvCxnSpPr>
+              <p:cNvPr id="96" name="Straight Arrow Connector 95">
+                <a:extLst>
+                  <a:ext uri="{FF2B5EF4-FFF2-40B4-BE49-F238E27FC236}">
+                    <a16:creationId xmlns:a16="http://schemas.microsoft.com/office/drawing/2014/main" id="{232F4880-6FDD-804F-B927-68014D5AD912}"/>
+                  </a:ext>
+                </a:extLst>
+              </p:cNvPr>
+              <p:cNvCxnSpPr>
+                <a:cxnSpLocks/>
+                <a:stCxn id="5" idx="6"/>
+                <a:endCxn id="6" idx="2"/>
+              </p:cNvCxnSpPr>
+              <p:nvPr/>
+            </p:nvCxnSpPr>
+            <p:spPr>
+              <a:xfrm>
+                <a:off x="2340000" y="1350000"/>
+                <a:ext cx="180000" cy="0"/>
+              </a:xfrm>
+              <a:prstGeom prst="straightConnector1">
+                <a:avLst/>
+              </a:prstGeom>
+              <a:ln>
+                <a:solidFill>
+                  <a:schemeClr val="tx1"/>
+                </a:solidFill>
+                <a:tailEnd type="triangle"/>
+              </a:ln>
+            </p:spPr>
+            <p:style>
+              <a:lnRef idx="1">
+                <a:schemeClr val="accent1"/>
+              </a:lnRef>
+              <a:fillRef idx="0">
+                <a:schemeClr val="accent1"/>
+              </a:fillRef>
+              <a:effectRef idx="0">
+                <a:schemeClr val="accent1"/>
+              </a:effectRef>
+              <a:fontRef idx="minor">
+                <a:schemeClr val="tx1"/>
+              </a:fontRef>
+            </p:style>
+          </p:cxnSp>
+          <p:cxnSp>
+            <p:nvCxnSpPr>
+              <p:cNvPr id="99" name="Straight Arrow Connector 98">
+                <a:extLst>
+                  <a:ext uri="{FF2B5EF4-FFF2-40B4-BE49-F238E27FC236}">
+                    <a16:creationId xmlns:a16="http://schemas.microsoft.com/office/drawing/2014/main" id="{00E1D8F8-6419-BC49-83D0-4415320207C0}"/>
+                  </a:ext>
+                </a:extLst>
+              </p:cNvPr>
+              <p:cNvCxnSpPr>
+                <a:cxnSpLocks/>
+                <a:stCxn id="6" idx="6"/>
+                <a:endCxn id="7" idx="2"/>
+              </p:cNvCxnSpPr>
+              <p:nvPr/>
+            </p:nvCxnSpPr>
+            <p:spPr>
+              <a:xfrm>
+                <a:off x="3060000" y="1350000"/>
+                <a:ext cx="180000" cy="0"/>
+              </a:xfrm>
+              <a:prstGeom prst="straightConnector1">
+                <a:avLst/>
+              </a:prstGeom>
+              <a:ln>
+                <a:solidFill>
+                  <a:schemeClr val="tx1"/>
+                </a:solidFill>
+                <a:tailEnd type="triangle"/>
+              </a:ln>
+            </p:spPr>
+            <p:style>
+              <a:lnRef idx="1">
+                <a:schemeClr val="accent1"/>
+              </a:lnRef>
+              <a:fillRef idx="0">
+                <a:schemeClr val="accent1"/>
+              </a:fillRef>
+              <a:effectRef idx="0">
+                <a:schemeClr val="accent1"/>
+              </a:effectRef>
+              <a:fontRef idx="minor">
+                <a:schemeClr val="tx1"/>
+              </a:fontRef>
+            </p:style>
+          </p:cxnSp>
+        </p:grpSp>
+      </p:grpSp>
+      <p:grpSp>
+        <p:nvGrpSpPr>
+          <p:cNvPr id="129" name="Group 128">
+            <a:extLst>
+              <a:ext uri="{FF2B5EF4-FFF2-40B4-BE49-F238E27FC236}">
+                <a16:creationId xmlns:a16="http://schemas.microsoft.com/office/drawing/2014/main" id="{2FF2D37B-D1E1-A043-91F8-2E05A7AE220D}"/>
+              </a:ext>
+            </a:extLst>
+          </p:cNvPr>
+          <p:cNvGrpSpPr/>
+          <p:nvPr/>
+        </p:nvGrpSpPr>
+        <p:grpSpPr>
+          <a:xfrm>
+            <a:off x="1080000" y="3240000"/>
+            <a:ext cx="2700000" cy="540000"/>
+            <a:chOff x="1080000" y="3240000"/>
+            <a:chExt cx="2700000" cy="540000"/>
+          </a:xfrm>
+        </p:grpSpPr>
+        <p:sp>
+          <p:nvSpPr>
+            <p:cNvPr id="8" name="Oval 7">
+              <a:extLst>
+                <a:ext uri="{FF2B5EF4-FFF2-40B4-BE49-F238E27FC236}">
+                  <a16:creationId xmlns:a16="http://schemas.microsoft.com/office/drawing/2014/main" id="{52753407-C072-134A-8884-1EDAF1DB5F19}"/>
+                </a:ext>
+              </a:extLst>
+            </p:cNvPr>
+            <p:cNvSpPr>
+              <a:spLocks noChangeAspect="1"/>
+            </p:cNvSpPr>
+            <p:nvPr/>
+          </p:nvSpPr>
+          <p:spPr>
+            <a:xfrm>
+              <a:off x="1080000" y="3240000"/>
+              <a:ext cx="540000" cy="540000"/>
+            </a:xfrm>
+            <a:prstGeom prst="ellipse">
+              <a:avLst/>
+            </a:prstGeom>
+            <a:solidFill>
+              <a:schemeClr val="accent6">
+                <a:lumMod val="60000"/>
+                <a:lumOff val="40000"/>
+              </a:schemeClr>
+            </a:solidFill>
+            <a:ln>
+              <a:solidFill>
+                <a:schemeClr val="accent6"/>
+              </a:solidFill>
+            </a:ln>
+          </p:spPr>
+          <p:style>
+            <a:lnRef idx="2">
+              <a:schemeClr val="accent1">
+                <a:shade val="50000"/>
+              </a:schemeClr>
+            </a:lnRef>
+            <a:fillRef idx="1">
+              <a:schemeClr val="accent1"/>
+            </a:fillRef>
+            <a:effectRef idx="0">
+              <a:schemeClr val="accent1"/>
+            </a:effectRef>
+            <a:fontRef idx="minor">
+              <a:schemeClr val="lt1"/>
+            </a:fontRef>
+          </p:style>
+          <p:txBody>
+            <a:bodyPr wrap="none" rtlCol="0" anchor="ctr"/>
+            <a:lstStyle/>
+            <a:p>
+              <a:pPr algn="ctr"/>
+              <a:r>
+                <a:rPr lang="en-US" sz="2400" i="1" dirty="0">
+                  <a:solidFill>
+                    <a:schemeClr val="tx1"/>
+                  </a:solidFill>
+                  <a:latin typeface="Times" pitchFamily="2" charset="0"/>
+                </a:rPr>
+                <a:t>v</a:t>
+              </a:r>
+              <a:r>
+                <a:rPr lang="en-US" sz="2400" baseline="-25000" dirty="0">
+                  <a:solidFill>
+                    <a:schemeClr val="tx1"/>
+                  </a:solidFill>
+                  <a:latin typeface="Times" pitchFamily="2" charset="0"/>
+                </a:rPr>
+                <a:t>0</a:t>
+              </a:r>
+            </a:p>
+          </p:txBody>
+        </p:sp>
+        <p:sp>
+          <p:nvSpPr>
+            <p:cNvPr id="9" name="Oval 8">
+              <a:extLst>
+                <a:ext uri="{FF2B5EF4-FFF2-40B4-BE49-F238E27FC236}">
+                  <a16:creationId xmlns:a16="http://schemas.microsoft.com/office/drawing/2014/main" id="{E2F2BD24-AEEF-1440-8715-EF8AE5200CE5}"/>
+                </a:ext>
+              </a:extLst>
+            </p:cNvPr>
+            <p:cNvSpPr>
+              <a:spLocks noChangeAspect="1"/>
+            </p:cNvSpPr>
+            <p:nvPr/>
+          </p:nvSpPr>
+          <p:spPr>
+            <a:xfrm>
+              <a:off x="1800000" y="3240000"/>
+              <a:ext cx="540000" cy="540000"/>
+            </a:xfrm>
+            <a:prstGeom prst="ellipse">
+              <a:avLst/>
+            </a:prstGeom>
+            <a:solidFill>
+              <a:schemeClr val="accent6">
+                <a:lumMod val="60000"/>
+                <a:lumOff val="40000"/>
+              </a:schemeClr>
+            </a:solidFill>
+            <a:ln>
+              <a:solidFill>
+                <a:schemeClr val="accent6"/>
+              </a:solidFill>
+            </a:ln>
+          </p:spPr>
+          <p:style>
+            <a:lnRef idx="2">
+              <a:schemeClr val="accent1">
+                <a:shade val="50000"/>
+              </a:schemeClr>
+            </a:lnRef>
+            <a:fillRef idx="1">
+              <a:schemeClr val="accent1"/>
+            </a:fillRef>
+            <a:effectRef idx="0">
+              <a:schemeClr val="accent1"/>
+            </a:effectRef>
+            <a:fontRef idx="minor">
+              <a:schemeClr val="lt1"/>
+            </a:fontRef>
+          </p:style>
+          <p:txBody>
+            <a:bodyPr wrap="none" rtlCol="0" anchor="ctr"/>
+            <a:lstStyle/>
+            <a:p>
+              <a:pPr algn="ctr"/>
+              <a:r>
+                <a:rPr lang="en-US" sz="2400" i="1" dirty="0">
+                  <a:solidFill>
+                    <a:schemeClr val="tx1"/>
+                  </a:solidFill>
+                  <a:latin typeface="Times" pitchFamily="2" charset="0"/>
+                </a:rPr>
+                <a:t>v</a:t>
+              </a:r>
+              <a:r>
+                <a:rPr lang="en-US" sz="2400" baseline="-25000" dirty="0">
+                  <a:solidFill>
+                    <a:schemeClr val="tx1"/>
+                  </a:solidFill>
+                  <a:latin typeface="Times" pitchFamily="2" charset="0"/>
+                </a:rPr>
+                <a:t>1</a:t>
+              </a:r>
+            </a:p>
+          </p:txBody>
+        </p:sp>
+        <p:sp>
+          <p:nvSpPr>
+            <p:cNvPr id="10" name="Oval 9">
+              <a:extLst>
+                <a:ext uri="{FF2B5EF4-FFF2-40B4-BE49-F238E27FC236}">
+                  <a16:creationId xmlns:a16="http://schemas.microsoft.com/office/drawing/2014/main" id="{7480970A-4EB3-E140-A1C5-65CB520DD2CB}"/>
+                </a:ext>
+              </a:extLst>
+            </p:cNvPr>
+            <p:cNvSpPr>
+              <a:spLocks noChangeAspect="1"/>
+            </p:cNvSpPr>
+            <p:nvPr/>
+          </p:nvSpPr>
+          <p:spPr>
+            <a:xfrm>
+              <a:off x="2520000" y="3240000"/>
+              <a:ext cx="540000" cy="540000"/>
+            </a:xfrm>
+            <a:prstGeom prst="ellipse">
+              <a:avLst/>
+            </a:prstGeom>
+            <a:solidFill>
+              <a:schemeClr val="accent6">
+                <a:lumMod val="60000"/>
+                <a:lumOff val="40000"/>
+              </a:schemeClr>
+            </a:solidFill>
+            <a:ln>
+              <a:solidFill>
+                <a:schemeClr val="accent6"/>
+              </a:solidFill>
+            </a:ln>
+          </p:spPr>
+          <p:style>
+            <a:lnRef idx="2">
+              <a:schemeClr val="accent1">
+                <a:shade val="50000"/>
+              </a:schemeClr>
+            </a:lnRef>
+            <a:fillRef idx="1">
+              <a:schemeClr val="accent1"/>
+            </a:fillRef>
+            <a:effectRef idx="0">
+              <a:schemeClr val="accent1"/>
+            </a:effectRef>
+            <a:fontRef idx="minor">
+              <a:schemeClr val="lt1"/>
+            </a:fontRef>
+          </p:style>
+          <p:txBody>
+            <a:bodyPr wrap="none" rtlCol="0" anchor="ctr"/>
+            <a:lstStyle/>
+            <a:p>
+              <a:pPr algn="ctr"/>
+              <a:r>
+                <a:rPr lang="en-US" sz="2400" i="1" dirty="0">
+                  <a:solidFill>
+                    <a:schemeClr val="tx1"/>
+                  </a:solidFill>
+                  <a:latin typeface="Times" pitchFamily="2" charset="0"/>
+                </a:rPr>
+                <a:t>v</a:t>
+              </a:r>
+              <a:r>
+                <a:rPr lang="en-US" sz="2400" baseline="-25000" dirty="0">
+                  <a:solidFill>
+                    <a:schemeClr val="tx1"/>
+                  </a:solidFill>
+                  <a:latin typeface="Times" pitchFamily="2" charset="0"/>
+                </a:rPr>
+                <a:t>2</a:t>
+              </a:r>
+            </a:p>
+          </p:txBody>
+        </p:sp>
+        <p:sp>
+          <p:nvSpPr>
+            <p:cNvPr id="11" name="Oval 10">
+              <a:extLst>
+                <a:ext uri="{FF2B5EF4-FFF2-40B4-BE49-F238E27FC236}">
+                  <a16:creationId xmlns:a16="http://schemas.microsoft.com/office/drawing/2014/main" id="{AEC3CFBB-958F-F842-A019-6D6B4CD5F34D}"/>
+                </a:ext>
+              </a:extLst>
+            </p:cNvPr>
+            <p:cNvSpPr>
+              <a:spLocks noChangeAspect="1"/>
+            </p:cNvSpPr>
+            <p:nvPr/>
+          </p:nvSpPr>
+          <p:spPr>
+            <a:xfrm>
+              <a:off x="3240000" y="3240000"/>
+              <a:ext cx="540000" cy="540000"/>
+            </a:xfrm>
+            <a:prstGeom prst="ellipse">
+              <a:avLst/>
+            </a:prstGeom>
+            <a:solidFill>
+              <a:schemeClr val="accent6">
+                <a:lumMod val="60000"/>
+                <a:lumOff val="40000"/>
+              </a:schemeClr>
+            </a:solidFill>
+            <a:ln>
+              <a:solidFill>
+                <a:schemeClr val="accent6"/>
+              </a:solidFill>
+            </a:ln>
+          </p:spPr>
+          <p:style>
+            <a:lnRef idx="2">
+              <a:schemeClr val="accent1">
+                <a:shade val="50000"/>
+              </a:schemeClr>
+            </a:lnRef>
+            <a:fillRef idx="1">
+              <a:schemeClr val="accent1"/>
+            </a:fillRef>
+            <a:effectRef idx="0">
+              <a:schemeClr val="accent1"/>
+            </a:effectRef>
+            <a:fontRef idx="minor">
+              <a:schemeClr val="lt1"/>
+            </a:fontRef>
+          </p:style>
+          <p:txBody>
+            <a:bodyPr wrap="none" rtlCol="0" anchor="ctr"/>
+            <a:lstStyle/>
+            <a:p>
+              <a:pPr algn="ctr"/>
+              <a:r>
+                <a:rPr lang="en-US" sz="2400" i="1" dirty="0">
+                  <a:solidFill>
+                    <a:schemeClr val="tx1"/>
+                  </a:solidFill>
+                  <a:latin typeface="Times" pitchFamily="2" charset="0"/>
+                </a:rPr>
+                <a:t>v</a:t>
+              </a:r>
+              <a:r>
+                <a:rPr lang="en-US" sz="2400" baseline="-25000" dirty="0">
+                  <a:solidFill>
+                    <a:schemeClr val="tx1"/>
+                  </a:solidFill>
+                  <a:latin typeface="Times" pitchFamily="2" charset="0"/>
+                </a:rPr>
+                <a:t>3</a:t>
+              </a:r>
+            </a:p>
+          </p:txBody>
+        </p:sp>
+        <p:grpSp>
+          <p:nvGrpSpPr>
+            <p:cNvPr id="103" name="Group 102">
+              <a:extLst>
+                <a:ext uri="{FF2B5EF4-FFF2-40B4-BE49-F238E27FC236}">
+                  <a16:creationId xmlns:a16="http://schemas.microsoft.com/office/drawing/2014/main" id="{9D0FF2C4-FEF8-DC4C-9C04-98098A9EBA07}"/>
+                </a:ext>
+              </a:extLst>
+            </p:cNvPr>
+            <p:cNvGrpSpPr/>
+            <p:nvPr/>
+          </p:nvGrpSpPr>
+          <p:grpSpPr>
+            <a:xfrm>
+              <a:off x="1620000" y="3510000"/>
+              <a:ext cx="1620000" cy="0"/>
+              <a:chOff x="1620000" y="1350000"/>
+              <a:chExt cx="1620000" cy="0"/>
+            </a:xfrm>
+          </p:grpSpPr>
+          <p:cxnSp>
+            <p:nvCxnSpPr>
+              <p:cNvPr id="104" name="Straight Arrow Connector 103">
+                <a:extLst>
+                  <a:ext uri="{FF2B5EF4-FFF2-40B4-BE49-F238E27FC236}">
+                    <a16:creationId xmlns:a16="http://schemas.microsoft.com/office/drawing/2014/main" id="{E6DB030C-51C2-D444-B2D2-394CDE9A891C}"/>
+                  </a:ext>
+                </a:extLst>
+              </p:cNvPr>
+              <p:cNvCxnSpPr/>
+              <p:nvPr/>
+            </p:nvCxnSpPr>
+            <p:spPr>
+              <a:xfrm>
+                <a:off x="1620000" y="1350000"/>
+                <a:ext cx="180000" cy="0"/>
+              </a:xfrm>
+              <a:prstGeom prst="straightConnector1">
+                <a:avLst/>
+              </a:prstGeom>
+              <a:ln>
+                <a:solidFill>
+                  <a:schemeClr val="tx1"/>
+                </a:solidFill>
+                <a:tailEnd type="triangle"/>
+              </a:ln>
+            </p:spPr>
+            <p:style>
+              <a:lnRef idx="1">
+                <a:schemeClr val="accent1"/>
+              </a:lnRef>
+              <a:fillRef idx="0">
+                <a:schemeClr val="accent1"/>
+              </a:fillRef>
+              <a:effectRef idx="0">
+                <a:schemeClr val="accent1"/>
+              </a:effectRef>
+              <a:fontRef idx="minor">
+                <a:schemeClr val="tx1"/>
+              </a:fontRef>
+            </p:style>
+          </p:cxnSp>
+          <p:cxnSp>
+            <p:nvCxnSpPr>
+              <p:cNvPr id="105" name="Straight Arrow Connector 104">
+                <a:extLst>
+                  <a:ext uri="{FF2B5EF4-FFF2-40B4-BE49-F238E27FC236}">
+                    <a16:creationId xmlns:a16="http://schemas.microsoft.com/office/drawing/2014/main" id="{3A61EC68-1D81-0848-B403-C0A4110BAC6A}"/>
+                  </a:ext>
+                </a:extLst>
+              </p:cNvPr>
+              <p:cNvCxnSpPr>
+                <a:cxnSpLocks/>
+              </p:cNvCxnSpPr>
+              <p:nvPr/>
+            </p:nvCxnSpPr>
+            <p:spPr>
+              <a:xfrm>
+                <a:off x="2340000" y="1350000"/>
+                <a:ext cx="180000" cy="0"/>
+              </a:xfrm>
+              <a:prstGeom prst="straightConnector1">
+                <a:avLst/>
+              </a:prstGeom>
+              <a:ln>
+                <a:solidFill>
+                  <a:schemeClr val="tx1"/>
+                </a:solidFill>
+                <a:tailEnd type="triangle"/>
+              </a:ln>
+            </p:spPr>
+            <p:style>
+              <a:lnRef idx="1">
+                <a:schemeClr val="accent1"/>
+              </a:lnRef>
+              <a:fillRef idx="0">
+                <a:schemeClr val="accent1"/>
+              </a:fillRef>
+              <a:effectRef idx="0">
+                <a:schemeClr val="accent1"/>
+              </a:effectRef>
+              <a:fontRef idx="minor">
+                <a:schemeClr val="tx1"/>
+              </a:fontRef>
+            </p:style>
+          </p:cxnSp>
+          <p:cxnSp>
+            <p:nvCxnSpPr>
+              <p:cNvPr id="106" name="Straight Arrow Connector 105">
+                <a:extLst>
+                  <a:ext uri="{FF2B5EF4-FFF2-40B4-BE49-F238E27FC236}">
+                    <a16:creationId xmlns:a16="http://schemas.microsoft.com/office/drawing/2014/main" id="{5B43FE2B-F7F4-4740-8EC0-FDD186C5244D}"/>
+                  </a:ext>
+                </a:extLst>
+              </p:cNvPr>
+              <p:cNvCxnSpPr>
+                <a:cxnSpLocks/>
+              </p:cNvCxnSpPr>
+              <p:nvPr/>
+            </p:nvCxnSpPr>
+            <p:spPr>
+              <a:xfrm>
+                <a:off x="3060000" y="1350000"/>
+                <a:ext cx="180000" cy="0"/>
+              </a:xfrm>
+              <a:prstGeom prst="straightConnector1">
+                <a:avLst/>
+              </a:prstGeom>
+              <a:ln>
+                <a:solidFill>
+                  <a:schemeClr val="tx1"/>
+                </a:solidFill>
+                <a:tailEnd type="triangle"/>
+              </a:ln>
+            </p:spPr>
+            <p:style>
+              <a:lnRef idx="1">
+                <a:schemeClr val="accent1"/>
+              </a:lnRef>
+              <a:fillRef idx="0">
+                <a:schemeClr val="accent1"/>
+              </a:fillRef>
+              <a:effectRef idx="0">
+                <a:schemeClr val="accent1"/>
+              </a:effectRef>
+              <a:fontRef idx="minor">
+                <a:schemeClr val="tx1"/>
+              </a:fontRef>
+            </p:style>
+          </p:cxnSp>
+        </p:grpSp>
+      </p:grpSp>
+      <p:grpSp>
+        <p:nvGrpSpPr>
+          <p:cNvPr id="107" name="Group 106">
+            <a:extLst>
+              <a:ext uri="{FF2B5EF4-FFF2-40B4-BE49-F238E27FC236}">
+                <a16:creationId xmlns:a16="http://schemas.microsoft.com/office/drawing/2014/main" id="{6C9F53C8-F395-0F4A-99A1-4C738CF997CD}"/>
+              </a:ext>
+            </a:extLst>
+          </p:cNvPr>
+          <p:cNvGrpSpPr/>
+          <p:nvPr/>
+        </p:nvGrpSpPr>
+        <p:grpSpPr>
+          <a:xfrm>
+            <a:off x="1620000" y="5670000"/>
+            <a:ext cx="1620000" cy="0"/>
+            <a:chOff x="1620000" y="1350000"/>
+            <a:chExt cx="1620000" cy="0"/>
+          </a:xfrm>
+        </p:grpSpPr>
+        <p:cxnSp>
+          <p:nvCxnSpPr>
+            <p:cNvPr id="108" name="Straight Arrow Connector 107">
+              <a:extLst>
+                <a:ext uri="{FF2B5EF4-FFF2-40B4-BE49-F238E27FC236}">
+                  <a16:creationId xmlns:a16="http://schemas.microsoft.com/office/drawing/2014/main" id="{2959DF22-019C-0448-B1A9-B0CA27845E9F}"/>
+                </a:ext>
+              </a:extLst>
+            </p:cNvPr>
+            <p:cNvCxnSpPr/>
+            <p:nvPr/>
+          </p:nvCxnSpPr>
+          <p:spPr>
+            <a:xfrm>
+              <a:off x="1620000" y="1350000"/>
+              <a:ext cx="180000" cy="0"/>
+            </a:xfrm>
+            <a:prstGeom prst="straightConnector1">
+              <a:avLst/>
+            </a:prstGeom>
+            <a:ln>
+              <a:solidFill>
+                <a:schemeClr val="tx1"/>
+              </a:solidFill>
+              <a:tailEnd type="triangle"/>
+            </a:ln>
+          </p:spPr>
+          <p:style>
+            <a:lnRef idx="1">
+              <a:schemeClr val="accent1"/>
+            </a:lnRef>
+            <a:fillRef idx="0">
+              <a:schemeClr val="accent1"/>
+            </a:fillRef>
+            <a:effectRef idx="0">
+              <a:schemeClr val="accent1"/>
+            </a:effectRef>
+            <a:fontRef idx="minor">
+              <a:schemeClr val="tx1"/>
+            </a:fontRef>
+          </p:style>
+        </p:cxnSp>
+        <p:cxnSp>
+          <p:nvCxnSpPr>
+            <p:cNvPr id="109" name="Straight Arrow Connector 108">
+              <a:extLst>
+                <a:ext uri="{FF2B5EF4-FFF2-40B4-BE49-F238E27FC236}">
+                  <a16:creationId xmlns:a16="http://schemas.microsoft.com/office/drawing/2014/main" id="{A413819B-AB18-DA4B-9687-929D05B8C5E2}"/>
+                </a:ext>
+              </a:extLst>
+            </p:cNvPr>
+            <p:cNvCxnSpPr>
+              <a:cxnSpLocks/>
+            </p:cNvCxnSpPr>
+            <p:nvPr/>
+          </p:nvCxnSpPr>
+          <p:spPr>
+            <a:xfrm>
+              <a:off x="2340000" y="1350000"/>
+              <a:ext cx="180000" cy="0"/>
+            </a:xfrm>
+            <a:prstGeom prst="straightConnector1">
+              <a:avLst/>
+            </a:prstGeom>
+            <a:ln>
+              <a:solidFill>
+                <a:schemeClr val="tx1"/>
+              </a:solidFill>
+              <a:tailEnd type="triangle"/>
+            </a:ln>
+          </p:spPr>
+          <p:style>
+            <a:lnRef idx="1">
+              <a:schemeClr val="accent1"/>
+            </a:lnRef>
+            <a:fillRef idx="0">
+              <a:schemeClr val="accent1"/>
+            </a:fillRef>
+            <a:effectRef idx="0">
+              <a:schemeClr val="accent1"/>
+            </a:effectRef>
+            <a:fontRef idx="minor">
+              <a:schemeClr val="tx1"/>
+            </a:fontRef>
+          </p:style>
+        </p:cxnSp>
+        <p:cxnSp>
+          <p:nvCxnSpPr>
+            <p:cNvPr id="110" name="Straight Arrow Connector 109">
+              <a:extLst>
+                <a:ext uri="{FF2B5EF4-FFF2-40B4-BE49-F238E27FC236}">
+                  <a16:creationId xmlns:a16="http://schemas.microsoft.com/office/drawing/2014/main" id="{91D75CC6-B0C4-B949-A2FF-4FB3C6C6620D}"/>
+                </a:ext>
+              </a:extLst>
+            </p:cNvPr>
+            <p:cNvCxnSpPr>
+              <a:cxnSpLocks/>
+            </p:cNvCxnSpPr>
+            <p:nvPr/>
+          </p:nvCxnSpPr>
+          <p:spPr>
+            <a:xfrm>
+              <a:off x="3060000" y="1350000"/>
+              <a:ext cx="180000" cy="0"/>
+            </a:xfrm>
+            <a:prstGeom prst="straightConnector1">
+              <a:avLst/>
+            </a:prstGeom>
+            <a:ln>
+              <a:solidFill>
+                <a:schemeClr val="tx1"/>
+              </a:solidFill>
+              <a:tailEnd type="triangle"/>
+            </a:ln>
+          </p:spPr>
+          <p:style>
+            <a:lnRef idx="1">
+              <a:schemeClr val="accent1"/>
+            </a:lnRef>
+            <a:fillRef idx="0">
+              <a:schemeClr val="accent1"/>
+            </a:fillRef>
+            <a:effectRef idx="0">
+              <a:schemeClr val="accent1"/>
+            </a:effectRef>
+            <a:fontRef idx="minor">
+              <a:schemeClr val="tx1"/>
+            </a:fontRef>
+          </p:style>
+        </p:cxnSp>
+      </p:grpSp>
+      <p:sp>
+        <p:nvSpPr>
+          <p:cNvPr id="120" name="Rectangle 119">
+            <a:extLst>
+              <a:ext uri="{FF2B5EF4-FFF2-40B4-BE49-F238E27FC236}">
+                <a16:creationId xmlns:a16="http://schemas.microsoft.com/office/drawing/2014/main" id="{03E2974B-57AB-1642-88BB-B7D0E72DFD0F}"/>
+              </a:ext>
+            </a:extLst>
+          </p:cNvPr>
+          <p:cNvSpPr/>
+          <p:nvPr/>
+        </p:nvSpPr>
+        <p:spPr>
+          <a:xfrm>
+            <a:off x="6156000" y="540000"/>
+            <a:ext cx="864000" cy="180000"/>
+          </a:xfrm>
+          <a:prstGeom prst="rect">
+            <a:avLst/>
+          </a:prstGeom>
+          <a:solidFill>
+            <a:schemeClr val="accent4">
+              <a:lumMod val="60000"/>
+              <a:lumOff val="40000"/>
+            </a:schemeClr>
+          </a:solidFill>
+          <a:ln>
+            <a:solidFill>
+              <a:schemeClr val="accent4"/>
+            </a:solidFill>
+          </a:ln>
+        </p:spPr>
+        <p:style>
+          <a:lnRef idx="2">
+            <a:schemeClr val="accent1">
+              <a:shade val="50000"/>
+            </a:schemeClr>
+          </a:lnRef>
+          <a:fillRef idx="1">
+            <a:schemeClr val="accent1"/>
+          </a:fillRef>
+          <a:effectRef idx="0">
+            <a:schemeClr val="accent1"/>
+          </a:effectRef>
+          <a:fontRef idx="minor">
+            <a:schemeClr val="lt1"/>
+          </a:fontRef>
+        </p:style>
+        <p:txBody>
+          <a:bodyPr rtlCol="0" anchor="ctr"/>
+          <a:lstStyle/>
+          <a:p>
+            <a:pPr algn="ctr"/>
+            <a:endParaRPr lang="en-US"/>
+          </a:p>
+        </p:txBody>
+      </p:sp>
+      <p:sp>
+        <p:nvSpPr>
+          <p:cNvPr id="121" name="Rectangle 120">
+            <a:extLst>
+              <a:ext uri="{FF2B5EF4-FFF2-40B4-BE49-F238E27FC236}">
+                <a16:creationId xmlns:a16="http://schemas.microsoft.com/office/drawing/2014/main" id="{BC2B07F4-EC56-8F4F-AAEC-E8E040F7E7CF}"/>
+              </a:ext>
+            </a:extLst>
+          </p:cNvPr>
+          <p:cNvSpPr/>
+          <p:nvPr/>
+        </p:nvSpPr>
+        <p:spPr>
+          <a:xfrm>
+            <a:off x="5832000" y="1260000"/>
+            <a:ext cx="864000" cy="180000"/>
+          </a:xfrm>
+          <a:prstGeom prst="rect">
+            <a:avLst/>
+          </a:prstGeom>
+          <a:solidFill>
+            <a:schemeClr val="accent4">
+              <a:lumMod val="20000"/>
+              <a:lumOff val="80000"/>
+            </a:schemeClr>
+          </a:solidFill>
+          <a:ln>
+            <a:solidFill>
+              <a:schemeClr val="accent4">
+                <a:lumMod val="60000"/>
+                <a:lumOff val="40000"/>
+              </a:schemeClr>
+            </a:solidFill>
+          </a:ln>
+        </p:spPr>
+        <p:style>
+          <a:lnRef idx="2">
+            <a:schemeClr val="accent1">
+              <a:shade val="50000"/>
+            </a:schemeClr>
+          </a:lnRef>
+          <a:fillRef idx="1">
+            <a:schemeClr val="accent1"/>
+          </a:fillRef>
+          <a:effectRef idx="0">
+            <a:schemeClr val="accent1"/>
+          </a:effectRef>
+          <a:fontRef idx="minor">
+            <a:schemeClr val="lt1"/>
+          </a:fontRef>
+        </p:style>
+        <p:txBody>
+          <a:bodyPr rtlCol="0" anchor="ctr"/>
+          <a:lstStyle/>
+          <a:p>
+            <a:pPr algn="ctr"/>
+            <a:endParaRPr lang="en-US"/>
+          </a:p>
+        </p:txBody>
+      </p:sp>
+      <p:sp>
+        <p:nvSpPr>
+          <p:cNvPr id="122" name="Rectangle 121">
+            <a:extLst>
+              <a:ext uri="{FF2B5EF4-FFF2-40B4-BE49-F238E27FC236}">
+                <a16:creationId xmlns:a16="http://schemas.microsoft.com/office/drawing/2014/main" id="{C86B0CD3-8724-6048-A027-D20C0197B32F}"/>
+              </a:ext>
+            </a:extLst>
+          </p:cNvPr>
+          <p:cNvSpPr/>
+          <p:nvPr/>
+        </p:nvSpPr>
+        <p:spPr>
+          <a:xfrm>
+            <a:off x="5688000" y="1980000"/>
+            <a:ext cx="864000" cy="180000"/>
+          </a:xfrm>
+          <a:prstGeom prst="rect">
+            <a:avLst/>
+          </a:prstGeom>
+          <a:solidFill>
+            <a:schemeClr val="accent4">
+              <a:lumMod val="20000"/>
+              <a:lumOff val="80000"/>
+            </a:schemeClr>
+          </a:solidFill>
+          <a:ln>
+            <a:solidFill>
+              <a:schemeClr val="accent4">
+                <a:lumMod val="60000"/>
+                <a:lumOff val="40000"/>
+              </a:schemeClr>
+            </a:solidFill>
+          </a:ln>
+        </p:spPr>
+        <p:style>
+          <a:lnRef idx="2">
+            <a:schemeClr val="accent1">
+              <a:shade val="50000"/>
+            </a:schemeClr>
+          </a:lnRef>
+          <a:fillRef idx="1">
+            <a:schemeClr val="accent1"/>
+          </a:fillRef>
+          <a:effectRef idx="0">
+            <a:schemeClr val="accent1"/>
+          </a:effectRef>
+          <a:fontRef idx="minor">
+            <a:schemeClr val="lt1"/>
+          </a:fontRef>
+        </p:style>
+        <p:txBody>
+          <a:bodyPr rtlCol="0" anchor="ctr"/>
+          <a:lstStyle/>
+          <a:p>
+            <a:pPr algn="ctr"/>
+            <a:endParaRPr lang="en-US"/>
+          </a:p>
+        </p:txBody>
+      </p:sp>
+      <p:sp>
+        <p:nvSpPr>
+          <p:cNvPr id="123" name="Rectangle 122">
+            <a:extLst>
+              <a:ext uri="{FF2B5EF4-FFF2-40B4-BE49-F238E27FC236}">
+                <a16:creationId xmlns:a16="http://schemas.microsoft.com/office/drawing/2014/main" id="{AAB8CA4D-4C82-A143-8FD1-F3530D45D65F}"/>
+              </a:ext>
+            </a:extLst>
+          </p:cNvPr>
+          <p:cNvSpPr/>
+          <p:nvPr/>
+        </p:nvSpPr>
+        <p:spPr>
+          <a:xfrm>
+            <a:off x="6408000" y="2700000"/>
+            <a:ext cx="756000" cy="180000"/>
+          </a:xfrm>
+          <a:prstGeom prst="rect">
+            <a:avLst/>
+          </a:prstGeom>
+          <a:solidFill>
+            <a:schemeClr val="accent4">
+              <a:lumMod val="60000"/>
+              <a:lumOff val="40000"/>
+            </a:schemeClr>
+          </a:solidFill>
+          <a:ln>
+            <a:solidFill>
+              <a:schemeClr val="accent4"/>
+            </a:solidFill>
+          </a:ln>
+        </p:spPr>
+        <p:style>
+          <a:lnRef idx="2">
+            <a:schemeClr val="accent1">
+              <a:shade val="50000"/>
+            </a:schemeClr>
+          </a:lnRef>
+          <a:fillRef idx="1">
+            <a:schemeClr val="accent1"/>
+          </a:fillRef>
+          <a:effectRef idx="0">
+            <a:schemeClr val="accent1"/>
+          </a:effectRef>
+          <a:fontRef idx="minor">
+            <a:schemeClr val="lt1"/>
+          </a:fontRef>
+        </p:style>
+        <p:txBody>
+          <a:bodyPr rtlCol="0" anchor="ctr"/>
+          <a:lstStyle/>
+          <a:p>
+            <a:pPr algn="ctr"/>
+            <a:endParaRPr lang="en-US"/>
+          </a:p>
+        </p:txBody>
+      </p:sp>
+      <p:sp>
+        <p:nvSpPr>
+          <p:cNvPr id="124" name="Rectangle 123">
+            <a:extLst>
+              <a:ext uri="{FF2B5EF4-FFF2-40B4-BE49-F238E27FC236}">
+                <a16:creationId xmlns:a16="http://schemas.microsoft.com/office/drawing/2014/main" id="{42AED8C0-CF3F-AA47-8F04-EB44726775FE}"/>
+              </a:ext>
+            </a:extLst>
+          </p:cNvPr>
+          <p:cNvSpPr/>
+          <p:nvPr/>
+        </p:nvSpPr>
+        <p:spPr>
+          <a:xfrm>
+            <a:off x="6120000" y="3420000"/>
+            <a:ext cx="756000" cy="180000"/>
+          </a:xfrm>
+          <a:prstGeom prst="rect">
+            <a:avLst/>
+          </a:prstGeom>
+          <a:solidFill>
+            <a:schemeClr val="accent4">
+              <a:lumMod val="60000"/>
+              <a:lumOff val="40000"/>
+            </a:schemeClr>
+          </a:solidFill>
+          <a:ln>
+            <a:solidFill>
+              <a:schemeClr val="accent4"/>
+            </a:solidFill>
+          </a:ln>
+        </p:spPr>
+        <p:style>
+          <a:lnRef idx="2">
+            <a:schemeClr val="accent1">
+              <a:shade val="50000"/>
+            </a:schemeClr>
+          </a:lnRef>
+          <a:fillRef idx="1">
+            <a:schemeClr val="accent1"/>
+          </a:fillRef>
+          <a:effectRef idx="0">
+            <a:schemeClr val="accent1"/>
+          </a:effectRef>
+          <a:fontRef idx="minor">
+            <a:schemeClr val="lt1"/>
+          </a:fontRef>
+        </p:style>
+        <p:txBody>
+          <a:bodyPr rtlCol="0" anchor="ctr"/>
+          <a:lstStyle/>
+          <a:p>
+            <a:pPr algn="ctr"/>
+            <a:endParaRPr lang="en-US"/>
+          </a:p>
+        </p:txBody>
+      </p:sp>
+      <p:sp>
+        <p:nvSpPr>
+          <p:cNvPr id="125" name="Rectangle 124">
+            <a:extLst>
+              <a:ext uri="{FF2B5EF4-FFF2-40B4-BE49-F238E27FC236}">
+                <a16:creationId xmlns:a16="http://schemas.microsoft.com/office/drawing/2014/main" id="{2D7F775E-CAD0-A145-8794-FC92309A4030}"/>
+              </a:ext>
+            </a:extLst>
+          </p:cNvPr>
+          <p:cNvSpPr/>
+          <p:nvPr/>
+        </p:nvSpPr>
+        <p:spPr>
+          <a:xfrm>
+            <a:off x="5976000" y="4140000"/>
+            <a:ext cx="756000" cy="180000"/>
+          </a:xfrm>
+          <a:prstGeom prst="rect">
+            <a:avLst/>
+          </a:prstGeom>
+          <a:solidFill>
+            <a:schemeClr val="accent4">
+              <a:lumMod val="20000"/>
+              <a:lumOff val="80000"/>
+            </a:schemeClr>
+          </a:solidFill>
+          <a:ln>
+            <a:solidFill>
+              <a:schemeClr val="accent4">
+                <a:lumMod val="60000"/>
+                <a:lumOff val="40000"/>
+              </a:schemeClr>
+            </a:solidFill>
+          </a:ln>
+        </p:spPr>
+        <p:style>
+          <a:lnRef idx="2">
+            <a:schemeClr val="accent1">
+              <a:shade val="50000"/>
+            </a:schemeClr>
+          </a:lnRef>
+          <a:fillRef idx="1">
+            <a:schemeClr val="accent1"/>
+          </a:fillRef>
+          <a:effectRef idx="0">
+            <a:schemeClr val="accent1"/>
+          </a:effectRef>
+          <a:fontRef idx="minor">
+            <a:schemeClr val="lt1"/>
+          </a:fontRef>
+        </p:style>
+        <p:txBody>
+          <a:bodyPr rtlCol="0" anchor="ctr"/>
+          <a:lstStyle/>
+          <a:p>
+            <a:pPr algn="ctr"/>
+            <a:endParaRPr lang="en-US"/>
+          </a:p>
+        </p:txBody>
+      </p:sp>
+      <p:sp>
+        <p:nvSpPr>
+          <p:cNvPr id="126" name="Rectangle 125">
+            <a:extLst>
+              <a:ext uri="{FF2B5EF4-FFF2-40B4-BE49-F238E27FC236}">
+                <a16:creationId xmlns:a16="http://schemas.microsoft.com/office/drawing/2014/main" id="{95B3D56B-4D07-004A-B3A1-81F1AA13BF7F}"/>
+              </a:ext>
+            </a:extLst>
+          </p:cNvPr>
+          <p:cNvSpPr/>
+          <p:nvPr/>
+        </p:nvSpPr>
+        <p:spPr>
+          <a:xfrm>
+            <a:off x="5760000" y="4860000"/>
+            <a:ext cx="576000" cy="180000"/>
+          </a:xfrm>
+          <a:prstGeom prst="rect">
+            <a:avLst/>
+          </a:prstGeom>
+          <a:solidFill>
+            <a:schemeClr val="accent4">
+              <a:lumMod val="20000"/>
+              <a:lumOff val="80000"/>
+            </a:schemeClr>
+          </a:solidFill>
+          <a:ln>
+            <a:solidFill>
+              <a:schemeClr val="accent4">
+                <a:lumMod val="60000"/>
+                <a:lumOff val="40000"/>
+              </a:schemeClr>
+            </a:solidFill>
+          </a:ln>
+        </p:spPr>
+        <p:style>
+          <a:lnRef idx="2">
+            <a:schemeClr val="accent1">
+              <a:shade val="50000"/>
+            </a:schemeClr>
+          </a:lnRef>
+          <a:fillRef idx="1">
+            <a:schemeClr val="accent1"/>
+          </a:fillRef>
+          <a:effectRef idx="0">
+            <a:schemeClr val="accent1"/>
+          </a:effectRef>
+          <a:fontRef idx="minor">
+            <a:schemeClr val="lt1"/>
+          </a:fontRef>
+        </p:style>
+        <p:txBody>
+          <a:bodyPr rtlCol="0" anchor="ctr"/>
+          <a:lstStyle/>
+          <a:p>
+            <a:pPr algn="ctr"/>
+            <a:endParaRPr lang="en-US"/>
+          </a:p>
+        </p:txBody>
+      </p:sp>
+      <p:sp>
+        <p:nvSpPr>
+          <p:cNvPr id="127" name="Rectangle 126">
+            <a:extLst>
+              <a:ext uri="{FF2B5EF4-FFF2-40B4-BE49-F238E27FC236}">
+                <a16:creationId xmlns:a16="http://schemas.microsoft.com/office/drawing/2014/main" id="{4474EEC2-A9BC-704A-B375-4772C5B5F4AC}"/>
+              </a:ext>
+            </a:extLst>
+          </p:cNvPr>
+          <p:cNvSpPr/>
+          <p:nvPr/>
+        </p:nvSpPr>
+        <p:spPr>
+          <a:xfrm>
+            <a:off x="5688000" y="5580000"/>
+            <a:ext cx="576000" cy="180000"/>
+          </a:xfrm>
+          <a:prstGeom prst="rect">
+            <a:avLst/>
+          </a:prstGeom>
+          <a:solidFill>
+            <a:schemeClr val="accent4">
+              <a:lumMod val="20000"/>
+              <a:lumOff val="80000"/>
+            </a:schemeClr>
+          </a:solidFill>
+          <a:ln>
+            <a:solidFill>
+              <a:schemeClr val="accent4">
+                <a:lumMod val="60000"/>
+                <a:lumOff val="40000"/>
+              </a:schemeClr>
+            </a:solidFill>
+          </a:ln>
+        </p:spPr>
+        <p:style>
+          <a:lnRef idx="2">
+            <a:schemeClr val="accent1">
+              <a:shade val="50000"/>
+            </a:schemeClr>
+          </a:lnRef>
+          <a:fillRef idx="1">
+            <a:schemeClr val="accent1"/>
+          </a:fillRef>
+          <a:effectRef idx="0">
+            <a:schemeClr val="accent1"/>
+          </a:effectRef>
+          <a:fontRef idx="minor">
+            <a:schemeClr val="lt1"/>
+          </a:fontRef>
+        </p:style>
+        <p:txBody>
+          <a:bodyPr rtlCol="0" anchor="ctr"/>
+          <a:lstStyle/>
+          <a:p>
+            <a:pPr algn="ctr"/>
+            <a:endParaRPr lang="en-US"/>
+          </a:p>
+        </p:txBody>
+      </p:sp>
+      <p:sp>
+        <p:nvSpPr>
+          <p:cNvPr id="128" name="Rectangle 127">
+            <a:extLst>
+              <a:ext uri="{FF2B5EF4-FFF2-40B4-BE49-F238E27FC236}">
+                <a16:creationId xmlns:a16="http://schemas.microsoft.com/office/drawing/2014/main" id="{3343CA69-E991-4247-A638-899A098CC8E5}"/>
+              </a:ext>
+            </a:extLst>
+          </p:cNvPr>
+          <p:cNvSpPr/>
+          <p:nvPr/>
+        </p:nvSpPr>
+        <p:spPr>
+          <a:xfrm>
+            <a:off x="5616000" y="6300000"/>
+            <a:ext cx="576000" cy="180000"/>
+          </a:xfrm>
+          <a:prstGeom prst="rect">
+            <a:avLst/>
+          </a:prstGeom>
+          <a:solidFill>
+            <a:schemeClr val="accent4">
+              <a:lumMod val="20000"/>
+              <a:lumOff val="80000"/>
+            </a:schemeClr>
+          </a:solidFill>
+          <a:ln>
+            <a:solidFill>
+              <a:schemeClr val="accent4">
+                <a:lumMod val="60000"/>
+                <a:lumOff val="40000"/>
+              </a:schemeClr>
+            </a:solidFill>
+          </a:ln>
+        </p:spPr>
+        <p:style>
+          <a:lnRef idx="2">
+            <a:schemeClr val="accent1">
+              <a:shade val="50000"/>
+            </a:schemeClr>
+          </a:lnRef>
+          <a:fillRef idx="1">
+            <a:schemeClr val="accent1"/>
+          </a:fillRef>
+          <a:effectRef idx="0">
+            <a:schemeClr val="accent1"/>
+          </a:effectRef>
+          <a:fontRef idx="minor">
+            <a:schemeClr val="lt1"/>
+          </a:fontRef>
+        </p:style>
+        <p:txBody>
+          <a:bodyPr rtlCol="0" anchor="ctr"/>
+          <a:lstStyle/>
+          <a:p>
+            <a:pPr algn="ctr"/>
+            <a:endParaRPr lang="en-US"/>
+          </a:p>
+        </p:txBody>
+      </p:sp>
+      <p:grpSp>
+        <p:nvGrpSpPr>
+          <p:cNvPr id="130" name="Group 129">
+            <a:extLst>
+              <a:ext uri="{FF2B5EF4-FFF2-40B4-BE49-F238E27FC236}">
+                <a16:creationId xmlns:a16="http://schemas.microsoft.com/office/drawing/2014/main" id="{92C41255-158B-5745-B399-29E6C5B03B46}"/>
+              </a:ext>
+            </a:extLst>
+          </p:cNvPr>
+          <p:cNvGrpSpPr/>
+          <p:nvPr/>
+        </p:nvGrpSpPr>
+        <p:grpSpPr>
+          <a:xfrm>
+            <a:off x="7560000" y="1080000"/>
+            <a:ext cx="2700000" cy="540000"/>
+            <a:chOff x="1080000" y="3240000"/>
+            <a:chExt cx="2700000" cy="540000"/>
+          </a:xfrm>
+        </p:grpSpPr>
+        <p:sp>
+          <p:nvSpPr>
+            <p:cNvPr id="131" name="Oval 130">
+              <a:extLst>
+                <a:ext uri="{FF2B5EF4-FFF2-40B4-BE49-F238E27FC236}">
+                  <a16:creationId xmlns:a16="http://schemas.microsoft.com/office/drawing/2014/main" id="{9A31E9ED-1A0A-EF43-B7B1-129E34FD12EA}"/>
+                </a:ext>
+              </a:extLst>
+            </p:cNvPr>
+            <p:cNvSpPr>
+              <a:spLocks noChangeAspect="1"/>
+            </p:cNvSpPr>
+            <p:nvPr/>
+          </p:nvSpPr>
+          <p:spPr>
+            <a:xfrm>
+              <a:off x="1080000" y="3240000"/>
+              <a:ext cx="540000" cy="540000"/>
+            </a:xfrm>
+            <a:prstGeom prst="ellipse">
+              <a:avLst/>
+            </a:prstGeom>
+            <a:solidFill>
+              <a:schemeClr val="accent6">
+                <a:lumMod val="60000"/>
+                <a:lumOff val="40000"/>
+              </a:schemeClr>
+            </a:solidFill>
+            <a:ln>
+              <a:solidFill>
+                <a:schemeClr val="accent6"/>
+              </a:solidFill>
+            </a:ln>
+          </p:spPr>
+          <p:style>
+            <a:lnRef idx="2">
+              <a:schemeClr val="accent1">
+                <a:shade val="50000"/>
+              </a:schemeClr>
+            </a:lnRef>
+            <a:fillRef idx="1">
+              <a:schemeClr val="accent1"/>
+            </a:fillRef>
+            <a:effectRef idx="0">
+              <a:schemeClr val="accent1"/>
+            </a:effectRef>
+            <a:fontRef idx="minor">
+              <a:schemeClr val="lt1"/>
+            </a:fontRef>
+          </p:style>
+          <p:txBody>
+            <a:bodyPr wrap="none" rtlCol="0" anchor="ctr"/>
+            <a:lstStyle/>
+            <a:p>
+              <a:pPr algn="ctr"/>
+              <a:r>
+                <a:rPr lang="en-US" sz="2400" i="1" dirty="0">
+                  <a:solidFill>
+                    <a:schemeClr val="tx1"/>
+                  </a:solidFill>
+                  <a:latin typeface="Times" pitchFamily="2" charset="0"/>
+                </a:rPr>
+                <a:t>v</a:t>
+              </a:r>
+              <a:r>
+                <a:rPr lang="en-US" sz="2400" baseline="-25000" dirty="0">
+                  <a:solidFill>
+                    <a:schemeClr val="tx1"/>
+                  </a:solidFill>
+                  <a:latin typeface="Times" pitchFamily="2" charset="0"/>
+                </a:rPr>
+                <a:t>0</a:t>
+              </a:r>
+            </a:p>
+          </p:txBody>
+        </p:sp>
+        <p:sp>
+          <p:nvSpPr>
+            <p:cNvPr id="132" name="Oval 131">
+              <a:extLst>
+                <a:ext uri="{FF2B5EF4-FFF2-40B4-BE49-F238E27FC236}">
+                  <a16:creationId xmlns:a16="http://schemas.microsoft.com/office/drawing/2014/main" id="{7EC2A531-2656-6442-8A7D-45F35C7707C1}"/>
+                </a:ext>
+              </a:extLst>
+            </p:cNvPr>
+            <p:cNvSpPr>
+              <a:spLocks noChangeAspect="1"/>
+            </p:cNvSpPr>
+            <p:nvPr/>
+          </p:nvSpPr>
+          <p:spPr>
+            <a:xfrm>
+              <a:off x="1800000" y="3240000"/>
+              <a:ext cx="540000" cy="540000"/>
+            </a:xfrm>
+            <a:prstGeom prst="ellipse">
+              <a:avLst/>
+            </a:prstGeom>
+            <a:solidFill>
+              <a:schemeClr val="accent6">
+                <a:lumMod val="60000"/>
+                <a:lumOff val="40000"/>
+              </a:schemeClr>
+            </a:solidFill>
+            <a:ln>
+              <a:solidFill>
+                <a:schemeClr val="accent6"/>
+              </a:solidFill>
+            </a:ln>
+          </p:spPr>
+          <p:style>
+            <a:lnRef idx="2">
+              <a:schemeClr val="accent1">
+                <a:shade val="50000"/>
+              </a:schemeClr>
+            </a:lnRef>
+            <a:fillRef idx="1">
+              <a:schemeClr val="accent1"/>
+            </a:fillRef>
+            <a:effectRef idx="0">
+              <a:schemeClr val="accent1"/>
+            </a:effectRef>
+            <a:fontRef idx="minor">
+              <a:schemeClr val="lt1"/>
+            </a:fontRef>
+          </p:style>
+          <p:txBody>
+            <a:bodyPr wrap="none" rtlCol="0" anchor="ctr"/>
+            <a:lstStyle/>
+            <a:p>
+              <a:pPr algn="ctr"/>
+              <a:r>
+                <a:rPr lang="en-US" sz="2400" i="1" dirty="0">
+                  <a:solidFill>
+                    <a:schemeClr val="tx1"/>
+                  </a:solidFill>
+                  <a:latin typeface="Times" pitchFamily="2" charset="0"/>
+                </a:rPr>
+                <a:t>v</a:t>
+              </a:r>
+              <a:r>
+                <a:rPr lang="en-US" sz="2400" baseline="-25000" dirty="0">
+                  <a:solidFill>
+                    <a:schemeClr val="tx1"/>
+                  </a:solidFill>
+                  <a:latin typeface="Times" pitchFamily="2" charset="0"/>
+                </a:rPr>
+                <a:t>1</a:t>
+              </a:r>
+            </a:p>
+          </p:txBody>
+        </p:sp>
+        <p:sp>
+          <p:nvSpPr>
+            <p:cNvPr id="133" name="Oval 132">
+              <a:extLst>
+                <a:ext uri="{FF2B5EF4-FFF2-40B4-BE49-F238E27FC236}">
+                  <a16:creationId xmlns:a16="http://schemas.microsoft.com/office/drawing/2014/main" id="{43A69281-C57E-0D46-90FD-F506EFD32773}"/>
+                </a:ext>
+              </a:extLst>
+            </p:cNvPr>
+            <p:cNvSpPr>
+              <a:spLocks noChangeAspect="1"/>
+            </p:cNvSpPr>
+            <p:nvPr/>
+          </p:nvSpPr>
+          <p:spPr>
+            <a:xfrm>
+              <a:off x="2520000" y="3240000"/>
+              <a:ext cx="540000" cy="540000"/>
+            </a:xfrm>
+            <a:prstGeom prst="ellipse">
+              <a:avLst/>
+            </a:prstGeom>
+            <a:solidFill>
+              <a:schemeClr val="accent6">
+                <a:lumMod val="60000"/>
+                <a:lumOff val="40000"/>
+              </a:schemeClr>
+            </a:solidFill>
+            <a:ln>
+              <a:solidFill>
+                <a:schemeClr val="accent6"/>
+              </a:solidFill>
+            </a:ln>
+          </p:spPr>
+          <p:style>
+            <a:lnRef idx="2">
+              <a:schemeClr val="accent1">
+                <a:shade val="50000"/>
+              </a:schemeClr>
+            </a:lnRef>
+            <a:fillRef idx="1">
+              <a:schemeClr val="accent1"/>
+            </a:fillRef>
+            <a:effectRef idx="0">
+              <a:schemeClr val="accent1"/>
+            </a:effectRef>
+            <a:fontRef idx="minor">
+              <a:schemeClr val="lt1"/>
+            </a:fontRef>
+          </p:style>
+          <p:txBody>
+            <a:bodyPr wrap="none" rtlCol="0" anchor="ctr"/>
+            <a:lstStyle/>
+            <a:p>
+              <a:pPr algn="ctr"/>
+              <a:r>
+                <a:rPr lang="en-US" sz="2400" i="1" dirty="0">
+                  <a:solidFill>
+                    <a:schemeClr val="tx1"/>
+                  </a:solidFill>
+                  <a:latin typeface="Times" pitchFamily="2" charset="0"/>
+                </a:rPr>
+                <a:t>v</a:t>
+              </a:r>
+              <a:r>
+                <a:rPr lang="en-US" sz="2400" baseline="-25000" dirty="0">
+                  <a:solidFill>
+                    <a:schemeClr val="tx1"/>
+                  </a:solidFill>
+                  <a:latin typeface="Times" pitchFamily="2" charset="0"/>
+                </a:rPr>
+                <a:t>2</a:t>
+              </a:r>
+            </a:p>
+          </p:txBody>
+        </p:sp>
+        <p:sp>
+          <p:nvSpPr>
+            <p:cNvPr id="134" name="Oval 133">
+              <a:extLst>
+                <a:ext uri="{FF2B5EF4-FFF2-40B4-BE49-F238E27FC236}">
+                  <a16:creationId xmlns:a16="http://schemas.microsoft.com/office/drawing/2014/main" id="{BE73A4A0-2D35-F048-A6FD-80ECE82FBEA4}"/>
+                </a:ext>
+              </a:extLst>
+            </p:cNvPr>
+            <p:cNvSpPr>
+              <a:spLocks noChangeAspect="1"/>
+            </p:cNvSpPr>
+            <p:nvPr/>
+          </p:nvSpPr>
+          <p:spPr>
+            <a:xfrm>
+              <a:off x="3240000" y="3240000"/>
+              <a:ext cx="540000" cy="540000"/>
+            </a:xfrm>
+            <a:prstGeom prst="ellipse">
+              <a:avLst/>
+            </a:prstGeom>
+            <a:solidFill>
+              <a:schemeClr val="accent6">
+                <a:lumMod val="60000"/>
+                <a:lumOff val="40000"/>
+              </a:schemeClr>
+            </a:solidFill>
+            <a:ln>
+              <a:solidFill>
+                <a:schemeClr val="accent6"/>
+              </a:solidFill>
+            </a:ln>
+          </p:spPr>
+          <p:style>
+            <a:lnRef idx="2">
+              <a:schemeClr val="accent1">
+                <a:shade val="50000"/>
+              </a:schemeClr>
+            </a:lnRef>
+            <a:fillRef idx="1">
+              <a:schemeClr val="accent1"/>
+            </a:fillRef>
+            <a:effectRef idx="0">
+              <a:schemeClr val="accent1"/>
+            </a:effectRef>
+            <a:fontRef idx="minor">
+              <a:schemeClr val="lt1"/>
+            </a:fontRef>
+          </p:style>
+          <p:txBody>
+            <a:bodyPr wrap="none" rtlCol="0" anchor="ctr"/>
+            <a:lstStyle/>
+            <a:p>
+              <a:pPr algn="ctr"/>
+              <a:r>
+                <a:rPr lang="en-US" sz="2400" i="1" dirty="0">
+                  <a:solidFill>
+                    <a:schemeClr val="tx1"/>
+                  </a:solidFill>
+                  <a:latin typeface="Times" pitchFamily="2" charset="0"/>
+                </a:rPr>
+                <a:t>v</a:t>
+              </a:r>
+              <a:r>
+                <a:rPr lang="en-US" sz="2400" baseline="-25000" dirty="0">
+                  <a:solidFill>
+                    <a:schemeClr val="tx1"/>
+                  </a:solidFill>
+                  <a:latin typeface="Times" pitchFamily="2" charset="0"/>
+                </a:rPr>
+                <a:t>3</a:t>
+              </a:r>
+            </a:p>
+          </p:txBody>
+        </p:sp>
+        <p:grpSp>
+          <p:nvGrpSpPr>
+            <p:cNvPr id="135" name="Group 134">
+              <a:extLst>
+                <a:ext uri="{FF2B5EF4-FFF2-40B4-BE49-F238E27FC236}">
+                  <a16:creationId xmlns:a16="http://schemas.microsoft.com/office/drawing/2014/main" id="{974E7DA5-2057-2144-94D2-191A910058E8}"/>
+                </a:ext>
+              </a:extLst>
+            </p:cNvPr>
+            <p:cNvGrpSpPr/>
+            <p:nvPr/>
+          </p:nvGrpSpPr>
+          <p:grpSpPr>
+            <a:xfrm>
+              <a:off x="1620000" y="3510000"/>
+              <a:ext cx="1620000" cy="0"/>
+              <a:chOff x="1620000" y="1350000"/>
+              <a:chExt cx="1620000" cy="0"/>
+            </a:xfrm>
+          </p:grpSpPr>
+          <p:cxnSp>
+            <p:nvCxnSpPr>
+              <p:cNvPr id="136" name="Straight Arrow Connector 135">
+                <a:extLst>
+                  <a:ext uri="{FF2B5EF4-FFF2-40B4-BE49-F238E27FC236}">
+                    <a16:creationId xmlns:a16="http://schemas.microsoft.com/office/drawing/2014/main" id="{F0E93586-C9EF-7844-A408-6BDA72276764}"/>
+                  </a:ext>
+                </a:extLst>
+              </p:cNvPr>
+              <p:cNvCxnSpPr/>
+              <p:nvPr/>
+            </p:nvCxnSpPr>
+            <p:spPr>
+              <a:xfrm>
+                <a:off x="1620000" y="1350000"/>
+                <a:ext cx="180000" cy="0"/>
+              </a:xfrm>
+              <a:prstGeom prst="straightConnector1">
+                <a:avLst/>
+              </a:prstGeom>
+              <a:ln>
+                <a:solidFill>
+                  <a:schemeClr val="tx1"/>
+                </a:solidFill>
+                <a:tailEnd type="triangle"/>
+              </a:ln>
+            </p:spPr>
+            <p:style>
+              <a:lnRef idx="1">
+                <a:schemeClr val="accent1"/>
+              </a:lnRef>
+              <a:fillRef idx="0">
+                <a:schemeClr val="accent1"/>
+              </a:fillRef>
+              <a:effectRef idx="0">
+                <a:schemeClr val="accent1"/>
+              </a:effectRef>
+              <a:fontRef idx="minor">
+                <a:schemeClr val="tx1"/>
+              </a:fontRef>
+            </p:style>
+          </p:cxnSp>
+          <p:cxnSp>
+            <p:nvCxnSpPr>
+              <p:cNvPr id="137" name="Straight Arrow Connector 136">
+                <a:extLst>
+                  <a:ext uri="{FF2B5EF4-FFF2-40B4-BE49-F238E27FC236}">
+                    <a16:creationId xmlns:a16="http://schemas.microsoft.com/office/drawing/2014/main" id="{626C55B0-9EF2-A243-BDEB-B61A995B7385}"/>
+                  </a:ext>
+                </a:extLst>
+              </p:cNvPr>
+              <p:cNvCxnSpPr>
+                <a:cxnSpLocks/>
+              </p:cNvCxnSpPr>
+              <p:nvPr/>
+            </p:nvCxnSpPr>
+            <p:spPr>
+              <a:xfrm>
+                <a:off x="2340000" y="1350000"/>
+                <a:ext cx="180000" cy="0"/>
+              </a:xfrm>
+              <a:prstGeom prst="straightConnector1">
+                <a:avLst/>
+              </a:prstGeom>
+              <a:ln>
+                <a:solidFill>
+                  <a:schemeClr val="tx1"/>
+                </a:solidFill>
+                <a:tailEnd type="triangle"/>
+              </a:ln>
+            </p:spPr>
+            <p:style>
+              <a:lnRef idx="1">
+                <a:schemeClr val="accent1"/>
+              </a:lnRef>
+              <a:fillRef idx="0">
+                <a:schemeClr val="accent1"/>
+              </a:fillRef>
+              <a:effectRef idx="0">
+                <a:schemeClr val="accent1"/>
+              </a:effectRef>
+              <a:fontRef idx="minor">
+                <a:schemeClr val="tx1"/>
+              </a:fontRef>
+            </p:style>
+          </p:cxnSp>
+          <p:cxnSp>
+            <p:nvCxnSpPr>
+              <p:cNvPr id="138" name="Straight Arrow Connector 137">
+                <a:extLst>
+                  <a:ext uri="{FF2B5EF4-FFF2-40B4-BE49-F238E27FC236}">
+                    <a16:creationId xmlns:a16="http://schemas.microsoft.com/office/drawing/2014/main" id="{70CC678B-4153-DF4D-ADEC-5B1BE4AC093C}"/>
+                  </a:ext>
+                </a:extLst>
+              </p:cNvPr>
+              <p:cNvCxnSpPr>
+                <a:cxnSpLocks/>
+              </p:cNvCxnSpPr>
+              <p:nvPr/>
+            </p:nvCxnSpPr>
+            <p:spPr>
+              <a:xfrm>
+                <a:off x="3060000" y="1350000"/>
+                <a:ext cx="180000" cy="0"/>
+              </a:xfrm>
+              <a:prstGeom prst="straightConnector1">
+                <a:avLst/>
+              </a:prstGeom>
+              <a:ln>
+                <a:solidFill>
+                  <a:schemeClr val="tx1"/>
+                </a:solidFill>
+                <a:tailEnd type="triangle"/>
+              </a:ln>
+            </p:spPr>
+            <p:style>
+              <a:lnRef idx="1">
+                <a:schemeClr val="accent1"/>
+              </a:lnRef>
+              <a:fillRef idx="0">
+                <a:schemeClr val="accent1"/>
+              </a:fillRef>
+              <a:effectRef idx="0">
+                <a:schemeClr val="accent1"/>
+              </a:effectRef>
+              <a:fontRef idx="minor">
+                <a:schemeClr val="tx1"/>
+              </a:fontRef>
+            </p:style>
+          </p:cxnSp>
+        </p:grpSp>
+      </p:grpSp>
+      <p:grpSp>
+        <p:nvGrpSpPr>
+          <p:cNvPr id="139" name="Group 138">
+            <a:extLst>
+              <a:ext uri="{FF2B5EF4-FFF2-40B4-BE49-F238E27FC236}">
+                <a16:creationId xmlns:a16="http://schemas.microsoft.com/office/drawing/2014/main" id="{3F420618-FE84-A841-8057-A92844DDE9F4}"/>
+              </a:ext>
+            </a:extLst>
+          </p:cNvPr>
+          <p:cNvGrpSpPr/>
+          <p:nvPr/>
+        </p:nvGrpSpPr>
+        <p:grpSpPr>
+          <a:xfrm>
+            <a:off x="7560000" y="5400000"/>
+            <a:ext cx="2700000" cy="540000"/>
+            <a:chOff x="1080000" y="3240000"/>
+            <a:chExt cx="2700000" cy="540000"/>
+          </a:xfrm>
+        </p:grpSpPr>
+        <p:sp>
+          <p:nvSpPr>
+            <p:cNvPr id="140" name="Oval 139">
+              <a:extLst>
+                <a:ext uri="{FF2B5EF4-FFF2-40B4-BE49-F238E27FC236}">
+                  <a16:creationId xmlns:a16="http://schemas.microsoft.com/office/drawing/2014/main" id="{3EB5291A-B665-B343-9A2E-BF435094C354}"/>
+                </a:ext>
+              </a:extLst>
+            </p:cNvPr>
+            <p:cNvSpPr>
+              <a:spLocks noChangeAspect="1"/>
+            </p:cNvSpPr>
+            <p:nvPr/>
+          </p:nvSpPr>
+          <p:spPr>
+            <a:xfrm>
+              <a:off x="1080000" y="3240000"/>
+              <a:ext cx="540000" cy="540000"/>
+            </a:xfrm>
+            <a:prstGeom prst="ellipse">
+              <a:avLst/>
+            </a:prstGeom>
+            <a:solidFill>
+              <a:schemeClr val="accent6">
+                <a:lumMod val="60000"/>
+                <a:lumOff val="40000"/>
+              </a:schemeClr>
+            </a:solidFill>
+            <a:ln>
+              <a:solidFill>
+                <a:schemeClr val="accent6"/>
+              </a:solidFill>
+            </a:ln>
+          </p:spPr>
+          <p:style>
+            <a:lnRef idx="2">
+              <a:schemeClr val="accent1">
+                <a:shade val="50000"/>
+              </a:schemeClr>
+            </a:lnRef>
+            <a:fillRef idx="1">
+              <a:schemeClr val="accent1"/>
+            </a:fillRef>
+            <a:effectRef idx="0">
+              <a:schemeClr val="accent1"/>
+            </a:effectRef>
+            <a:fontRef idx="minor">
+              <a:schemeClr val="lt1"/>
+            </a:fontRef>
+          </p:style>
+          <p:txBody>
+            <a:bodyPr wrap="none" rtlCol="0" anchor="ctr"/>
+            <a:lstStyle/>
+            <a:p>
+              <a:pPr algn="ctr"/>
+              <a:r>
+                <a:rPr lang="en-US" sz="2400" i="1" dirty="0">
+                  <a:solidFill>
+                    <a:schemeClr val="tx1"/>
+                  </a:solidFill>
+                  <a:latin typeface="Times" pitchFamily="2" charset="0"/>
+                </a:rPr>
+                <a:t>v</a:t>
+              </a:r>
+              <a:r>
+                <a:rPr lang="en-US" sz="2400" baseline="-25000" dirty="0">
+                  <a:solidFill>
+                    <a:schemeClr val="tx1"/>
+                  </a:solidFill>
+                  <a:latin typeface="Times" pitchFamily="2" charset="0"/>
+                </a:rPr>
+                <a:t>0</a:t>
+              </a:r>
+            </a:p>
+          </p:txBody>
+        </p:sp>
+        <p:sp>
+          <p:nvSpPr>
+            <p:cNvPr id="141" name="Oval 140">
+              <a:extLst>
+                <a:ext uri="{FF2B5EF4-FFF2-40B4-BE49-F238E27FC236}">
+                  <a16:creationId xmlns:a16="http://schemas.microsoft.com/office/drawing/2014/main" id="{E467FB5A-B121-E347-A432-7849A55CFA42}"/>
+                </a:ext>
+              </a:extLst>
+            </p:cNvPr>
+            <p:cNvSpPr>
+              <a:spLocks noChangeAspect="1"/>
+            </p:cNvSpPr>
+            <p:nvPr/>
+          </p:nvSpPr>
+          <p:spPr>
+            <a:xfrm>
+              <a:off x="1800000" y="3240000"/>
+              <a:ext cx="540000" cy="540000"/>
+            </a:xfrm>
+            <a:prstGeom prst="ellipse">
+              <a:avLst/>
+            </a:prstGeom>
+            <a:solidFill>
+              <a:schemeClr val="accent6">
+                <a:lumMod val="60000"/>
+                <a:lumOff val="40000"/>
+              </a:schemeClr>
+            </a:solidFill>
+            <a:ln>
+              <a:solidFill>
+                <a:schemeClr val="accent6"/>
+              </a:solidFill>
+            </a:ln>
+          </p:spPr>
+          <p:style>
+            <a:lnRef idx="2">
+              <a:schemeClr val="accent1">
+                <a:shade val="50000"/>
+              </a:schemeClr>
+            </a:lnRef>
+            <a:fillRef idx="1">
+              <a:schemeClr val="accent1"/>
+            </a:fillRef>
+            <a:effectRef idx="0">
+              <a:schemeClr val="accent1"/>
+            </a:effectRef>
+            <a:fontRef idx="minor">
+              <a:schemeClr val="lt1"/>
+            </a:fontRef>
+          </p:style>
+          <p:txBody>
+            <a:bodyPr wrap="none" rtlCol="0" anchor="ctr"/>
+            <a:lstStyle/>
+            <a:p>
+              <a:pPr algn="ctr"/>
+              <a:r>
+                <a:rPr lang="en-US" sz="2400" i="1" dirty="0">
+                  <a:solidFill>
+                    <a:schemeClr val="tx1"/>
+                  </a:solidFill>
+                  <a:latin typeface="Times" pitchFamily="2" charset="0"/>
+                </a:rPr>
+                <a:t>v</a:t>
+              </a:r>
+              <a:r>
+                <a:rPr lang="en-US" sz="2400" baseline="-25000" dirty="0">
+                  <a:solidFill>
+                    <a:schemeClr val="tx1"/>
+                  </a:solidFill>
+                  <a:latin typeface="Times" pitchFamily="2" charset="0"/>
+                </a:rPr>
+                <a:t>1</a:t>
+              </a:r>
+            </a:p>
+          </p:txBody>
+        </p:sp>
+        <p:sp>
+          <p:nvSpPr>
+            <p:cNvPr id="142" name="Oval 141">
+              <a:extLst>
+                <a:ext uri="{FF2B5EF4-FFF2-40B4-BE49-F238E27FC236}">
+                  <a16:creationId xmlns:a16="http://schemas.microsoft.com/office/drawing/2014/main" id="{3E6D887A-E107-F84B-A9F2-6A9D0A765E35}"/>
+                </a:ext>
+              </a:extLst>
+            </p:cNvPr>
+            <p:cNvSpPr>
+              <a:spLocks noChangeAspect="1"/>
+            </p:cNvSpPr>
+            <p:nvPr/>
+          </p:nvSpPr>
+          <p:spPr>
+            <a:xfrm>
+              <a:off x="2520000" y="3240000"/>
+              <a:ext cx="540000" cy="540000"/>
+            </a:xfrm>
+            <a:prstGeom prst="ellipse">
+              <a:avLst/>
+            </a:prstGeom>
+            <a:solidFill>
+              <a:schemeClr val="accent6">
+                <a:lumMod val="60000"/>
+                <a:lumOff val="40000"/>
+              </a:schemeClr>
+            </a:solidFill>
+            <a:ln>
+              <a:solidFill>
+                <a:schemeClr val="accent6"/>
+              </a:solidFill>
+            </a:ln>
+          </p:spPr>
+          <p:style>
+            <a:lnRef idx="2">
+              <a:schemeClr val="accent1">
+                <a:shade val="50000"/>
+              </a:schemeClr>
+            </a:lnRef>
+            <a:fillRef idx="1">
+              <a:schemeClr val="accent1"/>
+            </a:fillRef>
+            <a:effectRef idx="0">
+              <a:schemeClr val="accent1"/>
+            </a:effectRef>
+            <a:fontRef idx="minor">
+              <a:schemeClr val="lt1"/>
+            </a:fontRef>
+          </p:style>
+          <p:txBody>
+            <a:bodyPr wrap="none" rtlCol="0" anchor="ctr"/>
+            <a:lstStyle/>
+            <a:p>
+              <a:pPr algn="ctr"/>
+              <a:r>
+                <a:rPr lang="en-US" sz="2400" i="1" dirty="0">
+                  <a:solidFill>
+                    <a:schemeClr val="tx1"/>
+                  </a:solidFill>
+                  <a:latin typeface="Times" pitchFamily="2" charset="0"/>
+                </a:rPr>
+                <a:t>v</a:t>
+              </a:r>
+              <a:r>
+                <a:rPr lang="en-US" sz="2400" baseline="-25000" dirty="0">
+                  <a:solidFill>
+                    <a:schemeClr val="tx1"/>
+                  </a:solidFill>
+                  <a:latin typeface="Times" pitchFamily="2" charset="0"/>
+                </a:rPr>
+                <a:t>2</a:t>
+              </a:r>
+            </a:p>
+          </p:txBody>
+        </p:sp>
+        <p:sp>
+          <p:nvSpPr>
+            <p:cNvPr id="143" name="Oval 142">
+              <a:extLst>
+                <a:ext uri="{FF2B5EF4-FFF2-40B4-BE49-F238E27FC236}">
+                  <a16:creationId xmlns:a16="http://schemas.microsoft.com/office/drawing/2014/main" id="{385CDDA1-4E5B-674E-B239-1D381EC21ADA}"/>
+                </a:ext>
+              </a:extLst>
+            </p:cNvPr>
+            <p:cNvSpPr>
+              <a:spLocks noChangeAspect="1"/>
+            </p:cNvSpPr>
+            <p:nvPr/>
+          </p:nvSpPr>
+          <p:spPr>
+            <a:xfrm>
+              <a:off x="3240000" y="3240000"/>
+              <a:ext cx="540000" cy="540000"/>
+            </a:xfrm>
+            <a:prstGeom prst="ellipse">
+              <a:avLst/>
+            </a:prstGeom>
+            <a:solidFill>
+              <a:schemeClr val="accent6">
+                <a:lumMod val="60000"/>
+                <a:lumOff val="40000"/>
+              </a:schemeClr>
+            </a:solidFill>
+            <a:ln>
+              <a:solidFill>
+                <a:schemeClr val="accent6"/>
+              </a:solidFill>
+            </a:ln>
+          </p:spPr>
+          <p:style>
+            <a:lnRef idx="2">
+              <a:schemeClr val="accent1">
+                <a:shade val="50000"/>
+              </a:schemeClr>
+            </a:lnRef>
+            <a:fillRef idx="1">
+              <a:schemeClr val="accent1"/>
+            </a:fillRef>
+            <a:effectRef idx="0">
+              <a:schemeClr val="accent1"/>
+            </a:effectRef>
+            <a:fontRef idx="minor">
+              <a:schemeClr val="lt1"/>
+            </a:fontRef>
+          </p:style>
+          <p:txBody>
+            <a:bodyPr wrap="none" rtlCol="0" anchor="ctr"/>
+            <a:lstStyle/>
+            <a:p>
+              <a:pPr algn="ctr"/>
+              <a:r>
+                <a:rPr lang="en-US" sz="2400" i="1" dirty="0">
+                  <a:solidFill>
+                    <a:schemeClr val="tx1"/>
+                  </a:solidFill>
+                  <a:latin typeface="Times" pitchFamily="2" charset="0"/>
+                </a:rPr>
+                <a:t>v</a:t>
+              </a:r>
+              <a:r>
+                <a:rPr lang="en-US" sz="2400" baseline="-25000" dirty="0">
+                  <a:solidFill>
+                    <a:schemeClr val="tx1"/>
+                  </a:solidFill>
+                  <a:latin typeface="Times" pitchFamily="2" charset="0"/>
+                </a:rPr>
+                <a:t>3</a:t>
+              </a:r>
+            </a:p>
+          </p:txBody>
+        </p:sp>
+        <p:grpSp>
+          <p:nvGrpSpPr>
+            <p:cNvPr id="144" name="Group 143">
+              <a:extLst>
+                <a:ext uri="{FF2B5EF4-FFF2-40B4-BE49-F238E27FC236}">
+                  <a16:creationId xmlns:a16="http://schemas.microsoft.com/office/drawing/2014/main" id="{EC616605-2B9E-FB44-B7BF-6D2B5090A179}"/>
+                </a:ext>
+              </a:extLst>
+            </p:cNvPr>
+            <p:cNvGrpSpPr/>
+            <p:nvPr/>
+          </p:nvGrpSpPr>
+          <p:grpSpPr>
+            <a:xfrm>
+              <a:off x="1620000" y="3510000"/>
+              <a:ext cx="1620000" cy="0"/>
+              <a:chOff x="1620000" y="1350000"/>
+              <a:chExt cx="1620000" cy="0"/>
+            </a:xfrm>
+          </p:grpSpPr>
+          <p:cxnSp>
+            <p:nvCxnSpPr>
+              <p:cNvPr id="145" name="Straight Arrow Connector 144">
+                <a:extLst>
+                  <a:ext uri="{FF2B5EF4-FFF2-40B4-BE49-F238E27FC236}">
+                    <a16:creationId xmlns:a16="http://schemas.microsoft.com/office/drawing/2014/main" id="{768FB583-9B4C-0148-B336-AB6C39BEFA89}"/>
+                  </a:ext>
+                </a:extLst>
+              </p:cNvPr>
+              <p:cNvCxnSpPr/>
+              <p:nvPr/>
+            </p:nvCxnSpPr>
+            <p:spPr>
+              <a:xfrm>
+                <a:off x="1620000" y="1350000"/>
+                <a:ext cx="180000" cy="0"/>
+              </a:xfrm>
+              <a:prstGeom prst="straightConnector1">
+                <a:avLst/>
+              </a:prstGeom>
+              <a:ln>
+                <a:solidFill>
+                  <a:schemeClr val="tx1"/>
+                </a:solidFill>
+                <a:tailEnd type="triangle"/>
+              </a:ln>
+            </p:spPr>
+            <p:style>
+              <a:lnRef idx="1">
+                <a:schemeClr val="accent1"/>
+              </a:lnRef>
+              <a:fillRef idx="0">
+                <a:schemeClr val="accent1"/>
+              </a:fillRef>
+              <a:effectRef idx="0">
+                <a:schemeClr val="accent1"/>
+              </a:effectRef>
+              <a:fontRef idx="minor">
+                <a:schemeClr val="tx1"/>
+              </a:fontRef>
+            </p:style>
+          </p:cxnSp>
+          <p:cxnSp>
+            <p:nvCxnSpPr>
+              <p:cNvPr id="146" name="Straight Arrow Connector 145">
+                <a:extLst>
+                  <a:ext uri="{FF2B5EF4-FFF2-40B4-BE49-F238E27FC236}">
+                    <a16:creationId xmlns:a16="http://schemas.microsoft.com/office/drawing/2014/main" id="{B8D91F09-43DB-2A47-AAE3-925105F567B9}"/>
+                  </a:ext>
+                </a:extLst>
+              </p:cNvPr>
+              <p:cNvCxnSpPr>
+                <a:cxnSpLocks/>
+              </p:cNvCxnSpPr>
+              <p:nvPr/>
+            </p:nvCxnSpPr>
+            <p:spPr>
+              <a:xfrm>
+                <a:off x="2340000" y="1350000"/>
+                <a:ext cx="180000" cy="0"/>
+              </a:xfrm>
+              <a:prstGeom prst="straightConnector1">
+                <a:avLst/>
+              </a:prstGeom>
+              <a:ln>
+                <a:solidFill>
+                  <a:schemeClr val="tx1"/>
+                </a:solidFill>
+                <a:tailEnd type="triangle"/>
+              </a:ln>
+            </p:spPr>
+            <p:style>
+              <a:lnRef idx="1">
+                <a:schemeClr val="accent1"/>
+              </a:lnRef>
+              <a:fillRef idx="0">
+                <a:schemeClr val="accent1"/>
+              </a:fillRef>
+              <a:effectRef idx="0">
+                <a:schemeClr val="accent1"/>
+              </a:effectRef>
+              <a:fontRef idx="minor">
+                <a:schemeClr val="tx1"/>
+              </a:fontRef>
+            </p:style>
+          </p:cxnSp>
+          <p:cxnSp>
+            <p:nvCxnSpPr>
+              <p:cNvPr id="147" name="Straight Arrow Connector 146">
+                <a:extLst>
+                  <a:ext uri="{FF2B5EF4-FFF2-40B4-BE49-F238E27FC236}">
+                    <a16:creationId xmlns:a16="http://schemas.microsoft.com/office/drawing/2014/main" id="{9AC49118-9BFB-5B45-BA64-0998779E521F}"/>
+                  </a:ext>
+                </a:extLst>
+              </p:cNvPr>
+              <p:cNvCxnSpPr>
+                <a:cxnSpLocks/>
+              </p:cNvCxnSpPr>
+              <p:nvPr/>
+            </p:nvCxnSpPr>
+            <p:spPr>
+              <a:xfrm>
+                <a:off x="3060000" y="1350000"/>
+                <a:ext cx="180000" cy="0"/>
+              </a:xfrm>
+              <a:prstGeom prst="straightConnector1">
+                <a:avLst/>
+              </a:prstGeom>
+              <a:ln>
+                <a:solidFill>
+                  <a:schemeClr val="tx1"/>
+                </a:solidFill>
+                <a:tailEnd type="triangle"/>
+              </a:ln>
+            </p:spPr>
+            <p:style>
+              <a:lnRef idx="1">
+                <a:schemeClr val="accent1"/>
+              </a:lnRef>
+              <a:fillRef idx="0">
+                <a:schemeClr val="accent1"/>
+              </a:fillRef>
+              <a:effectRef idx="0">
+                <a:schemeClr val="accent1"/>
+              </a:effectRef>
+              <a:fontRef idx="minor">
+                <a:schemeClr val="tx1"/>
+              </a:fontRef>
+            </p:style>
+          </p:cxnSp>
+        </p:grpSp>
+      </p:grpSp>
+      <p:grpSp>
+        <p:nvGrpSpPr>
+          <p:cNvPr id="149" name="Group 148">
+            <a:extLst>
+              <a:ext uri="{FF2B5EF4-FFF2-40B4-BE49-F238E27FC236}">
+                <a16:creationId xmlns:a16="http://schemas.microsoft.com/office/drawing/2014/main" id="{FD5E65AD-0D35-0443-83C0-A1D48560B33E}"/>
+              </a:ext>
+            </a:extLst>
+          </p:cNvPr>
+          <p:cNvGrpSpPr/>
+          <p:nvPr/>
+        </p:nvGrpSpPr>
+        <p:grpSpPr>
+          <a:xfrm>
+            <a:off x="7560000" y="3240000"/>
+            <a:ext cx="2700000" cy="540000"/>
+            <a:chOff x="1080000" y="1080000"/>
+            <a:chExt cx="2700000" cy="540000"/>
+          </a:xfrm>
+        </p:grpSpPr>
+        <p:sp>
+          <p:nvSpPr>
+            <p:cNvPr id="150" name="Oval 149">
+              <a:extLst>
+                <a:ext uri="{FF2B5EF4-FFF2-40B4-BE49-F238E27FC236}">
+                  <a16:creationId xmlns:a16="http://schemas.microsoft.com/office/drawing/2014/main" id="{85D6C9E8-683E-3C4E-83A1-BA2970EF0F19}"/>
+                </a:ext>
+              </a:extLst>
+            </p:cNvPr>
+            <p:cNvSpPr>
+              <a:spLocks noChangeAspect="1"/>
+            </p:cNvSpPr>
+            <p:nvPr/>
+          </p:nvSpPr>
+          <p:spPr>
+            <a:xfrm>
+              <a:off x="1080000" y="1080000"/>
+              <a:ext cx="540000" cy="540000"/>
+            </a:xfrm>
+            <a:prstGeom prst="ellipse">
+              <a:avLst/>
+            </a:prstGeom>
+            <a:solidFill>
+              <a:schemeClr val="accent2">
+                <a:lumMod val="60000"/>
+                <a:lumOff val="40000"/>
+              </a:schemeClr>
+            </a:solidFill>
+            <a:ln>
+              <a:solidFill>
+                <a:schemeClr val="accent2"/>
+              </a:solidFill>
+            </a:ln>
+          </p:spPr>
+          <p:style>
+            <a:lnRef idx="2">
+              <a:schemeClr val="accent1">
+                <a:shade val="50000"/>
+              </a:schemeClr>
+            </a:lnRef>
+            <a:fillRef idx="1">
+              <a:schemeClr val="accent1"/>
+            </a:fillRef>
+            <a:effectRef idx="0">
+              <a:schemeClr val="accent1"/>
+            </a:effectRef>
+            <a:fontRef idx="minor">
+              <a:schemeClr val="lt1"/>
+            </a:fontRef>
+          </p:style>
+          <p:txBody>
+            <a:bodyPr wrap="none" rtlCol="0" anchor="ctr"/>
+            <a:lstStyle/>
+            <a:p>
+              <a:pPr algn="ctr"/>
+              <a:r>
+                <a:rPr lang="en-US" sz="2400" i="1" dirty="0">
+                  <a:solidFill>
+                    <a:schemeClr val="tx1"/>
+                  </a:solidFill>
+                  <a:latin typeface="Times" pitchFamily="2" charset="0"/>
+                </a:rPr>
+                <a:t>v</a:t>
+              </a:r>
+              <a:r>
+                <a:rPr lang="en-US" sz="2400" baseline="-25000" dirty="0">
+                  <a:solidFill>
+                    <a:schemeClr val="tx1"/>
+                  </a:solidFill>
+                  <a:latin typeface="Times" pitchFamily="2" charset="0"/>
+                </a:rPr>
+                <a:t>0</a:t>
+              </a:r>
+            </a:p>
+          </p:txBody>
+        </p:sp>
+        <p:sp>
+          <p:nvSpPr>
+            <p:cNvPr id="151" name="Oval 150">
+              <a:extLst>
+                <a:ext uri="{FF2B5EF4-FFF2-40B4-BE49-F238E27FC236}">
+                  <a16:creationId xmlns:a16="http://schemas.microsoft.com/office/drawing/2014/main" id="{C4E7AD9D-1583-E241-ABE9-C6AEB82F91B3}"/>
+                </a:ext>
+              </a:extLst>
+            </p:cNvPr>
+            <p:cNvSpPr>
+              <a:spLocks noChangeAspect="1"/>
+            </p:cNvSpPr>
+            <p:nvPr/>
+          </p:nvSpPr>
+          <p:spPr>
+            <a:xfrm>
+              <a:off x="1800000" y="1080000"/>
+              <a:ext cx="540000" cy="540000"/>
+            </a:xfrm>
+            <a:prstGeom prst="ellipse">
+              <a:avLst/>
+            </a:prstGeom>
+            <a:solidFill>
+              <a:schemeClr val="accent2">
+                <a:lumMod val="60000"/>
+                <a:lumOff val="40000"/>
+              </a:schemeClr>
+            </a:solidFill>
+            <a:ln>
+              <a:solidFill>
+                <a:schemeClr val="accent2"/>
+              </a:solidFill>
+            </a:ln>
+          </p:spPr>
+          <p:style>
+            <a:lnRef idx="2">
+              <a:schemeClr val="accent1">
+                <a:shade val="50000"/>
+              </a:schemeClr>
+            </a:lnRef>
+            <a:fillRef idx="1">
+              <a:schemeClr val="accent1"/>
+            </a:fillRef>
+            <a:effectRef idx="0">
+              <a:schemeClr val="accent1"/>
+            </a:effectRef>
+            <a:fontRef idx="minor">
+              <a:schemeClr val="lt1"/>
+            </a:fontRef>
+          </p:style>
+          <p:txBody>
+            <a:bodyPr wrap="none" rtlCol="0" anchor="ctr"/>
+            <a:lstStyle/>
+            <a:p>
+              <a:pPr algn="ctr"/>
+              <a:r>
+                <a:rPr lang="en-US" sz="2400" i="1" dirty="0">
+                  <a:solidFill>
+                    <a:schemeClr val="tx1"/>
+                  </a:solidFill>
+                  <a:latin typeface="Times" pitchFamily="2" charset="0"/>
+                </a:rPr>
+                <a:t>v</a:t>
+              </a:r>
+              <a:r>
+                <a:rPr lang="en-US" sz="2400" baseline="-25000" dirty="0">
+                  <a:solidFill>
+                    <a:schemeClr val="tx1"/>
+                  </a:solidFill>
+                  <a:latin typeface="Times" pitchFamily="2" charset="0"/>
+                </a:rPr>
+                <a:t>1</a:t>
+              </a:r>
+            </a:p>
+          </p:txBody>
+        </p:sp>
+        <p:sp>
+          <p:nvSpPr>
+            <p:cNvPr id="152" name="Oval 151">
+              <a:extLst>
+                <a:ext uri="{FF2B5EF4-FFF2-40B4-BE49-F238E27FC236}">
+                  <a16:creationId xmlns:a16="http://schemas.microsoft.com/office/drawing/2014/main" id="{E447BE19-6201-7D48-8F0D-71867F2120B3}"/>
+                </a:ext>
+              </a:extLst>
+            </p:cNvPr>
+            <p:cNvSpPr>
+              <a:spLocks noChangeAspect="1"/>
+            </p:cNvSpPr>
+            <p:nvPr/>
+          </p:nvSpPr>
+          <p:spPr>
+            <a:xfrm>
+              <a:off x="2520000" y="1080000"/>
+              <a:ext cx="540000" cy="540000"/>
+            </a:xfrm>
+            <a:prstGeom prst="ellipse">
+              <a:avLst/>
+            </a:prstGeom>
+            <a:solidFill>
+              <a:schemeClr val="accent2">
+                <a:lumMod val="60000"/>
+                <a:lumOff val="40000"/>
+              </a:schemeClr>
+            </a:solidFill>
+            <a:ln>
+              <a:solidFill>
+                <a:schemeClr val="accent2"/>
+              </a:solidFill>
+            </a:ln>
+          </p:spPr>
+          <p:style>
+            <a:lnRef idx="2">
+              <a:schemeClr val="accent1">
+                <a:shade val="50000"/>
+              </a:schemeClr>
+            </a:lnRef>
+            <a:fillRef idx="1">
+              <a:schemeClr val="accent1"/>
+            </a:fillRef>
+            <a:effectRef idx="0">
+              <a:schemeClr val="accent1"/>
+            </a:effectRef>
+            <a:fontRef idx="minor">
+              <a:schemeClr val="lt1"/>
+            </a:fontRef>
+          </p:style>
+          <p:txBody>
+            <a:bodyPr wrap="none" rtlCol="0" anchor="ctr"/>
+            <a:lstStyle/>
+            <a:p>
+              <a:pPr algn="ctr"/>
+              <a:r>
+                <a:rPr lang="en-US" sz="2400" i="1" dirty="0">
+                  <a:solidFill>
+                    <a:schemeClr val="tx1"/>
+                  </a:solidFill>
+                  <a:latin typeface="Times" pitchFamily="2" charset="0"/>
+                </a:rPr>
+                <a:t>v</a:t>
+              </a:r>
+              <a:r>
+                <a:rPr lang="en-US" sz="2400" baseline="-25000" dirty="0">
+                  <a:solidFill>
+                    <a:schemeClr val="tx1"/>
+                  </a:solidFill>
+                  <a:latin typeface="Times" pitchFamily="2" charset="0"/>
+                </a:rPr>
+                <a:t>2</a:t>
+              </a:r>
+            </a:p>
+          </p:txBody>
+        </p:sp>
+        <p:sp>
+          <p:nvSpPr>
+            <p:cNvPr id="153" name="Oval 152">
+              <a:extLst>
+                <a:ext uri="{FF2B5EF4-FFF2-40B4-BE49-F238E27FC236}">
+                  <a16:creationId xmlns:a16="http://schemas.microsoft.com/office/drawing/2014/main" id="{D6FD295C-D7BC-4142-99FE-CAA6F1B8FDBE}"/>
+                </a:ext>
+              </a:extLst>
+            </p:cNvPr>
+            <p:cNvSpPr>
+              <a:spLocks noChangeAspect="1"/>
+            </p:cNvSpPr>
+            <p:nvPr/>
+          </p:nvSpPr>
+          <p:spPr>
+            <a:xfrm>
+              <a:off x="3240000" y="1080000"/>
+              <a:ext cx="540000" cy="540000"/>
+            </a:xfrm>
+            <a:prstGeom prst="ellipse">
+              <a:avLst/>
+            </a:prstGeom>
+            <a:solidFill>
+              <a:schemeClr val="accent2">
+                <a:lumMod val="60000"/>
+                <a:lumOff val="40000"/>
+              </a:schemeClr>
+            </a:solidFill>
+            <a:ln>
+              <a:solidFill>
+                <a:schemeClr val="accent2"/>
+              </a:solidFill>
+            </a:ln>
+          </p:spPr>
+          <p:style>
+            <a:lnRef idx="2">
+              <a:schemeClr val="accent1">
+                <a:shade val="50000"/>
+              </a:schemeClr>
+            </a:lnRef>
+            <a:fillRef idx="1">
+              <a:schemeClr val="accent1"/>
+            </a:fillRef>
+            <a:effectRef idx="0">
+              <a:schemeClr val="accent1"/>
+            </a:effectRef>
+            <a:fontRef idx="minor">
+              <a:schemeClr val="lt1"/>
+            </a:fontRef>
+          </p:style>
+          <p:txBody>
+            <a:bodyPr wrap="none" rtlCol="0" anchor="ctr"/>
+            <a:lstStyle/>
+            <a:p>
+              <a:pPr algn="ctr"/>
+              <a:r>
+                <a:rPr lang="en-US" sz="2400" i="1" dirty="0">
+                  <a:solidFill>
+                    <a:schemeClr val="tx1"/>
+                  </a:solidFill>
+                  <a:latin typeface="Times" pitchFamily="2" charset="0"/>
+                </a:rPr>
+                <a:t>v</a:t>
+              </a:r>
+              <a:r>
+                <a:rPr lang="en-US" sz="2400" baseline="-25000" dirty="0">
+                  <a:solidFill>
+                    <a:schemeClr val="tx1"/>
+                  </a:solidFill>
+                  <a:latin typeface="Times" pitchFamily="2" charset="0"/>
+                </a:rPr>
+                <a:t>3</a:t>
+              </a:r>
+            </a:p>
+          </p:txBody>
+        </p:sp>
+        <p:grpSp>
+          <p:nvGrpSpPr>
+            <p:cNvPr id="154" name="Group 153">
+              <a:extLst>
+                <a:ext uri="{FF2B5EF4-FFF2-40B4-BE49-F238E27FC236}">
+                  <a16:creationId xmlns:a16="http://schemas.microsoft.com/office/drawing/2014/main" id="{F18824F5-2DE1-E24E-9777-4D8A9045CAE4}"/>
+                </a:ext>
+              </a:extLst>
+            </p:cNvPr>
+            <p:cNvGrpSpPr/>
+            <p:nvPr/>
+          </p:nvGrpSpPr>
+          <p:grpSpPr>
+            <a:xfrm>
+              <a:off x="1620000" y="1350000"/>
+              <a:ext cx="1620000" cy="0"/>
+              <a:chOff x="1620000" y="1350000"/>
+              <a:chExt cx="1620000" cy="0"/>
+            </a:xfrm>
+          </p:grpSpPr>
+          <p:cxnSp>
+            <p:nvCxnSpPr>
+              <p:cNvPr id="155" name="Straight Arrow Connector 154">
+                <a:extLst>
+                  <a:ext uri="{FF2B5EF4-FFF2-40B4-BE49-F238E27FC236}">
+                    <a16:creationId xmlns:a16="http://schemas.microsoft.com/office/drawing/2014/main" id="{11706362-DDBF-7A4A-9543-A2D21B3C2252}"/>
+                  </a:ext>
+                </a:extLst>
+              </p:cNvPr>
+              <p:cNvCxnSpPr>
+                <a:stCxn id="150" idx="6"/>
+                <a:endCxn id="151" idx="2"/>
+              </p:cNvCxnSpPr>
+              <p:nvPr/>
+            </p:nvCxnSpPr>
+            <p:spPr>
+              <a:xfrm>
+                <a:off x="1620000" y="1350000"/>
+                <a:ext cx="180000" cy="0"/>
+              </a:xfrm>
+              <a:prstGeom prst="straightConnector1">
+                <a:avLst/>
+              </a:prstGeom>
+              <a:ln>
+                <a:solidFill>
+                  <a:schemeClr val="tx1"/>
+                </a:solidFill>
+                <a:tailEnd type="triangle"/>
+              </a:ln>
+            </p:spPr>
+            <p:style>
+              <a:lnRef idx="1">
+                <a:schemeClr val="accent1"/>
+              </a:lnRef>
+              <a:fillRef idx="0">
+                <a:schemeClr val="accent1"/>
+              </a:fillRef>
+              <a:effectRef idx="0">
+                <a:schemeClr val="accent1"/>
+              </a:effectRef>
+              <a:fontRef idx="minor">
+                <a:schemeClr val="tx1"/>
+              </a:fontRef>
+            </p:style>
+          </p:cxnSp>
+          <p:cxnSp>
+            <p:nvCxnSpPr>
+              <p:cNvPr id="156" name="Straight Arrow Connector 155">
+                <a:extLst>
+                  <a:ext uri="{FF2B5EF4-FFF2-40B4-BE49-F238E27FC236}">
+                    <a16:creationId xmlns:a16="http://schemas.microsoft.com/office/drawing/2014/main" id="{C8160176-9F5C-F241-BF56-E5DFBE52F4C8}"/>
+                  </a:ext>
+                </a:extLst>
+              </p:cNvPr>
+              <p:cNvCxnSpPr>
+                <a:cxnSpLocks/>
+                <a:stCxn id="151" idx="6"/>
+                <a:endCxn id="152" idx="2"/>
+              </p:cNvCxnSpPr>
+              <p:nvPr/>
+            </p:nvCxnSpPr>
+            <p:spPr>
+              <a:xfrm>
+                <a:off x="2340000" y="1350000"/>
+                <a:ext cx="180000" cy="0"/>
+              </a:xfrm>
+              <a:prstGeom prst="straightConnector1">
+                <a:avLst/>
+              </a:prstGeom>
+              <a:ln>
+                <a:solidFill>
+                  <a:schemeClr val="tx1"/>
+                </a:solidFill>
+                <a:tailEnd type="triangle"/>
+              </a:ln>
+            </p:spPr>
+            <p:style>
+              <a:lnRef idx="1">
+                <a:schemeClr val="accent1"/>
+              </a:lnRef>
+              <a:fillRef idx="0">
+                <a:schemeClr val="accent1"/>
+              </a:fillRef>
+              <a:effectRef idx="0">
+                <a:schemeClr val="accent1"/>
+              </a:effectRef>
+              <a:fontRef idx="minor">
+                <a:schemeClr val="tx1"/>
+              </a:fontRef>
+            </p:style>
+          </p:cxnSp>
+          <p:cxnSp>
+            <p:nvCxnSpPr>
+              <p:cNvPr id="157" name="Straight Arrow Connector 156">
+                <a:extLst>
+                  <a:ext uri="{FF2B5EF4-FFF2-40B4-BE49-F238E27FC236}">
+                    <a16:creationId xmlns:a16="http://schemas.microsoft.com/office/drawing/2014/main" id="{9E85DD16-9C54-C44E-88D0-4D495F76A08B}"/>
+                  </a:ext>
+                </a:extLst>
+              </p:cNvPr>
+              <p:cNvCxnSpPr>
+                <a:cxnSpLocks/>
+                <a:stCxn id="152" idx="6"/>
+                <a:endCxn id="153" idx="2"/>
+              </p:cNvCxnSpPr>
+              <p:nvPr/>
+            </p:nvCxnSpPr>
+            <p:spPr>
+              <a:xfrm>
+                <a:off x="3060000" y="1350000"/>
+                <a:ext cx="180000" cy="0"/>
+              </a:xfrm>
+              <a:prstGeom prst="straightConnector1">
+                <a:avLst/>
+              </a:prstGeom>
+              <a:ln>
+                <a:solidFill>
+                  <a:schemeClr val="tx1"/>
+                </a:solidFill>
+                <a:tailEnd type="triangle"/>
+              </a:ln>
+            </p:spPr>
+            <p:style>
+              <a:lnRef idx="1">
+                <a:schemeClr val="accent1"/>
+              </a:lnRef>
+              <a:fillRef idx="0">
+                <a:schemeClr val="accent1"/>
+              </a:fillRef>
+              <a:effectRef idx="0">
+                <a:schemeClr val="accent1"/>
+              </a:effectRef>
+              <a:fontRef idx="minor">
+                <a:schemeClr val="tx1"/>
+              </a:fontRef>
+            </p:style>
+          </p:cxnSp>
+        </p:grpSp>
+      </p:grpSp>
+      <p:cxnSp>
+        <p:nvCxnSpPr>
+          <p:cNvPr id="159" name="Straight Arrow Connector 158">
+            <a:extLst>
+              <a:ext uri="{FF2B5EF4-FFF2-40B4-BE49-F238E27FC236}">
+                <a16:creationId xmlns:a16="http://schemas.microsoft.com/office/drawing/2014/main" id="{9F77D719-99C9-C54F-8D2E-344FE19CAD67}"/>
+              </a:ext>
+            </a:extLst>
+          </p:cNvPr>
+          <p:cNvCxnSpPr>
+            <a:stCxn id="134" idx="6"/>
+            <a:endCxn id="54" idx="2"/>
+          </p:cNvCxnSpPr>
+          <p:nvPr/>
+        </p:nvCxnSpPr>
+        <p:spPr>
+          <a:xfrm>
+            <a:off x="10260000" y="1350000"/>
+            <a:ext cx="180000" cy="0"/>
+          </a:xfrm>
+          <a:prstGeom prst="straightConnector1">
+            <a:avLst/>
+          </a:prstGeom>
+          <a:ln>
+            <a:solidFill>
+              <a:schemeClr val="tx1"/>
+            </a:solidFill>
+            <a:tailEnd type="triangle"/>
+          </a:ln>
+        </p:spPr>
+        <p:style>
+          <a:lnRef idx="1">
+            <a:schemeClr val="accent1"/>
+          </a:lnRef>
+          <a:fillRef idx="0">
+            <a:schemeClr val="accent1"/>
+          </a:fillRef>
+          <a:effectRef idx="0">
+            <a:schemeClr val="accent1"/>
+          </a:effectRef>
+          <a:fontRef idx="minor">
+            <a:schemeClr val="tx1"/>
+          </a:fontRef>
+        </p:style>
+      </p:cxnSp>
+      <p:cxnSp>
+        <p:nvCxnSpPr>
+          <p:cNvPr id="161" name="Straight Arrow Connector 160">
+            <a:extLst>
+              <a:ext uri="{FF2B5EF4-FFF2-40B4-BE49-F238E27FC236}">
+                <a16:creationId xmlns:a16="http://schemas.microsoft.com/office/drawing/2014/main" id="{5AE88F38-6B16-6A46-8E01-5ED4FE8BFB07}"/>
+              </a:ext>
+            </a:extLst>
+          </p:cNvPr>
+          <p:cNvCxnSpPr>
+            <a:stCxn id="153" idx="6"/>
+            <a:endCxn id="59" idx="2"/>
+          </p:cNvCxnSpPr>
+          <p:nvPr/>
+        </p:nvCxnSpPr>
+        <p:spPr>
+          <a:xfrm>
+            <a:off x="10260000" y="3510000"/>
+            <a:ext cx="180000" cy="0"/>
+          </a:xfrm>
+          <a:prstGeom prst="straightConnector1">
+            <a:avLst/>
+          </a:prstGeom>
+          <a:ln>
+            <a:solidFill>
+              <a:schemeClr val="tx1"/>
+            </a:solidFill>
+            <a:tailEnd type="triangle"/>
+          </a:ln>
+        </p:spPr>
+        <p:style>
+          <a:lnRef idx="1">
+            <a:schemeClr val="accent1"/>
+          </a:lnRef>
+          <a:fillRef idx="0">
+            <a:schemeClr val="accent1"/>
+          </a:fillRef>
+          <a:effectRef idx="0">
+            <a:schemeClr val="accent1"/>
+          </a:effectRef>
+          <a:fontRef idx="minor">
+            <a:schemeClr val="tx1"/>
+          </a:fontRef>
+        </p:style>
+      </p:cxnSp>
+      <p:cxnSp>
+        <p:nvCxnSpPr>
+          <p:cNvPr id="163" name="Straight Arrow Connector 162">
+            <a:extLst>
+              <a:ext uri="{FF2B5EF4-FFF2-40B4-BE49-F238E27FC236}">
+                <a16:creationId xmlns:a16="http://schemas.microsoft.com/office/drawing/2014/main" id="{0ABF90DC-1F74-FA46-8B1A-E2791AAA566A}"/>
+              </a:ext>
+            </a:extLst>
+          </p:cNvPr>
+          <p:cNvCxnSpPr>
+            <a:stCxn id="143" idx="6"/>
+            <a:endCxn id="64" idx="2"/>
+          </p:cNvCxnSpPr>
+          <p:nvPr/>
+        </p:nvCxnSpPr>
+        <p:spPr>
+          <a:xfrm>
+            <a:off x="10260000" y="5670000"/>
+            <a:ext cx="180000" cy="0"/>
+          </a:xfrm>
+          <a:prstGeom prst="straightConnector1">
+            <a:avLst/>
+          </a:prstGeom>
+          <a:ln>
+            <a:solidFill>
+              <a:schemeClr val="tx1"/>
+            </a:solidFill>
+            <a:tailEnd type="triangle"/>
+          </a:ln>
+        </p:spPr>
+        <p:style>
+          <a:lnRef idx="1">
+            <a:schemeClr val="accent1"/>
+          </a:lnRef>
+          <a:fillRef idx="0">
+            <a:schemeClr val="accent1"/>
+          </a:fillRef>
+          <a:effectRef idx="0">
+            <a:schemeClr val="accent1"/>
+          </a:effectRef>
+          <a:fontRef idx="minor">
+            <a:schemeClr val="tx1"/>
+          </a:fontRef>
+        </p:style>
+      </p:cxnSp>
+      <p:sp>
+        <p:nvSpPr>
+          <p:cNvPr id="111" name="Rectangle 110">
+            <a:extLst>
+              <a:ext uri="{FF2B5EF4-FFF2-40B4-BE49-F238E27FC236}">
+                <a16:creationId xmlns:a16="http://schemas.microsoft.com/office/drawing/2014/main" id="{1AA9E0E4-8D81-D04A-9F21-A118E735ED87}"/>
+              </a:ext>
+            </a:extLst>
+          </p:cNvPr>
+          <p:cNvSpPr/>
+          <p:nvPr/>
+        </p:nvSpPr>
+        <p:spPr>
+          <a:xfrm>
+            <a:off x="5400000" y="540000"/>
+            <a:ext cx="759600" cy="180000"/>
+          </a:xfrm>
+          <a:prstGeom prst="rect">
+            <a:avLst/>
+          </a:prstGeom>
+          <a:solidFill>
+            <a:schemeClr val="accent3">
+              <a:lumMod val="60000"/>
+              <a:lumOff val="40000"/>
+            </a:schemeClr>
+          </a:solidFill>
+          <a:ln>
+            <a:solidFill>
+              <a:schemeClr val="accent3"/>
+            </a:solidFill>
+          </a:ln>
+        </p:spPr>
+        <p:style>
+          <a:lnRef idx="2">
+            <a:schemeClr val="accent1">
+              <a:shade val="50000"/>
+            </a:schemeClr>
+          </a:lnRef>
+          <a:fillRef idx="1">
+            <a:schemeClr val="accent1"/>
+          </a:fillRef>
+          <a:effectRef idx="0">
+            <a:schemeClr val="accent1"/>
+          </a:effectRef>
+          <a:fontRef idx="minor">
+            <a:schemeClr val="lt1"/>
+          </a:fontRef>
+        </p:style>
+        <p:txBody>
+          <a:bodyPr rtlCol="0" anchor="ctr"/>
+          <a:lstStyle/>
+          <a:p>
+            <a:pPr algn="ctr"/>
+            <a:endParaRPr lang="en-US"/>
+          </a:p>
+        </p:txBody>
+      </p:sp>
+      <p:sp>
+        <p:nvSpPr>
+          <p:cNvPr id="112" name="Rectangle 111">
+            <a:extLst>
+              <a:ext uri="{FF2B5EF4-FFF2-40B4-BE49-F238E27FC236}">
+                <a16:creationId xmlns:a16="http://schemas.microsoft.com/office/drawing/2014/main" id="{5BA4C9DA-FB74-004B-91C4-4EE3ECEA12EA}"/>
+              </a:ext>
+            </a:extLst>
+          </p:cNvPr>
+          <p:cNvSpPr/>
+          <p:nvPr/>
+        </p:nvSpPr>
+        <p:spPr>
+          <a:xfrm>
+            <a:off x="5400000" y="1260000"/>
+            <a:ext cx="432000" cy="180000"/>
+          </a:xfrm>
+          <a:prstGeom prst="rect">
+            <a:avLst/>
+          </a:prstGeom>
+          <a:solidFill>
+            <a:schemeClr val="accent3">
+              <a:lumMod val="20000"/>
+              <a:lumOff val="80000"/>
+            </a:schemeClr>
+          </a:solidFill>
+          <a:ln>
+            <a:solidFill>
+              <a:schemeClr val="accent3">
+                <a:lumMod val="60000"/>
+                <a:lumOff val="40000"/>
+              </a:schemeClr>
+            </a:solidFill>
+          </a:ln>
+        </p:spPr>
+        <p:style>
+          <a:lnRef idx="2">
+            <a:schemeClr val="accent1">
+              <a:shade val="50000"/>
+            </a:schemeClr>
+          </a:lnRef>
+          <a:fillRef idx="1">
+            <a:schemeClr val="accent1"/>
+          </a:fillRef>
+          <a:effectRef idx="0">
+            <a:schemeClr val="accent1"/>
+          </a:effectRef>
+          <a:fontRef idx="minor">
+            <a:schemeClr val="lt1"/>
+          </a:fontRef>
+        </p:style>
+        <p:txBody>
+          <a:bodyPr rtlCol="0" anchor="ctr"/>
+          <a:lstStyle/>
+          <a:p>
+            <a:pPr algn="ctr"/>
+            <a:endParaRPr lang="en-US"/>
+          </a:p>
+        </p:txBody>
+      </p:sp>
+      <p:sp>
+        <p:nvSpPr>
+          <p:cNvPr id="113" name="Rectangle 112">
+            <a:extLst>
+              <a:ext uri="{FF2B5EF4-FFF2-40B4-BE49-F238E27FC236}">
+                <a16:creationId xmlns:a16="http://schemas.microsoft.com/office/drawing/2014/main" id="{5CC1A702-91BC-404C-BD23-436B2B78C8A1}"/>
+              </a:ext>
+            </a:extLst>
+          </p:cNvPr>
+          <p:cNvSpPr/>
+          <p:nvPr/>
+        </p:nvSpPr>
+        <p:spPr>
+          <a:xfrm>
+            <a:off x="5400000" y="1980000"/>
+            <a:ext cx="288000" cy="180000"/>
+          </a:xfrm>
+          <a:prstGeom prst="rect">
+            <a:avLst/>
+          </a:prstGeom>
+          <a:solidFill>
+            <a:schemeClr val="accent3">
+              <a:lumMod val="20000"/>
+              <a:lumOff val="80000"/>
+            </a:schemeClr>
+          </a:solidFill>
+          <a:ln>
+            <a:solidFill>
+              <a:schemeClr val="accent3">
+                <a:lumMod val="60000"/>
+                <a:lumOff val="40000"/>
+              </a:schemeClr>
+            </a:solidFill>
+          </a:ln>
+        </p:spPr>
+        <p:style>
+          <a:lnRef idx="2">
+            <a:schemeClr val="accent1">
+              <a:shade val="50000"/>
+            </a:schemeClr>
+          </a:lnRef>
+          <a:fillRef idx="1">
+            <a:schemeClr val="accent1"/>
+          </a:fillRef>
+          <a:effectRef idx="0">
+            <a:schemeClr val="accent1"/>
+          </a:effectRef>
+          <a:fontRef idx="minor">
+            <a:schemeClr val="lt1"/>
+          </a:fontRef>
+        </p:style>
+        <p:txBody>
+          <a:bodyPr rtlCol="0" anchor="ctr"/>
+          <a:lstStyle/>
+          <a:p>
+            <a:pPr algn="ctr"/>
+            <a:endParaRPr lang="en-US"/>
+          </a:p>
+        </p:txBody>
+      </p:sp>
+      <p:sp>
+        <p:nvSpPr>
+          <p:cNvPr id="114" name="Rectangle 113">
+            <a:extLst>
+              <a:ext uri="{FF2B5EF4-FFF2-40B4-BE49-F238E27FC236}">
+                <a16:creationId xmlns:a16="http://schemas.microsoft.com/office/drawing/2014/main" id="{637013A6-8C96-4D40-BFBC-BA995713129B}"/>
+              </a:ext>
+            </a:extLst>
+          </p:cNvPr>
+          <p:cNvSpPr/>
+          <p:nvPr/>
+        </p:nvSpPr>
+        <p:spPr>
+          <a:xfrm>
+            <a:off x="5400000" y="2700000"/>
+            <a:ext cx="1007999" cy="180000"/>
+          </a:xfrm>
+          <a:prstGeom prst="rect">
+            <a:avLst/>
+          </a:prstGeom>
+          <a:solidFill>
+            <a:schemeClr val="accent3">
+              <a:lumMod val="60000"/>
+              <a:lumOff val="40000"/>
+            </a:schemeClr>
+          </a:solidFill>
+          <a:ln>
+            <a:solidFill>
+              <a:schemeClr val="accent3"/>
+            </a:solidFill>
+          </a:ln>
+        </p:spPr>
+        <p:style>
+          <a:lnRef idx="2">
+            <a:schemeClr val="accent1">
+              <a:shade val="50000"/>
+            </a:schemeClr>
+          </a:lnRef>
+          <a:fillRef idx="1">
+            <a:schemeClr val="accent1"/>
+          </a:fillRef>
+          <a:effectRef idx="0">
+            <a:schemeClr val="accent1"/>
+          </a:effectRef>
+          <a:fontRef idx="minor">
+            <a:schemeClr val="lt1"/>
+          </a:fontRef>
+        </p:style>
+        <p:txBody>
+          <a:bodyPr rtlCol="0" anchor="ctr"/>
+          <a:lstStyle/>
+          <a:p>
+            <a:pPr algn="ctr"/>
+            <a:endParaRPr lang="en-US"/>
+          </a:p>
+        </p:txBody>
+      </p:sp>
+      <p:sp>
+        <p:nvSpPr>
+          <p:cNvPr id="115" name="Rectangle 114">
+            <a:extLst>
+              <a:ext uri="{FF2B5EF4-FFF2-40B4-BE49-F238E27FC236}">
+                <a16:creationId xmlns:a16="http://schemas.microsoft.com/office/drawing/2014/main" id="{8944F7A7-85F5-8648-B872-BFF196DC5538}"/>
+              </a:ext>
+            </a:extLst>
+          </p:cNvPr>
+          <p:cNvSpPr/>
+          <p:nvPr/>
+        </p:nvSpPr>
+        <p:spPr>
+          <a:xfrm>
+            <a:off x="5400000" y="3420000"/>
+            <a:ext cx="720000" cy="180000"/>
+          </a:xfrm>
+          <a:prstGeom prst="rect">
+            <a:avLst/>
+          </a:prstGeom>
+          <a:solidFill>
+            <a:schemeClr val="accent3">
+              <a:lumMod val="60000"/>
+              <a:lumOff val="40000"/>
+            </a:schemeClr>
+          </a:solidFill>
+          <a:ln>
+            <a:solidFill>
+              <a:schemeClr val="accent3"/>
+            </a:solidFill>
+          </a:ln>
+        </p:spPr>
+        <p:style>
+          <a:lnRef idx="2">
+            <a:schemeClr val="accent1">
+              <a:shade val="50000"/>
+            </a:schemeClr>
+          </a:lnRef>
+          <a:fillRef idx="1">
+            <a:schemeClr val="accent1"/>
+          </a:fillRef>
+          <a:effectRef idx="0">
+            <a:schemeClr val="accent1"/>
+          </a:effectRef>
+          <a:fontRef idx="minor">
+            <a:schemeClr val="lt1"/>
+          </a:fontRef>
+        </p:style>
+        <p:txBody>
+          <a:bodyPr rtlCol="0" anchor="ctr"/>
+          <a:lstStyle/>
+          <a:p>
+            <a:pPr algn="ctr"/>
+            <a:endParaRPr lang="en-US"/>
+          </a:p>
+        </p:txBody>
+      </p:sp>
+      <p:sp>
+        <p:nvSpPr>
+          <p:cNvPr id="116" name="Rectangle 115">
+            <a:extLst>
+              <a:ext uri="{FF2B5EF4-FFF2-40B4-BE49-F238E27FC236}">
+                <a16:creationId xmlns:a16="http://schemas.microsoft.com/office/drawing/2014/main" id="{8FDAED23-3B1E-A949-B303-E942E32FC782}"/>
+              </a:ext>
+            </a:extLst>
+          </p:cNvPr>
+          <p:cNvSpPr/>
+          <p:nvPr/>
+        </p:nvSpPr>
+        <p:spPr>
+          <a:xfrm>
+            <a:off x="5400000" y="4140000"/>
+            <a:ext cx="576000" cy="180000"/>
+          </a:xfrm>
+          <a:prstGeom prst="rect">
+            <a:avLst/>
+          </a:prstGeom>
+          <a:solidFill>
+            <a:schemeClr val="accent3">
+              <a:lumMod val="20000"/>
+              <a:lumOff val="80000"/>
+            </a:schemeClr>
+          </a:solidFill>
+          <a:ln>
+            <a:solidFill>
+              <a:schemeClr val="accent3">
+                <a:lumMod val="60000"/>
+                <a:lumOff val="40000"/>
+              </a:schemeClr>
+            </a:solidFill>
+          </a:ln>
+        </p:spPr>
+        <p:style>
+          <a:lnRef idx="2">
+            <a:schemeClr val="accent1">
+              <a:shade val="50000"/>
+            </a:schemeClr>
+          </a:lnRef>
+          <a:fillRef idx="1">
+            <a:schemeClr val="accent1"/>
+          </a:fillRef>
+          <a:effectRef idx="0">
+            <a:schemeClr val="accent1"/>
+          </a:effectRef>
+          <a:fontRef idx="minor">
+            <a:schemeClr val="lt1"/>
+          </a:fontRef>
+        </p:style>
+        <p:txBody>
+          <a:bodyPr rtlCol="0" anchor="ctr"/>
+          <a:lstStyle/>
+          <a:p>
+            <a:pPr algn="ctr"/>
+            <a:endParaRPr lang="en-US"/>
+          </a:p>
+        </p:txBody>
+      </p:sp>
+      <p:sp>
+        <p:nvSpPr>
+          <p:cNvPr id="117" name="Rectangle 116">
+            <a:extLst>
+              <a:ext uri="{FF2B5EF4-FFF2-40B4-BE49-F238E27FC236}">
+                <a16:creationId xmlns:a16="http://schemas.microsoft.com/office/drawing/2014/main" id="{A08D8F28-2D6F-6843-9E16-69648124823C}"/>
+              </a:ext>
+            </a:extLst>
+          </p:cNvPr>
+          <p:cNvSpPr/>
+          <p:nvPr/>
+        </p:nvSpPr>
+        <p:spPr>
+          <a:xfrm>
+            <a:off x="5400000" y="4860000"/>
+            <a:ext cx="360000" cy="180000"/>
+          </a:xfrm>
+          <a:prstGeom prst="rect">
+            <a:avLst/>
+          </a:prstGeom>
+          <a:solidFill>
+            <a:schemeClr val="accent3">
+              <a:lumMod val="20000"/>
+              <a:lumOff val="80000"/>
+            </a:schemeClr>
+          </a:solidFill>
+          <a:ln>
+            <a:solidFill>
+              <a:schemeClr val="accent3">
+                <a:lumMod val="60000"/>
+                <a:lumOff val="40000"/>
+              </a:schemeClr>
+            </a:solidFill>
+          </a:ln>
+        </p:spPr>
+        <p:style>
+          <a:lnRef idx="2">
+            <a:schemeClr val="accent1">
+              <a:shade val="50000"/>
+            </a:schemeClr>
+          </a:lnRef>
+          <a:fillRef idx="1">
+            <a:schemeClr val="accent1"/>
+          </a:fillRef>
+          <a:effectRef idx="0">
+            <a:schemeClr val="accent1"/>
+          </a:effectRef>
+          <a:fontRef idx="minor">
+            <a:schemeClr val="lt1"/>
+          </a:fontRef>
+        </p:style>
+        <p:txBody>
+          <a:bodyPr rtlCol="0" anchor="ctr"/>
+          <a:lstStyle/>
+          <a:p>
+            <a:pPr algn="ctr"/>
+            <a:endParaRPr lang="en-US"/>
+          </a:p>
+        </p:txBody>
+      </p:sp>
+      <p:sp>
+        <p:nvSpPr>
+          <p:cNvPr id="118" name="Rectangle 117">
+            <a:extLst>
+              <a:ext uri="{FF2B5EF4-FFF2-40B4-BE49-F238E27FC236}">
+                <a16:creationId xmlns:a16="http://schemas.microsoft.com/office/drawing/2014/main" id="{2D946273-9AA0-ED42-B6F5-342CBC550C39}"/>
+              </a:ext>
+            </a:extLst>
+          </p:cNvPr>
+          <p:cNvSpPr/>
+          <p:nvPr/>
+        </p:nvSpPr>
+        <p:spPr>
+          <a:xfrm>
+            <a:off x="5400000" y="5580000"/>
+            <a:ext cx="288000" cy="180000"/>
+          </a:xfrm>
+          <a:prstGeom prst="rect">
+            <a:avLst/>
+          </a:prstGeom>
+          <a:solidFill>
+            <a:schemeClr val="accent3">
+              <a:lumMod val="20000"/>
+              <a:lumOff val="80000"/>
+            </a:schemeClr>
+          </a:solidFill>
+          <a:ln>
+            <a:solidFill>
+              <a:schemeClr val="accent3">
+                <a:lumMod val="60000"/>
+                <a:lumOff val="40000"/>
+              </a:schemeClr>
+            </a:solidFill>
+          </a:ln>
+        </p:spPr>
+        <p:style>
+          <a:lnRef idx="2">
+            <a:schemeClr val="accent1">
+              <a:shade val="50000"/>
+            </a:schemeClr>
+          </a:lnRef>
+          <a:fillRef idx="1">
+            <a:schemeClr val="accent1"/>
+          </a:fillRef>
+          <a:effectRef idx="0">
+            <a:schemeClr val="accent1"/>
+          </a:effectRef>
+          <a:fontRef idx="minor">
+            <a:schemeClr val="lt1"/>
+          </a:fontRef>
+        </p:style>
+        <p:txBody>
+          <a:bodyPr rtlCol="0" anchor="ctr"/>
+          <a:lstStyle/>
+          <a:p>
+            <a:pPr algn="ctr"/>
+            <a:endParaRPr lang="en-US"/>
+          </a:p>
+        </p:txBody>
+      </p:sp>
+      <p:sp>
+        <p:nvSpPr>
+          <p:cNvPr id="119" name="Rectangle 118">
+            <a:extLst>
+              <a:ext uri="{FF2B5EF4-FFF2-40B4-BE49-F238E27FC236}">
+                <a16:creationId xmlns:a16="http://schemas.microsoft.com/office/drawing/2014/main" id="{A5FB04B3-F248-3343-ACF5-5E52E54C39DE}"/>
+              </a:ext>
+            </a:extLst>
+          </p:cNvPr>
+          <p:cNvSpPr/>
+          <p:nvPr/>
+        </p:nvSpPr>
+        <p:spPr>
+          <a:xfrm>
+            <a:off x="5400000" y="6300000"/>
+            <a:ext cx="216000" cy="180000"/>
+          </a:xfrm>
+          <a:prstGeom prst="rect">
+            <a:avLst/>
+          </a:prstGeom>
+          <a:solidFill>
+            <a:schemeClr val="accent3">
+              <a:lumMod val="20000"/>
+              <a:lumOff val="80000"/>
+            </a:schemeClr>
+          </a:solidFill>
+          <a:ln>
+            <a:solidFill>
+              <a:schemeClr val="accent3">
+                <a:lumMod val="60000"/>
+                <a:lumOff val="40000"/>
+              </a:schemeClr>
+            </a:solidFill>
+          </a:ln>
+        </p:spPr>
+        <p:style>
+          <a:lnRef idx="2">
+            <a:schemeClr val="accent1">
+              <a:shade val="50000"/>
+            </a:schemeClr>
+          </a:lnRef>
+          <a:fillRef idx="1">
+            <a:schemeClr val="accent1"/>
+          </a:fillRef>
+          <a:effectRef idx="0">
+            <a:schemeClr val="accent1"/>
+          </a:effectRef>
+          <a:fontRef idx="minor">
+            <a:schemeClr val="lt1"/>
+          </a:fontRef>
+        </p:style>
+        <p:txBody>
+          <a:bodyPr rtlCol="0" anchor="ctr"/>
+          <a:lstStyle/>
+          <a:p>
+            <a:pPr algn="ctr"/>
+            <a:endParaRPr lang="en-US"/>
+          </a:p>
+        </p:txBody>
+      </p:sp>
+      <p:cxnSp>
+        <p:nvCxnSpPr>
+          <p:cNvPr id="164" name="Straight Connector 163">
+            <a:extLst>
+              <a:ext uri="{FF2B5EF4-FFF2-40B4-BE49-F238E27FC236}">
+                <a16:creationId xmlns:a16="http://schemas.microsoft.com/office/drawing/2014/main" id="{CF257491-5BAE-8E45-B370-09F25E012CB9}"/>
+              </a:ext>
+            </a:extLst>
+          </p:cNvPr>
+          <p:cNvCxnSpPr>
+            <a:cxnSpLocks/>
+          </p:cNvCxnSpPr>
+          <p:nvPr/>
+        </p:nvCxnSpPr>
+        <p:spPr>
+          <a:xfrm>
+            <a:off x="5400000" y="504000"/>
+            <a:ext cx="0" cy="252000"/>
+          </a:xfrm>
+          <a:prstGeom prst="line">
+            <a:avLst/>
+          </a:prstGeom>
+          <a:ln>
+            <a:solidFill>
+              <a:schemeClr val="tx1"/>
+            </a:solidFill>
+          </a:ln>
+        </p:spPr>
+        <p:style>
+          <a:lnRef idx="1">
+            <a:schemeClr val="accent1"/>
+          </a:lnRef>
+          <a:fillRef idx="0">
+            <a:schemeClr val="accent1"/>
+          </a:fillRef>
+          <a:effectRef idx="0">
+            <a:schemeClr val="accent1"/>
+          </a:effectRef>
+          <a:fontRef idx="minor">
+            <a:schemeClr val="tx1"/>
+          </a:fontRef>
+        </p:style>
+      </p:cxnSp>
+      <p:cxnSp>
+        <p:nvCxnSpPr>
+          <p:cNvPr id="165" name="Straight Connector 164">
+            <a:extLst>
+              <a:ext uri="{FF2B5EF4-FFF2-40B4-BE49-F238E27FC236}">
+                <a16:creationId xmlns:a16="http://schemas.microsoft.com/office/drawing/2014/main" id="{14A7E7B9-E6FA-9C4C-A711-0078859D1965}"/>
+              </a:ext>
+            </a:extLst>
+          </p:cNvPr>
+          <p:cNvCxnSpPr/>
+          <p:nvPr/>
+        </p:nvCxnSpPr>
+        <p:spPr>
+          <a:xfrm>
+            <a:off x="5400000" y="6264000"/>
+            <a:ext cx="0" cy="252000"/>
+          </a:xfrm>
+          <a:prstGeom prst="line">
+            <a:avLst/>
+          </a:prstGeom>
+          <a:ln>
+            <a:solidFill>
+              <a:schemeClr val="tx1"/>
+            </a:solidFill>
+          </a:ln>
+        </p:spPr>
+        <p:style>
+          <a:lnRef idx="1">
+            <a:schemeClr val="accent1"/>
+          </a:lnRef>
+          <a:fillRef idx="0">
+            <a:schemeClr val="accent1"/>
+          </a:fillRef>
+          <a:effectRef idx="0">
+            <a:schemeClr val="accent1"/>
+          </a:effectRef>
+          <a:fontRef idx="minor">
+            <a:schemeClr val="tx1"/>
+          </a:fontRef>
+        </p:style>
+      </p:cxnSp>
+      <p:cxnSp>
+        <p:nvCxnSpPr>
+          <p:cNvPr id="166" name="Straight Connector 165">
+            <a:extLst>
+              <a:ext uri="{FF2B5EF4-FFF2-40B4-BE49-F238E27FC236}">
+                <a16:creationId xmlns:a16="http://schemas.microsoft.com/office/drawing/2014/main" id="{FF2B1B85-7000-F748-87F0-3DDBDA34827F}"/>
+              </a:ext>
+            </a:extLst>
+          </p:cNvPr>
+          <p:cNvCxnSpPr/>
+          <p:nvPr/>
+        </p:nvCxnSpPr>
+        <p:spPr>
+          <a:xfrm>
+            <a:off x="5400000" y="1224000"/>
+            <a:ext cx="0" cy="252000"/>
+          </a:xfrm>
+          <a:prstGeom prst="line">
+            <a:avLst/>
+          </a:prstGeom>
+          <a:ln>
+            <a:solidFill>
+              <a:schemeClr val="tx1"/>
+            </a:solidFill>
+          </a:ln>
+        </p:spPr>
+        <p:style>
+          <a:lnRef idx="1">
+            <a:schemeClr val="accent1"/>
+          </a:lnRef>
+          <a:fillRef idx="0">
+            <a:schemeClr val="accent1"/>
+          </a:fillRef>
+          <a:effectRef idx="0">
+            <a:schemeClr val="accent1"/>
+          </a:effectRef>
+          <a:fontRef idx="minor">
+            <a:schemeClr val="tx1"/>
+          </a:fontRef>
+        </p:style>
+      </p:cxnSp>
+      <p:cxnSp>
+        <p:nvCxnSpPr>
+          <p:cNvPr id="167" name="Straight Connector 166">
+            <a:extLst>
+              <a:ext uri="{FF2B5EF4-FFF2-40B4-BE49-F238E27FC236}">
+                <a16:creationId xmlns:a16="http://schemas.microsoft.com/office/drawing/2014/main" id="{FF8C6E48-ECDD-0142-928D-60AAAFC1C569}"/>
+              </a:ext>
+            </a:extLst>
+          </p:cNvPr>
+          <p:cNvCxnSpPr/>
+          <p:nvPr/>
+        </p:nvCxnSpPr>
+        <p:spPr>
+          <a:xfrm>
+            <a:off x="5400000" y="1944000"/>
+            <a:ext cx="0" cy="252000"/>
+          </a:xfrm>
+          <a:prstGeom prst="line">
+            <a:avLst/>
+          </a:prstGeom>
+          <a:ln>
+            <a:solidFill>
+              <a:schemeClr val="tx1"/>
+            </a:solidFill>
+          </a:ln>
+        </p:spPr>
+        <p:style>
+          <a:lnRef idx="1">
+            <a:schemeClr val="accent1"/>
+          </a:lnRef>
+          <a:fillRef idx="0">
+            <a:schemeClr val="accent1"/>
+          </a:fillRef>
+          <a:effectRef idx="0">
+            <a:schemeClr val="accent1"/>
+          </a:effectRef>
+          <a:fontRef idx="minor">
+            <a:schemeClr val="tx1"/>
+          </a:fontRef>
+        </p:style>
+      </p:cxnSp>
+      <p:cxnSp>
+        <p:nvCxnSpPr>
+          <p:cNvPr id="168" name="Straight Connector 167">
+            <a:extLst>
+              <a:ext uri="{FF2B5EF4-FFF2-40B4-BE49-F238E27FC236}">
+                <a16:creationId xmlns:a16="http://schemas.microsoft.com/office/drawing/2014/main" id="{96F3329B-7EC4-4940-9189-68E8181F89EA}"/>
+              </a:ext>
+            </a:extLst>
+          </p:cNvPr>
+          <p:cNvCxnSpPr/>
+          <p:nvPr/>
+        </p:nvCxnSpPr>
+        <p:spPr>
+          <a:xfrm>
+            <a:off x="5400000" y="2664000"/>
+            <a:ext cx="0" cy="252000"/>
+          </a:xfrm>
+          <a:prstGeom prst="line">
+            <a:avLst/>
+          </a:prstGeom>
+          <a:ln>
+            <a:solidFill>
+              <a:schemeClr val="tx1"/>
+            </a:solidFill>
+          </a:ln>
+        </p:spPr>
+        <p:style>
+          <a:lnRef idx="1">
+            <a:schemeClr val="accent1"/>
+          </a:lnRef>
+          <a:fillRef idx="0">
+            <a:schemeClr val="accent1"/>
+          </a:fillRef>
+          <a:effectRef idx="0">
+            <a:schemeClr val="accent1"/>
+          </a:effectRef>
+          <a:fontRef idx="minor">
+            <a:schemeClr val="tx1"/>
+          </a:fontRef>
+        </p:style>
+      </p:cxnSp>
+      <p:cxnSp>
+        <p:nvCxnSpPr>
+          <p:cNvPr id="169" name="Straight Connector 168">
+            <a:extLst>
+              <a:ext uri="{FF2B5EF4-FFF2-40B4-BE49-F238E27FC236}">
+                <a16:creationId xmlns:a16="http://schemas.microsoft.com/office/drawing/2014/main" id="{D0F64D34-EF30-2844-A629-5AC7CBDFC6B9}"/>
+              </a:ext>
+            </a:extLst>
+          </p:cNvPr>
+          <p:cNvCxnSpPr/>
+          <p:nvPr/>
+        </p:nvCxnSpPr>
+        <p:spPr>
+          <a:xfrm>
+            <a:off x="5400000" y="3384000"/>
+            <a:ext cx="0" cy="252000"/>
+          </a:xfrm>
+          <a:prstGeom prst="line">
+            <a:avLst/>
+          </a:prstGeom>
+          <a:ln>
+            <a:solidFill>
+              <a:schemeClr val="tx1"/>
+            </a:solidFill>
+          </a:ln>
+        </p:spPr>
+        <p:style>
+          <a:lnRef idx="1">
+            <a:schemeClr val="accent1"/>
+          </a:lnRef>
+          <a:fillRef idx="0">
+            <a:schemeClr val="accent1"/>
+          </a:fillRef>
+          <a:effectRef idx="0">
+            <a:schemeClr val="accent1"/>
+          </a:effectRef>
+          <a:fontRef idx="minor">
+            <a:schemeClr val="tx1"/>
+          </a:fontRef>
+        </p:style>
+      </p:cxnSp>
+      <p:cxnSp>
+        <p:nvCxnSpPr>
+          <p:cNvPr id="170" name="Straight Connector 169">
+            <a:extLst>
+              <a:ext uri="{FF2B5EF4-FFF2-40B4-BE49-F238E27FC236}">
+                <a16:creationId xmlns:a16="http://schemas.microsoft.com/office/drawing/2014/main" id="{B0A59186-7304-D049-A427-2BC2156CC75C}"/>
+              </a:ext>
+            </a:extLst>
+          </p:cNvPr>
+          <p:cNvCxnSpPr/>
+          <p:nvPr/>
+        </p:nvCxnSpPr>
+        <p:spPr>
+          <a:xfrm>
+            <a:off x="5400000" y="4104000"/>
+            <a:ext cx="0" cy="252000"/>
+          </a:xfrm>
+          <a:prstGeom prst="line">
+            <a:avLst/>
+          </a:prstGeom>
+          <a:ln>
+            <a:solidFill>
+              <a:schemeClr val="tx1"/>
+            </a:solidFill>
+          </a:ln>
+        </p:spPr>
+        <p:style>
+          <a:lnRef idx="1">
+            <a:schemeClr val="accent1"/>
+          </a:lnRef>
+          <a:fillRef idx="0">
+            <a:schemeClr val="accent1"/>
+          </a:fillRef>
+          <a:effectRef idx="0">
+            <a:schemeClr val="accent1"/>
+          </a:effectRef>
+          <a:fontRef idx="minor">
+            <a:schemeClr val="tx1"/>
+          </a:fontRef>
+        </p:style>
+      </p:cxnSp>
+      <p:cxnSp>
+        <p:nvCxnSpPr>
+          <p:cNvPr id="171" name="Straight Connector 170">
+            <a:extLst>
+              <a:ext uri="{FF2B5EF4-FFF2-40B4-BE49-F238E27FC236}">
+                <a16:creationId xmlns:a16="http://schemas.microsoft.com/office/drawing/2014/main" id="{171581EF-4670-F34B-A1F4-A1A6B11AB68A}"/>
+              </a:ext>
+            </a:extLst>
+          </p:cNvPr>
+          <p:cNvCxnSpPr/>
+          <p:nvPr/>
+        </p:nvCxnSpPr>
+        <p:spPr>
+          <a:xfrm>
+            <a:off x="5400000" y="4824000"/>
+            <a:ext cx="0" cy="252000"/>
+          </a:xfrm>
+          <a:prstGeom prst="line">
+            <a:avLst/>
+          </a:prstGeom>
+          <a:ln>
+            <a:solidFill>
+              <a:schemeClr val="tx1"/>
+            </a:solidFill>
+          </a:ln>
+        </p:spPr>
+        <p:style>
+          <a:lnRef idx="1">
+            <a:schemeClr val="accent1"/>
+          </a:lnRef>
+          <a:fillRef idx="0">
+            <a:schemeClr val="accent1"/>
+          </a:fillRef>
+          <a:effectRef idx="0">
+            <a:schemeClr val="accent1"/>
+          </a:effectRef>
+          <a:fontRef idx="minor">
+            <a:schemeClr val="tx1"/>
+          </a:fontRef>
+        </p:style>
+      </p:cxnSp>
+      <p:cxnSp>
+        <p:nvCxnSpPr>
+          <p:cNvPr id="172" name="Straight Connector 171">
+            <a:extLst>
+              <a:ext uri="{FF2B5EF4-FFF2-40B4-BE49-F238E27FC236}">
+                <a16:creationId xmlns:a16="http://schemas.microsoft.com/office/drawing/2014/main" id="{83D20AC1-7D1A-7C40-B327-47B037058D3E}"/>
+              </a:ext>
+            </a:extLst>
+          </p:cNvPr>
+          <p:cNvCxnSpPr/>
+          <p:nvPr/>
+        </p:nvCxnSpPr>
+        <p:spPr>
+          <a:xfrm>
+            <a:off x="5400000" y="5544000"/>
+            <a:ext cx="0" cy="252000"/>
+          </a:xfrm>
+          <a:prstGeom prst="line">
+            <a:avLst/>
+          </a:prstGeom>
+          <a:ln>
+            <a:solidFill>
+              <a:schemeClr val="tx1"/>
+            </a:solidFill>
+          </a:ln>
+        </p:spPr>
+        <p:style>
+          <a:lnRef idx="1">
+            <a:schemeClr val="accent1"/>
+          </a:lnRef>
+          <a:fillRef idx="0">
+            <a:schemeClr val="accent1"/>
+          </a:fillRef>
+          <a:effectRef idx="0">
+            <a:schemeClr val="accent1"/>
+          </a:effectRef>
+          <a:fontRef idx="minor">
+            <a:schemeClr val="tx1"/>
+          </a:fontRef>
+        </p:style>
+      </p:cxnSp>
+      <p:sp>
+        <p:nvSpPr>
+          <p:cNvPr id="175" name="Rectangle 174">
+            <a:extLst>
+              <a:ext uri="{FF2B5EF4-FFF2-40B4-BE49-F238E27FC236}">
+                <a16:creationId xmlns:a16="http://schemas.microsoft.com/office/drawing/2014/main" id="{CD78410B-8438-CD4D-BB39-45A4D4CA6F15}"/>
+              </a:ext>
+            </a:extLst>
+          </p:cNvPr>
+          <p:cNvSpPr/>
+          <p:nvPr/>
+        </p:nvSpPr>
+        <p:spPr>
+          <a:xfrm>
+            <a:off x="7560000" y="792000"/>
+            <a:ext cx="1764000" cy="180000"/>
+          </a:xfrm>
+          <a:prstGeom prst="rect">
+            <a:avLst/>
+          </a:prstGeom>
+          <a:solidFill>
+            <a:schemeClr val="accent1">
+              <a:lumMod val="60000"/>
+              <a:lumOff val="40000"/>
+            </a:schemeClr>
+          </a:solidFill>
+          <a:ln>
+            <a:solidFill>
+              <a:schemeClr val="accent1"/>
+            </a:solidFill>
+          </a:ln>
+        </p:spPr>
+        <p:style>
+          <a:lnRef idx="2">
+            <a:schemeClr val="accent1">
+              <a:shade val="50000"/>
+            </a:schemeClr>
+          </a:lnRef>
+          <a:fillRef idx="1">
+            <a:schemeClr val="accent1"/>
+          </a:fillRef>
+          <a:effectRef idx="0">
+            <a:schemeClr val="accent1"/>
+          </a:effectRef>
+          <a:fontRef idx="minor">
+            <a:schemeClr val="lt1"/>
+          </a:fontRef>
+        </p:style>
+        <p:txBody>
+          <a:bodyPr rtlCol="0" anchor="ctr"/>
+          <a:lstStyle/>
+          <a:p>
+            <a:pPr algn="ctr"/>
+            <a:endParaRPr lang="en-US"/>
+          </a:p>
+        </p:txBody>
+      </p:sp>
+      <p:cxnSp>
+        <p:nvCxnSpPr>
+          <p:cNvPr id="176" name="Straight Connector 175">
+            <a:extLst>
+              <a:ext uri="{FF2B5EF4-FFF2-40B4-BE49-F238E27FC236}">
+                <a16:creationId xmlns:a16="http://schemas.microsoft.com/office/drawing/2014/main" id="{0CEF6A24-8767-904B-85CB-03A9F04B3777}"/>
+              </a:ext>
+            </a:extLst>
+          </p:cNvPr>
+          <p:cNvCxnSpPr>
+            <a:cxnSpLocks/>
+          </p:cNvCxnSpPr>
+          <p:nvPr/>
+        </p:nvCxnSpPr>
+        <p:spPr>
+          <a:xfrm>
+            <a:off x="7560000" y="756000"/>
+            <a:ext cx="0" cy="252000"/>
+          </a:xfrm>
+          <a:prstGeom prst="line">
+            <a:avLst/>
+          </a:prstGeom>
+          <a:ln>
+            <a:solidFill>
+              <a:schemeClr val="tx1"/>
+            </a:solidFill>
+          </a:ln>
+        </p:spPr>
+        <p:style>
+          <a:lnRef idx="1">
+            <a:schemeClr val="accent1"/>
+          </a:lnRef>
+          <a:fillRef idx="0">
+            <a:schemeClr val="accent1"/>
+          </a:fillRef>
+          <a:effectRef idx="0">
+            <a:schemeClr val="accent1"/>
+          </a:effectRef>
+          <a:fontRef idx="minor">
+            <a:schemeClr val="tx1"/>
+          </a:fontRef>
+        </p:style>
+      </p:cxnSp>
+      <p:sp>
+        <p:nvSpPr>
+          <p:cNvPr id="177" name="Rectangle 176">
+            <a:extLst>
+              <a:ext uri="{FF2B5EF4-FFF2-40B4-BE49-F238E27FC236}">
+                <a16:creationId xmlns:a16="http://schemas.microsoft.com/office/drawing/2014/main" id="{5CDAC419-D2C5-2C46-B12A-DA4048BA9973}"/>
+              </a:ext>
+            </a:extLst>
+          </p:cNvPr>
+          <p:cNvSpPr/>
+          <p:nvPr/>
+        </p:nvSpPr>
+        <p:spPr>
+          <a:xfrm>
+            <a:off x="7560000" y="2952000"/>
+            <a:ext cx="1620000" cy="180000"/>
+          </a:xfrm>
+          <a:prstGeom prst="rect">
+            <a:avLst/>
+          </a:prstGeom>
+          <a:solidFill>
+            <a:schemeClr val="accent1">
+              <a:lumMod val="60000"/>
+              <a:lumOff val="40000"/>
+            </a:schemeClr>
+          </a:solidFill>
+          <a:ln>
+            <a:solidFill>
+              <a:schemeClr val="accent1"/>
+            </a:solidFill>
+          </a:ln>
+        </p:spPr>
+        <p:style>
+          <a:lnRef idx="2">
+            <a:schemeClr val="accent1">
+              <a:shade val="50000"/>
+            </a:schemeClr>
+          </a:lnRef>
+          <a:fillRef idx="1">
+            <a:schemeClr val="accent1"/>
+          </a:fillRef>
+          <a:effectRef idx="0">
+            <a:schemeClr val="accent1"/>
+          </a:effectRef>
+          <a:fontRef idx="minor">
+            <a:schemeClr val="lt1"/>
+          </a:fontRef>
+        </p:style>
+        <p:txBody>
+          <a:bodyPr rtlCol="0" anchor="ctr"/>
+          <a:lstStyle/>
+          <a:p>
+            <a:pPr algn="ctr"/>
+            <a:endParaRPr lang="en-US"/>
+          </a:p>
+        </p:txBody>
+      </p:sp>
+      <p:cxnSp>
+        <p:nvCxnSpPr>
+          <p:cNvPr id="178" name="Straight Connector 177">
+            <a:extLst>
+              <a:ext uri="{FF2B5EF4-FFF2-40B4-BE49-F238E27FC236}">
+                <a16:creationId xmlns:a16="http://schemas.microsoft.com/office/drawing/2014/main" id="{090D88D2-5989-894D-B825-DBDE302BAA54}"/>
+              </a:ext>
+            </a:extLst>
+          </p:cNvPr>
+          <p:cNvCxnSpPr/>
+          <p:nvPr/>
+        </p:nvCxnSpPr>
+        <p:spPr>
+          <a:xfrm>
+            <a:off x="7560000" y="2916000"/>
+            <a:ext cx="0" cy="252000"/>
+          </a:xfrm>
+          <a:prstGeom prst="line">
+            <a:avLst/>
+          </a:prstGeom>
+          <a:ln>
+            <a:solidFill>
+              <a:schemeClr val="tx1"/>
+            </a:solidFill>
+          </a:ln>
+        </p:spPr>
+        <p:style>
+          <a:lnRef idx="1">
+            <a:schemeClr val="accent1"/>
+          </a:lnRef>
+          <a:fillRef idx="0">
+            <a:schemeClr val="accent1"/>
+          </a:fillRef>
+          <a:effectRef idx="0">
+            <a:schemeClr val="accent1"/>
+          </a:effectRef>
+          <a:fontRef idx="minor">
+            <a:schemeClr val="tx1"/>
+          </a:fontRef>
+        </p:style>
+      </p:cxnSp>
+      <p:sp>
+        <p:nvSpPr>
+          <p:cNvPr id="179" name="Rectangle 178">
+            <a:extLst>
+              <a:ext uri="{FF2B5EF4-FFF2-40B4-BE49-F238E27FC236}">
+                <a16:creationId xmlns:a16="http://schemas.microsoft.com/office/drawing/2014/main" id="{37875EB9-5F0D-5545-9547-9CBEBEE289C4}"/>
+              </a:ext>
+            </a:extLst>
+          </p:cNvPr>
+          <p:cNvSpPr/>
+          <p:nvPr/>
+        </p:nvSpPr>
+        <p:spPr>
+          <a:xfrm>
+            <a:off x="7560000" y="5112000"/>
+            <a:ext cx="1476000" cy="180000"/>
+          </a:xfrm>
+          <a:prstGeom prst="rect">
+            <a:avLst/>
+          </a:prstGeom>
+          <a:solidFill>
+            <a:schemeClr val="accent1">
+              <a:lumMod val="60000"/>
+              <a:lumOff val="40000"/>
+            </a:schemeClr>
+          </a:solidFill>
+          <a:ln>
+            <a:solidFill>
+              <a:schemeClr val="accent1"/>
+            </a:solidFill>
+          </a:ln>
+        </p:spPr>
+        <p:style>
+          <a:lnRef idx="2">
+            <a:schemeClr val="accent1">
+              <a:shade val="50000"/>
+            </a:schemeClr>
+          </a:lnRef>
+          <a:fillRef idx="1">
+            <a:schemeClr val="accent1"/>
+          </a:fillRef>
+          <a:effectRef idx="0">
+            <a:schemeClr val="accent1"/>
+          </a:effectRef>
+          <a:fontRef idx="minor">
+            <a:schemeClr val="lt1"/>
+          </a:fontRef>
+        </p:style>
+        <p:txBody>
+          <a:bodyPr rtlCol="0" anchor="ctr"/>
+          <a:lstStyle/>
+          <a:p>
+            <a:pPr algn="ctr"/>
+            <a:endParaRPr lang="en-US"/>
+          </a:p>
+        </p:txBody>
+      </p:sp>
+      <p:cxnSp>
+        <p:nvCxnSpPr>
+          <p:cNvPr id="180" name="Straight Connector 179">
+            <a:extLst>
+              <a:ext uri="{FF2B5EF4-FFF2-40B4-BE49-F238E27FC236}">
+                <a16:creationId xmlns:a16="http://schemas.microsoft.com/office/drawing/2014/main" id="{B4CEF4F9-B707-674D-9C00-74608A377FA0}"/>
+              </a:ext>
+            </a:extLst>
+          </p:cNvPr>
+          <p:cNvCxnSpPr/>
+          <p:nvPr/>
+        </p:nvCxnSpPr>
+        <p:spPr>
+          <a:xfrm>
+            <a:off x="7560000" y="5076000"/>
+            <a:ext cx="0" cy="252000"/>
+          </a:xfrm>
+          <a:prstGeom prst="line">
+            <a:avLst/>
+          </a:prstGeom>
+          <a:ln>
+            <a:solidFill>
+              <a:schemeClr val="tx1"/>
+            </a:solidFill>
+          </a:ln>
+        </p:spPr>
+        <p:style>
+          <a:lnRef idx="1">
+            <a:schemeClr val="accent1"/>
+          </a:lnRef>
+          <a:fillRef idx="0">
+            <a:schemeClr val="accent1"/>
+          </a:fillRef>
+          <a:effectRef idx="0">
+            <a:schemeClr val="accent1"/>
+          </a:effectRef>
+          <a:fontRef idx="minor">
+            <a:schemeClr val="tx1"/>
+          </a:fontRef>
+        </p:style>
+      </p:cxnSp>
+      <p:grpSp>
+        <p:nvGrpSpPr>
+          <p:cNvPr id="201" name="Group 200">
+            <a:extLst>
+              <a:ext uri="{FF2B5EF4-FFF2-40B4-BE49-F238E27FC236}">
+                <a16:creationId xmlns:a16="http://schemas.microsoft.com/office/drawing/2014/main" id="{8904EFC9-4209-F141-B21B-2B2239A745B6}"/>
+              </a:ext>
+            </a:extLst>
+          </p:cNvPr>
+          <p:cNvGrpSpPr/>
+          <p:nvPr/>
+        </p:nvGrpSpPr>
+        <p:grpSpPr>
+          <a:xfrm>
+            <a:off x="8280000" y="6951067"/>
+            <a:ext cx="1818411" cy="252000"/>
+            <a:chOff x="7909138" y="6899685"/>
+            <a:chExt cx="1818411" cy="252000"/>
+          </a:xfrm>
+        </p:grpSpPr>
+        <p:grpSp>
+          <p:nvGrpSpPr>
+            <p:cNvPr id="187" name="Group 186">
+              <a:extLst>
+                <a:ext uri="{FF2B5EF4-FFF2-40B4-BE49-F238E27FC236}">
+                  <a16:creationId xmlns:a16="http://schemas.microsoft.com/office/drawing/2014/main" id="{71B2C241-5799-0C44-A578-34B1D6A01C11}"/>
+                </a:ext>
+              </a:extLst>
+            </p:cNvPr>
+            <p:cNvGrpSpPr/>
+            <p:nvPr/>
+          </p:nvGrpSpPr>
+          <p:grpSpPr>
+            <a:xfrm>
+              <a:off x="7909138" y="6899685"/>
+              <a:ext cx="180000" cy="252000"/>
+              <a:chOff x="8000400" y="6626065"/>
+              <a:chExt cx="180000" cy="252000"/>
+            </a:xfrm>
+          </p:grpSpPr>
+          <p:sp>
+            <p:nvSpPr>
+              <p:cNvPr id="185" name="Rectangle 184">
+                <a:extLst>
+                  <a:ext uri="{FF2B5EF4-FFF2-40B4-BE49-F238E27FC236}">
+                    <a16:creationId xmlns:a16="http://schemas.microsoft.com/office/drawing/2014/main" id="{9D5B0B09-47DE-7D4A-A8D8-C1D47887B77C}"/>
+                  </a:ext>
+                </a:extLst>
+              </p:cNvPr>
+              <p:cNvSpPr/>
+              <p:nvPr/>
+            </p:nvSpPr>
+            <p:spPr>
+              <a:xfrm>
+                <a:off x="8000400" y="6662065"/>
+                <a:ext cx="180000" cy="180000"/>
+              </a:xfrm>
+              <a:prstGeom prst="rect">
+                <a:avLst/>
+              </a:prstGeom>
+              <a:solidFill>
+                <a:schemeClr val="accent4">
+                  <a:lumMod val="60000"/>
+                  <a:lumOff val="40000"/>
+                </a:schemeClr>
+              </a:solidFill>
+              <a:ln>
+                <a:solidFill>
+                  <a:schemeClr val="accent4"/>
+                </a:solidFill>
+              </a:ln>
+            </p:spPr>
+            <p:style>
+              <a:lnRef idx="2">
+                <a:schemeClr val="accent1">
+                  <a:shade val="50000"/>
+                </a:schemeClr>
+              </a:lnRef>
+              <a:fillRef idx="1">
+                <a:schemeClr val="accent1"/>
+              </a:fillRef>
+              <a:effectRef idx="0">
+                <a:schemeClr val="accent1"/>
+              </a:effectRef>
+              <a:fontRef idx="minor">
+                <a:schemeClr val="lt1"/>
+              </a:fontRef>
+            </p:style>
+            <p:txBody>
+              <a:bodyPr rtlCol="0" anchor="ctr"/>
+              <a:lstStyle/>
+              <a:p>
+                <a:pPr algn="ctr"/>
+                <a:endParaRPr lang="en-US"/>
+              </a:p>
+            </p:txBody>
+          </p:sp>
+          <p:cxnSp>
+            <p:nvCxnSpPr>
+              <p:cNvPr id="186" name="Straight Connector 185">
+                <a:extLst>
+                  <a:ext uri="{FF2B5EF4-FFF2-40B4-BE49-F238E27FC236}">
+                    <a16:creationId xmlns:a16="http://schemas.microsoft.com/office/drawing/2014/main" id="{2C34D31A-C784-9B4F-9B28-BFC98726CE6D}"/>
+                  </a:ext>
+                </a:extLst>
+              </p:cNvPr>
+              <p:cNvCxnSpPr/>
+              <p:nvPr/>
+            </p:nvCxnSpPr>
+            <p:spPr>
+              <a:xfrm>
+                <a:off x="8000400" y="6626065"/>
+                <a:ext cx="0" cy="252000"/>
+              </a:xfrm>
+              <a:prstGeom prst="line">
+                <a:avLst/>
+              </a:prstGeom>
+              <a:ln>
+                <a:solidFill>
+                  <a:schemeClr val="tx1"/>
+                </a:solidFill>
+              </a:ln>
+            </p:spPr>
+            <p:style>
+              <a:lnRef idx="1">
+                <a:schemeClr val="accent1"/>
+              </a:lnRef>
+              <a:fillRef idx="0">
+                <a:schemeClr val="accent1"/>
+              </a:fillRef>
+              <a:effectRef idx="0">
+                <a:schemeClr val="accent1"/>
+              </a:effectRef>
+              <a:fontRef idx="minor">
+                <a:schemeClr val="tx1"/>
+              </a:fontRef>
+            </p:style>
+          </p:cxnSp>
+        </p:grpSp>
+        <p:grpSp>
+          <p:nvGrpSpPr>
+            <p:cNvPr id="188" name="Group 187">
+              <a:extLst>
+                <a:ext uri="{FF2B5EF4-FFF2-40B4-BE49-F238E27FC236}">
+                  <a16:creationId xmlns:a16="http://schemas.microsoft.com/office/drawing/2014/main" id="{E9645551-F477-6E4B-A323-CDB6686A916E}"/>
+                </a:ext>
+              </a:extLst>
+            </p:cNvPr>
+            <p:cNvGrpSpPr/>
+            <p:nvPr/>
+          </p:nvGrpSpPr>
+          <p:grpSpPr>
+            <a:xfrm>
+              <a:off x="8318741" y="6899685"/>
+              <a:ext cx="180000" cy="252000"/>
+              <a:chOff x="8000400" y="6626065"/>
+              <a:chExt cx="180000" cy="252000"/>
+            </a:xfrm>
+          </p:grpSpPr>
+          <p:sp>
+            <p:nvSpPr>
+              <p:cNvPr id="189" name="Rectangle 188">
+                <a:extLst>
+                  <a:ext uri="{FF2B5EF4-FFF2-40B4-BE49-F238E27FC236}">
+                    <a16:creationId xmlns:a16="http://schemas.microsoft.com/office/drawing/2014/main" id="{4E1600FA-2E64-0D41-BFF6-2B44978EB3D9}"/>
+                  </a:ext>
+                </a:extLst>
+              </p:cNvPr>
+              <p:cNvSpPr/>
+              <p:nvPr/>
+            </p:nvSpPr>
+            <p:spPr>
+              <a:xfrm>
+                <a:off x="8000400" y="6662065"/>
+                <a:ext cx="180000" cy="180000"/>
+              </a:xfrm>
+              <a:prstGeom prst="rect">
+                <a:avLst/>
+              </a:prstGeom>
+              <a:solidFill>
+                <a:schemeClr val="accent4">
+                  <a:lumMod val="20000"/>
+                  <a:lumOff val="80000"/>
+                </a:schemeClr>
+              </a:solidFill>
+              <a:ln>
+                <a:solidFill>
+                  <a:schemeClr val="accent4">
+                    <a:lumMod val="60000"/>
+                    <a:lumOff val="40000"/>
+                  </a:schemeClr>
+                </a:solidFill>
+              </a:ln>
+            </p:spPr>
+            <p:style>
+              <a:lnRef idx="2">
+                <a:schemeClr val="accent1">
+                  <a:shade val="50000"/>
+                </a:schemeClr>
+              </a:lnRef>
+              <a:fillRef idx="1">
+                <a:schemeClr val="accent1"/>
+              </a:fillRef>
+              <a:effectRef idx="0">
+                <a:schemeClr val="accent1"/>
+              </a:effectRef>
+              <a:fontRef idx="minor">
+                <a:schemeClr val="lt1"/>
+              </a:fontRef>
+            </p:style>
+            <p:txBody>
+              <a:bodyPr rtlCol="0" anchor="ctr"/>
+              <a:lstStyle/>
+              <a:p>
+                <a:pPr algn="ctr"/>
+                <a:endParaRPr lang="en-US"/>
+              </a:p>
+            </p:txBody>
+          </p:sp>
+          <p:cxnSp>
+            <p:nvCxnSpPr>
+              <p:cNvPr id="190" name="Straight Connector 189">
+                <a:extLst>
+                  <a:ext uri="{FF2B5EF4-FFF2-40B4-BE49-F238E27FC236}">
+                    <a16:creationId xmlns:a16="http://schemas.microsoft.com/office/drawing/2014/main" id="{54A68152-148F-8B4D-B035-DA35C8F582BC}"/>
+                  </a:ext>
+                </a:extLst>
+              </p:cNvPr>
+              <p:cNvCxnSpPr/>
+              <p:nvPr/>
+            </p:nvCxnSpPr>
+            <p:spPr>
+              <a:xfrm>
+                <a:off x="8000400" y="6626065"/>
+                <a:ext cx="0" cy="252000"/>
+              </a:xfrm>
+              <a:prstGeom prst="line">
+                <a:avLst/>
+              </a:prstGeom>
+              <a:ln>
+                <a:solidFill>
+                  <a:schemeClr val="tx1"/>
+                </a:solidFill>
+              </a:ln>
+            </p:spPr>
+            <p:style>
+              <a:lnRef idx="1">
+                <a:schemeClr val="accent1"/>
+              </a:lnRef>
+              <a:fillRef idx="0">
+                <a:schemeClr val="accent1"/>
+              </a:fillRef>
+              <a:effectRef idx="0">
+                <a:schemeClr val="accent1"/>
+              </a:effectRef>
+              <a:fontRef idx="minor">
+                <a:schemeClr val="tx1"/>
+              </a:fontRef>
+            </p:style>
+          </p:cxnSp>
+        </p:grpSp>
+        <p:grpSp>
+          <p:nvGrpSpPr>
+            <p:cNvPr id="191" name="Group 190">
+              <a:extLst>
+                <a:ext uri="{FF2B5EF4-FFF2-40B4-BE49-F238E27FC236}">
+                  <a16:creationId xmlns:a16="http://schemas.microsoft.com/office/drawing/2014/main" id="{ED164799-3B29-2045-8798-A5C058D01FD3}"/>
+                </a:ext>
+              </a:extLst>
+            </p:cNvPr>
+            <p:cNvGrpSpPr/>
+            <p:nvPr/>
+          </p:nvGrpSpPr>
+          <p:grpSpPr>
+            <a:xfrm>
+              <a:off x="8728344" y="6899685"/>
+              <a:ext cx="180000" cy="252000"/>
+              <a:chOff x="8000400" y="6626065"/>
+              <a:chExt cx="180000" cy="252000"/>
+            </a:xfrm>
+          </p:grpSpPr>
+          <p:sp>
+            <p:nvSpPr>
+              <p:cNvPr id="192" name="Rectangle 191">
+                <a:extLst>
+                  <a:ext uri="{FF2B5EF4-FFF2-40B4-BE49-F238E27FC236}">
+                    <a16:creationId xmlns:a16="http://schemas.microsoft.com/office/drawing/2014/main" id="{B89A4355-BF50-2042-817E-178B85370A75}"/>
+                  </a:ext>
+                </a:extLst>
+              </p:cNvPr>
+              <p:cNvSpPr/>
+              <p:nvPr/>
+            </p:nvSpPr>
+            <p:spPr>
+              <a:xfrm>
+                <a:off x="8000400" y="6662065"/>
+                <a:ext cx="180000" cy="180000"/>
+              </a:xfrm>
+              <a:prstGeom prst="rect">
+                <a:avLst/>
+              </a:prstGeom>
+              <a:solidFill>
+                <a:schemeClr val="accent3">
+                  <a:lumMod val="60000"/>
+                  <a:lumOff val="40000"/>
+                </a:schemeClr>
+              </a:solidFill>
+              <a:ln>
+                <a:solidFill>
+                  <a:schemeClr val="accent3"/>
+                </a:solidFill>
+              </a:ln>
+            </p:spPr>
+            <p:style>
+              <a:lnRef idx="2">
+                <a:schemeClr val="accent1">
+                  <a:shade val="50000"/>
+                </a:schemeClr>
+              </a:lnRef>
+              <a:fillRef idx="1">
+                <a:schemeClr val="accent1"/>
+              </a:fillRef>
+              <a:effectRef idx="0">
+                <a:schemeClr val="accent1"/>
+              </a:effectRef>
+              <a:fontRef idx="minor">
+                <a:schemeClr val="lt1"/>
+              </a:fontRef>
+            </p:style>
+            <p:txBody>
+              <a:bodyPr rtlCol="0" anchor="ctr"/>
+              <a:lstStyle/>
+              <a:p>
+                <a:pPr algn="ctr"/>
+                <a:endParaRPr lang="en-US"/>
+              </a:p>
+            </p:txBody>
+          </p:sp>
+          <p:cxnSp>
+            <p:nvCxnSpPr>
+              <p:cNvPr id="193" name="Straight Connector 192">
+                <a:extLst>
+                  <a:ext uri="{FF2B5EF4-FFF2-40B4-BE49-F238E27FC236}">
+                    <a16:creationId xmlns:a16="http://schemas.microsoft.com/office/drawing/2014/main" id="{98BB3C69-BBA3-B241-A6AC-E31354C1E437}"/>
+                  </a:ext>
+                </a:extLst>
+              </p:cNvPr>
+              <p:cNvCxnSpPr/>
+              <p:nvPr/>
+            </p:nvCxnSpPr>
+            <p:spPr>
+              <a:xfrm>
+                <a:off x="8000400" y="6626065"/>
+                <a:ext cx="0" cy="252000"/>
+              </a:xfrm>
+              <a:prstGeom prst="line">
+                <a:avLst/>
+              </a:prstGeom>
+              <a:ln>
+                <a:solidFill>
+                  <a:schemeClr val="tx1"/>
+                </a:solidFill>
+              </a:ln>
+            </p:spPr>
+            <p:style>
+              <a:lnRef idx="1">
+                <a:schemeClr val="accent1"/>
+              </a:lnRef>
+              <a:fillRef idx="0">
+                <a:schemeClr val="accent1"/>
+              </a:fillRef>
+              <a:effectRef idx="0">
+                <a:schemeClr val="accent1"/>
+              </a:effectRef>
+              <a:fontRef idx="minor">
+                <a:schemeClr val="tx1"/>
+              </a:fontRef>
+            </p:style>
+          </p:cxnSp>
+        </p:grpSp>
+        <p:grpSp>
+          <p:nvGrpSpPr>
+            <p:cNvPr id="194" name="Group 193">
+              <a:extLst>
+                <a:ext uri="{FF2B5EF4-FFF2-40B4-BE49-F238E27FC236}">
+                  <a16:creationId xmlns:a16="http://schemas.microsoft.com/office/drawing/2014/main" id="{C16782B4-9187-614E-B9E2-A195891CEF56}"/>
+                </a:ext>
+              </a:extLst>
+            </p:cNvPr>
+            <p:cNvGrpSpPr/>
+            <p:nvPr/>
+          </p:nvGrpSpPr>
+          <p:grpSpPr>
+            <a:xfrm>
+              <a:off x="9137947" y="6899685"/>
+              <a:ext cx="180000" cy="252000"/>
+              <a:chOff x="8000400" y="6626065"/>
+              <a:chExt cx="180000" cy="252000"/>
+            </a:xfrm>
+          </p:grpSpPr>
+          <p:sp>
+            <p:nvSpPr>
+              <p:cNvPr id="195" name="Rectangle 194">
+                <a:extLst>
+                  <a:ext uri="{FF2B5EF4-FFF2-40B4-BE49-F238E27FC236}">
+                    <a16:creationId xmlns:a16="http://schemas.microsoft.com/office/drawing/2014/main" id="{A4DD9029-0FC6-934E-B3AB-B1C02F75426A}"/>
+                  </a:ext>
+                </a:extLst>
+              </p:cNvPr>
+              <p:cNvSpPr/>
+              <p:nvPr/>
+            </p:nvSpPr>
+            <p:spPr>
+              <a:xfrm>
+                <a:off x="8000400" y="6662065"/>
+                <a:ext cx="180000" cy="180000"/>
+              </a:xfrm>
+              <a:prstGeom prst="rect">
+                <a:avLst/>
+              </a:prstGeom>
+              <a:solidFill>
+                <a:schemeClr val="accent3">
+                  <a:lumMod val="20000"/>
+                  <a:lumOff val="80000"/>
+                </a:schemeClr>
+              </a:solidFill>
+              <a:ln>
+                <a:solidFill>
+                  <a:schemeClr val="accent3">
+                    <a:lumMod val="60000"/>
+                    <a:lumOff val="40000"/>
+                  </a:schemeClr>
+                </a:solidFill>
+              </a:ln>
+            </p:spPr>
+            <p:style>
+              <a:lnRef idx="2">
+                <a:schemeClr val="accent1">
+                  <a:shade val="50000"/>
+                </a:schemeClr>
+              </a:lnRef>
+              <a:fillRef idx="1">
+                <a:schemeClr val="accent1"/>
+              </a:fillRef>
+              <a:effectRef idx="0">
+                <a:schemeClr val="accent1"/>
+              </a:effectRef>
+              <a:fontRef idx="minor">
+                <a:schemeClr val="lt1"/>
+              </a:fontRef>
+            </p:style>
+            <p:txBody>
+              <a:bodyPr rtlCol="0" anchor="ctr"/>
+              <a:lstStyle/>
+              <a:p>
+                <a:pPr algn="ctr"/>
+                <a:endParaRPr lang="en-US"/>
+              </a:p>
+            </p:txBody>
+          </p:sp>
+          <p:cxnSp>
+            <p:nvCxnSpPr>
+              <p:cNvPr id="196" name="Straight Connector 195">
+                <a:extLst>
+                  <a:ext uri="{FF2B5EF4-FFF2-40B4-BE49-F238E27FC236}">
+                    <a16:creationId xmlns:a16="http://schemas.microsoft.com/office/drawing/2014/main" id="{67AE371A-A104-BD46-A1C7-D09FB2F7A1B4}"/>
+                  </a:ext>
+                </a:extLst>
+              </p:cNvPr>
+              <p:cNvCxnSpPr/>
+              <p:nvPr/>
+            </p:nvCxnSpPr>
+            <p:spPr>
+              <a:xfrm>
+                <a:off x="8000400" y="6626065"/>
+                <a:ext cx="0" cy="252000"/>
+              </a:xfrm>
+              <a:prstGeom prst="line">
+                <a:avLst/>
+              </a:prstGeom>
+              <a:ln>
+                <a:solidFill>
+                  <a:schemeClr val="tx1"/>
+                </a:solidFill>
+              </a:ln>
+            </p:spPr>
+            <p:style>
+              <a:lnRef idx="1">
+                <a:schemeClr val="accent1"/>
+              </a:lnRef>
+              <a:fillRef idx="0">
+                <a:schemeClr val="accent1"/>
+              </a:fillRef>
+              <a:effectRef idx="0">
+                <a:schemeClr val="accent1"/>
+              </a:effectRef>
+              <a:fontRef idx="minor">
+                <a:schemeClr val="tx1"/>
+              </a:fontRef>
+            </p:style>
+          </p:cxnSp>
+        </p:grpSp>
+        <p:grpSp>
+          <p:nvGrpSpPr>
+            <p:cNvPr id="197" name="Group 196">
+              <a:extLst>
+                <a:ext uri="{FF2B5EF4-FFF2-40B4-BE49-F238E27FC236}">
+                  <a16:creationId xmlns:a16="http://schemas.microsoft.com/office/drawing/2014/main" id="{95732B93-91D5-4C42-8889-7FE8A6FC2E5B}"/>
+                </a:ext>
+              </a:extLst>
+            </p:cNvPr>
+            <p:cNvGrpSpPr/>
+            <p:nvPr/>
+          </p:nvGrpSpPr>
+          <p:grpSpPr>
+            <a:xfrm>
+              <a:off x="9547549" y="6899685"/>
+              <a:ext cx="180000" cy="252000"/>
+              <a:chOff x="8000400" y="6626065"/>
+              <a:chExt cx="180000" cy="252000"/>
+            </a:xfrm>
+          </p:grpSpPr>
+          <p:sp>
+            <p:nvSpPr>
+              <p:cNvPr id="198" name="Rectangle 197">
+                <a:extLst>
+                  <a:ext uri="{FF2B5EF4-FFF2-40B4-BE49-F238E27FC236}">
+                    <a16:creationId xmlns:a16="http://schemas.microsoft.com/office/drawing/2014/main" id="{270DBF28-0E45-004D-B0B6-B6EAA82D1D9B}"/>
+                  </a:ext>
+                </a:extLst>
+              </p:cNvPr>
+              <p:cNvSpPr/>
+              <p:nvPr/>
+            </p:nvSpPr>
+            <p:spPr>
+              <a:xfrm>
+                <a:off x="8000400" y="6662065"/>
+                <a:ext cx="180000" cy="180000"/>
+              </a:xfrm>
+              <a:prstGeom prst="rect">
+                <a:avLst/>
+              </a:prstGeom>
+              <a:solidFill>
+                <a:schemeClr val="accent1">
+                  <a:lumMod val="60000"/>
+                  <a:lumOff val="40000"/>
+                </a:schemeClr>
+              </a:solidFill>
+              <a:ln>
+                <a:solidFill>
+                  <a:schemeClr val="accent1"/>
+                </a:solidFill>
+              </a:ln>
+            </p:spPr>
+            <p:style>
+              <a:lnRef idx="2">
+                <a:schemeClr val="accent1">
+                  <a:shade val="50000"/>
+                </a:schemeClr>
+              </a:lnRef>
+              <a:fillRef idx="1">
+                <a:schemeClr val="accent1"/>
+              </a:fillRef>
+              <a:effectRef idx="0">
+                <a:schemeClr val="accent1"/>
+              </a:effectRef>
+              <a:fontRef idx="minor">
+                <a:schemeClr val="lt1"/>
+              </a:fontRef>
+            </p:style>
+            <p:txBody>
+              <a:bodyPr rtlCol="0" anchor="ctr"/>
+              <a:lstStyle/>
+              <a:p>
+                <a:pPr algn="ctr"/>
+                <a:endParaRPr lang="en-US"/>
+              </a:p>
+            </p:txBody>
+          </p:sp>
+          <p:cxnSp>
+            <p:nvCxnSpPr>
+              <p:cNvPr id="199" name="Straight Connector 198">
+                <a:extLst>
+                  <a:ext uri="{FF2B5EF4-FFF2-40B4-BE49-F238E27FC236}">
+                    <a16:creationId xmlns:a16="http://schemas.microsoft.com/office/drawing/2014/main" id="{EF6C86A7-E77B-BA4A-AD9B-71C3A01E512C}"/>
+                  </a:ext>
+                </a:extLst>
+              </p:cNvPr>
+              <p:cNvCxnSpPr/>
+              <p:nvPr/>
+            </p:nvCxnSpPr>
+            <p:spPr>
+              <a:xfrm>
+                <a:off x="8000400" y="6626065"/>
+                <a:ext cx="0" cy="252000"/>
+              </a:xfrm>
+              <a:prstGeom prst="line">
+                <a:avLst/>
+              </a:prstGeom>
+              <a:ln>
+                <a:solidFill>
+                  <a:schemeClr val="tx1"/>
+                </a:solidFill>
+              </a:ln>
+            </p:spPr>
+            <p:style>
+              <a:lnRef idx="1">
+                <a:schemeClr val="accent1"/>
+              </a:lnRef>
+              <a:fillRef idx="0">
+                <a:schemeClr val="accent1"/>
+              </a:fillRef>
+              <a:effectRef idx="0">
+                <a:schemeClr val="accent1"/>
+              </a:effectRef>
+              <a:fontRef idx="minor">
+                <a:schemeClr val="tx1"/>
+              </a:fontRef>
+            </p:style>
+          </p:cxnSp>
+        </p:grpSp>
+      </p:grpSp>
+      <p:sp>
+        <p:nvSpPr>
+          <p:cNvPr id="200" name="TextBox 199">
+            <a:extLst>
+              <a:ext uri="{FF2B5EF4-FFF2-40B4-BE49-F238E27FC236}">
+                <a16:creationId xmlns:a16="http://schemas.microsoft.com/office/drawing/2014/main" id="{17C6F39D-0994-7145-B11E-DA37AFA1BCB4}"/>
+              </a:ext>
+            </a:extLst>
+          </p:cNvPr>
+          <p:cNvSpPr txBox="1"/>
+          <p:nvPr/>
+        </p:nvSpPr>
+        <p:spPr>
+          <a:xfrm>
+            <a:off x="8256899" y="7221066"/>
+            <a:ext cx="1864613" cy="369332"/>
+          </a:xfrm>
+          <a:prstGeom prst="rect">
+            <a:avLst/>
+          </a:prstGeom>
+          <a:noFill/>
+        </p:spPr>
+        <p:txBody>
+          <a:bodyPr wrap="none" rtlCol="0">
+            <a:spAutoFit/>
+          </a:bodyPr>
+          <a:lstStyle/>
+          <a:p>
+            <a:r>
+              <a:rPr lang="en-US" dirty="0">
+                <a:latin typeface="Arial" panose="020B0604020202020204" pitchFamily="34" charset="0"/>
+                <a:cs typeface="Arial" panose="020B0604020202020204" pitchFamily="34" charset="0"/>
+              </a:rPr>
+              <a:t>Probability (Log)</a:t>
+            </a:r>
+          </a:p>
+        </p:txBody>
+      </p:sp>
+    </p:spTree>
+    <p:extLst>
+      <p:ext uri="{BB962C8B-B14F-4D97-AF65-F5344CB8AC3E}">
+        <p14:creationId xmlns:p14="http://schemas.microsoft.com/office/powerpoint/2010/main" val="1120709122"/>
+      </p:ext>
+    </p:extLst>
+  </p:cSld>
+  <p:clrMapOvr>
+    <a:masterClrMapping/>
+  </p:clrMapOvr>
+</p:sld>
+</file>
+
 <file path=ppt/slides/slide2.xml><?xml version="1.0" encoding="utf-8"?>
 <p:sld xmlns:a="http://schemas.openxmlformats.org/drawingml/2006/main" xmlns:r="http://schemas.openxmlformats.org/officeDocument/2006/relationships" xmlns:p="http://schemas.openxmlformats.org/presentationml/2006/main">
   <p:cSld>
